--- a/Spezifikationen/CMS_Modell_Spezifikation.pptx
+++ b/Spezifikationen/CMS_Modell_Spezifikation.pptx
@@ -6244,7 +6244,7 @@
           <p:nvPr>
             <p:extLst>
               <p:ext uri="{D42A27DB-BD31-4B8C-83A1-F6EECF244321}">
-                <p14:modId xmlns:p14="http://schemas.microsoft.com/office/powerpoint/2010/main" val="787039233"/>
+                <p14:modId xmlns:p14="http://schemas.microsoft.com/office/powerpoint/2010/main" val="2898582316"/>
               </p:ext>
             </p:extLst>
           </p:nvPr>
@@ -6325,12 +6325,20 @@
                     <a:lstStyle/>
                     <a:p>
                       <a:r>
+                        <a:rPr lang="de-DE" sz="1100" u="sng" baseline="0" dirty="0">
+                          <a:latin typeface="Arial" panose="020B0604020202020204" pitchFamily="34" charset="0"/>
+                          <a:cs typeface="Arial" panose="020B0604020202020204" pitchFamily="34" charset="0"/>
+                          <a:sym typeface="Wingdings" panose="05000000000000000000" pitchFamily="2" charset="2"/>
+                        </a:rPr>
+                        <a:t>id (PS)</a:t>
+                      </a:r>
+                      <a:r>
                         <a:rPr lang="de-DE" sz="1100" u="none" baseline="0" dirty="0">
                           <a:latin typeface="Arial" panose="020B0604020202020204" pitchFamily="34" charset="0"/>
                           <a:cs typeface="Arial" panose="020B0604020202020204" pitchFamily="34" charset="0"/>
                           <a:sym typeface="Wingdings" panose="05000000000000000000" pitchFamily="2" charset="2"/>
                         </a:rPr>
-                        <a:t>id (PS) </a:t>
+                        <a:t> </a:t>
                       </a:r>
                       <a:r>
                         <a:rPr lang="de-DE" sz="600" u="none" baseline="0" dirty="0">
@@ -9217,7 +9225,7 @@
           <p:nvPr>
             <p:extLst>
               <p:ext uri="{D42A27DB-BD31-4B8C-83A1-F6EECF244321}">
-                <p14:modId xmlns:p14="http://schemas.microsoft.com/office/powerpoint/2010/main" val="477169970"/>
+                <p14:modId xmlns:p14="http://schemas.microsoft.com/office/powerpoint/2010/main" val="1238022313"/>
               </p:ext>
             </p:extLst>
           </p:nvPr>
@@ -9379,7 +9387,7 @@
                     </a:p>
                     <a:p>
                       <a:r>
-                        <a:rPr lang="de-DE" sz="1100" u="sng" kern="1200" baseline="0" dirty="0">
+                        <a:rPr lang="de-DE" sz="1100" u="sng" kern="1200" baseline="0" dirty="0" err="1">
                           <a:solidFill>
                             <a:schemeClr val="tx1"/>
                           </a:solidFill>
@@ -9400,31 +9408,7 @@
                           <a:cs typeface="Arial" panose="020B0604020202020204" pitchFamily="34" charset="0"/>
                           <a:sym typeface="Wingdings" panose="05000000000000000000" pitchFamily="2" charset="2"/>
                         </a:rPr>
-                        <a:t> (</a:t>
-                      </a:r>
-                      <a:r>
-                        <a:rPr lang="de-DE" sz="1100" u="none" kern="1200" baseline="0" dirty="0" err="1">
-                          <a:solidFill>
-                            <a:schemeClr val="tx1"/>
-                          </a:solidFill>
-                          <a:latin typeface="Arial" panose="020B0604020202020204" pitchFamily="34" charset="0"/>
-                          <a:ea typeface="+mn-ea"/>
-                          <a:cs typeface="Arial" panose="020B0604020202020204" pitchFamily="34" charset="0"/>
-                          <a:sym typeface="Wingdings" panose="05000000000000000000" pitchFamily="2" charset="2"/>
-                        </a:rPr>
-                        <a:t>id</a:t>
-                      </a:r>
-                      <a:r>
-                        <a:rPr lang="de-DE" sz="1100" u="none" kern="1200" baseline="0" dirty="0">
-                          <a:solidFill>
-                            <a:schemeClr val="tx1"/>
-                          </a:solidFill>
-                          <a:latin typeface="Arial" panose="020B0604020202020204" pitchFamily="34" charset="0"/>
-                          <a:ea typeface="+mn-ea"/>
-                          <a:cs typeface="Arial" panose="020B0604020202020204" pitchFamily="34" charset="0"/>
-                          <a:sym typeface="Wingdings" panose="05000000000000000000" pitchFamily="2" charset="2"/>
-                        </a:rPr>
-                        <a:t>)</a:t>
+                        <a:t> (FS)</a:t>
                       </a:r>
                       <a:r>
                         <a:rPr lang="de-DE" sz="800" u="none" kern="1200" baseline="0" dirty="0">
@@ -9463,7 +9447,7 @@
                         <a:t>, </a:t>
                       </a:r>
                       <a:r>
-                        <a:rPr lang="de-DE" sz="800" u="none" baseline="0" dirty="0">
+                        <a:rPr lang="de-DE" sz="800" b="0" u="none" baseline="0" dirty="0">
                           <a:solidFill>
                             <a:srgbClr val="00B0F0"/>
                           </a:solidFill>
@@ -9473,7 +9457,7 @@
                         </a:rPr>
                         <a:t>kein Default-Wert</a:t>
                       </a:r>
-                      <a:endParaRPr lang="de-DE" sz="1100" u="none" kern="1200" baseline="0" dirty="0">
+                      <a:endParaRPr lang="de-DE" sz="1100" b="0" u="none" kern="1200" baseline="0" dirty="0">
                         <a:solidFill>
                           <a:schemeClr val="tx1"/>
                         </a:solidFill>
@@ -9586,7 +9570,7 @@
           <p:nvPr>
             <p:extLst>
               <p:ext uri="{D42A27DB-BD31-4B8C-83A1-F6EECF244321}">
-                <p14:modId xmlns:p14="http://schemas.microsoft.com/office/powerpoint/2010/main" val="2751980587"/>
+                <p14:modId xmlns:p14="http://schemas.microsoft.com/office/powerpoint/2010/main" val="980807095"/>
               </p:ext>
             </p:extLst>
           </p:nvPr>
@@ -9690,15 +9674,7 @@
                           <a:cs typeface="Arial" panose="020B0604020202020204" pitchFamily="34" charset="0"/>
                           <a:sym typeface="Wingdings" panose="05000000000000000000" pitchFamily="2" charset="2"/>
                         </a:rPr>
-                        <a:t> (PS</a:t>
-                      </a:r>
-                      <a:r>
-                        <a:rPr lang="de-DE" sz="1100" u="none" baseline="0" dirty="0">
-                          <a:latin typeface="Arial" panose="020B0604020202020204" pitchFamily="34" charset="0"/>
-                          <a:cs typeface="Arial" panose="020B0604020202020204" pitchFamily="34" charset="0"/>
-                          <a:sym typeface="Wingdings" panose="05000000000000000000" pitchFamily="2" charset="2"/>
-                        </a:rPr>
-                        <a:t>) </a:t>
+                        <a:t> (PS) </a:t>
                       </a:r>
                       <a:r>
                         <a:rPr lang="de-DE" sz="800" u="none" kern="1200" baseline="0" dirty="0">
@@ -9805,6 +9781,18 @@
                         <a:defRPr/>
                       </a:pPr>
                       <a:r>
+                        <a:rPr lang="de-DE" sz="1100" u="sng" kern="1200" baseline="0" dirty="0">
+                          <a:solidFill>
+                            <a:schemeClr val="tx1"/>
+                          </a:solidFill>
+                          <a:latin typeface="Arial" panose="020B0604020202020204" pitchFamily="34" charset="0"/>
+                          <a:ea typeface="+mn-ea"/>
+                          <a:cs typeface="Arial" panose="020B0604020202020204" pitchFamily="34" charset="0"/>
+                          <a:sym typeface="Wingdings" panose="05000000000000000000" pitchFamily="2" charset="2"/>
+                        </a:rPr>
+                        <a:t>searchphrase</a:t>
+                      </a:r>
+                      <a:r>
                         <a:rPr lang="de-DE" sz="1100" u="none" kern="1200" baseline="0" dirty="0">
                           <a:solidFill>
                             <a:schemeClr val="tx1"/>
@@ -9814,7 +9802,7 @@
                           <a:cs typeface="Arial" panose="020B0604020202020204" pitchFamily="34" charset="0"/>
                           <a:sym typeface="Wingdings" panose="05000000000000000000" pitchFamily="2" charset="2"/>
                         </a:rPr>
-                        <a:t>searchphrase </a:t>
+                        <a:t> </a:t>
                       </a:r>
                       <a:r>
                         <a:rPr lang="de-DE" sz="600" u="none" kern="1200" baseline="0" dirty="0">
@@ -11335,7 +11323,7 @@
           <p:nvPr>
             <p:extLst>
               <p:ext uri="{D42A27DB-BD31-4B8C-83A1-F6EECF244321}">
-                <p14:modId xmlns:p14="http://schemas.microsoft.com/office/powerpoint/2010/main" val="2558773245"/>
+                <p14:modId xmlns:p14="http://schemas.microsoft.com/office/powerpoint/2010/main" val="2953408577"/>
               </p:ext>
             </p:extLst>
           </p:nvPr>
@@ -11416,14 +11404,14 @@
                     <a:lstStyle/>
                     <a:p>
                       <a:r>
-                        <a:rPr lang="de-DE" sz="1100" u="none" baseline="0" dirty="0">
+                        <a:rPr lang="de-DE" sz="1100" u="sng" baseline="0" dirty="0">
                           <a:latin typeface="Arial" panose="020B0604020202020204" pitchFamily="34" charset="0"/>
                           <a:cs typeface="Arial" panose="020B0604020202020204" pitchFamily="34" charset="0"/>
                           <a:sym typeface="Wingdings" panose="05000000000000000000" pitchFamily="2" charset="2"/>
                         </a:rPr>
                         <a:t>id (PS)</a:t>
                       </a:r>
-                      <a:endParaRPr lang="de-DE" sz="600" u="none" baseline="0" dirty="0">
+                      <a:endParaRPr lang="de-DE" sz="600" u="sng" baseline="0" dirty="0">
                         <a:solidFill>
                           <a:srgbClr val="C00000"/>
                         </a:solidFill>

--- a/Spezifikationen/CMS_Modell_Spezifikation.pptx
+++ b/Spezifikationen/CMS_Modell_Spezifikation.pptx
@@ -213,7 +213,7 @@
           <a:p>
             <a:fld id="{5FB9DE1E-9C59-4472-9BFE-872FCA557505}" type="datetimeFigureOut">
               <a:rPr lang="de-DE" smtClean="0"/>
-              <a:t>01.12.2016</a:t>
+              <a:t>11.12.2016</a:t>
             </a:fld>
             <a:endParaRPr lang="de-DE"/>
           </a:p>
@@ -1104,7 +1104,7 @@
           <a:p>
             <a:fld id="{A8397244-F09A-480D-A398-F059C842E541}" type="datetime1">
               <a:rPr lang="de-DE" smtClean="0"/>
-              <a:t>01.12.2016</a:t>
+              <a:t>11.12.2016</a:t>
             </a:fld>
             <a:endParaRPr lang="de-DE"/>
           </a:p>
@@ -1275,7 +1275,7 @@
           <a:p>
             <a:fld id="{4A0624FD-1E9C-442B-9A77-F7854ECD5C4B}" type="datetime1">
               <a:rPr lang="de-DE" smtClean="0"/>
-              <a:t>01.12.2016</a:t>
+              <a:t>11.12.2016</a:t>
             </a:fld>
             <a:endParaRPr lang="de-DE"/>
           </a:p>
@@ -1456,7 +1456,7 @@
           <a:p>
             <a:fld id="{0F97B927-A088-4873-98CF-029B6CB6D85E}" type="datetime1">
               <a:rPr lang="de-DE" smtClean="0"/>
-              <a:t>01.12.2016</a:t>
+              <a:t>11.12.2016</a:t>
             </a:fld>
             <a:endParaRPr lang="de-DE"/>
           </a:p>
@@ -1627,7 +1627,7 @@
           <a:p>
             <a:fld id="{D6663774-A100-4623-94BA-F6B6B53CC199}" type="datetime1">
               <a:rPr lang="de-DE" smtClean="0"/>
-              <a:t>01.12.2016</a:t>
+              <a:t>11.12.2016</a:t>
             </a:fld>
             <a:endParaRPr lang="de-DE"/>
           </a:p>
@@ -1875,7 +1875,7 @@
           <a:p>
             <a:fld id="{21A81475-685C-4B07-89AC-60C6EAAB6D4C}" type="datetime1">
               <a:rPr lang="de-DE" smtClean="0"/>
-              <a:t>01.12.2016</a:t>
+              <a:t>11.12.2016</a:t>
             </a:fld>
             <a:endParaRPr lang="de-DE"/>
           </a:p>
@@ -2163,7 +2163,7 @@
           <a:p>
             <a:fld id="{B2F9CB55-05F2-4296-95CC-14386AFD87D6}" type="datetime1">
               <a:rPr lang="de-DE" smtClean="0"/>
-              <a:t>01.12.2016</a:t>
+              <a:t>11.12.2016</a:t>
             </a:fld>
             <a:endParaRPr lang="de-DE"/>
           </a:p>
@@ -2585,7 +2585,7 @@
           <a:p>
             <a:fld id="{8E5BD420-9AB9-458C-81BE-DAFAA9902404}" type="datetime1">
               <a:rPr lang="de-DE" smtClean="0"/>
-              <a:t>01.12.2016</a:t>
+              <a:t>11.12.2016</a:t>
             </a:fld>
             <a:endParaRPr lang="de-DE"/>
           </a:p>
@@ -2705,7 +2705,7 @@
           <a:p>
             <a:fld id="{C644B812-3534-4884-8BE6-32A8F8B770F4}" type="datetime1">
               <a:rPr lang="de-DE" smtClean="0"/>
-              <a:t>01.12.2016</a:t>
+              <a:t>11.12.2016</a:t>
             </a:fld>
             <a:endParaRPr lang="de-DE"/>
           </a:p>
@@ -2803,7 +2803,7 @@
           <a:p>
             <a:fld id="{A8F29B9A-F350-418A-A942-E37D8F967607}" type="datetime1">
               <a:rPr lang="de-DE" smtClean="0"/>
-              <a:t>01.12.2016</a:t>
+              <a:t>11.12.2016</a:t>
             </a:fld>
             <a:endParaRPr lang="de-DE"/>
           </a:p>
@@ -3081,7 +3081,7 @@
           <a:p>
             <a:fld id="{D76FCF4F-E669-4E72-9162-ADDF332D172D}" type="datetime1">
               <a:rPr lang="de-DE" smtClean="0"/>
-              <a:t>01.12.2016</a:t>
+              <a:t>11.12.2016</a:t>
             </a:fld>
             <a:endParaRPr lang="de-DE"/>
           </a:p>
@@ -3336,7 +3336,7 @@
           <a:p>
             <a:fld id="{FCC29BEE-D49A-4984-9A0D-EA18D67C6542}" type="datetime1">
               <a:rPr lang="de-DE" smtClean="0"/>
-              <a:t>01.12.2016</a:t>
+              <a:t>11.12.2016</a:t>
             </a:fld>
             <a:endParaRPr lang="de-DE"/>
           </a:p>
@@ -3550,7 +3550,7 @@
           <a:p>
             <a:fld id="{176F2E55-DA60-42A3-9F60-D110BF06A931}" type="datetime1">
               <a:rPr lang="de-DE" smtClean="0"/>
-              <a:t>01.12.2016</a:t>
+              <a:t>11.12.2016</a:t>
             </a:fld>
             <a:endParaRPr lang="de-DE"/>
           </a:p>
@@ -4626,14 +4626,14 @@
           <p:nvPr>
             <p:extLst>
               <p:ext uri="{D42A27DB-BD31-4B8C-83A1-F6EECF244321}">
-                <p14:modId xmlns:p14="http://schemas.microsoft.com/office/powerpoint/2010/main" val="991538200"/>
+                <p14:modId xmlns:p14="http://schemas.microsoft.com/office/powerpoint/2010/main" val="3034755276"/>
               </p:ext>
             </p:extLst>
           </p:nvPr>
         </p:nvGraphicFramePr>
         <p:xfrm>
           <a:off x="4499992" y="104567"/>
-          <a:ext cx="1944216" cy="2100297"/>
+          <a:ext cx="1944216" cy="2331720"/>
         </p:xfrm>
         <a:graphic>
           <a:graphicData uri="http://schemas.openxmlformats.org/drawingml/2006/table">
@@ -4693,7 +4693,7 @@
                   </a:ext>
                 </a:extLst>
               </a:tr>
-              <a:tr h="1825977">
+              <a:tr h="2057400">
                 <a:tc>
                   <a:txBody>
                     <a:bodyPr/>
@@ -5058,6 +5058,99 @@
                         </a:rPr>
                         <a:t> kein Default-Wert</a:t>
                       </a:r>
+                    </a:p>
+                    <a:p>
+                      <a:pPr marL="0" marR="0" lvl="0" indent="0" algn="l" defTabSz="914400" rtl="0" eaLnBrk="1" fontAlgn="auto" latinLnBrk="0" hangingPunct="1">
+                        <a:lnSpc>
+                          <a:spcPct val="100000"/>
+                        </a:lnSpc>
+                        <a:spcBef>
+                          <a:spcPts val="0"/>
+                        </a:spcBef>
+                        <a:spcAft>
+                          <a:spcPts val="0"/>
+                        </a:spcAft>
+                        <a:buClrTx/>
+                        <a:buSzTx/>
+                        <a:buFontTx/>
+                        <a:buNone/>
+                        <a:tabLst/>
+                        <a:defRPr/>
+                      </a:pPr>
+                      <a:r>
+                        <a:rPr lang="de-DE" sz="1100" u="none" baseline="0" dirty="0" err="1">
+                          <a:latin typeface="Arial" panose="020B0604020202020204" pitchFamily="34" charset="0"/>
+                          <a:cs typeface="Arial" panose="020B0604020202020204" pitchFamily="34" charset="0"/>
+                          <a:sym typeface="Wingdings" panose="05000000000000000000" pitchFamily="2" charset="2"/>
+                        </a:rPr>
+                        <a:t>birthdate</a:t>
+                      </a:r>
+                      <a:r>
+                        <a:rPr lang="de-DE" sz="1100" u="none" baseline="0" dirty="0">
+                          <a:latin typeface="Arial" panose="020B0604020202020204" pitchFamily="34" charset="0"/>
+                          <a:cs typeface="Arial" panose="020B0604020202020204" pitchFamily="34" charset="0"/>
+                          <a:sym typeface="Wingdings" panose="05000000000000000000" pitchFamily="2" charset="2"/>
+                        </a:rPr>
+                        <a:t> </a:t>
+                      </a:r>
+                      <a:r>
+                        <a:rPr lang="de-DE" sz="600" u="none" kern="1200" baseline="0" dirty="0">
+                          <a:solidFill>
+                            <a:srgbClr val="C00000"/>
+                          </a:solidFill>
+                          <a:latin typeface="Arial" panose="020B0604020202020204" pitchFamily="34" charset="0"/>
+                          <a:ea typeface="+mn-ea"/>
+                          <a:cs typeface="Arial" panose="020B0604020202020204" pitchFamily="34" charset="0"/>
+                          <a:sym typeface="Wingdings" panose="05000000000000000000" pitchFamily="2" charset="2"/>
+                        </a:rPr>
+                        <a:t>=&gt; </a:t>
+                      </a:r>
+                      <a:r>
+                        <a:rPr lang="de-DE" sz="600" u="none" kern="1200" baseline="0" dirty="0" err="1">
+                          <a:solidFill>
+                            <a:srgbClr val="C00000"/>
+                          </a:solidFill>
+                          <a:latin typeface="Arial" panose="020B0604020202020204" pitchFamily="34" charset="0"/>
+                          <a:ea typeface="+mn-ea"/>
+                          <a:cs typeface="Arial" panose="020B0604020202020204" pitchFamily="34" charset="0"/>
+                          <a:sym typeface="Wingdings" panose="05000000000000000000" pitchFamily="2" charset="2"/>
+                        </a:rPr>
+                        <a:t>date</a:t>
+                      </a:r>
+                      <a:r>
+                        <a:rPr lang="de-DE" sz="600" u="none" kern="1200" baseline="0" dirty="0">
+                          <a:solidFill>
+                            <a:srgbClr val="C00000"/>
+                          </a:solidFill>
+                          <a:latin typeface="Arial" panose="020B0604020202020204" pitchFamily="34" charset="0"/>
+                          <a:ea typeface="+mn-ea"/>
+                          <a:cs typeface="Arial" panose="020B0604020202020204" pitchFamily="34" charset="0"/>
+                          <a:sym typeface="Wingdings" panose="05000000000000000000" pitchFamily="2" charset="2"/>
+                        </a:rPr>
+                        <a:t>,</a:t>
+                      </a:r>
+                      <a:r>
+                        <a:rPr lang="de-DE" sz="800" u="none" baseline="0" dirty="0">
+                          <a:solidFill>
+                            <a:srgbClr val="00B0F0"/>
+                          </a:solidFill>
+                          <a:latin typeface="Arial" panose="020B0604020202020204" pitchFamily="34" charset="0"/>
+                          <a:cs typeface="Arial" panose="020B0604020202020204" pitchFamily="34" charset="0"/>
+                          <a:sym typeface="Wingdings" panose="05000000000000000000" pitchFamily="2" charset="2"/>
+                        </a:rPr>
+                        <a:t> </a:t>
+                      </a:r>
+                      <a:r>
+                        <a:rPr lang="de-DE" sz="600" u="none" baseline="0" dirty="0">
+                          <a:solidFill>
+                            <a:srgbClr val="00B0F0"/>
+                          </a:solidFill>
+                          <a:latin typeface="Arial" panose="020B0604020202020204" pitchFamily="34" charset="0"/>
+                          <a:cs typeface="Arial" panose="020B0604020202020204" pitchFamily="34" charset="0"/>
+                          <a:sym typeface="Wingdings" panose="05000000000000000000" pitchFamily="2" charset="2"/>
+                        </a:rPr>
+                        <a:t>kein Default-Wert</a:t>
+                      </a:r>
                       <a:endParaRPr lang="de-DE" sz="600" u="none" kern="1200" baseline="0" dirty="0">
                         <a:solidFill>
                           <a:srgbClr val="C00000"/>
@@ -5433,11 +5526,6 @@
                         </a:rPr>
                         <a:t>kein Default-Wert</a:t>
                       </a:r>
-                      <a:endParaRPr lang="de-DE" sz="600" u="none" baseline="0" dirty="0">
-                        <a:latin typeface="Arial" panose="020B0604020202020204" pitchFamily="34" charset="0"/>
-                        <a:cs typeface="Arial" panose="020B0604020202020204" pitchFamily="34" charset="0"/>
-                        <a:sym typeface="Wingdings" panose="05000000000000000000" pitchFamily="2" charset="2"/>
-                      </a:endParaRPr>
                     </a:p>
                   </a:txBody>
                   <a:tcPr/>
@@ -5461,7 +5549,7 @@
           <p:nvPr>
             <p:extLst>
               <p:ext uri="{D42A27DB-BD31-4B8C-83A1-F6EECF244321}">
-                <p14:modId xmlns:p14="http://schemas.microsoft.com/office/powerpoint/2010/main" val="4165976261"/>
+                <p14:modId xmlns:p14="http://schemas.microsoft.com/office/powerpoint/2010/main" val="3174655584"/>
               </p:ext>
             </p:extLst>
           </p:nvPr>
@@ -5711,7 +5799,7 @@
                           <a:cs typeface="Arial" panose="020B0604020202020204" pitchFamily="34" charset="0"/>
                           <a:sym typeface="Wingdings" panose="05000000000000000000" pitchFamily="2" charset="2"/>
                         </a:rPr>
-                        <a:t>varchar</a:t>
+                        <a:t>text</a:t>
                       </a:r>
                       <a:r>
                         <a:rPr lang="de-DE" sz="600" u="none" kern="1200" baseline="0" dirty="0">
@@ -5723,7 +5811,7 @@
                           <a:cs typeface="Arial" panose="020B0604020202020204" pitchFamily="34" charset="0"/>
                           <a:sym typeface="Wingdings" panose="05000000000000000000" pitchFamily="2" charset="2"/>
                         </a:rPr>
-                        <a:t>[767] </a:t>
+                        <a:t> </a:t>
                       </a:r>
                       <a:r>
                         <a:rPr lang="de-DE" sz="600" u="none" baseline="0" dirty="0">
@@ -6244,14 +6332,14 @@
           <p:nvPr>
             <p:extLst>
               <p:ext uri="{D42A27DB-BD31-4B8C-83A1-F6EECF244321}">
-                <p14:modId xmlns:p14="http://schemas.microsoft.com/office/powerpoint/2010/main" val="2898582316"/>
+                <p14:modId xmlns:p14="http://schemas.microsoft.com/office/powerpoint/2010/main" val="3094227903"/>
               </p:ext>
             </p:extLst>
           </p:nvPr>
         </p:nvGraphicFramePr>
         <p:xfrm>
           <a:off x="3347864" y="2924944"/>
-          <a:ext cx="1800200" cy="2034966"/>
+          <a:ext cx="1800200" cy="2148840"/>
         </p:xfrm>
         <a:graphic>
           <a:graphicData uri="http://schemas.openxmlformats.org/drawingml/2006/table">
@@ -6318,7 +6406,7 @@
                   </a:ext>
                 </a:extLst>
               </a:tr>
-              <a:tr h="1760646">
+              <a:tr h="1874520">
                 <a:tc>
                   <a:txBody>
                     <a:bodyPr/>
@@ -6869,6 +6957,89 @@
                           <a:sym typeface="Wingdings" panose="05000000000000000000" pitchFamily="2" charset="2"/>
                         </a:rPr>
                         <a:t>tinyint</a:t>
+                      </a:r>
+                      <a:r>
+                        <a:rPr lang="de-DE" sz="600" u="none" kern="1200" baseline="0" dirty="0">
+                          <a:solidFill>
+                            <a:srgbClr val="00B0F0"/>
+                          </a:solidFill>
+                          <a:latin typeface="Arial" panose="020B0604020202020204" pitchFamily="34" charset="0"/>
+                          <a:ea typeface="+mn-ea"/>
+                          <a:cs typeface="Arial" panose="020B0604020202020204" pitchFamily="34" charset="0"/>
+                          <a:sym typeface="Wingdings" panose="05000000000000000000" pitchFamily="2" charset="2"/>
+                        </a:rPr>
+                        <a:t>, FALSE</a:t>
+                      </a:r>
+                    </a:p>
+                    <a:p>
+                      <a:pPr marL="0" marR="0" lvl="0" indent="0" algn="l" defTabSz="914400" rtl="0" eaLnBrk="1" fontAlgn="auto" latinLnBrk="0" hangingPunct="1">
+                        <a:lnSpc>
+                          <a:spcPct val="100000"/>
+                        </a:lnSpc>
+                        <a:spcBef>
+                          <a:spcPts val="0"/>
+                        </a:spcBef>
+                        <a:spcAft>
+                          <a:spcPts val="0"/>
+                        </a:spcAft>
+                        <a:buClrTx/>
+                        <a:buSzTx/>
+                        <a:buFontTx/>
+                        <a:buNone/>
+                        <a:tabLst/>
+                        <a:defRPr/>
+                      </a:pPr>
+                      <a:r>
+                        <a:rPr lang="de-DE" sz="1100" u="none" baseline="0" dirty="0" err="1">
+                          <a:latin typeface="Arial" panose="020B0604020202020204" pitchFamily="34" charset="0"/>
+                          <a:cs typeface="Arial" panose="020B0604020202020204" pitchFamily="34" charset="0"/>
+                          <a:sym typeface="Wingdings" panose="05000000000000000000" pitchFamily="2" charset="2"/>
+                        </a:rPr>
+                        <a:t>description</a:t>
+                      </a:r>
+                      <a:r>
+                        <a:rPr lang="de-DE" sz="1100" u="none" baseline="0" dirty="0">
+                          <a:latin typeface="Arial" panose="020B0604020202020204" pitchFamily="34" charset="0"/>
+                          <a:cs typeface="Arial" panose="020B0604020202020204" pitchFamily="34" charset="0"/>
+                          <a:sym typeface="Wingdings" panose="05000000000000000000" pitchFamily="2" charset="2"/>
+                        </a:rPr>
+                        <a:t> </a:t>
+                      </a:r>
+                      <a:r>
+                        <a:rPr lang="de-DE" sz="600" u="none" kern="1200" baseline="0" dirty="0">
+                          <a:solidFill>
+                            <a:srgbClr val="C00000"/>
+                          </a:solidFill>
+                          <a:latin typeface="Arial" panose="020B0604020202020204" pitchFamily="34" charset="0"/>
+                          <a:ea typeface="+mn-ea"/>
+                          <a:cs typeface="Arial" panose="020B0604020202020204" pitchFamily="34" charset="0"/>
+                          <a:sym typeface="Wingdings" panose="05000000000000000000" pitchFamily="2" charset="2"/>
+                        </a:rPr>
+                        <a:t>=&gt; </a:t>
+                      </a:r>
+                      <a:r>
+                        <a:rPr lang="de-DE" sz="600" u="none" kern="1200" baseline="0" dirty="0" err="1">
+                          <a:solidFill>
+                            <a:srgbClr val="C00000"/>
+                          </a:solidFill>
+                          <a:latin typeface="Arial" panose="020B0604020202020204" pitchFamily="34" charset="0"/>
+                          <a:ea typeface="+mn-ea"/>
+                          <a:cs typeface="Arial" panose="020B0604020202020204" pitchFamily="34" charset="0"/>
+                          <a:sym typeface="Wingdings" panose="05000000000000000000" pitchFamily="2" charset="2"/>
+                        </a:rPr>
+                        <a:t>varchar</a:t>
+                      </a:r>
+                      <a:r>
+                        <a:rPr lang="de-DE" sz="600" u="none" kern="1200" baseline="0" dirty="0">
+                          <a:solidFill>
+                            <a:srgbClr val="C00000"/>
+                          </a:solidFill>
+                          <a:latin typeface="Arial" panose="020B0604020202020204" pitchFamily="34" charset="0"/>
+                          <a:ea typeface="+mn-ea"/>
+                          <a:cs typeface="Arial" panose="020B0604020202020204" pitchFamily="34" charset="0"/>
+                          <a:sym typeface="Wingdings" panose="05000000000000000000" pitchFamily="2" charset="2"/>
+                        </a:rPr>
+                        <a:t>[500]</a:t>
                       </a:r>
                       <a:r>
                         <a:rPr lang="de-DE" sz="600" u="none" kern="1200" baseline="0" dirty="0">
@@ -6905,13 +7076,13 @@
           <p:nvPr>
             <p:extLst>
               <p:ext uri="{D42A27DB-BD31-4B8C-83A1-F6EECF244321}">
-                <p14:modId xmlns:p14="http://schemas.microsoft.com/office/powerpoint/2010/main" val="345476742"/>
+                <p14:modId xmlns:p14="http://schemas.microsoft.com/office/powerpoint/2010/main" val="2209966677"/>
               </p:ext>
             </p:extLst>
           </p:nvPr>
         </p:nvGraphicFramePr>
         <p:xfrm>
-          <a:off x="1619672" y="3384862"/>
+          <a:off x="1619672" y="3428407"/>
           <a:ext cx="1334243" cy="1143000"/>
         </p:xfrm>
         <a:graphic>
@@ -7255,13 +7426,13 @@
           <p:nvPr>
             <p:extLst>
               <p:ext uri="{D42A27DB-BD31-4B8C-83A1-F6EECF244321}">
-                <p14:modId xmlns:p14="http://schemas.microsoft.com/office/powerpoint/2010/main" val="2417435580"/>
+                <p14:modId xmlns:p14="http://schemas.microsoft.com/office/powerpoint/2010/main" val="2456249933"/>
               </p:ext>
             </p:extLst>
           </p:nvPr>
         </p:nvGraphicFramePr>
         <p:xfrm>
-          <a:off x="35496" y="3384862"/>
+          <a:off x="35496" y="3428407"/>
           <a:ext cx="1296144" cy="1143000"/>
         </p:xfrm>
         <a:graphic>
@@ -8217,7 +8388,7 @@
           <p:nvPr>
             <p:extLst>
               <p:ext uri="{D42A27DB-BD31-4B8C-83A1-F6EECF244321}">
-                <p14:modId xmlns:p14="http://schemas.microsoft.com/office/powerpoint/2010/main" val="456954698"/>
+                <p14:modId xmlns:p14="http://schemas.microsoft.com/office/powerpoint/2010/main" val="688344358"/>
               </p:ext>
             </p:extLst>
           </p:nvPr>
@@ -8558,7 +8729,7 @@
                           <a:cs typeface="Arial" panose="020B0604020202020204" pitchFamily="34" charset="0"/>
                           <a:sym typeface="Wingdings" panose="05000000000000000000" pitchFamily="2" charset="2"/>
                         </a:rPr>
-                        <a:t>varchar</a:t>
+                        <a:t>text</a:t>
                       </a:r>
                       <a:r>
                         <a:rPr lang="de-DE" sz="600" u="none" kern="1200" baseline="0" dirty="0">
@@ -8570,7 +8741,7 @@
                           <a:cs typeface="Arial" panose="020B0604020202020204" pitchFamily="34" charset="0"/>
                           <a:sym typeface="Wingdings" panose="05000000000000000000" pitchFamily="2" charset="2"/>
                         </a:rPr>
-                        <a:t>[767],</a:t>
+                        <a:t>, </a:t>
                       </a:r>
                       <a:r>
                         <a:rPr lang="de-DE" sz="600" u="none" baseline="0" dirty="0">
@@ -8581,30 +8752,7 @@
                           <a:cs typeface="Arial" panose="020B0604020202020204" pitchFamily="34" charset="0"/>
                           <a:sym typeface="Wingdings" panose="05000000000000000000" pitchFamily="2" charset="2"/>
                         </a:rPr>
-                        <a:t> </a:t>
-                      </a:r>
-                      <a:r>
-                        <a:rPr lang="de-DE" sz="600" u="none" kern="1200" baseline="0" dirty="0">
-                          <a:solidFill>
-                            <a:srgbClr val="C00000"/>
-                          </a:solidFill>
-                          <a:latin typeface="Arial" panose="020B0604020202020204" pitchFamily="34" charset="0"/>
-                          <a:ea typeface="+mn-ea"/>
-                          <a:cs typeface="Arial" panose="020B0604020202020204" pitchFamily="34" charset="0"/>
-                          <a:sym typeface="Wingdings" panose="05000000000000000000" pitchFamily="2" charset="2"/>
-                        </a:rPr>
-                        <a:t> </a:t>
-                      </a:r>
-                      <a:r>
-                        <a:rPr lang="de-DE" sz="600" u="none" baseline="0" dirty="0">
-                          <a:solidFill>
-                            <a:srgbClr val="00B0F0"/>
-                          </a:solidFill>
-                          <a:latin typeface="Arial" panose="020B0604020202020204" pitchFamily="34" charset="0"/>
-                          <a:cs typeface="Arial" panose="020B0604020202020204" pitchFamily="34" charset="0"/>
-                          <a:sym typeface="Wingdings" panose="05000000000000000000" pitchFamily="2" charset="2"/>
-                        </a:rPr>
-                        <a:t>kein Default-Wert</a:t>
+                        <a:t>ein Default-Wert</a:t>
                       </a:r>
                       <a:endParaRPr lang="de-DE" sz="600" u="none" kern="1200" baseline="0" dirty="0">
                         <a:solidFill>
@@ -8713,8 +8861,8 @@
         </p:nvCxnSpPr>
         <p:spPr>
           <a:xfrm rot="16200000" flipV="1">
-            <a:off x="5446226" y="2152697"/>
-            <a:ext cx="2247992" cy="252028"/>
+            <a:off x="5504082" y="2210553"/>
+            <a:ext cx="2132280" cy="252028"/>
           </a:xfrm>
           <a:prstGeom prst="bentConnector2">
             <a:avLst/>
@@ -8830,8 +8978,8 @@
         </p:nvCxnSpPr>
         <p:spPr>
           <a:xfrm flipV="1">
-            <a:off x="4247756" y="4959910"/>
-            <a:ext cx="208" cy="334948"/>
+            <a:off x="4247756" y="5073784"/>
+            <a:ext cx="208" cy="221074"/>
           </a:xfrm>
           <a:prstGeom prst="straightConnector1">
             <a:avLst/>
@@ -8869,8 +9017,8 @@
         </p:nvCxnSpPr>
         <p:spPr>
           <a:xfrm rot="5400000" flipH="1" flipV="1">
-            <a:off x="4499992" y="1952836"/>
-            <a:ext cx="720080" cy="1224136"/>
+            <a:off x="4615704" y="2068548"/>
+            <a:ext cx="488657" cy="1224136"/>
           </a:xfrm>
           <a:prstGeom prst="bentConnector3">
             <a:avLst>
@@ -8910,8 +9058,8 @@
         </p:nvCxnSpPr>
         <p:spPr>
           <a:xfrm flipH="1">
-            <a:off x="2953915" y="3942427"/>
-            <a:ext cx="393949" cy="13935"/>
+            <a:off x="2953915" y="3999364"/>
+            <a:ext cx="393949" cy="543"/>
           </a:xfrm>
           <a:prstGeom prst="straightConnector1">
             <a:avLst/>
@@ -8949,7 +9097,7 @@
         </p:nvCxnSpPr>
         <p:spPr>
           <a:xfrm flipH="1">
-            <a:off x="1331640" y="3956362"/>
+            <a:off x="1331640" y="3999907"/>
             <a:ext cx="288032" cy="0"/>
           </a:xfrm>
           <a:prstGeom prst="straightConnector1">
@@ -10624,14 +10772,14 @@
           <p:nvPr>
             <p:extLst>
               <p:ext uri="{D42A27DB-BD31-4B8C-83A1-F6EECF244321}">
-                <p14:modId xmlns:p14="http://schemas.microsoft.com/office/powerpoint/2010/main" val="1914402726"/>
+                <p14:modId xmlns:p14="http://schemas.microsoft.com/office/powerpoint/2010/main" val="2355224073"/>
               </p:ext>
             </p:extLst>
           </p:nvPr>
         </p:nvGraphicFramePr>
         <p:xfrm>
           <a:off x="4499992" y="229603"/>
-          <a:ext cx="1224136" cy="1708803"/>
+          <a:ext cx="1224136" cy="1874520"/>
         </p:xfrm>
         <a:graphic>
           <a:graphicData uri="http://schemas.openxmlformats.org/drawingml/2006/table">
@@ -10691,7 +10839,7 @@
                   </a:ext>
                 </a:extLst>
               </a:tr>
-              <a:tr h="1434483">
+              <a:tr h="1600200">
                 <a:tc>
                   <a:txBody>
                     <a:bodyPr/>
@@ -10815,10 +10963,46 @@
                         </a:rPr>
                         <a:t>firstname</a:t>
                       </a:r>
+                      <a:endParaRPr lang="de-DE" sz="1100" u="none" baseline="0" dirty="0">
+                        <a:latin typeface="Arial" panose="020B0604020202020204" pitchFamily="34" charset="0"/>
+                        <a:cs typeface="Arial" panose="020B0604020202020204" pitchFamily="34" charset="0"/>
+                        <a:sym typeface="Wingdings" panose="05000000000000000000" pitchFamily="2" charset="2"/>
+                      </a:endParaRPr>
+                    </a:p>
+                    <a:p>
+                      <a:pPr marL="0" marR="0" lvl="0" indent="0" algn="l" defTabSz="914400" rtl="0" eaLnBrk="1" fontAlgn="auto" latinLnBrk="0" hangingPunct="1">
+                        <a:lnSpc>
+                          <a:spcPct val="100000"/>
+                        </a:lnSpc>
+                        <a:spcBef>
+                          <a:spcPts val="0"/>
+                        </a:spcBef>
+                        <a:spcAft>
+                          <a:spcPts val="0"/>
+                        </a:spcAft>
+                        <a:buClrTx/>
+                        <a:buSzTx/>
+                        <a:buFontTx/>
+                        <a:buNone/>
+                        <a:tabLst/>
+                        <a:defRPr/>
+                      </a:pPr>
+                      <a:r>
+                        <a:rPr lang="de-DE" sz="1100" u="none" kern="1200" baseline="0" dirty="0" err="1">
+                          <a:solidFill>
+                            <a:schemeClr val="tx1"/>
+                          </a:solidFill>
+                          <a:latin typeface="Arial" panose="020B0604020202020204" pitchFamily="34" charset="0"/>
+                          <a:ea typeface="+mn-ea"/>
+                          <a:cs typeface="Arial" panose="020B0604020202020204" pitchFamily="34" charset="0"/>
+                          <a:sym typeface="Wingdings" panose="05000000000000000000" pitchFamily="2" charset="2"/>
+                        </a:rPr>
+                        <a:t>birthdate</a:t>
+                      </a:r>
                       <a:r>
                         <a:rPr lang="de-DE" sz="600" u="none" kern="1200" baseline="0" dirty="0">
                           <a:solidFill>
-                            <a:srgbClr val="C00000"/>
+                            <a:schemeClr val="tx1"/>
                           </a:solidFill>
                           <a:latin typeface="Arial" panose="020B0604020202020204" pitchFamily="34" charset="0"/>
                           <a:ea typeface="+mn-ea"/>
@@ -11323,14 +11507,14 @@
           <p:nvPr>
             <p:extLst>
               <p:ext uri="{D42A27DB-BD31-4B8C-83A1-F6EECF244321}">
-                <p14:modId xmlns:p14="http://schemas.microsoft.com/office/powerpoint/2010/main" val="2953408577"/>
+                <p14:modId xmlns:p14="http://schemas.microsoft.com/office/powerpoint/2010/main" val="3886491636"/>
               </p:ext>
             </p:extLst>
           </p:nvPr>
         </p:nvGraphicFramePr>
         <p:xfrm>
-          <a:off x="3491880" y="2618170"/>
-          <a:ext cx="936104" cy="1785762"/>
+          <a:off x="3491880" y="2564904"/>
+          <a:ext cx="936104" cy="1874520"/>
         </p:xfrm>
         <a:graphic>
           <a:graphicData uri="http://schemas.openxmlformats.org/drawingml/2006/table">
@@ -11397,7 +11581,7 @@
                   </a:ext>
                 </a:extLst>
               </a:tr>
-              <a:tr h="1511442">
+              <a:tr h="1600200">
                 <a:tc>
                   <a:txBody>
                     <a:bodyPr/>
@@ -11543,9 +11727,29 @@
                         </a:rPr>
                         <a:t>public</a:t>
                       </a:r>
+                      <a:endParaRPr lang="de-DE" sz="1100" u="none" baseline="0" dirty="0">
+                        <a:latin typeface="Arial" panose="020B0604020202020204" pitchFamily="34" charset="0"/>
+                        <a:cs typeface="Arial" panose="020B0604020202020204" pitchFamily="34" charset="0"/>
+                        <a:sym typeface="Wingdings" panose="05000000000000000000" pitchFamily="2" charset="2"/>
+                      </a:endParaRPr>
+                    </a:p>
+                    <a:p>
+                      <a:pPr marL="0" algn="l" defTabSz="914400" rtl="0" eaLnBrk="1" latinLnBrk="0" hangingPunct="1"/>
+                      <a:r>
+                        <a:rPr lang="de-DE" sz="1100" u="none" kern="1200" baseline="0" dirty="0" err="1">
+                          <a:solidFill>
+                            <a:schemeClr val="tx1"/>
+                          </a:solidFill>
+                          <a:latin typeface="Arial" panose="020B0604020202020204" pitchFamily="34" charset="0"/>
+                          <a:ea typeface="+mn-ea"/>
+                          <a:cs typeface="Arial" panose="020B0604020202020204" pitchFamily="34" charset="0"/>
+                          <a:sym typeface="Wingdings" panose="05000000000000000000" pitchFamily="2" charset="2"/>
+                        </a:rPr>
+                        <a:t>description</a:t>
+                      </a:r>
                       <a:endParaRPr lang="de-DE" sz="600" u="none" kern="1200" baseline="0" dirty="0">
                         <a:solidFill>
-                          <a:srgbClr val="00B0F0"/>
+                          <a:schemeClr val="tx1"/>
                         </a:solidFill>
                         <a:latin typeface="Arial" panose="020B0604020202020204" pitchFamily="34" charset="0"/>
                         <a:ea typeface="+mn-ea"/>
@@ -12643,8 +12847,8 @@
         </p:nvCxnSpPr>
         <p:spPr>
           <a:xfrm rot="16200000" flipV="1">
-            <a:off x="4798035" y="2010098"/>
-            <a:ext cx="2318703" cy="466516"/>
+            <a:off x="4839464" y="2051527"/>
+            <a:ext cx="2235844" cy="466516"/>
           </a:xfrm>
           <a:prstGeom prst="bentConnector2">
             <a:avLst/>
@@ -12760,8 +12964,8 @@
         </p:nvCxnSpPr>
         <p:spPr>
           <a:xfrm flipV="1">
-            <a:off x="3957371" y="4403932"/>
-            <a:ext cx="2561" cy="681252"/>
+            <a:off x="3957371" y="4439424"/>
+            <a:ext cx="2561" cy="645760"/>
           </a:xfrm>
           <a:prstGeom prst="straightConnector1">
             <a:avLst/>
@@ -12799,8 +13003,8 @@
         </p:nvCxnSpPr>
         <p:spPr>
           <a:xfrm rot="5400000" flipH="1" flipV="1">
-            <a:off x="3462879" y="1581057"/>
-            <a:ext cx="1534166" cy="540060"/>
+            <a:off x="3530942" y="1595854"/>
+            <a:ext cx="1398041" cy="540060"/>
           </a:xfrm>
           <a:prstGeom prst="bentConnector2">
             <a:avLst/>
@@ -12838,8 +13042,8 @@
         </p:nvCxnSpPr>
         <p:spPr>
           <a:xfrm flipH="1">
-            <a:off x="2953915" y="3511051"/>
-            <a:ext cx="537965" cy="907"/>
+            <a:off x="2953915" y="3502164"/>
+            <a:ext cx="537965" cy="9794"/>
           </a:xfrm>
           <a:prstGeom prst="straightConnector1">
             <a:avLst/>

--- a/Spezifikationen/CMS_Modell_Spezifikation.pptx
+++ b/Spezifikationen/CMS_Modell_Spezifikation.pptx
@@ -213,7 +213,7 @@
           <a:p>
             <a:fld id="{5FB9DE1E-9C59-4472-9BFE-872FCA557505}" type="datetimeFigureOut">
               <a:rPr lang="de-DE" smtClean="0"/>
-              <a:t>11.12.2016</a:t>
+              <a:t>15.12.2016</a:t>
             </a:fld>
             <a:endParaRPr lang="de-DE"/>
           </a:p>
@@ -1104,7 +1104,7 @@
           <a:p>
             <a:fld id="{A8397244-F09A-480D-A398-F059C842E541}" type="datetime1">
               <a:rPr lang="de-DE" smtClean="0"/>
-              <a:t>11.12.2016</a:t>
+              <a:t>15.12.2016</a:t>
             </a:fld>
             <a:endParaRPr lang="de-DE"/>
           </a:p>
@@ -1275,7 +1275,7 @@
           <a:p>
             <a:fld id="{4A0624FD-1E9C-442B-9A77-F7854ECD5C4B}" type="datetime1">
               <a:rPr lang="de-DE" smtClean="0"/>
-              <a:t>11.12.2016</a:t>
+              <a:t>15.12.2016</a:t>
             </a:fld>
             <a:endParaRPr lang="de-DE"/>
           </a:p>
@@ -1456,7 +1456,7 @@
           <a:p>
             <a:fld id="{0F97B927-A088-4873-98CF-029B6CB6D85E}" type="datetime1">
               <a:rPr lang="de-DE" smtClean="0"/>
-              <a:t>11.12.2016</a:t>
+              <a:t>15.12.2016</a:t>
             </a:fld>
             <a:endParaRPr lang="de-DE"/>
           </a:p>
@@ -1627,7 +1627,7 @@
           <a:p>
             <a:fld id="{D6663774-A100-4623-94BA-F6B6B53CC199}" type="datetime1">
               <a:rPr lang="de-DE" smtClean="0"/>
-              <a:t>11.12.2016</a:t>
+              <a:t>15.12.2016</a:t>
             </a:fld>
             <a:endParaRPr lang="de-DE"/>
           </a:p>
@@ -1875,7 +1875,7 @@
           <a:p>
             <a:fld id="{21A81475-685C-4B07-89AC-60C6EAAB6D4C}" type="datetime1">
               <a:rPr lang="de-DE" smtClean="0"/>
-              <a:t>11.12.2016</a:t>
+              <a:t>15.12.2016</a:t>
             </a:fld>
             <a:endParaRPr lang="de-DE"/>
           </a:p>
@@ -2163,7 +2163,7 @@
           <a:p>
             <a:fld id="{B2F9CB55-05F2-4296-95CC-14386AFD87D6}" type="datetime1">
               <a:rPr lang="de-DE" smtClean="0"/>
-              <a:t>11.12.2016</a:t>
+              <a:t>15.12.2016</a:t>
             </a:fld>
             <a:endParaRPr lang="de-DE"/>
           </a:p>
@@ -2585,7 +2585,7 @@
           <a:p>
             <a:fld id="{8E5BD420-9AB9-458C-81BE-DAFAA9902404}" type="datetime1">
               <a:rPr lang="de-DE" smtClean="0"/>
-              <a:t>11.12.2016</a:t>
+              <a:t>15.12.2016</a:t>
             </a:fld>
             <a:endParaRPr lang="de-DE"/>
           </a:p>
@@ -2705,7 +2705,7 @@
           <a:p>
             <a:fld id="{C644B812-3534-4884-8BE6-32A8F8B770F4}" type="datetime1">
               <a:rPr lang="de-DE" smtClean="0"/>
-              <a:t>11.12.2016</a:t>
+              <a:t>15.12.2016</a:t>
             </a:fld>
             <a:endParaRPr lang="de-DE"/>
           </a:p>
@@ -2803,7 +2803,7 @@
           <a:p>
             <a:fld id="{A8F29B9A-F350-418A-A942-E37D8F967607}" type="datetime1">
               <a:rPr lang="de-DE" smtClean="0"/>
-              <a:t>11.12.2016</a:t>
+              <a:t>15.12.2016</a:t>
             </a:fld>
             <a:endParaRPr lang="de-DE"/>
           </a:p>
@@ -3081,7 +3081,7 @@
           <a:p>
             <a:fld id="{D76FCF4F-E669-4E72-9162-ADDF332D172D}" type="datetime1">
               <a:rPr lang="de-DE" smtClean="0"/>
-              <a:t>11.12.2016</a:t>
+              <a:t>15.12.2016</a:t>
             </a:fld>
             <a:endParaRPr lang="de-DE"/>
           </a:p>
@@ -3336,7 +3336,7 @@
           <a:p>
             <a:fld id="{FCC29BEE-D49A-4984-9A0D-EA18D67C6542}" type="datetime1">
               <a:rPr lang="de-DE" smtClean="0"/>
-              <a:t>11.12.2016</a:t>
+              <a:t>15.12.2016</a:t>
             </a:fld>
             <a:endParaRPr lang="de-DE"/>
           </a:p>
@@ -3550,7 +3550,7 @@
           <a:p>
             <a:fld id="{176F2E55-DA60-42A3-9F60-D110BF06A931}" type="datetime1">
               <a:rPr lang="de-DE" smtClean="0"/>
-              <a:t>11.12.2016</a:t>
+              <a:t>15.12.2016</a:t>
             </a:fld>
             <a:endParaRPr lang="de-DE"/>
           </a:p>
@@ -4210,14 +4210,14 @@
           <p:nvPr>
             <p:extLst>
               <p:ext uri="{D42A27DB-BD31-4B8C-83A1-F6EECF244321}">
-                <p14:modId xmlns:p14="http://schemas.microsoft.com/office/powerpoint/2010/main" val="2581875889"/>
+                <p14:modId xmlns:p14="http://schemas.microsoft.com/office/powerpoint/2010/main" val="915430986"/>
               </p:ext>
             </p:extLst>
           </p:nvPr>
         </p:nvGraphicFramePr>
         <p:xfrm>
-          <a:off x="132786" y="82704"/>
-          <a:ext cx="1414878" cy="1402080"/>
+          <a:off x="132785" y="48032"/>
+          <a:ext cx="1594899" cy="1508760"/>
         </p:xfrm>
         <a:graphic>
           <a:graphicData uri="http://schemas.openxmlformats.org/drawingml/2006/table">
@@ -4226,7 +4226,7 @@
                 <a:tableStyleId>{F2DE63D5-997A-4646-A377-4702673A728D}</a:tableStyleId>
               </a:tblPr>
               <a:tblGrid>
-                <a:gridCol w="1414878">
+                <a:gridCol w="1594899">
                   <a:extLst>
                     <a:ext uri="{9D8B030D-6E8A-4147-A177-3AD203B41FA5}">
                       <a16:colId xmlns:a16="http://schemas.microsoft.com/office/drawing/2014/main" val="20000"/>
@@ -4277,7 +4277,7 @@
                   </a:ext>
                 </a:extLst>
               </a:tr>
-              <a:tr h="1127760">
+              <a:tr h="1234440">
                 <a:tc>
                   <a:txBody>
                     <a:bodyPr/>
@@ -4301,7 +4301,7 @@
                         <a:defRPr/>
                       </a:pPr>
                       <a:r>
-                        <a:rPr lang="de-DE" sz="1100" u="none" baseline="0" dirty="0">
+                        <a:rPr lang="de-DE" sz="1100" u="sng" baseline="0" dirty="0">
                           <a:latin typeface="Arial" panose="020B0604020202020204" pitchFamily="34" charset="0"/>
                           <a:cs typeface="Arial" panose="020B0604020202020204" pitchFamily="34" charset="0"/>
                           <a:sym typeface="Wingdings" panose="05000000000000000000" pitchFamily="2" charset="2"/>
@@ -4437,7 +4437,7 @@
                           <a:cs typeface="Arial" panose="020B0604020202020204" pitchFamily="34" charset="0"/>
                           <a:sym typeface="Wingdings" panose="05000000000000000000" pitchFamily="2" charset="2"/>
                         </a:rPr>
-                        <a:t>text</a:t>
+                        <a:t>varchar</a:t>
                       </a:r>
                       <a:r>
                         <a:rPr lang="de-DE" sz="600" u="none" kern="1200" baseline="0" dirty="0">
@@ -4449,7 +4449,7 @@
                           <a:cs typeface="Arial" panose="020B0604020202020204" pitchFamily="34" charset="0"/>
                           <a:sym typeface="Wingdings" panose="05000000000000000000" pitchFamily="2" charset="2"/>
                         </a:rPr>
-                        <a:t>,</a:t>
+                        <a:t>[255] ,</a:t>
                       </a:r>
                       <a:r>
                         <a:rPr lang="de-DE" sz="600" u="none" baseline="0" dirty="0">
@@ -4473,8 +4473,103 @@
                       </a:endParaRPr>
                     </a:p>
                     <a:p>
-                      <a:r>
-                        <a:rPr lang="de-DE" sz="1100" u="sng" baseline="0" dirty="0" err="1">
+                      <a:pPr marL="0" marR="0" lvl="0" indent="0" algn="l" defTabSz="914400" rtl="0" eaLnBrk="1" fontAlgn="auto" latinLnBrk="0" hangingPunct="1">
+                        <a:lnSpc>
+                          <a:spcPct val="100000"/>
+                        </a:lnSpc>
+                        <a:spcBef>
+                          <a:spcPts val="0"/>
+                        </a:spcBef>
+                        <a:spcAft>
+                          <a:spcPts val="0"/>
+                        </a:spcAft>
+                        <a:buClrTx/>
+                        <a:buSzTx/>
+                        <a:buFontTx/>
+                        <a:buNone/>
+                        <a:tabLst/>
+                        <a:defRPr/>
+                      </a:pPr>
+                      <a:r>
+                        <a:rPr lang="de-DE" sz="1100" u="none" kern="1200" baseline="0" dirty="0" err="1">
+                          <a:solidFill>
+                            <a:schemeClr val="tx1"/>
+                          </a:solidFill>
+                          <a:latin typeface="Arial" panose="020B0604020202020204" pitchFamily="34" charset="0"/>
+                          <a:ea typeface="+mn-ea"/>
+                          <a:cs typeface="Arial" panose="020B0604020202020204" pitchFamily="34" charset="0"/>
+                          <a:sym typeface="Wingdings" panose="05000000000000000000" pitchFamily="2" charset="2"/>
+                        </a:rPr>
+                        <a:t>description</a:t>
+                      </a:r>
+                      <a:r>
+                        <a:rPr lang="de-DE" sz="1100" u="none" kern="1200" baseline="0" dirty="0">
+                          <a:solidFill>
+                            <a:schemeClr val="tx1"/>
+                          </a:solidFill>
+                          <a:latin typeface="Arial" panose="020B0604020202020204" pitchFamily="34" charset="0"/>
+                          <a:ea typeface="+mn-ea"/>
+                          <a:cs typeface="Arial" panose="020B0604020202020204" pitchFamily="34" charset="0"/>
+                          <a:sym typeface="Wingdings" panose="05000000000000000000" pitchFamily="2" charset="2"/>
+                        </a:rPr>
+                        <a:t> </a:t>
+                      </a:r>
+                      <a:r>
+                        <a:rPr lang="de-DE" sz="600" u="none" kern="1200" baseline="0" dirty="0">
+                          <a:solidFill>
+                            <a:srgbClr val="C00000"/>
+                          </a:solidFill>
+                          <a:latin typeface="Arial" panose="020B0604020202020204" pitchFamily="34" charset="0"/>
+                          <a:ea typeface="+mn-ea"/>
+                          <a:cs typeface="Arial" panose="020B0604020202020204" pitchFamily="34" charset="0"/>
+                          <a:sym typeface="Wingdings" panose="05000000000000000000" pitchFamily="2" charset="2"/>
+                        </a:rPr>
+                        <a:t>=&gt; </a:t>
+                      </a:r>
+                      <a:r>
+                        <a:rPr lang="de-DE" sz="600" u="none" kern="1200" baseline="0" dirty="0" err="1">
+                          <a:solidFill>
+                            <a:srgbClr val="C00000"/>
+                          </a:solidFill>
+                          <a:latin typeface="Arial" panose="020B0604020202020204" pitchFamily="34" charset="0"/>
+                          <a:ea typeface="+mn-ea"/>
+                          <a:cs typeface="Arial" panose="020B0604020202020204" pitchFamily="34" charset="0"/>
+                          <a:sym typeface="Wingdings" panose="05000000000000000000" pitchFamily="2" charset="2"/>
+                        </a:rPr>
+                        <a:t>text</a:t>
+                      </a:r>
+                      <a:r>
+                        <a:rPr lang="de-DE" sz="600" u="none" kern="1200" baseline="0" dirty="0">
+                          <a:solidFill>
+                            <a:srgbClr val="C00000"/>
+                          </a:solidFill>
+                          <a:latin typeface="Arial" panose="020B0604020202020204" pitchFamily="34" charset="0"/>
+                          <a:ea typeface="+mn-ea"/>
+                          <a:cs typeface="Arial" panose="020B0604020202020204" pitchFamily="34" charset="0"/>
+                          <a:sym typeface="Wingdings" panose="05000000000000000000" pitchFamily="2" charset="2"/>
+                        </a:rPr>
+                        <a:t>,</a:t>
+                      </a:r>
+                      <a:r>
+                        <a:rPr lang="de-DE" sz="600" u="none" baseline="0" dirty="0">
+                          <a:solidFill>
+                            <a:srgbClr val="00B0F0"/>
+                          </a:solidFill>
+                          <a:latin typeface="Arial" panose="020B0604020202020204" pitchFamily="34" charset="0"/>
+                          <a:cs typeface="Arial" panose="020B0604020202020204" pitchFamily="34" charset="0"/>
+                          <a:sym typeface="Wingdings" panose="05000000000000000000" pitchFamily="2" charset="2"/>
+                        </a:rPr>
+                        <a:t>  kein Default-Wert</a:t>
+                      </a:r>
+                      <a:endParaRPr lang="de-DE" sz="600" u="none" baseline="0" dirty="0">
+                        <a:latin typeface="Arial" panose="020B0604020202020204" pitchFamily="34" charset="0"/>
+                        <a:cs typeface="Arial" panose="020B0604020202020204" pitchFamily="34" charset="0"/>
+                        <a:sym typeface="Wingdings" panose="05000000000000000000" pitchFamily="2" charset="2"/>
+                      </a:endParaRPr>
+                    </a:p>
+                    <a:p>
+                      <a:r>
+                        <a:rPr lang="de-DE" sz="1100" u="none" baseline="0" dirty="0" err="1">
                           <a:latin typeface="Arial" panose="020B0604020202020204" pitchFamily="34" charset="0"/>
                           <a:cs typeface="Arial" panose="020B0604020202020204" pitchFamily="34" charset="0"/>
                           <a:sym typeface="Wingdings" panose="05000000000000000000" pitchFamily="2" charset="2"/>
@@ -4540,7 +4635,7 @@
                     </a:p>
                     <a:p>
                       <a:r>
-                        <a:rPr lang="de-DE" sz="1100" u="sng" baseline="0" dirty="0">
+                        <a:rPr lang="de-DE" sz="1100" u="none" baseline="0" dirty="0">
                           <a:latin typeface="Arial" panose="020B0604020202020204" pitchFamily="34" charset="0"/>
                           <a:cs typeface="Arial" panose="020B0604020202020204" pitchFamily="34" charset="0"/>
                           <a:sym typeface="Wingdings" panose="05000000000000000000" pitchFamily="2" charset="2"/>
@@ -9132,9 +9227,9 @@
           <p:nvPr/>
         </p:nvCxnSpPr>
         <p:spPr>
-          <a:xfrm flipH="1">
-            <a:off x="1547664" y="549482"/>
-            <a:ext cx="720080" cy="0"/>
+          <a:xfrm flipH="1" flipV="1">
+            <a:off x="1727684" y="542506"/>
+            <a:ext cx="540060" cy="6976"/>
           </a:xfrm>
           <a:prstGeom prst="straightConnector1">
             <a:avLst/>
@@ -9373,7 +9468,7 @@
           <p:nvPr>
             <p:extLst>
               <p:ext uri="{D42A27DB-BD31-4B8C-83A1-F6EECF244321}">
-                <p14:modId xmlns:p14="http://schemas.microsoft.com/office/powerpoint/2010/main" val="1238022313"/>
+                <p14:modId xmlns:p14="http://schemas.microsoft.com/office/powerpoint/2010/main" val="2026927783"/>
               </p:ext>
             </p:extLst>
           </p:nvPr>
@@ -9479,10 +9574,22 @@
                           <a:cs typeface="Arial" panose="020B0604020202020204" pitchFamily="34" charset="0"/>
                           <a:sym typeface="Wingdings" panose="05000000000000000000" pitchFamily="2" charset="2"/>
                         </a:rPr>
-                        <a:t> =&gt; </a:t>
-                      </a:r>
-                      <a:r>
-                        <a:rPr lang="de-DE" sz="800" u="none" kern="1200" baseline="0" dirty="0" err="1">
+                        <a:t> </a:t>
+                      </a:r>
+                      <a:r>
+                        <a:rPr lang="de-DE" sz="600" u="none" kern="1200" baseline="0" dirty="0">
+                          <a:solidFill>
+                            <a:srgbClr val="C00000"/>
+                          </a:solidFill>
+                          <a:latin typeface="Arial" panose="020B0604020202020204" pitchFamily="34" charset="0"/>
+                          <a:ea typeface="+mn-ea"/>
+                          <a:cs typeface="Arial" panose="020B0604020202020204" pitchFamily="34" charset="0"/>
+                          <a:sym typeface="Wingdings" panose="05000000000000000000" pitchFamily="2" charset="2"/>
+                        </a:rPr>
+                        <a:t>=&gt; </a:t>
+                      </a:r>
+                      <a:r>
+                        <a:rPr lang="de-DE" sz="600" u="none" kern="1200" baseline="0" dirty="0" err="1">
                           <a:solidFill>
                             <a:srgbClr val="C00000"/>
                           </a:solidFill>
@@ -9494,7 +9601,7 @@
                         <a:t>int</a:t>
                       </a:r>
                       <a:r>
-                        <a:rPr lang="de-DE" sz="800" u="none" kern="1200" baseline="0" dirty="0">
+                        <a:rPr lang="de-DE" sz="600" u="none" kern="1200" baseline="0" dirty="0">
                           <a:solidFill>
                             <a:srgbClr val="C00000"/>
                           </a:solidFill>
@@ -9506,7 +9613,7 @@
                         <a:t>,</a:t>
                       </a:r>
                       <a:r>
-                        <a:rPr lang="de-DE" sz="800" u="none" baseline="0" dirty="0">
+                        <a:rPr lang="de-DE" sz="600" u="none" baseline="0" dirty="0">
                           <a:solidFill>
                             <a:srgbClr val="C00000"/>
                           </a:solidFill>
@@ -9517,7 +9624,7 @@
                         <a:t> </a:t>
                       </a:r>
                       <a:r>
-                        <a:rPr lang="de-DE" sz="800" u="none" baseline="0" dirty="0">
+                        <a:rPr lang="de-DE" sz="600" u="none" baseline="0" dirty="0">
                           <a:solidFill>
                             <a:srgbClr val="00B0F0"/>
                           </a:solidFill>
@@ -9527,7 +9634,7 @@
                         </a:rPr>
                         <a:t>kein Default-Wert</a:t>
                       </a:r>
-                      <a:endParaRPr lang="de-DE" sz="1100" u="none" baseline="0" dirty="0">
+                      <a:endParaRPr lang="de-DE" sz="600" u="none" baseline="0" dirty="0">
                         <a:latin typeface="Arial" panose="020B0604020202020204" pitchFamily="34" charset="0"/>
                         <a:cs typeface="Arial" panose="020B0604020202020204" pitchFamily="34" charset="0"/>
                         <a:sym typeface="Wingdings" panose="05000000000000000000" pitchFamily="2" charset="2"/>
@@ -9568,10 +9675,22 @@
                           <a:cs typeface="Arial" panose="020B0604020202020204" pitchFamily="34" charset="0"/>
                           <a:sym typeface="Wingdings" panose="05000000000000000000" pitchFamily="2" charset="2"/>
                         </a:rPr>
-                        <a:t> =&gt; </a:t>
-                      </a:r>
-                      <a:r>
-                        <a:rPr lang="de-DE" sz="800" u="none" kern="1200" baseline="0" dirty="0" err="1">
+                        <a:t> </a:t>
+                      </a:r>
+                      <a:r>
+                        <a:rPr lang="de-DE" sz="600" u="none" kern="1200" baseline="0" dirty="0">
+                          <a:solidFill>
+                            <a:srgbClr val="C00000"/>
+                          </a:solidFill>
+                          <a:latin typeface="Arial" panose="020B0604020202020204" pitchFamily="34" charset="0"/>
+                          <a:ea typeface="+mn-ea"/>
+                          <a:cs typeface="Arial" panose="020B0604020202020204" pitchFamily="34" charset="0"/>
+                          <a:sym typeface="Wingdings" panose="05000000000000000000" pitchFamily="2" charset="2"/>
+                        </a:rPr>
+                        <a:t>=&gt; </a:t>
+                      </a:r>
+                      <a:r>
+                        <a:rPr lang="de-DE" sz="600" u="none" kern="1200" baseline="0" dirty="0" err="1">
                           <a:solidFill>
                             <a:srgbClr val="C00000"/>
                           </a:solidFill>
@@ -9583,7 +9702,7 @@
                         <a:t>int</a:t>
                       </a:r>
                       <a:r>
-                        <a:rPr lang="de-DE" sz="800" u="none" kern="1200" baseline="0" dirty="0">
+                        <a:rPr lang="de-DE" sz="600" u="none" kern="1200" baseline="0" dirty="0">
                           <a:solidFill>
                             <a:srgbClr val="C00000"/>
                           </a:solidFill>
@@ -9595,7 +9714,7 @@
                         <a:t>, </a:t>
                       </a:r>
                       <a:r>
-                        <a:rPr lang="de-DE" sz="800" b="0" u="none" baseline="0" dirty="0">
+                        <a:rPr lang="de-DE" sz="600" b="0" u="none" baseline="0" dirty="0">
                           <a:solidFill>
                             <a:srgbClr val="00B0F0"/>
                           </a:solidFill>
@@ -9605,7 +9724,7 @@
                         </a:rPr>
                         <a:t>kein Default-Wert</a:t>
                       </a:r>
-                      <a:endParaRPr lang="de-DE" sz="1100" b="0" u="none" kern="1200" baseline="0" dirty="0">
+                      <a:endParaRPr lang="de-DE" sz="600" b="0" u="none" kern="1200" baseline="0" dirty="0">
                         <a:solidFill>
                           <a:schemeClr val="tx1"/>
                         </a:solidFill>
@@ -9718,7 +9837,7 @@
           <p:nvPr>
             <p:extLst>
               <p:ext uri="{D42A27DB-BD31-4B8C-83A1-F6EECF244321}">
-                <p14:modId xmlns:p14="http://schemas.microsoft.com/office/powerpoint/2010/main" val="980807095"/>
+                <p14:modId xmlns:p14="http://schemas.microsoft.com/office/powerpoint/2010/main" val="3234047404"/>
               </p:ext>
             </p:extLst>
           </p:nvPr>
@@ -9825,7 +9944,7 @@
                         <a:t> (PS) </a:t>
                       </a:r>
                       <a:r>
-                        <a:rPr lang="de-DE" sz="800" u="none" kern="1200" baseline="0" dirty="0">
+                        <a:rPr lang="de-DE" sz="600" u="none" kern="1200" baseline="0" dirty="0">
                           <a:solidFill>
                             <a:srgbClr val="C00000"/>
                           </a:solidFill>
@@ -9837,7 +9956,7 @@
                         <a:t>=&gt; </a:t>
                       </a:r>
                       <a:r>
-                        <a:rPr lang="de-DE" sz="800" u="none" kern="1200" baseline="0" dirty="0" err="1">
+                        <a:rPr lang="de-DE" sz="600" u="none" kern="1200" baseline="0" dirty="0" err="1">
                           <a:solidFill>
                             <a:srgbClr val="C00000"/>
                           </a:solidFill>
@@ -9849,7 +9968,7 @@
                         <a:t>int</a:t>
                       </a:r>
                       <a:r>
-                        <a:rPr lang="de-DE" sz="800" u="none" kern="1200" baseline="0" dirty="0">
+                        <a:rPr lang="de-DE" sz="600" u="none" kern="1200" baseline="0" dirty="0">
                           <a:solidFill>
                             <a:srgbClr val="C00000"/>
                           </a:solidFill>
@@ -9861,7 +9980,7 @@
                         <a:t> </a:t>
                       </a:r>
                       <a:r>
-                        <a:rPr lang="de-DE" sz="800" u="none" baseline="0" dirty="0">
+                        <a:rPr lang="de-DE" sz="600" u="none" baseline="0" dirty="0">
                           <a:solidFill>
                             <a:srgbClr val="C00000"/>
                           </a:solidFill>
@@ -9872,7 +9991,7 @@
                         <a:t>auto-</a:t>
                       </a:r>
                       <a:r>
-                        <a:rPr lang="de-DE" sz="800" u="none" baseline="0" dirty="0" err="1">
+                        <a:rPr lang="de-DE" sz="600" u="none" baseline="0" dirty="0" err="1">
                           <a:solidFill>
                             <a:srgbClr val="C00000"/>
                           </a:solidFill>
@@ -9883,7 +10002,7 @@
                         <a:t>increment</a:t>
                       </a:r>
                       <a:r>
-                        <a:rPr lang="de-DE" sz="800" u="none" baseline="0" dirty="0">
+                        <a:rPr lang="de-DE" sz="600" u="none" baseline="0" dirty="0">
                           <a:solidFill>
                             <a:srgbClr val="C00000"/>
                           </a:solidFill>
@@ -9894,7 +10013,7 @@
                         <a:t>, </a:t>
                       </a:r>
                       <a:r>
-                        <a:rPr lang="de-DE" sz="800" u="none" baseline="0" dirty="0">
+                        <a:rPr lang="de-DE" sz="600" u="none" baseline="0" dirty="0">
                           <a:solidFill>
                             <a:srgbClr val="00B0F0"/>
                           </a:solidFill>
@@ -9904,7 +10023,7 @@
                         </a:rPr>
                         <a:t>kein Default-Wert</a:t>
                       </a:r>
-                      <a:endParaRPr lang="de-DE" sz="1100" u="none" baseline="0" dirty="0">
+                      <a:endParaRPr lang="de-DE" sz="600" u="none" baseline="0" dirty="0">
                         <a:latin typeface="Arial" panose="020B0604020202020204" pitchFamily="34" charset="0"/>
                         <a:cs typeface="Arial" panose="020B0604020202020204" pitchFamily="34" charset="0"/>
                         <a:sym typeface="Wingdings" panose="05000000000000000000" pitchFamily="2" charset="2"/>
@@ -10305,14 +10424,14 @@
           <p:nvPr>
             <p:extLst>
               <p:ext uri="{D42A27DB-BD31-4B8C-83A1-F6EECF244321}">
-                <p14:modId xmlns:p14="http://schemas.microsoft.com/office/powerpoint/2010/main" val="225067049"/>
+                <p14:modId xmlns:p14="http://schemas.microsoft.com/office/powerpoint/2010/main" val="3534883284"/>
               </p:ext>
             </p:extLst>
           </p:nvPr>
         </p:nvGraphicFramePr>
         <p:xfrm>
-          <a:off x="132786" y="171069"/>
-          <a:ext cx="792088" cy="1095882"/>
+          <a:off x="132785" y="107923"/>
+          <a:ext cx="876053" cy="1211689"/>
         </p:xfrm>
         <a:graphic>
           <a:graphicData uri="http://schemas.openxmlformats.org/drawingml/2006/table">
@@ -10321,7 +10440,7 @@
                 <a:tableStyleId>{F2DE63D5-997A-4646-A377-4702673A728D}</a:tableStyleId>
               </a:tblPr>
               <a:tblGrid>
-                <a:gridCol w="792088">
+                <a:gridCol w="876053">
                   <a:extLst>
                     <a:ext uri="{9D8B030D-6E8A-4147-A177-3AD203B41FA5}">
                       <a16:colId xmlns:a16="http://schemas.microsoft.com/office/drawing/2014/main" val="20000"/>
@@ -10372,7 +10491,7 @@
                   </a:ext>
                 </a:extLst>
               </a:tr>
-              <a:tr h="821562">
+              <a:tr h="937369">
                 <a:tc>
                   <a:txBody>
                     <a:bodyPr/>
@@ -10396,14 +10515,14 @@
                         <a:defRPr/>
                       </a:pPr>
                       <a:r>
-                        <a:rPr lang="de-DE" sz="1100" u="none" baseline="0" dirty="0">
+                        <a:rPr lang="de-DE" sz="1100" u="sng" baseline="0" dirty="0">
                           <a:latin typeface="Arial" panose="020B0604020202020204" pitchFamily="34" charset="0"/>
                           <a:cs typeface="Arial" panose="020B0604020202020204" pitchFamily="34" charset="0"/>
                           <a:sym typeface="Wingdings" panose="05000000000000000000" pitchFamily="2" charset="2"/>
                         </a:rPr>
                         <a:t>id (PS)</a:t>
                       </a:r>
-                      <a:endParaRPr lang="de-DE" sz="600" u="none" kern="1200" baseline="0" dirty="0">
+                      <a:endParaRPr lang="de-DE" sz="600" u="sng" kern="1200" baseline="0" dirty="0">
                         <a:solidFill>
                           <a:srgbClr val="C00000"/>
                         </a:solidFill>
@@ -10422,9 +10541,28 @@
                         </a:rPr>
                         <a:t>reason</a:t>
                       </a:r>
+                      <a:endParaRPr lang="de-DE" sz="1100" u="none" baseline="0" dirty="0">
+                        <a:latin typeface="Arial" panose="020B0604020202020204" pitchFamily="34" charset="0"/>
+                        <a:cs typeface="Arial" panose="020B0604020202020204" pitchFamily="34" charset="0"/>
+                        <a:sym typeface="Wingdings" panose="05000000000000000000" pitchFamily="2" charset="2"/>
+                      </a:endParaRPr>
+                    </a:p>
+                    <a:p>
+                      <a:r>
+                        <a:rPr lang="de-DE" sz="1100" u="none" kern="1200" baseline="0" dirty="0" err="1">
+                          <a:solidFill>
+                            <a:schemeClr val="tx1"/>
+                          </a:solidFill>
+                          <a:latin typeface="Arial" panose="020B0604020202020204" pitchFamily="34" charset="0"/>
+                          <a:ea typeface="+mn-ea"/>
+                          <a:cs typeface="Arial" panose="020B0604020202020204" pitchFamily="34" charset="0"/>
+                          <a:sym typeface="Wingdings" panose="05000000000000000000" pitchFamily="2" charset="2"/>
+                        </a:rPr>
+                        <a:t>description</a:t>
+                      </a:r>
                       <a:endParaRPr lang="de-DE" sz="600" u="none" kern="1200" baseline="0" dirty="0">
                         <a:solidFill>
-                          <a:srgbClr val="C00000"/>
+                          <a:schemeClr val="tx1"/>
                         </a:solidFill>
                         <a:latin typeface="Arial" panose="020B0604020202020204" pitchFamily="34" charset="0"/>
                         <a:ea typeface="+mn-ea"/>
@@ -10434,14 +10572,14 @@
                     </a:p>
                     <a:p>
                       <a:r>
-                        <a:rPr lang="de-DE" sz="1100" u="sng" baseline="0" dirty="0" err="1">
+                        <a:rPr lang="de-DE" sz="1100" u="none" baseline="0" dirty="0" err="1">
                           <a:latin typeface="Arial" panose="020B0604020202020204" pitchFamily="34" charset="0"/>
                           <a:cs typeface="Arial" panose="020B0604020202020204" pitchFamily="34" charset="0"/>
                           <a:sym typeface="Wingdings" panose="05000000000000000000" pitchFamily="2" charset="2"/>
                         </a:rPr>
                         <a:t>begin</a:t>
                       </a:r>
-                      <a:endParaRPr lang="de-DE" sz="1100" u="sng" baseline="0" dirty="0">
+                      <a:endParaRPr lang="de-DE" sz="1100" u="none" baseline="0" dirty="0">
                         <a:latin typeface="Arial" panose="020B0604020202020204" pitchFamily="34" charset="0"/>
                         <a:cs typeface="Arial" panose="020B0604020202020204" pitchFamily="34" charset="0"/>
                         <a:sym typeface="Wingdings" panose="05000000000000000000" pitchFamily="2" charset="2"/>
@@ -10449,7 +10587,7 @@
                     </a:p>
                     <a:p>
                       <a:r>
-                        <a:rPr lang="de-DE" sz="1100" u="sng" baseline="0" dirty="0">
+                        <a:rPr lang="de-DE" sz="1100" u="none" baseline="0" dirty="0">
                           <a:latin typeface="Arial" panose="020B0604020202020204" pitchFamily="34" charset="0"/>
                           <a:cs typeface="Arial" panose="020B0604020202020204" pitchFamily="34" charset="0"/>
                           <a:sym typeface="Wingdings" panose="05000000000000000000" pitchFamily="2" charset="2"/>
@@ -13120,8 +13258,8 @@
         </p:nvCxnSpPr>
         <p:spPr>
           <a:xfrm flipH="1">
-            <a:off x="924874" y="711287"/>
-            <a:ext cx="1126846" cy="7723"/>
+            <a:off x="1008838" y="711287"/>
+            <a:ext cx="1042882" cy="2480"/>
           </a:xfrm>
           <a:prstGeom prst="straightConnector1">
             <a:avLst/>

--- a/Spezifikationen/CMS_Modell_Spezifikation.pptx
+++ b/Spezifikationen/CMS_Modell_Spezifikation.pptx
@@ -5,15 +5,16 @@
     <p:sldMasterId id="2147483648" r:id="rId1"/>
   </p:sldMasterIdLst>
   <p:notesMasterIdLst>
-    <p:notesMasterId r:id="rId8"/>
+    <p:notesMasterId r:id="rId9"/>
   </p:notesMasterIdLst>
   <p:sldIdLst>
-    <p:sldId id="299" r:id="rId2"/>
-    <p:sldId id="297" r:id="rId3"/>
-    <p:sldId id="300" r:id="rId4"/>
-    <p:sldId id="301" r:id="rId5"/>
-    <p:sldId id="302" r:id="rId6"/>
-    <p:sldId id="298" r:id="rId7"/>
+    <p:sldId id="303" r:id="rId2"/>
+    <p:sldId id="300" r:id="rId3"/>
+    <p:sldId id="299" r:id="rId4"/>
+    <p:sldId id="297" r:id="rId5"/>
+    <p:sldId id="301" r:id="rId6"/>
+    <p:sldId id="302" r:id="rId7"/>
+    <p:sldId id="298" r:id="rId8"/>
   </p:sldIdLst>
   <p:sldSz cx="9144000" cy="6858000" type="screen4x3"/>
   <p:notesSz cx="6797675" cy="9872663"/>
@@ -213,7 +214,7 @@
           <a:p>
             <a:fld id="{5FB9DE1E-9C59-4472-9BFE-872FCA557505}" type="datetimeFigureOut">
               <a:rPr lang="de-DE" smtClean="0"/>
-              <a:t>15.12.2016</a:t>
+              <a:t>22.12.2016</a:t>
             </a:fld>
             <a:endParaRPr lang="de-DE"/>
           </a:p>
@@ -559,7 +560,7 @@
     </p:spTree>
     <p:extLst>
       <p:ext uri="{BB962C8B-B14F-4D97-AF65-F5344CB8AC3E}">
-        <p14:creationId xmlns:p14="http://schemas.microsoft.com/office/powerpoint/2010/main" val="3675880263"/>
+        <p14:creationId xmlns:p14="http://schemas.microsoft.com/office/powerpoint/2010/main" val="1329104839"/>
       </p:ext>
     </p:extLst>
   </p:cSld>
@@ -639,7 +640,7 @@
           <a:p>
             <a:fld id="{C449DA3E-CE28-47BA-93AE-26B53A6C5FC0}" type="slidenum">
               <a:rPr lang="de-DE" smtClean="0"/>
-              <a:t>2</a:t>
+              <a:t>3</a:t>
             </a:fld>
             <a:endParaRPr lang="de-DE"/>
           </a:p>
@@ -648,7 +649,7 @@
     </p:spTree>
     <p:extLst>
       <p:ext uri="{BB962C8B-B14F-4D97-AF65-F5344CB8AC3E}">
-        <p14:creationId xmlns:p14="http://schemas.microsoft.com/office/powerpoint/2010/main" val="944255836"/>
+        <p14:creationId xmlns:p14="http://schemas.microsoft.com/office/powerpoint/2010/main" val="3675880263"/>
       </p:ext>
     </p:extLst>
   </p:cSld>
@@ -737,7 +738,7 @@
     </p:spTree>
     <p:extLst>
       <p:ext uri="{BB962C8B-B14F-4D97-AF65-F5344CB8AC3E}">
-        <p14:creationId xmlns:p14="http://schemas.microsoft.com/office/powerpoint/2010/main" val="2428314013"/>
+        <p14:creationId xmlns:p14="http://schemas.microsoft.com/office/powerpoint/2010/main" val="944255836"/>
       </p:ext>
     </p:extLst>
   </p:cSld>
@@ -826,7 +827,7 @@
     </p:spTree>
     <p:extLst>
       <p:ext uri="{BB962C8B-B14F-4D97-AF65-F5344CB8AC3E}">
-        <p14:creationId xmlns:p14="http://schemas.microsoft.com/office/powerpoint/2010/main" val="1556764883"/>
+        <p14:creationId xmlns:p14="http://schemas.microsoft.com/office/powerpoint/2010/main" val="2428314013"/>
       </p:ext>
     </p:extLst>
   </p:cSld>
@@ -907,6 +908,95 @@
             <a:fld id="{C449DA3E-CE28-47BA-93AE-26B53A6C5FC0}" type="slidenum">
               <a:rPr lang="de-DE" smtClean="0"/>
               <a:t>6</a:t>
+            </a:fld>
+            <a:endParaRPr lang="de-DE"/>
+          </a:p>
+        </p:txBody>
+      </p:sp>
+    </p:spTree>
+    <p:extLst>
+      <p:ext uri="{BB962C8B-B14F-4D97-AF65-F5344CB8AC3E}">
+        <p14:creationId xmlns:p14="http://schemas.microsoft.com/office/powerpoint/2010/main" val="1556764883"/>
+      </p:ext>
+    </p:extLst>
+  </p:cSld>
+  <p:clrMapOvr>
+    <a:masterClrMapping/>
+  </p:clrMapOvr>
+</p:notes>
+</file>
+
+<file path=ppt/notesSlides/notesSlide6.xml><?xml version="1.0" encoding="utf-8"?>
+<p:notes xmlns:a="http://schemas.openxmlformats.org/drawingml/2006/main" xmlns:r="http://schemas.openxmlformats.org/officeDocument/2006/relationships" xmlns:p="http://schemas.openxmlformats.org/presentationml/2006/main">
+  <p:cSld>
+    <p:spTree>
+      <p:nvGrpSpPr>
+        <p:cNvPr id="1" name=""/>
+        <p:cNvGrpSpPr/>
+        <p:nvPr/>
+      </p:nvGrpSpPr>
+      <p:grpSpPr>
+        <a:xfrm>
+          <a:off x="0" y="0"/>
+          <a:ext cx="0" cy="0"/>
+          <a:chOff x="0" y="0"/>
+          <a:chExt cx="0" cy="0"/>
+        </a:xfrm>
+      </p:grpSpPr>
+      <p:sp>
+        <p:nvSpPr>
+          <p:cNvPr id="2" name="Folienbildplatzhalter 1"/>
+          <p:cNvSpPr>
+            <a:spLocks noGrp="1" noRot="1" noChangeAspect="1"/>
+          </p:cNvSpPr>
+          <p:nvPr>
+            <p:ph type="sldImg"/>
+          </p:nvPr>
+        </p:nvSpPr>
+        <p:spPr>
+          <a:xfrm>
+            <a:off x="930275" y="739775"/>
+            <a:ext cx="4937125" cy="3703638"/>
+          </a:xfrm>
+        </p:spPr>
+      </p:sp>
+      <p:sp>
+        <p:nvSpPr>
+          <p:cNvPr id="3" name="Notizenplatzhalter 2"/>
+          <p:cNvSpPr>
+            <a:spLocks noGrp="1"/>
+          </p:cNvSpPr>
+          <p:nvPr>
+            <p:ph type="body" idx="1"/>
+          </p:nvPr>
+        </p:nvSpPr>
+        <p:spPr/>
+        <p:txBody>
+          <a:bodyPr/>
+          <a:lstStyle/>
+          <a:p>
+            <a:endParaRPr lang="de-DE" dirty="0"/>
+          </a:p>
+        </p:txBody>
+      </p:sp>
+      <p:sp>
+        <p:nvSpPr>
+          <p:cNvPr id="4" name="Foliennummernplatzhalter 3"/>
+          <p:cNvSpPr>
+            <a:spLocks noGrp="1"/>
+          </p:cNvSpPr>
+          <p:nvPr>
+            <p:ph type="sldNum" sz="quarter" idx="10"/>
+          </p:nvPr>
+        </p:nvSpPr>
+        <p:spPr/>
+        <p:txBody>
+          <a:bodyPr/>
+          <a:lstStyle/>
+          <a:p>
+            <a:fld id="{C449DA3E-CE28-47BA-93AE-26B53A6C5FC0}" type="slidenum">
+              <a:rPr lang="de-DE" smtClean="0"/>
+              <a:t>7</a:t>
             </a:fld>
             <a:endParaRPr lang="de-DE"/>
           </a:p>
@@ -1104,7 +1194,7 @@
           <a:p>
             <a:fld id="{A8397244-F09A-480D-A398-F059C842E541}" type="datetime1">
               <a:rPr lang="de-DE" smtClean="0"/>
-              <a:t>15.12.2016</a:t>
+              <a:t>22.12.2016</a:t>
             </a:fld>
             <a:endParaRPr lang="de-DE"/>
           </a:p>
@@ -1275,7 +1365,7 @@
           <a:p>
             <a:fld id="{4A0624FD-1E9C-442B-9A77-F7854ECD5C4B}" type="datetime1">
               <a:rPr lang="de-DE" smtClean="0"/>
-              <a:t>15.12.2016</a:t>
+              <a:t>22.12.2016</a:t>
             </a:fld>
             <a:endParaRPr lang="de-DE"/>
           </a:p>
@@ -1456,7 +1546,7 @@
           <a:p>
             <a:fld id="{0F97B927-A088-4873-98CF-029B6CB6D85E}" type="datetime1">
               <a:rPr lang="de-DE" smtClean="0"/>
-              <a:t>15.12.2016</a:t>
+              <a:t>22.12.2016</a:t>
             </a:fld>
             <a:endParaRPr lang="de-DE"/>
           </a:p>
@@ -1627,7 +1717,7 @@
           <a:p>
             <a:fld id="{D6663774-A100-4623-94BA-F6B6B53CC199}" type="datetime1">
               <a:rPr lang="de-DE" smtClean="0"/>
-              <a:t>15.12.2016</a:t>
+              <a:t>22.12.2016</a:t>
             </a:fld>
             <a:endParaRPr lang="de-DE"/>
           </a:p>
@@ -1875,7 +1965,7 @@
           <a:p>
             <a:fld id="{21A81475-685C-4B07-89AC-60C6EAAB6D4C}" type="datetime1">
               <a:rPr lang="de-DE" smtClean="0"/>
-              <a:t>15.12.2016</a:t>
+              <a:t>22.12.2016</a:t>
             </a:fld>
             <a:endParaRPr lang="de-DE"/>
           </a:p>
@@ -2163,7 +2253,7 @@
           <a:p>
             <a:fld id="{B2F9CB55-05F2-4296-95CC-14386AFD87D6}" type="datetime1">
               <a:rPr lang="de-DE" smtClean="0"/>
-              <a:t>15.12.2016</a:t>
+              <a:t>22.12.2016</a:t>
             </a:fld>
             <a:endParaRPr lang="de-DE"/>
           </a:p>
@@ -2585,7 +2675,7 @@
           <a:p>
             <a:fld id="{8E5BD420-9AB9-458C-81BE-DAFAA9902404}" type="datetime1">
               <a:rPr lang="de-DE" smtClean="0"/>
-              <a:t>15.12.2016</a:t>
+              <a:t>22.12.2016</a:t>
             </a:fld>
             <a:endParaRPr lang="de-DE"/>
           </a:p>
@@ -2705,7 +2795,7 @@
           <a:p>
             <a:fld id="{C644B812-3534-4884-8BE6-32A8F8B770F4}" type="datetime1">
               <a:rPr lang="de-DE" smtClean="0"/>
-              <a:t>15.12.2016</a:t>
+              <a:t>22.12.2016</a:t>
             </a:fld>
             <a:endParaRPr lang="de-DE"/>
           </a:p>
@@ -2803,7 +2893,7 @@
           <a:p>
             <a:fld id="{A8F29B9A-F350-418A-A942-E37D8F967607}" type="datetime1">
               <a:rPr lang="de-DE" smtClean="0"/>
-              <a:t>15.12.2016</a:t>
+              <a:t>22.12.2016</a:t>
             </a:fld>
             <a:endParaRPr lang="de-DE"/>
           </a:p>
@@ -3081,7 +3171,7 @@
           <a:p>
             <a:fld id="{D76FCF4F-E669-4E72-9162-ADDF332D172D}" type="datetime1">
               <a:rPr lang="de-DE" smtClean="0"/>
-              <a:t>15.12.2016</a:t>
+              <a:t>22.12.2016</a:t>
             </a:fld>
             <a:endParaRPr lang="de-DE"/>
           </a:p>
@@ -3336,7 +3426,7 @@
           <a:p>
             <a:fld id="{FCC29BEE-D49A-4984-9A0D-EA18D67C6542}" type="datetime1">
               <a:rPr lang="de-DE" smtClean="0"/>
-              <a:t>15.12.2016</a:t>
+              <a:t>22.12.2016</a:t>
             </a:fld>
             <a:endParaRPr lang="de-DE"/>
           </a:p>
@@ -3550,7 +3640,7 @@
           <a:p>
             <a:fld id="{176F2E55-DA60-42A3-9F60-D110BF06A931}" type="datetime1">
               <a:rPr lang="de-DE" smtClean="0"/>
-              <a:t>15.12.2016</a:t>
+              <a:t>22.12.2016</a:t>
             </a:fld>
             <a:endParaRPr lang="de-DE"/>
           </a:p>
@@ -3947,6 +4037,6513 @@
             <a:fld id="{224286A4-A35A-4214-9BF4-B746FB763E74}" type="slidenum">
               <a:rPr lang="de-DE" smtClean="0"/>
               <a:t>1</a:t>
+            </a:fld>
+            <a:endParaRPr lang="de-DE" dirty="0"/>
+          </a:p>
+        </p:txBody>
+      </p:sp>
+      <p:graphicFrame>
+        <p:nvGraphicFramePr>
+          <p:cNvPr id="20" name="Tabelle 19"/>
+          <p:cNvGraphicFramePr>
+            <a:graphicFrameLocks noGrp="1"/>
+          </p:cNvGraphicFramePr>
+          <p:nvPr>
+            <p:extLst/>
+          </p:nvPr>
+        </p:nvGraphicFramePr>
+        <p:xfrm>
+          <a:off x="60778" y="188640"/>
+          <a:ext cx="1414878" cy="815774"/>
+        </p:xfrm>
+        <a:graphic>
+          <a:graphicData uri="http://schemas.openxmlformats.org/drawingml/2006/table">
+            <a:tbl>
+              <a:tblPr firstRow="1" bandRow="1">
+                <a:tableStyleId>{F2DE63D5-997A-4646-A377-4702673A728D}</a:tableStyleId>
+              </a:tblPr>
+              <a:tblGrid>
+                <a:gridCol w="1414878">
+                  <a:extLst>
+                    <a:ext uri="{9D8B030D-6E8A-4147-A177-3AD203B41FA5}">
+                      <a16:colId xmlns:a16="http://schemas.microsoft.com/office/drawing/2014/main" val="20000"/>
+                    </a:ext>
+                  </a:extLst>
+                </a:gridCol>
+              </a:tblGrid>
+              <a:tr h="274320">
+                <a:tc>
+                  <a:txBody>
+                    <a:bodyPr/>
+                    <a:lstStyle/>
+                    <a:p>
+                      <a:pPr marL="0" marR="0" indent="0" algn="l" defTabSz="914400" rtl="0" eaLnBrk="1" fontAlgn="auto" latinLnBrk="0" hangingPunct="1">
+                        <a:lnSpc>
+                          <a:spcPct val="100000"/>
+                        </a:lnSpc>
+                        <a:spcBef>
+                          <a:spcPts val="0"/>
+                        </a:spcBef>
+                        <a:spcAft>
+                          <a:spcPts val="0"/>
+                        </a:spcAft>
+                        <a:buClrTx/>
+                        <a:buSzTx/>
+                        <a:buFontTx/>
+                        <a:buNone/>
+                        <a:tabLst/>
+                        <a:defRPr/>
+                      </a:pPr>
+                      <a:r>
+                        <a:rPr lang="de-DE" sz="1200" b="1" dirty="0" err="1">
+                          <a:solidFill>
+                            <a:schemeClr val="tx1"/>
+                          </a:solidFill>
+                          <a:latin typeface="Arial" panose="020B0604020202020204" pitchFamily="34" charset="0"/>
+                          <a:cs typeface="Arial" panose="020B0604020202020204" pitchFamily="34" charset="0"/>
+                        </a:rPr>
+                        <a:t>Ban_Reason</a:t>
+                      </a:r>
+                      <a:endParaRPr lang="de-DE" sz="1200" b="1" dirty="0">
+                        <a:solidFill>
+                          <a:schemeClr val="tx1"/>
+                        </a:solidFill>
+                        <a:latin typeface="Arial" panose="020B0604020202020204" pitchFamily="34" charset="0"/>
+                        <a:cs typeface="Arial" panose="020B0604020202020204" pitchFamily="34" charset="0"/>
+                      </a:endParaRPr>
+                    </a:p>
+                  </a:txBody>
+                  <a:tcPr/>
+                </a:tc>
+                <a:extLst>
+                  <a:ext uri="{0D108BD9-81ED-4DB2-BD59-A6C34878D82A}">
+                    <a16:rowId xmlns:a16="http://schemas.microsoft.com/office/drawing/2014/main" val="10000"/>
+                  </a:ext>
+                </a:extLst>
+              </a:tr>
+              <a:tr h="541454">
+                <a:tc>
+                  <a:txBody>
+                    <a:bodyPr/>
+                    <a:lstStyle/>
+                    <a:p>
+                      <a:r>
+                        <a:rPr lang="de-DE" sz="1100" u="sng" baseline="0" dirty="0" err="1">
+                          <a:latin typeface="Arial" panose="020B0604020202020204" pitchFamily="34" charset="0"/>
+                          <a:cs typeface="Arial" panose="020B0604020202020204" pitchFamily="34" charset="0"/>
+                          <a:sym typeface="Wingdings" panose="05000000000000000000" pitchFamily="2" charset="2"/>
+                        </a:rPr>
+                        <a:t>id</a:t>
+                      </a:r>
+                      <a:r>
+                        <a:rPr lang="de-DE" sz="1100" u="none" baseline="0" dirty="0">
+                          <a:latin typeface="Arial" panose="020B0604020202020204" pitchFamily="34" charset="0"/>
+                          <a:cs typeface="Arial" panose="020B0604020202020204" pitchFamily="34" charset="0"/>
+                          <a:sym typeface="Wingdings" panose="05000000000000000000" pitchFamily="2" charset="2"/>
+                        </a:rPr>
+                        <a:t>  </a:t>
+                      </a:r>
+                      <a:r>
+                        <a:rPr lang="de-DE" sz="600" u="none" kern="1200" baseline="0" dirty="0">
+                          <a:solidFill>
+                            <a:srgbClr val="C00000"/>
+                          </a:solidFill>
+                          <a:latin typeface="Arial" panose="020B0604020202020204" pitchFamily="34" charset="0"/>
+                          <a:ea typeface="+mn-ea"/>
+                          <a:cs typeface="Arial" panose="020B0604020202020204" pitchFamily="34" charset="0"/>
+                          <a:sym typeface="Wingdings" panose="05000000000000000000" pitchFamily="2" charset="2"/>
+                        </a:rPr>
+                        <a:t>=&gt; </a:t>
+                      </a:r>
+                      <a:r>
+                        <a:rPr lang="de-DE" sz="600" u="none" kern="1200" baseline="0" dirty="0" err="1">
+                          <a:solidFill>
+                            <a:srgbClr val="C00000"/>
+                          </a:solidFill>
+                          <a:latin typeface="Arial" panose="020B0604020202020204" pitchFamily="34" charset="0"/>
+                          <a:ea typeface="+mn-ea"/>
+                          <a:cs typeface="Arial" panose="020B0604020202020204" pitchFamily="34" charset="0"/>
+                          <a:sym typeface="Wingdings" panose="05000000000000000000" pitchFamily="2" charset="2"/>
+                        </a:rPr>
+                        <a:t>int</a:t>
+                      </a:r>
+                      <a:r>
+                        <a:rPr lang="de-DE" sz="600" u="none" kern="1200" baseline="0" dirty="0">
+                          <a:solidFill>
+                            <a:srgbClr val="C00000"/>
+                          </a:solidFill>
+                          <a:latin typeface="Arial" panose="020B0604020202020204" pitchFamily="34" charset="0"/>
+                          <a:ea typeface="+mn-ea"/>
+                          <a:cs typeface="Arial" panose="020B0604020202020204" pitchFamily="34" charset="0"/>
+                          <a:sym typeface="Wingdings" panose="05000000000000000000" pitchFamily="2" charset="2"/>
+                        </a:rPr>
+                        <a:t>, </a:t>
+                      </a:r>
+                      <a:r>
+                        <a:rPr lang="de-DE" sz="600" u="none" baseline="0" dirty="0">
+                          <a:solidFill>
+                            <a:srgbClr val="00B0F0"/>
+                          </a:solidFill>
+                          <a:latin typeface="Arial" panose="020B0604020202020204" pitchFamily="34" charset="0"/>
+                          <a:cs typeface="Arial" panose="020B0604020202020204" pitchFamily="34" charset="0"/>
+                          <a:sym typeface="Wingdings" panose="05000000000000000000" pitchFamily="2" charset="2"/>
+                        </a:rPr>
+                        <a:t>kein Default-Wert</a:t>
+                      </a:r>
+                    </a:p>
+                    <a:p>
+                      <a:pPr marL="0" marR="0" lvl="0" indent="0" algn="l" defTabSz="914400" rtl="0" eaLnBrk="1" fontAlgn="auto" latinLnBrk="0" hangingPunct="1">
+                        <a:lnSpc>
+                          <a:spcPct val="100000"/>
+                        </a:lnSpc>
+                        <a:spcBef>
+                          <a:spcPts val="0"/>
+                        </a:spcBef>
+                        <a:spcAft>
+                          <a:spcPts val="0"/>
+                        </a:spcAft>
+                        <a:buClrTx/>
+                        <a:buSzTx/>
+                        <a:buFontTx/>
+                        <a:buNone/>
+                        <a:tabLst/>
+                        <a:defRPr/>
+                      </a:pPr>
+                      <a:r>
+                        <a:rPr lang="de-DE" sz="1100" u="none" baseline="0" dirty="0" err="1">
+                          <a:latin typeface="Arial" panose="020B0604020202020204" pitchFamily="34" charset="0"/>
+                          <a:cs typeface="Arial" panose="020B0604020202020204" pitchFamily="34" charset="0"/>
+                          <a:sym typeface="Wingdings" panose="05000000000000000000" pitchFamily="2" charset="2"/>
+                        </a:rPr>
+                        <a:t>reason</a:t>
+                      </a:r>
+                      <a:r>
+                        <a:rPr lang="de-DE" sz="1100" u="none" baseline="0" dirty="0">
+                          <a:latin typeface="Arial" panose="020B0604020202020204" pitchFamily="34" charset="0"/>
+                          <a:cs typeface="Arial" panose="020B0604020202020204" pitchFamily="34" charset="0"/>
+                          <a:sym typeface="Wingdings" panose="05000000000000000000" pitchFamily="2" charset="2"/>
+                        </a:rPr>
+                        <a:t> </a:t>
+                      </a:r>
+                      <a:r>
+                        <a:rPr lang="de-DE" sz="600" u="none" kern="1200" baseline="0" dirty="0">
+                          <a:solidFill>
+                            <a:srgbClr val="C00000"/>
+                          </a:solidFill>
+                          <a:latin typeface="Arial" panose="020B0604020202020204" pitchFamily="34" charset="0"/>
+                          <a:ea typeface="+mn-ea"/>
+                          <a:cs typeface="Arial" panose="020B0604020202020204" pitchFamily="34" charset="0"/>
+                          <a:sym typeface="Wingdings" panose="05000000000000000000" pitchFamily="2" charset="2"/>
+                        </a:rPr>
+                        <a:t>=&gt; </a:t>
+                      </a:r>
+                      <a:r>
+                        <a:rPr lang="de-DE" sz="600" u="none" kern="1200" baseline="0" dirty="0" err="1">
+                          <a:solidFill>
+                            <a:srgbClr val="C00000"/>
+                          </a:solidFill>
+                          <a:latin typeface="Arial" panose="020B0604020202020204" pitchFamily="34" charset="0"/>
+                          <a:ea typeface="+mn-ea"/>
+                          <a:cs typeface="Arial" panose="020B0604020202020204" pitchFamily="34" charset="0"/>
+                          <a:sym typeface="Wingdings" panose="05000000000000000000" pitchFamily="2" charset="2"/>
+                        </a:rPr>
+                        <a:t>varchar</a:t>
+                      </a:r>
+                      <a:r>
+                        <a:rPr lang="de-DE" sz="600" u="none" kern="1200" baseline="0" dirty="0">
+                          <a:solidFill>
+                            <a:srgbClr val="C00000"/>
+                          </a:solidFill>
+                          <a:latin typeface="Arial" panose="020B0604020202020204" pitchFamily="34" charset="0"/>
+                          <a:ea typeface="+mn-ea"/>
+                          <a:cs typeface="Arial" panose="020B0604020202020204" pitchFamily="34" charset="0"/>
+                          <a:sym typeface="Wingdings" panose="05000000000000000000" pitchFamily="2" charset="2"/>
+                        </a:rPr>
+                        <a:t>[255] ,</a:t>
+                      </a:r>
+                      <a:r>
+                        <a:rPr lang="de-DE" sz="600" u="none" baseline="0" dirty="0">
+                          <a:solidFill>
+                            <a:srgbClr val="00B0F0"/>
+                          </a:solidFill>
+                          <a:latin typeface="Arial" panose="020B0604020202020204" pitchFamily="34" charset="0"/>
+                          <a:cs typeface="Arial" panose="020B0604020202020204" pitchFamily="34" charset="0"/>
+                          <a:sym typeface="Wingdings" panose="05000000000000000000" pitchFamily="2" charset="2"/>
+                        </a:rPr>
+                        <a:t>  kein Default-Wert</a:t>
+                      </a:r>
+                      <a:endParaRPr lang="de-DE" sz="600" u="none" kern="1200" baseline="0" dirty="0">
+                        <a:solidFill>
+                          <a:srgbClr val="C00000"/>
+                        </a:solidFill>
+                        <a:latin typeface="Arial" panose="020B0604020202020204" pitchFamily="34" charset="0"/>
+                        <a:ea typeface="+mn-ea"/>
+                        <a:cs typeface="Arial" panose="020B0604020202020204" pitchFamily="34" charset="0"/>
+                        <a:sym typeface="Wingdings" panose="05000000000000000000" pitchFamily="2" charset="2"/>
+                      </a:endParaRPr>
+                    </a:p>
+                  </a:txBody>
+                  <a:tcPr/>
+                </a:tc>
+                <a:extLst>
+                  <a:ext uri="{0D108BD9-81ED-4DB2-BD59-A6C34878D82A}">
+                    <a16:rowId xmlns:a16="http://schemas.microsoft.com/office/drawing/2014/main" val="10001"/>
+                  </a:ext>
+                </a:extLst>
+              </a:tr>
+            </a:tbl>
+          </a:graphicData>
+        </a:graphic>
+      </p:graphicFrame>
+      <p:graphicFrame>
+        <p:nvGraphicFramePr>
+          <p:cNvPr id="40" name="Tabelle 39"/>
+          <p:cNvGraphicFramePr>
+            <a:graphicFrameLocks noGrp="1"/>
+          </p:cNvGraphicFramePr>
+          <p:nvPr>
+            <p:extLst/>
+          </p:nvPr>
+        </p:nvGraphicFramePr>
+        <p:xfrm>
+          <a:off x="2218825" y="29617"/>
+          <a:ext cx="1594899" cy="1904533"/>
+        </p:xfrm>
+        <a:graphic>
+          <a:graphicData uri="http://schemas.openxmlformats.org/drawingml/2006/table">
+            <a:tbl>
+              <a:tblPr firstRow="1" bandRow="1">
+                <a:tableStyleId>{F2DE63D5-997A-4646-A377-4702673A728D}</a:tableStyleId>
+              </a:tblPr>
+              <a:tblGrid>
+                <a:gridCol w="1594899">
+                  <a:extLst>
+                    <a:ext uri="{9D8B030D-6E8A-4147-A177-3AD203B41FA5}">
+                      <a16:colId xmlns:a16="http://schemas.microsoft.com/office/drawing/2014/main" val="20000"/>
+                    </a:ext>
+                  </a:extLst>
+                </a:gridCol>
+              </a:tblGrid>
+              <a:tr h="274320">
+                <a:tc>
+                  <a:txBody>
+                    <a:bodyPr/>
+                    <a:lstStyle/>
+                    <a:p>
+                      <a:pPr marL="0" marR="0" indent="0" algn="l" defTabSz="914400" rtl="0" eaLnBrk="1" fontAlgn="auto" latinLnBrk="0" hangingPunct="1">
+                        <a:lnSpc>
+                          <a:spcPct val="100000"/>
+                        </a:lnSpc>
+                        <a:spcBef>
+                          <a:spcPts val="0"/>
+                        </a:spcBef>
+                        <a:spcAft>
+                          <a:spcPts val="0"/>
+                        </a:spcAft>
+                        <a:buClrTx/>
+                        <a:buSzTx/>
+                        <a:buFontTx/>
+                        <a:buNone/>
+                        <a:tabLst/>
+                        <a:defRPr/>
+                      </a:pPr>
+                      <a:r>
+                        <a:rPr lang="de-DE" sz="1200" b="1" dirty="0">
+                          <a:solidFill>
+                            <a:schemeClr val="tx1"/>
+                          </a:solidFill>
+                          <a:latin typeface="Arial" panose="020B0604020202020204" pitchFamily="34" charset="0"/>
+                          <a:cs typeface="Arial" panose="020B0604020202020204" pitchFamily="34" charset="0"/>
+                        </a:rPr>
+                        <a:t>Ban</a:t>
+                      </a:r>
+                    </a:p>
+                  </a:txBody>
+                  <a:tcPr/>
+                </a:tc>
+                <a:extLst>
+                  <a:ext uri="{0D108BD9-81ED-4DB2-BD59-A6C34878D82A}">
+                    <a16:rowId xmlns:a16="http://schemas.microsoft.com/office/drawing/2014/main" val="10000"/>
+                  </a:ext>
+                </a:extLst>
+              </a:tr>
+              <a:tr h="1630213">
+                <a:tc>
+                  <a:txBody>
+                    <a:bodyPr/>
+                    <a:lstStyle/>
+                    <a:p>
+                      <a:pPr marL="0" marR="0" lvl="0" indent="0" algn="l" defTabSz="914400" rtl="0" eaLnBrk="1" fontAlgn="auto" latinLnBrk="0" hangingPunct="1">
+                        <a:lnSpc>
+                          <a:spcPct val="100000"/>
+                        </a:lnSpc>
+                        <a:spcBef>
+                          <a:spcPts val="0"/>
+                        </a:spcBef>
+                        <a:spcAft>
+                          <a:spcPts val="0"/>
+                        </a:spcAft>
+                        <a:buClrTx/>
+                        <a:buSzTx/>
+                        <a:buFontTx/>
+                        <a:buNone/>
+                        <a:tabLst/>
+                        <a:defRPr/>
+                      </a:pPr>
+                      <a:r>
+                        <a:rPr lang="de-DE" sz="1100" u="sng" baseline="0" dirty="0">
+                          <a:latin typeface="Arial" panose="020B0604020202020204" pitchFamily="34" charset="0"/>
+                          <a:cs typeface="Arial" panose="020B0604020202020204" pitchFamily="34" charset="0"/>
+                          <a:sym typeface="Wingdings" panose="05000000000000000000" pitchFamily="2" charset="2"/>
+                        </a:rPr>
+                        <a:t>id (PS) </a:t>
+                      </a:r>
+                      <a:r>
+                        <a:rPr lang="de-DE" sz="600" u="none" kern="1200" baseline="0" dirty="0">
+                          <a:solidFill>
+                            <a:srgbClr val="C00000"/>
+                          </a:solidFill>
+                          <a:latin typeface="Arial" panose="020B0604020202020204" pitchFamily="34" charset="0"/>
+                          <a:ea typeface="+mn-ea"/>
+                          <a:cs typeface="Arial" panose="020B0604020202020204" pitchFamily="34" charset="0"/>
+                          <a:sym typeface="Wingdings" panose="05000000000000000000" pitchFamily="2" charset="2"/>
+                        </a:rPr>
+                        <a:t>=&gt; </a:t>
+                      </a:r>
+                      <a:r>
+                        <a:rPr lang="de-DE" sz="600" u="none" kern="1200" baseline="0" dirty="0" err="1">
+                          <a:solidFill>
+                            <a:srgbClr val="C00000"/>
+                          </a:solidFill>
+                          <a:latin typeface="Arial" panose="020B0604020202020204" pitchFamily="34" charset="0"/>
+                          <a:ea typeface="+mn-ea"/>
+                          <a:cs typeface="Arial" panose="020B0604020202020204" pitchFamily="34" charset="0"/>
+                          <a:sym typeface="Wingdings" panose="05000000000000000000" pitchFamily="2" charset="2"/>
+                        </a:rPr>
+                        <a:t>int</a:t>
+                      </a:r>
+                      <a:r>
+                        <a:rPr lang="de-DE" sz="600" u="none" kern="1200" baseline="0" dirty="0">
+                          <a:solidFill>
+                            <a:srgbClr val="C00000"/>
+                          </a:solidFill>
+                          <a:latin typeface="Arial" panose="020B0604020202020204" pitchFamily="34" charset="0"/>
+                          <a:ea typeface="+mn-ea"/>
+                          <a:cs typeface="Arial" panose="020B0604020202020204" pitchFamily="34" charset="0"/>
+                          <a:sym typeface="Wingdings" panose="05000000000000000000" pitchFamily="2" charset="2"/>
+                        </a:rPr>
+                        <a:t> </a:t>
+                      </a:r>
+                      <a:r>
+                        <a:rPr lang="de-DE" sz="600" u="none" baseline="0" dirty="0">
+                          <a:solidFill>
+                            <a:srgbClr val="C00000"/>
+                          </a:solidFill>
+                          <a:latin typeface="Arial" panose="020B0604020202020204" pitchFamily="34" charset="0"/>
+                          <a:cs typeface="Arial" panose="020B0604020202020204" pitchFamily="34" charset="0"/>
+                          <a:sym typeface="Wingdings" panose="05000000000000000000" pitchFamily="2" charset="2"/>
+                        </a:rPr>
+                        <a:t>auto-</a:t>
+                      </a:r>
+                      <a:r>
+                        <a:rPr lang="de-DE" sz="600" u="none" baseline="0" dirty="0" err="1">
+                          <a:solidFill>
+                            <a:srgbClr val="C00000"/>
+                          </a:solidFill>
+                          <a:latin typeface="Arial" panose="020B0604020202020204" pitchFamily="34" charset="0"/>
+                          <a:cs typeface="Arial" panose="020B0604020202020204" pitchFamily="34" charset="0"/>
+                          <a:sym typeface="Wingdings" panose="05000000000000000000" pitchFamily="2" charset="2"/>
+                        </a:rPr>
+                        <a:t>increment</a:t>
+                      </a:r>
+                      <a:r>
+                        <a:rPr lang="de-DE" sz="600" u="none" baseline="0" dirty="0">
+                          <a:solidFill>
+                            <a:srgbClr val="C00000"/>
+                          </a:solidFill>
+                          <a:latin typeface="Arial" panose="020B0604020202020204" pitchFamily="34" charset="0"/>
+                          <a:cs typeface="Arial" panose="020B0604020202020204" pitchFamily="34" charset="0"/>
+                          <a:sym typeface="Wingdings" panose="05000000000000000000" pitchFamily="2" charset="2"/>
+                        </a:rPr>
+                        <a:t>, </a:t>
+                      </a:r>
+                      <a:r>
+                        <a:rPr lang="de-DE" sz="600" u="none" baseline="0" dirty="0">
+                          <a:solidFill>
+                            <a:srgbClr val="00B0F0"/>
+                          </a:solidFill>
+                          <a:latin typeface="Arial" panose="020B0604020202020204" pitchFamily="34" charset="0"/>
+                          <a:cs typeface="Arial" panose="020B0604020202020204" pitchFamily="34" charset="0"/>
+                          <a:sym typeface="Wingdings" panose="05000000000000000000" pitchFamily="2" charset="2"/>
+                        </a:rPr>
+                        <a:t>kein Default-Wert</a:t>
+                      </a:r>
+                      <a:endParaRPr lang="de-DE" sz="600" u="none" kern="1200" baseline="0" dirty="0">
+                        <a:solidFill>
+                          <a:srgbClr val="C00000"/>
+                        </a:solidFill>
+                        <a:latin typeface="Arial" panose="020B0604020202020204" pitchFamily="34" charset="0"/>
+                        <a:ea typeface="+mn-ea"/>
+                        <a:cs typeface="Arial" panose="020B0604020202020204" pitchFamily="34" charset="0"/>
+                        <a:sym typeface="Wingdings" panose="05000000000000000000" pitchFamily="2" charset="2"/>
+                      </a:endParaRPr>
+                    </a:p>
+                    <a:p>
+                      <a:pPr marL="0" marR="0" lvl="0" indent="0" algn="l" defTabSz="914400" rtl="0" eaLnBrk="1" fontAlgn="auto" latinLnBrk="0" hangingPunct="1">
+                        <a:lnSpc>
+                          <a:spcPct val="100000"/>
+                        </a:lnSpc>
+                        <a:spcBef>
+                          <a:spcPts val="0"/>
+                        </a:spcBef>
+                        <a:spcAft>
+                          <a:spcPts val="0"/>
+                        </a:spcAft>
+                        <a:buClrTx/>
+                        <a:buSzTx/>
+                        <a:buFontTx/>
+                        <a:buNone/>
+                        <a:tabLst/>
+                        <a:defRPr/>
+                      </a:pPr>
+                      <a:r>
+                        <a:rPr lang="de-DE" sz="1100" u="none" kern="1200" baseline="0" dirty="0" err="1">
+                          <a:solidFill>
+                            <a:schemeClr val="tx1"/>
+                          </a:solidFill>
+                          <a:latin typeface="Arial" panose="020B0604020202020204" pitchFamily="34" charset="0"/>
+                          <a:ea typeface="+mn-ea"/>
+                          <a:cs typeface="Arial" panose="020B0604020202020204" pitchFamily="34" charset="0"/>
+                          <a:sym typeface="Wingdings" panose="05000000000000000000" pitchFamily="2" charset="2"/>
+                        </a:rPr>
+                        <a:t>user_id</a:t>
+                      </a:r>
+                      <a:r>
+                        <a:rPr lang="de-DE" sz="1100" u="none" kern="1200" baseline="0" dirty="0">
+                          <a:solidFill>
+                            <a:schemeClr val="tx1"/>
+                          </a:solidFill>
+                          <a:latin typeface="Arial" panose="020B0604020202020204" pitchFamily="34" charset="0"/>
+                          <a:ea typeface="+mn-ea"/>
+                          <a:cs typeface="Arial" panose="020B0604020202020204" pitchFamily="34" charset="0"/>
+                          <a:sym typeface="Wingdings" panose="05000000000000000000" pitchFamily="2" charset="2"/>
+                        </a:rPr>
+                        <a:t>  (FS)</a:t>
+                      </a:r>
+                      <a:r>
+                        <a:rPr lang="de-DE" sz="1800" u="none" baseline="0" dirty="0">
+                          <a:latin typeface="Arial" panose="020B0604020202020204" pitchFamily="34" charset="0"/>
+                          <a:cs typeface="Arial" panose="020B0604020202020204" pitchFamily="34" charset="0"/>
+                          <a:sym typeface="Wingdings" panose="05000000000000000000" pitchFamily="2" charset="2"/>
+                        </a:rPr>
+                        <a:t> </a:t>
+                      </a:r>
+                      <a:r>
+                        <a:rPr lang="de-DE" sz="600" u="none" kern="1200" baseline="0" dirty="0">
+                          <a:solidFill>
+                            <a:srgbClr val="C00000"/>
+                          </a:solidFill>
+                          <a:latin typeface="Arial" panose="020B0604020202020204" pitchFamily="34" charset="0"/>
+                          <a:ea typeface="+mn-ea"/>
+                          <a:cs typeface="Arial" panose="020B0604020202020204" pitchFamily="34" charset="0"/>
+                          <a:sym typeface="Wingdings" panose="05000000000000000000" pitchFamily="2" charset="2"/>
+                        </a:rPr>
+                        <a:t>=&gt; </a:t>
+                      </a:r>
+                      <a:r>
+                        <a:rPr lang="de-DE" sz="600" u="none" kern="1200" baseline="0" dirty="0" err="1">
+                          <a:solidFill>
+                            <a:srgbClr val="C00000"/>
+                          </a:solidFill>
+                          <a:latin typeface="Arial" panose="020B0604020202020204" pitchFamily="34" charset="0"/>
+                          <a:ea typeface="+mn-ea"/>
+                          <a:cs typeface="Arial" panose="020B0604020202020204" pitchFamily="34" charset="0"/>
+                          <a:sym typeface="Wingdings" panose="05000000000000000000" pitchFamily="2" charset="2"/>
+                        </a:rPr>
+                        <a:t>int</a:t>
+                      </a:r>
+                      <a:r>
+                        <a:rPr lang="de-DE" sz="600" u="none" kern="1200" baseline="0" dirty="0">
+                          <a:solidFill>
+                            <a:srgbClr val="C00000"/>
+                          </a:solidFill>
+                          <a:latin typeface="Arial" panose="020B0604020202020204" pitchFamily="34" charset="0"/>
+                          <a:ea typeface="+mn-ea"/>
+                          <a:cs typeface="Arial" panose="020B0604020202020204" pitchFamily="34" charset="0"/>
+                          <a:sym typeface="Wingdings" panose="05000000000000000000" pitchFamily="2" charset="2"/>
+                        </a:rPr>
+                        <a:t>,</a:t>
+                      </a:r>
+                      <a:r>
+                        <a:rPr lang="de-DE" sz="600" u="none" baseline="0" dirty="0">
+                          <a:solidFill>
+                            <a:srgbClr val="00B0F0"/>
+                          </a:solidFill>
+                          <a:latin typeface="Arial" panose="020B0604020202020204" pitchFamily="34" charset="0"/>
+                          <a:cs typeface="Arial" panose="020B0604020202020204" pitchFamily="34" charset="0"/>
+                          <a:sym typeface="Wingdings" panose="05000000000000000000" pitchFamily="2" charset="2"/>
+                        </a:rPr>
+                        <a:t> kein Default-Wert</a:t>
+                      </a:r>
+                      <a:endParaRPr lang="de-DE" sz="600" u="none" baseline="0" dirty="0">
+                        <a:latin typeface="Arial" panose="020B0604020202020204" pitchFamily="34" charset="0"/>
+                        <a:cs typeface="Arial" panose="020B0604020202020204" pitchFamily="34" charset="0"/>
+                        <a:sym typeface="Wingdings" panose="05000000000000000000" pitchFamily="2" charset="2"/>
+                      </a:endParaRPr>
+                    </a:p>
+                    <a:p>
+                      <a:r>
+                        <a:rPr lang="de-DE" sz="1100" u="none" baseline="0" dirty="0" err="1">
+                          <a:latin typeface="Arial" panose="020B0604020202020204" pitchFamily="34" charset="0"/>
+                          <a:cs typeface="Arial" panose="020B0604020202020204" pitchFamily="34" charset="0"/>
+                          <a:sym typeface="Wingdings" panose="05000000000000000000" pitchFamily="2" charset="2"/>
+                        </a:rPr>
+                        <a:t>reason_id</a:t>
+                      </a:r>
+                      <a:r>
+                        <a:rPr lang="de-DE" sz="1100" u="none" baseline="0" dirty="0">
+                          <a:latin typeface="Arial" panose="020B0604020202020204" pitchFamily="34" charset="0"/>
+                          <a:cs typeface="Arial" panose="020B0604020202020204" pitchFamily="34" charset="0"/>
+                          <a:sym typeface="Wingdings" panose="05000000000000000000" pitchFamily="2" charset="2"/>
+                        </a:rPr>
+                        <a:t> (FS) </a:t>
+                      </a:r>
+                      <a:r>
+                        <a:rPr lang="de-DE" sz="600" u="none" kern="1200" baseline="0" dirty="0">
+                          <a:solidFill>
+                            <a:srgbClr val="C00000"/>
+                          </a:solidFill>
+                          <a:latin typeface="Arial" panose="020B0604020202020204" pitchFamily="34" charset="0"/>
+                          <a:ea typeface="+mn-ea"/>
+                          <a:cs typeface="Arial" panose="020B0604020202020204" pitchFamily="34" charset="0"/>
+                          <a:sym typeface="Wingdings" panose="05000000000000000000" pitchFamily="2" charset="2"/>
+                        </a:rPr>
+                        <a:t>=&gt; </a:t>
+                      </a:r>
+                      <a:r>
+                        <a:rPr lang="de-DE" sz="600" u="none" kern="1200" baseline="0" dirty="0" err="1">
+                          <a:solidFill>
+                            <a:srgbClr val="C00000"/>
+                          </a:solidFill>
+                          <a:latin typeface="Arial" panose="020B0604020202020204" pitchFamily="34" charset="0"/>
+                          <a:ea typeface="+mn-ea"/>
+                          <a:cs typeface="Arial" panose="020B0604020202020204" pitchFamily="34" charset="0"/>
+                          <a:sym typeface="Wingdings" panose="05000000000000000000" pitchFamily="2" charset="2"/>
+                        </a:rPr>
+                        <a:t>int</a:t>
+                      </a:r>
+                      <a:r>
+                        <a:rPr lang="de-DE" sz="600" u="none" kern="1200" baseline="0" dirty="0">
+                          <a:solidFill>
+                            <a:srgbClr val="C00000"/>
+                          </a:solidFill>
+                          <a:latin typeface="Arial" panose="020B0604020202020204" pitchFamily="34" charset="0"/>
+                          <a:ea typeface="+mn-ea"/>
+                          <a:cs typeface="Arial" panose="020B0604020202020204" pitchFamily="34" charset="0"/>
+                          <a:sym typeface="Wingdings" panose="05000000000000000000" pitchFamily="2" charset="2"/>
+                        </a:rPr>
+                        <a:t> ,</a:t>
+                      </a:r>
+                      <a:r>
+                        <a:rPr lang="de-DE" sz="600" u="none" baseline="0" dirty="0">
+                          <a:solidFill>
+                            <a:srgbClr val="00B0F0"/>
+                          </a:solidFill>
+                          <a:latin typeface="Arial" panose="020B0604020202020204" pitchFamily="34" charset="0"/>
+                          <a:cs typeface="Arial" panose="020B0604020202020204" pitchFamily="34" charset="0"/>
+                          <a:sym typeface="Wingdings" panose="05000000000000000000" pitchFamily="2" charset="2"/>
+                        </a:rPr>
+                        <a:t>  kein Default-Wert</a:t>
+                      </a:r>
+                      <a:endParaRPr lang="de-DE" sz="600" u="none" kern="1200" baseline="0" dirty="0">
+                        <a:solidFill>
+                          <a:srgbClr val="C00000"/>
+                        </a:solidFill>
+                        <a:latin typeface="Arial" panose="020B0604020202020204" pitchFamily="34" charset="0"/>
+                        <a:ea typeface="+mn-ea"/>
+                        <a:cs typeface="Arial" panose="020B0604020202020204" pitchFamily="34" charset="0"/>
+                        <a:sym typeface="Wingdings" panose="05000000000000000000" pitchFamily="2" charset="2"/>
+                      </a:endParaRPr>
+                    </a:p>
+                    <a:p>
+                      <a:pPr marL="0" marR="0" lvl="0" indent="0" algn="l" defTabSz="914400" rtl="0" eaLnBrk="1" fontAlgn="auto" latinLnBrk="0" hangingPunct="1">
+                        <a:lnSpc>
+                          <a:spcPct val="100000"/>
+                        </a:lnSpc>
+                        <a:spcBef>
+                          <a:spcPts val="0"/>
+                        </a:spcBef>
+                        <a:spcAft>
+                          <a:spcPts val="0"/>
+                        </a:spcAft>
+                        <a:buClrTx/>
+                        <a:buSzTx/>
+                        <a:buFontTx/>
+                        <a:buNone/>
+                        <a:tabLst/>
+                        <a:defRPr/>
+                      </a:pPr>
+                      <a:r>
+                        <a:rPr lang="de-DE" sz="1100" u="none" kern="1200" baseline="0" dirty="0" err="1">
+                          <a:solidFill>
+                            <a:schemeClr val="tx1"/>
+                          </a:solidFill>
+                          <a:latin typeface="Arial" panose="020B0604020202020204" pitchFamily="34" charset="0"/>
+                          <a:ea typeface="+mn-ea"/>
+                          <a:cs typeface="Arial" panose="020B0604020202020204" pitchFamily="34" charset="0"/>
+                          <a:sym typeface="Wingdings" panose="05000000000000000000" pitchFamily="2" charset="2"/>
+                        </a:rPr>
+                        <a:t>description</a:t>
+                      </a:r>
+                      <a:r>
+                        <a:rPr lang="de-DE" sz="1100" u="none" kern="1200" baseline="0" dirty="0">
+                          <a:solidFill>
+                            <a:schemeClr val="tx1"/>
+                          </a:solidFill>
+                          <a:latin typeface="Arial" panose="020B0604020202020204" pitchFamily="34" charset="0"/>
+                          <a:ea typeface="+mn-ea"/>
+                          <a:cs typeface="Arial" panose="020B0604020202020204" pitchFamily="34" charset="0"/>
+                          <a:sym typeface="Wingdings" panose="05000000000000000000" pitchFamily="2" charset="2"/>
+                        </a:rPr>
+                        <a:t> </a:t>
+                      </a:r>
+                      <a:r>
+                        <a:rPr lang="de-DE" sz="600" u="none" kern="1200" baseline="0" dirty="0">
+                          <a:solidFill>
+                            <a:srgbClr val="C00000"/>
+                          </a:solidFill>
+                          <a:latin typeface="Arial" panose="020B0604020202020204" pitchFamily="34" charset="0"/>
+                          <a:ea typeface="+mn-ea"/>
+                          <a:cs typeface="Arial" panose="020B0604020202020204" pitchFamily="34" charset="0"/>
+                          <a:sym typeface="Wingdings" panose="05000000000000000000" pitchFamily="2" charset="2"/>
+                        </a:rPr>
+                        <a:t>=&gt; </a:t>
+                      </a:r>
+                      <a:r>
+                        <a:rPr lang="de-DE" sz="600" u="none" kern="1200" baseline="0" dirty="0" err="1">
+                          <a:solidFill>
+                            <a:srgbClr val="C00000"/>
+                          </a:solidFill>
+                          <a:latin typeface="Arial" panose="020B0604020202020204" pitchFamily="34" charset="0"/>
+                          <a:ea typeface="+mn-ea"/>
+                          <a:cs typeface="Arial" panose="020B0604020202020204" pitchFamily="34" charset="0"/>
+                          <a:sym typeface="Wingdings" panose="05000000000000000000" pitchFamily="2" charset="2"/>
+                        </a:rPr>
+                        <a:t>text</a:t>
+                      </a:r>
+                      <a:r>
+                        <a:rPr lang="de-DE" sz="600" u="none" kern="1200" baseline="0" dirty="0">
+                          <a:solidFill>
+                            <a:srgbClr val="C00000"/>
+                          </a:solidFill>
+                          <a:latin typeface="Arial" panose="020B0604020202020204" pitchFamily="34" charset="0"/>
+                          <a:ea typeface="+mn-ea"/>
+                          <a:cs typeface="Arial" panose="020B0604020202020204" pitchFamily="34" charset="0"/>
+                          <a:sym typeface="Wingdings" panose="05000000000000000000" pitchFamily="2" charset="2"/>
+                        </a:rPr>
+                        <a:t>,</a:t>
+                      </a:r>
+                      <a:r>
+                        <a:rPr lang="de-DE" sz="600" u="none" baseline="0" dirty="0">
+                          <a:solidFill>
+                            <a:srgbClr val="00B0F0"/>
+                          </a:solidFill>
+                          <a:latin typeface="Arial" panose="020B0604020202020204" pitchFamily="34" charset="0"/>
+                          <a:cs typeface="Arial" panose="020B0604020202020204" pitchFamily="34" charset="0"/>
+                          <a:sym typeface="Wingdings" panose="05000000000000000000" pitchFamily="2" charset="2"/>
+                        </a:rPr>
+                        <a:t>  kein Default-Wert</a:t>
+                      </a:r>
+                      <a:endParaRPr lang="de-DE" sz="600" u="none" baseline="0" dirty="0">
+                        <a:latin typeface="Arial" panose="020B0604020202020204" pitchFamily="34" charset="0"/>
+                        <a:cs typeface="Arial" panose="020B0604020202020204" pitchFamily="34" charset="0"/>
+                        <a:sym typeface="Wingdings" panose="05000000000000000000" pitchFamily="2" charset="2"/>
+                      </a:endParaRPr>
+                    </a:p>
+                    <a:p>
+                      <a:r>
+                        <a:rPr lang="de-DE" sz="1100" u="none" baseline="0" dirty="0" err="1">
+                          <a:latin typeface="Arial" panose="020B0604020202020204" pitchFamily="34" charset="0"/>
+                          <a:cs typeface="Arial" panose="020B0604020202020204" pitchFamily="34" charset="0"/>
+                          <a:sym typeface="Wingdings" panose="05000000000000000000" pitchFamily="2" charset="2"/>
+                        </a:rPr>
+                        <a:t>begin</a:t>
+                      </a:r>
+                      <a:r>
+                        <a:rPr lang="de-DE" sz="600" u="none" kern="1200" baseline="0" dirty="0">
+                          <a:solidFill>
+                            <a:srgbClr val="C00000"/>
+                          </a:solidFill>
+                          <a:latin typeface="Arial" panose="020B0604020202020204" pitchFamily="34" charset="0"/>
+                          <a:ea typeface="+mn-ea"/>
+                          <a:cs typeface="Arial" panose="020B0604020202020204" pitchFamily="34" charset="0"/>
+                          <a:sym typeface="Wingdings" panose="05000000000000000000" pitchFamily="2" charset="2"/>
+                        </a:rPr>
+                        <a:t>=&gt; </a:t>
+                      </a:r>
+                      <a:r>
+                        <a:rPr lang="de-DE" sz="600" u="none" kern="1200" baseline="0" dirty="0" err="1">
+                          <a:solidFill>
+                            <a:srgbClr val="C00000"/>
+                          </a:solidFill>
+                          <a:latin typeface="Arial" panose="020B0604020202020204" pitchFamily="34" charset="0"/>
+                          <a:ea typeface="+mn-ea"/>
+                          <a:cs typeface="Arial" panose="020B0604020202020204" pitchFamily="34" charset="0"/>
+                          <a:sym typeface="Wingdings" panose="05000000000000000000" pitchFamily="2" charset="2"/>
+                        </a:rPr>
+                        <a:t>datetime</a:t>
+                      </a:r>
+                      <a:r>
+                        <a:rPr lang="de-DE" sz="600" u="none" kern="1200" baseline="0" dirty="0">
+                          <a:solidFill>
+                            <a:srgbClr val="C00000"/>
+                          </a:solidFill>
+                          <a:latin typeface="Arial" panose="020B0604020202020204" pitchFamily="34" charset="0"/>
+                          <a:ea typeface="+mn-ea"/>
+                          <a:cs typeface="Arial" panose="020B0604020202020204" pitchFamily="34" charset="0"/>
+                          <a:sym typeface="Wingdings" panose="05000000000000000000" pitchFamily="2" charset="2"/>
+                        </a:rPr>
+                        <a:t>,</a:t>
+                      </a:r>
+                      <a:r>
+                        <a:rPr lang="de-DE" sz="600" u="none" baseline="0" dirty="0">
+                          <a:solidFill>
+                            <a:srgbClr val="00B0F0"/>
+                          </a:solidFill>
+                          <a:latin typeface="Arial" panose="020B0604020202020204" pitchFamily="34" charset="0"/>
+                          <a:cs typeface="Arial" panose="020B0604020202020204" pitchFamily="34" charset="0"/>
+                          <a:sym typeface="Wingdings" panose="05000000000000000000" pitchFamily="2" charset="2"/>
+                        </a:rPr>
+                        <a:t> kein Default-Wert</a:t>
+                      </a:r>
+                      <a:endParaRPr lang="de-DE" sz="600" u="none" kern="1200" baseline="0" dirty="0">
+                        <a:solidFill>
+                          <a:srgbClr val="C00000"/>
+                        </a:solidFill>
+                        <a:latin typeface="Arial" panose="020B0604020202020204" pitchFamily="34" charset="0"/>
+                        <a:ea typeface="+mn-ea"/>
+                        <a:cs typeface="Arial" panose="020B0604020202020204" pitchFamily="34" charset="0"/>
+                        <a:sym typeface="Wingdings" panose="05000000000000000000" pitchFamily="2" charset="2"/>
+                      </a:endParaRPr>
+                    </a:p>
+                    <a:p>
+                      <a:r>
+                        <a:rPr lang="de-DE" sz="1100" u="none" baseline="0" dirty="0">
+                          <a:latin typeface="Arial" panose="020B0604020202020204" pitchFamily="34" charset="0"/>
+                          <a:cs typeface="Arial" panose="020B0604020202020204" pitchFamily="34" charset="0"/>
+                          <a:sym typeface="Wingdings" panose="05000000000000000000" pitchFamily="2" charset="2"/>
+                        </a:rPr>
+                        <a:t>end</a:t>
+                      </a:r>
+                      <a:r>
+                        <a:rPr lang="de-DE" sz="600" u="none" kern="1200" baseline="0" dirty="0">
+                          <a:solidFill>
+                            <a:srgbClr val="C00000"/>
+                          </a:solidFill>
+                          <a:latin typeface="Arial" panose="020B0604020202020204" pitchFamily="34" charset="0"/>
+                          <a:ea typeface="+mn-ea"/>
+                          <a:cs typeface="Arial" panose="020B0604020202020204" pitchFamily="34" charset="0"/>
+                          <a:sym typeface="Wingdings" panose="05000000000000000000" pitchFamily="2" charset="2"/>
+                        </a:rPr>
+                        <a:t>=&gt; </a:t>
+                      </a:r>
+                      <a:r>
+                        <a:rPr lang="de-DE" sz="600" u="none" kern="1200" baseline="0" dirty="0" err="1">
+                          <a:solidFill>
+                            <a:srgbClr val="C00000"/>
+                          </a:solidFill>
+                          <a:latin typeface="Arial" panose="020B0604020202020204" pitchFamily="34" charset="0"/>
+                          <a:ea typeface="+mn-ea"/>
+                          <a:cs typeface="Arial" panose="020B0604020202020204" pitchFamily="34" charset="0"/>
+                          <a:sym typeface="Wingdings" panose="05000000000000000000" pitchFamily="2" charset="2"/>
+                        </a:rPr>
+                        <a:t>datetime</a:t>
+                      </a:r>
+                      <a:r>
+                        <a:rPr lang="de-DE" sz="600" u="none" kern="1200" baseline="0" dirty="0">
+                          <a:solidFill>
+                            <a:srgbClr val="C00000"/>
+                          </a:solidFill>
+                          <a:latin typeface="Arial" panose="020B0604020202020204" pitchFamily="34" charset="0"/>
+                          <a:ea typeface="+mn-ea"/>
+                          <a:cs typeface="Arial" panose="020B0604020202020204" pitchFamily="34" charset="0"/>
+                          <a:sym typeface="Wingdings" panose="05000000000000000000" pitchFamily="2" charset="2"/>
+                        </a:rPr>
+                        <a:t>,</a:t>
+                      </a:r>
+                      <a:r>
+                        <a:rPr lang="de-DE" sz="600" u="none" baseline="0" dirty="0">
+                          <a:solidFill>
+                            <a:srgbClr val="00B0F0"/>
+                          </a:solidFill>
+                          <a:latin typeface="Arial" panose="020B0604020202020204" pitchFamily="34" charset="0"/>
+                          <a:cs typeface="Arial" panose="020B0604020202020204" pitchFamily="34" charset="0"/>
+                          <a:sym typeface="Wingdings" panose="05000000000000000000" pitchFamily="2" charset="2"/>
+                        </a:rPr>
+                        <a:t> kein Default-Wert</a:t>
+                      </a:r>
+                      <a:endParaRPr lang="de-DE" sz="600" u="none" kern="1200" baseline="0" dirty="0">
+                        <a:solidFill>
+                          <a:srgbClr val="C00000"/>
+                        </a:solidFill>
+                        <a:latin typeface="Arial" panose="020B0604020202020204" pitchFamily="34" charset="0"/>
+                        <a:ea typeface="+mn-ea"/>
+                        <a:cs typeface="Arial" panose="020B0604020202020204" pitchFamily="34" charset="0"/>
+                        <a:sym typeface="Wingdings" panose="05000000000000000000" pitchFamily="2" charset="2"/>
+                      </a:endParaRPr>
+                    </a:p>
+                  </a:txBody>
+                  <a:tcPr/>
+                </a:tc>
+                <a:extLst>
+                  <a:ext uri="{0D108BD9-81ED-4DB2-BD59-A6C34878D82A}">
+                    <a16:rowId xmlns:a16="http://schemas.microsoft.com/office/drawing/2014/main" val="10001"/>
+                  </a:ext>
+                </a:extLst>
+              </a:tr>
+            </a:tbl>
+          </a:graphicData>
+        </a:graphic>
+      </p:graphicFrame>
+      <p:graphicFrame>
+        <p:nvGraphicFramePr>
+          <p:cNvPr id="42" name="Tabelle 41"/>
+          <p:cNvGraphicFramePr>
+            <a:graphicFrameLocks noGrp="1"/>
+          </p:cNvGraphicFramePr>
+          <p:nvPr>
+            <p:extLst/>
+          </p:nvPr>
+        </p:nvGraphicFramePr>
+        <p:xfrm>
+          <a:off x="4499992" y="104567"/>
+          <a:ext cx="1944216" cy="2331720"/>
+        </p:xfrm>
+        <a:graphic>
+          <a:graphicData uri="http://schemas.openxmlformats.org/drawingml/2006/table">
+            <a:tbl>
+              <a:tblPr firstRow="1" bandRow="1">
+                <a:tableStyleId>{F2DE63D5-997A-4646-A377-4702673A728D}</a:tableStyleId>
+              </a:tblPr>
+              <a:tblGrid>
+                <a:gridCol w="1944216">
+                  <a:extLst>
+                    <a:ext uri="{9D8B030D-6E8A-4147-A177-3AD203B41FA5}">
+                      <a16:colId xmlns:a16="http://schemas.microsoft.com/office/drawing/2014/main" val="20000"/>
+                    </a:ext>
+                  </a:extLst>
+                </a:gridCol>
+              </a:tblGrid>
+              <a:tr h="274320">
+                <a:tc>
+                  <a:txBody>
+                    <a:bodyPr/>
+                    <a:lstStyle/>
+                    <a:p>
+                      <a:pPr marL="0" marR="0" indent="0" algn="l" defTabSz="914400" rtl="0" eaLnBrk="1" fontAlgn="auto" latinLnBrk="0" hangingPunct="1">
+                        <a:lnSpc>
+                          <a:spcPct val="100000"/>
+                        </a:lnSpc>
+                        <a:spcBef>
+                          <a:spcPts val="0"/>
+                        </a:spcBef>
+                        <a:spcAft>
+                          <a:spcPts val="0"/>
+                        </a:spcAft>
+                        <a:buClrTx/>
+                        <a:buSzTx/>
+                        <a:buFontTx/>
+                        <a:buNone/>
+                        <a:tabLst/>
+                        <a:defRPr/>
+                      </a:pPr>
+                      <a:r>
+                        <a:rPr lang="de-DE" sz="1200" b="1" dirty="0">
+                          <a:solidFill>
+                            <a:schemeClr val="tx1"/>
+                          </a:solidFill>
+                          <a:latin typeface="Arial" panose="020B0604020202020204" pitchFamily="34" charset="0"/>
+                          <a:cs typeface="Arial" panose="020B0604020202020204" pitchFamily="34" charset="0"/>
+                        </a:rPr>
+                        <a:t>User</a:t>
+                      </a:r>
+                    </a:p>
+                  </a:txBody>
+                  <a:tcPr/>
+                </a:tc>
+                <a:extLst>
+                  <a:ext uri="{0D108BD9-81ED-4DB2-BD59-A6C34878D82A}">
+                    <a16:rowId xmlns:a16="http://schemas.microsoft.com/office/drawing/2014/main" val="10000"/>
+                  </a:ext>
+                </a:extLst>
+              </a:tr>
+              <a:tr h="2057400">
+                <a:tc>
+                  <a:txBody>
+                    <a:bodyPr/>
+                    <a:lstStyle/>
+                    <a:p>
+                      <a:pPr marL="0" marR="0" lvl="0" indent="0" algn="l" defTabSz="914400" rtl="0" eaLnBrk="1" fontAlgn="auto" latinLnBrk="0" hangingPunct="1">
+                        <a:lnSpc>
+                          <a:spcPct val="100000"/>
+                        </a:lnSpc>
+                        <a:spcBef>
+                          <a:spcPts val="0"/>
+                        </a:spcBef>
+                        <a:spcAft>
+                          <a:spcPts val="0"/>
+                        </a:spcAft>
+                        <a:buClrTx/>
+                        <a:buSzTx/>
+                        <a:buFontTx/>
+                        <a:buNone/>
+                        <a:tabLst/>
+                        <a:defRPr/>
+                      </a:pPr>
+                      <a:r>
+                        <a:rPr lang="de-DE" sz="1100" u="none" baseline="0" dirty="0">
+                          <a:latin typeface="Arial" panose="020B0604020202020204" pitchFamily="34" charset="0"/>
+                          <a:cs typeface="Arial" panose="020B0604020202020204" pitchFamily="34" charset="0"/>
+                          <a:sym typeface="Wingdings" panose="05000000000000000000" pitchFamily="2" charset="2"/>
+                        </a:rPr>
+                        <a:t>id (PS) </a:t>
+                      </a:r>
+                      <a:r>
+                        <a:rPr lang="de-DE" sz="600" u="none" kern="1200" baseline="0" dirty="0">
+                          <a:solidFill>
+                            <a:srgbClr val="C00000"/>
+                          </a:solidFill>
+                          <a:latin typeface="Arial" panose="020B0604020202020204" pitchFamily="34" charset="0"/>
+                          <a:ea typeface="+mn-ea"/>
+                          <a:cs typeface="Arial" panose="020B0604020202020204" pitchFamily="34" charset="0"/>
+                          <a:sym typeface="Wingdings" panose="05000000000000000000" pitchFamily="2" charset="2"/>
+                        </a:rPr>
+                        <a:t>=&gt; </a:t>
+                      </a:r>
+                      <a:r>
+                        <a:rPr lang="de-DE" sz="600" u="none" kern="1200" baseline="0" dirty="0" err="1">
+                          <a:solidFill>
+                            <a:srgbClr val="C00000"/>
+                          </a:solidFill>
+                          <a:latin typeface="Arial" panose="020B0604020202020204" pitchFamily="34" charset="0"/>
+                          <a:ea typeface="+mn-ea"/>
+                          <a:cs typeface="Arial" panose="020B0604020202020204" pitchFamily="34" charset="0"/>
+                          <a:sym typeface="Wingdings" panose="05000000000000000000" pitchFamily="2" charset="2"/>
+                        </a:rPr>
+                        <a:t>int</a:t>
+                      </a:r>
+                      <a:r>
+                        <a:rPr lang="de-DE" sz="600" u="none" kern="1200" baseline="0" dirty="0">
+                          <a:solidFill>
+                            <a:srgbClr val="C00000"/>
+                          </a:solidFill>
+                          <a:latin typeface="Arial" panose="020B0604020202020204" pitchFamily="34" charset="0"/>
+                          <a:ea typeface="+mn-ea"/>
+                          <a:cs typeface="Arial" panose="020B0604020202020204" pitchFamily="34" charset="0"/>
+                          <a:sym typeface="Wingdings" panose="05000000000000000000" pitchFamily="2" charset="2"/>
+                        </a:rPr>
+                        <a:t> + </a:t>
+                      </a:r>
+                      <a:r>
+                        <a:rPr lang="de-DE" sz="600" u="none" baseline="0" dirty="0">
+                          <a:solidFill>
+                            <a:srgbClr val="C00000"/>
+                          </a:solidFill>
+                          <a:latin typeface="Arial" panose="020B0604020202020204" pitchFamily="34" charset="0"/>
+                          <a:cs typeface="Arial" panose="020B0604020202020204" pitchFamily="34" charset="0"/>
+                          <a:sym typeface="Wingdings" panose="05000000000000000000" pitchFamily="2" charset="2"/>
+                        </a:rPr>
+                        <a:t>auto-</a:t>
+                      </a:r>
+                      <a:r>
+                        <a:rPr lang="de-DE" sz="600" u="none" baseline="0" dirty="0" err="1">
+                          <a:solidFill>
+                            <a:srgbClr val="C00000"/>
+                          </a:solidFill>
+                          <a:latin typeface="Arial" panose="020B0604020202020204" pitchFamily="34" charset="0"/>
+                          <a:cs typeface="Arial" panose="020B0604020202020204" pitchFamily="34" charset="0"/>
+                          <a:sym typeface="Wingdings" panose="05000000000000000000" pitchFamily="2" charset="2"/>
+                        </a:rPr>
+                        <a:t>increment</a:t>
+                      </a:r>
+                      <a:r>
+                        <a:rPr lang="de-DE" sz="600" u="none" baseline="0" dirty="0">
+                          <a:solidFill>
+                            <a:srgbClr val="C00000"/>
+                          </a:solidFill>
+                          <a:latin typeface="Arial" panose="020B0604020202020204" pitchFamily="34" charset="0"/>
+                          <a:cs typeface="Arial" panose="020B0604020202020204" pitchFamily="34" charset="0"/>
+                          <a:sym typeface="Wingdings" panose="05000000000000000000" pitchFamily="2" charset="2"/>
+                        </a:rPr>
+                        <a:t>, </a:t>
+                      </a:r>
+                      <a:r>
+                        <a:rPr lang="de-DE" sz="600" u="none" baseline="0" dirty="0">
+                          <a:solidFill>
+                            <a:srgbClr val="00B0F0"/>
+                          </a:solidFill>
+                          <a:latin typeface="Arial" panose="020B0604020202020204" pitchFamily="34" charset="0"/>
+                          <a:cs typeface="Arial" panose="020B0604020202020204" pitchFamily="34" charset="0"/>
+                          <a:sym typeface="Wingdings" panose="05000000000000000000" pitchFamily="2" charset="2"/>
+                        </a:rPr>
+                        <a:t>kein Default-Wert</a:t>
+                      </a:r>
+                      <a:endParaRPr lang="de-DE" sz="600" u="none" kern="1200" baseline="0" dirty="0">
+                        <a:solidFill>
+                          <a:srgbClr val="C00000"/>
+                        </a:solidFill>
+                        <a:latin typeface="Arial" panose="020B0604020202020204" pitchFamily="34" charset="0"/>
+                        <a:ea typeface="+mn-ea"/>
+                        <a:cs typeface="Arial" panose="020B0604020202020204" pitchFamily="34" charset="0"/>
+                        <a:sym typeface="Wingdings" panose="05000000000000000000" pitchFamily="2" charset="2"/>
+                      </a:endParaRPr>
+                    </a:p>
+                    <a:p>
+                      <a:r>
+                        <a:rPr lang="de-DE" sz="1100" u="none" baseline="0" dirty="0" err="1">
+                          <a:solidFill>
+                            <a:schemeClr val="tx1"/>
+                          </a:solidFill>
+                          <a:latin typeface="Arial" panose="020B0604020202020204" pitchFamily="34" charset="0"/>
+                          <a:cs typeface="Arial" panose="020B0604020202020204" pitchFamily="34" charset="0"/>
+                          <a:sym typeface="Wingdings" panose="05000000000000000000" pitchFamily="2" charset="2"/>
+                        </a:rPr>
+                        <a:t>role_id</a:t>
+                      </a:r>
+                      <a:r>
+                        <a:rPr lang="de-DE" sz="1100" u="none" baseline="0" dirty="0">
+                          <a:solidFill>
+                            <a:schemeClr val="tx1"/>
+                          </a:solidFill>
+                          <a:latin typeface="Arial" panose="020B0604020202020204" pitchFamily="34" charset="0"/>
+                          <a:cs typeface="Arial" panose="020B0604020202020204" pitchFamily="34" charset="0"/>
+                          <a:sym typeface="Wingdings" panose="05000000000000000000" pitchFamily="2" charset="2"/>
+                        </a:rPr>
+                        <a:t> (FS) </a:t>
+                      </a:r>
+                      <a:r>
+                        <a:rPr lang="de-DE" sz="600" u="none" kern="1200" baseline="0" dirty="0">
+                          <a:solidFill>
+                            <a:srgbClr val="C00000"/>
+                          </a:solidFill>
+                          <a:latin typeface="Arial" panose="020B0604020202020204" pitchFamily="34" charset="0"/>
+                          <a:ea typeface="+mn-ea"/>
+                          <a:cs typeface="Arial" panose="020B0604020202020204" pitchFamily="34" charset="0"/>
+                          <a:sym typeface="Wingdings" panose="05000000000000000000" pitchFamily="2" charset="2"/>
+                        </a:rPr>
+                        <a:t>=&gt; </a:t>
+                      </a:r>
+                      <a:r>
+                        <a:rPr lang="de-DE" sz="600" u="none" kern="1200" baseline="0" dirty="0" err="1">
+                          <a:solidFill>
+                            <a:srgbClr val="C00000"/>
+                          </a:solidFill>
+                          <a:latin typeface="Arial" panose="020B0604020202020204" pitchFamily="34" charset="0"/>
+                          <a:ea typeface="+mn-ea"/>
+                          <a:cs typeface="Arial" panose="020B0604020202020204" pitchFamily="34" charset="0"/>
+                          <a:sym typeface="Wingdings" panose="05000000000000000000" pitchFamily="2" charset="2"/>
+                        </a:rPr>
+                        <a:t>int</a:t>
+                      </a:r>
+                      <a:r>
+                        <a:rPr lang="de-DE" sz="600" u="none" kern="1200" baseline="0" dirty="0">
+                          <a:solidFill>
+                            <a:srgbClr val="C00000"/>
+                          </a:solidFill>
+                          <a:latin typeface="Arial" panose="020B0604020202020204" pitchFamily="34" charset="0"/>
+                          <a:ea typeface="+mn-ea"/>
+                          <a:cs typeface="Arial" panose="020B0604020202020204" pitchFamily="34" charset="0"/>
+                          <a:sym typeface="Wingdings" panose="05000000000000000000" pitchFamily="2" charset="2"/>
+                        </a:rPr>
+                        <a:t>,</a:t>
+                      </a:r>
+                      <a:r>
+                        <a:rPr lang="de-DE" sz="600" u="none" baseline="0" dirty="0">
+                          <a:solidFill>
+                            <a:srgbClr val="00B0F0"/>
+                          </a:solidFill>
+                          <a:latin typeface="Arial" panose="020B0604020202020204" pitchFamily="34" charset="0"/>
+                          <a:cs typeface="Arial" panose="020B0604020202020204" pitchFamily="34" charset="0"/>
+                          <a:sym typeface="Wingdings" panose="05000000000000000000" pitchFamily="2" charset="2"/>
+                        </a:rPr>
+                        <a:t> kein Default-Wert</a:t>
+                      </a:r>
+                      <a:endParaRPr lang="de-DE" sz="600" u="none" kern="1200" baseline="0" dirty="0">
+                        <a:solidFill>
+                          <a:srgbClr val="C00000"/>
+                        </a:solidFill>
+                        <a:latin typeface="Arial" panose="020B0604020202020204" pitchFamily="34" charset="0"/>
+                        <a:ea typeface="+mn-ea"/>
+                        <a:cs typeface="Arial" panose="020B0604020202020204" pitchFamily="34" charset="0"/>
+                        <a:sym typeface="Wingdings" panose="05000000000000000000" pitchFamily="2" charset="2"/>
+                      </a:endParaRPr>
+                    </a:p>
+                    <a:p>
+                      <a:pPr marL="0" marR="0" lvl="0" indent="0" algn="l" defTabSz="914400" rtl="0" eaLnBrk="1" fontAlgn="auto" latinLnBrk="0" hangingPunct="1">
+                        <a:lnSpc>
+                          <a:spcPct val="100000"/>
+                        </a:lnSpc>
+                        <a:spcBef>
+                          <a:spcPts val="0"/>
+                        </a:spcBef>
+                        <a:spcAft>
+                          <a:spcPts val="0"/>
+                        </a:spcAft>
+                        <a:buClrTx/>
+                        <a:buSzTx/>
+                        <a:buFontTx/>
+                        <a:buNone/>
+                        <a:tabLst/>
+                        <a:defRPr/>
+                      </a:pPr>
+                      <a:r>
+                        <a:rPr lang="de-DE" sz="1100" u="none" baseline="0" dirty="0" err="1">
+                          <a:latin typeface="Arial" panose="020B0604020202020204" pitchFamily="34" charset="0"/>
+                          <a:cs typeface="Arial" panose="020B0604020202020204" pitchFamily="34" charset="0"/>
+                          <a:sym typeface="Wingdings" panose="05000000000000000000" pitchFamily="2" charset="2"/>
+                        </a:rPr>
+                        <a:t>lastname</a:t>
+                      </a:r>
+                      <a:r>
+                        <a:rPr lang="de-DE" sz="1100" u="none" baseline="0" dirty="0">
+                          <a:latin typeface="Arial" panose="020B0604020202020204" pitchFamily="34" charset="0"/>
+                          <a:cs typeface="Arial" panose="020B0604020202020204" pitchFamily="34" charset="0"/>
+                          <a:sym typeface="Wingdings" panose="05000000000000000000" pitchFamily="2" charset="2"/>
+                        </a:rPr>
+                        <a:t> </a:t>
+                      </a:r>
+                      <a:r>
+                        <a:rPr lang="de-DE" sz="600" u="none" kern="1200" baseline="0" dirty="0">
+                          <a:solidFill>
+                            <a:srgbClr val="C00000"/>
+                          </a:solidFill>
+                          <a:latin typeface="Arial" panose="020B0604020202020204" pitchFamily="34" charset="0"/>
+                          <a:ea typeface="+mn-ea"/>
+                          <a:cs typeface="Arial" panose="020B0604020202020204" pitchFamily="34" charset="0"/>
+                          <a:sym typeface="Wingdings" panose="05000000000000000000" pitchFamily="2" charset="2"/>
+                        </a:rPr>
+                        <a:t>=&gt; </a:t>
+                      </a:r>
+                      <a:r>
+                        <a:rPr lang="de-DE" sz="600" u="none" kern="1200" baseline="0" dirty="0" err="1">
+                          <a:solidFill>
+                            <a:srgbClr val="C00000"/>
+                          </a:solidFill>
+                          <a:latin typeface="Arial" panose="020B0604020202020204" pitchFamily="34" charset="0"/>
+                          <a:ea typeface="+mn-ea"/>
+                          <a:cs typeface="Arial" panose="020B0604020202020204" pitchFamily="34" charset="0"/>
+                          <a:sym typeface="Wingdings" panose="05000000000000000000" pitchFamily="2" charset="2"/>
+                        </a:rPr>
+                        <a:t>varchar</a:t>
+                      </a:r>
+                      <a:r>
+                        <a:rPr lang="de-DE" sz="600" u="none" kern="1200" baseline="0" dirty="0">
+                          <a:solidFill>
+                            <a:srgbClr val="C00000"/>
+                          </a:solidFill>
+                          <a:latin typeface="Arial" panose="020B0604020202020204" pitchFamily="34" charset="0"/>
+                          <a:ea typeface="+mn-ea"/>
+                          <a:cs typeface="Arial" panose="020B0604020202020204" pitchFamily="34" charset="0"/>
+                          <a:sym typeface="Wingdings" panose="05000000000000000000" pitchFamily="2" charset="2"/>
+                        </a:rPr>
+                        <a:t>[255] ,</a:t>
+                      </a:r>
+                      <a:r>
+                        <a:rPr lang="de-DE" sz="600" u="none" baseline="0" dirty="0">
+                          <a:solidFill>
+                            <a:srgbClr val="00B0F0"/>
+                          </a:solidFill>
+                          <a:latin typeface="Arial" panose="020B0604020202020204" pitchFamily="34" charset="0"/>
+                          <a:cs typeface="Arial" panose="020B0604020202020204" pitchFamily="34" charset="0"/>
+                          <a:sym typeface="Wingdings" panose="05000000000000000000" pitchFamily="2" charset="2"/>
+                        </a:rPr>
+                        <a:t> kein Default-Wert</a:t>
+                      </a:r>
+                      <a:endParaRPr lang="de-DE" sz="600" u="none" kern="1200" baseline="0" dirty="0">
+                        <a:solidFill>
+                          <a:srgbClr val="C00000"/>
+                        </a:solidFill>
+                        <a:latin typeface="Arial" panose="020B0604020202020204" pitchFamily="34" charset="0"/>
+                        <a:ea typeface="+mn-ea"/>
+                        <a:cs typeface="Arial" panose="020B0604020202020204" pitchFamily="34" charset="0"/>
+                        <a:sym typeface="Wingdings" panose="05000000000000000000" pitchFamily="2" charset="2"/>
+                      </a:endParaRPr>
+                    </a:p>
+                    <a:p>
+                      <a:pPr marL="0" marR="0" lvl="0" indent="0" algn="l" defTabSz="914400" rtl="0" eaLnBrk="1" fontAlgn="auto" latinLnBrk="0" hangingPunct="1">
+                        <a:lnSpc>
+                          <a:spcPct val="100000"/>
+                        </a:lnSpc>
+                        <a:spcBef>
+                          <a:spcPts val="0"/>
+                        </a:spcBef>
+                        <a:spcAft>
+                          <a:spcPts val="0"/>
+                        </a:spcAft>
+                        <a:buClrTx/>
+                        <a:buSzTx/>
+                        <a:buFontTx/>
+                        <a:buNone/>
+                        <a:tabLst/>
+                        <a:defRPr/>
+                      </a:pPr>
+                      <a:r>
+                        <a:rPr lang="de-DE" sz="1100" u="none" baseline="0" dirty="0" err="1">
+                          <a:latin typeface="Arial" panose="020B0604020202020204" pitchFamily="34" charset="0"/>
+                          <a:cs typeface="Arial" panose="020B0604020202020204" pitchFamily="34" charset="0"/>
+                          <a:sym typeface="Wingdings" panose="05000000000000000000" pitchFamily="2" charset="2"/>
+                        </a:rPr>
+                        <a:t>firstname</a:t>
+                      </a:r>
+                      <a:r>
+                        <a:rPr lang="de-DE" sz="600" u="none" kern="1200" baseline="0" dirty="0">
+                          <a:solidFill>
+                            <a:srgbClr val="C00000"/>
+                          </a:solidFill>
+                          <a:latin typeface="Arial" panose="020B0604020202020204" pitchFamily="34" charset="0"/>
+                          <a:ea typeface="+mn-ea"/>
+                          <a:cs typeface="Arial" panose="020B0604020202020204" pitchFamily="34" charset="0"/>
+                          <a:sym typeface="Wingdings" panose="05000000000000000000" pitchFamily="2" charset="2"/>
+                        </a:rPr>
+                        <a:t> =&gt; </a:t>
+                      </a:r>
+                      <a:r>
+                        <a:rPr lang="de-DE" sz="600" u="none" kern="1200" baseline="0" dirty="0" err="1">
+                          <a:solidFill>
+                            <a:srgbClr val="C00000"/>
+                          </a:solidFill>
+                          <a:latin typeface="Arial" panose="020B0604020202020204" pitchFamily="34" charset="0"/>
+                          <a:ea typeface="+mn-ea"/>
+                          <a:cs typeface="Arial" panose="020B0604020202020204" pitchFamily="34" charset="0"/>
+                          <a:sym typeface="Wingdings" panose="05000000000000000000" pitchFamily="2" charset="2"/>
+                        </a:rPr>
+                        <a:t>varchar</a:t>
+                      </a:r>
+                      <a:r>
+                        <a:rPr lang="de-DE" sz="600" u="none" kern="1200" baseline="0" dirty="0">
+                          <a:solidFill>
+                            <a:srgbClr val="C00000"/>
+                          </a:solidFill>
+                          <a:latin typeface="Arial" panose="020B0604020202020204" pitchFamily="34" charset="0"/>
+                          <a:ea typeface="+mn-ea"/>
+                          <a:cs typeface="Arial" panose="020B0604020202020204" pitchFamily="34" charset="0"/>
+                          <a:sym typeface="Wingdings" panose="05000000000000000000" pitchFamily="2" charset="2"/>
+                        </a:rPr>
+                        <a:t>[255],</a:t>
+                      </a:r>
+                      <a:r>
+                        <a:rPr lang="de-DE" sz="600" u="none" baseline="0" dirty="0">
+                          <a:solidFill>
+                            <a:srgbClr val="00B0F0"/>
+                          </a:solidFill>
+                          <a:latin typeface="Arial" panose="020B0604020202020204" pitchFamily="34" charset="0"/>
+                          <a:cs typeface="Arial" panose="020B0604020202020204" pitchFamily="34" charset="0"/>
+                          <a:sym typeface="Wingdings" panose="05000000000000000000" pitchFamily="2" charset="2"/>
+                        </a:rPr>
+                        <a:t> kein Default-Wert</a:t>
+                      </a:r>
+                    </a:p>
+                    <a:p>
+                      <a:pPr marL="0" marR="0" lvl="0" indent="0" algn="l" defTabSz="914400" rtl="0" eaLnBrk="1" fontAlgn="auto" latinLnBrk="0" hangingPunct="1">
+                        <a:lnSpc>
+                          <a:spcPct val="100000"/>
+                        </a:lnSpc>
+                        <a:spcBef>
+                          <a:spcPts val="0"/>
+                        </a:spcBef>
+                        <a:spcAft>
+                          <a:spcPts val="0"/>
+                        </a:spcAft>
+                        <a:buClrTx/>
+                        <a:buSzTx/>
+                        <a:buFontTx/>
+                        <a:buNone/>
+                        <a:tabLst/>
+                        <a:defRPr/>
+                      </a:pPr>
+                      <a:r>
+                        <a:rPr lang="de-DE" sz="1100" u="none" baseline="0" dirty="0" err="1">
+                          <a:latin typeface="Arial" panose="020B0604020202020204" pitchFamily="34" charset="0"/>
+                          <a:cs typeface="Arial" panose="020B0604020202020204" pitchFamily="34" charset="0"/>
+                          <a:sym typeface="Wingdings" panose="05000000000000000000" pitchFamily="2" charset="2"/>
+                        </a:rPr>
+                        <a:t>birthdate</a:t>
+                      </a:r>
+                      <a:r>
+                        <a:rPr lang="de-DE" sz="1100" u="none" baseline="0" dirty="0">
+                          <a:latin typeface="Arial" panose="020B0604020202020204" pitchFamily="34" charset="0"/>
+                          <a:cs typeface="Arial" panose="020B0604020202020204" pitchFamily="34" charset="0"/>
+                          <a:sym typeface="Wingdings" panose="05000000000000000000" pitchFamily="2" charset="2"/>
+                        </a:rPr>
+                        <a:t> </a:t>
+                      </a:r>
+                      <a:r>
+                        <a:rPr lang="de-DE" sz="600" u="none" kern="1200" baseline="0" dirty="0">
+                          <a:solidFill>
+                            <a:srgbClr val="C00000"/>
+                          </a:solidFill>
+                          <a:latin typeface="Arial" panose="020B0604020202020204" pitchFamily="34" charset="0"/>
+                          <a:ea typeface="+mn-ea"/>
+                          <a:cs typeface="Arial" panose="020B0604020202020204" pitchFamily="34" charset="0"/>
+                          <a:sym typeface="Wingdings" panose="05000000000000000000" pitchFamily="2" charset="2"/>
+                        </a:rPr>
+                        <a:t>=&gt; </a:t>
+                      </a:r>
+                      <a:r>
+                        <a:rPr lang="de-DE" sz="600" u="none" kern="1200" baseline="0" dirty="0" err="1">
+                          <a:solidFill>
+                            <a:srgbClr val="C00000"/>
+                          </a:solidFill>
+                          <a:latin typeface="Arial" panose="020B0604020202020204" pitchFamily="34" charset="0"/>
+                          <a:ea typeface="+mn-ea"/>
+                          <a:cs typeface="Arial" panose="020B0604020202020204" pitchFamily="34" charset="0"/>
+                          <a:sym typeface="Wingdings" panose="05000000000000000000" pitchFamily="2" charset="2"/>
+                        </a:rPr>
+                        <a:t>date</a:t>
+                      </a:r>
+                      <a:r>
+                        <a:rPr lang="de-DE" sz="600" u="none" kern="1200" baseline="0" dirty="0">
+                          <a:solidFill>
+                            <a:srgbClr val="C00000"/>
+                          </a:solidFill>
+                          <a:latin typeface="Arial" panose="020B0604020202020204" pitchFamily="34" charset="0"/>
+                          <a:ea typeface="+mn-ea"/>
+                          <a:cs typeface="Arial" panose="020B0604020202020204" pitchFamily="34" charset="0"/>
+                          <a:sym typeface="Wingdings" panose="05000000000000000000" pitchFamily="2" charset="2"/>
+                        </a:rPr>
+                        <a:t>,</a:t>
+                      </a:r>
+                      <a:r>
+                        <a:rPr lang="de-DE" sz="800" u="none" baseline="0" dirty="0">
+                          <a:solidFill>
+                            <a:srgbClr val="00B0F0"/>
+                          </a:solidFill>
+                          <a:latin typeface="Arial" panose="020B0604020202020204" pitchFamily="34" charset="0"/>
+                          <a:cs typeface="Arial" panose="020B0604020202020204" pitchFamily="34" charset="0"/>
+                          <a:sym typeface="Wingdings" panose="05000000000000000000" pitchFamily="2" charset="2"/>
+                        </a:rPr>
+                        <a:t> </a:t>
+                      </a:r>
+                      <a:r>
+                        <a:rPr lang="de-DE" sz="600" u="none" baseline="0" dirty="0">
+                          <a:solidFill>
+                            <a:srgbClr val="00B0F0"/>
+                          </a:solidFill>
+                          <a:latin typeface="Arial" panose="020B0604020202020204" pitchFamily="34" charset="0"/>
+                          <a:cs typeface="Arial" panose="020B0604020202020204" pitchFamily="34" charset="0"/>
+                          <a:sym typeface="Wingdings" panose="05000000000000000000" pitchFamily="2" charset="2"/>
+                        </a:rPr>
+                        <a:t>kein Default-Wert</a:t>
+                      </a:r>
+                      <a:endParaRPr lang="de-DE" sz="600" u="none" kern="1200" baseline="0" dirty="0">
+                        <a:solidFill>
+                          <a:srgbClr val="C00000"/>
+                        </a:solidFill>
+                        <a:latin typeface="Arial" panose="020B0604020202020204" pitchFamily="34" charset="0"/>
+                        <a:ea typeface="+mn-ea"/>
+                        <a:cs typeface="Arial" panose="020B0604020202020204" pitchFamily="34" charset="0"/>
+                        <a:sym typeface="Wingdings" panose="05000000000000000000" pitchFamily="2" charset="2"/>
+                      </a:endParaRPr>
+                    </a:p>
+                    <a:p>
+                      <a:pPr marL="0" marR="0" lvl="0" indent="0" algn="l" defTabSz="914400" rtl="0" eaLnBrk="1" fontAlgn="auto" latinLnBrk="0" hangingPunct="1">
+                        <a:lnSpc>
+                          <a:spcPct val="100000"/>
+                        </a:lnSpc>
+                        <a:spcBef>
+                          <a:spcPts val="0"/>
+                        </a:spcBef>
+                        <a:spcAft>
+                          <a:spcPts val="0"/>
+                        </a:spcAft>
+                        <a:buClrTx/>
+                        <a:buSzTx/>
+                        <a:buFontTx/>
+                        <a:buNone/>
+                        <a:tabLst/>
+                        <a:defRPr/>
+                      </a:pPr>
+                      <a:r>
+                        <a:rPr lang="de-DE" sz="1100" u="sng" baseline="0" dirty="0" err="1">
+                          <a:latin typeface="Arial" panose="020B0604020202020204" pitchFamily="34" charset="0"/>
+                          <a:cs typeface="Arial" panose="020B0604020202020204" pitchFamily="34" charset="0"/>
+                          <a:sym typeface="Wingdings" panose="05000000000000000000" pitchFamily="2" charset="2"/>
+                        </a:rPr>
+                        <a:t>username</a:t>
+                      </a:r>
+                      <a:r>
+                        <a:rPr lang="de-DE" sz="1100" u="none" baseline="0" dirty="0">
+                          <a:latin typeface="Arial" panose="020B0604020202020204" pitchFamily="34" charset="0"/>
+                          <a:cs typeface="Arial" panose="020B0604020202020204" pitchFamily="34" charset="0"/>
+                          <a:sym typeface="Wingdings" panose="05000000000000000000" pitchFamily="2" charset="2"/>
+                        </a:rPr>
+                        <a:t> </a:t>
+                      </a:r>
+                      <a:r>
+                        <a:rPr lang="de-DE" sz="600" u="none" kern="1200" baseline="0" dirty="0">
+                          <a:solidFill>
+                            <a:srgbClr val="C00000"/>
+                          </a:solidFill>
+                          <a:latin typeface="Arial" panose="020B0604020202020204" pitchFamily="34" charset="0"/>
+                          <a:ea typeface="+mn-ea"/>
+                          <a:cs typeface="Arial" panose="020B0604020202020204" pitchFamily="34" charset="0"/>
+                          <a:sym typeface="Wingdings" panose="05000000000000000000" pitchFamily="2" charset="2"/>
+                        </a:rPr>
+                        <a:t>=&gt; </a:t>
+                      </a:r>
+                      <a:r>
+                        <a:rPr lang="de-DE" sz="600" u="none" kern="1200" baseline="0" dirty="0" err="1">
+                          <a:solidFill>
+                            <a:srgbClr val="C00000"/>
+                          </a:solidFill>
+                          <a:latin typeface="Arial" panose="020B0604020202020204" pitchFamily="34" charset="0"/>
+                          <a:ea typeface="+mn-ea"/>
+                          <a:cs typeface="Arial" panose="020B0604020202020204" pitchFamily="34" charset="0"/>
+                          <a:sym typeface="Wingdings" panose="05000000000000000000" pitchFamily="2" charset="2"/>
+                        </a:rPr>
+                        <a:t>varchar</a:t>
+                      </a:r>
+                      <a:r>
+                        <a:rPr lang="de-DE" sz="600" u="none" kern="1200" baseline="0" dirty="0">
+                          <a:solidFill>
+                            <a:srgbClr val="C00000"/>
+                          </a:solidFill>
+                          <a:latin typeface="Arial" panose="020B0604020202020204" pitchFamily="34" charset="0"/>
+                          <a:ea typeface="+mn-ea"/>
+                          <a:cs typeface="Arial" panose="020B0604020202020204" pitchFamily="34" charset="0"/>
+                          <a:sym typeface="Wingdings" panose="05000000000000000000" pitchFamily="2" charset="2"/>
+                        </a:rPr>
+                        <a:t>[255], </a:t>
+                      </a:r>
+                      <a:r>
+                        <a:rPr lang="de-DE" sz="600" u="none" baseline="0" dirty="0">
+                          <a:solidFill>
+                            <a:srgbClr val="00B0F0"/>
+                          </a:solidFill>
+                          <a:latin typeface="Arial" panose="020B0604020202020204" pitchFamily="34" charset="0"/>
+                          <a:cs typeface="Arial" panose="020B0604020202020204" pitchFamily="34" charset="0"/>
+                          <a:sym typeface="Wingdings" panose="05000000000000000000" pitchFamily="2" charset="2"/>
+                        </a:rPr>
+                        <a:t>kein Default-Wert</a:t>
+                      </a:r>
+                      <a:endParaRPr lang="de-DE" sz="600" u="none" kern="1200" baseline="0" dirty="0">
+                        <a:solidFill>
+                          <a:srgbClr val="C00000"/>
+                        </a:solidFill>
+                        <a:latin typeface="Arial" panose="020B0604020202020204" pitchFamily="34" charset="0"/>
+                        <a:ea typeface="+mn-ea"/>
+                        <a:cs typeface="Arial" panose="020B0604020202020204" pitchFamily="34" charset="0"/>
+                        <a:sym typeface="Wingdings" panose="05000000000000000000" pitchFamily="2" charset="2"/>
+                      </a:endParaRPr>
+                    </a:p>
+                    <a:p>
+                      <a:pPr marL="0" marR="0" lvl="0" indent="0" algn="l" defTabSz="914400" rtl="0" eaLnBrk="1" fontAlgn="auto" latinLnBrk="0" hangingPunct="1">
+                        <a:lnSpc>
+                          <a:spcPct val="100000"/>
+                        </a:lnSpc>
+                        <a:spcBef>
+                          <a:spcPts val="0"/>
+                        </a:spcBef>
+                        <a:spcAft>
+                          <a:spcPts val="0"/>
+                        </a:spcAft>
+                        <a:buClrTx/>
+                        <a:buSzTx/>
+                        <a:buFontTx/>
+                        <a:buNone/>
+                        <a:tabLst/>
+                        <a:defRPr/>
+                      </a:pPr>
+                      <a:r>
+                        <a:rPr lang="de-DE" sz="1100" u="none" baseline="0" dirty="0" err="1">
+                          <a:latin typeface="Arial" panose="020B0604020202020204" pitchFamily="34" charset="0"/>
+                          <a:cs typeface="Arial" panose="020B0604020202020204" pitchFamily="34" charset="0"/>
+                          <a:sym typeface="Wingdings" panose="05000000000000000000" pitchFamily="2" charset="2"/>
+                        </a:rPr>
+                        <a:t>password</a:t>
+                      </a:r>
+                      <a:r>
+                        <a:rPr lang="de-DE" sz="1100" u="none" baseline="0" dirty="0">
+                          <a:latin typeface="Arial" panose="020B0604020202020204" pitchFamily="34" charset="0"/>
+                          <a:cs typeface="Arial" panose="020B0604020202020204" pitchFamily="34" charset="0"/>
+                          <a:sym typeface="Wingdings" panose="05000000000000000000" pitchFamily="2" charset="2"/>
+                        </a:rPr>
+                        <a:t> </a:t>
+                      </a:r>
+                      <a:r>
+                        <a:rPr lang="de-DE" sz="600" u="none" kern="1200" baseline="0" dirty="0">
+                          <a:solidFill>
+                            <a:srgbClr val="C00000"/>
+                          </a:solidFill>
+                          <a:latin typeface="Arial" panose="020B0604020202020204" pitchFamily="34" charset="0"/>
+                          <a:ea typeface="+mn-ea"/>
+                          <a:cs typeface="Arial" panose="020B0604020202020204" pitchFamily="34" charset="0"/>
+                          <a:sym typeface="Wingdings" panose="05000000000000000000" pitchFamily="2" charset="2"/>
+                        </a:rPr>
+                        <a:t>=&gt; </a:t>
+                      </a:r>
+                      <a:r>
+                        <a:rPr lang="de-DE" sz="600" u="none" kern="1200" baseline="0" dirty="0" err="1">
+                          <a:solidFill>
+                            <a:srgbClr val="C00000"/>
+                          </a:solidFill>
+                          <a:latin typeface="Arial" panose="020B0604020202020204" pitchFamily="34" charset="0"/>
+                          <a:ea typeface="+mn-ea"/>
+                          <a:cs typeface="Arial" panose="020B0604020202020204" pitchFamily="34" charset="0"/>
+                          <a:sym typeface="Wingdings" panose="05000000000000000000" pitchFamily="2" charset="2"/>
+                        </a:rPr>
+                        <a:t>varchar</a:t>
+                      </a:r>
+                      <a:r>
+                        <a:rPr lang="de-DE" sz="600" u="none" kern="1200" baseline="0" dirty="0">
+                          <a:solidFill>
+                            <a:srgbClr val="C00000"/>
+                          </a:solidFill>
+                          <a:latin typeface="Arial" panose="020B0604020202020204" pitchFamily="34" charset="0"/>
+                          <a:ea typeface="+mn-ea"/>
+                          <a:cs typeface="Arial" panose="020B0604020202020204" pitchFamily="34" charset="0"/>
+                          <a:sym typeface="Wingdings" panose="05000000000000000000" pitchFamily="2" charset="2"/>
+                        </a:rPr>
+                        <a:t>[255], </a:t>
+                      </a:r>
+                      <a:r>
+                        <a:rPr lang="de-DE" sz="600" u="none" baseline="0" dirty="0">
+                          <a:solidFill>
+                            <a:srgbClr val="00B0F0"/>
+                          </a:solidFill>
+                          <a:latin typeface="Arial" panose="020B0604020202020204" pitchFamily="34" charset="0"/>
+                          <a:cs typeface="Arial" panose="020B0604020202020204" pitchFamily="34" charset="0"/>
+                          <a:sym typeface="Wingdings" panose="05000000000000000000" pitchFamily="2" charset="2"/>
+                        </a:rPr>
+                        <a:t>kein Default-Wert</a:t>
+                      </a:r>
+                      <a:endParaRPr lang="de-DE" sz="600" u="none" kern="1200" baseline="0" dirty="0">
+                        <a:solidFill>
+                          <a:srgbClr val="C00000"/>
+                        </a:solidFill>
+                        <a:latin typeface="Arial" panose="020B0604020202020204" pitchFamily="34" charset="0"/>
+                        <a:ea typeface="+mn-ea"/>
+                        <a:cs typeface="Arial" panose="020B0604020202020204" pitchFamily="34" charset="0"/>
+                        <a:sym typeface="Wingdings" panose="05000000000000000000" pitchFamily="2" charset="2"/>
+                      </a:endParaRPr>
+                    </a:p>
+                    <a:p>
+                      <a:pPr marL="0" marR="0" lvl="0" indent="0" algn="l" defTabSz="914400" rtl="0" eaLnBrk="1" fontAlgn="auto" latinLnBrk="0" hangingPunct="1">
+                        <a:lnSpc>
+                          <a:spcPct val="100000"/>
+                        </a:lnSpc>
+                        <a:spcBef>
+                          <a:spcPts val="0"/>
+                        </a:spcBef>
+                        <a:spcAft>
+                          <a:spcPts val="0"/>
+                        </a:spcAft>
+                        <a:buClrTx/>
+                        <a:buSzTx/>
+                        <a:buFontTx/>
+                        <a:buNone/>
+                        <a:tabLst/>
+                        <a:defRPr/>
+                      </a:pPr>
+                      <a:r>
+                        <a:rPr lang="de-DE" sz="1100" u="sng" baseline="0" dirty="0">
+                          <a:latin typeface="Arial" panose="020B0604020202020204" pitchFamily="34" charset="0"/>
+                          <a:cs typeface="Arial" panose="020B0604020202020204" pitchFamily="34" charset="0"/>
+                          <a:sym typeface="Wingdings" panose="05000000000000000000" pitchFamily="2" charset="2"/>
+                        </a:rPr>
+                        <a:t>email</a:t>
+                      </a:r>
+                      <a:r>
+                        <a:rPr lang="de-DE" sz="1100" u="none" baseline="0" dirty="0">
+                          <a:latin typeface="Arial" panose="020B0604020202020204" pitchFamily="34" charset="0"/>
+                          <a:cs typeface="Arial" panose="020B0604020202020204" pitchFamily="34" charset="0"/>
+                          <a:sym typeface="Wingdings" panose="05000000000000000000" pitchFamily="2" charset="2"/>
+                        </a:rPr>
+                        <a:t> </a:t>
+                      </a:r>
+                      <a:r>
+                        <a:rPr lang="de-DE" sz="600" u="none" kern="1200" baseline="0" dirty="0">
+                          <a:solidFill>
+                            <a:srgbClr val="C00000"/>
+                          </a:solidFill>
+                          <a:latin typeface="Arial" panose="020B0604020202020204" pitchFamily="34" charset="0"/>
+                          <a:ea typeface="+mn-ea"/>
+                          <a:cs typeface="Arial" panose="020B0604020202020204" pitchFamily="34" charset="0"/>
+                          <a:sym typeface="Wingdings" panose="05000000000000000000" pitchFamily="2" charset="2"/>
+                        </a:rPr>
+                        <a:t>=&gt; </a:t>
+                      </a:r>
+                      <a:r>
+                        <a:rPr lang="de-DE" sz="600" u="none" kern="1200" baseline="0" dirty="0" err="1">
+                          <a:solidFill>
+                            <a:srgbClr val="C00000"/>
+                          </a:solidFill>
+                          <a:latin typeface="Arial" panose="020B0604020202020204" pitchFamily="34" charset="0"/>
+                          <a:ea typeface="+mn-ea"/>
+                          <a:cs typeface="Arial" panose="020B0604020202020204" pitchFamily="34" charset="0"/>
+                          <a:sym typeface="Wingdings" panose="05000000000000000000" pitchFamily="2" charset="2"/>
+                        </a:rPr>
+                        <a:t>varchar</a:t>
+                      </a:r>
+                      <a:r>
+                        <a:rPr lang="de-DE" sz="600" u="none" kern="1200" baseline="0" dirty="0">
+                          <a:solidFill>
+                            <a:srgbClr val="C00000"/>
+                          </a:solidFill>
+                          <a:latin typeface="Arial" panose="020B0604020202020204" pitchFamily="34" charset="0"/>
+                          <a:ea typeface="+mn-ea"/>
+                          <a:cs typeface="Arial" panose="020B0604020202020204" pitchFamily="34" charset="0"/>
+                          <a:sym typeface="Wingdings" panose="05000000000000000000" pitchFamily="2" charset="2"/>
+                        </a:rPr>
+                        <a:t>[255],</a:t>
+                      </a:r>
+                      <a:r>
+                        <a:rPr lang="de-DE" sz="600" u="none" baseline="0" dirty="0">
+                          <a:solidFill>
+                            <a:srgbClr val="00B0F0"/>
+                          </a:solidFill>
+                          <a:latin typeface="Arial" panose="020B0604020202020204" pitchFamily="34" charset="0"/>
+                          <a:cs typeface="Arial" panose="020B0604020202020204" pitchFamily="34" charset="0"/>
+                          <a:sym typeface="Wingdings" panose="05000000000000000000" pitchFamily="2" charset="2"/>
+                        </a:rPr>
+                        <a:t> kein Default-Wert</a:t>
+                      </a:r>
+                      <a:endParaRPr lang="de-DE" sz="600" u="none" kern="1200" baseline="0" dirty="0">
+                        <a:solidFill>
+                          <a:srgbClr val="C00000"/>
+                        </a:solidFill>
+                        <a:latin typeface="Arial" panose="020B0604020202020204" pitchFamily="34" charset="0"/>
+                        <a:ea typeface="+mn-ea"/>
+                        <a:cs typeface="Arial" panose="020B0604020202020204" pitchFamily="34" charset="0"/>
+                        <a:sym typeface="Wingdings" panose="05000000000000000000" pitchFamily="2" charset="2"/>
+                      </a:endParaRPr>
+                    </a:p>
+                    <a:p>
+                      <a:pPr marL="0" marR="0" lvl="0" indent="0" algn="l" defTabSz="914400" rtl="0" eaLnBrk="1" fontAlgn="auto" latinLnBrk="0" hangingPunct="1">
+                        <a:lnSpc>
+                          <a:spcPct val="100000"/>
+                        </a:lnSpc>
+                        <a:spcBef>
+                          <a:spcPts val="0"/>
+                        </a:spcBef>
+                        <a:spcAft>
+                          <a:spcPts val="0"/>
+                        </a:spcAft>
+                        <a:buClrTx/>
+                        <a:buSzTx/>
+                        <a:buFontTx/>
+                        <a:buNone/>
+                        <a:tabLst/>
+                        <a:defRPr/>
+                      </a:pPr>
+                      <a:r>
+                        <a:rPr lang="de-DE" sz="1100" u="none" baseline="0" dirty="0" err="1">
+                          <a:latin typeface="Arial" panose="020B0604020202020204" pitchFamily="34" charset="0"/>
+                          <a:cs typeface="Arial" panose="020B0604020202020204" pitchFamily="34" charset="0"/>
+                          <a:sym typeface="Wingdings" panose="05000000000000000000" pitchFamily="2" charset="2"/>
+                        </a:rPr>
+                        <a:t>registrydate</a:t>
+                      </a:r>
+                      <a:r>
+                        <a:rPr lang="de-DE" sz="1100" u="none" baseline="0" dirty="0">
+                          <a:latin typeface="Arial" panose="020B0604020202020204" pitchFamily="34" charset="0"/>
+                          <a:cs typeface="Arial" panose="020B0604020202020204" pitchFamily="34" charset="0"/>
+                          <a:sym typeface="Wingdings" panose="05000000000000000000" pitchFamily="2" charset="2"/>
+                        </a:rPr>
+                        <a:t> </a:t>
+                      </a:r>
+                      <a:r>
+                        <a:rPr lang="de-DE" sz="600" u="none" kern="1200" baseline="0" dirty="0">
+                          <a:solidFill>
+                            <a:srgbClr val="C00000"/>
+                          </a:solidFill>
+                          <a:latin typeface="Arial" panose="020B0604020202020204" pitchFamily="34" charset="0"/>
+                          <a:ea typeface="+mn-ea"/>
+                          <a:cs typeface="Arial" panose="020B0604020202020204" pitchFamily="34" charset="0"/>
+                          <a:sym typeface="Wingdings" panose="05000000000000000000" pitchFamily="2" charset="2"/>
+                        </a:rPr>
+                        <a:t>=&gt; </a:t>
+                      </a:r>
+                      <a:r>
+                        <a:rPr lang="de-DE" sz="600" u="none" kern="1200" baseline="0" dirty="0" err="1">
+                          <a:solidFill>
+                            <a:srgbClr val="C00000"/>
+                          </a:solidFill>
+                          <a:latin typeface="Arial" panose="020B0604020202020204" pitchFamily="34" charset="0"/>
+                          <a:ea typeface="+mn-ea"/>
+                          <a:cs typeface="Arial" panose="020B0604020202020204" pitchFamily="34" charset="0"/>
+                          <a:sym typeface="Wingdings" panose="05000000000000000000" pitchFamily="2" charset="2"/>
+                        </a:rPr>
+                        <a:t>date</a:t>
+                      </a:r>
+                      <a:r>
+                        <a:rPr lang="de-DE" sz="600" u="none" kern="1200" baseline="0" dirty="0">
+                          <a:solidFill>
+                            <a:srgbClr val="C00000"/>
+                          </a:solidFill>
+                          <a:latin typeface="Arial" panose="020B0604020202020204" pitchFamily="34" charset="0"/>
+                          <a:ea typeface="+mn-ea"/>
+                          <a:cs typeface="Arial" panose="020B0604020202020204" pitchFamily="34" charset="0"/>
+                          <a:sym typeface="Wingdings" panose="05000000000000000000" pitchFamily="2" charset="2"/>
+                        </a:rPr>
+                        <a:t>,</a:t>
+                      </a:r>
+                      <a:r>
+                        <a:rPr lang="de-DE" sz="800" u="none" baseline="0" dirty="0">
+                          <a:solidFill>
+                            <a:srgbClr val="00B0F0"/>
+                          </a:solidFill>
+                          <a:latin typeface="Arial" panose="020B0604020202020204" pitchFamily="34" charset="0"/>
+                          <a:cs typeface="Arial" panose="020B0604020202020204" pitchFamily="34" charset="0"/>
+                          <a:sym typeface="Wingdings" panose="05000000000000000000" pitchFamily="2" charset="2"/>
+                        </a:rPr>
+                        <a:t> </a:t>
+                      </a:r>
+                      <a:r>
+                        <a:rPr lang="de-DE" sz="600" u="none" baseline="0" dirty="0">
+                          <a:solidFill>
+                            <a:srgbClr val="00B0F0"/>
+                          </a:solidFill>
+                          <a:latin typeface="Arial" panose="020B0604020202020204" pitchFamily="34" charset="0"/>
+                          <a:cs typeface="Arial" panose="020B0604020202020204" pitchFamily="34" charset="0"/>
+                          <a:sym typeface="Wingdings" panose="05000000000000000000" pitchFamily="2" charset="2"/>
+                        </a:rPr>
+                        <a:t>kein Default-Wert</a:t>
+                      </a:r>
+                    </a:p>
+                  </a:txBody>
+                  <a:tcPr/>
+                </a:tc>
+                <a:extLst>
+                  <a:ext uri="{0D108BD9-81ED-4DB2-BD59-A6C34878D82A}">
+                    <a16:rowId xmlns:a16="http://schemas.microsoft.com/office/drawing/2014/main" val="10001"/>
+                  </a:ext>
+                </a:extLst>
+              </a:tr>
+            </a:tbl>
+          </a:graphicData>
+        </a:graphic>
+      </p:graphicFrame>
+      <p:graphicFrame>
+        <p:nvGraphicFramePr>
+          <p:cNvPr id="43" name="Tabelle 42"/>
+          <p:cNvGraphicFramePr>
+            <a:graphicFrameLocks noGrp="1"/>
+          </p:cNvGraphicFramePr>
+          <p:nvPr>
+            <p:extLst/>
+          </p:nvPr>
+        </p:nvGraphicFramePr>
+        <p:xfrm>
+          <a:off x="6804248" y="44624"/>
+          <a:ext cx="2339752" cy="1874520"/>
+        </p:xfrm>
+        <a:graphic>
+          <a:graphicData uri="http://schemas.openxmlformats.org/drawingml/2006/table">
+            <a:tbl>
+              <a:tblPr firstRow="1" bandRow="1">
+                <a:tableStyleId>{F2DE63D5-997A-4646-A377-4702673A728D}</a:tableStyleId>
+              </a:tblPr>
+              <a:tblGrid>
+                <a:gridCol w="2339752">
+                  <a:extLst>
+                    <a:ext uri="{9D8B030D-6E8A-4147-A177-3AD203B41FA5}">
+                      <a16:colId xmlns:a16="http://schemas.microsoft.com/office/drawing/2014/main" val="20000"/>
+                    </a:ext>
+                  </a:extLst>
+                </a:gridCol>
+              </a:tblGrid>
+              <a:tr h="274320">
+                <a:tc>
+                  <a:txBody>
+                    <a:bodyPr/>
+                    <a:lstStyle/>
+                    <a:p>
+                      <a:pPr marL="0" marR="0" indent="0" algn="l" defTabSz="914400" rtl="0" eaLnBrk="1" fontAlgn="auto" latinLnBrk="0" hangingPunct="1">
+                        <a:lnSpc>
+                          <a:spcPct val="100000"/>
+                        </a:lnSpc>
+                        <a:spcBef>
+                          <a:spcPts val="0"/>
+                        </a:spcBef>
+                        <a:spcAft>
+                          <a:spcPts val="0"/>
+                        </a:spcAft>
+                        <a:buClrTx/>
+                        <a:buSzTx/>
+                        <a:buFontTx/>
+                        <a:buNone/>
+                        <a:tabLst/>
+                        <a:defRPr/>
+                      </a:pPr>
+                      <a:r>
+                        <a:rPr lang="de-DE" sz="1200" b="1" dirty="0" err="1">
+                          <a:solidFill>
+                            <a:schemeClr val="tx1"/>
+                          </a:solidFill>
+                          <a:latin typeface="Arial" panose="020B0604020202020204" pitchFamily="34" charset="0"/>
+                          <a:cs typeface="Arial" panose="020B0604020202020204" pitchFamily="34" charset="0"/>
+                        </a:rPr>
+                        <a:t>Role</a:t>
+                      </a:r>
+                      <a:endParaRPr lang="de-DE" sz="1200" b="1" dirty="0">
+                        <a:solidFill>
+                          <a:schemeClr val="tx1"/>
+                        </a:solidFill>
+                        <a:latin typeface="Arial" panose="020B0604020202020204" pitchFamily="34" charset="0"/>
+                        <a:cs typeface="Arial" panose="020B0604020202020204" pitchFamily="34" charset="0"/>
+                      </a:endParaRPr>
+                    </a:p>
+                  </a:txBody>
+                  <a:tcPr/>
+                </a:tc>
+                <a:extLst>
+                  <a:ext uri="{0D108BD9-81ED-4DB2-BD59-A6C34878D82A}">
+                    <a16:rowId xmlns:a16="http://schemas.microsoft.com/office/drawing/2014/main" val="10000"/>
+                  </a:ext>
+                </a:extLst>
+              </a:tr>
+              <a:tr h="1600200">
+                <a:tc>
+                  <a:txBody>
+                    <a:bodyPr/>
+                    <a:lstStyle/>
+                    <a:p>
+                      <a:pPr marL="0" marR="0" lvl="0" indent="0" algn="l" defTabSz="914400" rtl="0" eaLnBrk="1" fontAlgn="auto" latinLnBrk="0" hangingPunct="1">
+                        <a:lnSpc>
+                          <a:spcPct val="100000"/>
+                        </a:lnSpc>
+                        <a:spcBef>
+                          <a:spcPts val="0"/>
+                        </a:spcBef>
+                        <a:spcAft>
+                          <a:spcPts val="0"/>
+                        </a:spcAft>
+                        <a:buClrTx/>
+                        <a:buSzTx/>
+                        <a:buFontTx/>
+                        <a:buNone/>
+                        <a:tabLst/>
+                        <a:defRPr/>
+                      </a:pPr>
+                      <a:r>
+                        <a:rPr lang="de-DE" sz="1100" u="none" baseline="0" dirty="0">
+                          <a:latin typeface="Arial" panose="020B0604020202020204" pitchFamily="34" charset="0"/>
+                          <a:cs typeface="Arial" panose="020B0604020202020204" pitchFamily="34" charset="0"/>
+                          <a:sym typeface="Wingdings" panose="05000000000000000000" pitchFamily="2" charset="2"/>
+                        </a:rPr>
+                        <a:t>id (PS) </a:t>
+                      </a:r>
+                      <a:r>
+                        <a:rPr lang="de-DE" sz="600" u="none" kern="1200" baseline="0" dirty="0">
+                          <a:solidFill>
+                            <a:srgbClr val="C00000"/>
+                          </a:solidFill>
+                          <a:latin typeface="Arial" panose="020B0604020202020204" pitchFamily="34" charset="0"/>
+                          <a:ea typeface="+mn-ea"/>
+                          <a:cs typeface="Arial" panose="020B0604020202020204" pitchFamily="34" charset="0"/>
+                          <a:sym typeface="Wingdings" panose="05000000000000000000" pitchFamily="2" charset="2"/>
+                        </a:rPr>
+                        <a:t>=&gt; </a:t>
+                      </a:r>
+                      <a:r>
+                        <a:rPr lang="de-DE" sz="600" u="none" kern="1200" baseline="0" dirty="0" err="1">
+                          <a:solidFill>
+                            <a:srgbClr val="C00000"/>
+                          </a:solidFill>
+                          <a:latin typeface="Arial" panose="020B0604020202020204" pitchFamily="34" charset="0"/>
+                          <a:ea typeface="+mn-ea"/>
+                          <a:cs typeface="Arial" panose="020B0604020202020204" pitchFamily="34" charset="0"/>
+                          <a:sym typeface="Wingdings" panose="05000000000000000000" pitchFamily="2" charset="2"/>
+                        </a:rPr>
+                        <a:t>int</a:t>
+                      </a:r>
+                      <a:r>
+                        <a:rPr lang="de-DE" sz="600" u="none" kern="1200" baseline="0" dirty="0">
+                          <a:solidFill>
+                            <a:srgbClr val="C00000"/>
+                          </a:solidFill>
+                          <a:latin typeface="Arial" panose="020B0604020202020204" pitchFamily="34" charset="0"/>
+                          <a:ea typeface="+mn-ea"/>
+                          <a:cs typeface="Arial" panose="020B0604020202020204" pitchFamily="34" charset="0"/>
+                          <a:sym typeface="Wingdings" panose="05000000000000000000" pitchFamily="2" charset="2"/>
+                        </a:rPr>
+                        <a:t> + </a:t>
+                      </a:r>
+                      <a:r>
+                        <a:rPr lang="de-DE" sz="600" b="0" u="none" baseline="0" dirty="0">
+                          <a:solidFill>
+                            <a:srgbClr val="C00000"/>
+                          </a:solidFill>
+                          <a:latin typeface="Arial" panose="020B0604020202020204" pitchFamily="34" charset="0"/>
+                          <a:cs typeface="Arial" panose="020B0604020202020204" pitchFamily="34" charset="0"/>
+                          <a:sym typeface="Wingdings" panose="05000000000000000000" pitchFamily="2" charset="2"/>
+                        </a:rPr>
+                        <a:t>auto-</a:t>
+                      </a:r>
+                      <a:r>
+                        <a:rPr lang="de-DE" sz="600" b="0" u="none" baseline="0" dirty="0" err="1">
+                          <a:solidFill>
+                            <a:srgbClr val="C00000"/>
+                          </a:solidFill>
+                          <a:latin typeface="Arial" panose="020B0604020202020204" pitchFamily="34" charset="0"/>
+                          <a:cs typeface="Arial" panose="020B0604020202020204" pitchFamily="34" charset="0"/>
+                          <a:sym typeface="Wingdings" panose="05000000000000000000" pitchFamily="2" charset="2"/>
+                        </a:rPr>
+                        <a:t>increment</a:t>
+                      </a:r>
+                      <a:r>
+                        <a:rPr lang="de-DE" sz="600" b="0" u="none" baseline="0" dirty="0">
+                          <a:solidFill>
+                            <a:srgbClr val="C00000"/>
+                          </a:solidFill>
+                          <a:latin typeface="Arial" panose="020B0604020202020204" pitchFamily="34" charset="0"/>
+                          <a:cs typeface="Arial" panose="020B0604020202020204" pitchFamily="34" charset="0"/>
+                          <a:sym typeface="Wingdings" panose="05000000000000000000" pitchFamily="2" charset="2"/>
+                        </a:rPr>
+                        <a:t>, </a:t>
+                      </a:r>
+                      <a:r>
+                        <a:rPr lang="de-DE" sz="600" u="none" baseline="0" dirty="0">
+                          <a:solidFill>
+                            <a:srgbClr val="00B0F0"/>
+                          </a:solidFill>
+                          <a:latin typeface="Arial" panose="020B0604020202020204" pitchFamily="34" charset="0"/>
+                          <a:cs typeface="Arial" panose="020B0604020202020204" pitchFamily="34" charset="0"/>
+                          <a:sym typeface="Wingdings" panose="05000000000000000000" pitchFamily="2" charset="2"/>
+                        </a:rPr>
+                        <a:t>kein Default-Wert</a:t>
+                      </a:r>
+                      <a:endParaRPr lang="de-DE" sz="600" b="0" u="none" baseline="0" dirty="0">
+                        <a:solidFill>
+                          <a:srgbClr val="C00000"/>
+                        </a:solidFill>
+                        <a:latin typeface="Arial" panose="020B0604020202020204" pitchFamily="34" charset="0"/>
+                        <a:cs typeface="Arial" panose="020B0604020202020204" pitchFamily="34" charset="0"/>
+                        <a:sym typeface="Wingdings" panose="05000000000000000000" pitchFamily="2" charset="2"/>
+                      </a:endParaRPr>
+                    </a:p>
+                    <a:p>
+                      <a:pPr marL="0" marR="0" lvl="0" indent="0" algn="l" defTabSz="914400" rtl="0" eaLnBrk="1" fontAlgn="auto" latinLnBrk="0" hangingPunct="1">
+                        <a:lnSpc>
+                          <a:spcPct val="100000"/>
+                        </a:lnSpc>
+                        <a:spcBef>
+                          <a:spcPts val="0"/>
+                        </a:spcBef>
+                        <a:spcAft>
+                          <a:spcPts val="0"/>
+                        </a:spcAft>
+                        <a:buClrTx/>
+                        <a:buSzTx/>
+                        <a:buFontTx/>
+                        <a:buNone/>
+                        <a:tabLst/>
+                        <a:defRPr/>
+                      </a:pPr>
+                      <a:r>
+                        <a:rPr lang="de-DE" sz="1100" u="none" baseline="0" dirty="0" err="1">
+                          <a:latin typeface="Arial" panose="020B0604020202020204" pitchFamily="34" charset="0"/>
+                          <a:cs typeface="Arial" panose="020B0604020202020204" pitchFamily="34" charset="0"/>
+                          <a:sym typeface="Wingdings" panose="05000000000000000000" pitchFamily="2" charset="2"/>
+                        </a:rPr>
+                        <a:t>uri</a:t>
+                      </a:r>
+                      <a:r>
+                        <a:rPr lang="de-DE" sz="1100" u="none" baseline="0" dirty="0">
+                          <a:latin typeface="Arial" panose="020B0604020202020204" pitchFamily="34" charset="0"/>
+                          <a:cs typeface="Arial" panose="020B0604020202020204" pitchFamily="34" charset="0"/>
+                          <a:sym typeface="Wingdings" panose="05000000000000000000" pitchFamily="2" charset="2"/>
+                        </a:rPr>
+                        <a:t> </a:t>
+                      </a:r>
+                      <a:r>
+                        <a:rPr lang="de-DE" sz="600" u="none" kern="1200" baseline="0" dirty="0">
+                          <a:solidFill>
+                            <a:srgbClr val="C00000"/>
+                          </a:solidFill>
+                          <a:latin typeface="Arial" panose="020B0604020202020204" pitchFamily="34" charset="0"/>
+                          <a:ea typeface="+mn-ea"/>
+                          <a:cs typeface="Arial" panose="020B0604020202020204" pitchFamily="34" charset="0"/>
+                          <a:sym typeface="Wingdings" panose="05000000000000000000" pitchFamily="2" charset="2"/>
+                        </a:rPr>
+                        <a:t>=&gt;</a:t>
+                      </a:r>
+                      <a:r>
+                        <a:rPr lang="de-DE" sz="600" u="none" kern="1200" baseline="0" dirty="0" err="1">
+                          <a:solidFill>
+                            <a:srgbClr val="C00000"/>
+                          </a:solidFill>
+                          <a:latin typeface="Arial" panose="020B0604020202020204" pitchFamily="34" charset="0"/>
+                          <a:ea typeface="+mn-ea"/>
+                          <a:cs typeface="Arial" panose="020B0604020202020204" pitchFamily="34" charset="0"/>
+                          <a:sym typeface="Wingdings" panose="05000000000000000000" pitchFamily="2" charset="2"/>
+                        </a:rPr>
+                        <a:t>text</a:t>
+                      </a:r>
+                      <a:r>
+                        <a:rPr lang="de-DE" sz="600" u="none" kern="1200" baseline="0" dirty="0">
+                          <a:solidFill>
+                            <a:srgbClr val="C00000"/>
+                          </a:solidFill>
+                          <a:latin typeface="Arial" panose="020B0604020202020204" pitchFamily="34" charset="0"/>
+                          <a:ea typeface="+mn-ea"/>
+                          <a:cs typeface="Arial" panose="020B0604020202020204" pitchFamily="34" charset="0"/>
+                          <a:sym typeface="Wingdings" panose="05000000000000000000" pitchFamily="2" charset="2"/>
+                        </a:rPr>
+                        <a:t> </a:t>
+                      </a:r>
+                      <a:r>
+                        <a:rPr lang="de-DE" sz="600" u="none" baseline="0" dirty="0">
+                          <a:solidFill>
+                            <a:srgbClr val="00B0F0"/>
+                          </a:solidFill>
+                          <a:latin typeface="Arial" panose="020B0604020202020204" pitchFamily="34" charset="0"/>
+                          <a:cs typeface="Arial" panose="020B0604020202020204" pitchFamily="34" charset="0"/>
+                          <a:sym typeface="Wingdings" panose="05000000000000000000" pitchFamily="2" charset="2"/>
+                        </a:rPr>
+                        <a:t>kein Default-Wert</a:t>
+                      </a:r>
+                      <a:endParaRPr lang="de-DE" sz="600" u="none" kern="1200" baseline="0" dirty="0">
+                        <a:solidFill>
+                          <a:srgbClr val="C00000"/>
+                        </a:solidFill>
+                        <a:latin typeface="Arial" panose="020B0604020202020204" pitchFamily="34" charset="0"/>
+                        <a:ea typeface="+mn-ea"/>
+                        <a:cs typeface="Arial" panose="020B0604020202020204" pitchFamily="34" charset="0"/>
+                        <a:sym typeface="Wingdings" panose="05000000000000000000" pitchFamily="2" charset="2"/>
+                      </a:endParaRPr>
+                    </a:p>
+                    <a:p>
+                      <a:pPr marL="0" marR="0" lvl="0" indent="0" algn="l" defTabSz="914400" rtl="0" eaLnBrk="1" fontAlgn="auto" latinLnBrk="0" hangingPunct="1">
+                        <a:lnSpc>
+                          <a:spcPct val="100000"/>
+                        </a:lnSpc>
+                        <a:spcBef>
+                          <a:spcPts val="0"/>
+                        </a:spcBef>
+                        <a:spcAft>
+                          <a:spcPts val="0"/>
+                        </a:spcAft>
+                        <a:buClrTx/>
+                        <a:buSzTx/>
+                        <a:buFontTx/>
+                        <a:buNone/>
+                        <a:tabLst/>
+                        <a:defRPr/>
+                      </a:pPr>
+                      <a:r>
+                        <a:rPr lang="de-DE" sz="1100" u="sng" baseline="0" dirty="0" err="1">
+                          <a:latin typeface="Arial" panose="020B0604020202020204" pitchFamily="34" charset="0"/>
+                          <a:cs typeface="Arial" panose="020B0604020202020204" pitchFamily="34" charset="0"/>
+                          <a:sym typeface="Wingdings" panose="05000000000000000000" pitchFamily="2" charset="2"/>
+                        </a:rPr>
+                        <a:t>rolename</a:t>
+                      </a:r>
+                      <a:r>
+                        <a:rPr lang="de-DE" sz="1100" u="none" baseline="0" dirty="0">
+                          <a:latin typeface="Arial" panose="020B0604020202020204" pitchFamily="34" charset="0"/>
+                          <a:cs typeface="Arial" panose="020B0604020202020204" pitchFamily="34" charset="0"/>
+                          <a:sym typeface="Wingdings" panose="05000000000000000000" pitchFamily="2" charset="2"/>
+                        </a:rPr>
+                        <a:t> </a:t>
+                      </a:r>
+                      <a:r>
+                        <a:rPr lang="de-DE" sz="600" u="none" kern="1200" baseline="0" dirty="0">
+                          <a:solidFill>
+                            <a:srgbClr val="C00000"/>
+                          </a:solidFill>
+                          <a:latin typeface="Arial" panose="020B0604020202020204" pitchFamily="34" charset="0"/>
+                          <a:ea typeface="+mn-ea"/>
+                          <a:cs typeface="Arial" panose="020B0604020202020204" pitchFamily="34" charset="0"/>
+                          <a:sym typeface="Wingdings" panose="05000000000000000000" pitchFamily="2" charset="2"/>
+                        </a:rPr>
+                        <a:t>=&gt; </a:t>
+                      </a:r>
+                      <a:r>
+                        <a:rPr lang="de-DE" sz="600" u="none" kern="1200" baseline="0" dirty="0" err="1">
+                          <a:solidFill>
+                            <a:srgbClr val="C00000"/>
+                          </a:solidFill>
+                          <a:latin typeface="Arial" panose="020B0604020202020204" pitchFamily="34" charset="0"/>
+                          <a:ea typeface="+mn-ea"/>
+                          <a:cs typeface="Arial" panose="020B0604020202020204" pitchFamily="34" charset="0"/>
+                          <a:sym typeface="Wingdings" panose="05000000000000000000" pitchFamily="2" charset="2"/>
+                        </a:rPr>
+                        <a:t>varchar</a:t>
+                      </a:r>
+                      <a:r>
+                        <a:rPr lang="de-DE" sz="600" u="none" kern="1200" baseline="0" dirty="0">
+                          <a:solidFill>
+                            <a:srgbClr val="C00000"/>
+                          </a:solidFill>
+                          <a:latin typeface="Arial" panose="020B0604020202020204" pitchFamily="34" charset="0"/>
+                          <a:ea typeface="+mn-ea"/>
+                          <a:cs typeface="Arial" panose="020B0604020202020204" pitchFamily="34" charset="0"/>
+                          <a:sym typeface="Wingdings" panose="05000000000000000000" pitchFamily="2" charset="2"/>
+                        </a:rPr>
+                        <a:t>[255] ,</a:t>
+                      </a:r>
+                      <a:r>
+                        <a:rPr lang="de-DE" sz="600" u="none" baseline="0" dirty="0">
+                          <a:solidFill>
+                            <a:srgbClr val="00B0F0"/>
+                          </a:solidFill>
+                          <a:latin typeface="Arial" panose="020B0604020202020204" pitchFamily="34" charset="0"/>
+                          <a:cs typeface="Arial" panose="020B0604020202020204" pitchFamily="34" charset="0"/>
+                          <a:sym typeface="Wingdings" panose="05000000000000000000" pitchFamily="2" charset="2"/>
+                        </a:rPr>
+                        <a:t>  kein Default-Wert</a:t>
+                      </a:r>
+                      <a:endParaRPr lang="de-DE" sz="600" u="none" kern="1200" baseline="0" dirty="0">
+                        <a:solidFill>
+                          <a:srgbClr val="C00000"/>
+                        </a:solidFill>
+                        <a:latin typeface="Arial" panose="020B0604020202020204" pitchFamily="34" charset="0"/>
+                        <a:ea typeface="+mn-ea"/>
+                        <a:cs typeface="Arial" panose="020B0604020202020204" pitchFamily="34" charset="0"/>
+                        <a:sym typeface="Wingdings" panose="05000000000000000000" pitchFamily="2" charset="2"/>
+                      </a:endParaRPr>
+                    </a:p>
+                    <a:p>
+                      <a:r>
+                        <a:rPr lang="de-DE" sz="1100" u="none" baseline="0" dirty="0" err="1">
+                          <a:latin typeface="Arial" panose="020B0604020202020204" pitchFamily="34" charset="0"/>
+                          <a:cs typeface="Arial" panose="020B0604020202020204" pitchFamily="34" charset="0"/>
+                          <a:sym typeface="Wingdings" panose="05000000000000000000" pitchFamily="2" charset="2"/>
+                        </a:rPr>
+                        <a:t>guestbookmanagement</a:t>
+                      </a:r>
+                      <a:r>
+                        <a:rPr lang="de-DE" sz="600" u="none" kern="1200" baseline="0" dirty="0">
+                          <a:solidFill>
+                            <a:srgbClr val="C00000"/>
+                          </a:solidFill>
+                          <a:latin typeface="Arial" panose="020B0604020202020204" pitchFamily="34" charset="0"/>
+                          <a:ea typeface="+mn-ea"/>
+                          <a:cs typeface="Arial" panose="020B0604020202020204" pitchFamily="34" charset="0"/>
+                          <a:sym typeface="Wingdings" panose="05000000000000000000" pitchFamily="2" charset="2"/>
+                        </a:rPr>
+                        <a:t>=&gt; </a:t>
+                      </a:r>
+                      <a:r>
+                        <a:rPr lang="de-DE" sz="600" u="none" kern="1200" baseline="0" dirty="0" err="1">
+                          <a:solidFill>
+                            <a:srgbClr val="C00000"/>
+                          </a:solidFill>
+                          <a:latin typeface="Arial" panose="020B0604020202020204" pitchFamily="34" charset="0"/>
+                          <a:ea typeface="+mn-ea"/>
+                          <a:cs typeface="Arial" panose="020B0604020202020204" pitchFamily="34" charset="0"/>
+                          <a:sym typeface="Wingdings" panose="05000000000000000000" pitchFamily="2" charset="2"/>
+                        </a:rPr>
+                        <a:t>tinyint</a:t>
+                      </a:r>
+                      <a:r>
+                        <a:rPr lang="de-DE" sz="600" u="none" kern="1200" baseline="0" dirty="0">
+                          <a:solidFill>
+                            <a:srgbClr val="C00000"/>
+                          </a:solidFill>
+                          <a:latin typeface="Arial" panose="020B0604020202020204" pitchFamily="34" charset="0"/>
+                          <a:ea typeface="+mn-ea"/>
+                          <a:cs typeface="Arial" panose="020B0604020202020204" pitchFamily="34" charset="0"/>
+                          <a:sym typeface="Wingdings" panose="05000000000000000000" pitchFamily="2" charset="2"/>
+                        </a:rPr>
+                        <a:t>, </a:t>
+                      </a:r>
+                      <a:r>
+                        <a:rPr lang="de-DE" sz="600" u="none" kern="1200" baseline="0" dirty="0">
+                          <a:solidFill>
+                            <a:srgbClr val="00B0F0"/>
+                          </a:solidFill>
+                          <a:latin typeface="Arial" panose="020B0604020202020204" pitchFamily="34" charset="0"/>
+                          <a:ea typeface="+mn-ea"/>
+                          <a:cs typeface="Arial" panose="020B0604020202020204" pitchFamily="34" charset="0"/>
+                          <a:sym typeface="Wingdings" panose="05000000000000000000" pitchFamily="2" charset="2"/>
+                        </a:rPr>
+                        <a:t>FALSE</a:t>
+                      </a:r>
+                    </a:p>
+                    <a:p>
+                      <a:r>
+                        <a:rPr lang="de-DE" sz="1100" u="none" baseline="0" dirty="0" err="1">
+                          <a:latin typeface="Arial" panose="020B0604020202020204" pitchFamily="34" charset="0"/>
+                          <a:cs typeface="Arial" panose="020B0604020202020204" pitchFamily="34" charset="0"/>
+                          <a:sym typeface="Wingdings" panose="05000000000000000000" pitchFamily="2" charset="2"/>
+                        </a:rPr>
+                        <a:t>usermanagement</a:t>
+                      </a:r>
+                      <a:r>
+                        <a:rPr lang="de-DE" sz="1100" u="none" baseline="0" dirty="0">
+                          <a:latin typeface="Arial" panose="020B0604020202020204" pitchFamily="34" charset="0"/>
+                          <a:cs typeface="Arial" panose="020B0604020202020204" pitchFamily="34" charset="0"/>
+                          <a:sym typeface="Wingdings" panose="05000000000000000000" pitchFamily="2" charset="2"/>
+                        </a:rPr>
+                        <a:t> </a:t>
+                      </a:r>
+                      <a:r>
+                        <a:rPr lang="de-DE" sz="600" u="none" kern="1200" baseline="0" dirty="0">
+                          <a:solidFill>
+                            <a:srgbClr val="C00000"/>
+                          </a:solidFill>
+                          <a:latin typeface="Arial" panose="020B0604020202020204" pitchFamily="34" charset="0"/>
+                          <a:ea typeface="+mn-ea"/>
+                          <a:cs typeface="Arial" panose="020B0604020202020204" pitchFamily="34" charset="0"/>
+                          <a:sym typeface="Wingdings" panose="05000000000000000000" pitchFamily="2" charset="2"/>
+                        </a:rPr>
+                        <a:t>=&gt; </a:t>
+                      </a:r>
+                      <a:r>
+                        <a:rPr lang="de-DE" sz="600" u="none" kern="1200" baseline="0" dirty="0" err="1">
+                          <a:solidFill>
+                            <a:srgbClr val="C00000"/>
+                          </a:solidFill>
+                          <a:latin typeface="Arial" panose="020B0604020202020204" pitchFamily="34" charset="0"/>
+                          <a:ea typeface="+mn-ea"/>
+                          <a:cs typeface="Arial" panose="020B0604020202020204" pitchFamily="34" charset="0"/>
+                          <a:sym typeface="Wingdings" panose="05000000000000000000" pitchFamily="2" charset="2"/>
+                        </a:rPr>
+                        <a:t>tinyint</a:t>
+                      </a:r>
+                      <a:r>
+                        <a:rPr lang="de-DE" sz="600" u="none" kern="1200" baseline="0" dirty="0">
+                          <a:solidFill>
+                            <a:srgbClr val="C00000"/>
+                          </a:solidFill>
+                          <a:latin typeface="Arial" panose="020B0604020202020204" pitchFamily="34" charset="0"/>
+                          <a:ea typeface="+mn-ea"/>
+                          <a:cs typeface="Arial" panose="020B0604020202020204" pitchFamily="34" charset="0"/>
+                          <a:sym typeface="Wingdings" panose="05000000000000000000" pitchFamily="2" charset="2"/>
+                        </a:rPr>
+                        <a:t>, </a:t>
+                      </a:r>
+                      <a:r>
+                        <a:rPr lang="de-DE" sz="600" u="none" kern="1200" baseline="0" dirty="0">
+                          <a:solidFill>
+                            <a:srgbClr val="00B0F0"/>
+                          </a:solidFill>
+                          <a:latin typeface="Arial" panose="020B0604020202020204" pitchFamily="34" charset="0"/>
+                          <a:ea typeface="+mn-ea"/>
+                          <a:cs typeface="Arial" panose="020B0604020202020204" pitchFamily="34" charset="0"/>
+                          <a:sym typeface="Wingdings" panose="05000000000000000000" pitchFamily="2" charset="2"/>
+                        </a:rPr>
+                        <a:t>FALSE</a:t>
+                      </a:r>
+                    </a:p>
+                    <a:p>
+                      <a:r>
+                        <a:rPr lang="de-DE" sz="1100" u="none" baseline="0" dirty="0" err="1">
+                          <a:latin typeface="Arial" panose="020B0604020202020204" pitchFamily="34" charset="0"/>
+                          <a:cs typeface="Arial" panose="020B0604020202020204" pitchFamily="34" charset="0"/>
+                          <a:sym typeface="Wingdings" panose="05000000000000000000" pitchFamily="2" charset="2"/>
+                        </a:rPr>
+                        <a:t>pagemanagement</a:t>
+                      </a:r>
+                      <a:r>
+                        <a:rPr lang="de-DE" sz="1100" u="none" baseline="0" dirty="0">
+                          <a:latin typeface="Arial" panose="020B0604020202020204" pitchFamily="34" charset="0"/>
+                          <a:cs typeface="Arial" panose="020B0604020202020204" pitchFamily="34" charset="0"/>
+                          <a:sym typeface="Wingdings" panose="05000000000000000000" pitchFamily="2" charset="2"/>
+                        </a:rPr>
+                        <a:t> </a:t>
+                      </a:r>
+                      <a:r>
+                        <a:rPr lang="de-DE" sz="600" u="none" kern="1200" baseline="0" dirty="0">
+                          <a:solidFill>
+                            <a:srgbClr val="C00000"/>
+                          </a:solidFill>
+                          <a:latin typeface="Arial" panose="020B0604020202020204" pitchFamily="34" charset="0"/>
+                          <a:ea typeface="+mn-ea"/>
+                          <a:cs typeface="Arial" panose="020B0604020202020204" pitchFamily="34" charset="0"/>
+                          <a:sym typeface="Wingdings" panose="05000000000000000000" pitchFamily="2" charset="2"/>
+                        </a:rPr>
+                        <a:t>=&gt; </a:t>
+                      </a:r>
+                      <a:r>
+                        <a:rPr lang="de-DE" sz="600" u="none" kern="1200" baseline="0" dirty="0" err="1">
+                          <a:solidFill>
+                            <a:srgbClr val="C00000"/>
+                          </a:solidFill>
+                          <a:latin typeface="Arial" panose="020B0604020202020204" pitchFamily="34" charset="0"/>
+                          <a:ea typeface="+mn-ea"/>
+                          <a:cs typeface="Arial" panose="020B0604020202020204" pitchFamily="34" charset="0"/>
+                          <a:sym typeface="Wingdings" panose="05000000000000000000" pitchFamily="2" charset="2"/>
+                        </a:rPr>
+                        <a:t>tinyint</a:t>
+                      </a:r>
+                      <a:r>
+                        <a:rPr lang="de-DE" sz="600" u="none" kern="1200" baseline="0" dirty="0">
+                          <a:solidFill>
+                            <a:srgbClr val="C00000"/>
+                          </a:solidFill>
+                          <a:latin typeface="Arial" panose="020B0604020202020204" pitchFamily="34" charset="0"/>
+                          <a:ea typeface="+mn-ea"/>
+                          <a:cs typeface="Arial" panose="020B0604020202020204" pitchFamily="34" charset="0"/>
+                          <a:sym typeface="Wingdings" panose="05000000000000000000" pitchFamily="2" charset="2"/>
+                        </a:rPr>
+                        <a:t>, </a:t>
+                      </a:r>
+                      <a:r>
+                        <a:rPr lang="de-DE" sz="600" u="none" kern="1200" baseline="0" dirty="0">
+                          <a:solidFill>
+                            <a:srgbClr val="00B0F0"/>
+                          </a:solidFill>
+                          <a:latin typeface="Arial" panose="020B0604020202020204" pitchFamily="34" charset="0"/>
+                          <a:ea typeface="+mn-ea"/>
+                          <a:cs typeface="Arial" panose="020B0604020202020204" pitchFamily="34" charset="0"/>
+                          <a:sym typeface="Wingdings" panose="05000000000000000000" pitchFamily="2" charset="2"/>
+                        </a:rPr>
+                        <a:t>FALSE</a:t>
+                      </a:r>
+                    </a:p>
+                    <a:p>
+                      <a:r>
+                        <a:rPr lang="de-DE" sz="1100" u="none" baseline="0" dirty="0" err="1">
+                          <a:latin typeface="Arial" panose="020B0604020202020204" pitchFamily="34" charset="0"/>
+                          <a:cs typeface="Arial" panose="020B0604020202020204" pitchFamily="34" charset="0"/>
+                          <a:sym typeface="Wingdings" panose="05000000000000000000" pitchFamily="2" charset="2"/>
+                        </a:rPr>
+                        <a:t>articlemanagement</a:t>
+                      </a:r>
+                      <a:r>
+                        <a:rPr lang="de-DE" sz="1100" u="none" baseline="0" dirty="0">
+                          <a:latin typeface="Arial" panose="020B0604020202020204" pitchFamily="34" charset="0"/>
+                          <a:cs typeface="Arial" panose="020B0604020202020204" pitchFamily="34" charset="0"/>
+                          <a:sym typeface="Wingdings" panose="05000000000000000000" pitchFamily="2" charset="2"/>
+                        </a:rPr>
+                        <a:t> </a:t>
+                      </a:r>
+                      <a:r>
+                        <a:rPr lang="de-DE" sz="600" u="none" kern="1200" baseline="0" dirty="0">
+                          <a:solidFill>
+                            <a:srgbClr val="C00000"/>
+                          </a:solidFill>
+                          <a:latin typeface="Arial" panose="020B0604020202020204" pitchFamily="34" charset="0"/>
+                          <a:ea typeface="+mn-ea"/>
+                          <a:cs typeface="Arial" panose="020B0604020202020204" pitchFamily="34" charset="0"/>
+                          <a:sym typeface="Wingdings" panose="05000000000000000000" pitchFamily="2" charset="2"/>
+                        </a:rPr>
+                        <a:t>=&gt; </a:t>
+                      </a:r>
+                      <a:r>
+                        <a:rPr lang="de-DE" sz="600" u="none" kern="1200" baseline="0" dirty="0" err="1">
+                          <a:solidFill>
+                            <a:srgbClr val="C00000"/>
+                          </a:solidFill>
+                          <a:latin typeface="Arial" panose="020B0604020202020204" pitchFamily="34" charset="0"/>
+                          <a:ea typeface="+mn-ea"/>
+                          <a:cs typeface="Arial" panose="020B0604020202020204" pitchFamily="34" charset="0"/>
+                          <a:sym typeface="Wingdings" panose="05000000000000000000" pitchFamily="2" charset="2"/>
+                        </a:rPr>
+                        <a:t>tinyint</a:t>
+                      </a:r>
+                      <a:r>
+                        <a:rPr lang="de-DE" sz="600" u="none" kern="1200" baseline="0" dirty="0">
+                          <a:solidFill>
+                            <a:srgbClr val="C00000"/>
+                          </a:solidFill>
+                          <a:latin typeface="Arial" panose="020B0604020202020204" pitchFamily="34" charset="0"/>
+                          <a:ea typeface="+mn-ea"/>
+                          <a:cs typeface="Arial" panose="020B0604020202020204" pitchFamily="34" charset="0"/>
+                          <a:sym typeface="Wingdings" panose="05000000000000000000" pitchFamily="2" charset="2"/>
+                        </a:rPr>
+                        <a:t>, </a:t>
+                      </a:r>
+                      <a:r>
+                        <a:rPr lang="de-DE" sz="600" u="none" kern="1200" baseline="0" dirty="0">
+                          <a:solidFill>
+                            <a:srgbClr val="00B0F0"/>
+                          </a:solidFill>
+                          <a:latin typeface="Arial" panose="020B0604020202020204" pitchFamily="34" charset="0"/>
+                          <a:ea typeface="+mn-ea"/>
+                          <a:cs typeface="Arial" panose="020B0604020202020204" pitchFamily="34" charset="0"/>
+                          <a:sym typeface="Wingdings" panose="05000000000000000000" pitchFamily="2" charset="2"/>
+                        </a:rPr>
+                        <a:t>FALSE</a:t>
+                      </a:r>
+                    </a:p>
+                    <a:p>
+                      <a:r>
+                        <a:rPr lang="de-DE" sz="1100" u="none" baseline="0" dirty="0" err="1">
+                          <a:latin typeface="Arial" panose="020B0604020202020204" pitchFamily="34" charset="0"/>
+                          <a:cs typeface="Arial" panose="020B0604020202020204" pitchFamily="34" charset="0"/>
+                          <a:sym typeface="Wingdings" panose="05000000000000000000" pitchFamily="2" charset="2"/>
+                        </a:rPr>
+                        <a:t>guestbookusage</a:t>
+                      </a:r>
+                      <a:r>
+                        <a:rPr lang="de-DE" sz="600" u="none" kern="1200" baseline="0" dirty="0">
+                          <a:solidFill>
+                            <a:srgbClr val="C00000"/>
+                          </a:solidFill>
+                          <a:latin typeface="Arial" panose="020B0604020202020204" pitchFamily="34" charset="0"/>
+                          <a:ea typeface="+mn-ea"/>
+                          <a:cs typeface="Arial" panose="020B0604020202020204" pitchFamily="34" charset="0"/>
+                          <a:sym typeface="Wingdings" panose="05000000000000000000" pitchFamily="2" charset="2"/>
+                        </a:rPr>
+                        <a:t> =&gt; </a:t>
+                      </a:r>
+                      <a:r>
+                        <a:rPr lang="de-DE" sz="600" u="none" kern="1200" baseline="0" dirty="0" err="1">
+                          <a:solidFill>
+                            <a:srgbClr val="C00000"/>
+                          </a:solidFill>
+                          <a:latin typeface="Arial" panose="020B0604020202020204" pitchFamily="34" charset="0"/>
+                          <a:ea typeface="+mn-ea"/>
+                          <a:cs typeface="Arial" panose="020B0604020202020204" pitchFamily="34" charset="0"/>
+                          <a:sym typeface="Wingdings" panose="05000000000000000000" pitchFamily="2" charset="2"/>
+                        </a:rPr>
+                        <a:t>tinyint</a:t>
+                      </a:r>
+                      <a:r>
+                        <a:rPr lang="de-DE" sz="600" u="none" kern="1200" baseline="0" dirty="0">
+                          <a:solidFill>
+                            <a:srgbClr val="C00000"/>
+                          </a:solidFill>
+                          <a:latin typeface="Arial" panose="020B0604020202020204" pitchFamily="34" charset="0"/>
+                          <a:ea typeface="+mn-ea"/>
+                          <a:cs typeface="Arial" panose="020B0604020202020204" pitchFamily="34" charset="0"/>
+                          <a:sym typeface="Wingdings" panose="05000000000000000000" pitchFamily="2" charset="2"/>
+                        </a:rPr>
+                        <a:t>, </a:t>
+                      </a:r>
+                      <a:r>
+                        <a:rPr lang="de-DE" sz="600" u="none" kern="1200" baseline="0" dirty="0">
+                          <a:solidFill>
+                            <a:srgbClr val="00B0F0"/>
+                          </a:solidFill>
+                          <a:latin typeface="Arial" panose="020B0604020202020204" pitchFamily="34" charset="0"/>
+                          <a:ea typeface="+mn-ea"/>
+                          <a:cs typeface="Arial" panose="020B0604020202020204" pitchFamily="34" charset="0"/>
+                          <a:sym typeface="Wingdings" panose="05000000000000000000" pitchFamily="2" charset="2"/>
+                        </a:rPr>
+                        <a:t>TRUE</a:t>
+                      </a:r>
+                    </a:p>
+                    <a:p>
+                      <a:r>
+                        <a:rPr lang="de-DE" sz="1100" u="none" baseline="0" dirty="0" err="1">
+                          <a:latin typeface="Arial" panose="020B0604020202020204" pitchFamily="34" charset="0"/>
+                          <a:cs typeface="Arial" panose="020B0604020202020204" pitchFamily="34" charset="0"/>
+                          <a:sym typeface="Wingdings" panose="05000000000000000000" pitchFamily="2" charset="2"/>
+                        </a:rPr>
+                        <a:t>templateconstruction</a:t>
+                      </a:r>
+                      <a:r>
+                        <a:rPr lang="de-DE" sz="1100" u="none" baseline="0" dirty="0">
+                          <a:latin typeface="Arial" panose="020B0604020202020204" pitchFamily="34" charset="0"/>
+                          <a:cs typeface="Arial" panose="020B0604020202020204" pitchFamily="34" charset="0"/>
+                          <a:sym typeface="Wingdings" panose="05000000000000000000" pitchFamily="2" charset="2"/>
+                        </a:rPr>
+                        <a:t> </a:t>
+                      </a:r>
+                      <a:r>
+                        <a:rPr lang="de-DE" sz="600" u="none" kern="1200" baseline="0" dirty="0">
+                          <a:solidFill>
+                            <a:srgbClr val="C00000"/>
+                          </a:solidFill>
+                          <a:latin typeface="Arial" panose="020B0604020202020204" pitchFamily="34" charset="0"/>
+                          <a:ea typeface="+mn-ea"/>
+                          <a:cs typeface="Arial" panose="020B0604020202020204" pitchFamily="34" charset="0"/>
+                          <a:sym typeface="Wingdings" panose="05000000000000000000" pitchFamily="2" charset="2"/>
+                        </a:rPr>
+                        <a:t>=&gt; </a:t>
+                      </a:r>
+                      <a:r>
+                        <a:rPr lang="de-DE" sz="600" u="none" kern="1200" baseline="0" dirty="0" err="1">
+                          <a:solidFill>
+                            <a:srgbClr val="C00000"/>
+                          </a:solidFill>
+                          <a:latin typeface="Arial" panose="020B0604020202020204" pitchFamily="34" charset="0"/>
+                          <a:ea typeface="+mn-ea"/>
+                          <a:cs typeface="Arial" panose="020B0604020202020204" pitchFamily="34" charset="0"/>
+                          <a:sym typeface="Wingdings" panose="05000000000000000000" pitchFamily="2" charset="2"/>
+                        </a:rPr>
+                        <a:t>tinyint</a:t>
+                      </a:r>
+                      <a:r>
+                        <a:rPr lang="de-DE" sz="600" u="none" kern="1200" baseline="0" dirty="0">
+                          <a:solidFill>
+                            <a:srgbClr val="C00000"/>
+                          </a:solidFill>
+                          <a:latin typeface="Arial" panose="020B0604020202020204" pitchFamily="34" charset="0"/>
+                          <a:ea typeface="+mn-ea"/>
+                          <a:cs typeface="Arial" panose="020B0604020202020204" pitchFamily="34" charset="0"/>
+                          <a:sym typeface="Wingdings" panose="05000000000000000000" pitchFamily="2" charset="2"/>
+                        </a:rPr>
+                        <a:t>, </a:t>
+                      </a:r>
+                      <a:r>
+                        <a:rPr lang="de-DE" sz="600" u="none" kern="1200" baseline="0" dirty="0">
+                          <a:solidFill>
+                            <a:srgbClr val="00B0F0"/>
+                          </a:solidFill>
+                          <a:latin typeface="Arial" panose="020B0604020202020204" pitchFamily="34" charset="0"/>
+                          <a:ea typeface="+mn-ea"/>
+                          <a:cs typeface="Arial" panose="020B0604020202020204" pitchFamily="34" charset="0"/>
+                          <a:sym typeface="Wingdings" panose="05000000000000000000" pitchFamily="2" charset="2"/>
+                        </a:rPr>
+                        <a:t>FALSE</a:t>
+                      </a:r>
+                      <a:endParaRPr lang="de-DE" sz="1100" u="none" baseline="0" dirty="0">
+                        <a:latin typeface="Arial" panose="020B0604020202020204" pitchFamily="34" charset="0"/>
+                        <a:cs typeface="Arial" panose="020B0604020202020204" pitchFamily="34" charset="0"/>
+                        <a:sym typeface="Wingdings" panose="05000000000000000000" pitchFamily="2" charset="2"/>
+                      </a:endParaRPr>
+                    </a:p>
+                  </a:txBody>
+                  <a:tcPr/>
+                </a:tc>
+                <a:extLst>
+                  <a:ext uri="{0D108BD9-81ED-4DB2-BD59-A6C34878D82A}">
+                    <a16:rowId xmlns:a16="http://schemas.microsoft.com/office/drawing/2014/main" val="10001"/>
+                  </a:ext>
+                </a:extLst>
+              </a:tr>
+            </a:tbl>
+          </a:graphicData>
+        </a:graphic>
+      </p:graphicFrame>
+      <p:graphicFrame>
+        <p:nvGraphicFramePr>
+          <p:cNvPr id="44" name="Tabelle 43"/>
+          <p:cNvGraphicFramePr>
+            <a:graphicFrameLocks noGrp="1"/>
+          </p:cNvGraphicFramePr>
+          <p:nvPr>
+            <p:extLst/>
+          </p:nvPr>
+        </p:nvGraphicFramePr>
+        <p:xfrm>
+          <a:off x="3347864" y="2924944"/>
+          <a:ext cx="1800200" cy="2148840"/>
+        </p:xfrm>
+        <a:graphic>
+          <a:graphicData uri="http://schemas.openxmlformats.org/drawingml/2006/table">
+            <a:tbl>
+              <a:tblPr firstRow="1" bandRow="1">
+                <a:tableStyleId>{F2DE63D5-997A-4646-A377-4702673A728D}</a:tableStyleId>
+              </a:tblPr>
+              <a:tblGrid>
+                <a:gridCol w="1800200">
+                  <a:extLst>
+                    <a:ext uri="{9D8B030D-6E8A-4147-A177-3AD203B41FA5}">
+                      <a16:colId xmlns:a16="http://schemas.microsoft.com/office/drawing/2014/main" val="20000"/>
+                    </a:ext>
+                  </a:extLst>
+                </a:gridCol>
+              </a:tblGrid>
+              <a:tr h="274320">
+                <a:tc>
+                  <a:txBody>
+                    <a:bodyPr/>
+                    <a:lstStyle/>
+                    <a:p>
+                      <a:pPr marL="0" marR="0" indent="0" algn="l" defTabSz="914400" rtl="0" eaLnBrk="1" fontAlgn="auto" latinLnBrk="0" hangingPunct="1">
+                        <a:lnSpc>
+                          <a:spcPct val="100000"/>
+                        </a:lnSpc>
+                        <a:spcBef>
+                          <a:spcPts val="0"/>
+                        </a:spcBef>
+                        <a:spcAft>
+                          <a:spcPts val="0"/>
+                        </a:spcAft>
+                        <a:buClrTx/>
+                        <a:buSzTx/>
+                        <a:buFontTx/>
+                        <a:buNone/>
+                        <a:tabLst/>
+                        <a:defRPr/>
+                      </a:pPr>
+                      <a:r>
+                        <a:rPr lang="de-DE" sz="1200" b="1" dirty="0" err="1">
+                          <a:solidFill>
+                            <a:schemeClr val="tx1"/>
+                          </a:solidFill>
+                          <a:latin typeface="Arial" panose="020B0604020202020204" pitchFamily="34" charset="0"/>
+                          <a:cs typeface="Arial" panose="020B0604020202020204" pitchFamily="34" charset="0"/>
+                        </a:rPr>
+                        <a:t>Article</a:t>
+                      </a:r>
+                      <a:endParaRPr lang="de-DE" sz="1200" b="1" dirty="0">
+                        <a:solidFill>
+                          <a:schemeClr val="tx1"/>
+                        </a:solidFill>
+                        <a:latin typeface="Arial" panose="020B0604020202020204" pitchFamily="34" charset="0"/>
+                        <a:cs typeface="Arial" panose="020B0604020202020204" pitchFamily="34" charset="0"/>
+                      </a:endParaRPr>
+                    </a:p>
+                  </a:txBody>
+                  <a:tcPr/>
+                </a:tc>
+                <a:extLst>
+                  <a:ext uri="{0D108BD9-81ED-4DB2-BD59-A6C34878D82A}">
+                    <a16:rowId xmlns:a16="http://schemas.microsoft.com/office/drawing/2014/main" val="10000"/>
+                  </a:ext>
+                </a:extLst>
+              </a:tr>
+              <a:tr h="1874520">
+                <a:tc>
+                  <a:txBody>
+                    <a:bodyPr/>
+                    <a:lstStyle/>
+                    <a:p>
+                      <a:r>
+                        <a:rPr lang="de-DE" sz="1100" u="sng" baseline="0" dirty="0">
+                          <a:latin typeface="Arial" panose="020B0604020202020204" pitchFamily="34" charset="0"/>
+                          <a:cs typeface="Arial" panose="020B0604020202020204" pitchFamily="34" charset="0"/>
+                          <a:sym typeface="Wingdings" panose="05000000000000000000" pitchFamily="2" charset="2"/>
+                        </a:rPr>
+                        <a:t>id (PS)</a:t>
+                      </a:r>
+                      <a:r>
+                        <a:rPr lang="de-DE" sz="1100" u="none" baseline="0" dirty="0">
+                          <a:latin typeface="Arial" panose="020B0604020202020204" pitchFamily="34" charset="0"/>
+                          <a:cs typeface="Arial" panose="020B0604020202020204" pitchFamily="34" charset="0"/>
+                          <a:sym typeface="Wingdings" panose="05000000000000000000" pitchFamily="2" charset="2"/>
+                        </a:rPr>
+                        <a:t> </a:t>
+                      </a:r>
+                      <a:r>
+                        <a:rPr lang="de-DE" sz="600" u="none" baseline="0" dirty="0">
+                          <a:solidFill>
+                            <a:srgbClr val="C00000"/>
+                          </a:solidFill>
+                          <a:latin typeface="Arial" panose="020B0604020202020204" pitchFamily="34" charset="0"/>
+                          <a:cs typeface="Arial" panose="020B0604020202020204" pitchFamily="34" charset="0"/>
+                          <a:sym typeface="Wingdings" panose="05000000000000000000" pitchFamily="2" charset="2"/>
+                        </a:rPr>
+                        <a:t>=&gt; </a:t>
+                      </a:r>
+                      <a:r>
+                        <a:rPr lang="de-DE" sz="600" u="none" baseline="0" dirty="0" err="1">
+                          <a:solidFill>
+                            <a:srgbClr val="C00000"/>
+                          </a:solidFill>
+                          <a:latin typeface="Arial" panose="020B0604020202020204" pitchFamily="34" charset="0"/>
+                          <a:cs typeface="Arial" panose="020B0604020202020204" pitchFamily="34" charset="0"/>
+                          <a:sym typeface="Wingdings" panose="05000000000000000000" pitchFamily="2" charset="2"/>
+                        </a:rPr>
+                        <a:t>int</a:t>
+                      </a:r>
+                      <a:r>
+                        <a:rPr lang="de-DE" sz="600" u="none" baseline="0" dirty="0">
+                          <a:solidFill>
+                            <a:srgbClr val="C00000"/>
+                          </a:solidFill>
+                          <a:latin typeface="Arial" panose="020B0604020202020204" pitchFamily="34" charset="0"/>
+                          <a:cs typeface="Arial" panose="020B0604020202020204" pitchFamily="34" charset="0"/>
+                          <a:sym typeface="Wingdings" panose="05000000000000000000" pitchFamily="2" charset="2"/>
+                        </a:rPr>
+                        <a:t> + auto-</a:t>
+                      </a:r>
+                      <a:r>
+                        <a:rPr lang="de-DE" sz="600" u="none" baseline="0" dirty="0" err="1">
+                          <a:solidFill>
+                            <a:srgbClr val="C00000"/>
+                          </a:solidFill>
+                          <a:latin typeface="Arial" panose="020B0604020202020204" pitchFamily="34" charset="0"/>
+                          <a:cs typeface="Arial" panose="020B0604020202020204" pitchFamily="34" charset="0"/>
+                          <a:sym typeface="Wingdings" panose="05000000000000000000" pitchFamily="2" charset="2"/>
+                        </a:rPr>
+                        <a:t>increment</a:t>
+                      </a:r>
+                      <a:r>
+                        <a:rPr lang="de-DE" sz="600" u="none" baseline="0" dirty="0">
+                          <a:solidFill>
+                            <a:srgbClr val="C00000"/>
+                          </a:solidFill>
+                          <a:latin typeface="Arial" panose="020B0604020202020204" pitchFamily="34" charset="0"/>
+                          <a:cs typeface="Arial" panose="020B0604020202020204" pitchFamily="34" charset="0"/>
+                          <a:sym typeface="Wingdings" panose="05000000000000000000" pitchFamily="2" charset="2"/>
+                        </a:rPr>
+                        <a:t>, </a:t>
+                      </a:r>
+                      <a:r>
+                        <a:rPr lang="de-DE" sz="600" u="none" baseline="0" dirty="0">
+                          <a:solidFill>
+                            <a:srgbClr val="00B0F0"/>
+                          </a:solidFill>
+                          <a:latin typeface="Arial" panose="020B0604020202020204" pitchFamily="34" charset="0"/>
+                          <a:cs typeface="Arial" panose="020B0604020202020204" pitchFamily="34" charset="0"/>
+                          <a:sym typeface="Wingdings" panose="05000000000000000000" pitchFamily="2" charset="2"/>
+                        </a:rPr>
+                        <a:t>kein Default-Wert</a:t>
+                      </a:r>
+                      <a:endParaRPr lang="de-DE" sz="600" u="none" baseline="0" dirty="0">
+                        <a:solidFill>
+                          <a:srgbClr val="C00000"/>
+                        </a:solidFill>
+                        <a:latin typeface="Arial" panose="020B0604020202020204" pitchFamily="34" charset="0"/>
+                        <a:cs typeface="Arial" panose="020B0604020202020204" pitchFamily="34" charset="0"/>
+                        <a:sym typeface="Wingdings" panose="05000000000000000000" pitchFamily="2" charset="2"/>
+                      </a:endParaRPr>
+                    </a:p>
+                    <a:p>
+                      <a:r>
+                        <a:rPr lang="de-DE" sz="1100" u="none" baseline="0" dirty="0">
+                          <a:latin typeface="Arial" panose="020B0604020202020204" pitchFamily="34" charset="0"/>
+                          <a:cs typeface="Arial" panose="020B0604020202020204" pitchFamily="34" charset="0"/>
+                          <a:sym typeface="Wingdings" panose="05000000000000000000" pitchFamily="2" charset="2"/>
+                        </a:rPr>
+                        <a:t>header </a:t>
+                      </a:r>
+                      <a:r>
+                        <a:rPr lang="de-DE" sz="600" u="none" baseline="0" dirty="0">
+                          <a:solidFill>
+                            <a:srgbClr val="C00000"/>
+                          </a:solidFill>
+                          <a:latin typeface="Arial" panose="020B0604020202020204" pitchFamily="34" charset="0"/>
+                          <a:cs typeface="Arial" panose="020B0604020202020204" pitchFamily="34" charset="0"/>
+                          <a:sym typeface="Wingdings" panose="05000000000000000000" pitchFamily="2" charset="2"/>
+                        </a:rPr>
+                        <a:t>=&gt; </a:t>
+                      </a:r>
+                      <a:r>
+                        <a:rPr lang="de-DE" sz="600" u="none" baseline="0" dirty="0" err="1">
+                          <a:solidFill>
+                            <a:srgbClr val="C00000"/>
+                          </a:solidFill>
+                          <a:latin typeface="Arial" panose="020B0604020202020204" pitchFamily="34" charset="0"/>
+                          <a:cs typeface="Arial" panose="020B0604020202020204" pitchFamily="34" charset="0"/>
+                          <a:sym typeface="Wingdings" panose="05000000000000000000" pitchFamily="2" charset="2"/>
+                        </a:rPr>
+                        <a:t>varchar</a:t>
+                      </a:r>
+                      <a:r>
+                        <a:rPr lang="de-DE" sz="600" u="none" baseline="0" dirty="0">
+                          <a:solidFill>
+                            <a:srgbClr val="C00000"/>
+                          </a:solidFill>
+                          <a:latin typeface="Arial" panose="020B0604020202020204" pitchFamily="34" charset="0"/>
+                          <a:cs typeface="Arial" panose="020B0604020202020204" pitchFamily="34" charset="0"/>
+                          <a:sym typeface="Wingdings" panose="05000000000000000000" pitchFamily="2" charset="2"/>
+                        </a:rPr>
+                        <a:t>[255], </a:t>
+                      </a:r>
+                      <a:r>
+                        <a:rPr lang="de-DE" sz="600" u="none" baseline="0" dirty="0">
+                          <a:solidFill>
+                            <a:srgbClr val="00B0F0"/>
+                          </a:solidFill>
+                          <a:latin typeface="Arial" panose="020B0604020202020204" pitchFamily="34" charset="0"/>
+                          <a:cs typeface="Arial" panose="020B0604020202020204" pitchFamily="34" charset="0"/>
+                          <a:sym typeface="Wingdings" panose="05000000000000000000" pitchFamily="2" charset="2"/>
+                        </a:rPr>
+                        <a:t>kein Default-Wert</a:t>
+                      </a:r>
+                      <a:endParaRPr lang="de-DE" sz="600" u="none" baseline="0" dirty="0">
+                        <a:latin typeface="Arial" panose="020B0604020202020204" pitchFamily="34" charset="0"/>
+                        <a:cs typeface="Arial" panose="020B0604020202020204" pitchFamily="34" charset="0"/>
+                        <a:sym typeface="Wingdings" panose="05000000000000000000" pitchFamily="2" charset="2"/>
+                      </a:endParaRPr>
+                    </a:p>
+                    <a:p>
+                      <a:r>
+                        <a:rPr lang="de-DE" sz="1100" u="none" baseline="0" dirty="0" err="1">
+                          <a:latin typeface="Arial" panose="020B0604020202020204" pitchFamily="34" charset="0"/>
+                          <a:cs typeface="Arial" panose="020B0604020202020204" pitchFamily="34" charset="0"/>
+                          <a:sym typeface="Wingdings" panose="05000000000000000000" pitchFamily="2" charset="2"/>
+                        </a:rPr>
+                        <a:t>content</a:t>
+                      </a:r>
+                      <a:r>
+                        <a:rPr lang="de-DE" sz="1100" u="none" baseline="0" dirty="0">
+                          <a:latin typeface="Arial" panose="020B0604020202020204" pitchFamily="34" charset="0"/>
+                          <a:cs typeface="Arial" panose="020B0604020202020204" pitchFamily="34" charset="0"/>
+                          <a:sym typeface="Wingdings" panose="05000000000000000000" pitchFamily="2" charset="2"/>
+                        </a:rPr>
+                        <a:t> </a:t>
+                      </a:r>
+                      <a:r>
+                        <a:rPr lang="de-DE" sz="600" u="none" baseline="0" dirty="0">
+                          <a:solidFill>
+                            <a:srgbClr val="C00000"/>
+                          </a:solidFill>
+                          <a:latin typeface="Arial" panose="020B0604020202020204" pitchFamily="34" charset="0"/>
+                          <a:cs typeface="Arial" panose="020B0604020202020204" pitchFamily="34" charset="0"/>
+                          <a:sym typeface="Wingdings" panose="05000000000000000000" pitchFamily="2" charset="2"/>
+                        </a:rPr>
+                        <a:t>=&gt; </a:t>
+                      </a:r>
+                      <a:r>
+                        <a:rPr lang="de-DE" sz="600" u="none" baseline="0" dirty="0" err="1">
+                          <a:solidFill>
+                            <a:srgbClr val="C00000"/>
+                          </a:solidFill>
+                          <a:latin typeface="Arial" panose="020B0604020202020204" pitchFamily="34" charset="0"/>
+                          <a:cs typeface="Arial" panose="020B0604020202020204" pitchFamily="34" charset="0"/>
+                          <a:sym typeface="Wingdings" panose="05000000000000000000" pitchFamily="2" charset="2"/>
+                        </a:rPr>
+                        <a:t>text</a:t>
+                      </a:r>
+                      <a:r>
+                        <a:rPr lang="de-DE" sz="600" u="none" baseline="0" dirty="0">
+                          <a:solidFill>
+                            <a:srgbClr val="C00000"/>
+                          </a:solidFill>
+                          <a:latin typeface="Arial" panose="020B0604020202020204" pitchFamily="34" charset="0"/>
+                          <a:cs typeface="Arial" panose="020B0604020202020204" pitchFamily="34" charset="0"/>
+                          <a:sym typeface="Wingdings" panose="05000000000000000000" pitchFamily="2" charset="2"/>
+                        </a:rPr>
+                        <a:t>, </a:t>
+                      </a:r>
+                      <a:r>
+                        <a:rPr lang="de-DE" sz="600" u="none" baseline="0" dirty="0">
+                          <a:solidFill>
+                            <a:srgbClr val="00B0F0"/>
+                          </a:solidFill>
+                          <a:latin typeface="Arial" panose="020B0604020202020204" pitchFamily="34" charset="0"/>
+                          <a:cs typeface="Arial" panose="020B0604020202020204" pitchFamily="34" charset="0"/>
+                          <a:sym typeface="Wingdings" panose="05000000000000000000" pitchFamily="2" charset="2"/>
+                        </a:rPr>
+                        <a:t>kein Default-Wert</a:t>
+                      </a:r>
+                      <a:endParaRPr lang="de-DE" sz="600" u="none" baseline="0" dirty="0">
+                        <a:latin typeface="Arial" panose="020B0604020202020204" pitchFamily="34" charset="0"/>
+                        <a:cs typeface="Arial" panose="020B0604020202020204" pitchFamily="34" charset="0"/>
+                        <a:sym typeface="Wingdings" panose="05000000000000000000" pitchFamily="2" charset="2"/>
+                      </a:endParaRPr>
+                    </a:p>
+                    <a:p>
+                      <a:r>
+                        <a:rPr lang="de-DE" sz="1100" u="none" baseline="0" dirty="0" err="1">
+                          <a:latin typeface="Arial" panose="020B0604020202020204" pitchFamily="34" charset="0"/>
+                          <a:cs typeface="Arial" panose="020B0604020202020204" pitchFamily="34" charset="0"/>
+                          <a:sym typeface="Wingdings" panose="05000000000000000000" pitchFamily="2" charset="2"/>
+                        </a:rPr>
+                        <a:t>date</a:t>
+                      </a:r>
+                      <a:r>
+                        <a:rPr lang="de-DE" sz="1100" u="none" baseline="0" dirty="0">
+                          <a:latin typeface="Arial" panose="020B0604020202020204" pitchFamily="34" charset="0"/>
+                          <a:cs typeface="Arial" panose="020B0604020202020204" pitchFamily="34" charset="0"/>
+                          <a:sym typeface="Wingdings" panose="05000000000000000000" pitchFamily="2" charset="2"/>
+                        </a:rPr>
+                        <a:t> </a:t>
+                      </a:r>
+                      <a:r>
+                        <a:rPr lang="de-DE" sz="600" u="none" kern="1200" baseline="0" dirty="0">
+                          <a:solidFill>
+                            <a:srgbClr val="C00000"/>
+                          </a:solidFill>
+                          <a:latin typeface="Arial" panose="020B0604020202020204" pitchFamily="34" charset="0"/>
+                          <a:ea typeface="+mn-ea"/>
+                          <a:cs typeface="Arial" panose="020B0604020202020204" pitchFamily="34" charset="0"/>
+                          <a:sym typeface="Wingdings" panose="05000000000000000000" pitchFamily="2" charset="2"/>
+                        </a:rPr>
+                        <a:t>=&gt; </a:t>
+                      </a:r>
+                      <a:r>
+                        <a:rPr lang="de-DE" sz="600" u="none" kern="1200" baseline="0" dirty="0" err="1">
+                          <a:solidFill>
+                            <a:srgbClr val="C00000"/>
+                          </a:solidFill>
+                          <a:latin typeface="Arial" panose="020B0604020202020204" pitchFamily="34" charset="0"/>
+                          <a:ea typeface="+mn-ea"/>
+                          <a:cs typeface="Arial" panose="020B0604020202020204" pitchFamily="34" charset="0"/>
+                          <a:sym typeface="Wingdings" panose="05000000000000000000" pitchFamily="2" charset="2"/>
+                        </a:rPr>
+                        <a:t>date</a:t>
+                      </a:r>
+                      <a:r>
+                        <a:rPr lang="de-DE" sz="600" u="none" kern="1200" baseline="0" dirty="0">
+                          <a:solidFill>
+                            <a:srgbClr val="C00000"/>
+                          </a:solidFill>
+                          <a:latin typeface="Arial" panose="020B0604020202020204" pitchFamily="34" charset="0"/>
+                          <a:ea typeface="+mn-ea"/>
+                          <a:cs typeface="Arial" panose="020B0604020202020204" pitchFamily="34" charset="0"/>
+                          <a:sym typeface="Wingdings" panose="05000000000000000000" pitchFamily="2" charset="2"/>
+                        </a:rPr>
+                        <a:t>, </a:t>
+                      </a:r>
+                      <a:r>
+                        <a:rPr lang="de-DE" sz="600" u="none" baseline="0" dirty="0">
+                          <a:solidFill>
+                            <a:srgbClr val="00B0F0"/>
+                          </a:solidFill>
+                          <a:latin typeface="Arial" panose="020B0604020202020204" pitchFamily="34" charset="0"/>
+                          <a:cs typeface="Arial" panose="020B0604020202020204" pitchFamily="34" charset="0"/>
+                          <a:sym typeface="Wingdings" panose="05000000000000000000" pitchFamily="2" charset="2"/>
+                        </a:rPr>
+                        <a:t>kein Default-Wert</a:t>
+                      </a:r>
+                      <a:endParaRPr lang="de-DE" sz="600" u="none" kern="1200" baseline="0" dirty="0">
+                        <a:solidFill>
+                          <a:srgbClr val="C00000"/>
+                        </a:solidFill>
+                        <a:latin typeface="Arial" panose="020B0604020202020204" pitchFamily="34" charset="0"/>
+                        <a:ea typeface="+mn-ea"/>
+                        <a:cs typeface="Arial" panose="020B0604020202020204" pitchFamily="34" charset="0"/>
+                        <a:sym typeface="Wingdings" panose="05000000000000000000" pitchFamily="2" charset="2"/>
+                      </a:endParaRPr>
+                    </a:p>
+                    <a:p>
+                      <a:pPr marL="0" algn="l" defTabSz="914400" rtl="0" eaLnBrk="1" latinLnBrk="0" hangingPunct="1"/>
+                      <a:r>
+                        <a:rPr lang="de-DE" sz="1100" u="none" baseline="0" dirty="0">
+                          <a:latin typeface="Arial" panose="020B0604020202020204" pitchFamily="34" charset="0"/>
+                          <a:cs typeface="Arial" panose="020B0604020202020204" pitchFamily="34" charset="0"/>
+                          <a:sym typeface="Wingdings" panose="05000000000000000000" pitchFamily="2" charset="2"/>
+                        </a:rPr>
+                        <a:t>page_id </a:t>
+                      </a:r>
+                      <a:r>
+                        <a:rPr lang="de-DE" sz="600" u="none" kern="1200" baseline="0" dirty="0">
+                          <a:solidFill>
+                            <a:srgbClr val="C00000"/>
+                          </a:solidFill>
+                          <a:latin typeface="Arial" panose="020B0604020202020204" pitchFamily="34" charset="0"/>
+                          <a:ea typeface="+mn-ea"/>
+                          <a:cs typeface="Arial" panose="020B0604020202020204" pitchFamily="34" charset="0"/>
+                          <a:sym typeface="Wingdings" panose="05000000000000000000" pitchFamily="2" charset="2"/>
+                        </a:rPr>
+                        <a:t>=&gt; </a:t>
+                      </a:r>
+                      <a:r>
+                        <a:rPr lang="de-DE" sz="600" u="none" kern="1200" baseline="0" dirty="0" err="1">
+                          <a:solidFill>
+                            <a:srgbClr val="C00000"/>
+                          </a:solidFill>
+                          <a:latin typeface="Arial" panose="020B0604020202020204" pitchFamily="34" charset="0"/>
+                          <a:ea typeface="+mn-ea"/>
+                          <a:cs typeface="Arial" panose="020B0604020202020204" pitchFamily="34" charset="0"/>
+                          <a:sym typeface="Wingdings" panose="05000000000000000000" pitchFamily="2" charset="2"/>
+                        </a:rPr>
+                        <a:t>int</a:t>
+                      </a:r>
+                      <a:r>
+                        <a:rPr lang="de-DE" sz="600" u="none" kern="1200" baseline="0" dirty="0">
+                          <a:solidFill>
+                            <a:srgbClr val="C00000"/>
+                          </a:solidFill>
+                          <a:latin typeface="Arial" panose="020B0604020202020204" pitchFamily="34" charset="0"/>
+                          <a:ea typeface="+mn-ea"/>
+                          <a:cs typeface="Arial" panose="020B0604020202020204" pitchFamily="34" charset="0"/>
+                          <a:sym typeface="Wingdings" panose="05000000000000000000" pitchFamily="2" charset="2"/>
+                        </a:rPr>
+                        <a:t>, </a:t>
+                      </a:r>
+                      <a:r>
+                        <a:rPr lang="de-DE" sz="600" u="none" baseline="0" dirty="0">
+                          <a:solidFill>
+                            <a:srgbClr val="00B0F0"/>
+                          </a:solidFill>
+                          <a:latin typeface="Arial" panose="020B0604020202020204" pitchFamily="34" charset="0"/>
+                          <a:cs typeface="Arial" panose="020B0604020202020204" pitchFamily="34" charset="0"/>
+                          <a:sym typeface="Wingdings" panose="05000000000000000000" pitchFamily="2" charset="2"/>
+                        </a:rPr>
+                        <a:t>kein Default-Wert</a:t>
+                      </a:r>
+                      <a:endParaRPr lang="de-DE" sz="600" u="none" kern="1200" baseline="0" dirty="0">
+                        <a:solidFill>
+                          <a:srgbClr val="C00000"/>
+                        </a:solidFill>
+                        <a:latin typeface="Arial" panose="020B0604020202020204" pitchFamily="34" charset="0"/>
+                        <a:ea typeface="+mn-ea"/>
+                        <a:cs typeface="Arial" panose="020B0604020202020204" pitchFamily="34" charset="0"/>
+                        <a:sym typeface="Wingdings" panose="05000000000000000000" pitchFamily="2" charset="2"/>
+                      </a:endParaRPr>
+                    </a:p>
+                    <a:p>
+                      <a:r>
+                        <a:rPr lang="de-DE" sz="1100" u="none" baseline="0" dirty="0" err="1">
+                          <a:solidFill>
+                            <a:schemeClr val="tx1"/>
+                          </a:solidFill>
+                          <a:latin typeface="Arial" panose="020B0604020202020204" pitchFamily="34" charset="0"/>
+                          <a:cs typeface="Arial" panose="020B0604020202020204" pitchFamily="34" charset="0"/>
+                          <a:sym typeface="Wingdings" panose="05000000000000000000" pitchFamily="2" charset="2"/>
+                        </a:rPr>
+                        <a:t>author</a:t>
+                      </a:r>
+                      <a:r>
+                        <a:rPr lang="de-DE" sz="1100" u="none" baseline="0" dirty="0">
+                          <a:solidFill>
+                            <a:schemeClr val="tx1"/>
+                          </a:solidFill>
+                          <a:latin typeface="Arial" panose="020B0604020202020204" pitchFamily="34" charset="0"/>
+                          <a:cs typeface="Arial" panose="020B0604020202020204" pitchFamily="34" charset="0"/>
+                          <a:sym typeface="Wingdings" panose="05000000000000000000" pitchFamily="2" charset="2"/>
+                        </a:rPr>
+                        <a:t> (FS) </a:t>
+                      </a:r>
+                      <a:r>
+                        <a:rPr lang="de-DE" sz="600" u="none" kern="1200" baseline="0" dirty="0">
+                          <a:solidFill>
+                            <a:srgbClr val="C00000"/>
+                          </a:solidFill>
+                          <a:latin typeface="Arial" panose="020B0604020202020204" pitchFamily="34" charset="0"/>
+                          <a:ea typeface="+mn-ea"/>
+                          <a:cs typeface="Arial" panose="020B0604020202020204" pitchFamily="34" charset="0"/>
+                          <a:sym typeface="Wingdings" panose="05000000000000000000" pitchFamily="2" charset="2"/>
+                        </a:rPr>
+                        <a:t>=&gt; </a:t>
+                      </a:r>
+                      <a:r>
+                        <a:rPr lang="de-DE" sz="600" u="none" kern="1200" baseline="0" dirty="0" err="1">
+                          <a:solidFill>
+                            <a:srgbClr val="C00000"/>
+                          </a:solidFill>
+                          <a:latin typeface="Arial" panose="020B0604020202020204" pitchFamily="34" charset="0"/>
+                          <a:ea typeface="+mn-ea"/>
+                          <a:cs typeface="Arial" panose="020B0604020202020204" pitchFamily="34" charset="0"/>
+                          <a:sym typeface="Wingdings" panose="05000000000000000000" pitchFamily="2" charset="2"/>
+                        </a:rPr>
+                        <a:t>int</a:t>
+                      </a:r>
+                      <a:r>
+                        <a:rPr lang="de-DE" sz="600" u="none" kern="1200" baseline="0" dirty="0">
+                          <a:solidFill>
+                            <a:srgbClr val="C00000"/>
+                          </a:solidFill>
+                          <a:latin typeface="Arial" panose="020B0604020202020204" pitchFamily="34" charset="0"/>
+                          <a:ea typeface="+mn-ea"/>
+                          <a:cs typeface="Arial" panose="020B0604020202020204" pitchFamily="34" charset="0"/>
+                          <a:sym typeface="Wingdings" panose="05000000000000000000" pitchFamily="2" charset="2"/>
+                        </a:rPr>
+                        <a:t>, </a:t>
+                      </a:r>
+                      <a:r>
+                        <a:rPr lang="de-DE" sz="600" u="none" baseline="0" dirty="0">
+                          <a:solidFill>
+                            <a:srgbClr val="00B0F0"/>
+                          </a:solidFill>
+                          <a:latin typeface="Arial" panose="020B0604020202020204" pitchFamily="34" charset="0"/>
+                          <a:cs typeface="Arial" panose="020B0604020202020204" pitchFamily="34" charset="0"/>
+                          <a:sym typeface="Wingdings" panose="05000000000000000000" pitchFamily="2" charset="2"/>
+                        </a:rPr>
+                        <a:t>kein Default-Wert</a:t>
+                      </a:r>
+                      <a:endParaRPr lang="de-DE" sz="600" u="none" kern="1200" baseline="0" dirty="0">
+                        <a:solidFill>
+                          <a:srgbClr val="C00000"/>
+                        </a:solidFill>
+                        <a:latin typeface="Arial" panose="020B0604020202020204" pitchFamily="34" charset="0"/>
+                        <a:ea typeface="+mn-ea"/>
+                        <a:cs typeface="Arial" panose="020B0604020202020204" pitchFamily="34" charset="0"/>
+                        <a:sym typeface="Wingdings" panose="05000000000000000000" pitchFamily="2" charset="2"/>
+                      </a:endParaRPr>
+                    </a:p>
+                    <a:p>
+                      <a:pPr marL="0" algn="l" defTabSz="914400" rtl="0" eaLnBrk="1" latinLnBrk="0" hangingPunct="1"/>
+                      <a:r>
+                        <a:rPr lang="de-DE" sz="1100" u="none" baseline="0" dirty="0">
+                          <a:latin typeface="Arial" panose="020B0604020202020204" pitchFamily="34" charset="0"/>
+                          <a:cs typeface="Arial" panose="020B0604020202020204" pitchFamily="34" charset="0"/>
+                          <a:sym typeface="Wingdings" panose="05000000000000000000" pitchFamily="2" charset="2"/>
+                        </a:rPr>
+                        <a:t>type </a:t>
+                      </a:r>
+                      <a:r>
+                        <a:rPr lang="de-DE" sz="600" u="none" kern="1200" baseline="0" dirty="0">
+                          <a:solidFill>
+                            <a:srgbClr val="C00000"/>
+                          </a:solidFill>
+                          <a:latin typeface="Arial" panose="020B0604020202020204" pitchFamily="34" charset="0"/>
+                          <a:ea typeface="+mn-ea"/>
+                          <a:cs typeface="Arial" panose="020B0604020202020204" pitchFamily="34" charset="0"/>
+                          <a:sym typeface="Wingdings" panose="05000000000000000000" pitchFamily="2" charset="2"/>
+                        </a:rPr>
+                        <a:t>=&gt; </a:t>
+                      </a:r>
+                      <a:r>
+                        <a:rPr lang="de-DE" sz="600" u="none" kern="1200" baseline="0" dirty="0" err="1">
+                          <a:solidFill>
+                            <a:srgbClr val="C00000"/>
+                          </a:solidFill>
+                          <a:latin typeface="Arial" panose="020B0604020202020204" pitchFamily="34" charset="0"/>
+                          <a:ea typeface="+mn-ea"/>
+                          <a:cs typeface="Arial" panose="020B0604020202020204" pitchFamily="34" charset="0"/>
+                          <a:sym typeface="Wingdings" panose="05000000000000000000" pitchFamily="2" charset="2"/>
+                        </a:rPr>
+                        <a:t>varchar</a:t>
+                      </a:r>
+                      <a:r>
+                        <a:rPr lang="de-DE" sz="600" u="none" kern="1200" baseline="0" dirty="0">
+                          <a:solidFill>
+                            <a:srgbClr val="C00000"/>
+                          </a:solidFill>
+                          <a:latin typeface="Arial" panose="020B0604020202020204" pitchFamily="34" charset="0"/>
+                          <a:ea typeface="+mn-ea"/>
+                          <a:cs typeface="Arial" panose="020B0604020202020204" pitchFamily="34" charset="0"/>
+                          <a:sym typeface="Wingdings" panose="05000000000000000000" pitchFamily="2" charset="2"/>
+                        </a:rPr>
+                        <a:t>[255]: </a:t>
+                      </a:r>
+                      <a:r>
+                        <a:rPr lang="de-DE" sz="600" u="none" baseline="0" dirty="0">
+                          <a:solidFill>
+                            <a:srgbClr val="00B0F0"/>
+                          </a:solidFill>
+                          <a:latin typeface="Arial" panose="020B0604020202020204" pitchFamily="34" charset="0"/>
+                          <a:cs typeface="Arial" panose="020B0604020202020204" pitchFamily="34" charset="0"/>
+                          <a:sym typeface="Wingdings" panose="05000000000000000000" pitchFamily="2" charset="2"/>
+                        </a:rPr>
+                        <a:t>kein Default-Wert</a:t>
+                      </a:r>
+                      <a:endParaRPr lang="de-DE" sz="600" u="none" kern="1200" baseline="0" dirty="0">
+                        <a:solidFill>
+                          <a:srgbClr val="C00000"/>
+                        </a:solidFill>
+                        <a:latin typeface="Arial" panose="020B0604020202020204" pitchFamily="34" charset="0"/>
+                        <a:ea typeface="+mn-ea"/>
+                        <a:cs typeface="Arial" panose="020B0604020202020204" pitchFamily="34" charset="0"/>
+                        <a:sym typeface="Wingdings" panose="05000000000000000000" pitchFamily="2" charset="2"/>
+                      </a:endParaRPr>
+                    </a:p>
+                    <a:p>
+                      <a:r>
+                        <a:rPr lang="de-DE" sz="1100" u="none" baseline="0" dirty="0" err="1">
+                          <a:latin typeface="Arial" panose="020B0604020202020204" pitchFamily="34" charset="0"/>
+                          <a:cs typeface="Arial" panose="020B0604020202020204" pitchFamily="34" charset="0"/>
+                          <a:sym typeface="Wingdings" panose="05000000000000000000" pitchFamily="2" charset="2"/>
+                        </a:rPr>
+                        <a:t>public</a:t>
+                      </a:r>
+                      <a:r>
+                        <a:rPr lang="de-DE" sz="1100" u="none" baseline="0" dirty="0">
+                          <a:latin typeface="Arial" panose="020B0604020202020204" pitchFamily="34" charset="0"/>
+                          <a:cs typeface="Arial" panose="020B0604020202020204" pitchFamily="34" charset="0"/>
+                          <a:sym typeface="Wingdings" panose="05000000000000000000" pitchFamily="2" charset="2"/>
+                        </a:rPr>
+                        <a:t> </a:t>
+                      </a:r>
+                      <a:r>
+                        <a:rPr lang="de-DE" sz="600" u="none" kern="1200" baseline="0" dirty="0">
+                          <a:solidFill>
+                            <a:srgbClr val="C00000"/>
+                          </a:solidFill>
+                          <a:latin typeface="Arial" panose="020B0604020202020204" pitchFamily="34" charset="0"/>
+                          <a:ea typeface="+mn-ea"/>
+                          <a:cs typeface="Arial" panose="020B0604020202020204" pitchFamily="34" charset="0"/>
+                          <a:sym typeface="Wingdings" panose="05000000000000000000" pitchFamily="2" charset="2"/>
+                        </a:rPr>
+                        <a:t>=&gt; </a:t>
+                      </a:r>
+                      <a:r>
+                        <a:rPr lang="de-DE" sz="600" u="none" kern="1200" baseline="0" dirty="0" err="1">
+                          <a:solidFill>
+                            <a:srgbClr val="C00000"/>
+                          </a:solidFill>
+                          <a:latin typeface="Arial" panose="020B0604020202020204" pitchFamily="34" charset="0"/>
+                          <a:ea typeface="+mn-ea"/>
+                          <a:cs typeface="Arial" panose="020B0604020202020204" pitchFamily="34" charset="0"/>
+                          <a:sym typeface="Wingdings" panose="05000000000000000000" pitchFamily="2" charset="2"/>
+                        </a:rPr>
+                        <a:t>tinyint</a:t>
+                      </a:r>
+                      <a:r>
+                        <a:rPr lang="de-DE" sz="600" u="none" kern="1200" baseline="0" dirty="0">
+                          <a:solidFill>
+                            <a:srgbClr val="00B0F0"/>
+                          </a:solidFill>
+                          <a:latin typeface="Arial" panose="020B0604020202020204" pitchFamily="34" charset="0"/>
+                          <a:ea typeface="+mn-ea"/>
+                          <a:cs typeface="Arial" panose="020B0604020202020204" pitchFamily="34" charset="0"/>
+                          <a:sym typeface="Wingdings" panose="05000000000000000000" pitchFamily="2" charset="2"/>
+                        </a:rPr>
+                        <a:t>, FALSE</a:t>
+                      </a:r>
+                    </a:p>
+                    <a:p>
+                      <a:pPr marL="0" marR="0" lvl="0" indent="0" algn="l" defTabSz="914400" rtl="0" eaLnBrk="1" fontAlgn="auto" latinLnBrk="0" hangingPunct="1">
+                        <a:lnSpc>
+                          <a:spcPct val="100000"/>
+                        </a:lnSpc>
+                        <a:spcBef>
+                          <a:spcPts val="0"/>
+                        </a:spcBef>
+                        <a:spcAft>
+                          <a:spcPts val="0"/>
+                        </a:spcAft>
+                        <a:buClrTx/>
+                        <a:buSzTx/>
+                        <a:buFontTx/>
+                        <a:buNone/>
+                        <a:tabLst/>
+                        <a:defRPr/>
+                      </a:pPr>
+                      <a:r>
+                        <a:rPr lang="de-DE" sz="1100" u="none" baseline="0" dirty="0" err="1">
+                          <a:latin typeface="Arial" panose="020B0604020202020204" pitchFamily="34" charset="0"/>
+                          <a:cs typeface="Arial" panose="020B0604020202020204" pitchFamily="34" charset="0"/>
+                          <a:sym typeface="Wingdings" panose="05000000000000000000" pitchFamily="2" charset="2"/>
+                        </a:rPr>
+                        <a:t>description</a:t>
+                      </a:r>
+                      <a:r>
+                        <a:rPr lang="de-DE" sz="1100" u="none" baseline="0" dirty="0">
+                          <a:latin typeface="Arial" panose="020B0604020202020204" pitchFamily="34" charset="0"/>
+                          <a:cs typeface="Arial" panose="020B0604020202020204" pitchFamily="34" charset="0"/>
+                          <a:sym typeface="Wingdings" panose="05000000000000000000" pitchFamily="2" charset="2"/>
+                        </a:rPr>
+                        <a:t> </a:t>
+                      </a:r>
+                      <a:r>
+                        <a:rPr lang="de-DE" sz="600" u="none" kern="1200" baseline="0" dirty="0">
+                          <a:solidFill>
+                            <a:srgbClr val="C00000"/>
+                          </a:solidFill>
+                          <a:latin typeface="Arial" panose="020B0604020202020204" pitchFamily="34" charset="0"/>
+                          <a:ea typeface="+mn-ea"/>
+                          <a:cs typeface="Arial" panose="020B0604020202020204" pitchFamily="34" charset="0"/>
+                          <a:sym typeface="Wingdings" panose="05000000000000000000" pitchFamily="2" charset="2"/>
+                        </a:rPr>
+                        <a:t>=&gt; </a:t>
+                      </a:r>
+                      <a:r>
+                        <a:rPr lang="de-DE" sz="600" u="none" kern="1200" baseline="0" dirty="0" err="1">
+                          <a:solidFill>
+                            <a:srgbClr val="C00000"/>
+                          </a:solidFill>
+                          <a:latin typeface="Arial" panose="020B0604020202020204" pitchFamily="34" charset="0"/>
+                          <a:ea typeface="+mn-ea"/>
+                          <a:cs typeface="Arial" panose="020B0604020202020204" pitchFamily="34" charset="0"/>
+                          <a:sym typeface="Wingdings" panose="05000000000000000000" pitchFamily="2" charset="2"/>
+                        </a:rPr>
+                        <a:t>varchar</a:t>
+                      </a:r>
+                      <a:r>
+                        <a:rPr lang="de-DE" sz="600" u="none" kern="1200" baseline="0" dirty="0">
+                          <a:solidFill>
+                            <a:srgbClr val="C00000"/>
+                          </a:solidFill>
+                          <a:latin typeface="Arial" panose="020B0604020202020204" pitchFamily="34" charset="0"/>
+                          <a:ea typeface="+mn-ea"/>
+                          <a:cs typeface="Arial" panose="020B0604020202020204" pitchFamily="34" charset="0"/>
+                          <a:sym typeface="Wingdings" panose="05000000000000000000" pitchFamily="2" charset="2"/>
+                        </a:rPr>
+                        <a:t>[500]</a:t>
+                      </a:r>
+                      <a:r>
+                        <a:rPr lang="de-DE" sz="600" u="none" kern="1200" baseline="0" dirty="0">
+                          <a:solidFill>
+                            <a:srgbClr val="00B0F0"/>
+                          </a:solidFill>
+                          <a:latin typeface="Arial" panose="020B0604020202020204" pitchFamily="34" charset="0"/>
+                          <a:ea typeface="+mn-ea"/>
+                          <a:cs typeface="Arial" panose="020B0604020202020204" pitchFamily="34" charset="0"/>
+                          <a:sym typeface="Wingdings" panose="05000000000000000000" pitchFamily="2" charset="2"/>
+                        </a:rPr>
+                        <a:t>, FALSE</a:t>
+                      </a:r>
+                    </a:p>
+                  </a:txBody>
+                  <a:tcPr/>
+                </a:tc>
+                <a:extLst>
+                  <a:ext uri="{0D108BD9-81ED-4DB2-BD59-A6C34878D82A}">
+                    <a16:rowId xmlns:a16="http://schemas.microsoft.com/office/drawing/2014/main" val="10001"/>
+                  </a:ext>
+                </a:extLst>
+              </a:tr>
+            </a:tbl>
+          </a:graphicData>
+        </a:graphic>
+      </p:graphicFrame>
+      <p:graphicFrame>
+        <p:nvGraphicFramePr>
+          <p:cNvPr id="46" name="Tabelle 45"/>
+          <p:cNvGraphicFramePr>
+            <a:graphicFrameLocks noGrp="1"/>
+          </p:cNvGraphicFramePr>
+          <p:nvPr>
+            <p:extLst/>
+          </p:nvPr>
+        </p:nvGraphicFramePr>
+        <p:xfrm>
+          <a:off x="1619672" y="3428407"/>
+          <a:ext cx="1334243" cy="1143000"/>
+        </p:xfrm>
+        <a:graphic>
+          <a:graphicData uri="http://schemas.openxmlformats.org/drawingml/2006/table">
+            <a:tbl>
+              <a:tblPr firstRow="1" bandRow="1">
+                <a:tableStyleId>{F2DE63D5-997A-4646-A377-4702673A728D}</a:tableStyleId>
+              </a:tblPr>
+              <a:tblGrid>
+                <a:gridCol w="1334243">
+                  <a:extLst>
+                    <a:ext uri="{9D8B030D-6E8A-4147-A177-3AD203B41FA5}">
+                      <a16:colId xmlns:a16="http://schemas.microsoft.com/office/drawing/2014/main" val="20000"/>
+                    </a:ext>
+                  </a:extLst>
+                </a:gridCol>
+              </a:tblGrid>
+              <a:tr h="274320">
+                <a:tc>
+                  <a:txBody>
+                    <a:bodyPr/>
+                    <a:lstStyle/>
+                    <a:p>
+                      <a:pPr marL="0" marR="0" indent="0" algn="l" defTabSz="914400" rtl="0" eaLnBrk="1" fontAlgn="auto" latinLnBrk="0" hangingPunct="1">
+                        <a:lnSpc>
+                          <a:spcPct val="100000"/>
+                        </a:lnSpc>
+                        <a:spcBef>
+                          <a:spcPts val="0"/>
+                        </a:spcBef>
+                        <a:spcAft>
+                          <a:spcPts val="0"/>
+                        </a:spcAft>
+                        <a:buClrTx/>
+                        <a:buSzTx/>
+                        <a:buFontTx/>
+                        <a:buNone/>
+                        <a:tabLst/>
+                        <a:defRPr/>
+                      </a:pPr>
+                      <a:r>
+                        <a:rPr lang="de-DE" sz="1200" b="1" dirty="0">
+                          <a:solidFill>
+                            <a:schemeClr val="tx1"/>
+                          </a:solidFill>
+                          <a:latin typeface="Arial" panose="020B0604020202020204" pitchFamily="34" charset="0"/>
+                          <a:cs typeface="Arial" panose="020B0604020202020204" pitchFamily="34" charset="0"/>
+                        </a:rPr>
+                        <a:t>Page</a:t>
+                      </a:r>
+                    </a:p>
+                  </a:txBody>
+                  <a:tcPr/>
+                </a:tc>
+                <a:extLst>
+                  <a:ext uri="{0D108BD9-81ED-4DB2-BD59-A6C34878D82A}">
+                    <a16:rowId xmlns:a16="http://schemas.microsoft.com/office/drawing/2014/main" val="10000"/>
+                  </a:ext>
+                </a:extLst>
+              </a:tr>
+              <a:tr h="868680">
+                <a:tc>
+                  <a:txBody>
+                    <a:bodyPr/>
+                    <a:lstStyle/>
+                    <a:p>
+                      <a:pPr marL="0" marR="0" lvl="0" indent="0" algn="l" defTabSz="914400" rtl="0" eaLnBrk="1" fontAlgn="auto" latinLnBrk="0" hangingPunct="1">
+                        <a:lnSpc>
+                          <a:spcPct val="100000"/>
+                        </a:lnSpc>
+                        <a:spcBef>
+                          <a:spcPts val="0"/>
+                        </a:spcBef>
+                        <a:spcAft>
+                          <a:spcPts val="0"/>
+                        </a:spcAft>
+                        <a:buClrTx/>
+                        <a:buSzTx/>
+                        <a:buFontTx/>
+                        <a:buNone/>
+                        <a:tabLst/>
+                        <a:defRPr/>
+                      </a:pPr>
+                      <a:r>
+                        <a:rPr lang="de-DE" sz="1100" u="none" baseline="0" dirty="0">
+                          <a:latin typeface="Arial" panose="020B0604020202020204" pitchFamily="34" charset="0"/>
+                          <a:cs typeface="Arial" panose="020B0604020202020204" pitchFamily="34" charset="0"/>
+                          <a:sym typeface="Wingdings" panose="05000000000000000000" pitchFamily="2" charset="2"/>
+                        </a:rPr>
+                        <a:t>id (PS) </a:t>
+                      </a:r>
+                      <a:r>
+                        <a:rPr lang="de-DE" sz="600" u="none" kern="1200" baseline="0" dirty="0">
+                          <a:solidFill>
+                            <a:srgbClr val="C00000"/>
+                          </a:solidFill>
+                          <a:latin typeface="Arial" panose="020B0604020202020204" pitchFamily="34" charset="0"/>
+                          <a:ea typeface="+mn-ea"/>
+                          <a:cs typeface="Arial" panose="020B0604020202020204" pitchFamily="34" charset="0"/>
+                          <a:sym typeface="Wingdings" panose="05000000000000000000" pitchFamily="2" charset="2"/>
+                        </a:rPr>
+                        <a:t>=&gt; </a:t>
+                      </a:r>
+                      <a:r>
+                        <a:rPr lang="de-DE" sz="600" u="none" kern="1200" baseline="0" dirty="0" err="1">
+                          <a:solidFill>
+                            <a:srgbClr val="C00000"/>
+                          </a:solidFill>
+                          <a:latin typeface="Arial" panose="020B0604020202020204" pitchFamily="34" charset="0"/>
+                          <a:ea typeface="+mn-ea"/>
+                          <a:cs typeface="Arial" panose="020B0604020202020204" pitchFamily="34" charset="0"/>
+                          <a:sym typeface="Wingdings" panose="05000000000000000000" pitchFamily="2" charset="2"/>
+                        </a:rPr>
+                        <a:t>int</a:t>
+                      </a:r>
+                      <a:r>
+                        <a:rPr lang="de-DE" sz="600" u="none" kern="1200" baseline="0" dirty="0">
+                          <a:solidFill>
+                            <a:srgbClr val="C00000"/>
+                          </a:solidFill>
+                          <a:latin typeface="Arial" panose="020B0604020202020204" pitchFamily="34" charset="0"/>
+                          <a:ea typeface="+mn-ea"/>
+                          <a:cs typeface="Arial" panose="020B0604020202020204" pitchFamily="34" charset="0"/>
+                          <a:sym typeface="Wingdings" panose="05000000000000000000" pitchFamily="2" charset="2"/>
+                        </a:rPr>
+                        <a:t> + </a:t>
+                      </a:r>
+                      <a:r>
+                        <a:rPr lang="de-DE" sz="600" u="none" baseline="0" dirty="0">
+                          <a:solidFill>
+                            <a:srgbClr val="C00000"/>
+                          </a:solidFill>
+                          <a:latin typeface="Arial" panose="020B0604020202020204" pitchFamily="34" charset="0"/>
+                          <a:cs typeface="Arial" panose="020B0604020202020204" pitchFamily="34" charset="0"/>
+                          <a:sym typeface="Wingdings" panose="05000000000000000000" pitchFamily="2" charset="2"/>
+                        </a:rPr>
+                        <a:t>auto-</a:t>
+                      </a:r>
+                      <a:r>
+                        <a:rPr lang="de-DE" sz="600" u="none" baseline="0" dirty="0" err="1">
+                          <a:solidFill>
+                            <a:srgbClr val="C00000"/>
+                          </a:solidFill>
+                          <a:latin typeface="Arial" panose="020B0604020202020204" pitchFamily="34" charset="0"/>
+                          <a:cs typeface="Arial" panose="020B0604020202020204" pitchFamily="34" charset="0"/>
+                          <a:sym typeface="Wingdings" panose="05000000000000000000" pitchFamily="2" charset="2"/>
+                        </a:rPr>
+                        <a:t>increment</a:t>
+                      </a:r>
+                      <a:r>
+                        <a:rPr lang="de-DE" sz="600" u="none" baseline="0" dirty="0">
+                          <a:solidFill>
+                            <a:srgbClr val="C00000"/>
+                          </a:solidFill>
+                          <a:latin typeface="Arial" panose="020B0604020202020204" pitchFamily="34" charset="0"/>
+                          <a:cs typeface="Arial" panose="020B0604020202020204" pitchFamily="34" charset="0"/>
+                          <a:sym typeface="Wingdings" panose="05000000000000000000" pitchFamily="2" charset="2"/>
+                        </a:rPr>
+                        <a:t>, </a:t>
+                      </a:r>
+                      <a:r>
+                        <a:rPr lang="de-DE" sz="600" u="none" baseline="0" dirty="0">
+                          <a:solidFill>
+                            <a:srgbClr val="00B0F0"/>
+                          </a:solidFill>
+                          <a:latin typeface="Arial" panose="020B0604020202020204" pitchFamily="34" charset="0"/>
+                          <a:cs typeface="Arial" panose="020B0604020202020204" pitchFamily="34" charset="0"/>
+                          <a:sym typeface="Wingdings" panose="05000000000000000000" pitchFamily="2" charset="2"/>
+                        </a:rPr>
+                        <a:t>kein Default-Wert</a:t>
+                      </a:r>
+                      <a:endParaRPr lang="de-DE" sz="600" u="none" kern="1200" baseline="0" dirty="0">
+                        <a:solidFill>
+                          <a:srgbClr val="C00000"/>
+                        </a:solidFill>
+                        <a:latin typeface="Arial" panose="020B0604020202020204" pitchFamily="34" charset="0"/>
+                        <a:ea typeface="+mn-ea"/>
+                        <a:cs typeface="Arial" panose="020B0604020202020204" pitchFamily="34" charset="0"/>
+                        <a:sym typeface="Wingdings" panose="05000000000000000000" pitchFamily="2" charset="2"/>
+                      </a:endParaRPr>
+                    </a:p>
+                    <a:p>
+                      <a:r>
+                        <a:rPr lang="de-DE" sz="1100" u="sng" baseline="0" dirty="0">
+                          <a:latin typeface="Arial" panose="020B0604020202020204" pitchFamily="34" charset="0"/>
+                          <a:cs typeface="Arial" panose="020B0604020202020204" pitchFamily="34" charset="0"/>
+                          <a:sym typeface="Wingdings" panose="05000000000000000000" pitchFamily="2" charset="2"/>
+                        </a:rPr>
+                        <a:t>title</a:t>
+                      </a:r>
+                      <a:r>
+                        <a:rPr lang="de-DE" sz="1100" u="none" baseline="0" dirty="0">
+                          <a:latin typeface="Arial" panose="020B0604020202020204" pitchFamily="34" charset="0"/>
+                          <a:cs typeface="Arial" panose="020B0604020202020204" pitchFamily="34" charset="0"/>
+                          <a:sym typeface="Wingdings" panose="05000000000000000000" pitchFamily="2" charset="2"/>
+                        </a:rPr>
+                        <a:t> </a:t>
+                      </a:r>
+                      <a:r>
+                        <a:rPr lang="de-DE" sz="600" u="none" kern="1200" baseline="0" dirty="0">
+                          <a:solidFill>
+                            <a:srgbClr val="C00000"/>
+                          </a:solidFill>
+                          <a:latin typeface="Arial" panose="020B0604020202020204" pitchFamily="34" charset="0"/>
+                          <a:ea typeface="+mn-ea"/>
+                          <a:cs typeface="Arial" panose="020B0604020202020204" pitchFamily="34" charset="0"/>
+                          <a:sym typeface="Wingdings" panose="05000000000000000000" pitchFamily="2" charset="2"/>
+                        </a:rPr>
+                        <a:t>=&gt;</a:t>
+                      </a:r>
+                      <a:r>
+                        <a:rPr lang="de-DE" sz="600" u="none" kern="1200" baseline="0" dirty="0" err="1">
+                          <a:solidFill>
+                            <a:srgbClr val="C00000"/>
+                          </a:solidFill>
+                          <a:latin typeface="Arial" panose="020B0604020202020204" pitchFamily="34" charset="0"/>
+                          <a:ea typeface="+mn-ea"/>
+                          <a:cs typeface="Arial" panose="020B0604020202020204" pitchFamily="34" charset="0"/>
+                          <a:sym typeface="Wingdings" panose="05000000000000000000" pitchFamily="2" charset="2"/>
+                        </a:rPr>
+                        <a:t>varchar</a:t>
+                      </a:r>
+                      <a:r>
+                        <a:rPr lang="de-DE" sz="600" u="none" kern="1200" baseline="0" dirty="0">
+                          <a:solidFill>
+                            <a:srgbClr val="C00000"/>
+                          </a:solidFill>
+                          <a:latin typeface="Arial" panose="020B0604020202020204" pitchFamily="34" charset="0"/>
+                          <a:ea typeface="+mn-ea"/>
+                          <a:cs typeface="Arial" panose="020B0604020202020204" pitchFamily="34" charset="0"/>
+                          <a:sym typeface="Wingdings" panose="05000000000000000000" pitchFamily="2" charset="2"/>
+                        </a:rPr>
+                        <a:t>[255],</a:t>
+                      </a:r>
+                      <a:r>
+                        <a:rPr lang="de-DE" sz="600" u="none" baseline="0" dirty="0">
+                          <a:solidFill>
+                            <a:srgbClr val="00B0F0"/>
+                          </a:solidFill>
+                          <a:latin typeface="Arial" panose="020B0604020202020204" pitchFamily="34" charset="0"/>
+                          <a:cs typeface="Arial" panose="020B0604020202020204" pitchFamily="34" charset="0"/>
+                          <a:sym typeface="Wingdings" panose="05000000000000000000" pitchFamily="2" charset="2"/>
+                        </a:rPr>
+                        <a:t>  kein Default-Wert</a:t>
+                      </a:r>
+                      <a:endParaRPr lang="de-DE" sz="600" u="none" kern="1200" baseline="0" dirty="0">
+                        <a:solidFill>
+                          <a:srgbClr val="C00000"/>
+                        </a:solidFill>
+                        <a:latin typeface="Arial" panose="020B0604020202020204" pitchFamily="34" charset="0"/>
+                        <a:ea typeface="+mn-ea"/>
+                        <a:cs typeface="Arial" panose="020B0604020202020204" pitchFamily="34" charset="0"/>
+                        <a:sym typeface="Wingdings" panose="05000000000000000000" pitchFamily="2" charset="2"/>
+                      </a:endParaRPr>
+                    </a:p>
+                    <a:p>
+                      <a:r>
+                        <a:rPr lang="de-DE" sz="1100" u="none" baseline="0" dirty="0">
+                          <a:latin typeface="Arial" panose="020B0604020202020204" pitchFamily="34" charset="0"/>
+                          <a:cs typeface="Arial" panose="020B0604020202020204" pitchFamily="34" charset="0"/>
+                          <a:sym typeface="Wingdings" panose="05000000000000000000" pitchFamily="2" charset="2"/>
+                        </a:rPr>
+                        <a:t>template_id (FS) </a:t>
+                      </a:r>
+                      <a:r>
+                        <a:rPr lang="de-DE" sz="600" u="none" kern="1200" baseline="0" dirty="0">
+                          <a:solidFill>
+                            <a:srgbClr val="C00000"/>
+                          </a:solidFill>
+                          <a:latin typeface="Arial" panose="020B0604020202020204" pitchFamily="34" charset="0"/>
+                          <a:ea typeface="+mn-ea"/>
+                          <a:cs typeface="Arial" panose="020B0604020202020204" pitchFamily="34" charset="0"/>
+                          <a:sym typeface="Wingdings" panose="05000000000000000000" pitchFamily="2" charset="2"/>
+                        </a:rPr>
+                        <a:t>=&gt; </a:t>
+                      </a:r>
+                      <a:r>
+                        <a:rPr lang="de-DE" sz="600" u="none" kern="1200" baseline="0" dirty="0" err="1">
+                          <a:solidFill>
+                            <a:srgbClr val="C00000"/>
+                          </a:solidFill>
+                          <a:latin typeface="Arial" panose="020B0604020202020204" pitchFamily="34" charset="0"/>
+                          <a:ea typeface="+mn-ea"/>
+                          <a:cs typeface="Arial" panose="020B0604020202020204" pitchFamily="34" charset="0"/>
+                          <a:sym typeface="Wingdings" panose="05000000000000000000" pitchFamily="2" charset="2"/>
+                        </a:rPr>
+                        <a:t>int</a:t>
+                      </a:r>
+                      <a:r>
+                        <a:rPr lang="de-DE" sz="600" u="none" kern="1200" baseline="0" dirty="0">
+                          <a:solidFill>
+                            <a:srgbClr val="C00000"/>
+                          </a:solidFill>
+                          <a:latin typeface="Arial" panose="020B0604020202020204" pitchFamily="34" charset="0"/>
+                          <a:ea typeface="+mn-ea"/>
+                          <a:cs typeface="Arial" panose="020B0604020202020204" pitchFamily="34" charset="0"/>
+                          <a:sym typeface="Wingdings" panose="05000000000000000000" pitchFamily="2" charset="2"/>
+                        </a:rPr>
+                        <a:t>,</a:t>
+                      </a:r>
+                      <a:r>
+                        <a:rPr lang="de-DE" sz="600" u="none" baseline="0" dirty="0">
+                          <a:solidFill>
+                            <a:srgbClr val="00B0F0"/>
+                          </a:solidFill>
+                          <a:latin typeface="Arial" panose="020B0604020202020204" pitchFamily="34" charset="0"/>
+                          <a:cs typeface="Arial" panose="020B0604020202020204" pitchFamily="34" charset="0"/>
+                          <a:sym typeface="Wingdings" panose="05000000000000000000" pitchFamily="2" charset="2"/>
+                        </a:rPr>
+                        <a:t> kein Default-Wert</a:t>
+                      </a:r>
+                      <a:endParaRPr lang="de-DE" sz="600" u="none" kern="1200" baseline="0" dirty="0">
+                        <a:solidFill>
+                          <a:srgbClr val="C00000"/>
+                        </a:solidFill>
+                        <a:latin typeface="Arial" panose="020B0604020202020204" pitchFamily="34" charset="0"/>
+                        <a:ea typeface="+mn-ea"/>
+                        <a:cs typeface="Arial" panose="020B0604020202020204" pitchFamily="34" charset="0"/>
+                        <a:sym typeface="Wingdings" panose="05000000000000000000" pitchFamily="2" charset="2"/>
+                      </a:endParaRPr>
+                    </a:p>
+                  </a:txBody>
+                  <a:tcPr/>
+                </a:tc>
+                <a:extLst>
+                  <a:ext uri="{0D108BD9-81ED-4DB2-BD59-A6C34878D82A}">
+                    <a16:rowId xmlns:a16="http://schemas.microsoft.com/office/drawing/2014/main" val="10001"/>
+                  </a:ext>
+                </a:extLst>
+              </a:tr>
+            </a:tbl>
+          </a:graphicData>
+        </a:graphic>
+      </p:graphicFrame>
+      <p:graphicFrame>
+        <p:nvGraphicFramePr>
+          <p:cNvPr id="47" name="Tabelle 46"/>
+          <p:cNvGraphicFramePr>
+            <a:graphicFrameLocks noGrp="1"/>
+          </p:cNvGraphicFramePr>
+          <p:nvPr>
+            <p:extLst/>
+          </p:nvPr>
+        </p:nvGraphicFramePr>
+        <p:xfrm>
+          <a:off x="35496" y="3428407"/>
+          <a:ext cx="1296144" cy="1143000"/>
+        </p:xfrm>
+        <a:graphic>
+          <a:graphicData uri="http://schemas.openxmlformats.org/drawingml/2006/table">
+            <a:tbl>
+              <a:tblPr firstRow="1" bandRow="1">
+                <a:tableStyleId>{F2DE63D5-997A-4646-A377-4702673A728D}</a:tableStyleId>
+              </a:tblPr>
+              <a:tblGrid>
+                <a:gridCol w="1296144">
+                  <a:extLst>
+                    <a:ext uri="{9D8B030D-6E8A-4147-A177-3AD203B41FA5}">
+                      <a16:colId xmlns:a16="http://schemas.microsoft.com/office/drawing/2014/main" val="20000"/>
+                    </a:ext>
+                  </a:extLst>
+                </a:gridCol>
+              </a:tblGrid>
+              <a:tr h="274320">
+                <a:tc>
+                  <a:txBody>
+                    <a:bodyPr/>
+                    <a:lstStyle/>
+                    <a:p>
+                      <a:pPr marL="0" marR="0" indent="0" algn="l" defTabSz="914400" rtl="0" eaLnBrk="1" fontAlgn="auto" latinLnBrk="0" hangingPunct="1">
+                        <a:lnSpc>
+                          <a:spcPct val="100000"/>
+                        </a:lnSpc>
+                        <a:spcBef>
+                          <a:spcPts val="0"/>
+                        </a:spcBef>
+                        <a:spcAft>
+                          <a:spcPts val="0"/>
+                        </a:spcAft>
+                        <a:buClrTx/>
+                        <a:buSzTx/>
+                        <a:buFontTx/>
+                        <a:buNone/>
+                        <a:tabLst/>
+                        <a:defRPr/>
+                      </a:pPr>
+                      <a:r>
+                        <a:rPr lang="de-DE" sz="1200" b="1" dirty="0">
+                          <a:solidFill>
+                            <a:schemeClr val="tx1"/>
+                          </a:solidFill>
+                          <a:latin typeface="Arial" panose="020B0604020202020204" pitchFamily="34" charset="0"/>
+                          <a:cs typeface="Arial" panose="020B0604020202020204" pitchFamily="34" charset="0"/>
+                        </a:rPr>
+                        <a:t>Template</a:t>
+                      </a:r>
+                    </a:p>
+                  </a:txBody>
+                  <a:tcPr/>
+                </a:tc>
+                <a:extLst>
+                  <a:ext uri="{0D108BD9-81ED-4DB2-BD59-A6C34878D82A}">
+                    <a16:rowId xmlns:a16="http://schemas.microsoft.com/office/drawing/2014/main" val="10000"/>
+                  </a:ext>
+                </a:extLst>
+              </a:tr>
+              <a:tr h="868680">
+                <a:tc>
+                  <a:txBody>
+                    <a:bodyPr/>
+                    <a:lstStyle/>
+                    <a:p>
+                      <a:pPr marL="0" marR="0" lvl="0" indent="0" algn="l" defTabSz="914400" rtl="0" eaLnBrk="1" fontAlgn="auto" latinLnBrk="0" hangingPunct="1">
+                        <a:lnSpc>
+                          <a:spcPct val="100000"/>
+                        </a:lnSpc>
+                        <a:spcBef>
+                          <a:spcPts val="0"/>
+                        </a:spcBef>
+                        <a:spcAft>
+                          <a:spcPts val="0"/>
+                        </a:spcAft>
+                        <a:buClrTx/>
+                        <a:buSzTx/>
+                        <a:buFontTx/>
+                        <a:buNone/>
+                        <a:tabLst/>
+                        <a:defRPr/>
+                      </a:pPr>
+                      <a:r>
+                        <a:rPr lang="de-DE" sz="1100" u="none" baseline="0" dirty="0">
+                          <a:latin typeface="Arial" panose="020B0604020202020204" pitchFamily="34" charset="0"/>
+                          <a:cs typeface="Arial" panose="020B0604020202020204" pitchFamily="34" charset="0"/>
+                          <a:sym typeface="Wingdings" panose="05000000000000000000" pitchFamily="2" charset="2"/>
+                        </a:rPr>
+                        <a:t>id (PS) </a:t>
+                      </a:r>
+                      <a:r>
+                        <a:rPr lang="de-DE" sz="600" u="none" kern="1200" baseline="0" dirty="0">
+                          <a:solidFill>
+                            <a:srgbClr val="C00000"/>
+                          </a:solidFill>
+                          <a:latin typeface="Arial" panose="020B0604020202020204" pitchFamily="34" charset="0"/>
+                          <a:ea typeface="+mn-ea"/>
+                          <a:cs typeface="Arial" panose="020B0604020202020204" pitchFamily="34" charset="0"/>
+                          <a:sym typeface="Wingdings" panose="05000000000000000000" pitchFamily="2" charset="2"/>
+                        </a:rPr>
+                        <a:t>=&gt; </a:t>
+                      </a:r>
+                      <a:r>
+                        <a:rPr lang="de-DE" sz="600" u="none" kern="1200" baseline="0" dirty="0" err="1">
+                          <a:solidFill>
+                            <a:srgbClr val="C00000"/>
+                          </a:solidFill>
+                          <a:latin typeface="Arial" panose="020B0604020202020204" pitchFamily="34" charset="0"/>
+                          <a:ea typeface="+mn-ea"/>
+                          <a:cs typeface="Arial" panose="020B0604020202020204" pitchFamily="34" charset="0"/>
+                          <a:sym typeface="Wingdings" panose="05000000000000000000" pitchFamily="2" charset="2"/>
+                        </a:rPr>
+                        <a:t>int</a:t>
+                      </a:r>
+                      <a:r>
+                        <a:rPr lang="de-DE" sz="600" u="none" kern="1200" baseline="0" dirty="0">
+                          <a:solidFill>
+                            <a:srgbClr val="C00000"/>
+                          </a:solidFill>
+                          <a:latin typeface="Arial" panose="020B0604020202020204" pitchFamily="34" charset="0"/>
+                          <a:ea typeface="+mn-ea"/>
+                          <a:cs typeface="Arial" panose="020B0604020202020204" pitchFamily="34" charset="0"/>
+                          <a:sym typeface="Wingdings" panose="05000000000000000000" pitchFamily="2" charset="2"/>
+                        </a:rPr>
+                        <a:t> + </a:t>
+                      </a:r>
+                      <a:r>
+                        <a:rPr lang="de-DE" sz="600" u="none" baseline="0" dirty="0">
+                          <a:solidFill>
+                            <a:srgbClr val="C00000"/>
+                          </a:solidFill>
+                          <a:latin typeface="Arial" panose="020B0604020202020204" pitchFamily="34" charset="0"/>
+                          <a:cs typeface="Arial" panose="020B0604020202020204" pitchFamily="34" charset="0"/>
+                          <a:sym typeface="Wingdings" panose="05000000000000000000" pitchFamily="2" charset="2"/>
+                        </a:rPr>
+                        <a:t>auto-</a:t>
+                      </a:r>
+                      <a:r>
+                        <a:rPr lang="de-DE" sz="600" u="none" baseline="0" dirty="0" err="1">
+                          <a:solidFill>
+                            <a:srgbClr val="C00000"/>
+                          </a:solidFill>
+                          <a:latin typeface="Arial" panose="020B0604020202020204" pitchFamily="34" charset="0"/>
+                          <a:cs typeface="Arial" panose="020B0604020202020204" pitchFamily="34" charset="0"/>
+                          <a:sym typeface="Wingdings" panose="05000000000000000000" pitchFamily="2" charset="2"/>
+                        </a:rPr>
+                        <a:t>increment</a:t>
+                      </a:r>
+                      <a:r>
+                        <a:rPr lang="de-DE" sz="600" u="none" baseline="0" dirty="0">
+                          <a:solidFill>
+                            <a:srgbClr val="C00000"/>
+                          </a:solidFill>
+                          <a:latin typeface="Arial" panose="020B0604020202020204" pitchFamily="34" charset="0"/>
+                          <a:cs typeface="Arial" panose="020B0604020202020204" pitchFamily="34" charset="0"/>
+                          <a:sym typeface="Wingdings" panose="05000000000000000000" pitchFamily="2" charset="2"/>
+                        </a:rPr>
+                        <a:t>, </a:t>
+                      </a:r>
+                      <a:r>
+                        <a:rPr lang="de-DE" sz="600" u="none" baseline="0" dirty="0">
+                          <a:solidFill>
+                            <a:srgbClr val="00B0F0"/>
+                          </a:solidFill>
+                          <a:latin typeface="Arial" panose="020B0604020202020204" pitchFamily="34" charset="0"/>
+                          <a:cs typeface="Arial" panose="020B0604020202020204" pitchFamily="34" charset="0"/>
+                          <a:sym typeface="Wingdings" panose="05000000000000000000" pitchFamily="2" charset="2"/>
+                        </a:rPr>
+                        <a:t>kein Default-Wert</a:t>
+                      </a:r>
+                      <a:endParaRPr lang="de-DE" sz="600" u="none" kern="1200" baseline="0" dirty="0">
+                        <a:solidFill>
+                          <a:srgbClr val="C00000"/>
+                        </a:solidFill>
+                        <a:latin typeface="Arial" panose="020B0604020202020204" pitchFamily="34" charset="0"/>
+                        <a:ea typeface="+mn-ea"/>
+                        <a:cs typeface="Arial" panose="020B0604020202020204" pitchFamily="34" charset="0"/>
+                        <a:sym typeface="Wingdings" panose="05000000000000000000" pitchFamily="2" charset="2"/>
+                      </a:endParaRPr>
+                    </a:p>
+                    <a:p>
+                      <a:r>
+                        <a:rPr lang="de-DE" sz="1100" u="sng" baseline="0" dirty="0">
+                          <a:latin typeface="Arial" panose="020B0604020202020204" pitchFamily="34" charset="0"/>
+                          <a:cs typeface="Arial" panose="020B0604020202020204" pitchFamily="34" charset="0"/>
+                          <a:sym typeface="Wingdings" panose="05000000000000000000" pitchFamily="2" charset="2"/>
+                        </a:rPr>
+                        <a:t>templatename</a:t>
+                      </a:r>
+                      <a:r>
+                        <a:rPr lang="de-DE" sz="1100" u="none" baseline="0" dirty="0">
+                          <a:latin typeface="Arial" panose="020B0604020202020204" pitchFamily="34" charset="0"/>
+                          <a:cs typeface="Arial" panose="020B0604020202020204" pitchFamily="34" charset="0"/>
+                          <a:sym typeface="Wingdings" panose="05000000000000000000" pitchFamily="2" charset="2"/>
+                        </a:rPr>
+                        <a:t> </a:t>
+                      </a:r>
+                      <a:r>
+                        <a:rPr lang="de-DE" sz="600" u="none" kern="1200" baseline="0" dirty="0">
+                          <a:solidFill>
+                            <a:srgbClr val="C00000"/>
+                          </a:solidFill>
+                          <a:latin typeface="Arial" panose="020B0604020202020204" pitchFamily="34" charset="0"/>
+                          <a:ea typeface="+mn-ea"/>
+                          <a:cs typeface="Arial" panose="020B0604020202020204" pitchFamily="34" charset="0"/>
+                          <a:sym typeface="Wingdings" panose="05000000000000000000" pitchFamily="2" charset="2"/>
+                        </a:rPr>
+                        <a:t>=&gt; </a:t>
+                      </a:r>
+                      <a:r>
+                        <a:rPr lang="de-DE" sz="600" u="none" kern="1200" baseline="0" dirty="0" err="1">
+                          <a:solidFill>
+                            <a:srgbClr val="C00000"/>
+                          </a:solidFill>
+                          <a:latin typeface="Arial" panose="020B0604020202020204" pitchFamily="34" charset="0"/>
+                          <a:ea typeface="+mn-ea"/>
+                          <a:cs typeface="Arial" panose="020B0604020202020204" pitchFamily="34" charset="0"/>
+                          <a:sym typeface="Wingdings" panose="05000000000000000000" pitchFamily="2" charset="2"/>
+                        </a:rPr>
+                        <a:t>varchar</a:t>
+                      </a:r>
+                      <a:r>
+                        <a:rPr lang="de-DE" sz="600" u="none" kern="1200" baseline="0" dirty="0">
+                          <a:solidFill>
+                            <a:srgbClr val="C00000"/>
+                          </a:solidFill>
+                          <a:latin typeface="Arial" panose="020B0604020202020204" pitchFamily="34" charset="0"/>
+                          <a:ea typeface="+mn-ea"/>
+                          <a:cs typeface="Arial" panose="020B0604020202020204" pitchFamily="34" charset="0"/>
+                          <a:sym typeface="Wingdings" panose="05000000000000000000" pitchFamily="2" charset="2"/>
+                        </a:rPr>
+                        <a:t>[255],</a:t>
+                      </a:r>
+                      <a:r>
+                        <a:rPr lang="de-DE" sz="600" u="none" baseline="0" dirty="0">
+                          <a:solidFill>
+                            <a:srgbClr val="00B0F0"/>
+                          </a:solidFill>
+                          <a:latin typeface="Arial" panose="020B0604020202020204" pitchFamily="34" charset="0"/>
+                          <a:cs typeface="Arial" panose="020B0604020202020204" pitchFamily="34" charset="0"/>
+                          <a:sym typeface="Wingdings" panose="05000000000000000000" pitchFamily="2" charset="2"/>
+                        </a:rPr>
+                        <a:t> kein Default-Wert</a:t>
+                      </a:r>
+                      <a:endParaRPr lang="de-DE" sz="600" u="none" kern="1200" baseline="0" dirty="0">
+                        <a:solidFill>
+                          <a:srgbClr val="C00000"/>
+                        </a:solidFill>
+                        <a:latin typeface="Arial" panose="020B0604020202020204" pitchFamily="34" charset="0"/>
+                        <a:ea typeface="+mn-ea"/>
+                        <a:cs typeface="Arial" panose="020B0604020202020204" pitchFamily="34" charset="0"/>
+                        <a:sym typeface="Wingdings" panose="05000000000000000000" pitchFamily="2" charset="2"/>
+                      </a:endParaRPr>
+                    </a:p>
+                    <a:p>
+                      <a:r>
+                        <a:rPr lang="de-DE" sz="1100" u="none" baseline="0" dirty="0" err="1">
+                          <a:latin typeface="Arial" panose="020B0604020202020204" pitchFamily="34" charset="0"/>
+                          <a:cs typeface="Arial" panose="020B0604020202020204" pitchFamily="34" charset="0"/>
+                          <a:sym typeface="Wingdings" panose="05000000000000000000" pitchFamily="2" charset="2"/>
+                        </a:rPr>
+                        <a:t>filelink</a:t>
+                      </a:r>
+                      <a:r>
+                        <a:rPr lang="de-DE" sz="1100" u="none" baseline="0" dirty="0">
+                          <a:latin typeface="Arial" panose="020B0604020202020204" pitchFamily="34" charset="0"/>
+                          <a:cs typeface="Arial" panose="020B0604020202020204" pitchFamily="34" charset="0"/>
+                          <a:sym typeface="Wingdings" panose="05000000000000000000" pitchFamily="2" charset="2"/>
+                        </a:rPr>
+                        <a:t> </a:t>
+                      </a:r>
+                      <a:r>
+                        <a:rPr lang="de-DE" sz="600" u="none" kern="1200" baseline="0" dirty="0">
+                          <a:solidFill>
+                            <a:srgbClr val="C00000"/>
+                          </a:solidFill>
+                          <a:latin typeface="Arial" panose="020B0604020202020204" pitchFamily="34" charset="0"/>
+                          <a:ea typeface="+mn-ea"/>
+                          <a:cs typeface="Arial" panose="020B0604020202020204" pitchFamily="34" charset="0"/>
+                          <a:sym typeface="Wingdings" panose="05000000000000000000" pitchFamily="2" charset="2"/>
+                        </a:rPr>
+                        <a:t>=&gt; </a:t>
+                      </a:r>
+                      <a:r>
+                        <a:rPr lang="de-DE" sz="600" u="none" kern="1200" baseline="0" dirty="0" err="1">
+                          <a:solidFill>
+                            <a:srgbClr val="C00000"/>
+                          </a:solidFill>
+                          <a:latin typeface="Arial" panose="020B0604020202020204" pitchFamily="34" charset="0"/>
+                          <a:ea typeface="+mn-ea"/>
+                          <a:cs typeface="Arial" panose="020B0604020202020204" pitchFamily="34" charset="0"/>
+                          <a:sym typeface="Wingdings" panose="05000000000000000000" pitchFamily="2" charset="2"/>
+                        </a:rPr>
+                        <a:t>text</a:t>
+                      </a:r>
+                      <a:r>
+                        <a:rPr lang="de-DE" sz="600" u="none" kern="1200" baseline="0" dirty="0">
+                          <a:solidFill>
+                            <a:srgbClr val="C00000"/>
+                          </a:solidFill>
+                          <a:latin typeface="Arial" panose="020B0604020202020204" pitchFamily="34" charset="0"/>
+                          <a:ea typeface="+mn-ea"/>
+                          <a:cs typeface="Arial" panose="020B0604020202020204" pitchFamily="34" charset="0"/>
+                          <a:sym typeface="Wingdings" panose="05000000000000000000" pitchFamily="2" charset="2"/>
+                        </a:rPr>
+                        <a:t>,</a:t>
+                      </a:r>
+                      <a:r>
+                        <a:rPr lang="de-DE" sz="600" u="none" baseline="0" dirty="0">
+                          <a:solidFill>
+                            <a:srgbClr val="00B0F0"/>
+                          </a:solidFill>
+                          <a:latin typeface="Arial" panose="020B0604020202020204" pitchFamily="34" charset="0"/>
+                          <a:cs typeface="Arial" panose="020B0604020202020204" pitchFamily="34" charset="0"/>
+                          <a:sym typeface="Wingdings" panose="05000000000000000000" pitchFamily="2" charset="2"/>
+                        </a:rPr>
+                        <a:t> kein Default-Wert</a:t>
+                      </a:r>
+                      <a:endParaRPr lang="de-DE" sz="600" u="none" kern="1200" baseline="0" dirty="0">
+                        <a:solidFill>
+                          <a:srgbClr val="C00000"/>
+                        </a:solidFill>
+                        <a:latin typeface="Arial" panose="020B0604020202020204" pitchFamily="34" charset="0"/>
+                        <a:ea typeface="+mn-ea"/>
+                        <a:cs typeface="Arial" panose="020B0604020202020204" pitchFamily="34" charset="0"/>
+                        <a:sym typeface="Wingdings" panose="05000000000000000000" pitchFamily="2" charset="2"/>
+                      </a:endParaRPr>
+                    </a:p>
+                  </a:txBody>
+                  <a:tcPr/>
+                </a:tc>
+                <a:extLst>
+                  <a:ext uri="{0D108BD9-81ED-4DB2-BD59-A6C34878D82A}">
+                    <a16:rowId xmlns:a16="http://schemas.microsoft.com/office/drawing/2014/main" val="10001"/>
+                  </a:ext>
+                </a:extLst>
+              </a:tr>
+            </a:tbl>
+          </a:graphicData>
+        </a:graphic>
+      </p:graphicFrame>
+      <p:graphicFrame>
+        <p:nvGraphicFramePr>
+          <p:cNvPr id="49" name="Tabelle 48"/>
+          <p:cNvGraphicFramePr>
+            <a:graphicFrameLocks noGrp="1"/>
+          </p:cNvGraphicFramePr>
+          <p:nvPr>
+            <p:extLst/>
+          </p:nvPr>
+        </p:nvGraphicFramePr>
+        <p:xfrm>
+          <a:off x="5953570" y="3402707"/>
+          <a:ext cx="2057396" cy="820345"/>
+        </p:xfrm>
+        <a:graphic>
+          <a:graphicData uri="http://schemas.openxmlformats.org/drawingml/2006/table">
+            <a:tbl>
+              <a:tblPr firstRow="1" bandRow="1">
+                <a:tableStyleId>{F2DE63D5-997A-4646-A377-4702673A728D}</a:tableStyleId>
+              </a:tblPr>
+              <a:tblGrid>
+                <a:gridCol w="2057396">
+                  <a:extLst>
+                    <a:ext uri="{9D8B030D-6E8A-4147-A177-3AD203B41FA5}">
+                      <a16:colId xmlns:a16="http://schemas.microsoft.com/office/drawing/2014/main" val="20000"/>
+                    </a:ext>
+                  </a:extLst>
+                </a:gridCol>
+              </a:tblGrid>
+              <a:tr h="274320">
+                <a:tc>
+                  <a:txBody>
+                    <a:bodyPr/>
+                    <a:lstStyle/>
+                    <a:p>
+                      <a:pPr marL="0" marR="0" indent="0" algn="l" defTabSz="914400" rtl="0" eaLnBrk="1" fontAlgn="auto" latinLnBrk="0" hangingPunct="1">
+                        <a:lnSpc>
+                          <a:spcPct val="100000"/>
+                        </a:lnSpc>
+                        <a:spcBef>
+                          <a:spcPts val="0"/>
+                        </a:spcBef>
+                        <a:spcAft>
+                          <a:spcPts val="0"/>
+                        </a:spcAft>
+                        <a:buClrTx/>
+                        <a:buSzTx/>
+                        <a:buFontTx/>
+                        <a:buNone/>
+                        <a:tabLst/>
+                        <a:defRPr/>
+                      </a:pPr>
+                      <a:r>
+                        <a:rPr lang="de-DE" sz="1200" b="1" dirty="0" err="1">
+                          <a:solidFill>
+                            <a:schemeClr val="tx1"/>
+                          </a:solidFill>
+                          <a:latin typeface="Arial" panose="020B0604020202020204" pitchFamily="34" charset="0"/>
+                          <a:cs typeface="Arial" panose="020B0604020202020204" pitchFamily="34" charset="0"/>
+                        </a:rPr>
+                        <a:t>Lable_User</a:t>
+                      </a:r>
+                      <a:endParaRPr lang="de-DE" sz="1200" b="1" dirty="0">
+                        <a:solidFill>
+                          <a:schemeClr val="tx1"/>
+                        </a:solidFill>
+                        <a:latin typeface="Arial" panose="020B0604020202020204" pitchFamily="34" charset="0"/>
+                        <a:cs typeface="Arial" panose="020B0604020202020204" pitchFamily="34" charset="0"/>
+                      </a:endParaRPr>
+                    </a:p>
+                  </a:txBody>
+                  <a:tcPr/>
+                </a:tc>
+                <a:extLst>
+                  <a:ext uri="{0D108BD9-81ED-4DB2-BD59-A6C34878D82A}">
+                    <a16:rowId xmlns:a16="http://schemas.microsoft.com/office/drawing/2014/main" val="10000"/>
+                  </a:ext>
+                </a:extLst>
+              </a:tr>
+              <a:tr h="546025">
+                <a:tc>
+                  <a:txBody>
+                    <a:bodyPr/>
+                    <a:lstStyle/>
+                    <a:p>
+                      <a:pPr marL="0" marR="0" lvl="0" indent="0" algn="l" defTabSz="914400" rtl="0" eaLnBrk="1" fontAlgn="auto" latinLnBrk="0" hangingPunct="1">
+                        <a:lnSpc>
+                          <a:spcPct val="100000"/>
+                        </a:lnSpc>
+                        <a:spcBef>
+                          <a:spcPts val="0"/>
+                        </a:spcBef>
+                        <a:spcAft>
+                          <a:spcPts val="0"/>
+                        </a:spcAft>
+                        <a:buClrTx/>
+                        <a:buSzTx/>
+                        <a:buFontTx/>
+                        <a:buNone/>
+                        <a:tabLst/>
+                        <a:defRPr/>
+                      </a:pPr>
+                      <a:r>
+                        <a:rPr lang="de-DE" sz="1100" u="sng" baseline="0" dirty="0" err="1">
+                          <a:latin typeface="Arial" panose="020B0604020202020204" pitchFamily="34" charset="0"/>
+                          <a:cs typeface="Arial" panose="020B0604020202020204" pitchFamily="34" charset="0"/>
+                          <a:sym typeface="Wingdings" panose="05000000000000000000" pitchFamily="2" charset="2"/>
+                        </a:rPr>
+                        <a:t>lable_id</a:t>
+                      </a:r>
+                      <a:r>
+                        <a:rPr lang="de-DE" sz="1100" u="sng" baseline="0" dirty="0">
+                          <a:latin typeface="Arial" panose="020B0604020202020204" pitchFamily="34" charset="0"/>
+                          <a:cs typeface="Arial" panose="020B0604020202020204" pitchFamily="34" charset="0"/>
+                          <a:sym typeface="Wingdings" panose="05000000000000000000" pitchFamily="2" charset="2"/>
+                        </a:rPr>
+                        <a:t> </a:t>
+                      </a:r>
+                      <a:r>
+                        <a:rPr lang="de-DE" sz="1100" u="none" baseline="0" dirty="0">
+                          <a:latin typeface="Arial" panose="020B0604020202020204" pitchFamily="34" charset="0"/>
+                          <a:cs typeface="Arial" panose="020B0604020202020204" pitchFamily="34" charset="0"/>
+                          <a:sym typeface="Wingdings" panose="05000000000000000000" pitchFamily="2" charset="2"/>
+                        </a:rPr>
+                        <a:t>(FS) </a:t>
+                      </a:r>
+                      <a:r>
+                        <a:rPr lang="de-DE" sz="600" u="none" kern="1200" baseline="0" dirty="0">
+                          <a:solidFill>
+                            <a:srgbClr val="C00000"/>
+                          </a:solidFill>
+                          <a:latin typeface="Arial" panose="020B0604020202020204" pitchFamily="34" charset="0"/>
+                          <a:ea typeface="+mn-ea"/>
+                          <a:cs typeface="Arial" panose="020B0604020202020204" pitchFamily="34" charset="0"/>
+                          <a:sym typeface="Wingdings" panose="05000000000000000000" pitchFamily="2" charset="2"/>
+                        </a:rPr>
+                        <a:t>=&gt; </a:t>
+                      </a:r>
+                      <a:r>
+                        <a:rPr lang="de-DE" sz="600" u="none" kern="1200" baseline="0" dirty="0" err="1">
+                          <a:solidFill>
+                            <a:srgbClr val="C00000"/>
+                          </a:solidFill>
+                          <a:latin typeface="Arial" panose="020B0604020202020204" pitchFamily="34" charset="0"/>
+                          <a:ea typeface="+mn-ea"/>
+                          <a:cs typeface="Arial" panose="020B0604020202020204" pitchFamily="34" charset="0"/>
+                          <a:sym typeface="Wingdings" panose="05000000000000000000" pitchFamily="2" charset="2"/>
+                        </a:rPr>
+                        <a:t>int</a:t>
+                      </a:r>
+                      <a:r>
+                        <a:rPr lang="de-DE" sz="600" u="none" kern="1200" baseline="0" dirty="0">
+                          <a:solidFill>
+                            <a:srgbClr val="C00000"/>
+                          </a:solidFill>
+                          <a:latin typeface="Arial" panose="020B0604020202020204" pitchFamily="34" charset="0"/>
+                          <a:ea typeface="+mn-ea"/>
+                          <a:cs typeface="Arial" panose="020B0604020202020204" pitchFamily="34" charset="0"/>
+                          <a:sym typeface="Wingdings" panose="05000000000000000000" pitchFamily="2" charset="2"/>
+                        </a:rPr>
+                        <a:t>, </a:t>
+                      </a:r>
+                      <a:r>
+                        <a:rPr lang="de-DE" sz="600" u="none" baseline="0" dirty="0">
+                          <a:solidFill>
+                            <a:srgbClr val="00B0F0"/>
+                          </a:solidFill>
+                          <a:latin typeface="Arial" panose="020B0604020202020204" pitchFamily="34" charset="0"/>
+                          <a:cs typeface="Arial" panose="020B0604020202020204" pitchFamily="34" charset="0"/>
+                          <a:sym typeface="Wingdings" panose="05000000000000000000" pitchFamily="2" charset="2"/>
+                        </a:rPr>
+                        <a:t>kein Default-Wert</a:t>
+                      </a:r>
+                      <a:endParaRPr lang="de-DE" sz="600" u="none" kern="1200" baseline="0" dirty="0">
+                        <a:solidFill>
+                          <a:srgbClr val="C00000"/>
+                        </a:solidFill>
+                        <a:latin typeface="Arial" panose="020B0604020202020204" pitchFamily="34" charset="0"/>
+                        <a:ea typeface="+mn-ea"/>
+                        <a:cs typeface="Arial" panose="020B0604020202020204" pitchFamily="34" charset="0"/>
+                        <a:sym typeface="Wingdings" panose="05000000000000000000" pitchFamily="2" charset="2"/>
+                      </a:endParaRPr>
+                    </a:p>
+                    <a:p>
+                      <a:pPr marL="0" marR="0" lvl="0" indent="0" algn="l" defTabSz="914400" rtl="0" eaLnBrk="1" fontAlgn="auto" latinLnBrk="0" hangingPunct="1">
+                        <a:lnSpc>
+                          <a:spcPct val="100000"/>
+                        </a:lnSpc>
+                        <a:spcBef>
+                          <a:spcPts val="0"/>
+                        </a:spcBef>
+                        <a:spcAft>
+                          <a:spcPts val="0"/>
+                        </a:spcAft>
+                        <a:buClrTx/>
+                        <a:buSzTx/>
+                        <a:buFontTx/>
+                        <a:buNone/>
+                        <a:tabLst/>
+                        <a:defRPr/>
+                      </a:pPr>
+                      <a:r>
+                        <a:rPr lang="de-DE" sz="1100" u="sng" baseline="0" dirty="0" err="1">
+                          <a:latin typeface="Arial" panose="020B0604020202020204" pitchFamily="34" charset="0"/>
+                          <a:cs typeface="Arial" panose="020B0604020202020204" pitchFamily="34" charset="0"/>
+                          <a:sym typeface="Wingdings" panose="05000000000000000000" pitchFamily="2" charset="2"/>
+                        </a:rPr>
+                        <a:t>user_id</a:t>
+                      </a:r>
+                      <a:r>
+                        <a:rPr lang="de-DE" sz="1100" u="none" baseline="0" dirty="0">
+                          <a:latin typeface="Arial" panose="020B0604020202020204" pitchFamily="34" charset="0"/>
+                          <a:cs typeface="Arial" panose="020B0604020202020204" pitchFamily="34" charset="0"/>
+                          <a:sym typeface="Wingdings" panose="05000000000000000000" pitchFamily="2" charset="2"/>
+                        </a:rPr>
+                        <a:t> (FS)  </a:t>
+                      </a:r>
+                      <a:r>
+                        <a:rPr lang="de-DE" sz="600" u="none" kern="1200" baseline="0" dirty="0">
+                          <a:solidFill>
+                            <a:srgbClr val="C00000"/>
+                          </a:solidFill>
+                          <a:latin typeface="Arial" panose="020B0604020202020204" pitchFamily="34" charset="0"/>
+                          <a:ea typeface="+mn-ea"/>
+                          <a:cs typeface="Arial" panose="020B0604020202020204" pitchFamily="34" charset="0"/>
+                          <a:sym typeface="Wingdings" panose="05000000000000000000" pitchFamily="2" charset="2"/>
+                        </a:rPr>
+                        <a:t>=&gt; </a:t>
+                      </a:r>
+                      <a:r>
+                        <a:rPr lang="de-DE" sz="600" u="none" kern="1200" baseline="0" dirty="0" err="1">
+                          <a:solidFill>
+                            <a:srgbClr val="C00000"/>
+                          </a:solidFill>
+                          <a:latin typeface="Arial" panose="020B0604020202020204" pitchFamily="34" charset="0"/>
+                          <a:ea typeface="+mn-ea"/>
+                          <a:cs typeface="Arial" panose="020B0604020202020204" pitchFamily="34" charset="0"/>
+                          <a:sym typeface="Wingdings" panose="05000000000000000000" pitchFamily="2" charset="2"/>
+                        </a:rPr>
+                        <a:t>int</a:t>
+                      </a:r>
+                      <a:r>
+                        <a:rPr lang="de-DE" sz="600" u="none" kern="1200" baseline="0" dirty="0">
+                          <a:solidFill>
+                            <a:srgbClr val="C00000"/>
+                          </a:solidFill>
+                          <a:latin typeface="Arial" panose="020B0604020202020204" pitchFamily="34" charset="0"/>
+                          <a:ea typeface="+mn-ea"/>
+                          <a:cs typeface="Arial" panose="020B0604020202020204" pitchFamily="34" charset="0"/>
+                          <a:sym typeface="Wingdings" panose="05000000000000000000" pitchFamily="2" charset="2"/>
+                        </a:rPr>
+                        <a:t>, </a:t>
+                      </a:r>
+                      <a:r>
+                        <a:rPr lang="de-DE" sz="600" u="none" baseline="0" dirty="0">
+                          <a:solidFill>
+                            <a:srgbClr val="00B0F0"/>
+                          </a:solidFill>
+                          <a:latin typeface="Arial" panose="020B0604020202020204" pitchFamily="34" charset="0"/>
+                          <a:cs typeface="Arial" panose="020B0604020202020204" pitchFamily="34" charset="0"/>
+                          <a:sym typeface="Wingdings" panose="05000000000000000000" pitchFamily="2" charset="2"/>
+                        </a:rPr>
+                        <a:t>kein Default-Wert</a:t>
+                      </a:r>
+                      <a:endParaRPr lang="de-DE" sz="600" u="none" kern="1200" baseline="0" dirty="0">
+                        <a:solidFill>
+                          <a:srgbClr val="C00000"/>
+                        </a:solidFill>
+                        <a:latin typeface="Arial" panose="020B0604020202020204" pitchFamily="34" charset="0"/>
+                        <a:ea typeface="+mn-ea"/>
+                        <a:cs typeface="Arial" panose="020B0604020202020204" pitchFamily="34" charset="0"/>
+                        <a:sym typeface="Wingdings" panose="05000000000000000000" pitchFamily="2" charset="2"/>
+                      </a:endParaRPr>
+                    </a:p>
+                    <a:p>
+                      <a:endParaRPr lang="de-DE" sz="600" u="none" kern="1200" baseline="0" dirty="0">
+                        <a:solidFill>
+                          <a:srgbClr val="C00000"/>
+                        </a:solidFill>
+                        <a:latin typeface="Arial" panose="020B0604020202020204" pitchFamily="34" charset="0"/>
+                        <a:ea typeface="+mn-ea"/>
+                        <a:cs typeface="Arial" panose="020B0604020202020204" pitchFamily="34" charset="0"/>
+                        <a:sym typeface="Wingdings" panose="05000000000000000000" pitchFamily="2" charset="2"/>
+                      </a:endParaRPr>
+                    </a:p>
+                  </a:txBody>
+                  <a:tcPr/>
+                </a:tc>
+                <a:extLst>
+                  <a:ext uri="{0D108BD9-81ED-4DB2-BD59-A6C34878D82A}">
+                    <a16:rowId xmlns:a16="http://schemas.microsoft.com/office/drawing/2014/main" val="10001"/>
+                  </a:ext>
+                </a:extLst>
+              </a:tr>
+            </a:tbl>
+          </a:graphicData>
+        </a:graphic>
+      </p:graphicFrame>
+      <p:graphicFrame>
+        <p:nvGraphicFramePr>
+          <p:cNvPr id="51" name="Tabelle 50"/>
+          <p:cNvGraphicFramePr>
+            <a:graphicFrameLocks noGrp="1"/>
+          </p:cNvGraphicFramePr>
+          <p:nvPr>
+            <p:extLst/>
+          </p:nvPr>
+        </p:nvGraphicFramePr>
+        <p:xfrm>
+          <a:off x="3527676" y="5294858"/>
+          <a:ext cx="1440160" cy="938170"/>
+        </p:xfrm>
+        <a:graphic>
+          <a:graphicData uri="http://schemas.openxmlformats.org/drawingml/2006/table">
+            <a:tbl>
+              <a:tblPr firstRow="1" bandRow="1">
+                <a:tableStyleId>{F2DE63D5-997A-4646-A377-4702673A728D}</a:tableStyleId>
+              </a:tblPr>
+              <a:tblGrid>
+                <a:gridCol w="1440160">
+                  <a:extLst>
+                    <a:ext uri="{9D8B030D-6E8A-4147-A177-3AD203B41FA5}">
+                      <a16:colId xmlns:a16="http://schemas.microsoft.com/office/drawing/2014/main" val="20000"/>
+                    </a:ext>
+                  </a:extLst>
+                </a:gridCol>
+              </a:tblGrid>
+              <a:tr h="294382">
+                <a:tc>
+                  <a:txBody>
+                    <a:bodyPr/>
+                    <a:lstStyle/>
+                    <a:p>
+                      <a:pPr marL="0" marR="0" indent="0" algn="l" defTabSz="914400" rtl="0" eaLnBrk="1" fontAlgn="auto" latinLnBrk="0" hangingPunct="1">
+                        <a:lnSpc>
+                          <a:spcPct val="100000"/>
+                        </a:lnSpc>
+                        <a:spcBef>
+                          <a:spcPts val="0"/>
+                        </a:spcBef>
+                        <a:spcAft>
+                          <a:spcPts val="0"/>
+                        </a:spcAft>
+                        <a:buClrTx/>
+                        <a:buSzTx/>
+                        <a:buFontTx/>
+                        <a:buNone/>
+                        <a:tabLst/>
+                        <a:defRPr/>
+                      </a:pPr>
+                      <a:r>
+                        <a:rPr lang="de-DE" sz="1200" b="1" dirty="0" err="1">
+                          <a:solidFill>
+                            <a:schemeClr val="tx1"/>
+                          </a:solidFill>
+                          <a:latin typeface="Arial" panose="020B0604020202020204" pitchFamily="34" charset="0"/>
+                          <a:cs typeface="Arial" panose="020B0604020202020204" pitchFamily="34" charset="0"/>
+                        </a:rPr>
+                        <a:t>Lable_Article</a:t>
+                      </a:r>
+                      <a:endParaRPr lang="de-DE" sz="1200" b="1" dirty="0">
+                        <a:solidFill>
+                          <a:schemeClr val="tx1"/>
+                        </a:solidFill>
+                        <a:latin typeface="Arial" panose="020B0604020202020204" pitchFamily="34" charset="0"/>
+                        <a:cs typeface="Arial" panose="020B0604020202020204" pitchFamily="34" charset="0"/>
+                      </a:endParaRPr>
+                    </a:p>
+                  </a:txBody>
+                  <a:tcPr/>
+                </a:tc>
+                <a:extLst>
+                  <a:ext uri="{0D108BD9-81ED-4DB2-BD59-A6C34878D82A}">
+                    <a16:rowId xmlns:a16="http://schemas.microsoft.com/office/drawing/2014/main" val="10000"/>
+                  </a:ext>
+                </a:extLst>
+              </a:tr>
+              <a:tr h="643788">
+                <a:tc>
+                  <a:txBody>
+                    <a:bodyPr/>
+                    <a:lstStyle/>
+                    <a:p>
+                      <a:pPr marL="0" marR="0" lvl="0" indent="0" algn="l" defTabSz="914400" rtl="0" eaLnBrk="1" fontAlgn="auto" latinLnBrk="0" hangingPunct="1">
+                        <a:lnSpc>
+                          <a:spcPct val="100000"/>
+                        </a:lnSpc>
+                        <a:spcBef>
+                          <a:spcPts val="0"/>
+                        </a:spcBef>
+                        <a:spcAft>
+                          <a:spcPts val="0"/>
+                        </a:spcAft>
+                        <a:buClrTx/>
+                        <a:buSzTx/>
+                        <a:buFontTx/>
+                        <a:buNone/>
+                        <a:tabLst/>
+                        <a:defRPr/>
+                      </a:pPr>
+                      <a:r>
+                        <a:rPr lang="de-DE" sz="1100" u="sng" baseline="0" dirty="0" err="1">
+                          <a:latin typeface="Arial" panose="020B0604020202020204" pitchFamily="34" charset="0"/>
+                          <a:cs typeface="Arial" panose="020B0604020202020204" pitchFamily="34" charset="0"/>
+                          <a:sym typeface="Wingdings" panose="05000000000000000000" pitchFamily="2" charset="2"/>
+                        </a:rPr>
+                        <a:t>lable_id</a:t>
+                      </a:r>
+                      <a:r>
+                        <a:rPr lang="de-DE" sz="1100" u="sng" baseline="0" dirty="0">
+                          <a:latin typeface="Arial" panose="020B0604020202020204" pitchFamily="34" charset="0"/>
+                          <a:cs typeface="Arial" panose="020B0604020202020204" pitchFamily="34" charset="0"/>
+                          <a:sym typeface="Wingdings" panose="05000000000000000000" pitchFamily="2" charset="2"/>
+                        </a:rPr>
+                        <a:t> </a:t>
+                      </a:r>
+                      <a:r>
+                        <a:rPr lang="de-DE" sz="1100" u="none" baseline="0" dirty="0">
+                          <a:latin typeface="Arial" panose="020B0604020202020204" pitchFamily="34" charset="0"/>
+                          <a:cs typeface="Arial" panose="020B0604020202020204" pitchFamily="34" charset="0"/>
+                          <a:sym typeface="Wingdings" panose="05000000000000000000" pitchFamily="2" charset="2"/>
+                        </a:rPr>
+                        <a:t>(FS) </a:t>
+                      </a:r>
+                      <a:r>
+                        <a:rPr lang="de-DE" sz="600" u="none" kern="1200" baseline="0" dirty="0">
+                          <a:solidFill>
+                            <a:srgbClr val="C00000"/>
+                          </a:solidFill>
+                          <a:latin typeface="Arial" panose="020B0604020202020204" pitchFamily="34" charset="0"/>
+                          <a:ea typeface="+mn-ea"/>
+                          <a:cs typeface="Arial" panose="020B0604020202020204" pitchFamily="34" charset="0"/>
+                          <a:sym typeface="Wingdings" panose="05000000000000000000" pitchFamily="2" charset="2"/>
+                        </a:rPr>
+                        <a:t>=&gt; </a:t>
+                      </a:r>
+                      <a:r>
+                        <a:rPr lang="de-DE" sz="600" u="none" kern="1200" baseline="0" dirty="0" err="1">
+                          <a:solidFill>
+                            <a:srgbClr val="C00000"/>
+                          </a:solidFill>
+                          <a:latin typeface="Arial" panose="020B0604020202020204" pitchFamily="34" charset="0"/>
+                          <a:ea typeface="+mn-ea"/>
+                          <a:cs typeface="Arial" panose="020B0604020202020204" pitchFamily="34" charset="0"/>
+                          <a:sym typeface="Wingdings" panose="05000000000000000000" pitchFamily="2" charset="2"/>
+                        </a:rPr>
+                        <a:t>int</a:t>
+                      </a:r>
+                      <a:r>
+                        <a:rPr lang="de-DE" sz="600" u="none" kern="1200" baseline="0" dirty="0">
+                          <a:solidFill>
+                            <a:srgbClr val="C00000"/>
+                          </a:solidFill>
+                          <a:latin typeface="Arial" panose="020B0604020202020204" pitchFamily="34" charset="0"/>
+                          <a:ea typeface="+mn-ea"/>
+                          <a:cs typeface="Arial" panose="020B0604020202020204" pitchFamily="34" charset="0"/>
+                          <a:sym typeface="Wingdings" panose="05000000000000000000" pitchFamily="2" charset="2"/>
+                        </a:rPr>
+                        <a:t>, </a:t>
+                      </a:r>
+                      <a:r>
+                        <a:rPr lang="de-DE" sz="600" u="none" baseline="0" dirty="0">
+                          <a:solidFill>
+                            <a:srgbClr val="00B0F0"/>
+                          </a:solidFill>
+                          <a:latin typeface="Arial" panose="020B0604020202020204" pitchFamily="34" charset="0"/>
+                          <a:cs typeface="Arial" panose="020B0604020202020204" pitchFamily="34" charset="0"/>
+                          <a:sym typeface="Wingdings" panose="05000000000000000000" pitchFamily="2" charset="2"/>
+                        </a:rPr>
+                        <a:t>kein Default-Wert</a:t>
+                      </a:r>
+                      <a:endParaRPr lang="de-DE" sz="600" u="none" kern="1200" baseline="0" dirty="0">
+                        <a:solidFill>
+                          <a:srgbClr val="C00000"/>
+                        </a:solidFill>
+                        <a:latin typeface="Arial" panose="020B0604020202020204" pitchFamily="34" charset="0"/>
+                        <a:ea typeface="+mn-ea"/>
+                        <a:cs typeface="Arial" panose="020B0604020202020204" pitchFamily="34" charset="0"/>
+                        <a:sym typeface="Wingdings" panose="05000000000000000000" pitchFamily="2" charset="2"/>
+                      </a:endParaRPr>
+                    </a:p>
+                    <a:p>
+                      <a:pPr marL="0" marR="0" lvl="0" indent="0" algn="l" defTabSz="914400" rtl="0" eaLnBrk="1" fontAlgn="auto" latinLnBrk="0" hangingPunct="1">
+                        <a:lnSpc>
+                          <a:spcPct val="100000"/>
+                        </a:lnSpc>
+                        <a:spcBef>
+                          <a:spcPts val="0"/>
+                        </a:spcBef>
+                        <a:spcAft>
+                          <a:spcPts val="0"/>
+                        </a:spcAft>
+                        <a:buClrTx/>
+                        <a:buSzTx/>
+                        <a:buFontTx/>
+                        <a:buNone/>
+                        <a:tabLst/>
+                        <a:defRPr/>
+                      </a:pPr>
+                      <a:r>
+                        <a:rPr lang="de-DE" sz="1100" u="sng" baseline="0" dirty="0" err="1">
+                          <a:latin typeface="Arial" panose="020B0604020202020204" pitchFamily="34" charset="0"/>
+                          <a:cs typeface="Arial" panose="020B0604020202020204" pitchFamily="34" charset="0"/>
+                          <a:sym typeface="Wingdings" panose="05000000000000000000" pitchFamily="2" charset="2"/>
+                        </a:rPr>
+                        <a:t>article_id</a:t>
+                      </a:r>
+                      <a:r>
+                        <a:rPr lang="de-DE" sz="1100" i="0" u="none" baseline="0" dirty="0">
+                          <a:latin typeface="Arial" panose="020B0604020202020204" pitchFamily="34" charset="0"/>
+                          <a:cs typeface="Arial" panose="020B0604020202020204" pitchFamily="34" charset="0"/>
+                          <a:sym typeface="Wingdings" panose="05000000000000000000" pitchFamily="2" charset="2"/>
+                        </a:rPr>
+                        <a:t> </a:t>
+                      </a:r>
+                      <a:r>
+                        <a:rPr lang="de-DE" sz="1100" u="none" baseline="0" dirty="0">
+                          <a:latin typeface="Arial" panose="020B0604020202020204" pitchFamily="34" charset="0"/>
+                          <a:cs typeface="Arial" panose="020B0604020202020204" pitchFamily="34" charset="0"/>
+                          <a:sym typeface="Wingdings" panose="05000000000000000000" pitchFamily="2" charset="2"/>
+                        </a:rPr>
+                        <a:t>(FS) </a:t>
+                      </a:r>
+                      <a:r>
+                        <a:rPr lang="de-DE" sz="600" u="none" kern="1200" baseline="0" dirty="0">
+                          <a:solidFill>
+                            <a:srgbClr val="C00000"/>
+                          </a:solidFill>
+                          <a:latin typeface="Arial" panose="020B0604020202020204" pitchFamily="34" charset="0"/>
+                          <a:ea typeface="+mn-ea"/>
+                          <a:cs typeface="Arial" panose="020B0604020202020204" pitchFamily="34" charset="0"/>
+                          <a:sym typeface="Wingdings" panose="05000000000000000000" pitchFamily="2" charset="2"/>
+                        </a:rPr>
+                        <a:t>=&gt; </a:t>
+                      </a:r>
+                      <a:r>
+                        <a:rPr lang="de-DE" sz="600" u="none" kern="1200" baseline="0" dirty="0" err="1">
+                          <a:solidFill>
+                            <a:srgbClr val="C00000"/>
+                          </a:solidFill>
+                          <a:latin typeface="Arial" panose="020B0604020202020204" pitchFamily="34" charset="0"/>
+                          <a:ea typeface="+mn-ea"/>
+                          <a:cs typeface="Arial" panose="020B0604020202020204" pitchFamily="34" charset="0"/>
+                          <a:sym typeface="Wingdings" panose="05000000000000000000" pitchFamily="2" charset="2"/>
+                        </a:rPr>
+                        <a:t>int</a:t>
+                      </a:r>
+                      <a:r>
+                        <a:rPr lang="de-DE" sz="600" u="none" kern="1200" baseline="0" dirty="0">
+                          <a:solidFill>
+                            <a:srgbClr val="C00000"/>
+                          </a:solidFill>
+                          <a:latin typeface="Arial" panose="020B0604020202020204" pitchFamily="34" charset="0"/>
+                          <a:ea typeface="+mn-ea"/>
+                          <a:cs typeface="Arial" panose="020B0604020202020204" pitchFamily="34" charset="0"/>
+                          <a:sym typeface="Wingdings" panose="05000000000000000000" pitchFamily="2" charset="2"/>
+                        </a:rPr>
+                        <a:t>,</a:t>
+                      </a:r>
+                      <a:r>
+                        <a:rPr lang="de-DE" sz="800" u="none" baseline="0" dirty="0">
+                          <a:solidFill>
+                            <a:srgbClr val="00B0F0"/>
+                          </a:solidFill>
+                          <a:latin typeface="Arial" panose="020B0604020202020204" pitchFamily="34" charset="0"/>
+                          <a:cs typeface="Arial" panose="020B0604020202020204" pitchFamily="34" charset="0"/>
+                          <a:sym typeface="Wingdings" panose="05000000000000000000" pitchFamily="2" charset="2"/>
+                        </a:rPr>
+                        <a:t> </a:t>
+                      </a:r>
+                      <a:r>
+                        <a:rPr lang="de-DE" sz="600" u="none" kern="1200" baseline="0" dirty="0">
+                          <a:solidFill>
+                            <a:srgbClr val="00B0F0"/>
+                          </a:solidFill>
+                          <a:latin typeface="Arial" panose="020B0604020202020204" pitchFamily="34" charset="0"/>
+                          <a:ea typeface="+mn-ea"/>
+                          <a:cs typeface="Arial" panose="020B0604020202020204" pitchFamily="34" charset="0"/>
+                          <a:sym typeface="Wingdings" panose="05000000000000000000" pitchFamily="2" charset="2"/>
+                        </a:rPr>
+                        <a:t>kein Default-Wert</a:t>
+                      </a:r>
+                    </a:p>
+                  </a:txBody>
+                  <a:tcPr/>
+                </a:tc>
+                <a:extLst>
+                  <a:ext uri="{0D108BD9-81ED-4DB2-BD59-A6C34878D82A}">
+                    <a16:rowId xmlns:a16="http://schemas.microsoft.com/office/drawing/2014/main" val="10001"/>
+                  </a:ext>
+                </a:extLst>
+              </a:tr>
+            </a:tbl>
+          </a:graphicData>
+        </a:graphic>
+      </p:graphicFrame>
+      <p:graphicFrame>
+        <p:nvGraphicFramePr>
+          <p:cNvPr id="59" name="Tabelle 58"/>
+          <p:cNvGraphicFramePr>
+            <a:graphicFrameLocks noGrp="1"/>
+          </p:cNvGraphicFramePr>
+          <p:nvPr>
+            <p:extLst/>
+          </p:nvPr>
+        </p:nvGraphicFramePr>
+        <p:xfrm>
+          <a:off x="6090518" y="5210532"/>
+          <a:ext cx="1793850" cy="1051560"/>
+        </p:xfrm>
+        <a:graphic>
+          <a:graphicData uri="http://schemas.openxmlformats.org/drawingml/2006/table">
+            <a:tbl>
+              <a:tblPr firstRow="1" bandRow="1">
+                <a:tableStyleId>{F2DE63D5-997A-4646-A377-4702673A728D}</a:tableStyleId>
+              </a:tblPr>
+              <a:tblGrid>
+                <a:gridCol w="1793850">
+                  <a:extLst>
+                    <a:ext uri="{9D8B030D-6E8A-4147-A177-3AD203B41FA5}">
+                      <a16:colId xmlns:a16="http://schemas.microsoft.com/office/drawing/2014/main" val="20000"/>
+                    </a:ext>
+                  </a:extLst>
+                </a:gridCol>
+              </a:tblGrid>
+              <a:tr h="274320">
+                <a:tc>
+                  <a:txBody>
+                    <a:bodyPr/>
+                    <a:lstStyle/>
+                    <a:p>
+                      <a:pPr marL="0" marR="0" indent="0" algn="l" defTabSz="914400" rtl="0" eaLnBrk="1" fontAlgn="auto" latinLnBrk="0" hangingPunct="1">
+                        <a:lnSpc>
+                          <a:spcPct val="100000"/>
+                        </a:lnSpc>
+                        <a:spcBef>
+                          <a:spcPts val="0"/>
+                        </a:spcBef>
+                        <a:spcAft>
+                          <a:spcPts val="0"/>
+                        </a:spcAft>
+                        <a:buClrTx/>
+                        <a:buSzTx/>
+                        <a:buFontTx/>
+                        <a:buNone/>
+                        <a:tabLst/>
+                        <a:defRPr/>
+                      </a:pPr>
+                      <a:r>
+                        <a:rPr lang="de-DE" sz="1200" b="1" dirty="0" err="1">
+                          <a:solidFill>
+                            <a:schemeClr val="tx1"/>
+                          </a:solidFill>
+                          <a:latin typeface="Arial" panose="020B0604020202020204" pitchFamily="34" charset="0"/>
+                          <a:cs typeface="Arial" panose="020B0604020202020204" pitchFamily="34" charset="0"/>
+                        </a:rPr>
+                        <a:t>Lable</a:t>
+                      </a:r>
+                      <a:endParaRPr lang="de-DE" sz="1200" b="1" dirty="0">
+                        <a:solidFill>
+                          <a:schemeClr val="tx1"/>
+                        </a:solidFill>
+                        <a:latin typeface="Arial" panose="020B0604020202020204" pitchFamily="34" charset="0"/>
+                        <a:cs typeface="Arial" panose="020B0604020202020204" pitchFamily="34" charset="0"/>
+                      </a:endParaRPr>
+                    </a:p>
+                  </a:txBody>
+                  <a:tcPr/>
+                </a:tc>
+                <a:extLst>
+                  <a:ext uri="{0D108BD9-81ED-4DB2-BD59-A6C34878D82A}">
+                    <a16:rowId xmlns:a16="http://schemas.microsoft.com/office/drawing/2014/main" val="10000"/>
+                  </a:ext>
+                </a:extLst>
+              </a:tr>
+              <a:tr h="777240">
+                <a:tc>
+                  <a:txBody>
+                    <a:bodyPr/>
+                    <a:lstStyle/>
+                    <a:p>
+                      <a:pPr marL="0" marR="0" lvl="0" indent="0" algn="l" defTabSz="914400" rtl="0" eaLnBrk="1" fontAlgn="auto" latinLnBrk="0" hangingPunct="1">
+                        <a:lnSpc>
+                          <a:spcPct val="100000"/>
+                        </a:lnSpc>
+                        <a:spcBef>
+                          <a:spcPts val="0"/>
+                        </a:spcBef>
+                        <a:spcAft>
+                          <a:spcPts val="0"/>
+                        </a:spcAft>
+                        <a:buClrTx/>
+                        <a:buSzTx/>
+                        <a:buFontTx/>
+                        <a:buNone/>
+                        <a:tabLst/>
+                        <a:defRPr/>
+                      </a:pPr>
+                      <a:r>
+                        <a:rPr lang="de-DE" sz="1100" u="none" baseline="0" dirty="0">
+                          <a:latin typeface="Arial" panose="020B0604020202020204" pitchFamily="34" charset="0"/>
+                          <a:cs typeface="Arial" panose="020B0604020202020204" pitchFamily="34" charset="0"/>
+                          <a:sym typeface="Wingdings" panose="05000000000000000000" pitchFamily="2" charset="2"/>
+                        </a:rPr>
+                        <a:t>id (PS) </a:t>
+                      </a:r>
+                      <a:r>
+                        <a:rPr lang="de-DE" sz="600" u="none" kern="1200" baseline="0" dirty="0">
+                          <a:solidFill>
+                            <a:srgbClr val="C00000"/>
+                          </a:solidFill>
+                          <a:latin typeface="Arial" panose="020B0604020202020204" pitchFamily="34" charset="0"/>
+                          <a:ea typeface="+mn-ea"/>
+                          <a:cs typeface="Arial" panose="020B0604020202020204" pitchFamily="34" charset="0"/>
+                          <a:sym typeface="Wingdings" panose="05000000000000000000" pitchFamily="2" charset="2"/>
+                        </a:rPr>
+                        <a:t>=&gt; </a:t>
+                      </a:r>
+                      <a:r>
+                        <a:rPr lang="de-DE" sz="600" u="none" kern="1200" baseline="0" dirty="0" err="1">
+                          <a:solidFill>
+                            <a:srgbClr val="C00000"/>
+                          </a:solidFill>
+                          <a:latin typeface="Arial" panose="020B0604020202020204" pitchFamily="34" charset="0"/>
+                          <a:ea typeface="+mn-ea"/>
+                          <a:cs typeface="Arial" panose="020B0604020202020204" pitchFamily="34" charset="0"/>
+                          <a:sym typeface="Wingdings" panose="05000000000000000000" pitchFamily="2" charset="2"/>
+                        </a:rPr>
+                        <a:t>int+</a:t>
+                      </a:r>
+                      <a:r>
+                        <a:rPr lang="de-DE" sz="600" u="none" baseline="0" dirty="0" err="1">
+                          <a:solidFill>
+                            <a:srgbClr val="C00000"/>
+                          </a:solidFill>
+                          <a:latin typeface="Arial" panose="020B0604020202020204" pitchFamily="34" charset="0"/>
+                          <a:cs typeface="Arial" panose="020B0604020202020204" pitchFamily="34" charset="0"/>
+                          <a:sym typeface="Wingdings" panose="05000000000000000000" pitchFamily="2" charset="2"/>
+                        </a:rPr>
+                        <a:t>auto-increment</a:t>
+                      </a:r>
+                      <a:r>
+                        <a:rPr lang="de-DE" sz="600" u="none" baseline="0" dirty="0">
+                          <a:solidFill>
+                            <a:srgbClr val="C00000"/>
+                          </a:solidFill>
+                          <a:latin typeface="Arial" panose="020B0604020202020204" pitchFamily="34" charset="0"/>
+                          <a:cs typeface="Arial" panose="020B0604020202020204" pitchFamily="34" charset="0"/>
+                          <a:sym typeface="Wingdings" panose="05000000000000000000" pitchFamily="2" charset="2"/>
+                        </a:rPr>
+                        <a:t>, </a:t>
+                      </a:r>
+                      <a:r>
+                        <a:rPr lang="de-DE" sz="600" u="none" baseline="0" dirty="0">
+                          <a:solidFill>
+                            <a:srgbClr val="00B0F0"/>
+                          </a:solidFill>
+                          <a:latin typeface="Arial" panose="020B0604020202020204" pitchFamily="34" charset="0"/>
+                          <a:cs typeface="Arial" panose="020B0604020202020204" pitchFamily="34" charset="0"/>
+                          <a:sym typeface="Wingdings" panose="05000000000000000000" pitchFamily="2" charset="2"/>
+                        </a:rPr>
+                        <a:t>kein Default-Wert</a:t>
+                      </a:r>
+                      <a:endParaRPr lang="de-DE" sz="600" u="none" baseline="0" dirty="0">
+                        <a:solidFill>
+                          <a:srgbClr val="C00000"/>
+                        </a:solidFill>
+                        <a:latin typeface="Arial" panose="020B0604020202020204" pitchFamily="34" charset="0"/>
+                        <a:cs typeface="Arial" panose="020B0604020202020204" pitchFamily="34" charset="0"/>
+                        <a:sym typeface="Wingdings" panose="05000000000000000000" pitchFamily="2" charset="2"/>
+                      </a:endParaRPr>
+                    </a:p>
+                    <a:p>
+                      <a:pPr marL="0" marR="0" lvl="0" indent="0" algn="l" defTabSz="914400" rtl="0" eaLnBrk="1" fontAlgn="auto" latinLnBrk="0" hangingPunct="1">
+                        <a:lnSpc>
+                          <a:spcPct val="100000"/>
+                        </a:lnSpc>
+                        <a:spcBef>
+                          <a:spcPts val="0"/>
+                        </a:spcBef>
+                        <a:spcAft>
+                          <a:spcPts val="0"/>
+                        </a:spcAft>
+                        <a:buClrTx/>
+                        <a:buSzTx/>
+                        <a:buFontTx/>
+                        <a:buNone/>
+                        <a:tabLst/>
+                        <a:defRPr/>
+                      </a:pPr>
+                      <a:r>
+                        <a:rPr lang="de-DE" sz="1100" u="none" baseline="0" dirty="0" err="1">
+                          <a:latin typeface="Arial" panose="020B0604020202020204" pitchFamily="34" charset="0"/>
+                          <a:cs typeface="Arial" panose="020B0604020202020204" pitchFamily="34" charset="0"/>
+                          <a:sym typeface="Wingdings" panose="05000000000000000000" pitchFamily="2" charset="2"/>
+                        </a:rPr>
+                        <a:t>lablename</a:t>
+                      </a:r>
+                      <a:r>
+                        <a:rPr lang="de-DE" sz="1100" u="none" baseline="0" dirty="0">
+                          <a:latin typeface="Arial" panose="020B0604020202020204" pitchFamily="34" charset="0"/>
+                          <a:cs typeface="Arial" panose="020B0604020202020204" pitchFamily="34" charset="0"/>
+                          <a:sym typeface="Wingdings" panose="05000000000000000000" pitchFamily="2" charset="2"/>
+                        </a:rPr>
+                        <a:t> </a:t>
+                      </a:r>
+                      <a:r>
+                        <a:rPr lang="de-DE" sz="600" u="none" kern="1200" baseline="0" dirty="0">
+                          <a:solidFill>
+                            <a:srgbClr val="C00000"/>
+                          </a:solidFill>
+                          <a:latin typeface="Arial" panose="020B0604020202020204" pitchFamily="34" charset="0"/>
+                          <a:ea typeface="+mn-ea"/>
+                          <a:cs typeface="Arial" panose="020B0604020202020204" pitchFamily="34" charset="0"/>
+                          <a:sym typeface="Wingdings" panose="05000000000000000000" pitchFamily="2" charset="2"/>
+                        </a:rPr>
+                        <a:t>=&gt; </a:t>
+                      </a:r>
+                      <a:r>
+                        <a:rPr lang="de-DE" sz="600" u="none" kern="1200" baseline="0" dirty="0" err="1">
+                          <a:solidFill>
+                            <a:srgbClr val="C00000"/>
+                          </a:solidFill>
+                          <a:latin typeface="Arial" panose="020B0604020202020204" pitchFamily="34" charset="0"/>
+                          <a:ea typeface="+mn-ea"/>
+                          <a:cs typeface="Arial" panose="020B0604020202020204" pitchFamily="34" charset="0"/>
+                          <a:sym typeface="Wingdings" panose="05000000000000000000" pitchFamily="2" charset="2"/>
+                        </a:rPr>
+                        <a:t>varchar</a:t>
+                      </a:r>
+                      <a:r>
+                        <a:rPr lang="de-DE" sz="600" u="none" kern="1200" baseline="0" dirty="0">
+                          <a:solidFill>
+                            <a:srgbClr val="C00000"/>
+                          </a:solidFill>
+                          <a:latin typeface="Arial" panose="020B0604020202020204" pitchFamily="34" charset="0"/>
+                          <a:ea typeface="+mn-ea"/>
+                          <a:cs typeface="Arial" panose="020B0604020202020204" pitchFamily="34" charset="0"/>
+                          <a:sym typeface="Wingdings" panose="05000000000000000000" pitchFamily="2" charset="2"/>
+                        </a:rPr>
+                        <a:t>[255],</a:t>
+                      </a:r>
+                      <a:r>
+                        <a:rPr lang="de-DE" sz="600" u="none" baseline="0" dirty="0">
+                          <a:solidFill>
+                            <a:srgbClr val="00B0F0"/>
+                          </a:solidFill>
+                          <a:latin typeface="Arial" panose="020B0604020202020204" pitchFamily="34" charset="0"/>
+                          <a:cs typeface="Arial" panose="020B0604020202020204" pitchFamily="34" charset="0"/>
+                          <a:sym typeface="Wingdings" panose="05000000000000000000" pitchFamily="2" charset="2"/>
+                        </a:rPr>
+                        <a:t> </a:t>
+                      </a:r>
+                      <a:r>
+                        <a:rPr lang="de-DE" sz="600" u="none" kern="1200" baseline="0" dirty="0">
+                          <a:solidFill>
+                            <a:srgbClr val="C00000"/>
+                          </a:solidFill>
+                          <a:latin typeface="Arial" panose="020B0604020202020204" pitchFamily="34" charset="0"/>
+                          <a:ea typeface="+mn-ea"/>
+                          <a:cs typeface="Arial" panose="020B0604020202020204" pitchFamily="34" charset="0"/>
+                          <a:sym typeface="Wingdings" panose="05000000000000000000" pitchFamily="2" charset="2"/>
+                        </a:rPr>
+                        <a:t> </a:t>
+                      </a:r>
+                      <a:r>
+                        <a:rPr lang="de-DE" sz="600" u="none" baseline="0" dirty="0">
+                          <a:solidFill>
+                            <a:srgbClr val="00B0F0"/>
+                          </a:solidFill>
+                          <a:latin typeface="Arial" panose="020B0604020202020204" pitchFamily="34" charset="0"/>
+                          <a:cs typeface="Arial" panose="020B0604020202020204" pitchFamily="34" charset="0"/>
+                          <a:sym typeface="Wingdings" panose="05000000000000000000" pitchFamily="2" charset="2"/>
+                        </a:rPr>
+                        <a:t>kein Default-Wert</a:t>
+                      </a:r>
+                      <a:endParaRPr lang="de-DE" sz="600" u="none" kern="1200" baseline="0" dirty="0">
+                        <a:solidFill>
+                          <a:srgbClr val="C00000"/>
+                        </a:solidFill>
+                        <a:latin typeface="Arial" panose="020B0604020202020204" pitchFamily="34" charset="0"/>
+                        <a:ea typeface="+mn-ea"/>
+                        <a:cs typeface="Arial" panose="020B0604020202020204" pitchFamily="34" charset="0"/>
+                        <a:sym typeface="Wingdings" panose="05000000000000000000" pitchFamily="2" charset="2"/>
+                      </a:endParaRPr>
+                    </a:p>
+                    <a:p>
+                      <a:pPr marL="0" marR="0" lvl="0" indent="0" algn="l" defTabSz="914400" rtl="0" eaLnBrk="1" fontAlgn="auto" latinLnBrk="0" hangingPunct="1">
+                        <a:lnSpc>
+                          <a:spcPct val="100000"/>
+                        </a:lnSpc>
+                        <a:spcBef>
+                          <a:spcPts val="0"/>
+                        </a:spcBef>
+                        <a:spcAft>
+                          <a:spcPts val="0"/>
+                        </a:spcAft>
+                        <a:buClrTx/>
+                        <a:buSzTx/>
+                        <a:buFontTx/>
+                        <a:buNone/>
+                        <a:tabLst/>
+                        <a:defRPr/>
+                      </a:pPr>
+                      <a:r>
+                        <a:rPr lang="de-DE" sz="1100" u="sng" baseline="0" dirty="0">
+                          <a:latin typeface="Arial" panose="020B0604020202020204" pitchFamily="34" charset="0"/>
+                          <a:cs typeface="Arial" panose="020B0604020202020204" pitchFamily="34" charset="0"/>
+                          <a:sym typeface="Wingdings" panose="05000000000000000000" pitchFamily="2" charset="2"/>
+                        </a:rPr>
+                        <a:t>uri</a:t>
+                      </a:r>
+                      <a:r>
+                        <a:rPr lang="de-DE" sz="1100" u="none" baseline="0" dirty="0">
+                          <a:latin typeface="Arial" panose="020B0604020202020204" pitchFamily="34" charset="0"/>
+                          <a:cs typeface="Arial" panose="020B0604020202020204" pitchFamily="34" charset="0"/>
+                          <a:sym typeface="Wingdings" panose="05000000000000000000" pitchFamily="2" charset="2"/>
+                        </a:rPr>
+                        <a:t> </a:t>
+                      </a:r>
+                      <a:r>
+                        <a:rPr lang="de-DE" sz="600" u="none" kern="1200" baseline="0" dirty="0">
+                          <a:solidFill>
+                            <a:srgbClr val="C00000"/>
+                          </a:solidFill>
+                          <a:latin typeface="Arial" panose="020B0604020202020204" pitchFamily="34" charset="0"/>
+                          <a:ea typeface="+mn-ea"/>
+                          <a:cs typeface="Arial" panose="020B0604020202020204" pitchFamily="34" charset="0"/>
+                          <a:sym typeface="Wingdings" panose="05000000000000000000" pitchFamily="2" charset="2"/>
+                        </a:rPr>
+                        <a:t>=&gt; </a:t>
+                      </a:r>
+                      <a:r>
+                        <a:rPr lang="de-DE" sz="600" u="none" kern="1200" baseline="0" dirty="0" err="1">
+                          <a:solidFill>
+                            <a:srgbClr val="C00000"/>
+                          </a:solidFill>
+                          <a:latin typeface="Arial" panose="020B0604020202020204" pitchFamily="34" charset="0"/>
+                          <a:ea typeface="+mn-ea"/>
+                          <a:cs typeface="Arial" panose="020B0604020202020204" pitchFamily="34" charset="0"/>
+                          <a:sym typeface="Wingdings" panose="05000000000000000000" pitchFamily="2" charset="2"/>
+                        </a:rPr>
+                        <a:t>text</a:t>
+                      </a:r>
+                      <a:r>
+                        <a:rPr lang="de-DE" sz="600" u="none" kern="1200" baseline="0" dirty="0">
+                          <a:solidFill>
+                            <a:srgbClr val="C00000"/>
+                          </a:solidFill>
+                          <a:latin typeface="Arial" panose="020B0604020202020204" pitchFamily="34" charset="0"/>
+                          <a:ea typeface="+mn-ea"/>
+                          <a:cs typeface="Arial" panose="020B0604020202020204" pitchFamily="34" charset="0"/>
+                          <a:sym typeface="Wingdings" panose="05000000000000000000" pitchFamily="2" charset="2"/>
+                        </a:rPr>
+                        <a:t>, </a:t>
+                      </a:r>
+                      <a:r>
+                        <a:rPr lang="de-DE" sz="600" u="none" baseline="0" dirty="0">
+                          <a:solidFill>
+                            <a:srgbClr val="00B0F0"/>
+                          </a:solidFill>
+                          <a:latin typeface="Arial" panose="020B0604020202020204" pitchFamily="34" charset="0"/>
+                          <a:cs typeface="Arial" panose="020B0604020202020204" pitchFamily="34" charset="0"/>
+                          <a:sym typeface="Wingdings" panose="05000000000000000000" pitchFamily="2" charset="2"/>
+                        </a:rPr>
+                        <a:t>ein Default-Wert</a:t>
+                      </a:r>
+                      <a:endParaRPr lang="de-DE" sz="600" u="none" kern="1200" baseline="0" dirty="0">
+                        <a:solidFill>
+                          <a:srgbClr val="C00000"/>
+                        </a:solidFill>
+                        <a:latin typeface="Arial" panose="020B0604020202020204" pitchFamily="34" charset="0"/>
+                        <a:ea typeface="+mn-ea"/>
+                        <a:cs typeface="Arial" panose="020B0604020202020204" pitchFamily="34" charset="0"/>
+                        <a:sym typeface="Wingdings" panose="05000000000000000000" pitchFamily="2" charset="2"/>
+                      </a:endParaRPr>
+                    </a:p>
+                  </a:txBody>
+                  <a:tcPr/>
+                </a:tc>
+                <a:extLst>
+                  <a:ext uri="{0D108BD9-81ED-4DB2-BD59-A6C34878D82A}">
+                    <a16:rowId xmlns:a16="http://schemas.microsoft.com/office/drawing/2014/main" val="10001"/>
+                  </a:ext>
+                </a:extLst>
+              </a:tr>
+            </a:tbl>
+          </a:graphicData>
+        </a:graphic>
+      </p:graphicFrame>
+      <p:cxnSp>
+        <p:nvCxnSpPr>
+          <p:cNvPr id="35" name="Gerade Verbindung mit Pfeil 34"/>
+          <p:cNvCxnSpPr>
+            <a:stCxn id="20" idx="3"/>
+          </p:cNvCxnSpPr>
+          <p:nvPr/>
+        </p:nvCxnSpPr>
+        <p:spPr>
+          <a:xfrm>
+            <a:off x="1475656" y="596527"/>
+            <a:ext cx="743169" cy="0"/>
+          </a:xfrm>
+          <a:prstGeom prst="straightConnector1">
+            <a:avLst/>
+          </a:prstGeom>
+          <a:ln w="15875">
+            <a:solidFill>
+              <a:schemeClr val="tx1"/>
+            </a:solidFill>
+            <a:tailEnd type="arrow"/>
+          </a:ln>
+        </p:spPr>
+        <p:style>
+          <a:lnRef idx="1">
+            <a:schemeClr val="accent1"/>
+          </a:lnRef>
+          <a:fillRef idx="0">
+            <a:schemeClr val="accent1"/>
+          </a:fillRef>
+          <a:effectRef idx="0">
+            <a:schemeClr val="accent1"/>
+          </a:effectRef>
+          <a:fontRef idx="minor">
+            <a:schemeClr val="tx1"/>
+          </a:fontRef>
+        </p:style>
+      </p:cxnSp>
+      <p:cxnSp>
+        <p:nvCxnSpPr>
+          <p:cNvPr id="62" name="Gerade Verbindung mit Pfeil 61"/>
+          <p:cNvCxnSpPr/>
+          <p:nvPr/>
+        </p:nvCxnSpPr>
+        <p:spPr>
+          <a:xfrm flipV="1">
+            <a:off x="6444208" y="332656"/>
+            <a:ext cx="360040" cy="1"/>
+          </a:xfrm>
+          <a:prstGeom prst="straightConnector1">
+            <a:avLst/>
+          </a:prstGeom>
+          <a:ln w="15875">
+            <a:solidFill>
+              <a:schemeClr val="tx1"/>
+            </a:solidFill>
+            <a:tailEnd type="arrow"/>
+          </a:ln>
+        </p:spPr>
+        <p:style>
+          <a:lnRef idx="1">
+            <a:schemeClr val="accent1"/>
+          </a:lnRef>
+          <a:fillRef idx="0">
+            <a:schemeClr val="accent1"/>
+          </a:fillRef>
+          <a:effectRef idx="0">
+            <a:schemeClr val="accent1"/>
+          </a:effectRef>
+          <a:fontRef idx="minor">
+            <a:schemeClr val="tx1"/>
+          </a:fontRef>
+        </p:style>
+      </p:cxnSp>
+      <p:cxnSp>
+        <p:nvCxnSpPr>
+          <p:cNvPr id="67" name="Gewinkelte Verbindung 66"/>
+          <p:cNvCxnSpPr>
+            <a:endCxn id="42" idx="3"/>
+          </p:cNvCxnSpPr>
+          <p:nvPr/>
+        </p:nvCxnSpPr>
+        <p:spPr>
+          <a:xfrm rot="16200000" flipV="1">
+            <a:off x="5504082" y="2210553"/>
+            <a:ext cx="2132280" cy="252028"/>
+          </a:xfrm>
+          <a:prstGeom prst="bentConnector2">
+            <a:avLst/>
+          </a:prstGeom>
+          <a:ln w="15875">
+            <a:solidFill>
+              <a:schemeClr val="tx1"/>
+            </a:solidFill>
+            <a:tailEnd type="arrow"/>
+          </a:ln>
+        </p:spPr>
+        <p:style>
+          <a:lnRef idx="1">
+            <a:schemeClr val="accent1"/>
+          </a:lnRef>
+          <a:fillRef idx="0">
+            <a:schemeClr val="accent1"/>
+          </a:fillRef>
+          <a:effectRef idx="0">
+            <a:schemeClr val="accent1"/>
+          </a:effectRef>
+          <a:fontRef idx="minor">
+            <a:schemeClr val="tx1"/>
+          </a:fontRef>
+        </p:style>
+      </p:cxnSp>
+      <p:cxnSp>
+        <p:nvCxnSpPr>
+          <p:cNvPr id="72" name="Gerade Verbindung mit Pfeil 71"/>
+          <p:cNvCxnSpPr>
+            <a:stCxn id="49" idx="2"/>
+            <a:endCxn id="59" idx="0"/>
+          </p:cNvCxnSpPr>
+          <p:nvPr/>
+        </p:nvCxnSpPr>
+        <p:spPr>
+          <a:xfrm>
+            <a:off x="6982268" y="4223052"/>
+            <a:ext cx="5175" cy="987480"/>
+          </a:xfrm>
+          <a:prstGeom prst="straightConnector1">
+            <a:avLst/>
+          </a:prstGeom>
+          <a:ln w="15875">
+            <a:solidFill>
+              <a:schemeClr val="tx1"/>
+            </a:solidFill>
+            <a:tailEnd type="arrow"/>
+          </a:ln>
+        </p:spPr>
+        <p:style>
+          <a:lnRef idx="1">
+            <a:schemeClr val="accent1"/>
+          </a:lnRef>
+          <a:fillRef idx="0">
+            <a:schemeClr val="accent1"/>
+          </a:fillRef>
+          <a:effectRef idx="0">
+            <a:schemeClr val="accent1"/>
+          </a:effectRef>
+          <a:fontRef idx="minor">
+            <a:schemeClr val="tx1"/>
+          </a:fontRef>
+        </p:style>
+      </p:cxnSp>
+      <p:cxnSp>
+        <p:nvCxnSpPr>
+          <p:cNvPr id="76" name="Gerade Verbindung mit Pfeil 75"/>
+          <p:cNvCxnSpPr>
+            <a:stCxn id="51" idx="3"/>
+            <a:endCxn id="59" idx="1"/>
+          </p:cNvCxnSpPr>
+          <p:nvPr/>
+        </p:nvCxnSpPr>
+        <p:spPr>
+          <a:xfrm flipV="1">
+            <a:off x="4967836" y="5736312"/>
+            <a:ext cx="1122682" cy="27631"/>
+          </a:xfrm>
+          <a:prstGeom prst="straightConnector1">
+            <a:avLst/>
+          </a:prstGeom>
+          <a:ln w="15875">
+            <a:solidFill>
+              <a:schemeClr val="tx1"/>
+            </a:solidFill>
+            <a:tailEnd type="arrow"/>
+          </a:ln>
+        </p:spPr>
+        <p:style>
+          <a:lnRef idx="1">
+            <a:schemeClr val="accent1"/>
+          </a:lnRef>
+          <a:fillRef idx="0">
+            <a:schemeClr val="accent1"/>
+          </a:fillRef>
+          <a:effectRef idx="0">
+            <a:schemeClr val="accent1"/>
+          </a:effectRef>
+          <a:fontRef idx="minor">
+            <a:schemeClr val="tx1"/>
+          </a:fontRef>
+        </p:style>
+      </p:cxnSp>
+      <p:cxnSp>
+        <p:nvCxnSpPr>
+          <p:cNvPr id="79" name="Gerade Verbindung mit Pfeil 78"/>
+          <p:cNvCxnSpPr>
+            <a:stCxn id="51" idx="0"/>
+            <a:endCxn id="44" idx="2"/>
+          </p:cNvCxnSpPr>
+          <p:nvPr/>
+        </p:nvCxnSpPr>
+        <p:spPr>
+          <a:xfrm flipV="1">
+            <a:off x="4247756" y="5073784"/>
+            <a:ext cx="208" cy="221074"/>
+          </a:xfrm>
+          <a:prstGeom prst="straightConnector1">
+            <a:avLst/>
+          </a:prstGeom>
+          <a:ln w="15875">
+            <a:solidFill>
+              <a:schemeClr val="tx1"/>
+            </a:solidFill>
+            <a:tailEnd type="arrow"/>
+          </a:ln>
+        </p:spPr>
+        <p:style>
+          <a:lnRef idx="1">
+            <a:schemeClr val="accent1"/>
+          </a:lnRef>
+          <a:fillRef idx="0">
+            <a:schemeClr val="accent1"/>
+          </a:fillRef>
+          <a:effectRef idx="0">
+            <a:schemeClr val="accent1"/>
+          </a:effectRef>
+          <a:fontRef idx="minor">
+            <a:schemeClr val="tx1"/>
+          </a:fontRef>
+        </p:style>
+      </p:cxnSp>
+      <p:cxnSp>
+        <p:nvCxnSpPr>
+          <p:cNvPr id="95" name="Gewinkelte Verbindung 94"/>
+          <p:cNvCxnSpPr>
+            <a:stCxn id="44" idx="0"/>
+            <a:endCxn id="42" idx="2"/>
+          </p:cNvCxnSpPr>
+          <p:nvPr/>
+        </p:nvCxnSpPr>
+        <p:spPr>
+          <a:xfrm rot="5400000" flipH="1" flipV="1">
+            <a:off x="4615704" y="2068548"/>
+            <a:ext cx="488657" cy="1224136"/>
+          </a:xfrm>
+          <a:prstGeom prst="bentConnector3">
+            <a:avLst>
+              <a:gd name="adj1" fmla="val 50000"/>
+            </a:avLst>
+          </a:prstGeom>
+          <a:ln w="15875">
+            <a:solidFill>
+              <a:schemeClr val="tx1"/>
+            </a:solidFill>
+            <a:tailEnd type="arrow"/>
+          </a:ln>
+        </p:spPr>
+        <p:style>
+          <a:lnRef idx="1">
+            <a:schemeClr val="accent1"/>
+          </a:lnRef>
+          <a:fillRef idx="0">
+            <a:schemeClr val="accent1"/>
+          </a:fillRef>
+          <a:effectRef idx="0">
+            <a:schemeClr val="accent1"/>
+          </a:effectRef>
+          <a:fontRef idx="minor">
+            <a:schemeClr val="tx1"/>
+          </a:fontRef>
+        </p:style>
+      </p:cxnSp>
+      <p:cxnSp>
+        <p:nvCxnSpPr>
+          <p:cNvPr id="104" name="Gerade Verbindung mit Pfeil 103"/>
+          <p:cNvCxnSpPr>
+            <a:stCxn id="44" idx="1"/>
+            <a:endCxn id="46" idx="3"/>
+          </p:cNvCxnSpPr>
+          <p:nvPr/>
+        </p:nvCxnSpPr>
+        <p:spPr>
+          <a:xfrm flipH="1">
+            <a:off x="2953915" y="3999364"/>
+            <a:ext cx="393949" cy="543"/>
+          </a:xfrm>
+          <a:prstGeom prst="straightConnector1">
+            <a:avLst/>
+          </a:prstGeom>
+          <a:ln w="15875">
+            <a:solidFill>
+              <a:schemeClr val="tx1"/>
+            </a:solidFill>
+            <a:tailEnd type="arrow"/>
+          </a:ln>
+        </p:spPr>
+        <p:style>
+          <a:lnRef idx="1">
+            <a:schemeClr val="accent1"/>
+          </a:lnRef>
+          <a:fillRef idx="0">
+            <a:schemeClr val="accent1"/>
+          </a:fillRef>
+          <a:effectRef idx="0">
+            <a:schemeClr val="accent1"/>
+          </a:effectRef>
+          <a:fontRef idx="minor">
+            <a:schemeClr val="tx1"/>
+          </a:fontRef>
+        </p:style>
+      </p:cxnSp>
+      <p:cxnSp>
+        <p:nvCxnSpPr>
+          <p:cNvPr id="107" name="Gerade Verbindung mit Pfeil 106"/>
+          <p:cNvCxnSpPr>
+            <a:stCxn id="46" idx="1"/>
+            <a:endCxn id="47" idx="3"/>
+          </p:cNvCxnSpPr>
+          <p:nvPr/>
+        </p:nvCxnSpPr>
+        <p:spPr>
+          <a:xfrm flipH="1">
+            <a:off x="1331640" y="3999907"/>
+            <a:ext cx="288032" cy="0"/>
+          </a:xfrm>
+          <a:prstGeom prst="straightConnector1">
+            <a:avLst/>
+          </a:prstGeom>
+          <a:ln w="15875">
+            <a:solidFill>
+              <a:schemeClr val="tx1"/>
+            </a:solidFill>
+            <a:tailEnd type="arrow"/>
+          </a:ln>
+        </p:spPr>
+        <p:style>
+          <a:lnRef idx="1">
+            <a:schemeClr val="accent1"/>
+          </a:lnRef>
+          <a:fillRef idx="0">
+            <a:schemeClr val="accent1"/>
+          </a:fillRef>
+          <a:effectRef idx="0">
+            <a:schemeClr val="accent1"/>
+          </a:effectRef>
+          <a:fontRef idx="minor">
+            <a:schemeClr val="tx1"/>
+          </a:fontRef>
+        </p:style>
+      </p:cxnSp>
+      <p:cxnSp>
+        <p:nvCxnSpPr>
+          <p:cNvPr id="113" name="Gerade Verbindung mit Pfeil 112"/>
+          <p:cNvCxnSpPr/>
+          <p:nvPr/>
+        </p:nvCxnSpPr>
+        <p:spPr>
+          <a:xfrm flipH="1">
+            <a:off x="3804235" y="525340"/>
+            <a:ext cx="680925" cy="21274"/>
+          </a:xfrm>
+          <a:prstGeom prst="straightConnector1">
+            <a:avLst/>
+          </a:prstGeom>
+          <a:ln w="15875">
+            <a:solidFill>
+              <a:schemeClr val="tx1"/>
+            </a:solidFill>
+            <a:tailEnd type="arrow"/>
+          </a:ln>
+        </p:spPr>
+        <p:style>
+          <a:lnRef idx="1">
+            <a:schemeClr val="accent1"/>
+          </a:lnRef>
+          <a:fillRef idx="0">
+            <a:schemeClr val="accent1"/>
+          </a:fillRef>
+          <a:effectRef idx="0">
+            <a:schemeClr val="accent1"/>
+          </a:effectRef>
+          <a:fontRef idx="minor">
+            <a:schemeClr val="tx1"/>
+          </a:fontRef>
+        </p:style>
+      </p:cxnSp>
+      <p:sp>
+        <p:nvSpPr>
+          <p:cNvPr id="50" name="Rechteck 49"/>
+          <p:cNvSpPr/>
+          <p:nvPr/>
+        </p:nvSpPr>
+        <p:spPr>
+          <a:xfrm>
+            <a:off x="-25112" y="6306242"/>
+            <a:ext cx="3059470" cy="584775"/>
+          </a:xfrm>
+          <a:prstGeom prst="rect">
+            <a:avLst/>
+          </a:prstGeom>
+        </p:spPr>
+        <p:txBody>
+          <a:bodyPr wrap="square">
+            <a:spAutoFit/>
+          </a:bodyPr>
+          <a:lstStyle/>
+          <a:p>
+            <a:r>
+              <a:rPr lang="de-DE" sz="800" dirty="0">
+                <a:latin typeface="Arial" panose="020B0604020202020204" pitchFamily="34" charset="0"/>
+                <a:cs typeface="Arial" panose="020B0604020202020204" pitchFamily="34" charset="0"/>
+                <a:sym typeface="Wingdings" panose="05000000000000000000" pitchFamily="2" charset="2"/>
+              </a:rPr>
+              <a:t>PS = Primärschlüssel</a:t>
+            </a:r>
+          </a:p>
+          <a:p>
+            <a:r>
+              <a:rPr lang="de-DE" sz="800" dirty="0">
+                <a:latin typeface="Arial" panose="020B0604020202020204" pitchFamily="34" charset="0"/>
+                <a:cs typeface="Arial" panose="020B0604020202020204" pitchFamily="34" charset="0"/>
+                <a:sym typeface="Wingdings" panose="05000000000000000000" pitchFamily="2" charset="2"/>
+              </a:rPr>
+              <a:t>FS = Fremdschlüssel</a:t>
+            </a:r>
+          </a:p>
+          <a:p>
+            <a:r>
+              <a:rPr lang="de-DE" sz="800" u="sng" dirty="0">
+                <a:latin typeface="Arial" panose="020B0604020202020204" pitchFamily="34" charset="0"/>
+                <a:cs typeface="Arial" panose="020B0604020202020204" pitchFamily="34" charset="0"/>
+                <a:sym typeface="Wingdings" panose="05000000000000000000" pitchFamily="2" charset="2"/>
+              </a:rPr>
+              <a:t>Unterstrichen:</a:t>
+            </a:r>
+            <a:r>
+              <a:rPr lang="de-DE" sz="800" dirty="0">
+                <a:latin typeface="Arial" panose="020B0604020202020204" pitchFamily="34" charset="0"/>
+                <a:cs typeface="Arial" panose="020B0604020202020204" pitchFamily="34" charset="0"/>
+                <a:sym typeface="Wingdings" panose="05000000000000000000" pitchFamily="2" charset="2"/>
+              </a:rPr>
+              <a:t> logischer Schlüssel / Unique Index (immer NN)</a:t>
+            </a:r>
+          </a:p>
+          <a:p>
+            <a:r>
+              <a:rPr lang="de-DE" sz="800" dirty="0">
+                <a:latin typeface="Arial" panose="020B0604020202020204" pitchFamily="34" charset="0"/>
+                <a:cs typeface="Arial" panose="020B0604020202020204" pitchFamily="34" charset="0"/>
+                <a:sym typeface="Wingdings" panose="05000000000000000000" pitchFamily="2" charset="2"/>
+              </a:rPr>
+              <a:t>NN: not Null</a:t>
+            </a:r>
+            <a:endParaRPr lang="de-DE" sz="800" dirty="0"/>
+          </a:p>
+        </p:txBody>
+      </p:sp>
+      <p:sp>
+        <p:nvSpPr>
+          <p:cNvPr id="69" name="Rechteck 68"/>
+          <p:cNvSpPr/>
+          <p:nvPr/>
+        </p:nvSpPr>
+        <p:spPr>
+          <a:xfrm>
+            <a:off x="35496" y="5157192"/>
+            <a:ext cx="973343" cy="215444"/>
+          </a:xfrm>
+          <a:prstGeom prst="rect">
+            <a:avLst/>
+          </a:prstGeom>
+        </p:spPr>
+        <p:txBody>
+          <a:bodyPr wrap="none">
+            <a:spAutoFit/>
+          </a:bodyPr>
+          <a:lstStyle/>
+          <a:p>
+            <a:r>
+              <a:rPr lang="de-DE" sz="800" dirty="0" err="1">
+                <a:solidFill>
+                  <a:srgbClr val="C00000"/>
+                </a:solidFill>
+                <a:latin typeface="Arial" panose="020B0604020202020204" pitchFamily="34" charset="0"/>
+                <a:cs typeface="Arial" panose="020B0604020202020204" pitchFamily="34" charset="0"/>
+                <a:sym typeface="Wingdings" panose="05000000000000000000" pitchFamily="2" charset="2"/>
+              </a:rPr>
+              <a:t>tinyint</a:t>
+            </a:r>
+            <a:r>
+              <a:rPr lang="de-DE" sz="800" dirty="0">
+                <a:solidFill>
+                  <a:srgbClr val="C00000"/>
+                </a:solidFill>
+                <a:latin typeface="Arial" panose="020B0604020202020204" pitchFamily="34" charset="0"/>
+                <a:cs typeface="Arial" panose="020B0604020202020204" pitchFamily="34" charset="0"/>
+                <a:sym typeface="Wingdings" panose="05000000000000000000" pitchFamily="2" charset="2"/>
+              </a:rPr>
+              <a:t> = </a:t>
+            </a:r>
+            <a:r>
+              <a:rPr lang="de-DE" sz="800" dirty="0" err="1">
+                <a:solidFill>
+                  <a:srgbClr val="C00000"/>
+                </a:solidFill>
+                <a:latin typeface="Arial" panose="020B0604020202020204" pitchFamily="34" charset="0"/>
+                <a:cs typeface="Arial" panose="020B0604020202020204" pitchFamily="34" charset="0"/>
+                <a:sym typeface="Wingdings" panose="05000000000000000000" pitchFamily="2" charset="2"/>
+              </a:rPr>
+              <a:t>boolean</a:t>
+            </a:r>
+            <a:endParaRPr lang="de-DE" dirty="0"/>
+          </a:p>
+        </p:txBody>
+      </p:sp>
+      <p:sp>
+        <p:nvSpPr>
+          <p:cNvPr id="29" name="Rechteck 28"/>
+          <p:cNvSpPr/>
+          <p:nvPr/>
+        </p:nvSpPr>
+        <p:spPr>
+          <a:xfrm>
+            <a:off x="10072" y="5805264"/>
+            <a:ext cx="2040943" cy="215444"/>
+          </a:xfrm>
+          <a:prstGeom prst="rect">
+            <a:avLst/>
+          </a:prstGeom>
+        </p:spPr>
+        <p:txBody>
+          <a:bodyPr wrap="none">
+            <a:spAutoFit/>
+          </a:bodyPr>
+          <a:lstStyle/>
+          <a:p>
+            <a:r>
+              <a:rPr lang="de-DE" sz="800" dirty="0">
+                <a:latin typeface="Arial" panose="020B0604020202020204" pitchFamily="34" charset="0"/>
+                <a:cs typeface="Arial" panose="020B0604020202020204" pitchFamily="34" charset="0"/>
+                <a:sym typeface="Wingdings" panose="05000000000000000000" pitchFamily="2" charset="2"/>
+              </a:rPr>
+              <a:t>type: Gästebucheintrag oder Blogeintrag</a:t>
+            </a:r>
+            <a:endParaRPr lang="de-DE" dirty="0"/>
+          </a:p>
+        </p:txBody>
+      </p:sp>
+      <p:sp>
+        <p:nvSpPr>
+          <p:cNvPr id="30" name="Rechteck 29"/>
+          <p:cNvSpPr/>
+          <p:nvPr/>
+        </p:nvSpPr>
+        <p:spPr>
+          <a:xfrm>
+            <a:off x="16419" y="5589820"/>
+            <a:ext cx="2220480" cy="215444"/>
+          </a:xfrm>
+          <a:prstGeom prst="rect">
+            <a:avLst/>
+          </a:prstGeom>
+        </p:spPr>
+        <p:txBody>
+          <a:bodyPr wrap="none">
+            <a:spAutoFit/>
+          </a:bodyPr>
+          <a:lstStyle/>
+          <a:p>
+            <a:r>
+              <a:rPr lang="de-DE" sz="800" dirty="0" err="1">
+                <a:latin typeface="Arial" panose="020B0604020202020204" pitchFamily="34" charset="0"/>
+                <a:cs typeface="Arial" panose="020B0604020202020204" pitchFamily="34" charset="0"/>
+                <a:sym typeface="Wingdings" panose="05000000000000000000" pitchFamily="2" charset="2"/>
+              </a:rPr>
+              <a:t>role</a:t>
+            </a:r>
+            <a:r>
+              <a:rPr lang="de-DE" sz="800" dirty="0">
+                <a:latin typeface="Arial" panose="020B0604020202020204" pitchFamily="34" charset="0"/>
+                <a:cs typeface="Arial" panose="020B0604020202020204" pitchFamily="34" charset="0"/>
+                <a:sym typeface="Wingdings" panose="05000000000000000000" pitchFamily="2" charset="2"/>
+              </a:rPr>
+              <a:t>: z.B.: Admin, Redakteur, Designer, Gast</a:t>
+            </a:r>
+            <a:endParaRPr lang="de-DE" dirty="0"/>
+          </a:p>
+        </p:txBody>
+      </p:sp>
+      <p:graphicFrame>
+        <p:nvGraphicFramePr>
+          <p:cNvPr id="27" name="Tabelle 26"/>
+          <p:cNvGraphicFramePr>
+            <a:graphicFrameLocks noGrp="1"/>
+          </p:cNvGraphicFramePr>
+          <p:nvPr>
+            <p:extLst/>
+          </p:nvPr>
+        </p:nvGraphicFramePr>
+        <p:xfrm>
+          <a:off x="1547664" y="1986476"/>
+          <a:ext cx="1846926" cy="1010476"/>
+        </p:xfrm>
+        <a:graphic>
+          <a:graphicData uri="http://schemas.openxmlformats.org/drawingml/2006/table">
+            <a:tbl>
+              <a:tblPr firstRow="1" bandRow="1">
+                <a:tableStyleId>{F2DE63D5-997A-4646-A377-4702673A728D}</a:tableStyleId>
+              </a:tblPr>
+              <a:tblGrid>
+                <a:gridCol w="1846926">
+                  <a:extLst>
+                    <a:ext uri="{9D8B030D-6E8A-4147-A177-3AD203B41FA5}">
+                      <a16:colId xmlns:a16="http://schemas.microsoft.com/office/drawing/2014/main" val="20000"/>
+                    </a:ext>
+                  </a:extLst>
+                </a:gridCol>
+              </a:tblGrid>
+              <a:tr h="274320">
+                <a:tc>
+                  <a:txBody>
+                    <a:bodyPr/>
+                    <a:lstStyle/>
+                    <a:p>
+                      <a:pPr marL="0" marR="0" indent="0" algn="l" defTabSz="914400" rtl="0" eaLnBrk="1" fontAlgn="auto" latinLnBrk="0" hangingPunct="1">
+                        <a:lnSpc>
+                          <a:spcPct val="100000"/>
+                        </a:lnSpc>
+                        <a:spcBef>
+                          <a:spcPts val="0"/>
+                        </a:spcBef>
+                        <a:spcAft>
+                          <a:spcPts val="0"/>
+                        </a:spcAft>
+                        <a:buClrTx/>
+                        <a:buSzTx/>
+                        <a:buFontTx/>
+                        <a:buNone/>
+                        <a:tabLst/>
+                        <a:defRPr/>
+                      </a:pPr>
+                      <a:r>
+                        <a:rPr lang="de-DE" sz="1200" b="1" dirty="0" err="1">
+                          <a:solidFill>
+                            <a:schemeClr val="tx1"/>
+                          </a:solidFill>
+                          <a:latin typeface="Arial" panose="020B0604020202020204" pitchFamily="34" charset="0"/>
+                          <a:cs typeface="Arial" panose="020B0604020202020204" pitchFamily="34" charset="0"/>
+                        </a:rPr>
+                        <a:t>Searchphrase_User</a:t>
+                      </a:r>
+                      <a:endParaRPr lang="de-DE" sz="1200" b="1" dirty="0">
+                        <a:solidFill>
+                          <a:schemeClr val="tx1"/>
+                        </a:solidFill>
+                        <a:latin typeface="Arial" panose="020B0604020202020204" pitchFamily="34" charset="0"/>
+                        <a:cs typeface="Arial" panose="020B0604020202020204" pitchFamily="34" charset="0"/>
+                      </a:endParaRPr>
+                    </a:p>
+                  </a:txBody>
+                  <a:tcPr/>
+                </a:tc>
+                <a:extLst>
+                  <a:ext uri="{0D108BD9-81ED-4DB2-BD59-A6C34878D82A}">
+                    <a16:rowId xmlns:a16="http://schemas.microsoft.com/office/drawing/2014/main" val="10000"/>
+                  </a:ext>
+                </a:extLst>
+              </a:tr>
+              <a:tr h="736156">
+                <a:tc>
+                  <a:txBody>
+                    <a:bodyPr/>
+                    <a:lstStyle/>
+                    <a:p>
+                      <a:r>
+                        <a:rPr lang="de-DE" sz="1100" u="sng" baseline="0" dirty="0">
+                          <a:latin typeface="Arial" panose="020B0604020202020204" pitchFamily="34" charset="0"/>
+                          <a:cs typeface="Arial" panose="020B0604020202020204" pitchFamily="34" charset="0"/>
+                          <a:sym typeface="Wingdings" panose="05000000000000000000" pitchFamily="2" charset="2"/>
+                        </a:rPr>
+                        <a:t>user_id</a:t>
+                      </a:r>
+                      <a:r>
+                        <a:rPr lang="de-DE" sz="1100" u="none" baseline="0" dirty="0">
+                          <a:latin typeface="Arial" panose="020B0604020202020204" pitchFamily="34" charset="0"/>
+                          <a:cs typeface="Arial" panose="020B0604020202020204" pitchFamily="34" charset="0"/>
+                          <a:sym typeface="Wingdings" panose="05000000000000000000" pitchFamily="2" charset="2"/>
+                        </a:rPr>
+                        <a:t>  (FS)</a:t>
+                      </a:r>
+                      <a:r>
+                        <a:rPr lang="de-DE" sz="800" u="none" kern="1200" baseline="0" dirty="0">
+                          <a:solidFill>
+                            <a:srgbClr val="C00000"/>
+                          </a:solidFill>
+                          <a:latin typeface="Arial" panose="020B0604020202020204" pitchFamily="34" charset="0"/>
+                          <a:ea typeface="+mn-ea"/>
+                          <a:cs typeface="Arial" panose="020B0604020202020204" pitchFamily="34" charset="0"/>
+                          <a:sym typeface="Wingdings" panose="05000000000000000000" pitchFamily="2" charset="2"/>
+                        </a:rPr>
+                        <a:t> </a:t>
+                      </a:r>
+                      <a:r>
+                        <a:rPr lang="de-DE" sz="600" u="none" kern="1200" baseline="0" dirty="0">
+                          <a:solidFill>
+                            <a:srgbClr val="C00000"/>
+                          </a:solidFill>
+                          <a:latin typeface="Arial" panose="020B0604020202020204" pitchFamily="34" charset="0"/>
+                          <a:ea typeface="+mn-ea"/>
+                          <a:cs typeface="Arial" panose="020B0604020202020204" pitchFamily="34" charset="0"/>
+                          <a:sym typeface="Wingdings" panose="05000000000000000000" pitchFamily="2" charset="2"/>
+                        </a:rPr>
+                        <a:t>=&gt; </a:t>
+                      </a:r>
+                      <a:r>
+                        <a:rPr lang="de-DE" sz="600" u="none" kern="1200" baseline="0" dirty="0" err="1">
+                          <a:solidFill>
+                            <a:srgbClr val="C00000"/>
+                          </a:solidFill>
+                          <a:latin typeface="Arial" panose="020B0604020202020204" pitchFamily="34" charset="0"/>
+                          <a:ea typeface="+mn-ea"/>
+                          <a:cs typeface="Arial" panose="020B0604020202020204" pitchFamily="34" charset="0"/>
+                          <a:sym typeface="Wingdings" panose="05000000000000000000" pitchFamily="2" charset="2"/>
+                        </a:rPr>
+                        <a:t>int</a:t>
+                      </a:r>
+                      <a:r>
+                        <a:rPr lang="de-DE" sz="600" u="none" kern="1200" baseline="0" dirty="0">
+                          <a:solidFill>
+                            <a:srgbClr val="C00000"/>
+                          </a:solidFill>
+                          <a:latin typeface="Arial" panose="020B0604020202020204" pitchFamily="34" charset="0"/>
+                          <a:ea typeface="+mn-ea"/>
+                          <a:cs typeface="Arial" panose="020B0604020202020204" pitchFamily="34" charset="0"/>
+                          <a:sym typeface="Wingdings" panose="05000000000000000000" pitchFamily="2" charset="2"/>
+                        </a:rPr>
+                        <a:t>,</a:t>
+                      </a:r>
+                      <a:r>
+                        <a:rPr lang="de-DE" sz="600" u="none" baseline="0" dirty="0">
+                          <a:solidFill>
+                            <a:srgbClr val="C00000"/>
+                          </a:solidFill>
+                          <a:latin typeface="Arial" panose="020B0604020202020204" pitchFamily="34" charset="0"/>
+                          <a:cs typeface="Arial" panose="020B0604020202020204" pitchFamily="34" charset="0"/>
+                          <a:sym typeface="Wingdings" panose="05000000000000000000" pitchFamily="2" charset="2"/>
+                        </a:rPr>
+                        <a:t> </a:t>
+                      </a:r>
+                      <a:r>
+                        <a:rPr lang="de-DE" sz="600" u="none" baseline="0" dirty="0">
+                          <a:solidFill>
+                            <a:srgbClr val="00B0F0"/>
+                          </a:solidFill>
+                          <a:latin typeface="Arial" panose="020B0604020202020204" pitchFamily="34" charset="0"/>
+                          <a:cs typeface="Arial" panose="020B0604020202020204" pitchFamily="34" charset="0"/>
+                          <a:sym typeface="Wingdings" panose="05000000000000000000" pitchFamily="2" charset="2"/>
+                        </a:rPr>
+                        <a:t>kein Default-Wert</a:t>
+                      </a:r>
+                      <a:endParaRPr lang="de-DE" sz="600" u="none" baseline="0" dirty="0">
+                        <a:latin typeface="Arial" panose="020B0604020202020204" pitchFamily="34" charset="0"/>
+                        <a:cs typeface="Arial" panose="020B0604020202020204" pitchFamily="34" charset="0"/>
+                        <a:sym typeface="Wingdings" panose="05000000000000000000" pitchFamily="2" charset="2"/>
+                      </a:endParaRPr>
+                    </a:p>
+                    <a:p>
+                      <a:r>
+                        <a:rPr lang="de-DE" sz="1100" u="sng" kern="1200" baseline="0" dirty="0" err="1">
+                          <a:solidFill>
+                            <a:schemeClr val="tx1"/>
+                          </a:solidFill>
+                          <a:latin typeface="Arial" panose="020B0604020202020204" pitchFamily="34" charset="0"/>
+                          <a:ea typeface="+mn-ea"/>
+                          <a:cs typeface="Arial" panose="020B0604020202020204" pitchFamily="34" charset="0"/>
+                          <a:sym typeface="Wingdings" panose="05000000000000000000" pitchFamily="2" charset="2"/>
+                        </a:rPr>
+                        <a:t>searchphrase_id</a:t>
+                      </a:r>
+                      <a:r>
+                        <a:rPr lang="de-DE" sz="1100" u="none" kern="1200" baseline="0" dirty="0">
+                          <a:solidFill>
+                            <a:schemeClr val="tx1"/>
+                          </a:solidFill>
+                          <a:latin typeface="Arial" panose="020B0604020202020204" pitchFamily="34" charset="0"/>
+                          <a:ea typeface="+mn-ea"/>
+                          <a:cs typeface="Arial" panose="020B0604020202020204" pitchFamily="34" charset="0"/>
+                          <a:sym typeface="Wingdings" panose="05000000000000000000" pitchFamily="2" charset="2"/>
+                        </a:rPr>
+                        <a:t> (FS)</a:t>
+                      </a:r>
+                      <a:r>
+                        <a:rPr lang="de-DE" sz="800" u="none" kern="1200" baseline="0" dirty="0">
+                          <a:solidFill>
+                            <a:srgbClr val="C00000"/>
+                          </a:solidFill>
+                          <a:latin typeface="Arial" panose="020B0604020202020204" pitchFamily="34" charset="0"/>
+                          <a:ea typeface="+mn-ea"/>
+                          <a:cs typeface="Arial" panose="020B0604020202020204" pitchFamily="34" charset="0"/>
+                          <a:sym typeface="Wingdings" panose="05000000000000000000" pitchFamily="2" charset="2"/>
+                        </a:rPr>
+                        <a:t> </a:t>
+                      </a:r>
+                      <a:r>
+                        <a:rPr lang="de-DE" sz="600" u="none" kern="1200" baseline="0" dirty="0">
+                          <a:solidFill>
+                            <a:srgbClr val="C00000"/>
+                          </a:solidFill>
+                          <a:latin typeface="Arial" panose="020B0604020202020204" pitchFamily="34" charset="0"/>
+                          <a:ea typeface="+mn-ea"/>
+                          <a:cs typeface="Arial" panose="020B0604020202020204" pitchFamily="34" charset="0"/>
+                          <a:sym typeface="Wingdings" panose="05000000000000000000" pitchFamily="2" charset="2"/>
+                        </a:rPr>
+                        <a:t>=&gt; </a:t>
+                      </a:r>
+                      <a:r>
+                        <a:rPr lang="de-DE" sz="600" u="none" kern="1200" baseline="0" dirty="0" err="1">
+                          <a:solidFill>
+                            <a:srgbClr val="C00000"/>
+                          </a:solidFill>
+                          <a:latin typeface="Arial" panose="020B0604020202020204" pitchFamily="34" charset="0"/>
+                          <a:ea typeface="+mn-ea"/>
+                          <a:cs typeface="Arial" panose="020B0604020202020204" pitchFamily="34" charset="0"/>
+                          <a:sym typeface="Wingdings" panose="05000000000000000000" pitchFamily="2" charset="2"/>
+                        </a:rPr>
+                        <a:t>int</a:t>
+                      </a:r>
+                      <a:r>
+                        <a:rPr lang="de-DE" sz="600" u="none" kern="1200" baseline="0" dirty="0">
+                          <a:solidFill>
+                            <a:srgbClr val="C00000"/>
+                          </a:solidFill>
+                          <a:latin typeface="Arial" panose="020B0604020202020204" pitchFamily="34" charset="0"/>
+                          <a:ea typeface="+mn-ea"/>
+                          <a:cs typeface="Arial" panose="020B0604020202020204" pitchFamily="34" charset="0"/>
+                          <a:sym typeface="Wingdings" panose="05000000000000000000" pitchFamily="2" charset="2"/>
+                        </a:rPr>
+                        <a:t>, </a:t>
+                      </a:r>
+                      <a:r>
+                        <a:rPr lang="de-DE" sz="600" b="0" u="none" baseline="0" dirty="0">
+                          <a:solidFill>
+                            <a:srgbClr val="00B0F0"/>
+                          </a:solidFill>
+                          <a:latin typeface="Arial" panose="020B0604020202020204" pitchFamily="34" charset="0"/>
+                          <a:cs typeface="Arial" panose="020B0604020202020204" pitchFamily="34" charset="0"/>
+                          <a:sym typeface="Wingdings" panose="05000000000000000000" pitchFamily="2" charset="2"/>
+                        </a:rPr>
+                        <a:t>kein Default-Wert</a:t>
+                      </a:r>
+                      <a:endParaRPr lang="de-DE" sz="600" b="0" u="none" kern="1200" baseline="0" dirty="0">
+                        <a:solidFill>
+                          <a:schemeClr val="tx1"/>
+                        </a:solidFill>
+                        <a:latin typeface="Arial" panose="020B0604020202020204" pitchFamily="34" charset="0"/>
+                        <a:ea typeface="+mn-ea"/>
+                        <a:cs typeface="Arial" panose="020B0604020202020204" pitchFamily="34" charset="0"/>
+                        <a:sym typeface="Wingdings" panose="05000000000000000000" pitchFamily="2" charset="2"/>
+                      </a:endParaRPr>
+                    </a:p>
+                    <a:p>
+                      <a:r>
+                        <a:rPr lang="de-DE" sz="1100" u="none" kern="1200" baseline="0" dirty="0" err="1">
+                          <a:solidFill>
+                            <a:schemeClr val="tx1"/>
+                          </a:solidFill>
+                          <a:latin typeface="Arial" panose="020B0604020202020204" pitchFamily="34" charset="0"/>
+                          <a:ea typeface="+mn-ea"/>
+                          <a:cs typeface="Arial" panose="020B0604020202020204" pitchFamily="34" charset="0"/>
+                          <a:sym typeface="Wingdings" panose="05000000000000000000" pitchFamily="2" charset="2"/>
+                        </a:rPr>
+                        <a:t>searchdate</a:t>
+                      </a:r>
+                      <a:r>
+                        <a:rPr lang="de-DE" sz="1100" u="none" kern="1200" baseline="0" dirty="0">
+                          <a:solidFill>
+                            <a:schemeClr val="tx1"/>
+                          </a:solidFill>
+                          <a:latin typeface="Arial" panose="020B0604020202020204" pitchFamily="34" charset="0"/>
+                          <a:ea typeface="+mn-ea"/>
+                          <a:cs typeface="Arial" panose="020B0604020202020204" pitchFamily="34" charset="0"/>
+                          <a:sym typeface="Wingdings" panose="05000000000000000000" pitchFamily="2" charset="2"/>
+                        </a:rPr>
+                        <a:t> </a:t>
+                      </a:r>
+                      <a:r>
+                        <a:rPr lang="de-DE" sz="600" u="none" kern="1200" baseline="0" dirty="0">
+                          <a:solidFill>
+                            <a:srgbClr val="C00000"/>
+                          </a:solidFill>
+                          <a:latin typeface="Arial" panose="020B0604020202020204" pitchFamily="34" charset="0"/>
+                          <a:ea typeface="+mn-ea"/>
+                          <a:cs typeface="Arial" panose="020B0604020202020204" pitchFamily="34" charset="0"/>
+                          <a:sym typeface="Wingdings" panose="05000000000000000000" pitchFamily="2" charset="2"/>
+                        </a:rPr>
+                        <a:t>=&gt; </a:t>
+                      </a:r>
+                      <a:r>
+                        <a:rPr lang="de-DE" sz="600" u="none" kern="1200" baseline="0" dirty="0" err="1">
+                          <a:solidFill>
+                            <a:srgbClr val="C00000"/>
+                          </a:solidFill>
+                          <a:latin typeface="Arial" panose="020B0604020202020204" pitchFamily="34" charset="0"/>
+                          <a:ea typeface="+mn-ea"/>
+                          <a:cs typeface="Arial" panose="020B0604020202020204" pitchFamily="34" charset="0"/>
+                          <a:sym typeface="Wingdings" panose="05000000000000000000" pitchFamily="2" charset="2"/>
+                        </a:rPr>
+                        <a:t>date</a:t>
+                      </a:r>
+                      <a:r>
+                        <a:rPr lang="de-DE" sz="600" u="none" kern="1200" baseline="0" dirty="0">
+                          <a:solidFill>
+                            <a:srgbClr val="C00000"/>
+                          </a:solidFill>
+                          <a:latin typeface="Arial" panose="020B0604020202020204" pitchFamily="34" charset="0"/>
+                          <a:ea typeface="+mn-ea"/>
+                          <a:cs typeface="Arial" panose="020B0604020202020204" pitchFamily="34" charset="0"/>
+                          <a:sym typeface="Wingdings" panose="05000000000000000000" pitchFamily="2" charset="2"/>
+                        </a:rPr>
+                        <a:t>,</a:t>
+                      </a:r>
+                      <a:r>
+                        <a:rPr lang="de-DE" sz="800" u="none" baseline="0" dirty="0">
+                          <a:solidFill>
+                            <a:srgbClr val="00B0F0"/>
+                          </a:solidFill>
+                          <a:latin typeface="Arial" panose="020B0604020202020204" pitchFamily="34" charset="0"/>
+                          <a:cs typeface="Arial" panose="020B0604020202020204" pitchFamily="34" charset="0"/>
+                          <a:sym typeface="Wingdings" panose="05000000000000000000" pitchFamily="2" charset="2"/>
+                        </a:rPr>
+                        <a:t> </a:t>
+                      </a:r>
+                      <a:r>
+                        <a:rPr lang="de-DE" sz="600" u="none" baseline="0" dirty="0">
+                          <a:solidFill>
+                            <a:srgbClr val="00B0F0"/>
+                          </a:solidFill>
+                          <a:latin typeface="Arial" panose="020B0604020202020204" pitchFamily="34" charset="0"/>
+                          <a:cs typeface="Arial" panose="020B0604020202020204" pitchFamily="34" charset="0"/>
+                          <a:sym typeface="Wingdings" panose="05000000000000000000" pitchFamily="2" charset="2"/>
+                        </a:rPr>
+                        <a:t>kein Default-Wert</a:t>
+                      </a:r>
+                      <a:endParaRPr lang="de-DE" sz="600" u="none" kern="1200" baseline="0" dirty="0">
+                        <a:solidFill>
+                          <a:srgbClr val="C00000"/>
+                        </a:solidFill>
+                        <a:latin typeface="Arial" panose="020B0604020202020204" pitchFamily="34" charset="0"/>
+                        <a:ea typeface="+mn-ea"/>
+                        <a:cs typeface="Arial" panose="020B0604020202020204" pitchFamily="34" charset="0"/>
+                        <a:sym typeface="Wingdings" panose="05000000000000000000" pitchFamily="2" charset="2"/>
+                      </a:endParaRPr>
+                    </a:p>
+                  </a:txBody>
+                  <a:tcPr/>
+                </a:tc>
+                <a:extLst>
+                  <a:ext uri="{0D108BD9-81ED-4DB2-BD59-A6C34878D82A}">
+                    <a16:rowId xmlns:a16="http://schemas.microsoft.com/office/drawing/2014/main" val="10001"/>
+                  </a:ext>
+                </a:extLst>
+              </a:tr>
+            </a:tbl>
+          </a:graphicData>
+        </a:graphic>
+      </p:graphicFrame>
+      <p:graphicFrame>
+        <p:nvGraphicFramePr>
+          <p:cNvPr id="28" name="Tabelle 27"/>
+          <p:cNvGraphicFramePr>
+            <a:graphicFrameLocks noGrp="1"/>
+          </p:cNvGraphicFramePr>
+          <p:nvPr>
+            <p:extLst/>
+          </p:nvPr>
+        </p:nvGraphicFramePr>
+        <p:xfrm>
+          <a:off x="35496" y="1922150"/>
+          <a:ext cx="1224136" cy="1127760"/>
+        </p:xfrm>
+        <a:graphic>
+          <a:graphicData uri="http://schemas.openxmlformats.org/drawingml/2006/table">
+            <a:tbl>
+              <a:tblPr firstRow="1" bandRow="1">
+                <a:tableStyleId>{F2DE63D5-997A-4646-A377-4702673A728D}</a:tableStyleId>
+              </a:tblPr>
+              <a:tblGrid>
+                <a:gridCol w="1224136">
+                  <a:extLst>
+                    <a:ext uri="{9D8B030D-6E8A-4147-A177-3AD203B41FA5}">
+                      <a16:colId xmlns:a16="http://schemas.microsoft.com/office/drawing/2014/main" val="20000"/>
+                    </a:ext>
+                  </a:extLst>
+                </a:gridCol>
+              </a:tblGrid>
+              <a:tr h="274320">
+                <a:tc>
+                  <a:txBody>
+                    <a:bodyPr/>
+                    <a:lstStyle/>
+                    <a:p>
+                      <a:pPr marL="0" marR="0" indent="0" algn="l" defTabSz="914400" rtl="0" eaLnBrk="1" fontAlgn="auto" latinLnBrk="0" hangingPunct="1">
+                        <a:lnSpc>
+                          <a:spcPct val="100000"/>
+                        </a:lnSpc>
+                        <a:spcBef>
+                          <a:spcPts val="0"/>
+                        </a:spcBef>
+                        <a:spcAft>
+                          <a:spcPts val="0"/>
+                        </a:spcAft>
+                        <a:buClrTx/>
+                        <a:buSzTx/>
+                        <a:buFontTx/>
+                        <a:buNone/>
+                        <a:tabLst/>
+                        <a:defRPr/>
+                      </a:pPr>
+                      <a:r>
+                        <a:rPr lang="de-DE" sz="1200" b="1" dirty="0">
+                          <a:solidFill>
+                            <a:schemeClr val="tx1"/>
+                          </a:solidFill>
+                          <a:latin typeface="Arial" panose="020B0604020202020204" pitchFamily="34" charset="0"/>
+                          <a:cs typeface="Arial" panose="020B0604020202020204" pitchFamily="34" charset="0"/>
+                        </a:rPr>
+                        <a:t>Searchphrase</a:t>
+                      </a:r>
+                    </a:p>
+                  </a:txBody>
+                  <a:tcPr/>
+                </a:tc>
+                <a:extLst>
+                  <a:ext uri="{0D108BD9-81ED-4DB2-BD59-A6C34878D82A}">
+                    <a16:rowId xmlns:a16="http://schemas.microsoft.com/office/drawing/2014/main" val="10000"/>
+                  </a:ext>
+                </a:extLst>
+              </a:tr>
+              <a:tr h="853440">
+                <a:tc>
+                  <a:txBody>
+                    <a:bodyPr/>
+                    <a:lstStyle/>
+                    <a:p>
+                      <a:pPr marL="0" marR="0" lvl="0" indent="0" algn="l" defTabSz="914400" rtl="0" eaLnBrk="1" fontAlgn="auto" latinLnBrk="0" hangingPunct="1">
+                        <a:lnSpc>
+                          <a:spcPct val="100000"/>
+                        </a:lnSpc>
+                        <a:spcBef>
+                          <a:spcPts val="0"/>
+                        </a:spcBef>
+                        <a:spcAft>
+                          <a:spcPts val="0"/>
+                        </a:spcAft>
+                        <a:buClrTx/>
+                        <a:buSzTx/>
+                        <a:buFontTx/>
+                        <a:buNone/>
+                        <a:tabLst/>
+                        <a:defRPr/>
+                      </a:pPr>
+                      <a:r>
+                        <a:rPr lang="de-DE" sz="1100" u="none" baseline="0" dirty="0" err="1">
+                          <a:latin typeface="Arial" panose="020B0604020202020204" pitchFamily="34" charset="0"/>
+                          <a:cs typeface="Arial" panose="020B0604020202020204" pitchFamily="34" charset="0"/>
+                          <a:sym typeface="Wingdings" panose="05000000000000000000" pitchFamily="2" charset="2"/>
+                        </a:rPr>
+                        <a:t>id</a:t>
+                      </a:r>
+                      <a:r>
+                        <a:rPr lang="de-DE" sz="1100" u="none" baseline="0" dirty="0">
+                          <a:latin typeface="Arial" panose="020B0604020202020204" pitchFamily="34" charset="0"/>
+                          <a:cs typeface="Arial" panose="020B0604020202020204" pitchFamily="34" charset="0"/>
+                          <a:sym typeface="Wingdings" panose="05000000000000000000" pitchFamily="2" charset="2"/>
+                        </a:rPr>
+                        <a:t> (PS) </a:t>
+                      </a:r>
+                      <a:r>
+                        <a:rPr lang="de-DE" sz="600" u="none" kern="1200" baseline="0" dirty="0">
+                          <a:solidFill>
+                            <a:srgbClr val="C00000"/>
+                          </a:solidFill>
+                          <a:latin typeface="Arial" panose="020B0604020202020204" pitchFamily="34" charset="0"/>
+                          <a:ea typeface="+mn-ea"/>
+                          <a:cs typeface="Arial" panose="020B0604020202020204" pitchFamily="34" charset="0"/>
+                          <a:sym typeface="Wingdings" panose="05000000000000000000" pitchFamily="2" charset="2"/>
+                        </a:rPr>
+                        <a:t>=&gt; </a:t>
+                      </a:r>
+                      <a:r>
+                        <a:rPr lang="de-DE" sz="600" u="none" kern="1200" baseline="0" dirty="0" err="1">
+                          <a:solidFill>
+                            <a:srgbClr val="C00000"/>
+                          </a:solidFill>
+                          <a:latin typeface="Arial" panose="020B0604020202020204" pitchFamily="34" charset="0"/>
+                          <a:ea typeface="+mn-ea"/>
+                          <a:cs typeface="Arial" panose="020B0604020202020204" pitchFamily="34" charset="0"/>
+                          <a:sym typeface="Wingdings" panose="05000000000000000000" pitchFamily="2" charset="2"/>
+                        </a:rPr>
+                        <a:t>int</a:t>
+                      </a:r>
+                      <a:r>
+                        <a:rPr lang="de-DE" sz="600" u="none" kern="1200" baseline="0" dirty="0">
+                          <a:solidFill>
+                            <a:srgbClr val="C00000"/>
+                          </a:solidFill>
+                          <a:latin typeface="Arial" panose="020B0604020202020204" pitchFamily="34" charset="0"/>
+                          <a:ea typeface="+mn-ea"/>
+                          <a:cs typeface="Arial" panose="020B0604020202020204" pitchFamily="34" charset="0"/>
+                          <a:sym typeface="Wingdings" panose="05000000000000000000" pitchFamily="2" charset="2"/>
+                        </a:rPr>
+                        <a:t> </a:t>
+                      </a:r>
+                      <a:r>
+                        <a:rPr lang="de-DE" sz="600" u="none" baseline="0" dirty="0">
+                          <a:solidFill>
+                            <a:srgbClr val="C00000"/>
+                          </a:solidFill>
+                          <a:latin typeface="Arial" panose="020B0604020202020204" pitchFamily="34" charset="0"/>
+                          <a:cs typeface="Arial" panose="020B0604020202020204" pitchFamily="34" charset="0"/>
+                          <a:sym typeface="Wingdings" panose="05000000000000000000" pitchFamily="2" charset="2"/>
+                        </a:rPr>
+                        <a:t>auto-</a:t>
+                      </a:r>
+                      <a:r>
+                        <a:rPr lang="de-DE" sz="600" u="none" baseline="0" dirty="0" err="1">
+                          <a:solidFill>
+                            <a:srgbClr val="C00000"/>
+                          </a:solidFill>
+                          <a:latin typeface="Arial" panose="020B0604020202020204" pitchFamily="34" charset="0"/>
+                          <a:cs typeface="Arial" panose="020B0604020202020204" pitchFamily="34" charset="0"/>
+                          <a:sym typeface="Wingdings" panose="05000000000000000000" pitchFamily="2" charset="2"/>
+                        </a:rPr>
+                        <a:t>increment</a:t>
+                      </a:r>
+                      <a:r>
+                        <a:rPr lang="de-DE" sz="600" u="none" baseline="0" dirty="0">
+                          <a:solidFill>
+                            <a:srgbClr val="C00000"/>
+                          </a:solidFill>
+                          <a:latin typeface="Arial" panose="020B0604020202020204" pitchFamily="34" charset="0"/>
+                          <a:cs typeface="Arial" panose="020B0604020202020204" pitchFamily="34" charset="0"/>
+                          <a:sym typeface="Wingdings" panose="05000000000000000000" pitchFamily="2" charset="2"/>
+                        </a:rPr>
+                        <a:t>, </a:t>
+                      </a:r>
+                      <a:r>
+                        <a:rPr lang="de-DE" sz="600" u="none" baseline="0" dirty="0">
+                          <a:solidFill>
+                            <a:srgbClr val="00B0F0"/>
+                          </a:solidFill>
+                          <a:latin typeface="Arial" panose="020B0604020202020204" pitchFamily="34" charset="0"/>
+                          <a:cs typeface="Arial" panose="020B0604020202020204" pitchFamily="34" charset="0"/>
+                          <a:sym typeface="Wingdings" panose="05000000000000000000" pitchFamily="2" charset="2"/>
+                        </a:rPr>
+                        <a:t>kein Default-Wert</a:t>
+                      </a:r>
+                      <a:endParaRPr lang="de-DE" sz="600" u="none" baseline="0" dirty="0">
+                        <a:latin typeface="Arial" panose="020B0604020202020204" pitchFamily="34" charset="0"/>
+                        <a:cs typeface="Arial" panose="020B0604020202020204" pitchFamily="34" charset="0"/>
+                        <a:sym typeface="Wingdings" panose="05000000000000000000" pitchFamily="2" charset="2"/>
+                      </a:endParaRPr>
+                    </a:p>
+                    <a:p>
+                      <a:pPr marL="0" marR="0" lvl="0" indent="0" algn="l" defTabSz="914400" rtl="0" eaLnBrk="1" fontAlgn="auto" latinLnBrk="0" hangingPunct="1">
+                        <a:lnSpc>
+                          <a:spcPct val="100000"/>
+                        </a:lnSpc>
+                        <a:spcBef>
+                          <a:spcPts val="0"/>
+                        </a:spcBef>
+                        <a:spcAft>
+                          <a:spcPts val="0"/>
+                        </a:spcAft>
+                        <a:buClrTx/>
+                        <a:buSzTx/>
+                        <a:buFontTx/>
+                        <a:buNone/>
+                        <a:tabLst/>
+                        <a:defRPr/>
+                      </a:pPr>
+                      <a:r>
+                        <a:rPr lang="de-DE" sz="1100" u="sng" kern="1200" baseline="0" dirty="0">
+                          <a:solidFill>
+                            <a:schemeClr val="tx1"/>
+                          </a:solidFill>
+                          <a:latin typeface="Arial" panose="020B0604020202020204" pitchFamily="34" charset="0"/>
+                          <a:ea typeface="+mn-ea"/>
+                          <a:cs typeface="Arial" panose="020B0604020202020204" pitchFamily="34" charset="0"/>
+                          <a:sym typeface="Wingdings" panose="05000000000000000000" pitchFamily="2" charset="2"/>
+                        </a:rPr>
+                        <a:t>searchphrase</a:t>
+                      </a:r>
+                      <a:r>
+                        <a:rPr lang="de-DE" sz="1100" u="none" kern="1200" baseline="0" dirty="0">
+                          <a:solidFill>
+                            <a:schemeClr val="tx1"/>
+                          </a:solidFill>
+                          <a:latin typeface="Arial" panose="020B0604020202020204" pitchFamily="34" charset="0"/>
+                          <a:ea typeface="+mn-ea"/>
+                          <a:cs typeface="Arial" panose="020B0604020202020204" pitchFamily="34" charset="0"/>
+                          <a:sym typeface="Wingdings" panose="05000000000000000000" pitchFamily="2" charset="2"/>
+                        </a:rPr>
+                        <a:t> </a:t>
+                      </a:r>
+                      <a:r>
+                        <a:rPr lang="de-DE" sz="600" u="none" kern="1200" baseline="0" dirty="0">
+                          <a:solidFill>
+                            <a:srgbClr val="C00000"/>
+                          </a:solidFill>
+                          <a:latin typeface="Arial" panose="020B0604020202020204" pitchFamily="34" charset="0"/>
+                          <a:ea typeface="+mn-ea"/>
+                          <a:cs typeface="Arial" panose="020B0604020202020204" pitchFamily="34" charset="0"/>
+                          <a:sym typeface="Wingdings" panose="05000000000000000000" pitchFamily="2" charset="2"/>
+                        </a:rPr>
+                        <a:t>=&gt; </a:t>
+                      </a:r>
+                      <a:r>
+                        <a:rPr lang="de-DE" sz="600" u="none" kern="1200" baseline="0" dirty="0" err="1">
+                          <a:solidFill>
+                            <a:srgbClr val="C00000"/>
+                          </a:solidFill>
+                          <a:latin typeface="Arial" panose="020B0604020202020204" pitchFamily="34" charset="0"/>
+                          <a:ea typeface="+mn-ea"/>
+                          <a:cs typeface="Arial" panose="020B0604020202020204" pitchFamily="34" charset="0"/>
+                          <a:sym typeface="Wingdings" panose="05000000000000000000" pitchFamily="2" charset="2"/>
+                        </a:rPr>
+                        <a:t>varchar</a:t>
+                      </a:r>
+                      <a:r>
+                        <a:rPr lang="de-DE" sz="600" u="none" kern="1200" baseline="0" dirty="0">
+                          <a:solidFill>
+                            <a:srgbClr val="C00000"/>
+                          </a:solidFill>
+                          <a:latin typeface="Arial" panose="020B0604020202020204" pitchFamily="34" charset="0"/>
+                          <a:ea typeface="+mn-ea"/>
+                          <a:cs typeface="Arial" panose="020B0604020202020204" pitchFamily="34" charset="0"/>
+                          <a:sym typeface="Wingdings" panose="05000000000000000000" pitchFamily="2" charset="2"/>
+                        </a:rPr>
+                        <a:t>[255],</a:t>
+                      </a:r>
+                      <a:r>
+                        <a:rPr lang="de-DE" sz="600" u="none" baseline="0" dirty="0">
+                          <a:solidFill>
+                            <a:srgbClr val="00B0F0"/>
+                          </a:solidFill>
+                          <a:latin typeface="Arial" panose="020B0604020202020204" pitchFamily="34" charset="0"/>
+                          <a:cs typeface="Arial" panose="020B0604020202020204" pitchFamily="34" charset="0"/>
+                          <a:sym typeface="Wingdings" panose="05000000000000000000" pitchFamily="2" charset="2"/>
+                        </a:rPr>
+                        <a:t> kein Default-Wert</a:t>
+                      </a:r>
+                      <a:endParaRPr lang="de-DE" sz="600" u="none" kern="1200" baseline="0" dirty="0">
+                        <a:solidFill>
+                          <a:schemeClr val="tx1"/>
+                        </a:solidFill>
+                        <a:latin typeface="Arial" panose="020B0604020202020204" pitchFamily="34" charset="0"/>
+                        <a:ea typeface="+mn-ea"/>
+                        <a:cs typeface="Arial" panose="020B0604020202020204" pitchFamily="34" charset="0"/>
+                        <a:sym typeface="Wingdings" panose="05000000000000000000" pitchFamily="2" charset="2"/>
+                      </a:endParaRPr>
+                    </a:p>
+                  </a:txBody>
+                  <a:tcPr/>
+                </a:tc>
+                <a:extLst>
+                  <a:ext uri="{0D108BD9-81ED-4DB2-BD59-A6C34878D82A}">
+                    <a16:rowId xmlns:a16="http://schemas.microsoft.com/office/drawing/2014/main" val="10001"/>
+                  </a:ext>
+                </a:extLst>
+              </a:tr>
+            </a:tbl>
+          </a:graphicData>
+        </a:graphic>
+      </p:graphicFrame>
+      <p:cxnSp>
+        <p:nvCxnSpPr>
+          <p:cNvPr id="7" name="Gerade Verbindung mit Pfeil 6"/>
+          <p:cNvCxnSpPr>
+            <a:stCxn id="27" idx="1"/>
+            <a:endCxn id="28" idx="3"/>
+          </p:cNvCxnSpPr>
+          <p:nvPr/>
+        </p:nvCxnSpPr>
+        <p:spPr>
+          <a:xfrm flipH="1" flipV="1">
+            <a:off x="1259632" y="2486030"/>
+            <a:ext cx="288032" cy="5684"/>
+          </a:xfrm>
+          <a:prstGeom prst="straightConnector1">
+            <a:avLst/>
+          </a:prstGeom>
+          <a:ln w="15875">
+            <a:solidFill>
+              <a:schemeClr val="tx1"/>
+            </a:solidFill>
+            <a:tailEnd type="arrow"/>
+          </a:ln>
+        </p:spPr>
+        <p:style>
+          <a:lnRef idx="1">
+            <a:schemeClr val="accent1"/>
+          </a:lnRef>
+          <a:fillRef idx="0">
+            <a:schemeClr val="accent1"/>
+          </a:fillRef>
+          <a:effectRef idx="0">
+            <a:schemeClr val="accent1"/>
+          </a:effectRef>
+          <a:fontRef idx="minor">
+            <a:schemeClr val="tx1"/>
+          </a:fontRef>
+        </p:style>
+      </p:cxnSp>
+      <p:cxnSp>
+        <p:nvCxnSpPr>
+          <p:cNvPr id="23" name="Verbinder: gewinkelt 22"/>
+          <p:cNvCxnSpPr>
+            <a:stCxn id="27" idx="3"/>
+          </p:cNvCxnSpPr>
+          <p:nvPr/>
+        </p:nvCxnSpPr>
+        <p:spPr>
+          <a:xfrm flipV="1">
+            <a:off x="3394590" y="1484784"/>
+            <a:ext cx="1105402" cy="1006930"/>
+          </a:xfrm>
+          <a:prstGeom prst="bentConnector3">
+            <a:avLst>
+              <a:gd name="adj1" fmla="val 65510"/>
+            </a:avLst>
+          </a:prstGeom>
+          <a:ln w="15875">
+            <a:solidFill>
+              <a:schemeClr val="tx1"/>
+            </a:solidFill>
+            <a:tailEnd type="arrow"/>
+          </a:ln>
+        </p:spPr>
+        <p:style>
+          <a:lnRef idx="1">
+            <a:schemeClr val="accent1"/>
+          </a:lnRef>
+          <a:fillRef idx="0">
+            <a:schemeClr val="accent1"/>
+          </a:fillRef>
+          <a:effectRef idx="0">
+            <a:schemeClr val="accent1"/>
+          </a:effectRef>
+          <a:fontRef idx="minor">
+            <a:schemeClr val="tx1"/>
+          </a:fontRef>
+        </p:style>
+      </p:cxnSp>
+    </p:spTree>
+    <p:extLst>
+      <p:ext uri="{BB962C8B-B14F-4D97-AF65-F5344CB8AC3E}">
+        <p14:creationId xmlns:p14="http://schemas.microsoft.com/office/powerpoint/2010/main" val="2961807889"/>
+      </p:ext>
+    </p:extLst>
+  </p:cSld>
+  <p:clrMapOvr>
+    <a:masterClrMapping/>
+  </p:clrMapOvr>
+</p:sld>
+</file>
+
+<file path=ppt/slides/slide2.xml><?xml version="1.0" encoding="utf-8"?>
+<p:sld xmlns:a="http://schemas.openxmlformats.org/drawingml/2006/main" xmlns:r="http://schemas.openxmlformats.org/officeDocument/2006/relationships" xmlns:p="http://schemas.openxmlformats.org/presentationml/2006/main">
+  <p:cSld>
+    <p:spTree>
+      <p:nvGrpSpPr>
+        <p:cNvPr id="1" name=""/>
+        <p:cNvGrpSpPr/>
+        <p:nvPr/>
+      </p:nvGrpSpPr>
+      <p:grpSpPr>
+        <a:xfrm>
+          <a:off x="0" y="0"/>
+          <a:ext cx="0" cy="0"/>
+          <a:chOff x="0" y="0"/>
+          <a:chExt cx="0" cy="0"/>
+        </a:xfrm>
+      </p:grpSpPr>
+      <p:sp>
+        <p:nvSpPr>
+          <p:cNvPr id="3" name="Inhaltsplatzhalter 2"/>
+          <p:cNvSpPr>
+            <a:spLocks noGrp="1"/>
+          </p:cNvSpPr>
+          <p:nvPr>
+            <p:ph idx="1"/>
+          </p:nvPr>
+        </p:nvSpPr>
+        <p:spPr>
+          <a:xfrm>
+            <a:off x="479296" y="1700808"/>
+            <a:ext cx="8229600" cy="1401021"/>
+          </a:xfrm>
+        </p:spPr>
+        <p:txBody>
+          <a:bodyPr>
+            <a:normAutofit fontScale="92500" lnSpcReduction="10000"/>
+          </a:bodyPr>
+          <a:lstStyle/>
+          <a:p>
+            <a:pPr marL="0" indent="0" algn="ctr">
+              <a:buNone/>
+            </a:pPr>
+            <a:r>
+              <a:rPr lang="de-DE" sz="9600" dirty="0">
+                <a:solidFill>
+                  <a:srgbClr val="FF0000"/>
+                </a:solidFill>
+              </a:rPr>
+              <a:t>ALT</a:t>
+            </a:r>
+          </a:p>
+        </p:txBody>
+      </p:sp>
+      <p:sp>
+        <p:nvSpPr>
+          <p:cNvPr id="4" name="Fußzeilenplatzhalter 3"/>
+          <p:cNvSpPr>
+            <a:spLocks noGrp="1"/>
+          </p:cNvSpPr>
+          <p:nvPr>
+            <p:ph type="ftr" sz="quarter" idx="11"/>
+          </p:nvPr>
+        </p:nvSpPr>
+        <p:spPr/>
+        <p:txBody>
+          <a:bodyPr/>
+          <a:lstStyle/>
+          <a:p>
+            <a:r>
+              <a:rPr lang="de-DE"/>
+              <a:t>Webdatenbank-Systeme</a:t>
+            </a:r>
+          </a:p>
+        </p:txBody>
+      </p:sp>
+      <p:sp>
+        <p:nvSpPr>
+          <p:cNvPr id="5" name="Foliennummernplatzhalter 4"/>
+          <p:cNvSpPr>
+            <a:spLocks noGrp="1"/>
+          </p:cNvSpPr>
+          <p:nvPr>
+            <p:ph type="sldNum" sz="quarter" idx="12"/>
+          </p:nvPr>
+        </p:nvSpPr>
+        <p:spPr/>
+        <p:txBody>
+          <a:bodyPr/>
+          <a:lstStyle/>
+          <a:p>
+            <a:fld id="{224286A4-A35A-4214-9BF4-B746FB763E74}" type="slidenum">
+              <a:rPr lang="de-DE" smtClean="0"/>
+              <a:t>2</a:t>
+            </a:fld>
+            <a:endParaRPr lang="de-DE"/>
+          </a:p>
+        </p:txBody>
+      </p:sp>
+    </p:spTree>
+    <p:extLst>
+      <p:ext uri="{BB962C8B-B14F-4D97-AF65-F5344CB8AC3E}">
+        <p14:creationId xmlns:p14="http://schemas.microsoft.com/office/powerpoint/2010/main" val="2637379188"/>
+      </p:ext>
+    </p:extLst>
+  </p:cSld>
+  <p:clrMapOvr>
+    <a:masterClrMapping/>
+  </p:clrMapOvr>
+</p:sld>
+</file>
+
+<file path=ppt/slides/slide3.xml><?xml version="1.0" encoding="utf-8"?>
+<p:sld xmlns:a="http://schemas.openxmlformats.org/drawingml/2006/main" xmlns:r="http://schemas.openxmlformats.org/officeDocument/2006/relationships" xmlns:p="http://schemas.openxmlformats.org/presentationml/2006/main">
+  <p:cSld>
+    <p:spTree>
+      <p:nvGrpSpPr>
+        <p:cNvPr id="1" name=""/>
+        <p:cNvGrpSpPr/>
+        <p:nvPr/>
+      </p:nvGrpSpPr>
+      <p:grpSpPr>
+        <a:xfrm>
+          <a:off x="0" y="0"/>
+          <a:ext cx="0" cy="0"/>
+          <a:chOff x="0" y="0"/>
+          <a:chExt cx="0" cy="0"/>
+        </a:xfrm>
+      </p:grpSpPr>
+      <p:sp>
+        <p:nvSpPr>
+          <p:cNvPr id="6" name="Foliennummernplatzhalter 5"/>
+          <p:cNvSpPr>
+            <a:spLocks noGrp="1"/>
+          </p:cNvSpPr>
+          <p:nvPr>
+            <p:ph type="sldNum" sz="quarter" idx="12"/>
+          </p:nvPr>
+        </p:nvSpPr>
+        <p:spPr/>
+        <p:txBody>
+          <a:bodyPr/>
+          <a:lstStyle/>
+          <a:p>
+            <a:fld id="{224286A4-A35A-4214-9BF4-B746FB763E74}" type="slidenum">
+              <a:rPr lang="de-DE" smtClean="0"/>
+              <a:t>3</a:t>
             </a:fld>
             <a:endParaRPr lang="de-DE" dirty="0"/>
           </a:p>
@@ -10229,7 +16826,7 @@
 </p:sld>
 </file>
 
-<file path=ppt/slides/slide2.xml><?xml version="1.0" encoding="utf-8"?>
+<file path=ppt/slides/slide4.xml><?xml version="1.0" encoding="utf-8"?>
 <p:sld xmlns:a="http://schemas.openxmlformats.org/drawingml/2006/main" xmlns:r="http://schemas.openxmlformats.org/officeDocument/2006/relationships" xmlns:p="http://schemas.openxmlformats.org/presentationml/2006/main">
   <p:cSld>
     <p:spTree>
@@ -10263,7 +16860,7 @@
           <a:p>
             <a:fld id="{224286A4-A35A-4214-9BF4-B746FB763E74}" type="slidenum">
               <a:rPr lang="de-DE" smtClean="0"/>
-              <a:t>2</a:t>
+              <a:t>4</a:t>
             </a:fld>
             <a:endParaRPr lang="de-DE" dirty="0"/>
           </a:p>
@@ -13842,118 +20439,7 @@
 </p:sld>
 </file>
 
-<file path=ppt/slides/slide3.xml><?xml version="1.0" encoding="utf-8"?>
-<p:sld xmlns:a="http://schemas.openxmlformats.org/drawingml/2006/main" xmlns:r="http://schemas.openxmlformats.org/officeDocument/2006/relationships" xmlns:p="http://schemas.openxmlformats.org/presentationml/2006/main">
-  <p:cSld>
-    <p:spTree>
-      <p:nvGrpSpPr>
-        <p:cNvPr id="1" name=""/>
-        <p:cNvGrpSpPr/>
-        <p:nvPr/>
-      </p:nvGrpSpPr>
-      <p:grpSpPr>
-        <a:xfrm>
-          <a:off x="0" y="0"/>
-          <a:ext cx="0" cy="0"/>
-          <a:chOff x="0" y="0"/>
-          <a:chExt cx="0" cy="0"/>
-        </a:xfrm>
-      </p:grpSpPr>
-      <p:sp>
-        <p:nvSpPr>
-          <p:cNvPr id="3" name="Inhaltsplatzhalter 2"/>
-          <p:cNvSpPr>
-            <a:spLocks noGrp="1"/>
-          </p:cNvSpPr>
-          <p:nvPr>
-            <p:ph idx="1"/>
-          </p:nvPr>
-        </p:nvSpPr>
-        <p:spPr>
-          <a:xfrm>
-            <a:off x="479296" y="1700808"/>
-            <a:ext cx="8229600" cy="1401021"/>
-          </a:xfrm>
-        </p:spPr>
-        <p:txBody>
-          <a:bodyPr>
-            <a:normAutofit fontScale="92500" lnSpcReduction="10000"/>
-          </a:bodyPr>
-          <a:lstStyle/>
-          <a:p>
-            <a:pPr marL="0" indent="0" algn="ctr">
-              <a:buNone/>
-            </a:pPr>
-            <a:r>
-              <a:rPr lang="de-DE" sz="9600" dirty="0">
-                <a:solidFill>
-                  <a:srgbClr val="FF0000"/>
-                </a:solidFill>
-              </a:rPr>
-              <a:t>ALT</a:t>
-            </a:r>
-          </a:p>
-        </p:txBody>
-      </p:sp>
-      <p:sp>
-        <p:nvSpPr>
-          <p:cNvPr id="4" name="Fußzeilenplatzhalter 3"/>
-          <p:cNvSpPr>
-            <a:spLocks noGrp="1"/>
-          </p:cNvSpPr>
-          <p:nvPr>
-            <p:ph type="ftr" sz="quarter" idx="11"/>
-          </p:nvPr>
-        </p:nvSpPr>
-        <p:spPr/>
-        <p:txBody>
-          <a:bodyPr/>
-          <a:lstStyle/>
-          <a:p>
-            <a:r>
-              <a:rPr lang="de-DE"/>
-              <a:t>Webdatenbank-Systeme</a:t>
-            </a:r>
-          </a:p>
-        </p:txBody>
-      </p:sp>
-      <p:sp>
-        <p:nvSpPr>
-          <p:cNvPr id="5" name="Foliennummernplatzhalter 4"/>
-          <p:cNvSpPr>
-            <a:spLocks noGrp="1"/>
-          </p:cNvSpPr>
-          <p:nvPr>
-            <p:ph type="sldNum" sz="quarter" idx="12"/>
-          </p:nvPr>
-        </p:nvSpPr>
-        <p:spPr/>
-        <p:txBody>
-          <a:bodyPr/>
-          <a:lstStyle/>
-          <a:p>
-            <a:fld id="{224286A4-A35A-4214-9BF4-B746FB763E74}" type="slidenum">
-              <a:rPr lang="de-DE" smtClean="0"/>
-              <a:t>3</a:t>
-            </a:fld>
-            <a:endParaRPr lang="de-DE"/>
-          </a:p>
-        </p:txBody>
-      </p:sp>
-    </p:spTree>
-    <p:extLst>
-      <p:ext uri="{BB962C8B-B14F-4D97-AF65-F5344CB8AC3E}">
-        <p14:creationId xmlns:p14="http://schemas.microsoft.com/office/powerpoint/2010/main" val="2637379188"/>
-      </p:ext>
-    </p:extLst>
-  </p:cSld>
-  <p:clrMapOvr>
-    <a:masterClrMapping/>
-  </p:clrMapOvr>
-</p:sld>
-</file>
-
-<file path=ppt/slides/slide4.xml><?xml version="1.0" encoding="utf-8"?>
+<file path=ppt/slides/slide5.xml><?xml version="1.0" encoding="utf-8"?>
 <p:sld xmlns:a="http://schemas.openxmlformats.org/drawingml/2006/main" xmlns:r="http://schemas.openxmlformats.org/officeDocument/2006/relationships" xmlns:p="http://schemas.openxmlformats.org/presentationml/2006/main">
   <p:cSld>
     <p:spTree>
@@ -13987,7 +20473,7 @@
           <a:p>
             <a:fld id="{224286A4-A35A-4214-9BF4-B746FB763E74}" type="slidenum">
               <a:rPr lang="de-DE" smtClean="0"/>
-              <a:t>4</a:t>
+              <a:t>5</a:t>
             </a:fld>
             <a:endParaRPr lang="de-DE" dirty="0"/>
           </a:p>
@@ -19449,7 +25935,7 @@
 </p:sld>
 </file>
 
-<file path=ppt/slides/slide5.xml><?xml version="1.0" encoding="utf-8"?>
+<file path=ppt/slides/slide6.xml><?xml version="1.0" encoding="utf-8"?>
 <p:sld xmlns:a="http://schemas.openxmlformats.org/drawingml/2006/main" xmlns:r="http://schemas.openxmlformats.org/officeDocument/2006/relationships" xmlns:p="http://schemas.openxmlformats.org/presentationml/2006/main">
   <p:cSld>
     <p:spTree>
@@ -19483,7 +25969,7 @@
           <a:p>
             <a:fld id="{224286A4-A35A-4214-9BF4-B746FB763E74}" type="slidenum">
               <a:rPr lang="de-DE" smtClean="0"/>
-              <a:t>5</a:t>
+              <a:t>6</a:t>
             </a:fld>
             <a:endParaRPr lang="de-DE" dirty="0"/>
           </a:p>
@@ -22643,7 +29129,7 @@
 </p:sld>
 </file>
 
-<file path=ppt/slides/slide6.xml><?xml version="1.0" encoding="utf-8"?>
+<file path=ppt/slides/slide7.xml><?xml version="1.0" encoding="utf-8"?>
 <p:sld xmlns:a="http://schemas.openxmlformats.org/drawingml/2006/main" xmlns:r="http://schemas.openxmlformats.org/officeDocument/2006/relationships" xmlns:p="http://schemas.openxmlformats.org/presentationml/2006/main">
   <p:cSld>
     <p:spTree>
@@ -22677,7 +29163,7 @@
           <a:p>
             <a:fld id="{224286A4-A35A-4214-9BF4-B746FB763E74}" type="slidenum">
               <a:rPr lang="de-DE" smtClean="0"/>
-              <a:t>6</a:t>
+              <a:t>7</a:t>
             </a:fld>
             <a:endParaRPr lang="de-DE" dirty="0"/>
           </a:p>

--- a/Spezifikationen/CMS_Modell_Spezifikation.pptx
+++ b/Spezifikationen/CMS_Modell_Spezifikation.pptx
@@ -4302,12 +4302,16 @@
             <a:graphicFrameLocks noGrp="1"/>
           </p:cNvGraphicFramePr>
           <p:nvPr>
-            <p:extLst/>
+            <p:extLst>
+              <p:ext uri="{D42A27DB-BD31-4B8C-83A1-F6EECF244321}">
+                <p14:modId xmlns:p14="http://schemas.microsoft.com/office/powerpoint/2010/main" val="917475287"/>
+              </p:ext>
+            </p:extLst>
           </p:nvPr>
         </p:nvGraphicFramePr>
         <p:xfrm>
-          <a:off x="2218825" y="29617"/>
-          <a:ext cx="1594899" cy="1904533"/>
+          <a:off x="2051015" y="29617"/>
+          <a:ext cx="1834213" cy="1935480"/>
         </p:xfrm>
         <a:graphic>
           <a:graphicData uri="http://schemas.openxmlformats.org/drawingml/2006/table">
@@ -4316,7 +4320,7 @@
                 <a:tableStyleId>{F2DE63D5-997A-4646-A377-4702673A728D}</a:tableStyleId>
               </a:tblPr>
               <a:tblGrid>
-                <a:gridCol w="1594899">
+                <a:gridCol w="1834213">
                   <a:extLst>
                     <a:ext uri="{9D8B030D-6E8A-4147-A177-3AD203B41FA5}">
                       <a16:colId xmlns:a16="http://schemas.microsoft.com/office/drawing/2014/main" val="20000"/>
@@ -4367,7 +4371,7 @@
                   </a:ext>
                 </a:extLst>
               </a:tr>
-              <a:tr h="1630213">
+              <a:tr h="1661160">
                 <a:tc>
                   <a:txBody>
                     <a:bodyPr/>
@@ -4767,7 +4771,7 @@
                           <a:cs typeface="Arial" panose="020B0604020202020204" pitchFamily="34" charset="0"/>
                           <a:sym typeface="Wingdings" panose="05000000000000000000" pitchFamily="2" charset="2"/>
                         </a:rPr>
-                        <a:t>begin</a:t>
+                        <a:t>begindatetime</a:t>
                       </a:r>
                       <a:r>
                         <a:rPr lang="de-DE" sz="600" u="none" kern="1200" baseline="0" dirty="0">
@@ -4828,12 +4832,12 @@
                     </a:p>
                     <a:p>
                       <a:r>
-                        <a:rPr lang="de-DE" sz="1100" u="none" baseline="0" dirty="0">
-                          <a:latin typeface="Arial" panose="020B0604020202020204" pitchFamily="34" charset="0"/>
-                          <a:cs typeface="Arial" panose="020B0604020202020204" pitchFamily="34" charset="0"/>
-                          <a:sym typeface="Wingdings" panose="05000000000000000000" pitchFamily="2" charset="2"/>
-                        </a:rPr>
-                        <a:t>end</a:t>
+                        <a:rPr lang="de-DE" sz="1100" u="none" baseline="0" dirty="0" err="1">
+                          <a:latin typeface="Arial" panose="020B0604020202020204" pitchFamily="34" charset="0"/>
+                          <a:cs typeface="Arial" panose="020B0604020202020204" pitchFamily="34" charset="0"/>
+                          <a:sym typeface="Wingdings" panose="05000000000000000000" pitchFamily="2" charset="2"/>
+                        </a:rPr>
+                        <a:t>enddatetime</a:t>
                       </a:r>
                       <a:r>
                         <a:rPr lang="de-DE" sz="600" u="none" kern="1200" baseline="0" dirty="0">
@@ -9044,7 +9048,7 @@
         <p:spPr>
           <a:xfrm>
             <a:off x="1475656" y="596527"/>
-            <a:ext cx="743169" cy="0"/>
+            <a:ext cx="575359" cy="24161"/>
           </a:xfrm>
           <a:prstGeom prst="straightConnector1">
             <a:avLst/>
@@ -9389,8 +9393,8 @@
         </p:nvCxnSpPr>
         <p:spPr>
           <a:xfrm flipH="1">
-            <a:off x="3804235" y="525340"/>
-            <a:ext cx="680925" cy="21274"/>
+            <a:off x="3885228" y="525340"/>
+            <a:ext cx="599933" cy="23340"/>
           </a:xfrm>
           <a:prstGeom prst="straightConnector1">
             <a:avLst/>

--- a/Spezifikationen/CMS_Modell_Spezifikation.pptx
+++ b/Spezifikationen/CMS_Modell_Spezifikation.pptx
@@ -214,7 +214,7 @@
           <a:p>
             <a:fld id="{5FB9DE1E-9C59-4472-9BFE-872FCA557505}" type="datetimeFigureOut">
               <a:rPr lang="de-DE" smtClean="0"/>
-              <a:t>22.12.2016</a:t>
+              <a:t>27.12.2016</a:t>
             </a:fld>
             <a:endParaRPr lang="de-DE"/>
           </a:p>
@@ -1194,7 +1194,7 @@
           <a:p>
             <a:fld id="{A8397244-F09A-480D-A398-F059C842E541}" type="datetime1">
               <a:rPr lang="de-DE" smtClean="0"/>
-              <a:t>22.12.2016</a:t>
+              <a:t>27.12.2016</a:t>
             </a:fld>
             <a:endParaRPr lang="de-DE"/>
           </a:p>
@@ -1365,7 +1365,7 @@
           <a:p>
             <a:fld id="{4A0624FD-1E9C-442B-9A77-F7854ECD5C4B}" type="datetime1">
               <a:rPr lang="de-DE" smtClean="0"/>
-              <a:t>22.12.2016</a:t>
+              <a:t>27.12.2016</a:t>
             </a:fld>
             <a:endParaRPr lang="de-DE"/>
           </a:p>
@@ -1546,7 +1546,7 @@
           <a:p>
             <a:fld id="{0F97B927-A088-4873-98CF-029B6CB6D85E}" type="datetime1">
               <a:rPr lang="de-DE" smtClean="0"/>
-              <a:t>22.12.2016</a:t>
+              <a:t>27.12.2016</a:t>
             </a:fld>
             <a:endParaRPr lang="de-DE"/>
           </a:p>
@@ -1717,7 +1717,7 @@
           <a:p>
             <a:fld id="{D6663774-A100-4623-94BA-F6B6B53CC199}" type="datetime1">
               <a:rPr lang="de-DE" smtClean="0"/>
-              <a:t>22.12.2016</a:t>
+              <a:t>27.12.2016</a:t>
             </a:fld>
             <a:endParaRPr lang="de-DE"/>
           </a:p>
@@ -1965,7 +1965,7 @@
           <a:p>
             <a:fld id="{21A81475-685C-4B07-89AC-60C6EAAB6D4C}" type="datetime1">
               <a:rPr lang="de-DE" smtClean="0"/>
-              <a:t>22.12.2016</a:t>
+              <a:t>27.12.2016</a:t>
             </a:fld>
             <a:endParaRPr lang="de-DE"/>
           </a:p>
@@ -2253,7 +2253,7 @@
           <a:p>
             <a:fld id="{B2F9CB55-05F2-4296-95CC-14386AFD87D6}" type="datetime1">
               <a:rPr lang="de-DE" smtClean="0"/>
-              <a:t>22.12.2016</a:t>
+              <a:t>27.12.2016</a:t>
             </a:fld>
             <a:endParaRPr lang="de-DE"/>
           </a:p>
@@ -2675,7 +2675,7 @@
           <a:p>
             <a:fld id="{8E5BD420-9AB9-458C-81BE-DAFAA9902404}" type="datetime1">
               <a:rPr lang="de-DE" smtClean="0"/>
-              <a:t>22.12.2016</a:t>
+              <a:t>27.12.2016</a:t>
             </a:fld>
             <a:endParaRPr lang="de-DE"/>
           </a:p>
@@ -2795,7 +2795,7 @@
           <a:p>
             <a:fld id="{C644B812-3534-4884-8BE6-32A8F8B770F4}" type="datetime1">
               <a:rPr lang="de-DE" smtClean="0"/>
-              <a:t>22.12.2016</a:t>
+              <a:t>27.12.2016</a:t>
             </a:fld>
             <a:endParaRPr lang="de-DE"/>
           </a:p>
@@ -2893,7 +2893,7 @@
           <a:p>
             <a:fld id="{A8F29B9A-F350-418A-A942-E37D8F967607}" type="datetime1">
               <a:rPr lang="de-DE" smtClean="0"/>
-              <a:t>22.12.2016</a:t>
+              <a:t>27.12.2016</a:t>
             </a:fld>
             <a:endParaRPr lang="de-DE"/>
           </a:p>
@@ -3171,7 +3171,7 @@
           <a:p>
             <a:fld id="{D76FCF4F-E669-4E72-9162-ADDF332D172D}" type="datetime1">
               <a:rPr lang="de-DE" smtClean="0"/>
-              <a:t>22.12.2016</a:t>
+              <a:t>27.12.2016</a:t>
             </a:fld>
             <a:endParaRPr lang="de-DE"/>
           </a:p>
@@ -3426,7 +3426,7 @@
           <a:p>
             <a:fld id="{FCC29BEE-D49A-4984-9A0D-EA18D67C6542}" type="datetime1">
               <a:rPr lang="de-DE" smtClean="0"/>
-              <a:t>22.12.2016</a:t>
+              <a:t>27.12.2016</a:t>
             </a:fld>
             <a:endParaRPr lang="de-DE"/>
           </a:p>
@@ -3640,7 +3640,7 @@
           <a:p>
             <a:fld id="{176F2E55-DA60-42A3-9F60-D110BF06A931}" type="datetime1">
               <a:rPr lang="de-DE" smtClean="0"/>
-              <a:t>22.12.2016</a:t>
+              <a:t>27.12.2016</a:t>
             </a:fld>
             <a:endParaRPr lang="de-DE"/>
           </a:p>
@@ -4066,7 +4066,7 @@
                 <a:gridCol w="1414878">
                   <a:extLst>
                     <a:ext uri="{9D8B030D-6E8A-4147-A177-3AD203B41FA5}">
-                      <a16:colId xmlns:a16="http://schemas.microsoft.com/office/drawing/2014/main" val="20000"/>
+                      <a16:colId xmlns:a16="http://schemas.microsoft.com/office/drawing/2014/main" xmlns="" val="20000"/>
                     </a:ext>
                   </a:extLst>
                 </a:gridCol>
@@ -4117,7 +4117,7 @@
                 </a:tc>
                 <a:extLst>
                   <a:ext uri="{0D108BD9-81ED-4DB2-BD59-A6C34878D82A}">
-                    <a16:rowId xmlns:a16="http://schemas.microsoft.com/office/drawing/2014/main" val="10000"/>
+                    <a16:rowId xmlns:a16="http://schemas.microsoft.com/office/drawing/2014/main" xmlns="" val="10000"/>
                   </a:ext>
                 </a:extLst>
               </a:tr>
@@ -4287,7 +4287,7 @@
                 </a:tc>
                 <a:extLst>
                   <a:ext uri="{0D108BD9-81ED-4DB2-BD59-A6C34878D82A}">
-                    <a16:rowId xmlns:a16="http://schemas.microsoft.com/office/drawing/2014/main" val="10001"/>
+                    <a16:rowId xmlns:a16="http://schemas.microsoft.com/office/drawing/2014/main" xmlns="" val="10001"/>
                   </a:ext>
                 </a:extLst>
               </a:tr>
@@ -4323,7 +4323,7 @@
                 <a:gridCol w="1834213">
                   <a:extLst>
                     <a:ext uri="{9D8B030D-6E8A-4147-A177-3AD203B41FA5}">
-                      <a16:colId xmlns:a16="http://schemas.microsoft.com/office/drawing/2014/main" val="20000"/>
+                      <a16:colId xmlns:a16="http://schemas.microsoft.com/office/drawing/2014/main" xmlns="" val="20000"/>
                     </a:ext>
                   </a:extLst>
                 </a:gridCol>
@@ -4367,7 +4367,7 @@
                 </a:tc>
                 <a:extLst>
                   <a:ext uri="{0D108BD9-81ED-4DB2-BD59-A6C34878D82A}">
-                    <a16:rowId xmlns:a16="http://schemas.microsoft.com/office/drawing/2014/main" val="10000"/>
+                    <a16:rowId xmlns:a16="http://schemas.microsoft.com/office/drawing/2014/main" xmlns="" val="10000"/>
                   </a:ext>
                 </a:extLst>
               </a:tr>
@@ -4901,7 +4901,7 @@
                 </a:tc>
                 <a:extLst>
                   <a:ext uri="{0D108BD9-81ED-4DB2-BD59-A6C34878D82A}">
-                    <a16:rowId xmlns:a16="http://schemas.microsoft.com/office/drawing/2014/main" val="10001"/>
+                    <a16:rowId xmlns:a16="http://schemas.microsoft.com/office/drawing/2014/main" xmlns="" val="10001"/>
                   </a:ext>
                 </a:extLst>
               </a:tr>
@@ -4933,7 +4933,7 @@
                 <a:gridCol w="1944216">
                   <a:extLst>
                     <a:ext uri="{9D8B030D-6E8A-4147-A177-3AD203B41FA5}">
-                      <a16:colId xmlns:a16="http://schemas.microsoft.com/office/drawing/2014/main" val="20000"/>
+                      <a16:colId xmlns:a16="http://schemas.microsoft.com/office/drawing/2014/main" xmlns="" val="20000"/>
                     </a:ext>
                   </a:extLst>
                 </a:gridCol>
@@ -4977,7 +4977,7 @@
                 </a:tc>
                 <a:extLst>
                   <a:ext uri="{0D108BD9-81ED-4DB2-BD59-A6C34878D82A}">
-                    <a16:rowId xmlns:a16="http://schemas.microsoft.com/office/drawing/2014/main" val="10000"/>
+                    <a16:rowId xmlns:a16="http://schemas.microsoft.com/office/drawing/2014/main" xmlns="" val="10000"/>
                   </a:ext>
                 </a:extLst>
               </a:tr>
@@ -5820,7 +5820,7 @@
                 </a:tc>
                 <a:extLst>
                   <a:ext uri="{0D108BD9-81ED-4DB2-BD59-A6C34878D82A}">
-                    <a16:rowId xmlns:a16="http://schemas.microsoft.com/office/drawing/2014/main" val="10001"/>
+                    <a16:rowId xmlns:a16="http://schemas.microsoft.com/office/drawing/2014/main" xmlns="" val="10001"/>
                   </a:ext>
                 </a:extLst>
               </a:tr>
@@ -5852,7 +5852,7 @@
                 <a:gridCol w="2339752">
                   <a:extLst>
                     <a:ext uri="{9D8B030D-6E8A-4147-A177-3AD203B41FA5}">
-                      <a16:colId xmlns:a16="http://schemas.microsoft.com/office/drawing/2014/main" val="20000"/>
+                      <a16:colId xmlns:a16="http://schemas.microsoft.com/office/drawing/2014/main" xmlns="" val="20000"/>
                     </a:ext>
                   </a:extLst>
                 </a:gridCol>
@@ -5903,7 +5903,7 @@
                 </a:tc>
                 <a:extLst>
                   <a:ext uri="{0D108BD9-81ED-4DB2-BD59-A6C34878D82A}">
-                    <a16:rowId xmlns:a16="http://schemas.microsoft.com/office/drawing/2014/main" val="10000"/>
+                    <a16:rowId xmlns:a16="http://schemas.microsoft.com/office/drawing/2014/main" xmlns="" val="10000"/>
                   </a:ext>
                 </a:extLst>
               </a:tr>
@@ -6599,7 +6599,7 @@
                 </a:tc>
                 <a:extLst>
                   <a:ext uri="{0D108BD9-81ED-4DB2-BD59-A6C34878D82A}">
-                    <a16:rowId xmlns:a16="http://schemas.microsoft.com/office/drawing/2014/main" val="10001"/>
+                    <a16:rowId xmlns:a16="http://schemas.microsoft.com/office/drawing/2014/main" xmlns="" val="10001"/>
                   </a:ext>
                 </a:extLst>
               </a:tr>
@@ -6614,11 +6614,15 @@
             <a:graphicFrameLocks noGrp="1"/>
           </p:cNvGraphicFramePr>
           <p:nvPr>
-            <p:extLst/>
+            <p:extLst>
+              <p:ext uri="{D42A27DB-BD31-4B8C-83A1-F6EECF244321}">
+                <p14:modId xmlns:p14="http://schemas.microsoft.com/office/powerpoint/2010/main" val="470598173"/>
+              </p:ext>
+            </p:extLst>
           </p:nvPr>
         </p:nvGraphicFramePr>
         <p:xfrm>
-          <a:off x="3347864" y="2924944"/>
+          <a:off x="3347864" y="3429000"/>
           <a:ext cx="1800200" cy="2148840"/>
         </p:xfrm>
         <a:graphic>
@@ -6631,7 +6635,7 @@
                 <a:gridCol w="1800200">
                   <a:extLst>
                     <a:ext uri="{9D8B030D-6E8A-4147-A177-3AD203B41FA5}">
-                      <a16:colId xmlns:a16="http://schemas.microsoft.com/office/drawing/2014/main" val="20000"/>
+                      <a16:colId xmlns:a16="http://schemas.microsoft.com/office/drawing/2014/main" xmlns="" val="20000"/>
                     </a:ext>
                   </a:extLst>
                 </a:gridCol>
@@ -6682,7 +6686,7 @@
                 </a:tc>
                 <a:extLst>
                   <a:ext uri="{0D108BD9-81ED-4DB2-BD59-A6C34878D82A}">
-                    <a16:rowId xmlns:a16="http://schemas.microsoft.com/office/drawing/2014/main" val="10000"/>
+                    <a16:rowId xmlns:a16="http://schemas.microsoft.com/office/drawing/2014/main" xmlns="" val="10000"/>
                   </a:ext>
                 </a:extLst>
               </a:tr>
@@ -7339,7 +7343,7 @@
                 </a:tc>
                 <a:extLst>
                   <a:ext uri="{0D108BD9-81ED-4DB2-BD59-A6C34878D82A}">
-                    <a16:rowId xmlns:a16="http://schemas.microsoft.com/office/drawing/2014/main" val="10001"/>
+                    <a16:rowId xmlns:a16="http://schemas.microsoft.com/office/drawing/2014/main" xmlns="" val="10001"/>
                   </a:ext>
                 </a:extLst>
               </a:tr>
@@ -7371,7 +7375,7 @@
                 <a:gridCol w="1334243">
                   <a:extLst>
                     <a:ext uri="{9D8B030D-6E8A-4147-A177-3AD203B41FA5}">
-                      <a16:colId xmlns:a16="http://schemas.microsoft.com/office/drawing/2014/main" val="20000"/>
+                      <a16:colId xmlns:a16="http://schemas.microsoft.com/office/drawing/2014/main" xmlns="" val="20000"/>
                     </a:ext>
                   </a:extLst>
                 </a:gridCol>
@@ -7415,7 +7419,7 @@
                 </a:tc>
                 <a:extLst>
                   <a:ext uri="{0D108BD9-81ED-4DB2-BD59-A6C34878D82A}">
-                    <a16:rowId xmlns:a16="http://schemas.microsoft.com/office/drawing/2014/main" val="10000"/>
+                    <a16:rowId xmlns:a16="http://schemas.microsoft.com/office/drawing/2014/main" xmlns="" val="10000"/>
                   </a:ext>
                 </a:extLst>
               </a:tr>
@@ -7685,7 +7689,7 @@
                 </a:tc>
                 <a:extLst>
                   <a:ext uri="{0D108BD9-81ED-4DB2-BD59-A6C34878D82A}">
-                    <a16:rowId xmlns:a16="http://schemas.microsoft.com/office/drawing/2014/main" val="10001"/>
+                    <a16:rowId xmlns:a16="http://schemas.microsoft.com/office/drawing/2014/main" xmlns="" val="10001"/>
                   </a:ext>
                 </a:extLst>
               </a:tr>
@@ -7717,7 +7721,7 @@
                 <a:gridCol w="1296144">
                   <a:extLst>
                     <a:ext uri="{9D8B030D-6E8A-4147-A177-3AD203B41FA5}">
-                      <a16:colId xmlns:a16="http://schemas.microsoft.com/office/drawing/2014/main" val="20000"/>
+                      <a16:colId xmlns:a16="http://schemas.microsoft.com/office/drawing/2014/main" xmlns="" val="20000"/>
                     </a:ext>
                   </a:extLst>
                 </a:gridCol>
@@ -7761,7 +7765,7 @@
                 </a:tc>
                 <a:extLst>
                   <a:ext uri="{0D108BD9-81ED-4DB2-BD59-A6C34878D82A}">
-                    <a16:rowId xmlns:a16="http://schemas.microsoft.com/office/drawing/2014/main" val="10000"/>
+                    <a16:rowId xmlns:a16="http://schemas.microsoft.com/office/drawing/2014/main" xmlns="" val="10000"/>
                   </a:ext>
                 </a:extLst>
               </a:tr>
@@ -8039,7 +8043,7 @@
                 </a:tc>
                 <a:extLst>
                   <a:ext uri="{0D108BD9-81ED-4DB2-BD59-A6C34878D82A}">
-                    <a16:rowId xmlns:a16="http://schemas.microsoft.com/office/drawing/2014/main" val="10001"/>
+                    <a16:rowId xmlns:a16="http://schemas.microsoft.com/office/drawing/2014/main" xmlns="" val="10001"/>
                   </a:ext>
                 </a:extLst>
               </a:tr>
@@ -8054,11 +8058,15 @@
             <a:graphicFrameLocks noGrp="1"/>
           </p:cNvGraphicFramePr>
           <p:nvPr>
-            <p:extLst/>
+            <p:extLst>
+              <p:ext uri="{D42A27DB-BD31-4B8C-83A1-F6EECF244321}">
+                <p14:modId xmlns:p14="http://schemas.microsoft.com/office/powerpoint/2010/main" val="4130387376"/>
+              </p:ext>
+            </p:extLst>
           </p:nvPr>
         </p:nvGraphicFramePr>
         <p:xfrm>
-          <a:off x="5953570" y="3402707"/>
+          <a:off x="5292080" y="4048815"/>
           <a:ext cx="2057396" cy="820345"/>
         </p:xfrm>
         <a:graphic>
@@ -8071,7 +8079,7 @@
                 <a:gridCol w="2057396">
                   <a:extLst>
                     <a:ext uri="{9D8B030D-6E8A-4147-A177-3AD203B41FA5}">
-                      <a16:colId xmlns:a16="http://schemas.microsoft.com/office/drawing/2014/main" val="20000"/>
+                      <a16:colId xmlns:a16="http://schemas.microsoft.com/office/drawing/2014/main" xmlns="" val="20000"/>
                     </a:ext>
                   </a:extLst>
                 </a:gridCol>
@@ -8122,7 +8130,7 @@
                 </a:tc>
                 <a:extLst>
                   <a:ext uri="{0D108BD9-81ED-4DB2-BD59-A6C34878D82A}">
-                    <a16:rowId xmlns:a16="http://schemas.microsoft.com/office/drawing/2014/main" val="10000"/>
+                    <a16:rowId xmlns:a16="http://schemas.microsoft.com/office/drawing/2014/main" xmlns="" val="10000"/>
                   </a:ext>
                 </a:extLst>
               </a:tr>
@@ -8337,7 +8345,7 @@
                 </a:tc>
                 <a:extLst>
                   <a:ext uri="{0D108BD9-81ED-4DB2-BD59-A6C34878D82A}">
-                    <a16:rowId xmlns:a16="http://schemas.microsoft.com/office/drawing/2014/main" val="10001"/>
+                    <a16:rowId xmlns:a16="http://schemas.microsoft.com/office/drawing/2014/main" xmlns="" val="10001"/>
                   </a:ext>
                 </a:extLst>
               </a:tr>
@@ -8352,11 +8360,15 @@
             <a:graphicFrameLocks noGrp="1"/>
           </p:cNvGraphicFramePr>
           <p:nvPr>
-            <p:extLst/>
+            <p:extLst>
+              <p:ext uri="{D42A27DB-BD31-4B8C-83A1-F6EECF244321}">
+                <p14:modId xmlns:p14="http://schemas.microsoft.com/office/powerpoint/2010/main" val="3840338657"/>
+              </p:ext>
+            </p:extLst>
           </p:nvPr>
         </p:nvGraphicFramePr>
         <p:xfrm>
-          <a:off x="3527676" y="5294858"/>
+          <a:off x="3527676" y="5798914"/>
           <a:ext cx="1440160" cy="938170"/>
         </p:xfrm>
         <a:graphic>
@@ -8369,7 +8381,7 @@
                 <a:gridCol w="1440160">
                   <a:extLst>
                     <a:ext uri="{9D8B030D-6E8A-4147-A177-3AD203B41FA5}">
-                      <a16:colId xmlns:a16="http://schemas.microsoft.com/office/drawing/2014/main" val="20000"/>
+                      <a16:colId xmlns:a16="http://schemas.microsoft.com/office/drawing/2014/main" xmlns="" val="20000"/>
                     </a:ext>
                   </a:extLst>
                 </a:gridCol>
@@ -8420,7 +8432,7 @@
                 </a:tc>
                 <a:extLst>
                   <a:ext uri="{0D108BD9-81ED-4DB2-BD59-A6C34878D82A}">
-                    <a16:rowId xmlns:a16="http://schemas.microsoft.com/office/drawing/2014/main" val="10000"/>
+                    <a16:rowId xmlns:a16="http://schemas.microsoft.com/office/drawing/2014/main" xmlns="" val="10000"/>
                   </a:ext>
                 </a:extLst>
               </a:tr>
@@ -8635,7 +8647,7 @@
                 </a:tc>
                 <a:extLst>
                   <a:ext uri="{0D108BD9-81ED-4DB2-BD59-A6C34878D82A}">
-                    <a16:rowId xmlns:a16="http://schemas.microsoft.com/office/drawing/2014/main" val="10001"/>
+                    <a16:rowId xmlns:a16="http://schemas.microsoft.com/office/drawing/2014/main" xmlns="" val="10001"/>
                   </a:ext>
                 </a:extLst>
               </a:tr>
@@ -8650,11 +8662,15 @@
             <a:graphicFrameLocks noGrp="1"/>
           </p:cNvGraphicFramePr>
           <p:nvPr>
-            <p:extLst/>
+            <p:extLst>
+              <p:ext uri="{D42A27DB-BD31-4B8C-83A1-F6EECF244321}">
+                <p14:modId xmlns:p14="http://schemas.microsoft.com/office/powerpoint/2010/main" val="2807678259"/>
+              </p:ext>
+            </p:extLst>
           </p:nvPr>
         </p:nvGraphicFramePr>
         <p:xfrm>
-          <a:off x="6090518" y="5210532"/>
+          <a:off x="5436096" y="5733256"/>
           <a:ext cx="1793850" cy="1051560"/>
         </p:xfrm>
         <a:graphic>
@@ -8667,7 +8683,7 @@
                 <a:gridCol w="1793850">
                   <a:extLst>
                     <a:ext uri="{9D8B030D-6E8A-4147-A177-3AD203B41FA5}">
-                      <a16:colId xmlns:a16="http://schemas.microsoft.com/office/drawing/2014/main" val="20000"/>
+                      <a16:colId xmlns:a16="http://schemas.microsoft.com/office/drawing/2014/main" xmlns="" val="20000"/>
                     </a:ext>
                   </a:extLst>
                 </a:gridCol>
@@ -8718,7 +8734,7 @@
                 </a:tc>
                 <a:extLst>
                   <a:ext uri="{0D108BD9-81ED-4DB2-BD59-A6C34878D82A}">
-                    <a16:rowId xmlns:a16="http://schemas.microsoft.com/office/drawing/2014/main" val="10000"/>
+                    <a16:rowId xmlns:a16="http://schemas.microsoft.com/office/drawing/2014/main" xmlns="" val="10000"/>
                   </a:ext>
                 </a:extLst>
               </a:tr>
@@ -9029,7 +9045,7 @@
                 </a:tc>
                 <a:extLst>
                   <a:ext uri="{0D108BD9-81ED-4DB2-BD59-A6C34878D82A}">
-                    <a16:rowId xmlns:a16="http://schemas.microsoft.com/office/drawing/2014/main" val="10001"/>
+                    <a16:rowId xmlns:a16="http://schemas.microsoft.com/office/drawing/2014/main" xmlns="" val="10001"/>
                   </a:ext>
                 </a:extLst>
               </a:tr>
@@ -9121,8 +9137,8 @@
         </p:nvCxnSpPr>
         <p:spPr>
           <a:xfrm rot="16200000" flipV="1">
-            <a:off x="5504082" y="2210553"/>
-            <a:ext cx="2132280" cy="252028"/>
+            <a:off x="5148898" y="2565738"/>
+            <a:ext cx="2806645" cy="216024"/>
           </a:xfrm>
           <a:prstGeom prst="bentConnector2">
             <a:avLst/>
@@ -9160,8 +9176,8 @@
         </p:nvCxnSpPr>
         <p:spPr>
           <a:xfrm>
-            <a:off x="6982268" y="4223052"/>
-            <a:ext cx="5175" cy="987480"/>
+            <a:off x="6320778" y="4869160"/>
+            <a:ext cx="12243" cy="864096"/>
           </a:xfrm>
           <a:prstGeom prst="straightConnector1">
             <a:avLst/>
@@ -9199,8 +9215,8 @@
         </p:nvCxnSpPr>
         <p:spPr>
           <a:xfrm flipV="1">
-            <a:off x="4967836" y="5736312"/>
-            <a:ext cx="1122682" cy="27631"/>
+            <a:off x="4967836" y="6259036"/>
+            <a:ext cx="468260" cy="8963"/>
           </a:xfrm>
           <a:prstGeom prst="straightConnector1">
             <a:avLst/>
@@ -9238,7 +9254,7 @@
         </p:nvCxnSpPr>
         <p:spPr>
           <a:xfrm flipV="1">
-            <a:off x="4247756" y="5073784"/>
+            <a:off x="4247756" y="5577840"/>
             <a:ext cx="208" cy="221074"/>
           </a:xfrm>
           <a:prstGeom prst="straightConnector1">
@@ -9277,8 +9293,8 @@
         </p:nvCxnSpPr>
         <p:spPr>
           <a:xfrm rot="5400000" flipH="1" flipV="1">
-            <a:off x="4615704" y="2068548"/>
-            <a:ext cx="488657" cy="1224136"/>
+            <a:off x="4363676" y="2320576"/>
+            <a:ext cx="992713" cy="1224136"/>
           </a:xfrm>
           <a:prstGeom prst="bentConnector3">
             <a:avLst>
@@ -9311,15 +9327,14 @@
         <p:nvCxnSpPr>
           <p:cNvPr id="104" name="Gerade Verbindung mit Pfeil 103"/>
           <p:cNvCxnSpPr>
-            <a:stCxn id="44" idx="1"/>
             <a:endCxn id="46" idx="3"/>
           </p:cNvCxnSpPr>
           <p:nvPr/>
         </p:nvCxnSpPr>
         <p:spPr>
           <a:xfrm flipH="1">
-            <a:off x="2953915" y="3999364"/>
-            <a:ext cx="393949" cy="543"/>
+            <a:off x="2953915" y="3999907"/>
+            <a:ext cx="393949" cy="0"/>
           </a:xfrm>
           <a:prstGeom prst="straightConnector1">
             <a:avLst/>
@@ -9648,7 +9663,7 @@
                 <a:gridCol w="1846926">
                   <a:extLst>
                     <a:ext uri="{9D8B030D-6E8A-4147-A177-3AD203B41FA5}">
-                      <a16:colId xmlns:a16="http://schemas.microsoft.com/office/drawing/2014/main" val="20000"/>
+                      <a16:colId xmlns:a16="http://schemas.microsoft.com/office/drawing/2014/main" xmlns="" val="20000"/>
                     </a:ext>
                   </a:extLst>
                 </a:gridCol>
@@ -9699,7 +9714,7 @@
                 </a:tc>
                 <a:extLst>
                   <a:ext uri="{0D108BD9-81ED-4DB2-BD59-A6C34878D82A}">
-                    <a16:rowId xmlns:a16="http://schemas.microsoft.com/office/drawing/2014/main" val="10000"/>
+                    <a16:rowId xmlns:a16="http://schemas.microsoft.com/office/drawing/2014/main" xmlns="" val="10000"/>
                   </a:ext>
                 </a:extLst>
               </a:tr>
@@ -9993,7 +10008,7 @@
                 </a:tc>
                 <a:extLst>
                   <a:ext uri="{0D108BD9-81ED-4DB2-BD59-A6C34878D82A}">
-                    <a16:rowId xmlns:a16="http://schemas.microsoft.com/office/drawing/2014/main" val="10001"/>
+                    <a16:rowId xmlns:a16="http://schemas.microsoft.com/office/drawing/2014/main" xmlns="" val="10001"/>
                   </a:ext>
                 </a:extLst>
               </a:tr>
@@ -10025,7 +10040,7 @@
                 <a:gridCol w="1224136">
                   <a:extLst>
                     <a:ext uri="{9D8B030D-6E8A-4147-A177-3AD203B41FA5}">
-                      <a16:colId xmlns:a16="http://schemas.microsoft.com/office/drawing/2014/main" val="20000"/>
+                      <a16:colId xmlns:a16="http://schemas.microsoft.com/office/drawing/2014/main" xmlns="" val="20000"/>
                     </a:ext>
                   </a:extLst>
                 </a:gridCol>
@@ -10069,7 +10084,7 @@
                 </a:tc>
                 <a:extLst>
                   <a:ext uri="{0D108BD9-81ED-4DB2-BD59-A6C34878D82A}">
-                    <a16:rowId xmlns:a16="http://schemas.microsoft.com/office/drawing/2014/main" val="10000"/>
+                    <a16:rowId xmlns:a16="http://schemas.microsoft.com/office/drawing/2014/main" xmlns="" val="10000"/>
                   </a:ext>
                 </a:extLst>
               </a:tr>
@@ -10302,7 +10317,7 @@
                 </a:tc>
                 <a:extLst>
                   <a:ext uri="{0D108BD9-81ED-4DB2-BD59-A6C34878D82A}">
-                    <a16:rowId xmlns:a16="http://schemas.microsoft.com/office/drawing/2014/main" val="10001"/>
+                    <a16:rowId xmlns:a16="http://schemas.microsoft.com/office/drawing/2014/main" xmlns="" val="10001"/>
                   </a:ext>
                 </a:extLst>
               </a:tr>
@@ -10389,6 +10404,895 @@
           </a:fontRef>
         </p:style>
       </p:cxnSp>
+      <p:graphicFrame>
+        <p:nvGraphicFramePr>
+          <p:cNvPr id="3" name="Tabelle 2"/>
+          <p:cNvGraphicFramePr>
+            <a:graphicFrameLocks noGrp="1"/>
+          </p:cNvGraphicFramePr>
+          <p:nvPr>
+            <p:extLst>
+              <p:ext uri="{D42A27DB-BD31-4B8C-83A1-F6EECF244321}">
+                <p14:modId xmlns:p14="http://schemas.microsoft.com/office/powerpoint/2010/main" val="477594135"/>
+              </p:ext>
+            </p:extLst>
+          </p:nvPr>
+        </p:nvGraphicFramePr>
+        <p:xfrm>
+          <a:off x="7308304" y="2276872"/>
+          <a:ext cx="1584176" cy="1569720"/>
+        </p:xfrm>
+        <a:graphic>
+          <a:graphicData uri="http://schemas.openxmlformats.org/drawingml/2006/table">
+            <a:tbl>
+              <a:tblPr firstRow="1" bandRow="1">
+                <a:tableStyleId>{F2DE63D5-997A-4646-A377-4702673A728D}</a:tableStyleId>
+              </a:tblPr>
+              <a:tblGrid>
+                <a:gridCol w="1584176"/>
+              </a:tblGrid>
+              <a:tr h="245720">
+                <a:tc>
+                  <a:txBody>
+                    <a:bodyPr/>
+                    <a:lstStyle/>
+                    <a:p>
+                      <a:pPr marL="0" marR="0" indent="0" algn="l" defTabSz="914400" rtl="0" eaLnBrk="1" fontAlgn="auto" latinLnBrk="0" hangingPunct="1">
+                        <a:lnSpc>
+                          <a:spcPct val="100000"/>
+                        </a:lnSpc>
+                        <a:spcBef>
+                          <a:spcPts val="0"/>
+                        </a:spcBef>
+                        <a:spcAft>
+                          <a:spcPts val="0"/>
+                        </a:spcAft>
+                        <a:buClrTx/>
+                        <a:buSzTx/>
+                        <a:buFontTx/>
+                        <a:buNone/>
+                        <a:tabLst/>
+                        <a:defRPr/>
+                      </a:pPr>
+                      <a:r>
+                        <a:rPr lang="de-DE" sz="1200" b="1" dirty="0" smtClean="0">
+                          <a:solidFill>
+                            <a:schemeClr val="tx1"/>
+                          </a:solidFill>
+                          <a:latin typeface="Arial" panose="020B0604020202020204" pitchFamily="34" charset="0"/>
+                          <a:cs typeface="Arial" panose="020B0604020202020204" pitchFamily="34" charset="0"/>
+                        </a:rPr>
+                        <a:t>Log</a:t>
+                      </a:r>
+                      <a:endParaRPr lang="de-DE" sz="1200" b="1" dirty="0">
+                        <a:solidFill>
+                          <a:schemeClr val="tx1"/>
+                        </a:solidFill>
+                        <a:latin typeface="Arial" panose="020B0604020202020204" pitchFamily="34" charset="0"/>
+                        <a:cs typeface="Arial" panose="020B0604020202020204" pitchFamily="34" charset="0"/>
+                      </a:endParaRPr>
+                    </a:p>
+                  </a:txBody>
+                  <a:tcPr/>
+                </a:tc>
+              </a:tr>
+              <a:tr h="546025">
+                <a:tc>
+                  <a:txBody>
+                    <a:bodyPr/>
+                    <a:lstStyle/>
+                    <a:p>
+                      <a:pPr marL="0" marR="0" lvl="0" indent="0" algn="l" defTabSz="914400" rtl="0" eaLnBrk="1" fontAlgn="auto" latinLnBrk="0" hangingPunct="1">
+                        <a:lnSpc>
+                          <a:spcPct val="100000"/>
+                        </a:lnSpc>
+                        <a:spcBef>
+                          <a:spcPts val="0"/>
+                        </a:spcBef>
+                        <a:spcAft>
+                          <a:spcPts val="0"/>
+                        </a:spcAft>
+                        <a:buClrTx/>
+                        <a:buSzTx/>
+                        <a:buFontTx/>
+                        <a:buNone/>
+                        <a:tabLst/>
+                        <a:defRPr/>
+                      </a:pPr>
+                      <a:r>
+                        <a:rPr lang="de-DE" sz="1100" u="sng" baseline="0" dirty="0" err="1" smtClean="0">
+                          <a:latin typeface="Arial" panose="020B0604020202020204" pitchFamily="34" charset="0"/>
+                          <a:cs typeface="Arial" panose="020B0604020202020204" pitchFamily="34" charset="0"/>
+                          <a:sym typeface="Wingdings" panose="05000000000000000000" pitchFamily="2" charset="2"/>
+                        </a:rPr>
+                        <a:t>id</a:t>
+                      </a:r>
+                      <a:r>
+                        <a:rPr lang="de-DE" sz="1100" u="sng" baseline="0" dirty="0" smtClean="0">
+                          <a:latin typeface="Arial" panose="020B0604020202020204" pitchFamily="34" charset="0"/>
+                          <a:cs typeface="Arial" panose="020B0604020202020204" pitchFamily="34" charset="0"/>
+                          <a:sym typeface="Wingdings" panose="05000000000000000000" pitchFamily="2" charset="2"/>
+                        </a:rPr>
+                        <a:t> </a:t>
+                      </a:r>
+                      <a:r>
+                        <a:rPr lang="de-DE" sz="1100" u="none" baseline="0" dirty="0" smtClean="0">
+                          <a:latin typeface="Arial" panose="020B0604020202020204" pitchFamily="34" charset="0"/>
+                          <a:cs typeface="Arial" panose="020B0604020202020204" pitchFamily="34" charset="0"/>
+                          <a:sym typeface="Wingdings" panose="05000000000000000000" pitchFamily="2" charset="2"/>
+                        </a:rPr>
+                        <a:t>(PS</a:t>
+                      </a:r>
+                      <a:r>
+                        <a:rPr lang="de-DE" sz="1100" u="none" baseline="0" dirty="0">
+                          <a:latin typeface="Arial" panose="020B0604020202020204" pitchFamily="34" charset="0"/>
+                          <a:cs typeface="Arial" panose="020B0604020202020204" pitchFamily="34" charset="0"/>
+                          <a:sym typeface="Wingdings" panose="05000000000000000000" pitchFamily="2" charset="2"/>
+                        </a:rPr>
+                        <a:t>) </a:t>
+                      </a:r>
+                      <a:r>
+                        <a:rPr lang="de-DE" sz="600" u="none" kern="1200" baseline="0" dirty="0">
+                          <a:solidFill>
+                            <a:srgbClr val="C00000"/>
+                          </a:solidFill>
+                          <a:latin typeface="Arial" panose="020B0604020202020204" pitchFamily="34" charset="0"/>
+                          <a:ea typeface="+mn-ea"/>
+                          <a:cs typeface="Arial" panose="020B0604020202020204" pitchFamily="34" charset="0"/>
+                          <a:sym typeface="Wingdings" panose="05000000000000000000" pitchFamily="2" charset="2"/>
+                        </a:rPr>
+                        <a:t>=&gt; </a:t>
+                      </a:r>
+                      <a:r>
+                        <a:rPr lang="de-DE" sz="600" u="none" kern="1200" baseline="0" dirty="0" err="1">
+                          <a:solidFill>
+                            <a:srgbClr val="C00000"/>
+                          </a:solidFill>
+                          <a:latin typeface="Arial" panose="020B0604020202020204" pitchFamily="34" charset="0"/>
+                          <a:ea typeface="+mn-ea"/>
+                          <a:cs typeface="Arial" panose="020B0604020202020204" pitchFamily="34" charset="0"/>
+                          <a:sym typeface="Wingdings" panose="05000000000000000000" pitchFamily="2" charset="2"/>
+                        </a:rPr>
+                        <a:t>int</a:t>
+                      </a:r>
+                      <a:r>
+                        <a:rPr lang="de-DE" sz="600" u="none" kern="1200" baseline="0" dirty="0">
+                          <a:solidFill>
+                            <a:srgbClr val="C00000"/>
+                          </a:solidFill>
+                          <a:latin typeface="Arial" panose="020B0604020202020204" pitchFamily="34" charset="0"/>
+                          <a:ea typeface="+mn-ea"/>
+                          <a:cs typeface="Arial" panose="020B0604020202020204" pitchFamily="34" charset="0"/>
+                          <a:sym typeface="Wingdings" panose="05000000000000000000" pitchFamily="2" charset="2"/>
+                        </a:rPr>
+                        <a:t>, </a:t>
+                      </a:r>
+                      <a:r>
+                        <a:rPr lang="de-DE" sz="600" u="none" baseline="0" dirty="0">
+                          <a:solidFill>
+                            <a:srgbClr val="00B0F0"/>
+                          </a:solidFill>
+                          <a:latin typeface="Arial" panose="020B0604020202020204" pitchFamily="34" charset="0"/>
+                          <a:cs typeface="Arial" panose="020B0604020202020204" pitchFamily="34" charset="0"/>
+                          <a:sym typeface="Wingdings" panose="05000000000000000000" pitchFamily="2" charset="2"/>
+                        </a:rPr>
+                        <a:t>kein Default-Wert</a:t>
+                      </a:r>
+                      <a:endParaRPr lang="de-DE" sz="600" u="none" kern="1200" baseline="0" dirty="0">
+                        <a:solidFill>
+                          <a:srgbClr val="C00000"/>
+                        </a:solidFill>
+                        <a:latin typeface="Arial" panose="020B0604020202020204" pitchFamily="34" charset="0"/>
+                        <a:ea typeface="+mn-ea"/>
+                        <a:cs typeface="Arial" panose="020B0604020202020204" pitchFamily="34" charset="0"/>
+                        <a:sym typeface="Wingdings" panose="05000000000000000000" pitchFamily="2" charset="2"/>
+                      </a:endParaRPr>
+                    </a:p>
+                    <a:p>
+                      <a:pPr marL="0" marR="0" lvl="0" indent="0" algn="l" defTabSz="914400" rtl="0" eaLnBrk="1" fontAlgn="auto" latinLnBrk="0" hangingPunct="1">
+                        <a:lnSpc>
+                          <a:spcPct val="100000"/>
+                        </a:lnSpc>
+                        <a:spcBef>
+                          <a:spcPts val="0"/>
+                        </a:spcBef>
+                        <a:spcAft>
+                          <a:spcPts val="0"/>
+                        </a:spcAft>
+                        <a:buClrTx/>
+                        <a:buSzTx/>
+                        <a:buFontTx/>
+                        <a:buNone/>
+                        <a:tabLst/>
+                        <a:defRPr/>
+                      </a:pPr>
+                      <a:r>
+                        <a:rPr lang="de-DE" sz="1100" i="0" u="none" baseline="0" dirty="0" err="1" smtClean="0">
+                          <a:latin typeface="Arial" panose="020B0604020202020204" pitchFamily="34" charset="0"/>
+                          <a:cs typeface="Arial" panose="020B0604020202020204" pitchFamily="34" charset="0"/>
+                          <a:sym typeface="Wingdings" panose="05000000000000000000" pitchFamily="2" charset="2"/>
+                        </a:rPr>
+                        <a:t>date</a:t>
+                      </a:r>
+                      <a:r>
+                        <a:rPr lang="de-DE" sz="1100" u="none" baseline="0" dirty="0" smtClean="0">
+                          <a:latin typeface="Arial" panose="020B0604020202020204" pitchFamily="34" charset="0"/>
+                          <a:cs typeface="Arial" panose="020B0604020202020204" pitchFamily="34" charset="0"/>
+                          <a:sym typeface="Wingdings" panose="05000000000000000000" pitchFamily="2" charset="2"/>
+                        </a:rPr>
+                        <a:t>  </a:t>
+                      </a:r>
+                      <a:r>
+                        <a:rPr lang="de-DE" sz="600" u="none" kern="1200" baseline="0" dirty="0" smtClean="0">
+                          <a:solidFill>
+                            <a:srgbClr val="C00000"/>
+                          </a:solidFill>
+                          <a:latin typeface="Arial" panose="020B0604020202020204" pitchFamily="34" charset="0"/>
+                          <a:ea typeface="+mn-ea"/>
+                          <a:cs typeface="Arial" panose="020B0604020202020204" pitchFamily="34" charset="0"/>
+                          <a:sym typeface="Wingdings" panose="05000000000000000000" pitchFamily="2" charset="2"/>
+                        </a:rPr>
+                        <a:t>=&gt; </a:t>
+                      </a:r>
+                      <a:r>
+                        <a:rPr lang="de-DE" sz="600" u="none" kern="1200" baseline="0" dirty="0" err="1" smtClean="0">
+                          <a:solidFill>
+                            <a:srgbClr val="C00000"/>
+                          </a:solidFill>
+                          <a:latin typeface="Arial" panose="020B0604020202020204" pitchFamily="34" charset="0"/>
+                          <a:ea typeface="+mn-ea"/>
+                          <a:cs typeface="Arial" panose="020B0604020202020204" pitchFamily="34" charset="0"/>
+                          <a:sym typeface="Wingdings" panose="05000000000000000000" pitchFamily="2" charset="2"/>
+                        </a:rPr>
+                        <a:t>date</a:t>
+                      </a:r>
+                      <a:r>
+                        <a:rPr lang="de-DE" sz="600" u="none" kern="1200" baseline="0" dirty="0" smtClean="0">
+                          <a:solidFill>
+                            <a:srgbClr val="C00000"/>
+                          </a:solidFill>
+                          <a:latin typeface="Arial" panose="020B0604020202020204" pitchFamily="34" charset="0"/>
+                          <a:ea typeface="+mn-ea"/>
+                          <a:cs typeface="Arial" panose="020B0604020202020204" pitchFamily="34" charset="0"/>
+                          <a:sym typeface="Wingdings" panose="05000000000000000000" pitchFamily="2" charset="2"/>
+                        </a:rPr>
+                        <a:t>, </a:t>
+                      </a:r>
+                      <a:r>
+                        <a:rPr lang="de-DE" sz="600" u="none" baseline="0" dirty="0" smtClean="0">
+                          <a:solidFill>
+                            <a:srgbClr val="00B0F0"/>
+                          </a:solidFill>
+                          <a:latin typeface="Arial" panose="020B0604020202020204" pitchFamily="34" charset="0"/>
+                          <a:cs typeface="Arial" panose="020B0604020202020204" pitchFamily="34" charset="0"/>
+                          <a:sym typeface="Wingdings" panose="05000000000000000000" pitchFamily="2" charset="2"/>
+                        </a:rPr>
+                        <a:t>kein Default-Wert</a:t>
+                      </a:r>
+                    </a:p>
+                    <a:p>
+                      <a:pPr marL="0" marR="0" lvl="0" indent="0" algn="l" defTabSz="914400" rtl="0" eaLnBrk="1" fontAlgn="auto" latinLnBrk="0" hangingPunct="1">
+                        <a:lnSpc>
+                          <a:spcPct val="100000"/>
+                        </a:lnSpc>
+                        <a:spcBef>
+                          <a:spcPts val="0"/>
+                        </a:spcBef>
+                        <a:spcAft>
+                          <a:spcPts val="0"/>
+                        </a:spcAft>
+                        <a:buClrTx/>
+                        <a:buSzTx/>
+                        <a:buFontTx/>
+                        <a:buNone/>
+                        <a:tabLst/>
+                        <a:defRPr/>
+                      </a:pPr>
+                      <a:r>
+                        <a:rPr lang="de-DE" sz="1100" i="0" u="none" baseline="0" dirty="0" err="1" smtClean="0">
+                          <a:latin typeface="Arial" panose="020B0604020202020204" pitchFamily="34" charset="0"/>
+                          <a:cs typeface="Arial" panose="020B0604020202020204" pitchFamily="34" charset="0"/>
+                          <a:sym typeface="Wingdings" panose="05000000000000000000" pitchFamily="2" charset="2"/>
+                        </a:rPr>
+                        <a:t>username</a:t>
+                      </a:r>
+                      <a:r>
+                        <a:rPr lang="de-DE" sz="600" u="none" kern="1200" baseline="0" dirty="0" smtClean="0">
+                          <a:solidFill>
+                            <a:srgbClr val="C00000"/>
+                          </a:solidFill>
+                          <a:latin typeface="Arial" panose="020B0604020202020204" pitchFamily="34" charset="0"/>
+                          <a:ea typeface="+mn-ea"/>
+                          <a:cs typeface="Arial" panose="020B0604020202020204" pitchFamily="34" charset="0"/>
+                          <a:sym typeface="Wingdings" panose="05000000000000000000" pitchFamily="2" charset="2"/>
+                        </a:rPr>
+                        <a:t>=&gt; </a:t>
+                      </a:r>
+                      <a:r>
+                        <a:rPr lang="de-DE" sz="600" u="none" kern="1200" baseline="0" dirty="0" err="1" smtClean="0">
+                          <a:solidFill>
+                            <a:srgbClr val="C00000"/>
+                          </a:solidFill>
+                          <a:latin typeface="Arial" panose="020B0604020202020204" pitchFamily="34" charset="0"/>
+                          <a:ea typeface="+mn-ea"/>
+                          <a:cs typeface="Arial" panose="020B0604020202020204" pitchFamily="34" charset="0"/>
+                          <a:sym typeface="Wingdings" panose="05000000000000000000" pitchFamily="2" charset="2"/>
+                        </a:rPr>
+                        <a:t>varchar</a:t>
+                      </a:r>
+                      <a:r>
+                        <a:rPr lang="de-DE" sz="600" u="none" kern="1200" baseline="0" dirty="0" smtClean="0">
+                          <a:solidFill>
+                            <a:srgbClr val="C00000"/>
+                          </a:solidFill>
+                          <a:latin typeface="Arial" panose="020B0604020202020204" pitchFamily="34" charset="0"/>
+                          <a:ea typeface="+mn-ea"/>
+                          <a:cs typeface="Arial" panose="020B0604020202020204" pitchFamily="34" charset="0"/>
+                          <a:sym typeface="Wingdings" panose="05000000000000000000" pitchFamily="2" charset="2"/>
+                        </a:rPr>
+                        <a:t>[255],</a:t>
+                      </a:r>
+                      <a:r>
+                        <a:rPr lang="de-DE" sz="600" u="none" baseline="0" dirty="0" smtClean="0">
+                          <a:solidFill>
+                            <a:srgbClr val="00B0F0"/>
+                          </a:solidFill>
+                          <a:latin typeface="Arial" panose="020B0604020202020204" pitchFamily="34" charset="0"/>
+                          <a:cs typeface="Arial" panose="020B0604020202020204" pitchFamily="34" charset="0"/>
+                          <a:sym typeface="Wingdings" panose="05000000000000000000" pitchFamily="2" charset="2"/>
+                        </a:rPr>
+                        <a:t> </a:t>
+                      </a:r>
+                      <a:r>
+                        <a:rPr lang="de-DE" sz="600" u="none" kern="1200" baseline="0" dirty="0" smtClean="0">
+                          <a:solidFill>
+                            <a:srgbClr val="C00000"/>
+                          </a:solidFill>
+                          <a:latin typeface="Arial" panose="020B0604020202020204" pitchFamily="34" charset="0"/>
+                          <a:ea typeface="+mn-ea"/>
+                          <a:cs typeface="Arial" panose="020B0604020202020204" pitchFamily="34" charset="0"/>
+                          <a:sym typeface="Wingdings" panose="05000000000000000000" pitchFamily="2" charset="2"/>
+                        </a:rPr>
+                        <a:t>, </a:t>
+                      </a:r>
+                      <a:r>
+                        <a:rPr lang="de-DE" sz="600" u="none" baseline="0" dirty="0" smtClean="0">
+                          <a:solidFill>
+                            <a:srgbClr val="00B0F0"/>
+                          </a:solidFill>
+                          <a:latin typeface="Arial" panose="020B0604020202020204" pitchFamily="34" charset="0"/>
+                          <a:cs typeface="Arial" panose="020B0604020202020204" pitchFamily="34" charset="0"/>
+                          <a:sym typeface="Wingdings" panose="05000000000000000000" pitchFamily="2" charset="2"/>
+                        </a:rPr>
+                        <a:t>kein Default-Wert</a:t>
+                      </a:r>
+                      <a:endParaRPr lang="de-DE" sz="600" u="none" kern="1200" baseline="0" dirty="0" smtClean="0">
+                        <a:solidFill>
+                          <a:srgbClr val="C00000"/>
+                        </a:solidFill>
+                        <a:latin typeface="Arial" panose="020B0604020202020204" pitchFamily="34" charset="0"/>
+                        <a:ea typeface="+mn-ea"/>
+                        <a:cs typeface="Arial" panose="020B0604020202020204" pitchFamily="34" charset="0"/>
+                        <a:sym typeface="Wingdings" panose="05000000000000000000" pitchFamily="2" charset="2"/>
+                      </a:endParaRPr>
+                    </a:p>
+                    <a:p>
+                      <a:pPr marL="0" marR="0" lvl="0" indent="0" algn="l" defTabSz="914400" rtl="0" eaLnBrk="1" fontAlgn="auto" latinLnBrk="0" hangingPunct="1">
+                        <a:lnSpc>
+                          <a:spcPct val="100000"/>
+                        </a:lnSpc>
+                        <a:spcBef>
+                          <a:spcPts val="0"/>
+                        </a:spcBef>
+                        <a:spcAft>
+                          <a:spcPts val="0"/>
+                        </a:spcAft>
+                        <a:buClrTx/>
+                        <a:buSzTx/>
+                        <a:buFontTx/>
+                        <a:buNone/>
+                        <a:tabLst/>
+                        <a:defRPr/>
+                      </a:pPr>
+                      <a:r>
+                        <a:rPr lang="de-DE" sz="1100" i="0" u="none" baseline="0" dirty="0" err="1" smtClean="0">
+                          <a:latin typeface="Arial" panose="020B0604020202020204" pitchFamily="34" charset="0"/>
+                          <a:cs typeface="Arial" panose="020B0604020202020204" pitchFamily="34" charset="0"/>
+                          <a:sym typeface="Wingdings" panose="05000000000000000000" pitchFamily="2" charset="2"/>
+                        </a:rPr>
+                        <a:t>rolename</a:t>
+                      </a:r>
+                      <a:r>
+                        <a:rPr lang="de-DE" sz="600" u="none" kern="1200" baseline="0" dirty="0" smtClean="0">
+                          <a:solidFill>
+                            <a:srgbClr val="C00000"/>
+                          </a:solidFill>
+                          <a:latin typeface="Arial" panose="020B0604020202020204" pitchFamily="34" charset="0"/>
+                          <a:ea typeface="+mn-ea"/>
+                          <a:cs typeface="Arial" panose="020B0604020202020204" pitchFamily="34" charset="0"/>
+                          <a:sym typeface="Wingdings" panose="05000000000000000000" pitchFamily="2" charset="2"/>
+                        </a:rPr>
+                        <a:t>=&gt; </a:t>
+                      </a:r>
+                      <a:r>
+                        <a:rPr lang="de-DE" sz="600" u="none" kern="1200" baseline="0" dirty="0" err="1" smtClean="0">
+                          <a:solidFill>
+                            <a:srgbClr val="C00000"/>
+                          </a:solidFill>
+                          <a:latin typeface="Arial" panose="020B0604020202020204" pitchFamily="34" charset="0"/>
+                          <a:ea typeface="+mn-ea"/>
+                          <a:cs typeface="Arial" panose="020B0604020202020204" pitchFamily="34" charset="0"/>
+                          <a:sym typeface="Wingdings" panose="05000000000000000000" pitchFamily="2" charset="2"/>
+                        </a:rPr>
+                        <a:t>varchar</a:t>
+                      </a:r>
+                      <a:r>
+                        <a:rPr lang="de-DE" sz="600" u="none" kern="1200" baseline="0" dirty="0" smtClean="0">
+                          <a:solidFill>
+                            <a:srgbClr val="C00000"/>
+                          </a:solidFill>
+                          <a:latin typeface="Arial" panose="020B0604020202020204" pitchFamily="34" charset="0"/>
+                          <a:ea typeface="+mn-ea"/>
+                          <a:cs typeface="Arial" panose="020B0604020202020204" pitchFamily="34" charset="0"/>
+                          <a:sym typeface="Wingdings" panose="05000000000000000000" pitchFamily="2" charset="2"/>
+                        </a:rPr>
+                        <a:t>[255],</a:t>
+                      </a:r>
+                      <a:r>
+                        <a:rPr lang="de-DE" sz="600" u="none" baseline="0" dirty="0" smtClean="0">
+                          <a:solidFill>
+                            <a:srgbClr val="00B0F0"/>
+                          </a:solidFill>
+                          <a:latin typeface="Arial" panose="020B0604020202020204" pitchFamily="34" charset="0"/>
+                          <a:cs typeface="Arial" panose="020B0604020202020204" pitchFamily="34" charset="0"/>
+                          <a:sym typeface="Wingdings" panose="05000000000000000000" pitchFamily="2" charset="2"/>
+                        </a:rPr>
+                        <a:t> </a:t>
+                      </a:r>
+                      <a:r>
+                        <a:rPr lang="de-DE" sz="600" u="none" kern="1200" baseline="0" dirty="0" smtClean="0">
+                          <a:solidFill>
+                            <a:srgbClr val="C00000"/>
+                          </a:solidFill>
+                          <a:latin typeface="Arial" panose="020B0604020202020204" pitchFamily="34" charset="0"/>
+                          <a:ea typeface="+mn-ea"/>
+                          <a:cs typeface="Arial" panose="020B0604020202020204" pitchFamily="34" charset="0"/>
+                          <a:sym typeface="Wingdings" panose="05000000000000000000" pitchFamily="2" charset="2"/>
+                        </a:rPr>
+                        <a:t>, </a:t>
+                      </a:r>
+                      <a:r>
+                        <a:rPr lang="de-DE" sz="600" u="none" baseline="0" dirty="0" smtClean="0">
+                          <a:solidFill>
+                            <a:srgbClr val="00B0F0"/>
+                          </a:solidFill>
+                          <a:latin typeface="Arial" panose="020B0604020202020204" pitchFamily="34" charset="0"/>
+                          <a:cs typeface="Arial" panose="020B0604020202020204" pitchFamily="34" charset="0"/>
+                          <a:sym typeface="Wingdings" panose="05000000000000000000" pitchFamily="2" charset="2"/>
+                        </a:rPr>
+                        <a:t>kein Default-Wert</a:t>
+                      </a:r>
+                      <a:endParaRPr lang="de-DE" sz="600" u="none" kern="1200" baseline="0" dirty="0" smtClean="0">
+                        <a:solidFill>
+                          <a:srgbClr val="C00000"/>
+                        </a:solidFill>
+                        <a:latin typeface="Arial" panose="020B0604020202020204" pitchFamily="34" charset="0"/>
+                        <a:ea typeface="+mn-ea"/>
+                        <a:cs typeface="Arial" panose="020B0604020202020204" pitchFamily="34" charset="0"/>
+                        <a:sym typeface="Wingdings" panose="05000000000000000000" pitchFamily="2" charset="2"/>
+                      </a:endParaRPr>
+                    </a:p>
+                    <a:p>
+                      <a:pPr marL="0" marR="0" lvl="0" indent="0" algn="l" defTabSz="914400" rtl="0" eaLnBrk="1" fontAlgn="auto" latinLnBrk="0" hangingPunct="1">
+                        <a:lnSpc>
+                          <a:spcPct val="100000"/>
+                        </a:lnSpc>
+                        <a:spcBef>
+                          <a:spcPts val="0"/>
+                        </a:spcBef>
+                        <a:spcAft>
+                          <a:spcPts val="0"/>
+                        </a:spcAft>
+                        <a:buClrTx/>
+                        <a:buSzTx/>
+                        <a:buFontTx/>
+                        <a:buNone/>
+                        <a:tabLst/>
+                        <a:defRPr/>
+                      </a:pPr>
+                      <a:r>
+                        <a:rPr lang="de-DE" sz="1100" i="0" u="none" baseline="0" dirty="0" err="1" smtClean="0">
+                          <a:latin typeface="Arial" panose="020B0604020202020204" pitchFamily="34" charset="0"/>
+                          <a:cs typeface="Arial" panose="020B0604020202020204" pitchFamily="34" charset="0"/>
+                          <a:sym typeface="Wingdings" panose="05000000000000000000" pitchFamily="2" charset="2"/>
+                        </a:rPr>
+                        <a:t>description</a:t>
+                      </a:r>
+                      <a:r>
+                        <a:rPr lang="de-DE" sz="1100" u="none" baseline="0" dirty="0" smtClean="0">
+                          <a:latin typeface="Arial" panose="020B0604020202020204" pitchFamily="34" charset="0"/>
+                          <a:cs typeface="Arial" panose="020B0604020202020204" pitchFamily="34" charset="0"/>
+                          <a:sym typeface="Wingdings" panose="05000000000000000000" pitchFamily="2" charset="2"/>
+                        </a:rPr>
+                        <a:t>  </a:t>
+                      </a:r>
+                      <a:r>
+                        <a:rPr lang="de-DE" sz="600" u="none" kern="1200" baseline="0" dirty="0" smtClean="0">
+                          <a:solidFill>
+                            <a:srgbClr val="C00000"/>
+                          </a:solidFill>
+                          <a:latin typeface="Arial" panose="020B0604020202020204" pitchFamily="34" charset="0"/>
+                          <a:ea typeface="+mn-ea"/>
+                          <a:cs typeface="Arial" panose="020B0604020202020204" pitchFamily="34" charset="0"/>
+                          <a:sym typeface="Wingdings" panose="05000000000000000000" pitchFamily="2" charset="2"/>
+                        </a:rPr>
+                        <a:t>=&gt; </a:t>
+                      </a:r>
+                      <a:r>
+                        <a:rPr lang="de-DE" sz="600" u="none" kern="1200" baseline="0" dirty="0" err="1" smtClean="0">
+                          <a:solidFill>
+                            <a:srgbClr val="C00000"/>
+                          </a:solidFill>
+                          <a:latin typeface="Arial" panose="020B0604020202020204" pitchFamily="34" charset="0"/>
+                          <a:ea typeface="+mn-ea"/>
+                          <a:cs typeface="Arial" panose="020B0604020202020204" pitchFamily="34" charset="0"/>
+                          <a:sym typeface="Wingdings" panose="05000000000000000000" pitchFamily="2" charset="2"/>
+                        </a:rPr>
+                        <a:t>text</a:t>
+                      </a:r>
+                      <a:r>
+                        <a:rPr lang="de-DE" sz="600" u="none" kern="1200" baseline="0" dirty="0" smtClean="0">
+                          <a:solidFill>
+                            <a:srgbClr val="C00000"/>
+                          </a:solidFill>
+                          <a:latin typeface="Arial" panose="020B0604020202020204" pitchFamily="34" charset="0"/>
+                          <a:ea typeface="+mn-ea"/>
+                          <a:cs typeface="Arial" panose="020B0604020202020204" pitchFamily="34" charset="0"/>
+                          <a:sym typeface="Wingdings" panose="05000000000000000000" pitchFamily="2" charset="2"/>
+                        </a:rPr>
+                        <a:t>, </a:t>
+                      </a:r>
+                      <a:r>
+                        <a:rPr lang="de-DE" sz="600" u="none" baseline="0" dirty="0" smtClean="0">
+                          <a:solidFill>
+                            <a:srgbClr val="00B0F0"/>
+                          </a:solidFill>
+                          <a:latin typeface="Arial" panose="020B0604020202020204" pitchFamily="34" charset="0"/>
+                          <a:cs typeface="Arial" panose="020B0604020202020204" pitchFamily="34" charset="0"/>
+                          <a:sym typeface="Wingdings" panose="05000000000000000000" pitchFamily="2" charset="2"/>
+                        </a:rPr>
+                        <a:t>kein Default-Wert</a:t>
+                      </a:r>
+                      <a:endParaRPr lang="de-DE" sz="600" u="none" kern="1200" baseline="0" dirty="0" smtClean="0">
+                        <a:solidFill>
+                          <a:srgbClr val="C00000"/>
+                        </a:solidFill>
+                        <a:latin typeface="Arial" panose="020B0604020202020204" pitchFamily="34" charset="0"/>
+                        <a:ea typeface="+mn-ea"/>
+                        <a:cs typeface="Arial" panose="020B0604020202020204" pitchFamily="34" charset="0"/>
+                        <a:sym typeface="Wingdings" panose="05000000000000000000" pitchFamily="2" charset="2"/>
+                      </a:endParaRPr>
+                    </a:p>
+                    <a:p>
+                      <a:pPr marL="0" marR="0" lvl="0" indent="0" algn="l" defTabSz="914400" rtl="0" eaLnBrk="1" fontAlgn="auto" latinLnBrk="0" hangingPunct="1">
+                        <a:lnSpc>
+                          <a:spcPct val="100000"/>
+                        </a:lnSpc>
+                        <a:spcBef>
+                          <a:spcPts val="0"/>
+                        </a:spcBef>
+                        <a:spcAft>
+                          <a:spcPts val="0"/>
+                        </a:spcAft>
+                        <a:buClrTx/>
+                        <a:buSzTx/>
+                        <a:buFontTx/>
+                        <a:buNone/>
+                        <a:tabLst/>
+                        <a:defRPr/>
+                      </a:pPr>
+                      <a:endParaRPr lang="de-DE" sz="600" u="none" kern="1200" baseline="0" dirty="0" smtClean="0">
+                        <a:solidFill>
+                          <a:srgbClr val="C00000"/>
+                        </a:solidFill>
+                        <a:latin typeface="Arial" panose="020B0604020202020204" pitchFamily="34" charset="0"/>
+                        <a:ea typeface="+mn-ea"/>
+                        <a:cs typeface="Arial" panose="020B0604020202020204" pitchFamily="34" charset="0"/>
+                        <a:sym typeface="Wingdings" panose="05000000000000000000" pitchFamily="2" charset="2"/>
+                      </a:endParaRPr>
+                    </a:p>
+                  </a:txBody>
+                  <a:tcPr/>
+                </a:tc>
+              </a:tr>
+            </a:tbl>
+          </a:graphicData>
+        </a:graphic>
+      </p:graphicFrame>
+      <p:cxnSp>
+        <p:nvCxnSpPr>
+          <p:cNvPr id="39" name="Gewinkelte Verbindung 38"/>
+          <p:cNvCxnSpPr/>
+          <p:nvPr/>
+        </p:nvCxnSpPr>
+        <p:spPr>
+          <a:xfrm>
+            <a:off x="6444208" y="2060848"/>
+            <a:ext cx="874183" cy="425182"/>
+          </a:xfrm>
+          <a:prstGeom prst="bentConnector3">
+            <a:avLst>
+              <a:gd name="adj1" fmla="val 50000"/>
+            </a:avLst>
+          </a:prstGeom>
+          <a:ln w="15875">
+            <a:solidFill>
+              <a:schemeClr val="bg1">
+                <a:lumMod val="75000"/>
+              </a:schemeClr>
+            </a:solidFill>
+            <a:prstDash val="dash"/>
+            <a:tailEnd type="arrow"/>
+          </a:ln>
+        </p:spPr>
+        <p:style>
+          <a:lnRef idx="1">
+            <a:schemeClr val="accent1"/>
+          </a:lnRef>
+          <a:fillRef idx="0">
+            <a:schemeClr val="accent1"/>
+          </a:fillRef>
+          <a:effectRef idx="0">
+            <a:schemeClr val="accent1"/>
+          </a:effectRef>
+          <a:fontRef idx="minor">
+            <a:schemeClr val="tx1"/>
+          </a:fontRef>
+        </p:style>
+      </p:cxnSp>
+      <p:cxnSp>
+        <p:nvCxnSpPr>
+          <p:cNvPr id="45" name="Gewinkelte Verbindung 44"/>
+          <p:cNvCxnSpPr/>
+          <p:nvPr/>
+        </p:nvCxnSpPr>
+        <p:spPr>
+          <a:xfrm flipV="1">
+            <a:off x="5148064" y="3628413"/>
+            <a:ext cx="2160241" cy="227743"/>
+          </a:xfrm>
+          <a:prstGeom prst="bentConnector3">
+            <a:avLst>
+              <a:gd name="adj1" fmla="val 50000"/>
+            </a:avLst>
+          </a:prstGeom>
+          <a:ln w="15875">
+            <a:solidFill>
+              <a:schemeClr val="bg1">
+                <a:lumMod val="75000"/>
+              </a:schemeClr>
+            </a:solidFill>
+            <a:prstDash val="dash"/>
+            <a:tailEnd type="arrow"/>
+          </a:ln>
+        </p:spPr>
+        <p:style>
+          <a:lnRef idx="1">
+            <a:schemeClr val="accent1"/>
+          </a:lnRef>
+          <a:fillRef idx="0">
+            <a:schemeClr val="accent1"/>
+          </a:fillRef>
+          <a:effectRef idx="0">
+            <a:schemeClr val="accent1"/>
+          </a:effectRef>
+          <a:fontRef idx="minor">
+            <a:schemeClr val="tx1"/>
+          </a:fontRef>
+        </p:style>
+      </p:cxnSp>
+      <p:cxnSp>
+        <p:nvCxnSpPr>
+          <p:cNvPr id="52" name="Gewinkelte Verbindung 51"/>
+          <p:cNvCxnSpPr/>
+          <p:nvPr/>
+        </p:nvCxnSpPr>
+        <p:spPr>
+          <a:xfrm>
+            <a:off x="3947291" y="1583215"/>
+            <a:ext cx="3361014" cy="1244744"/>
+          </a:xfrm>
+          <a:prstGeom prst="bentConnector3">
+            <a:avLst>
+              <a:gd name="adj1" fmla="val 3056"/>
+            </a:avLst>
+          </a:prstGeom>
+          <a:ln w="15875">
+            <a:solidFill>
+              <a:schemeClr val="bg1">
+                <a:lumMod val="75000"/>
+              </a:schemeClr>
+            </a:solidFill>
+            <a:prstDash val="dash"/>
+            <a:tailEnd type="arrow"/>
+          </a:ln>
+        </p:spPr>
+        <p:style>
+          <a:lnRef idx="1">
+            <a:schemeClr val="accent1"/>
+          </a:lnRef>
+          <a:fillRef idx="0">
+            <a:schemeClr val="accent1"/>
+          </a:fillRef>
+          <a:effectRef idx="0">
+            <a:schemeClr val="accent1"/>
+          </a:effectRef>
+          <a:fontRef idx="minor">
+            <a:schemeClr val="tx1"/>
+          </a:fontRef>
+        </p:style>
+      </p:cxnSp>
+      <p:cxnSp>
+        <p:nvCxnSpPr>
+          <p:cNvPr id="60" name="Gewinkelte Verbindung 59"/>
+          <p:cNvCxnSpPr>
+            <a:stCxn id="47" idx="0"/>
+            <a:endCxn id="3" idx="1"/>
+          </p:cNvCxnSpPr>
+          <p:nvPr/>
+        </p:nvCxnSpPr>
+        <p:spPr>
+          <a:xfrm rot="5400000" flipH="1" flipV="1">
+            <a:off x="3812599" y="-67298"/>
+            <a:ext cx="366675" cy="6624736"/>
+          </a:xfrm>
+          <a:prstGeom prst="bentConnector2">
+            <a:avLst/>
+          </a:prstGeom>
+          <a:ln w="15875">
+            <a:solidFill>
+              <a:schemeClr val="bg1">
+                <a:lumMod val="75000"/>
+              </a:schemeClr>
+            </a:solidFill>
+            <a:prstDash val="dash"/>
+            <a:tailEnd type="arrow"/>
+          </a:ln>
+        </p:spPr>
+        <p:style>
+          <a:lnRef idx="1">
+            <a:schemeClr val="accent1"/>
+          </a:lnRef>
+          <a:fillRef idx="0">
+            <a:schemeClr val="accent1"/>
+          </a:fillRef>
+          <a:effectRef idx="0">
+            <a:schemeClr val="accent1"/>
+          </a:effectRef>
+          <a:fontRef idx="minor">
+            <a:schemeClr val="tx1"/>
+          </a:fontRef>
+        </p:style>
+      </p:cxnSp>
+      <p:cxnSp>
+        <p:nvCxnSpPr>
+          <p:cNvPr id="74" name="Gewinkelte Verbindung 73"/>
+          <p:cNvCxnSpPr/>
+          <p:nvPr/>
+        </p:nvCxnSpPr>
+        <p:spPr>
+          <a:xfrm flipV="1">
+            <a:off x="2214325" y="3310065"/>
+            <a:ext cx="5093982" cy="120005"/>
+          </a:xfrm>
+          <a:prstGeom prst="bentConnector3">
+            <a:avLst>
+              <a:gd name="adj1" fmla="val 255"/>
+            </a:avLst>
+          </a:prstGeom>
+          <a:ln w="15875">
+            <a:solidFill>
+              <a:schemeClr val="bg1">
+                <a:lumMod val="75000"/>
+              </a:schemeClr>
+            </a:solidFill>
+            <a:prstDash val="dash"/>
+            <a:tailEnd type="arrow"/>
+          </a:ln>
+        </p:spPr>
+        <p:style>
+          <a:lnRef idx="1">
+            <a:schemeClr val="accent1"/>
+          </a:lnRef>
+          <a:fillRef idx="0">
+            <a:schemeClr val="accent1"/>
+          </a:fillRef>
+          <a:effectRef idx="0">
+            <a:schemeClr val="accent1"/>
+          </a:effectRef>
+          <a:fontRef idx="minor">
+            <a:schemeClr val="tx1"/>
+          </a:fontRef>
+        </p:style>
+      </p:cxnSp>
+      <p:cxnSp>
+        <p:nvCxnSpPr>
+          <p:cNvPr id="80" name="Gewinkelte Verbindung 79"/>
+          <p:cNvCxnSpPr/>
+          <p:nvPr/>
+        </p:nvCxnSpPr>
+        <p:spPr>
+          <a:xfrm flipV="1">
+            <a:off x="7620000" y="5961712"/>
+            <a:ext cx="495782" cy="2983"/>
+          </a:xfrm>
+          <a:prstGeom prst="bentConnector3">
+            <a:avLst>
+              <a:gd name="adj1" fmla="val 50000"/>
+            </a:avLst>
+          </a:prstGeom>
+          <a:ln w="15875">
+            <a:solidFill>
+              <a:schemeClr val="bg1">
+                <a:lumMod val="75000"/>
+              </a:schemeClr>
+            </a:solidFill>
+            <a:prstDash val="dash"/>
+            <a:tailEnd type="arrow"/>
+          </a:ln>
+        </p:spPr>
+        <p:style>
+          <a:lnRef idx="1">
+            <a:schemeClr val="accent1"/>
+          </a:lnRef>
+          <a:fillRef idx="0">
+            <a:schemeClr val="accent1"/>
+          </a:fillRef>
+          <a:effectRef idx="0">
+            <a:schemeClr val="accent1"/>
+          </a:effectRef>
+          <a:fontRef idx="minor">
+            <a:schemeClr val="tx1"/>
+          </a:fontRef>
+        </p:style>
+      </p:cxnSp>
+      <p:sp>
+        <p:nvSpPr>
+          <p:cNvPr id="81" name="Rechteck 80"/>
+          <p:cNvSpPr/>
+          <p:nvPr/>
+        </p:nvSpPr>
+        <p:spPr>
+          <a:xfrm>
+            <a:off x="7524328" y="5989755"/>
+            <a:ext cx="1619672" cy="338554"/>
+          </a:xfrm>
+          <a:prstGeom prst="rect">
+            <a:avLst/>
+          </a:prstGeom>
+        </p:spPr>
+        <p:txBody>
+          <a:bodyPr wrap="square">
+            <a:spAutoFit/>
+          </a:bodyPr>
+          <a:lstStyle/>
+          <a:p>
+            <a:r>
+              <a:rPr lang="de-DE" sz="800" dirty="0" smtClean="0">
+                <a:latin typeface="Arial" panose="020B0604020202020204" pitchFamily="34" charset="0"/>
+                <a:cs typeface="Arial" panose="020B0604020202020204" pitchFamily="34" charset="0"/>
+                <a:sym typeface="Wingdings" panose="05000000000000000000" pitchFamily="2" charset="2"/>
+              </a:rPr>
+              <a:t>Bekommt Informationen (keine direkte Verknüpfung)</a:t>
+            </a:r>
+            <a:endParaRPr lang="de-DE" sz="800" dirty="0">
+              <a:latin typeface="Arial" panose="020B0604020202020204" pitchFamily="34" charset="0"/>
+              <a:cs typeface="Arial" panose="020B0604020202020204" pitchFamily="34" charset="0"/>
+              <a:sym typeface="Wingdings" panose="05000000000000000000" pitchFamily="2" charset="2"/>
+            </a:endParaRPr>
+          </a:p>
+        </p:txBody>
+      </p:sp>
     </p:spTree>
     <p:extLst>
       <p:ext uri="{BB962C8B-B14F-4D97-AF65-F5344CB8AC3E}">
@@ -10581,7 +11485,7 @@
                 <a:gridCol w="1414878">
                   <a:extLst>
                     <a:ext uri="{9D8B030D-6E8A-4147-A177-3AD203B41FA5}">
-                      <a16:colId xmlns:a16="http://schemas.microsoft.com/office/drawing/2014/main" val="20000"/>
+                      <a16:colId xmlns:a16="http://schemas.microsoft.com/office/drawing/2014/main" xmlns="" val="20000"/>
                     </a:ext>
                   </a:extLst>
                 </a:gridCol>
@@ -10632,7 +11536,7 @@
                 </a:tc>
                 <a:extLst>
                   <a:ext uri="{0D108BD9-81ED-4DB2-BD59-A6C34878D82A}">
-                    <a16:rowId xmlns:a16="http://schemas.microsoft.com/office/drawing/2014/main" val="10000"/>
+                    <a16:rowId xmlns:a16="http://schemas.microsoft.com/office/drawing/2014/main" xmlns="" val="10000"/>
                   </a:ext>
                 </a:extLst>
               </a:tr>
@@ -10794,7 +11698,7 @@
                 </a:tc>
                 <a:extLst>
                   <a:ext uri="{0D108BD9-81ED-4DB2-BD59-A6C34878D82A}">
-                    <a16:rowId xmlns:a16="http://schemas.microsoft.com/office/drawing/2014/main" val="10001"/>
+                    <a16:rowId xmlns:a16="http://schemas.microsoft.com/office/drawing/2014/main" xmlns="" val="10001"/>
                   </a:ext>
                 </a:extLst>
               </a:tr>
@@ -10830,7 +11734,7 @@
                 <a:gridCol w="1594899">
                   <a:extLst>
                     <a:ext uri="{9D8B030D-6E8A-4147-A177-3AD203B41FA5}">
-                      <a16:colId xmlns:a16="http://schemas.microsoft.com/office/drawing/2014/main" val="20000"/>
+                      <a16:colId xmlns:a16="http://schemas.microsoft.com/office/drawing/2014/main" xmlns="" val="20000"/>
                     </a:ext>
                   </a:extLst>
                 </a:gridCol>
@@ -10874,7 +11778,7 @@
                 </a:tc>
                 <a:extLst>
                   <a:ext uri="{0D108BD9-81ED-4DB2-BD59-A6C34878D82A}">
-                    <a16:rowId xmlns:a16="http://schemas.microsoft.com/office/drawing/2014/main" val="10000"/>
+                    <a16:rowId xmlns:a16="http://schemas.microsoft.com/office/drawing/2014/main" xmlns="" val="10000"/>
                   </a:ext>
                 </a:extLst>
               </a:tr>
@@ -11305,7 +12209,7 @@
                 </a:tc>
                 <a:extLst>
                   <a:ext uri="{0D108BD9-81ED-4DB2-BD59-A6C34878D82A}">
-                    <a16:rowId xmlns:a16="http://schemas.microsoft.com/office/drawing/2014/main" val="10001"/>
+                    <a16:rowId xmlns:a16="http://schemas.microsoft.com/office/drawing/2014/main" xmlns="" val="10001"/>
                   </a:ext>
                 </a:extLst>
               </a:tr>
@@ -11341,7 +12245,7 @@
                 <a:gridCol w="1944216">
                   <a:extLst>
                     <a:ext uri="{9D8B030D-6E8A-4147-A177-3AD203B41FA5}">
-                      <a16:colId xmlns:a16="http://schemas.microsoft.com/office/drawing/2014/main" val="20000"/>
+                      <a16:colId xmlns:a16="http://schemas.microsoft.com/office/drawing/2014/main" xmlns="" val="20000"/>
                     </a:ext>
                   </a:extLst>
                 </a:gridCol>
@@ -11385,7 +12289,7 @@
                 </a:tc>
                 <a:extLst>
                   <a:ext uri="{0D108BD9-81ED-4DB2-BD59-A6C34878D82A}">
-                    <a16:rowId xmlns:a16="http://schemas.microsoft.com/office/drawing/2014/main" val="10000"/>
+                    <a16:rowId xmlns:a16="http://schemas.microsoft.com/office/drawing/2014/main" xmlns="" val="10000"/>
                   </a:ext>
                 </a:extLst>
               </a:tr>
@@ -12228,7 +13132,7 @@
                 </a:tc>
                 <a:extLst>
                   <a:ext uri="{0D108BD9-81ED-4DB2-BD59-A6C34878D82A}">
-                    <a16:rowId xmlns:a16="http://schemas.microsoft.com/office/drawing/2014/main" val="10001"/>
+                    <a16:rowId xmlns:a16="http://schemas.microsoft.com/office/drawing/2014/main" xmlns="" val="10001"/>
                   </a:ext>
                 </a:extLst>
               </a:tr>
@@ -12264,7 +13168,7 @@
                 <a:gridCol w="2339752">
                   <a:extLst>
                     <a:ext uri="{9D8B030D-6E8A-4147-A177-3AD203B41FA5}">
-                      <a16:colId xmlns:a16="http://schemas.microsoft.com/office/drawing/2014/main" val="20000"/>
+                      <a16:colId xmlns:a16="http://schemas.microsoft.com/office/drawing/2014/main" xmlns="" val="20000"/>
                     </a:ext>
                   </a:extLst>
                 </a:gridCol>
@@ -12315,7 +13219,7 @@
                 </a:tc>
                 <a:extLst>
                   <a:ext uri="{0D108BD9-81ED-4DB2-BD59-A6C34878D82A}">
-                    <a16:rowId xmlns:a16="http://schemas.microsoft.com/office/drawing/2014/main" val="10000"/>
+                    <a16:rowId xmlns:a16="http://schemas.microsoft.com/office/drawing/2014/main" xmlns="" val="10000"/>
                   </a:ext>
                 </a:extLst>
               </a:tr>
@@ -13011,7 +13915,7 @@
                 </a:tc>
                 <a:extLst>
                   <a:ext uri="{0D108BD9-81ED-4DB2-BD59-A6C34878D82A}">
-                    <a16:rowId xmlns:a16="http://schemas.microsoft.com/office/drawing/2014/main" val="10001"/>
+                    <a16:rowId xmlns:a16="http://schemas.microsoft.com/office/drawing/2014/main" xmlns="" val="10001"/>
                   </a:ext>
                 </a:extLst>
               </a:tr>
@@ -13047,7 +13951,7 @@
                 <a:gridCol w="1800200">
                   <a:extLst>
                     <a:ext uri="{9D8B030D-6E8A-4147-A177-3AD203B41FA5}">
-                      <a16:colId xmlns:a16="http://schemas.microsoft.com/office/drawing/2014/main" val="20000"/>
+                      <a16:colId xmlns:a16="http://schemas.microsoft.com/office/drawing/2014/main" xmlns="" val="20000"/>
                     </a:ext>
                   </a:extLst>
                 </a:gridCol>
@@ -13098,7 +14002,7 @@
                 </a:tc>
                 <a:extLst>
                   <a:ext uri="{0D108BD9-81ED-4DB2-BD59-A6C34878D82A}">
-                    <a16:rowId xmlns:a16="http://schemas.microsoft.com/office/drawing/2014/main" val="10000"/>
+                    <a16:rowId xmlns:a16="http://schemas.microsoft.com/office/drawing/2014/main" xmlns="" val="10000"/>
                   </a:ext>
                 </a:extLst>
               </a:tr>
@@ -13755,7 +14659,7 @@
                 </a:tc>
                 <a:extLst>
                   <a:ext uri="{0D108BD9-81ED-4DB2-BD59-A6C34878D82A}">
-                    <a16:rowId xmlns:a16="http://schemas.microsoft.com/office/drawing/2014/main" val="10001"/>
+                    <a16:rowId xmlns:a16="http://schemas.microsoft.com/office/drawing/2014/main" xmlns="" val="10001"/>
                   </a:ext>
                 </a:extLst>
               </a:tr>
@@ -13791,7 +14695,7 @@
                 <a:gridCol w="1334243">
                   <a:extLst>
                     <a:ext uri="{9D8B030D-6E8A-4147-A177-3AD203B41FA5}">
-                      <a16:colId xmlns:a16="http://schemas.microsoft.com/office/drawing/2014/main" val="20000"/>
+                      <a16:colId xmlns:a16="http://schemas.microsoft.com/office/drawing/2014/main" xmlns="" val="20000"/>
                     </a:ext>
                   </a:extLst>
                 </a:gridCol>
@@ -13835,7 +14739,7 @@
                 </a:tc>
                 <a:extLst>
                   <a:ext uri="{0D108BD9-81ED-4DB2-BD59-A6C34878D82A}">
-                    <a16:rowId xmlns:a16="http://schemas.microsoft.com/office/drawing/2014/main" val="10000"/>
+                    <a16:rowId xmlns:a16="http://schemas.microsoft.com/office/drawing/2014/main" xmlns="" val="10000"/>
                   </a:ext>
                 </a:extLst>
               </a:tr>
@@ -14105,7 +15009,7 @@
                 </a:tc>
                 <a:extLst>
                   <a:ext uri="{0D108BD9-81ED-4DB2-BD59-A6C34878D82A}">
-                    <a16:rowId xmlns:a16="http://schemas.microsoft.com/office/drawing/2014/main" val="10001"/>
+                    <a16:rowId xmlns:a16="http://schemas.microsoft.com/office/drawing/2014/main" xmlns="" val="10001"/>
                   </a:ext>
                 </a:extLst>
               </a:tr>
@@ -14141,7 +15045,7 @@
                 <a:gridCol w="1296144">
                   <a:extLst>
                     <a:ext uri="{9D8B030D-6E8A-4147-A177-3AD203B41FA5}">
-                      <a16:colId xmlns:a16="http://schemas.microsoft.com/office/drawing/2014/main" val="20000"/>
+                      <a16:colId xmlns:a16="http://schemas.microsoft.com/office/drawing/2014/main" xmlns="" val="20000"/>
                     </a:ext>
                   </a:extLst>
                 </a:gridCol>
@@ -14185,7 +15089,7 @@
                 </a:tc>
                 <a:extLst>
                   <a:ext uri="{0D108BD9-81ED-4DB2-BD59-A6C34878D82A}">
-                    <a16:rowId xmlns:a16="http://schemas.microsoft.com/office/drawing/2014/main" val="10000"/>
+                    <a16:rowId xmlns:a16="http://schemas.microsoft.com/office/drawing/2014/main" xmlns="" val="10000"/>
                   </a:ext>
                 </a:extLst>
               </a:tr>
@@ -14463,7 +15367,7 @@
                 </a:tc>
                 <a:extLst>
                   <a:ext uri="{0D108BD9-81ED-4DB2-BD59-A6C34878D82A}">
-                    <a16:rowId xmlns:a16="http://schemas.microsoft.com/office/drawing/2014/main" val="10001"/>
+                    <a16:rowId xmlns:a16="http://schemas.microsoft.com/office/drawing/2014/main" xmlns="" val="10001"/>
                   </a:ext>
                 </a:extLst>
               </a:tr>
@@ -14499,7 +15403,7 @@
                 <a:gridCol w="2057396">
                   <a:extLst>
                     <a:ext uri="{9D8B030D-6E8A-4147-A177-3AD203B41FA5}">
-                      <a16:colId xmlns:a16="http://schemas.microsoft.com/office/drawing/2014/main" val="20000"/>
+                      <a16:colId xmlns:a16="http://schemas.microsoft.com/office/drawing/2014/main" xmlns="" val="20000"/>
                     </a:ext>
                   </a:extLst>
                 </a:gridCol>
@@ -14550,7 +15454,7 @@
                 </a:tc>
                 <a:extLst>
                   <a:ext uri="{0D108BD9-81ED-4DB2-BD59-A6C34878D82A}">
-                    <a16:rowId xmlns:a16="http://schemas.microsoft.com/office/drawing/2014/main" val="10000"/>
+                    <a16:rowId xmlns:a16="http://schemas.microsoft.com/office/drawing/2014/main" xmlns="" val="10000"/>
                   </a:ext>
                 </a:extLst>
               </a:tr>
@@ -14765,7 +15669,7 @@
                 </a:tc>
                 <a:extLst>
                   <a:ext uri="{0D108BD9-81ED-4DB2-BD59-A6C34878D82A}">
-                    <a16:rowId xmlns:a16="http://schemas.microsoft.com/office/drawing/2014/main" val="10001"/>
+                    <a16:rowId xmlns:a16="http://schemas.microsoft.com/office/drawing/2014/main" xmlns="" val="10001"/>
                   </a:ext>
                 </a:extLst>
               </a:tr>
@@ -14801,7 +15705,7 @@
                 <a:gridCol w="1440160">
                   <a:extLst>
                     <a:ext uri="{9D8B030D-6E8A-4147-A177-3AD203B41FA5}">
-                      <a16:colId xmlns:a16="http://schemas.microsoft.com/office/drawing/2014/main" val="20000"/>
+                      <a16:colId xmlns:a16="http://schemas.microsoft.com/office/drawing/2014/main" xmlns="" val="20000"/>
                     </a:ext>
                   </a:extLst>
                 </a:gridCol>
@@ -14852,7 +15756,7 @@
                 </a:tc>
                 <a:extLst>
                   <a:ext uri="{0D108BD9-81ED-4DB2-BD59-A6C34878D82A}">
-                    <a16:rowId xmlns:a16="http://schemas.microsoft.com/office/drawing/2014/main" val="10000"/>
+                    <a16:rowId xmlns:a16="http://schemas.microsoft.com/office/drawing/2014/main" xmlns="" val="10000"/>
                   </a:ext>
                 </a:extLst>
               </a:tr>
@@ -15067,7 +15971,7 @@
                 </a:tc>
                 <a:extLst>
                   <a:ext uri="{0D108BD9-81ED-4DB2-BD59-A6C34878D82A}">
-                    <a16:rowId xmlns:a16="http://schemas.microsoft.com/office/drawing/2014/main" val="10001"/>
+                    <a16:rowId xmlns:a16="http://schemas.microsoft.com/office/drawing/2014/main" xmlns="" val="10001"/>
                   </a:ext>
                 </a:extLst>
               </a:tr>
@@ -15103,7 +16007,7 @@
                 <a:gridCol w="1793850">
                   <a:extLst>
                     <a:ext uri="{9D8B030D-6E8A-4147-A177-3AD203B41FA5}">
-                      <a16:colId xmlns:a16="http://schemas.microsoft.com/office/drawing/2014/main" val="20000"/>
+                      <a16:colId xmlns:a16="http://schemas.microsoft.com/office/drawing/2014/main" xmlns="" val="20000"/>
                     </a:ext>
                   </a:extLst>
                 </a:gridCol>
@@ -15154,7 +16058,7 @@
                 </a:tc>
                 <a:extLst>
                   <a:ext uri="{0D108BD9-81ED-4DB2-BD59-A6C34878D82A}">
-                    <a16:rowId xmlns:a16="http://schemas.microsoft.com/office/drawing/2014/main" val="10000"/>
+                    <a16:rowId xmlns:a16="http://schemas.microsoft.com/office/drawing/2014/main" xmlns="" val="10000"/>
                   </a:ext>
                 </a:extLst>
               </a:tr>
@@ -15465,7 +16369,7 @@
                 </a:tc>
                 <a:extLst>
                   <a:ext uri="{0D108BD9-81ED-4DB2-BD59-A6C34878D82A}">
-                    <a16:rowId xmlns:a16="http://schemas.microsoft.com/office/drawing/2014/main" val="10001"/>
+                    <a16:rowId xmlns:a16="http://schemas.microsoft.com/office/drawing/2014/main" xmlns="" val="10001"/>
                   </a:ext>
                 </a:extLst>
               </a:tr>
@@ -16088,7 +16992,7 @@
                 <a:gridCol w="1846926">
                   <a:extLst>
                     <a:ext uri="{9D8B030D-6E8A-4147-A177-3AD203B41FA5}">
-                      <a16:colId xmlns:a16="http://schemas.microsoft.com/office/drawing/2014/main" val="20000"/>
+                      <a16:colId xmlns:a16="http://schemas.microsoft.com/office/drawing/2014/main" xmlns="" val="20000"/>
                     </a:ext>
                   </a:extLst>
                 </a:gridCol>
@@ -16139,7 +17043,7 @@
                 </a:tc>
                 <a:extLst>
                   <a:ext uri="{0D108BD9-81ED-4DB2-BD59-A6C34878D82A}">
-                    <a16:rowId xmlns:a16="http://schemas.microsoft.com/office/drawing/2014/main" val="10000"/>
+                    <a16:rowId xmlns:a16="http://schemas.microsoft.com/office/drawing/2014/main" xmlns="" val="10000"/>
                   </a:ext>
                 </a:extLst>
               </a:tr>
@@ -16421,7 +17325,7 @@
                 </a:tc>
                 <a:extLst>
                   <a:ext uri="{0D108BD9-81ED-4DB2-BD59-A6C34878D82A}">
-                    <a16:rowId xmlns:a16="http://schemas.microsoft.com/office/drawing/2014/main" val="10001"/>
+                    <a16:rowId xmlns:a16="http://schemas.microsoft.com/office/drawing/2014/main" xmlns="" val="10001"/>
                   </a:ext>
                 </a:extLst>
               </a:tr>
@@ -16457,7 +17361,7 @@
                 <a:gridCol w="1224136">
                   <a:extLst>
                     <a:ext uri="{9D8B030D-6E8A-4147-A177-3AD203B41FA5}">
-                      <a16:colId xmlns:a16="http://schemas.microsoft.com/office/drawing/2014/main" val="20000"/>
+                      <a16:colId xmlns:a16="http://schemas.microsoft.com/office/drawing/2014/main" xmlns="" val="20000"/>
                     </a:ext>
                   </a:extLst>
                 </a:gridCol>
@@ -16501,7 +17405,7 @@
                 </a:tc>
                 <a:extLst>
                   <a:ext uri="{0D108BD9-81ED-4DB2-BD59-A6C34878D82A}">
-                    <a16:rowId xmlns:a16="http://schemas.microsoft.com/office/drawing/2014/main" val="10000"/>
+                    <a16:rowId xmlns:a16="http://schemas.microsoft.com/office/drawing/2014/main" xmlns="" val="10000"/>
                   </a:ext>
                 </a:extLst>
               </a:tr>
@@ -16734,7 +17638,7 @@
                 </a:tc>
                 <a:extLst>
                   <a:ext uri="{0D108BD9-81ED-4DB2-BD59-A6C34878D82A}">
-                    <a16:rowId xmlns:a16="http://schemas.microsoft.com/office/drawing/2014/main" val="10001"/>
+                    <a16:rowId xmlns:a16="http://schemas.microsoft.com/office/drawing/2014/main" xmlns="" val="10001"/>
                   </a:ext>
                 </a:extLst>
               </a:tr>
@@ -16898,7 +17802,7 @@
                 <a:gridCol w="1080120">
                   <a:extLst>
                     <a:ext uri="{9D8B030D-6E8A-4147-A177-3AD203B41FA5}">
-                      <a16:colId xmlns:a16="http://schemas.microsoft.com/office/drawing/2014/main" val="20000"/>
+                      <a16:colId xmlns:a16="http://schemas.microsoft.com/office/drawing/2014/main" xmlns="" val="20000"/>
                     </a:ext>
                   </a:extLst>
                 </a:gridCol>
@@ -16949,7 +17853,7 @@
                 </a:tc>
                 <a:extLst>
                   <a:ext uri="{0D108BD9-81ED-4DB2-BD59-A6C34878D82A}">
-                    <a16:rowId xmlns:a16="http://schemas.microsoft.com/office/drawing/2014/main" val="10000"/>
+                    <a16:rowId xmlns:a16="http://schemas.microsoft.com/office/drawing/2014/main" xmlns="" val="10000"/>
                   </a:ext>
                 </a:extLst>
               </a:tr>
@@ -17008,7 +17912,7 @@
                 </a:tc>
                 <a:extLst>
                   <a:ext uri="{0D108BD9-81ED-4DB2-BD59-A6C34878D82A}">
-                    <a16:rowId xmlns:a16="http://schemas.microsoft.com/office/drawing/2014/main" val="10001"/>
+                    <a16:rowId xmlns:a16="http://schemas.microsoft.com/office/drawing/2014/main" xmlns="" val="10001"/>
                   </a:ext>
                 </a:extLst>
               </a:tr>
@@ -17044,7 +17948,7 @@
                 <a:gridCol w="876053">
                   <a:extLst>
                     <a:ext uri="{9D8B030D-6E8A-4147-A177-3AD203B41FA5}">
-                      <a16:colId xmlns:a16="http://schemas.microsoft.com/office/drawing/2014/main" val="20000"/>
+                      <a16:colId xmlns:a16="http://schemas.microsoft.com/office/drawing/2014/main" xmlns="" val="20000"/>
                     </a:ext>
                   </a:extLst>
                 </a:gridCol>
@@ -17088,7 +17992,7 @@
                 </a:tc>
                 <a:extLst>
                   <a:ext uri="{0D108BD9-81ED-4DB2-BD59-A6C34878D82A}">
-                    <a16:rowId xmlns:a16="http://schemas.microsoft.com/office/drawing/2014/main" val="10000"/>
+                    <a16:rowId xmlns:a16="http://schemas.microsoft.com/office/drawing/2014/main" xmlns="" val="10000"/>
                   </a:ext>
                 </a:extLst>
               </a:tr>
@@ -17210,7 +18114,7 @@
                 </a:tc>
                 <a:extLst>
                   <a:ext uri="{0D108BD9-81ED-4DB2-BD59-A6C34878D82A}">
-                    <a16:rowId xmlns:a16="http://schemas.microsoft.com/office/drawing/2014/main" val="10001"/>
+                    <a16:rowId xmlns:a16="http://schemas.microsoft.com/office/drawing/2014/main" xmlns="" val="10001"/>
                   </a:ext>
                 </a:extLst>
               </a:tr>
@@ -17242,7 +18146,7 @@
                 <a:gridCol w="576064">
                   <a:extLst>
                     <a:ext uri="{9D8B030D-6E8A-4147-A177-3AD203B41FA5}">
-                      <a16:colId xmlns:a16="http://schemas.microsoft.com/office/drawing/2014/main" val="20000"/>
+                      <a16:colId xmlns:a16="http://schemas.microsoft.com/office/drawing/2014/main" xmlns="" val="20000"/>
                     </a:ext>
                   </a:extLst>
                 </a:gridCol>
@@ -17293,7 +18197,7 @@
                 </a:tc>
                 <a:extLst>
                   <a:ext uri="{0D108BD9-81ED-4DB2-BD59-A6C34878D82A}">
-                    <a16:rowId xmlns:a16="http://schemas.microsoft.com/office/drawing/2014/main" val="10000"/>
+                    <a16:rowId xmlns:a16="http://schemas.microsoft.com/office/drawing/2014/main" xmlns="" val="10000"/>
                   </a:ext>
                 </a:extLst>
               </a:tr>
@@ -17314,7 +18218,7 @@
                 </a:tc>
                 <a:extLst>
                   <a:ext uri="{0D108BD9-81ED-4DB2-BD59-A6C34878D82A}">
-                    <a16:rowId xmlns:a16="http://schemas.microsoft.com/office/drawing/2014/main" val="10001"/>
+                    <a16:rowId xmlns:a16="http://schemas.microsoft.com/office/drawing/2014/main" xmlns="" val="10001"/>
                   </a:ext>
                 </a:extLst>
               </a:tr>
@@ -17346,7 +18250,7 @@
                 <a:gridCol w="576064">
                   <a:extLst>
                     <a:ext uri="{9D8B030D-6E8A-4147-A177-3AD203B41FA5}">
-                      <a16:colId xmlns:a16="http://schemas.microsoft.com/office/drawing/2014/main" val="20000"/>
+                      <a16:colId xmlns:a16="http://schemas.microsoft.com/office/drawing/2014/main" xmlns="" val="20000"/>
                     </a:ext>
                   </a:extLst>
                 </a:gridCol>
@@ -17397,7 +18301,7 @@
                 </a:tc>
                 <a:extLst>
                   <a:ext uri="{0D108BD9-81ED-4DB2-BD59-A6C34878D82A}">
-                    <a16:rowId xmlns:a16="http://schemas.microsoft.com/office/drawing/2014/main" val="10000"/>
+                    <a16:rowId xmlns:a16="http://schemas.microsoft.com/office/drawing/2014/main" xmlns="" val="10000"/>
                   </a:ext>
                 </a:extLst>
               </a:tr>
@@ -17418,7 +18322,7 @@
                 </a:tc>
                 <a:extLst>
                   <a:ext uri="{0D108BD9-81ED-4DB2-BD59-A6C34878D82A}">
-                    <a16:rowId xmlns:a16="http://schemas.microsoft.com/office/drawing/2014/main" val="10001"/>
+                    <a16:rowId xmlns:a16="http://schemas.microsoft.com/office/drawing/2014/main" xmlns="" val="10001"/>
                   </a:ext>
                 </a:extLst>
               </a:tr>
@@ -17530,7 +18434,7 @@
                 <a:gridCol w="1224136">
                   <a:extLst>
                     <a:ext uri="{9D8B030D-6E8A-4147-A177-3AD203B41FA5}">
-                      <a16:colId xmlns:a16="http://schemas.microsoft.com/office/drawing/2014/main" val="20000"/>
+                      <a16:colId xmlns:a16="http://schemas.microsoft.com/office/drawing/2014/main" xmlns="" val="20000"/>
                     </a:ext>
                   </a:extLst>
                 </a:gridCol>
@@ -17574,7 +18478,7 @@
                 </a:tc>
                 <a:extLst>
                   <a:ext uri="{0D108BD9-81ED-4DB2-BD59-A6C34878D82A}">
-                    <a16:rowId xmlns:a16="http://schemas.microsoft.com/office/drawing/2014/main" val="10000"/>
+                    <a16:rowId xmlns:a16="http://schemas.microsoft.com/office/drawing/2014/main" xmlns="" val="10000"/>
                   </a:ext>
                 </a:extLst>
               </a:tr>
@@ -17904,7 +18808,7 @@
                 </a:tc>
                 <a:extLst>
                   <a:ext uri="{0D108BD9-81ED-4DB2-BD59-A6C34878D82A}">
-                    <a16:rowId xmlns:a16="http://schemas.microsoft.com/office/drawing/2014/main" val="10001"/>
+                    <a16:rowId xmlns:a16="http://schemas.microsoft.com/office/drawing/2014/main" xmlns="" val="10001"/>
                   </a:ext>
                 </a:extLst>
               </a:tr>
@@ -17940,7 +18844,7 @@
                 <a:gridCol w="1728192">
                   <a:extLst>
                     <a:ext uri="{9D8B030D-6E8A-4147-A177-3AD203B41FA5}">
-                      <a16:colId xmlns:a16="http://schemas.microsoft.com/office/drawing/2014/main" val="20000"/>
+                      <a16:colId xmlns:a16="http://schemas.microsoft.com/office/drawing/2014/main" xmlns="" val="20000"/>
                     </a:ext>
                   </a:extLst>
                 </a:gridCol>
@@ -17991,7 +18895,7 @@
                 </a:tc>
                 <a:extLst>
                   <a:ext uri="{0D108BD9-81ED-4DB2-BD59-A6C34878D82A}">
-                    <a16:rowId xmlns:a16="http://schemas.microsoft.com/office/drawing/2014/main" val="10000"/>
+                    <a16:rowId xmlns:a16="http://schemas.microsoft.com/office/drawing/2014/main" xmlns="" val="10000"/>
                   </a:ext>
                 </a:extLst>
               </a:tr>
@@ -18229,7 +19133,7 @@
                 </a:tc>
                 <a:extLst>
                   <a:ext uri="{0D108BD9-81ED-4DB2-BD59-A6C34878D82A}">
-                    <a16:rowId xmlns:a16="http://schemas.microsoft.com/office/drawing/2014/main" val="10001"/>
+                    <a16:rowId xmlns:a16="http://schemas.microsoft.com/office/drawing/2014/main" xmlns="" val="10001"/>
                   </a:ext>
                 </a:extLst>
               </a:tr>
@@ -18265,7 +19169,7 @@
                 <a:gridCol w="936104">
                   <a:extLst>
                     <a:ext uri="{9D8B030D-6E8A-4147-A177-3AD203B41FA5}">
-                      <a16:colId xmlns:a16="http://schemas.microsoft.com/office/drawing/2014/main" val="20000"/>
+                      <a16:colId xmlns:a16="http://schemas.microsoft.com/office/drawing/2014/main" xmlns="" val="20000"/>
                     </a:ext>
                   </a:extLst>
                 </a:gridCol>
@@ -18316,7 +19220,7 @@
                 </a:tc>
                 <a:extLst>
                   <a:ext uri="{0D108BD9-81ED-4DB2-BD59-A6C34878D82A}">
-                    <a16:rowId xmlns:a16="http://schemas.microsoft.com/office/drawing/2014/main" val="10000"/>
+                    <a16:rowId xmlns:a16="http://schemas.microsoft.com/office/drawing/2014/main" xmlns="" val="10000"/>
                   </a:ext>
                 </a:extLst>
               </a:tr>
@@ -18501,7 +19405,7 @@
                 </a:tc>
                 <a:extLst>
                   <a:ext uri="{0D108BD9-81ED-4DB2-BD59-A6C34878D82A}">
-                    <a16:rowId xmlns:a16="http://schemas.microsoft.com/office/drawing/2014/main" val="10001"/>
+                    <a16:rowId xmlns:a16="http://schemas.microsoft.com/office/drawing/2014/main" xmlns="" val="10001"/>
                   </a:ext>
                 </a:extLst>
               </a:tr>
@@ -18537,7 +19441,7 @@
                 <a:gridCol w="1334243">
                   <a:extLst>
                     <a:ext uri="{9D8B030D-6E8A-4147-A177-3AD203B41FA5}">
-                      <a16:colId xmlns:a16="http://schemas.microsoft.com/office/drawing/2014/main" val="20000"/>
+                      <a16:colId xmlns:a16="http://schemas.microsoft.com/office/drawing/2014/main" xmlns="" val="20000"/>
                     </a:ext>
                   </a:extLst>
                 </a:gridCol>
@@ -18581,7 +19485,7 @@
                 </a:tc>
                 <a:extLst>
                   <a:ext uri="{0D108BD9-81ED-4DB2-BD59-A6C34878D82A}">
-                    <a16:rowId xmlns:a16="http://schemas.microsoft.com/office/drawing/2014/main" val="10000"/>
+                    <a16:rowId xmlns:a16="http://schemas.microsoft.com/office/drawing/2014/main" xmlns="" val="10000"/>
                   </a:ext>
                 </a:extLst>
               </a:tr>
@@ -18689,7 +19593,7 @@
                 </a:tc>
                 <a:extLst>
                   <a:ext uri="{0D108BD9-81ED-4DB2-BD59-A6C34878D82A}">
-                    <a16:rowId xmlns:a16="http://schemas.microsoft.com/office/drawing/2014/main" val="10001"/>
+                    <a16:rowId xmlns:a16="http://schemas.microsoft.com/office/drawing/2014/main" xmlns="" val="10001"/>
                   </a:ext>
                 </a:extLst>
               </a:tr>
@@ -18725,7 +19629,7 @@
                 <a:gridCol w="1118219">
                   <a:extLst>
                     <a:ext uri="{9D8B030D-6E8A-4147-A177-3AD203B41FA5}">
-                      <a16:colId xmlns:a16="http://schemas.microsoft.com/office/drawing/2014/main" val="20000"/>
+                      <a16:colId xmlns:a16="http://schemas.microsoft.com/office/drawing/2014/main" xmlns="" val="20000"/>
                     </a:ext>
                   </a:extLst>
                 </a:gridCol>
@@ -18769,7 +19673,7 @@
                 </a:tc>
                 <a:extLst>
                   <a:ext uri="{0D108BD9-81ED-4DB2-BD59-A6C34878D82A}">
-                    <a16:rowId xmlns:a16="http://schemas.microsoft.com/office/drawing/2014/main" val="10000"/>
+                    <a16:rowId xmlns:a16="http://schemas.microsoft.com/office/drawing/2014/main" xmlns="" val="10000"/>
                   </a:ext>
                 </a:extLst>
               </a:tr>
@@ -18857,7 +19761,7 @@
                 </a:tc>
                 <a:extLst>
                   <a:ext uri="{0D108BD9-81ED-4DB2-BD59-A6C34878D82A}">
-                    <a16:rowId xmlns:a16="http://schemas.microsoft.com/office/drawing/2014/main" val="10001"/>
+                    <a16:rowId xmlns:a16="http://schemas.microsoft.com/office/drawing/2014/main" xmlns="" val="10001"/>
                   </a:ext>
                 </a:extLst>
               </a:tr>
@@ -18893,7 +19797,7 @@
                 <a:gridCol w="1121292">
                   <a:extLst>
                     <a:ext uri="{9D8B030D-6E8A-4147-A177-3AD203B41FA5}">
-                      <a16:colId xmlns:a16="http://schemas.microsoft.com/office/drawing/2014/main" val="20000"/>
+                      <a16:colId xmlns:a16="http://schemas.microsoft.com/office/drawing/2014/main" xmlns="" val="20000"/>
                     </a:ext>
                   </a:extLst>
                 </a:gridCol>
@@ -18944,7 +19848,7 @@
                 </a:tc>
                 <a:extLst>
                   <a:ext uri="{0D108BD9-81ED-4DB2-BD59-A6C34878D82A}">
-                    <a16:rowId xmlns:a16="http://schemas.microsoft.com/office/drawing/2014/main" val="10000"/>
+                    <a16:rowId xmlns:a16="http://schemas.microsoft.com/office/drawing/2014/main" xmlns="" val="10000"/>
                   </a:ext>
                 </a:extLst>
               </a:tr>
@@ -19068,7 +19972,7 @@
                 </a:tc>
                 <a:extLst>
                   <a:ext uri="{0D108BD9-81ED-4DB2-BD59-A6C34878D82A}">
-                    <a16:rowId xmlns:a16="http://schemas.microsoft.com/office/drawing/2014/main" val="10001"/>
+                    <a16:rowId xmlns:a16="http://schemas.microsoft.com/office/drawing/2014/main" xmlns="" val="10001"/>
                   </a:ext>
                 </a:extLst>
               </a:tr>
@@ -19104,7 +20008,7 @@
                 <a:gridCol w="1253851">
                   <a:extLst>
                     <a:ext uri="{9D8B030D-6E8A-4147-A177-3AD203B41FA5}">
-                      <a16:colId xmlns:a16="http://schemas.microsoft.com/office/drawing/2014/main" val="20000"/>
+                      <a16:colId xmlns:a16="http://schemas.microsoft.com/office/drawing/2014/main" xmlns="" val="20000"/>
                     </a:ext>
                   </a:extLst>
                 </a:gridCol>
@@ -19155,7 +20059,7 @@
                 </a:tc>
                 <a:extLst>
                   <a:ext uri="{0D108BD9-81ED-4DB2-BD59-A6C34878D82A}">
-                    <a16:rowId xmlns:a16="http://schemas.microsoft.com/office/drawing/2014/main" val="10000"/>
+                    <a16:rowId xmlns:a16="http://schemas.microsoft.com/office/drawing/2014/main" xmlns="" val="10000"/>
                   </a:ext>
                 </a:extLst>
               </a:tr>
@@ -19273,7 +20177,7 @@
                 </a:tc>
                 <a:extLst>
                   <a:ext uri="{0D108BD9-81ED-4DB2-BD59-A6C34878D82A}">
-                    <a16:rowId xmlns:a16="http://schemas.microsoft.com/office/drawing/2014/main" val="10001"/>
+                    <a16:rowId xmlns:a16="http://schemas.microsoft.com/office/drawing/2014/main" xmlns="" val="10001"/>
                   </a:ext>
                 </a:extLst>
               </a:tr>
@@ -19309,7 +20213,7 @@
                 <a:gridCol w="785738">
                   <a:extLst>
                     <a:ext uri="{9D8B030D-6E8A-4147-A177-3AD203B41FA5}">
-                      <a16:colId xmlns:a16="http://schemas.microsoft.com/office/drawing/2014/main" val="20000"/>
+                      <a16:colId xmlns:a16="http://schemas.microsoft.com/office/drawing/2014/main" xmlns="" val="20000"/>
                     </a:ext>
                   </a:extLst>
                 </a:gridCol>
@@ -19360,7 +20264,7 @@
                 </a:tc>
                 <a:extLst>
                   <a:ext uri="{0D108BD9-81ED-4DB2-BD59-A6C34878D82A}">
-                    <a16:rowId xmlns:a16="http://schemas.microsoft.com/office/drawing/2014/main" val="10000"/>
+                    <a16:rowId xmlns:a16="http://schemas.microsoft.com/office/drawing/2014/main" xmlns="" val="10000"/>
                   </a:ext>
                 </a:extLst>
               </a:tr>
@@ -19493,7 +20397,7 @@
                 </a:tc>
                 <a:extLst>
                   <a:ext uri="{0D108BD9-81ED-4DB2-BD59-A6C34878D82A}">
-                    <a16:rowId xmlns:a16="http://schemas.microsoft.com/office/drawing/2014/main" val="10001"/>
+                    <a16:rowId xmlns:a16="http://schemas.microsoft.com/office/drawing/2014/main" xmlns="" val="10001"/>
                   </a:ext>
                 </a:extLst>
               </a:tr>
@@ -20044,7 +20948,7 @@
                 <a:gridCol w="1656184">
                   <a:extLst>
                     <a:ext uri="{9D8B030D-6E8A-4147-A177-3AD203B41FA5}">
-                      <a16:colId xmlns:a16="http://schemas.microsoft.com/office/drawing/2014/main" val="20000"/>
+                      <a16:colId xmlns:a16="http://schemas.microsoft.com/office/drawing/2014/main" xmlns="" val="20000"/>
                     </a:ext>
                   </a:extLst>
                 </a:gridCol>
@@ -20095,7 +20999,7 @@
                 </a:tc>
                 <a:extLst>
                   <a:ext uri="{0D108BD9-81ED-4DB2-BD59-A6C34878D82A}">
-                    <a16:rowId xmlns:a16="http://schemas.microsoft.com/office/drawing/2014/main" val="10000"/>
+                    <a16:rowId xmlns:a16="http://schemas.microsoft.com/office/drawing/2014/main" xmlns="" val="10000"/>
                   </a:ext>
                 </a:extLst>
               </a:tr>
@@ -20176,7 +21080,7 @@
                 </a:tc>
                 <a:extLst>
                   <a:ext uri="{0D108BD9-81ED-4DB2-BD59-A6C34878D82A}">
-                    <a16:rowId xmlns:a16="http://schemas.microsoft.com/office/drawing/2014/main" val="10001"/>
+                    <a16:rowId xmlns:a16="http://schemas.microsoft.com/office/drawing/2014/main" xmlns="" val="10001"/>
                   </a:ext>
                 </a:extLst>
               </a:tr>
@@ -20212,7 +21116,7 @@
                 <a:gridCol w="1224136">
                   <a:extLst>
                     <a:ext uri="{9D8B030D-6E8A-4147-A177-3AD203B41FA5}">
-                      <a16:colId xmlns:a16="http://schemas.microsoft.com/office/drawing/2014/main" val="20000"/>
+                      <a16:colId xmlns:a16="http://schemas.microsoft.com/office/drawing/2014/main" xmlns="" val="20000"/>
                     </a:ext>
                   </a:extLst>
                 </a:gridCol>
@@ -20256,7 +21160,7 @@
                 </a:tc>
                 <a:extLst>
                   <a:ext uri="{0D108BD9-81ED-4DB2-BD59-A6C34878D82A}">
-                    <a16:rowId xmlns:a16="http://schemas.microsoft.com/office/drawing/2014/main" val="10000"/>
+                    <a16:rowId xmlns:a16="http://schemas.microsoft.com/office/drawing/2014/main" xmlns="" val="10000"/>
                   </a:ext>
                 </a:extLst>
               </a:tr>
@@ -20345,7 +21249,7 @@
                 </a:tc>
                 <a:extLst>
                   <a:ext uri="{0D108BD9-81ED-4DB2-BD59-A6C34878D82A}">
-                    <a16:rowId xmlns:a16="http://schemas.microsoft.com/office/drawing/2014/main" val="10001"/>
+                    <a16:rowId xmlns:a16="http://schemas.microsoft.com/office/drawing/2014/main" xmlns="" val="10001"/>
                   </a:ext>
                 </a:extLst>
               </a:tr>
@@ -20507,7 +21411,7 @@
                 <a:gridCol w="1414878">
                   <a:extLst>
                     <a:ext uri="{9D8B030D-6E8A-4147-A177-3AD203B41FA5}">
-                      <a16:colId xmlns:a16="http://schemas.microsoft.com/office/drawing/2014/main" val="20000"/>
+                      <a16:colId xmlns:a16="http://schemas.microsoft.com/office/drawing/2014/main" xmlns="" val="20000"/>
                     </a:ext>
                   </a:extLst>
                 </a:gridCol>
@@ -20558,7 +21462,7 @@
                 </a:tc>
                 <a:extLst>
                   <a:ext uri="{0D108BD9-81ED-4DB2-BD59-A6C34878D82A}">
-                    <a16:rowId xmlns:a16="http://schemas.microsoft.com/office/drawing/2014/main" val="10000"/>
+                    <a16:rowId xmlns:a16="http://schemas.microsoft.com/office/drawing/2014/main" xmlns="" val="10000"/>
                   </a:ext>
                 </a:extLst>
               </a:tr>
@@ -20720,7 +21624,7 @@
                 </a:tc>
                 <a:extLst>
                   <a:ext uri="{0D108BD9-81ED-4DB2-BD59-A6C34878D82A}">
-                    <a16:rowId xmlns:a16="http://schemas.microsoft.com/office/drawing/2014/main" val="10001"/>
+                    <a16:rowId xmlns:a16="http://schemas.microsoft.com/office/drawing/2014/main" xmlns="" val="10001"/>
                   </a:ext>
                 </a:extLst>
               </a:tr>
@@ -20752,7 +21656,7 @@
                 <a:gridCol w="1414878">
                   <a:extLst>
                     <a:ext uri="{9D8B030D-6E8A-4147-A177-3AD203B41FA5}">
-                      <a16:colId xmlns:a16="http://schemas.microsoft.com/office/drawing/2014/main" val="20000"/>
+                      <a16:colId xmlns:a16="http://schemas.microsoft.com/office/drawing/2014/main" xmlns="" val="20000"/>
                     </a:ext>
                   </a:extLst>
                 </a:gridCol>
@@ -20796,7 +21700,7 @@
                 </a:tc>
                 <a:extLst>
                   <a:ext uri="{0D108BD9-81ED-4DB2-BD59-A6C34878D82A}">
-                    <a16:rowId xmlns:a16="http://schemas.microsoft.com/office/drawing/2014/main" val="10000"/>
+                    <a16:rowId xmlns:a16="http://schemas.microsoft.com/office/drawing/2014/main" xmlns="" val="10000"/>
                   </a:ext>
                 </a:extLst>
               </a:tr>
@@ -21132,7 +22036,7 @@
                 </a:tc>
                 <a:extLst>
                   <a:ext uri="{0D108BD9-81ED-4DB2-BD59-A6C34878D82A}">
-                    <a16:rowId xmlns:a16="http://schemas.microsoft.com/office/drawing/2014/main" val="10001"/>
+                    <a16:rowId xmlns:a16="http://schemas.microsoft.com/office/drawing/2014/main" xmlns="" val="10001"/>
                   </a:ext>
                 </a:extLst>
               </a:tr>
@@ -21164,7 +22068,7 @@
                 <a:gridCol w="1944216">
                   <a:extLst>
                     <a:ext uri="{9D8B030D-6E8A-4147-A177-3AD203B41FA5}">
-                      <a16:colId xmlns:a16="http://schemas.microsoft.com/office/drawing/2014/main" val="20000"/>
+                      <a16:colId xmlns:a16="http://schemas.microsoft.com/office/drawing/2014/main" xmlns="" val="20000"/>
                     </a:ext>
                   </a:extLst>
                 </a:gridCol>
@@ -21208,7 +22112,7 @@
                 </a:tc>
                 <a:extLst>
                   <a:ext uri="{0D108BD9-81ED-4DB2-BD59-A6C34878D82A}">
-                    <a16:rowId xmlns:a16="http://schemas.microsoft.com/office/drawing/2014/main" val="10000"/>
+                    <a16:rowId xmlns:a16="http://schemas.microsoft.com/office/drawing/2014/main" xmlns="" val="10000"/>
                   </a:ext>
                 </a:extLst>
               </a:tr>
@@ -22046,7 +22950,7 @@
                 </a:tc>
                 <a:extLst>
                   <a:ext uri="{0D108BD9-81ED-4DB2-BD59-A6C34878D82A}">
-                    <a16:rowId xmlns:a16="http://schemas.microsoft.com/office/drawing/2014/main" val="10001"/>
+                    <a16:rowId xmlns:a16="http://schemas.microsoft.com/office/drawing/2014/main" xmlns="" val="10001"/>
                   </a:ext>
                 </a:extLst>
               </a:tr>
@@ -22078,7 +22982,7 @@
                 <a:gridCol w="2339752">
                   <a:extLst>
                     <a:ext uri="{9D8B030D-6E8A-4147-A177-3AD203B41FA5}">
-                      <a16:colId xmlns:a16="http://schemas.microsoft.com/office/drawing/2014/main" val="20000"/>
+                      <a16:colId xmlns:a16="http://schemas.microsoft.com/office/drawing/2014/main" xmlns="" val="20000"/>
                     </a:ext>
                   </a:extLst>
                 </a:gridCol>
@@ -22129,7 +23033,7 @@
                 </a:tc>
                 <a:extLst>
                   <a:ext uri="{0D108BD9-81ED-4DB2-BD59-A6C34878D82A}">
-                    <a16:rowId xmlns:a16="http://schemas.microsoft.com/office/drawing/2014/main" val="10000"/>
+                    <a16:rowId xmlns:a16="http://schemas.microsoft.com/office/drawing/2014/main" xmlns="" val="10000"/>
                   </a:ext>
                 </a:extLst>
               </a:tr>
@@ -22893,7 +23797,7 @@
                 </a:tc>
                 <a:extLst>
                   <a:ext uri="{0D108BD9-81ED-4DB2-BD59-A6C34878D82A}">
-                    <a16:rowId xmlns:a16="http://schemas.microsoft.com/office/drawing/2014/main" val="10001"/>
+                    <a16:rowId xmlns:a16="http://schemas.microsoft.com/office/drawing/2014/main" xmlns="" val="10001"/>
                   </a:ext>
                 </a:extLst>
               </a:tr>
@@ -22925,7 +23829,7 @@
                 <a:gridCol w="1800200">
                   <a:extLst>
                     <a:ext uri="{9D8B030D-6E8A-4147-A177-3AD203B41FA5}">
-                      <a16:colId xmlns:a16="http://schemas.microsoft.com/office/drawing/2014/main" val="20000"/>
+                      <a16:colId xmlns:a16="http://schemas.microsoft.com/office/drawing/2014/main" xmlns="" val="20000"/>
                     </a:ext>
                   </a:extLst>
                 </a:gridCol>
@@ -22976,7 +23880,7 @@
                 </a:tc>
                 <a:extLst>
                   <a:ext uri="{0D108BD9-81ED-4DB2-BD59-A6C34878D82A}">
-                    <a16:rowId xmlns:a16="http://schemas.microsoft.com/office/drawing/2014/main" val="10000"/>
+                    <a16:rowId xmlns:a16="http://schemas.microsoft.com/office/drawing/2014/main" xmlns="" val="10000"/>
                   </a:ext>
                 </a:extLst>
               </a:tr>
@@ -23542,7 +24446,7 @@
                 </a:tc>
                 <a:extLst>
                   <a:ext uri="{0D108BD9-81ED-4DB2-BD59-A6C34878D82A}">
-                    <a16:rowId xmlns:a16="http://schemas.microsoft.com/office/drawing/2014/main" val="10001"/>
+                    <a16:rowId xmlns:a16="http://schemas.microsoft.com/office/drawing/2014/main" xmlns="" val="10001"/>
                   </a:ext>
                 </a:extLst>
               </a:tr>
@@ -23574,7 +24478,7 @@
                 <a:gridCol w="1334243">
                   <a:extLst>
                     <a:ext uri="{9D8B030D-6E8A-4147-A177-3AD203B41FA5}">
-                      <a16:colId xmlns:a16="http://schemas.microsoft.com/office/drawing/2014/main" val="20000"/>
+                      <a16:colId xmlns:a16="http://schemas.microsoft.com/office/drawing/2014/main" xmlns="" val="20000"/>
                     </a:ext>
                   </a:extLst>
                 </a:gridCol>
@@ -23618,7 +24522,7 @@
                 </a:tc>
                 <a:extLst>
                   <a:ext uri="{0D108BD9-81ED-4DB2-BD59-A6C34878D82A}">
-                    <a16:rowId xmlns:a16="http://schemas.microsoft.com/office/drawing/2014/main" val="10000"/>
+                    <a16:rowId xmlns:a16="http://schemas.microsoft.com/office/drawing/2014/main" xmlns="" val="10000"/>
                   </a:ext>
                 </a:extLst>
               </a:tr>
@@ -23888,7 +24792,7 @@
                 </a:tc>
                 <a:extLst>
                   <a:ext uri="{0D108BD9-81ED-4DB2-BD59-A6C34878D82A}">
-                    <a16:rowId xmlns:a16="http://schemas.microsoft.com/office/drawing/2014/main" val="10001"/>
+                    <a16:rowId xmlns:a16="http://schemas.microsoft.com/office/drawing/2014/main" xmlns="" val="10001"/>
                   </a:ext>
                 </a:extLst>
               </a:tr>
@@ -23920,7 +24824,7 @@
                 <a:gridCol w="1296144">
                   <a:extLst>
                     <a:ext uri="{9D8B030D-6E8A-4147-A177-3AD203B41FA5}">
-                      <a16:colId xmlns:a16="http://schemas.microsoft.com/office/drawing/2014/main" val="20000"/>
+                      <a16:colId xmlns:a16="http://schemas.microsoft.com/office/drawing/2014/main" xmlns="" val="20000"/>
                     </a:ext>
                   </a:extLst>
                 </a:gridCol>
@@ -23964,7 +24868,7 @@
                 </a:tc>
                 <a:extLst>
                   <a:ext uri="{0D108BD9-81ED-4DB2-BD59-A6C34878D82A}">
-                    <a16:rowId xmlns:a16="http://schemas.microsoft.com/office/drawing/2014/main" val="10000"/>
+                    <a16:rowId xmlns:a16="http://schemas.microsoft.com/office/drawing/2014/main" xmlns="" val="10000"/>
                   </a:ext>
                 </a:extLst>
               </a:tr>
@@ -24242,7 +25146,7 @@
                 </a:tc>
                 <a:extLst>
                   <a:ext uri="{0D108BD9-81ED-4DB2-BD59-A6C34878D82A}">
-                    <a16:rowId xmlns:a16="http://schemas.microsoft.com/office/drawing/2014/main" val="10001"/>
+                    <a16:rowId xmlns:a16="http://schemas.microsoft.com/office/drawing/2014/main" xmlns="" val="10001"/>
                   </a:ext>
                 </a:extLst>
               </a:tr>
@@ -24274,7 +25178,7 @@
                 <a:gridCol w="2057396">
                   <a:extLst>
                     <a:ext uri="{9D8B030D-6E8A-4147-A177-3AD203B41FA5}">
-                      <a16:colId xmlns:a16="http://schemas.microsoft.com/office/drawing/2014/main" val="20000"/>
+                      <a16:colId xmlns:a16="http://schemas.microsoft.com/office/drawing/2014/main" xmlns="" val="20000"/>
                     </a:ext>
                   </a:extLst>
                 </a:gridCol>
@@ -24325,7 +25229,7 @@
                 </a:tc>
                 <a:extLst>
                   <a:ext uri="{0D108BD9-81ED-4DB2-BD59-A6C34878D82A}">
-                    <a16:rowId xmlns:a16="http://schemas.microsoft.com/office/drawing/2014/main" val="10000"/>
+                    <a16:rowId xmlns:a16="http://schemas.microsoft.com/office/drawing/2014/main" xmlns="" val="10000"/>
                   </a:ext>
                 </a:extLst>
               </a:tr>
@@ -24540,7 +25444,7 @@
                 </a:tc>
                 <a:extLst>
                   <a:ext uri="{0D108BD9-81ED-4DB2-BD59-A6C34878D82A}">
-                    <a16:rowId xmlns:a16="http://schemas.microsoft.com/office/drawing/2014/main" val="10001"/>
+                    <a16:rowId xmlns:a16="http://schemas.microsoft.com/office/drawing/2014/main" xmlns="" val="10001"/>
                   </a:ext>
                 </a:extLst>
               </a:tr>
@@ -24572,7 +25476,7 @@
                 <a:gridCol w="1440160">
                   <a:extLst>
                     <a:ext uri="{9D8B030D-6E8A-4147-A177-3AD203B41FA5}">
-                      <a16:colId xmlns:a16="http://schemas.microsoft.com/office/drawing/2014/main" val="20000"/>
+                      <a16:colId xmlns:a16="http://schemas.microsoft.com/office/drawing/2014/main" xmlns="" val="20000"/>
                     </a:ext>
                   </a:extLst>
                 </a:gridCol>
@@ -24623,7 +25527,7 @@
                 </a:tc>
                 <a:extLst>
                   <a:ext uri="{0D108BD9-81ED-4DB2-BD59-A6C34878D82A}">
-                    <a16:rowId xmlns:a16="http://schemas.microsoft.com/office/drawing/2014/main" val="10000"/>
+                    <a16:rowId xmlns:a16="http://schemas.microsoft.com/office/drawing/2014/main" xmlns="" val="10000"/>
                   </a:ext>
                 </a:extLst>
               </a:tr>
@@ -24838,7 +25742,7 @@
                 </a:tc>
                 <a:extLst>
                   <a:ext uri="{0D108BD9-81ED-4DB2-BD59-A6C34878D82A}">
-                    <a16:rowId xmlns:a16="http://schemas.microsoft.com/office/drawing/2014/main" val="10001"/>
+                    <a16:rowId xmlns:a16="http://schemas.microsoft.com/office/drawing/2014/main" xmlns="" val="10001"/>
                   </a:ext>
                 </a:extLst>
               </a:tr>
@@ -24870,7 +25774,7 @@
                 <a:gridCol w="1793850">
                   <a:extLst>
                     <a:ext uri="{9D8B030D-6E8A-4147-A177-3AD203B41FA5}">
-                      <a16:colId xmlns:a16="http://schemas.microsoft.com/office/drawing/2014/main" val="20000"/>
+                      <a16:colId xmlns:a16="http://schemas.microsoft.com/office/drawing/2014/main" xmlns="" val="20000"/>
                     </a:ext>
                   </a:extLst>
                 </a:gridCol>
@@ -24914,7 +25818,7 @@
                 </a:tc>
                 <a:extLst>
                   <a:ext uri="{0D108BD9-81ED-4DB2-BD59-A6C34878D82A}">
-                    <a16:rowId xmlns:a16="http://schemas.microsoft.com/office/drawing/2014/main" val="10000"/>
+                    <a16:rowId xmlns:a16="http://schemas.microsoft.com/office/drawing/2014/main" xmlns="" val="10000"/>
                   </a:ext>
                 </a:extLst>
               </a:tr>
@@ -25248,7 +26152,7 @@
                 </a:tc>
                 <a:extLst>
                   <a:ext uri="{0D108BD9-81ED-4DB2-BD59-A6C34878D82A}">
-                    <a16:rowId xmlns:a16="http://schemas.microsoft.com/office/drawing/2014/main" val="10001"/>
+                    <a16:rowId xmlns:a16="http://schemas.microsoft.com/office/drawing/2014/main" xmlns="" val="10001"/>
                   </a:ext>
                 </a:extLst>
               </a:tr>
@@ -26003,7 +26907,7 @@
                 <a:gridCol w="1080120">
                   <a:extLst>
                     <a:ext uri="{9D8B030D-6E8A-4147-A177-3AD203B41FA5}">
-                      <a16:colId xmlns:a16="http://schemas.microsoft.com/office/drawing/2014/main" val="20000"/>
+                      <a16:colId xmlns:a16="http://schemas.microsoft.com/office/drawing/2014/main" xmlns="" val="20000"/>
                     </a:ext>
                   </a:extLst>
                 </a:gridCol>
@@ -26054,7 +26958,7 @@
                 </a:tc>
                 <a:extLst>
                   <a:ext uri="{0D108BD9-81ED-4DB2-BD59-A6C34878D82A}">
-                    <a16:rowId xmlns:a16="http://schemas.microsoft.com/office/drawing/2014/main" val="10000"/>
+                    <a16:rowId xmlns:a16="http://schemas.microsoft.com/office/drawing/2014/main" xmlns="" val="10000"/>
                   </a:ext>
                 </a:extLst>
               </a:tr>
@@ -26113,7 +27017,7 @@
                 </a:tc>
                 <a:extLst>
                   <a:ext uri="{0D108BD9-81ED-4DB2-BD59-A6C34878D82A}">
-                    <a16:rowId xmlns:a16="http://schemas.microsoft.com/office/drawing/2014/main" val="10001"/>
+                    <a16:rowId xmlns:a16="http://schemas.microsoft.com/office/drawing/2014/main" xmlns="" val="10001"/>
                   </a:ext>
                 </a:extLst>
               </a:tr>
@@ -26145,7 +27049,7 @@
                 <a:gridCol w="792088">
                   <a:extLst>
                     <a:ext uri="{9D8B030D-6E8A-4147-A177-3AD203B41FA5}">
-                      <a16:colId xmlns:a16="http://schemas.microsoft.com/office/drawing/2014/main" val="20000"/>
+                      <a16:colId xmlns:a16="http://schemas.microsoft.com/office/drawing/2014/main" xmlns="" val="20000"/>
                     </a:ext>
                   </a:extLst>
                 </a:gridCol>
@@ -26189,7 +27093,7 @@
                 </a:tc>
                 <a:extLst>
                   <a:ext uri="{0D108BD9-81ED-4DB2-BD59-A6C34878D82A}">
-                    <a16:rowId xmlns:a16="http://schemas.microsoft.com/office/drawing/2014/main" val="10000"/>
+                    <a16:rowId xmlns:a16="http://schemas.microsoft.com/office/drawing/2014/main" xmlns="" val="10000"/>
                   </a:ext>
                 </a:extLst>
               </a:tr>
@@ -26292,7 +27196,7 @@
                 </a:tc>
                 <a:extLst>
                   <a:ext uri="{0D108BD9-81ED-4DB2-BD59-A6C34878D82A}">
-                    <a16:rowId xmlns:a16="http://schemas.microsoft.com/office/drawing/2014/main" val="10001"/>
+                    <a16:rowId xmlns:a16="http://schemas.microsoft.com/office/drawing/2014/main" xmlns="" val="10001"/>
                   </a:ext>
                 </a:extLst>
               </a:tr>
@@ -26324,7 +27228,7 @@
                 <a:gridCol w="576064">
                   <a:extLst>
                     <a:ext uri="{9D8B030D-6E8A-4147-A177-3AD203B41FA5}">
-                      <a16:colId xmlns:a16="http://schemas.microsoft.com/office/drawing/2014/main" val="20000"/>
+                      <a16:colId xmlns:a16="http://schemas.microsoft.com/office/drawing/2014/main" xmlns="" val="20000"/>
                     </a:ext>
                   </a:extLst>
                 </a:gridCol>
@@ -26375,7 +27279,7 @@
                 </a:tc>
                 <a:extLst>
                   <a:ext uri="{0D108BD9-81ED-4DB2-BD59-A6C34878D82A}">
-                    <a16:rowId xmlns:a16="http://schemas.microsoft.com/office/drawing/2014/main" val="10000"/>
+                    <a16:rowId xmlns:a16="http://schemas.microsoft.com/office/drawing/2014/main" xmlns="" val="10000"/>
                   </a:ext>
                 </a:extLst>
               </a:tr>
@@ -26396,7 +27300,7 @@
                 </a:tc>
                 <a:extLst>
                   <a:ext uri="{0D108BD9-81ED-4DB2-BD59-A6C34878D82A}">
-                    <a16:rowId xmlns:a16="http://schemas.microsoft.com/office/drawing/2014/main" val="10001"/>
+                    <a16:rowId xmlns:a16="http://schemas.microsoft.com/office/drawing/2014/main" xmlns="" val="10001"/>
                   </a:ext>
                 </a:extLst>
               </a:tr>
@@ -26428,7 +27332,7 @@
                 <a:gridCol w="576064">
                   <a:extLst>
                     <a:ext uri="{9D8B030D-6E8A-4147-A177-3AD203B41FA5}">
-                      <a16:colId xmlns:a16="http://schemas.microsoft.com/office/drawing/2014/main" val="20000"/>
+                      <a16:colId xmlns:a16="http://schemas.microsoft.com/office/drawing/2014/main" xmlns="" val="20000"/>
                     </a:ext>
                   </a:extLst>
                 </a:gridCol>
@@ -26479,7 +27383,7 @@
                 </a:tc>
                 <a:extLst>
                   <a:ext uri="{0D108BD9-81ED-4DB2-BD59-A6C34878D82A}">
-                    <a16:rowId xmlns:a16="http://schemas.microsoft.com/office/drawing/2014/main" val="10000"/>
+                    <a16:rowId xmlns:a16="http://schemas.microsoft.com/office/drawing/2014/main" xmlns="" val="10000"/>
                   </a:ext>
                 </a:extLst>
               </a:tr>
@@ -26500,7 +27404,7 @@
                 </a:tc>
                 <a:extLst>
                   <a:ext uri="{0D108BD9-81ED-4DB2-BD59-A6C34878D82A}">
-                    <a16:rowId xmlns:a16="http://schemas.microsoft.com/office/drawing/2014/main" val="10001"/>
+                    <a16:rowId xmlns:a16="http://schemas.microsoft.com/office/drawing/2014/main" xmlns="" val="10001"/>
                   </a:ext>
                 </a:extLst>
               </a:tr>
@@ -26608,7 +27512,7 @@
                 <a:gridCol w="1224136">
                   <a:extLst>
                     <a:ext uri="{9D8B030D-6E8A-4147-A177-3AD203B41FA5}">
-                      <a16:colId xmlns:a16="http://schemas.microsoft.com/office/drawing/2014/main" val="20000"/>
+                      <a16:colId xmlns:a16="http://schemas.microsoft.com/office/drawing/2014/main" xmlns="" val="20000"/>
                     </a:ext>
                   </a:extLst>
                 </a:gridCol>
@@ -26652,7 +27556,7 @@
                 </a:tc>
                 <a:extLst>
                   <a:ext uri="{0D108BD9-81ED-4DB2-BD59-A6C34878D82A}">
-                    <a16:rowId xmlns:a16="http://schemas.microsoft.com/office/drawing/2014/main" val="10000"/>
+                    <a16:rowId xmlns:a16="http://schemas.microsoft.com/office/drawing/2014/main" xmlns="" val="10000"/>
                   </a:ext>
                 </a:extLst>
               </a:tr>
@@ -26973,7 +27877,7 @@
                 </a:tc>
                 <a:extLst>
                   <a:ext uri="{0D108BD9-81ED-4DB2-BD59-A6C34878D82A}">
-                    <a16:rowId xmlns:a16="http://schemas.microsoft.com/office/drawing/2014/main" val="10001"/>
+                    <a16:rowId xmlns:a16="http://schemas.microsoft.com/office/drawing/2014/main" xmlns="" val="10001"/>
                   </a:ext>
                 </a:extLst>
               </a:tr>
@@ -27005,7 +27909,7 @@
                 <a:gridCol w="1728192">
                   <a:extLst>
                     <a:ext uri="{9D8B030D-6E8A-4147-A177-3AD203B41FA5}">
-                      <a16:colId xmlns:a16="http://schemas.microsoft.com/office/drawing/2014/main" val="20000"/>
+                      <a16:colId xmlns:a16="http://schemas.microsoft.com/office/drawing/2014/main" xmlns="" val="20000"/>
                     </a:ext>
                   </a:extLst>
                 </a:gridCol>
@@ -27056,7 +27960,7 @@
                 </a:tc>
                 <a:extLst>
                   <a:ext uri="{0D108BD9-81ED-4DB2-BD59-A6C34878D82A}">
-                    <a16:rowId xmlns:a16="http://schemas.microsoft.com/office/drawing/2014/main" val="10000"/>
+                    <a16:rowId xmlns:a16="http://schemas.microsoft.com/office/drawing/2014/main" xmlns="" val="10000"/>
                   </a:ext>
                 </a:extLst>
               </a:tr>
@@ -27313,7 +28217,7 @@
                 </a:tc>
                 <a:extLst>
                   <a:ext uri="{0D108BD9-81ED-4DB2-BD59-A6C34878D82A}">
-                    <a16:rowId xmlns:a16="http://schemas.microsoft.com/office/drawing/2014/main" val="10001"/>
+                    <a16:rowId xmlns:a16="http://schemas.microsoft.com/office/drawing/2014/main" xmlns="" val="10001"/>
                   </a:ext>
                 </a:extLst>
               </a:tr>
@@ -27345,7 +28249,7 @@
                 <a:gridCol w="936104">
                   <a:extLst>
                     <a:ext uri="{9D8B030D-6E8A-4147-A177-3AD203B41FA5}">
-                      <a16:colId xmlns:a16="http://schemas.microsoft.com/office/drawing/2014/main" val="20000"/>
+                      <a16:colId xmlns:a16="http://schemas.microsoft.com/office/drawing/2014/main" xmlns="" val="20000"/>
                     </a:ext>
                   </a:extLst>
                 </a:gridCol>
@@ -27396,7 +28300,7 @@
                 </a:tc>
                 <a:extLst>
                   <a:ext uri="{0D108BD9-81ED-4DB2-BD59-A6C34878D82A}">
-                    <a16:rowId xmlns:a16="http://schemas.microsoft.com/office/drawing/2014/main" val="10000"/>
+                    <a16:rowId xmlns:a16="http://schemas.microsoft.com/office/drawing/2014/main" xmlns="" val="10000"/>
                   </a:ext>
                 </a:extLst>
               </a:tr>
@@ -27561,7 +28465,7 @@
                 </a:tc>
                 <a:extLst>
                   <a:ext uri="{0D108BD9-81ED-4DB2-BD59-A6C34878D82A}">
-                    <a16:rowId xmlns:a16="http://schemas.microsoft.com/office/drawing/2014/main" val="10001"/>
+                    <a16:rowId xmlns:a16="http://schemas.microsoft.com/office/drawing/2014/main" xmlns="" val="10001"/>
                   </a:ext>
                 </a:extLst>
               </a:tr>
@@ -27593,7 +28497,7 @@
                 <a:gridCol w="1334243">
                   <a:extLst>
                     <a:ext uri="{9D8B030D-6E8A-4147-A177-3AD203B41FA5}">
-                      <a16:colId xmlns:a16="http://schemas.microsoft.com/office/drawing/2014/main" val="20000"/>
+                      <a16:colId xmlns:a16="http://schemas.microsoft.com/office/drawing/2014/main" xmlns="" val="20000"/>
                     </a:ext>
                   </a:extLst>
                 </a:gridCol>
@@ -27637,7 +28541,7 @@
                 </a:tc>
                 <a:extLst>
                   <a:ext uri="{0D108BD9-81ED-4DB2-BD59-A6C34878D82A}">
-                    <a16:rowId xmlns:a16="http://schemas.microsoft.com/office/drawing/2014/main" val="10000"/>
+                    <a16:rowId xmlns:a16="http://schemas.microsoft.com/office/drawing/2014/main" xmlns="" val="10000"/>
                   </a:ext>
                 </a:extLst>
               </a:tr>
@@ -27745,7 +28649,7 @@
                 </a:tc>
                 <a:extLst>
                   <a:ext uri="{0D108BD9-81ED-4DB2-BD59-A6C34878D82A}">
-                    <a16:rowId xmlns:a16="http://schemas.microsoft.com/office/drawing/2014/main" val="10001"/>
+                    <a16:rowId xmlns:a16="http://schemas.microsoft.com/office/drawing/2014/main" xmlns="" val="10001"/>
                   </a:ext>
                 </a:extLst>
               </a:tr>
@@ -27777,7 +28681,7 @@
                 <a:gridCol w="1118219">
                   <a:extLst>
                     <a:ext uri="{9D8B030D-6E8A-4147-A177-3AD203B41FA5}">
-                      <a16:colId xmlns:a16="http://schemas.microsoft.com/office/drawing/2014/main" val="20000"/>
+                      <a16:colId xmlns:a16="http://schemas.microsoft.com/office/drawing/2014/main" xmlns="" val="20000"/>
                     </a:ext>
                   </a:extLst>
                 </a:gridCol>
@@ -27821,7 +28725,7 @@
                 </a:tc>
                 <a:extLst>
                   <a:ext uri="{0D108BD9-81ED-4DB2-BD59-A6C34878D82A}">
-                    <a16:rowId xmlns:a16="http://schemas.microsoft.com/office/drawing/2014/main" val="10000"/>
+                    <a16:rowId xmlns:a16="http://schemas.microsoft.com/office/drawing/2014/main" xmlns="" val="10000"/>
                   </a:ext>
                 </a:extLst>
               </a:tr>
@@ -27909,7 +28813,7 @@
                 </a:tc>
                 <a:extLst>
                   <a:ext uri="{0D108BD9-81ED-4DB2-BD59-A6C34878D82A}">
-                    <a16:rowId xmlns:a16="http://schemas.microsoft.com/office/drawing/2014/main" val="10001"/>
+                    <a16:rowId xmlns:a16="http://schemas.microsoft.com/office/drawing/2014/main" xmlns="" val="10001"/>
                   </a:ext>
                 </a:extLst>
               </a:tr>
@@ -27941,7 +28845,7 @@
                 <a:gridCol w="1121292">
                   <a:extLst>
                     <a:ext uri="{9D8B030D-6E8A-4147-A177-3AD203B41FA5}">
-                      <a16:colId xmlns:a16="http://schemas.microsoft.com/office/drawing/2014/main" val="20000"/>
+                      <a16:colId xmlns:a16="http://schemas.microsoft.com/office/drawing/2014/main" xmlns="" val="20000"/>
                     </a:ext>
                   </a:extLst>
                 </a:gridCol>
@@ -27985,7 +28889,7 @@
                 </a:tc>
                 <a:extLst>
                   <a:ext uri="{0D108BD9-81ED-4DB2-BD59-A6C34878D82A}">
-                    <a16:rowId xmlns:a16="http://schemas.microsoft.com/office/drawing/2014/main" val="10000"/>
+                    <a16:rowId xmlns:a16="http://schemas.microsoft.com/office/drawing/2014/main" xmlns="" val="10000"/>
                   </a:ext>
                 </a:extLst>
               </a:tr>
@@ -28109,7 +29013,7 @@
                 </a:tc>
                 <a:extLst>
                   <a:ext uri="{0D108BD9-81ED-4DB2-BD59-A6C34878D82A}">
-                    <a16:rowId xmlns:a16="http://schemas.microsoft.com/office/drawing/2014/main" val="10001"/>
+                    <a16:rowId xmlns:a16="http://schemas.microsoft.com/office/drawing/2014/main" xmlns="" val="10001"/>
                   </a:ext>
                 </a:extLst>
               </a:tr>
@@ -28141,7 +29045,7 @@
                 <a:gridCol w="1253851">
                   <a:extLst>
                     <a:ext uri="{9D8B030D-6E8A-4147-A177-3AD203B41FA5}">
-                      <a16:colId xmlns:a16="http://schemas.microsoft.com/office/drawing/2014/main" val="20000"/>
+                      <a16:colId xmlns:a16="http://schemas.microsoft.com/office/drawing/2014/main" xmlns="" val="20000"/>
                     </a:ext>
                   </a:extLst>
                 </a:gridCol>
@@ -28185,7 +29089,7 @@
                 </a:tc>
                 <a:extLst>
                   <a:ext uri="{0D108BD9-81ED-4DB2-BD59-A6C34878D82A}">
-                    <a16:rowId xmlns:a16="http://schemas.microsoft.com/office/drawing/2014/main" val="10000"/>
+                    <a16:rowId xmlns:a16="http://schemas.microsoft.com/office/drawing/2014/main" xmlns="" val="10000"/>
                   </a:ext>
                 </a:extLst>
               </a:tr>
@@ -28303,7 +29207,7 @@
                 </a:tc>
                 <a:extLst>
                   <a:ext uri="{0D108BD9-81ED-4DB2-BD59-A6C34878D82A}">
-                    <a16:rowId xmlns:a16="http://schemas.microsoft.com/office/drawing/2014/main" val="10001"/>
+                    <a16:rowId xmlns:a16="http://schemas.microsoft.com/office/drawing/2014/main" xmlns="" val="10001"/>
                   </a:ext>
                 </a:extLst>
               </a:tr>
@@ -28335,7 +29239,7 @@
                 <a:gridCol w="785738">
                   <a:extLst>
                     <a:ext uri="{9D8B030D-6E8A-4147-A177-3AD203B41FA5}">
-                      <a16:colId xmlns:a16="http://schemas.microsoft.com/office/drawing/2014/main" val="20000"/>
+                      <a16:colId xmlns:a16="http://schemas.microsoft.com/office/drawing/2014/main" xmlns="" val="20000"/>
                     </a:ext>
                   </a:extLst>
                 </a:gridCol>
@@ -28379,7 +29283,7 @@
                 </a:tc>
                 <a:extLst>
                   <a:ext uri="{0D108BD9-81ED-4DB2-BD59-A6C34878D82A}">
-                    <a16:rowId xmlns:a16="http://schemas.microsoft.com/office/drawing/2014/main" val="10000"/>
+                    <a16:rowId xmlns:a16="http://schemas.microsoft.com/office/drawing/2014/main" xmlns="" val="10000"/>
                   </a:ext>
                 </a:extLst>
               </a:tr>
@@ -28512,7 +29416,7 @@
                 </a:tc>
                 <a:extLst>
                   <a:ext uri="{0D108BD9-81ED-4DB2-BD59-A6C34878D82A}">
-                    <a16:rowId xmlns:a16="http://schemas.microsoft.com/office/drawing/2014/main" val="10001"/>
+                    <a16:rowId xmlns:a16="http://schemas.microsoft.com/office/drawing/2014/main" xmlns="" val="10001"/>
                   </a:ext>
                 </a:extLst>
               </a:tr>
@@ -29201,7 +30105,7 @@
                 <a:gridCol w="1152128">
                   <a:extLst>
                     <a:ext uri="{9D8B030D-6E8A-4147-A177-3AD203B41FA5}">
-                      <a16:colId xmlns:a16="http://schemas.microsoft.com/office/drawing/2014/main" val="20000"/>
+                      <a16:colId xmlns:a16="http://schemas.microsoft.com/office/drawing/2014/main" xmlns="" val="20000"/>
                     </a:ext>
                   </a:extLst>
                 </a:gridCol>
@@ -29252,7 +30156,7 @@
                 </a:tc>
                 <a:extLst>
                   <a:ext uri="{0D108BD9-81ED-4DB2-BD59-A6C34878D82A}">
-                    <a16:rowId xmlns:a16="http://schemas.microsoft.com/office/drawing/2014/main" val="10000"/>
+                    <a16:rowId xmlns:a16="http://schemas.microsoft.com/office/drawing/2014/main" xmlns="" val="10000"/>
                   </a:ext>
                 </a:extLst>
               </a:tr>
@@ -29313,7 +30217,7 @@
                 </a:tc>
                 <a:extLst>
                   <a:ext uri="{0D108BD9-81ED-4DB2-BD59-A6C34878D82A}">
-                    <a16:rowId xmlns:a16="http://schemas.microsoft.com/office/drawing/2014/main" val="10001"/>
+                    <a16:rowId xmlns:a16="http://schemas.microsoft.com/office/drawing/2014/main" xmlns="" val="10001"/>
                   </a:ext>
                 </a:extLst>
               </a:tr>
@@ -29349,7 +30253,7 @@
                 <a:gridCol w="1126846">
                   <a:extLst>
                     <a:ext uri="{9D8B030D-6E8A-4147-A177-3AD203B41FA5}">
-                      <a16:colId xmlns:a16="http://schemas.microsoft.com/office/drawing/2014/main" val="20000"/>
+                      <a16:colId xmlns:a16="http://schemas.microsoft.com/office/drawing/2014/main" xmlns="" val="20000"/>
                     </a:ext>
                   </a:extLst>
                 </a:gridCol>
@@ -29393,7 +30297,7 @@
                 </a:tc>
                 <a:extLst>
                   <a:ext uri="{0D108BD9-81ED-4DB2-BD59-A6C34878D82A}">
-                    <a16:rowId xmlns:a16="http://schemas.microsoft.com/office/drawing/2014/main" val="10000"/>
+                    <a16:rowId xmlns:a16="http://schemas.microsoft.com/office/drawing/2014/main" xmlns="" val="10000"/>
                   </a:ext>
                 </a:extLst>
               </a:tr>
@@ -29447,7 +30351,7 @@
                 </a:tc>
                 <a:extLst>
                   <a:ext uri="{0D108BD9-81ED-4DB2-BD59-A6C34878D82A}">
-                    <a16:rowId xmlns:a16="http://schemas.microsoft.com/office/drawing/2014/main" val="10001"/>
+                    <a16:rowId xmlns:a16="http://schemas.microsoft.com/office/drawing/2014/main" xmlns="" val="10001"/>
                   </a:ext>
                 </a:extLst>
               </a:tr>
@@ -29483,7 +30387,7 @@
                 <a:gridCol w="1296144">
                   <a:extLst>
                     <a:ext uri="{9D8B030D-6E8A-4147-A177-3AD203B41FA5}">
-                      <a16:colId xmlns:a16="http://schemas.microsoft.com/office/drawing/2014/main" val="20000"/>
+                      <a16:colId xmlns:a16="http://schemas.microsoft.com/office/drawing/2014/main" xmlns="" val="20000"/>
                     </a:ext>
                   </a:extLst>
                 </a:gridCol>
@@ -29527,7 +30431,7 @@
                 </a:tc>
                 <a:extLst>
                   <a:ext uri="{0D108BD9-81ED-4DB2-BD59-A6C34878D82A}">
-                    <a16:rowId xmlns:a16="http://schemas.microsoft.com/office/drawing/2014/main" val="10000"/>
+                    <a16:rowId xmlns:a16="http://schemas.microsoft.com/office/drawing/2014/main" xmlns="" val="10000"/>
                   </a:ext>
                 </a:extLst>
               </a:tr>
@@ -29656,7 +30560,7 @@
                 </a:tc>
                 <a:extLst>
                   <a:ext uri="{0D108BD9-81ED-4DB2-BD59-A6C34878D82A}">
-                    <a16:rowId xmlns:a16="http://schemas.microsoft.com/office/drawing/2014/main" val="10001"/>
+                    <a16:rowId xmlns:a16="http://schemas.microsoft.com/office/drawing/2014/main" xmlns="" val="10001"/>
                   </a:ext>
                 </a:extLst>
               </a:tr>
@@ -29692,7 +30596,7 @@
                 <a:gridCol w="1800200">
                   <a:extLst>
                     <a:ext uri="{9D8B030D-6E8A-4147-A177-3AD203B41FA5}">
-                      <a16:colId xmlns:a16="http://schemas.microsoft.com/office/drawing/2014/main" val="20000"/>
+                      <a16:colId xmlns:a16="http://schemas.microsoft.com/office/drawing/2014/main" xmlns="" val="20000"/>
                     </a:ext>
                   </a:extLst>
                 </a:gridCol>
@@ -29743,7 +30647,7 @@
                 </a:tc>
                 <a:extLst>
                   <a:ext uri="{0D108BD9-81ED-4DB2-BD59-A6C34878D82A}">
-                    <a16:rowId xmlns:a16="http://schemas.microsoft.com/office/drawing/2014/main" val="10000"/>
+                    <a16:rowId xmlns:a16="http://schemas.microsoft.com/office/drawing/2014/main" xmlns="" val="10000"/>
                   </a:ext>
                 </a:extLst>
               </a:tr>
@@ -29874,7 +30778,7 @@
                 </a:tc>
                 <a:extLst>
                   <a:ext uri="{0D108BD9-81ED-4DB2-BD59-A6C34878D82A}">
-                    <a16:rowId xmlns:a16="http://schemas.microsoft.com/office/drawing/2014/main" val="10001"/>
+                    <a16:rowId xmlns:a16="http://schemas.microsoft.com/office/drawing/2014/main" xmlns="" val="10001"/>
                   </a:ext>
                 </a:extLst>
               </a:tr>
@@ -29910,7 +30814,7 @@
                 <a:gridCol w="1152128">
                   <a:extLst>
                     <a:ext uri="{9D8B030D-6E8A-4147-A177-3AD203B41FA5}">
-                      <a16:colId xmlns:a16="http://schemas.microsoft.com/office/drawing/2014/main" val="20000"/>
+                      <a16:colId xmlns:a16="http://schemas.microsoft.com/office/drawing/2014/main" xmlns="" val="20000"/>
                     </a:ext>
                   </a:extLst>
                 </a:gridCol>
@@ -29954,7 +30858,7 @@
                 </a:tc>
                 <a:extLst>
                   <a:ext uri="{0D108BD9-81ED-4DB2-BD59-A6C34878D82A}">
-                    <a16:rowId xmlns:a16="http://schemas.microsoft.com/office/drawing/2014/main" val="10000"/>
+                    <a16:rowId xmlns:a16="http://schemas.microsoft.com/office/drawing/2014/main" xmlns="" val="10000"/>
                   </a:ext>
                 </a:extLst>
               </a:tr>
@@ -30068,7 +30972,7 @@
                 </a:tc>
                 <a:extLst>
                   <a:ext uri="{0D108BD9-81ED-4DB2-BD59-A6C34878D82A}">
-                    <a16:rowId xmlns:a16="http://schemas.microsoft.com/office/drawing/2014/main" val="10001"/>
+                    <a16:rowId xmlns:a16="http://schemas.microsoft.com/office/drawing/2014/main" xmlns="" val="10001"/>
                   </a:ext>
                 </a:extLst>
               </a:tr>
@@ -30104,7 +31008,7 @@
                 <a:gridCol w="1368152">
                   <a:extLst>
                     <a:ext uri="{9D8B030D-6E8A-4147-A177-3AD203B41FA5}">
-                      <a16:colId xmlns:a16="http://schemas.microsoft.com/office/drawing/2014/main" val="20000"/>
+                      <a16:colId xmlns:a16="http://schemas.microsoft.com/office/drawing/2014/main" xmlns="" val="20000"/>
                     </a:ext>
                   </a:extLst>
                 </a:gridCol>
@@ -30148,7 +31052,7 @@
                 </a:tc>
                 <a:extLst>
                   <a:ext uri="{0D108BD9-81ED-4DB2-BD59-A6C34878D82A}">
-                    <a16:rowId xmlns:a16="http://schemas.microsoft.com/office/drawing/2014/main" val="10000"/>
+                    <a16:rowId xmlns:a16="http://schemas.microsoft.com/office/drawing/2014/main" xmlns="" val="10000"/>
                   </a:ext>
                 </a:extLst>
               </a:tr>
@@ -30231,7 +31135,7 @@
                 </a:tc>
                 <a:extLst>
                   <a:ext uri="{0D108BD9-81ED-4DB2-BD59-A6C34878D82A}">
-                    <a16:rowId xmlns:a16="http://schemas.microsoft.com/office/drawing/2014/main" val="10001"/>
+                    <a16:rowId xmlns:a16="http://schemas.microsoft.com/office/drawing/2014/main" xmlns="" val="10001"/>
                   </a:ext>
                 </a:extLst>
               </a:tr>
@@ -30267,7 +31171,7 @@
                 <a:gridCol w="1368152">
                   <a:extLst>
                     <a:ext uri="{9D8B030D-6E8A-4147-A177-3AD203B41FA5}">
-                      <a16:colId xmlns:a16="http://schemas.microsoft.com/office/drawing/2014/main" val="20000"/>
+                      <a16:colId xmlns:a16="http://schemas.microsoft.com/office/drawing/2014/main" xmlns="" val="20000"/>
                     </a:ext>
                   </a:extLst>
                 </a:gridCol>
@@ -30311,7 +31215,7 @@
                 </a:tc>
                 <a:extLst>
                   <a:ext uri="{0D108BD9-81ED-4DB2-BD59-A6C34878D82A}">
-                    <a16:rowId xmlns:a16="http://schemas.microsoft.com/office/drawing/2014/main" val="10000"/>
+                    <a16:rowId xmlns:a16="http://schemas.microsoft.com/office/drawing/2014/main" xmlns="" val="10000"/>
                   </a:ext>
                 </a:extLst>
               </a:tr>
@@ -30372,7 +31276,7 @@
                 </a:tc>
                 <a:extLst>
                   <a:ext uri="{0D108BD9-81ED-4DB2-BD59-A6C34878D82A}">
-                    <a16:rowId xmlns:a16="http://schemas.microsoft.com/office/drawing/2014/main" val="10001"/>
+                    <a16:rowId xmlns:a16="http://schemas.microsoft.com/office/drawing/2014/main" xmlns="" val="10001"/>
                   </a:ext>
                 </a:extLst>
               </a:tr>
@@ -30408,7 +31312,7 @@
                 <a:gridCol w="1152128">
                   <a:extLst>
                     <a:ext uri="{9D8B030D-6E8A-4147-A177-3AD203B41FA5}">
-                      <a16:colId xmlns:a16="http://schemas.microsoft.com/office/drawing/2014/main" val="20000"/>
+                      <a16:colId xmlns:a16="http://schemas.microsoft.com/office/drawing/2014/main" xmlns="" val="20000"/>
                     </a:ext>
                   </a:extLst>
                 </a:gridCol>
@@ -30452,7 +31356,7 @@
                 </a:tc>
                 <a:extLst>
                   <a:ext uri="{0D108BD9-81ED-4DB2-BD59-A6C34878D82A}">
-                    <a16:rowId xmlns:a16="http://schemas.microsoft.com/office/drawing/2014/main" val="10000"/>
+                    <a16:rowId xmlns:a16="http://schemas.microsoft.com/office/drawing/2014/main" xmlns="" val="10000"/>
                   </a:ext>
                 </a:extLst>
               </a:tr>
@@ -30547,7 +31451,7 @@
                 </a:tc>
                 <a:extLst>
                   <a:ext uri="{0D108BD9-81ED-4DB2-BD59-A6C34878D82A}">
-                    <a16:rowId xmlns:a16="http://schemas.microsoft.com/office/drawing/2014/main" val="10001"/>
+                    <a16:rowId xmlns:a16="http://schemas.microsoft.com/office/drawing/2014/main" xmlns="" val="10001"/>
                   </a:ext>
                 </a:extLst>
               </a:tr>
@@ -30583,7 +31487,7 @@
                 <a:gridCol w="1152128">
                   <a:extLst>
                     <a:ext uri="{9D8B030D-6E8A-4147-A177-3AD203B41FA5}">
-                      <a16:colId xmlns:a16="http://schemas.microsoft.com/office/drawing/2014/main" val="20000"/>
+                      <a16:colId xmlns:a16="http://schemas.microsoft.com/office/drawing/2014/main" xmlns="" val="20000"/>
                     </a:ext>
                   </a:extLst>
                 </a:gridCol>
@@ -30627,7 +31531,7 @@
                 </a:tc>
                 <a:extLst>
                   <a:ext uri="{0D108BD9-81ED-4DB2-BD59-A6C34878D82A}">
-                    <a16:rowId xmlns:a16="http://schemas.microsoft.com/office/drawing/2014/main" val="10000"/>
+                    <a16:rowId xmlns:a16="http://schemas.microsoft.com/office/drawing/2014/main" xmlns="" val="10000"/>
                   </a:ext>
                 </a:extLst>
               </a:tr>
@@ -30738,7 +31642,7 @@
                 </a:tc>
                 <a:extLst>
                   <a:ext uri="{0D108BD9-81ED-4DB2-BD59-A6C34878D82A}">
-                    <a16:rowId xmlns:a16="http://schemas.microsoft.com/office/drawing/2014/main" val="10001"/>
+                    <a16:rowId xmlns:a16="http://schemas.microsoft.com/office/drawing/2014/main" xmlns="" val="10001"/>
                   </a:ext>
                 </a:extLst>
               </a:tr>
@@ -30774,7 +31678,7 @@
                 <a:gridCol w="1152128">
                   <a:extLst>
                     <a:ext uri="{9D8B030D-6E8A-4147-A177-3AD203B41FA5}">
-                      <a16:colId xmlns:a16="http://schemas.microsoft.com/office/drawing/2014/main" val="20000"/>
+                      <a16:colId xmlns:a16="http://schemas.microsoft.com/office/drawing/2014/main" xmlns="" val="20000"/>
                     </a:ext>
                   </a:extLst>
                 </a:gridCol>
@@ -30818,7 +31722,7 @@
                 </a:tc>
                 <a:extLst>
                   <a:ext uri="{0D108BD9-81ED-4DB2-BD59-A6C34878D82A}">
-                    <a16:rowId xmlns:a16="http://schemas.microsoft.com/office/drawing/2014/main" val="10000"/>
+                    <a16:rowId xmlns:a16="http://schemas.microsoft.com/office/drawing/2014/main" xmlns="" val="10000"/>
                   </a:ext>
                 </a:extLst>
               </a:tr>
@@ -30884,7 +31788,7 @@
                 </a:tc>
                 <a:extLst>
                   <a:ext uri="{0D108BD9-81ED-4DB2-BD59-A6C34878D82A}">
-                    <a16:rowId xmlns:a16="http://schemas.microsoft.com/office/drawing/2014/main" val="10001"/>
+                    <a16:rowId xmlns:a16="http://schemas.microsoft.com/office/drawing/2014/main" xmlns="" val="10001"/>
                   </a:ext>
                 </a:extLst>
               </a:tr>

--- a/Spezifikationen/CMS_Modell_Spezifikation.pptx
+++ b/Spezifikationen/CMS_Modell_Spezifikation.pptx
@@ -4019,29 +4019,6 @@
           <a:chExt cx="0" cy="0"/>
         </a:xfrm>
       </p:grpSpPr>
-      <p:sp>
-        <p:nvSpPr>
-          <p:cNvPr id="6" name="Foliennummernplatzhalter 5"/>
-          <p:cNvSpPr>
-            <a:spLocks noGrp="1"/>
-          </p:cNvSpPr>
-          <p:nvPr>
-            <p:ph type="sldNum" sz="quarter" idx="12"/>
-          </p:nvPr>
-        </p:nvSpPr>
-        <p:spPr/>
-        <p:txBody>
-          <a:bodyPr/>
-          <a:lstStyle/>
-          <a:p>
-            <a:fld id="{224286A4-A35A-4214-9BF4-B746FB763E74}" type="slidenum">
-              <a:rPr lang="de-DE" smtClean="0"/>
-              <a:t>1</a:t>
-            </a:fld>
-            <a:endParaRPr lang="de-DE" dirty="0"/>
-          </a:p>
-        </p:txBody>
-      </p:sp>
       <p:graphicFrame>
         <p:nvGraphicFramePr>
           <p:cNvPr id="20" name="Tabelle 19"/>
@@ -4049,11 +4026,15 @@
             <a:graphicFrameLocks noGrp="1"/>
           </p:cNvGraphicFramePr>
           <p:nvPr>
-            <p:extLst/>
+            <p:extLst>
+              <p:ext uri="{D42A27DB-BD31-4B8C-83A1-F6EECF244321}">
+                <p14:modId xmlns:p14="http://schemas.microsoft.com/office/powerpoint/2010/main" val="696376394"/>
+              </p:ext>
+            </p:extLst>
           </p:nvPr>
         </p:nvGraphicFramePr>
         <p:xfrm>
-          <a:off x="60778" y="188640"/>
+          <a:off x="89745" y="579328"/>
           <a:ext cx="1414878" cy="815774"/>
         </p:xfrm>
         <a:graphic>
@@ -4066,7 +4047,7 @@
                 <a:gridCol w="1414878">
                   <a:extLst>
                     <a:ext uri="{9D8B030D-6E8A-4147-A177-3AD203B41FA5}">
-                      <a16:colId xmlns:a16="http://schemas.microsoft.com/office/drawing/2014/main" xmlns="" val="20000"/>
+                      <a16:colId xmlns:a16="http://schemas.microsoft.com/office/drawing/2014/main" val="20000"/>
                     </a:ext>
                   </a:extLst>
                 </a:gridCol>
@@ -4117,7 +4098,7 @@
                 </a:tc>
                 <a:extLst>
                   <a:ext uri="{0D108BD9-81ED-4DB2-BD59-A6C34878D82A}">
-                    <a16:rowId xmlns:a16="http://schemas.microsoft.com/office/drawing/2014/main" xmlns="" val="10000"/>
+                    <a16:rowId xmlns:a16="http://schemas.microsoft.com/office/drawing/2014/main" val="10000"/>
                   </a:ext>
                 </a:extLst>
               </a:tr>
@@ -4287,7 +4268,7 @@
                 </a:tc>
                 <a:extLst>
                   <a:ext uri="{0D108BD9-81ED-4DB2-BD59-A6C34878D82A}">
-                    <a16:rowId xmlns:a16="http://schemas.microsoft.com/office/drawing/2014/main" xmlns="" val="10001"/>
+                    <a16:rowId xmlns:a16="http://schemas.microsoft.com/office/drawing/2014/main" val="10001"/>
                   </a:ext>
                 </a:extLst>
               </a:tr>
@@ -4304,13 +4285,13 @@
           <p:nvPr>
             <p:extLst>
               <p:ext uri="{D42A27DB-BD31-4B8C-83A1-F6EECF244321}">
-                <p14:modId xmlns:p14="http://schemas.microsoft.com/office/powerpoint/2010/main" val="917475287"/>
+                <p14:modId xmlns:p14="http://schemas.microsoft.com/office/powerpoint/2010/main" val="831446473"/>
               </p:ext>
             </p:extLst>
           </p:nvPr>
         </p:nvGraphicFramePr>
         <p:xfrm>
-          <a:off x="2051015" y="29617"/>
+          <a:off x="2051015" y="24854"/>
           <a:ext cx="1834213" cy="1935480"/>
         </p:xfrm>
         <a:graphic>
@@ -4323,7 +4304,7 @@
                 <a:gridCol w="1834213">
                   <a:extLst>
                     <a:ext uri="{9D8B030D-6E8A-4147-A177-3AD203B41FA5}">
-                      <a16:colId xmlns:a16="http://schemas.microsoft.com/office/drawing/2014/main" xmlns="" val="20000"/>
+                      <a16:colId xmlns:a16="http://schemas.microsoft.com/office/drawing/2014/main" val="20000"/>
                     </a:ext>
                   </a:extLst>
                 </a:gridCol>
@@ -4367,7 +4348,7 @@
                 </a:tc>
                 <a:extLst>
                   <a:ext uri="{0D108BD9-81ED-4DB2-BD59-A6C34878D82A}">
-                    <a16:rowId xmlns:a16="http://schemas.microsoft.com/office/drawing/2014/main" xmlns="" val="10000"/>
+                    <a16:rowId xmlns:a16="http://schemas.microsoft.com/office/drawing/2014/main" val="10000"/>
                   </a:ext>
                 </a:extLst>
               </a:tr>
@@ -4472,7 +4453,7 @@
                         <a:t>, </a:t>
                       </a:r>
                       <a:r>
-                        <a:rPr lang="de-DE" sz="600" u="none" baseline="0" dirty="0">
+                        <a:rPr lang="de-DE" sz="600" u="none" baseline="0">
                           <a:solidFill>
                             <a:srgbClr val="00B0F0"/>
                           </a:solidFill>
@@ -4511,6 +4492,18 @@
                         <a:defRPr/>
                       </a:pPr>
                       <a:r>
+                        <a:rPr lang="de-DE" sz="1100" u="none" kern="1200" baseline="0">
+                          <a:solidFill>
+                            <a:schemeClr val="tx1"/>
+                          </a:solidFill>
+                          <a:latin typeface="Arial" panose="020B0604020202020204" pitchFamily="34" charset="0"/>
+                          <a:ea typeface="+mn-ea"/>
+                          <a:cs typeface="Arial" panose="020B0604020202020204" pitchFamily="34" charset="0"/>
+                          <a:sym typeface="Wingdings" panose="05000000000000000000" pitchFamily="2" charset="2"/>
+                        </a:rPr>
+                        <a:t>user</a:t>
+                      </a:r>
+                      <a:r>
                         <a:rPr lang="de-DE" sz="1100" u="none" kern="1200" baseline="0" dirty="0" err="1">
                           <a:solidFill>
                             <a:schemeClr val="tx1"/>
@@ -4520,7 +4513,7 @@
                           <a:cs typeface="Arial" panose="020B0604020202020204" pitchFamily="34" charset="0"/>
                           <a:sym typeface="Wingdings" panose="05000000000000000000" pitchFamily="2" charset="2"/>
                         </a:rPr>
-                        <a:t>user_id</a:t>
+                        <a:t>_id</a:t>
                       </a:r>
                       <a:r>
                         <a:rPr lang="de-DE" sz="1100" u="none" kern="1200" baseline="0" dirty="0">
@@ -4901,7 +4894,7 @@
                 </a:tc>
                 <a:extLst>
                   <a:ext uri="{0D108BD9-81ED-4DB2-BD59-A6C34878D82A}">
-                    <a16:rowId xmlns:a16="http://schemas.microsoft.com/office/drawing/2014/main" xmlns="" val="10001"/>
+                    <a16:rowId xmlns:a16="http://schemas.microsoft.com/office/drawing/2014/main" val="10001"/>
                   </a:ext>
                 </a:extLst>
               </a:tr>
@@ -4916,11 +4909,15 @@
             <a:graphicFrameLocks noGrp="1"/>
           </p:cNvGraphicFramePr>
           <p:nvPr>
-            <p:extLst/>
+            <p:extLst>
+              <p:ext uri="{D42A27DB-BD31-4B8C-83A1-F6EECF244321}">
+                <p14:modId xmlns:p14="http://schemas.microsoft.com/office/powerpoint/2010/main" val="891237165"/>
+              </p:ext>
+            </p:extLst>
           </p:nvPr>
         </p:nvGraphicFramePr>
         <p:xfrm>
-          <a:off x="4499992" y="104567"/>
+          <a:off x="4442842" y="104567"/>
           <a:ext cx="1944216" cy="2331720"/>
         </p:xfrm>
         <a:graphic>
@@ -4933,7 +4930,7 @@
                 <a:gridCol w="1944216">
                   <a:extLst>
                     <a:ext uri="{9D8B030D-6E8A-4147-A177-3AD203B41FA5}">
-                      <a16:colId xmlns:a16="http://schemas.microsoft.com/office/drawing/2014/main" xmlns="" val="20000"/>
+                      <a16:colId xmlns:a16="http://schemas.microsoft.com/office/drawing/2014/main" val="20000"/>
                     </a:ext>
                   </a:extLst>
                 </a:gridCol>
@@ -4977,7 +4974,7 @@
                 </a:tc>
                 <a:extLst>
                   <a:ext uri="{0D108BD9-81ED-4DB2-BD59-A6C34878D82A}">
-                    <a16:rowId xmlns:a16="http://schemas.microsoft.com/office/drawing/2014/main" xmlns="" val="10000"/>
+                    <a16:rowId xmlns:a16="http://schemas.microsoft.com/office/drawing/2014/main" val="10000"/>
                   </a:ext>
                 </a:extLst>
               </a:tr>
@@ -5820,7 +5817,7 @@
                 </a:tc>
                 <a:extLst>
                   <a:ext uri="{0D108BD9-81ED-4DB2-BD59-A6C34878D82A}">
-                    <a16:rowId xmlns:a16="http://schemas.microsoft.com/office/drawing/2014/main" xmlns="" val="10001"/>
+                    <a16:rowId xmlns:a16="http://schemas.microsoft.com/office/drawing/2014/main" val="10001"/>
                   </a:ext>
                 </a:extLst>
               </a:tr>
@@ -5835,12 +5832,16 @@
             <a:graphicFrameLocks noGrp="1"/>
           </p:cNvGraphicFramePr>
           <p:nvPr>
-            <p:extLst/>
+            <p:extLst>
+              <p:ext uri="{D42A27DB-BD31-4B8C-83A1-F6EECF244321}">
+                <p14:modId xmlns:p14="http://schemas.microsoft.com/office/powerpoint/2010/main" val="1721362567"/>
+              </p:ext>
+            </p:extLst>
           </p:nvPr>
         </p:nvGraphicFramePr>
         <p:xfrm>
-          <a:off x="6804248" y="44624"/>
-          <a:ext cx="2339752" cy="1874520"/>
+          <a:off x="6732240" y="44624"/>
+          <a:ext cx="2304256" cy="1965960"/>
         </p:xfrm>
         <a:graphic>
           <a:graphicData uri="http://schemas.openxmlformats.org/drawingml/2006/table">
@@ -5849,10 +5850,10 @@
                 <a:tableStyleId>{F2DE63D5-997A-4646-A377-4702673A728D}</a:tableStyleId>
               </a:tblPr>
               <a:tblGrid>
-                <a:gridCol w="2339752">
+                <a:gridCol w="2304256">
                   <a:extLst>
                     <a:ext uri="{9D8B030D-6E8A-4147-A177-3AD203B41FA5}">
-                      <a16:colId xmlns:a16="http://schemas.microsoft.com/office/drawing/2014/main" xmlns="" val="20000"/>
+                      <a16:colId xmlns:a16="http://schemas.microsoft.com/office/drawing/2014/main" val="20000"/>
                     </a:ext>
                   </a:extLst>
                 </a:gridCol>
@@ -5903,11 +5904,11 @@
                 </a:tc>
                 <a:extLst>
                   <a:ext uri="{0D108BD9-81ED-4DB2-BD59-A6C34878D82A}">
-                    <a16:rowId xmlns:a16="http://schemas.microsoft.com/office/drawing/2014/main" xmlns="" val="10000"/>
+                    <a16:rowId xmlns:a16="http://schemas.microsoft.com/office/drawing/2014/main" val="10000"/>
                   </a:ext>
                 </a:extLst>
               </a:tr>
-              <a:tr h="1600200">
+              <a:tr h="1691640">
                 <a:tc>
                   <a:txBody>
                     <a:bodyPr/>
@@ -6599,7 +6600,7 @@
                 </a:tc>
                 <a:extLst>
                   <a:ext uri="{0D108BD9-81ED-4DB2-BD59-A6C34878D82A}">
-                    <a16:rowId xmlns:a16="http://schemas.microsoft.com/office/drawing/2014/main" xmlns="" val="10001"/>
+                    <a16:rowId xmlns:a16="http://schemas.microsoft.com/office/drawing/2014/main" val="10001"/>
                   </a:ext>
                 </a:extLst>
               </a:tr>
@@ -6635,7 +6636,7 @@
                 <a:gridCol w="1800200">
                   <a:extLst>
                     <a:ext uri="{9D8B030D-6E8A-4147-A177-3AD203B41FA5}">
-                      <a16:colId xmlns:a16="http://schemas.microsoft.com/office/drawing/2014/main" xmlns="" val="20000"/>
+                      <a16:colId xmlns:a16="http://schemas.microsoft.com/office/drawing/2014/main" val="20000"/>
                     </a:ext>
                   </a:extLst>
                 </a:gridCol>
@@ -6686,7 +6687,7 @@
                 </a:tc>
                 <a:extLst>
                   <a:ext uri="{0D108BD9-81ED-4DB2-BD59-A6C34878D82A}">
-                    <a16:rowId xmlns:a16="http://schemas.microsoft.com/office/drawing/2014/main" xmlns="" val="10000"/>
+                    <a16:rowId xmlns:a16="http://schemas.microsoft.com/office/drawing/2014/main" val="10000"/>
                   </a:ext>
                 </a:extLst>
               </a:tr>
@@ -7343,7 +7344,7 @@
                 </a:tc>
                 <a:extLst>
                   <a:ext uri="{0D108BD9-81ED-4DB2-BD59-A6C34878D82A}">
-                    <a16:rowId xmlns:a16="http://schemas.microsoft.com/office/drawing/2014/main" xmlns="" val="10001"/>
+                    <a16:rowId xmlns:a16="http://schemas.microsoft.com/office/drawing/2014/main" val="10001"/>
                   </a:ext>
                 </a:extLst>
               </a:tr>
@@ -7375,7 +7376,7 @@
                 <a:gridCol w="1334243">
                   <a:extLst>
                     <a:ext uri="{9D8B030D-6E8A-4147-A177-3AD203B41FA5}">
-                      <a16:colId xmlns:a16="http://schemas.microsoft.com/office/drawing/2014/main" xmlns="" val="20000"/>
+                      <a16:colId xmlns:a16="http://schemas.microsoft.com/office/drawing/2014/main" val="20000"/>
                     </a:ext>
                   </a:extLst>
                 </a:gridCol>
@@ -7419,7 +7420,7 @@
                 </a:tc>
                 <a:extLst>
                   <a:ext uri="{0D108BD9-81ED-4DB2-BD59-A6C34878D82A}">
-                    <a16:rowId xmlns:a16="http://schemas.microsoft.com/office/drawing/2014/main" xmlns="" val="10000"/>
+                    <a16:rowId xmlns:a16="http://schemas.microsoft.com/office/drawing/2014/main" val="10000"/>
                   </a:ext>
                 </a:extLst>
               </a:tr>
@@ -7689,7 +7690,7 @@
                 </a:tc>
                 <a:extLst>
                   <a:ext uri="{0D108BD9-81ED-4DB2-BD59-A6C34878D82A}">
-                    <a16:rowId xmlns:a16="http://schemas.microsoft.com/office/drawing/2014/main" xmlns="" val="10001"/>
+                    <a16:rowId xmlns:a16="http://schemas.microsoft.com/office/drawing/2014/main" val="10001"/>
                   </a:ext>
                 </a:extLst>
               </a:tr>
@@ -7721,7 +7722,7 @@
                 <a:gridCol w="1296144">
                   <a:extLst>
                     <a:ext uri="{9D8B030D-6E8A-4147-A177-3AD203B41FA5}">
-                      <a16:colId xmlns:a16="http://schemas.microsoft.com/office/drawing/2014/main" xmlns="" val="20000"/>
+                      <a16:colId xmlns:a16="http://schemas.microsoft.com/office/drawing/2014/main" val="20000"/>
                     </a:ext>
                   </a:extLst>
                 </a:gridCol>
@@ -7765,7 +7766,7 @@
                 </a:tc>
                 <a:extLst>
                   <a:ext uri="{0D108BD9-81ED-4DB2-BD59-A6C34878D82A}">
-                    <a16:rowId xmlns:a16="http://schemas.microsoft.com/office/drawing/2014/main" xmlns="" val="10000"/>
+                    <a16:rowId xmlns:a16="http://schemas.microsoft.com/office/drawing/2014/main" val="10000"/>
                   </a:ext>
                 </a:extLst>
               </a:tr>
@@ -8043,7 +8044,7 @@
                 </a:tc>
                 <a:extLst>
                   <a:ext uri="{0D108BD9-81ED-4DB2-BD59-A6C34878D82A}">
-                    <a16:rowId xmlns:a16="http://schemas.microsoft.com/office/drawing/2014/main" xmlns="" val="10001"/>
+                    <a16:rowId xmlns:a16="http://schemas.microsoft.com/office/drawing/2014/main" val="10001"/>
                   </a:ext>
                 </a:extLst>
               </a:tr>
@@ -8079,7 +8080,7 @@
                 <a:gridCol w="2057396">
                   <a:extLst>
                     <a:ext uri="{9D8B030D-6E8A-4147-A177-3AD203B41FA5}">
-                      <a16:colId xmlns:a16="http://schemas.microsoft.com/office/drawing/2014/main" xmlns="" val="20000"/>
+                      <a16:colId xmlns:a16="http://schemas.microsoft.com/office/drawing/2014/main" val="20000"/>
                     </a:ext>
                   </a:extLst>
                 </a:gridCol>
@@ -8130,7 +8131,7 @@
                 </a:tc>
                 <a:extLst>
                   <a:ext uri="{0D108BD9-81ED-4DB2-BD59-A6C34878D82A}">
-                    <a16:rowId xmlns:a16="http://schemas.microsoft.com/office/drawing/2014/main" xmlns="" val="10000"/>
+                    <a16:rowId xmlns:a16="http://schemas.microsoft.com/office/drawing/2014/main" val="10000"/>
                   </a:ext>
                 </a:extLst>
               </a:tr>
@@ -8345,7 +8346,7 @@
                 </a:tc>
                 <a:extLst>
                   <a:ext uri="{0D108BD9-81ED-4DB2-BD59-A6C34878D82A}">
-                    <a16:rowId xmlns:a16="http://schemas.microsoft.com/office/drawing/2014/main" xmlns="" val="10001"/>
+                    <a16:rowId xmlns:a16="http://schemas.microsoft.com/office/drawing/2014/main" val="10001"/>
                   </a:ext>
                 </a:extLst>
               </a:tr>
@@ -8381,7 +8382,7 @@
                 <a:gridCol w="1440160">
                   <a:extLst>
                     <a:ext uri="{9D8B030D-6E8A-4147-A177-3AD203B41FA5}">
-                      <a16:colId xmlns:a16="http://schemas.microsoft.com/office/drawing/2014/main" xmlns="" val="20000"/>
+                      <a16:colId xmlns:a16="http://schemas.microsoft.com/office/drawing/2014/main" val="20000"/>
                     </a:ext>
                   </a:extLst>
                 </a:gridCol>
@@ -8432,7 +8433,7 @@
                 </a:tc>
                 <a:extLst>
                   <a:ext uri="{0D108BD9-81ED-4DB2-BD59-A6C34878D82A}">
-                    <a16:rowId xmlns:a16="http://schemas.microsoft.com/office/drawing/2014/main" xmlns="" val="10000"/>
+                    <a16:rowId xmlns:a16="http://schemas.microsoft.com/office/drawing/2014/main" val="10000"/>
                   </a:ext>
                 </a:extLst>
               </a:tr>
@@ -8647,7 +8648,7 @@
                 </a:tc>
                 <a:extLst>
                   <a:ext uri="{0D108BD9-81ED-4DB2-BD59-A6C34878D82A}">
-                    <a16:rowId xmlns:a16="http://schemas.microsoft.com/office/drawing/2014/main" xmlns="" val="10001"/>
+                    <a16:rowId xmlns:a16="http://schemas.microsoft.com/office/drawing/2014/main" val="10001"/>
                   </a:ext>
                 </a:extLst>
               </a:tr>
@@ -8683,7 +8684,7 @@
                 <a:gridCol w="1793850">
                   <a:extLst>
                     <a:ext uri="{9D8B030D-6E8A-4147-A177-3AD203B41FA5}">
-                      <a16:colId xmlns:a16="http://schemas.microsoft.com/office/drawing/2014/main" xmlns="" val="20000"/>
+                      <a16:colId xmlns:a16="http://schemas.microsoft.com/office/drawing/2014/main" val="20000"/>
                     </a:ext>
                   </a:extLst>
                 </a:gridCol>
@@ -8734,7 +8735,7 @@
                 </a:tc>
                 <a:extLst>
                   <a:ext uri="{0D108BD9-81ED-4DB2-BD59-A6C34878D82A}">
-                    <a16:rowId xmlns:a16="http://schemas.microsoft.com/office/drawing/2014/main" xmlns="" val="10000"/>
+                    <a16:rowId xmlns:a16="http://schemas.microsoft.com/office/drawing/2014/main" val="10000"/>
                   </a:ext>
                 </a:extLst>
               </a:tr>
@@ -9045,7 +9046,7 @@
                 </a:tc>
                 <a:extLst>
                   <a:ext uri="{0D108BD9-81ED-4DB2-BD59-A6C34878D82A}">
-                    <a16:rowId xmlns:a16="http://schemas.microsoft.com/office/drawing/2014/main" xmlns="" val="10001"/>
+                    <a16:rowId xmlns:a16="http://schemas.microsoft.com/office/drawing/2014/main" val="10001"/>
                   </a:ext>
                 </a:extLst>
               </a:tr>
@@ -9058,13 +9059,14 @@
           <p:cNvPr id="35" name="Gerade Verbindung mit Pfeil 34"/>
           <p:cNvCxnSpPr>
             <a:stCxn id="20" idx="3"/>
+            <a:endCxn id="40" idx="1"/>
           </p:cNvCxnSpPr>
           <p:nvPr/>
         </p:nvCxnSpPr>
         <p:spPr>
           <a:xfrm>
-            <a:off x="1475656" y="596527"/>
-            <a:ext cx="575359" cy="24161"/>
+            <a:off x="1504623" y="987215"/>
+            <a:ext cx="546392" cy="5379"/>
           </a:xfrm>
           <a:prstGeom prst="straightConnector1">
             <a:avLst/>
@@ -9099,7 +9101,7 @@
         </p:nvCxnSpPr>
         <p:spPr>
           <a:xfrm flipV="1">
-            <a:off x="6444208" y="332656"/>
+            <a:off x="6389316" y="339163"/>
             <a:ext cx="360040" cy="1"/>
           </a:xfrm>
           <a:prstGeom prst="straightConnector1">
@@ -9137,8 +9139,8 @@
         </p:nvCxnSpPr>
         <p:spPr>
           <a:xfrm rot="16200000" flipV="1">
-            <a:off x="5148898" y="2565738"/>
-            <a:ext cx="2806645" cy="216024"/>
+            <a:off x="5100933" y="2556552"/>
+            <a:ext cx="2778388" cy="206138"/>
           </a:xfrm>
           <a:prstGeom prst="bentConnector2">
             <a:avLst/>
@@ -9293,8 +9295,8 @@
         </p:nvCxnSpPr>
         <p:spPr>
           <a:xfrm rot="5400000" flipH="1" flipV="1">
-            <a:off x="4363676" y="2320576"/>
-            <a:ext cx="992713" cy="1224136"/>
+            <a:off x="4335101" y="2349151"/>
+            <a:ext cx="992713" cy="1166986"/>
           </a:xfrm>
           <a:prstGeom prst="bentConnector3">
             <a:avLst>
@@ -9407,9 +9409,9 @@
           <p:nvPr/>
         </p:nvCxnSpPr>
         <p:spPr>
-          <a:xfrm flipH="1">
-            <a:off x="3885228" y="525340"/>
-            <a:ext cx="599933" cy="23340"/>
+          <a:xfrm flipH="1" flipV="1">
+            <a:off x="3885228" y="546614"/>
+            <a:ext cx="557614" cy="2066"/>
           </a:xfrm>
           <a:prstGeom prst="straightConnector1">
             <a:avLst/>
@@ -9663,7 +9665,7 @@
                 <a:gridCol w="1846926">
                   <a:extLst>
                     <a:ext uri="{9D8B030D-6E8A-4147-A177-3AD203B41FA5}">
-                      <a16:colId xmlns:a16="http://schemas.microsoft.com/office/drawing/2014/main" xmlns="" val="20000"/>
+                      <a16:colId xmlns:a16="http://schemas.microsoft.com/office/drawing/2014/main" val="20000"/>
                     </a:ext>
                   </a:extLst>
                 </a:gridCol>
@@ -9714,7 +9716,7 @@
                 </a:tc>
                 <a:extLst>
                   <a:ext uri="{0D108BD9-81ED-4DB2-BD59-A6C34878D82A}">
-                    <a16:rowId xmlns:a16="http://schemas.microsoft.com/office/drawing/2014/main" xmlns="" val="10000"/>
+                    <a16:rowId xmlns:a16="http://schemas.microsoft.com/office/drawing/2014/main" val="10000"/>
                   </a:ext>
                 </a:extLst>
               </a:tr>
@@ -10008,7 +10010,7 @@
                 </a:tc>
                 <a:extLst>
                   <a:ext uri="{0D108BD9-81ED-4DB2-BD59-A6C34878D82A}">
-                    <a16:rowId xmlns:a16="http://schemas.microsoft.com/office/drawing/2014/main" xmlns="" val="10001"/>
+                    <a16:rowId xmlns:a16="http://schemas.microsoft.com/office/drawing/2014/main" val="10001"/>
                   </a:ext>
                 </a:extLst>
               </a:tr>
@@ -10040,7 +10042,7 @@
                 <a:gridCol w="1224136">
                   <a:extLst>
                     <a:ext uri="{9D8B030D-6E8A-4147-A177-3AD203B41FA5}">
-                      <a16:colId xmlns:a16="http://schemas.microsoft.com/office/drawing/2014/main" xmlns="" val="20000"/>
+                      <a16:colId xmlns:a16="http://schemas.microsoft.com/office/drawing/2014/main" val="20000"/>
                     </a:ext>
                   </a:extLst>
                 </a:gridCol>
@@ -10084,7 +10086,7 @@
                 </a:tc>
                 <a:extLst>
                   <a:ext uri="{0D108BD9-81ED-4DB2-BD59-A6C34878D82A}">
-                    <a16:rowId xmlns:a16="http://schemas.microsoft.com/office/drawing/2014/main" xmlns="" val="10000"/>
+                    <a16:rowId xmlns:a16="http://schemas.microsoft.com/office/drawing/2014/main" val="10000"/>
                   </a:ext>
                 </a:extLst>
               </a:tr>
@@ -10317,7 +10319,7 @@
                 </a:tc>
                 <a:extLst>
                   <a:ext uri="{0D108BD9-81ED-4DB2-BD59-A6C34878D82A}">
-                    <a16:rowId xmlns:a16="http://schemas.microsoft.com/office/drawing/2014/main" xmlns="" val="10001"/>
+                    <a16:rowId xmlns:a16="http://schemas.microsoft.com/office/drawing/2014/main" val="10001"/>
                   </a:ext>
                 </a:extLst>
               </a:tr>
@@ -10375,11 +10377,11 @@
         <p:spPr>
           <a:xfrm flipV="1">
             <a:off x="3394590" y="1484784"/>
-            <a:ext cx="1105402" cy="1006930"/>
+            <a:ext cx="1048252" cy="1006930"/>
           </a:xfrm>
           <a:prstGeom prst="bentConnector3">
             <a:avLst>
-              <a:gd name="adj1" fmla="val 65510"/>
+              <a:gd name="adj1" fmla="val 50000"/>
             </a:avLst>
           </a:prstGeom>
           <a:ln w="15875">
@@ -10413,14 +10415,14 @@
           <p:nvPr>
             <p:extLst>
               <p:ext uri="{D42A27DB-BD31-4B8C-83A1-F6EECF244321}">
-                <p14:modId xmlns:p14="http://schemas.microsoft.com/office/powerpoint/2010/main" val="477594135"/>
+                <p14:modId xmlns:p14="http://schemas.microsoft.com/office/powerpoint/2010/main" val="1079371184"/>
               </p:ext>
             </p:extLst>
           </p:nvPr>
         </p:nvGraphicFramePr>
         <p:xfrm>
           <a:off x="7308304" y="2276872"/>
-          <a:ext cx="1584176" cy="1569720"/>
+          <a:ext cx="1728192" cy="1661160"/>
         </p:xfrm>
         <a:graphic>
           <a:graphicData uri="http://schemas.openxmlformats.org/drawingml/2006/table">
@@ -10429,9 +10431,15 @@
                 <a:tableStyleId>{F2DE63D5-997A-4646-A377-4702673A728D}</a:tableStyleId>
               </a:tblPr>
               <a:tblGrid>
-                <a:gridCol w="1584176"/>
+                <a:gridCol w="1728192">
+                  <a:extLst>
+                    <a:ext uri="{9D8B030D-6E8A-4147-A177-3AD203B41FA5}">
+                      <a16:colId xmlns:a16="http://schemas.microsoft.com/office/drawing/2014/main" val="20000"/>
+                    </a:ext>
+                  </a:extLst>
+                </a:gridCol>
               </a:tblGrid>
-              <a:tr h="245720">
+              <a:tr h="274320">
                 <a:tc>
                   <a:txBody>
                     <a:bodyPr/>
@@ -10455,28 +10463,36 @@
                         <a:defRPr/>
                       </a:pPr>
                       <a:r>
-                        <a:rPr lang="de-DE" sz="1200" b="1" dirty="0" smtClean="0">
+                        <a:rPr lang="de-DE" sz="1200" b="1" dirty="0" err="1">
                           <a:solidFill>
                             <a:schemeClr val="tx1"/>
                           </a:solidFill>
                           <a:latin typeface="Arial" panose="020B0604020202020204" pitchFamily="34" charset="0"/>
                           <a:cs typeface="Arial" panose="020B0604020202020204" pitchFamily="34" charset="0"/>
                         </a:rPr>
-                        <a:t>Log</a:t>
-                      </a:r>
-                      <a:endParaRPr lang="de-DE" sz="1200" b="1" dirty="0">
-                        <a:solidFill>
-                          <a:schemeClr val="tx1"/>
-                        </a:solidFill>
-                        <a:latin typeface="Arial" panose="020B0604020202020204" pitchFamily="34" charset="0"/>
-                        <a:cs typeface="Arial" panose="020B0604020202020204" pitchFamily="34" charset="0"/>
-                      </a:endParaRPr>
+                        <a:t>Logtable</a:t>
+                      </a:r>
+                      <a:r>
+                        <a:rPr lang="de-DE" sz="1200" b="1" dirty="0">
+                          <a:solidFill>
+                            <a:schemeClr val="tx1"/>
+                          </a:solidFill>
+                          <a:latin typeface="Arial" panose="020B0604020202020204" pitchFamily="34" charset="0"/>
+                          <a:cs typeface="Arial" panose="020B0604020202020204" pitchFamily="34" charset="0"/>
+                        </a:rPr>
+                        <a:t> </a:t>
+                      </a:r>
                     </a:p>
                   </a:txBody>
                   <a:tcPr/>
                 </a:tc>
+                <a:extLst>
+                  <a:ext uri="{0D108BD9-81ED-4DB2-BD59-A6C34878D82A}">
+                    <a16:rowId xmlns:a16="http://schemas.microsoft.com/office/drawing/2014/main" val="10000"/>
+                  </a:ext>
+                </a:extLst>
               </a:tr>
-              <a:tr h="546025">
+              <a:tr h="1386840">
                 <a:tc>
                   <a:txBody>
                     <a:bodyPr/>
@@ -10500,7 +10516,7 @@
                         <a:defRPr/>
                       </a:pPr>
                       <a:r>
-                        <a:rPr lang="de-DE" sz="1100" u="sng" baseline="0" dirty="0" err="1" smtClean="0">
+                        <a:rPr lang="de-DE" sz="1100" u="sng" baseline="0" dirty="0" err="1">
                           <a:latin typeface="Arial" panose="020B0604020202020204" pitchFamily="34" charset="0"/>
                           <a:cs typeface="Arial" panose="020B0604020202020204" pitchFamily="34" charset="0"/>
                           <a:sym typeface="Wingdings" panose="05000000000000000000" pitchFamily="2" charset="2"/>
@@ -10508,7 +10524,7 @@
                         <a:t>id</a:t>
                       </a:r>
                       <a:r>
-                        <a:rPr lang="de-DE" sz="1100" u="sng" baseline="0" dirty="0" smtClean="0">
+                        <a:rPr lang="de-DE" sz="1100" u="sng" baseline="0" dirty="0">
                           <a:latin typeface="Arial" panose="020B0604020202020204" pitchFamily="34" charset="0"/>
                           <a:cs typeface="Arial" panose="020B0604020202020204" pitchFamily="34" charset="0"/>
                           <a:sym typeface="Wingdings" panose="05000000000000000000" pitchFamily="2" charset="2"/>
@@ -10516,20 +10532,12 @@
                         <a:t> </a:t>
                       </a:r>
                       <a:r>
-                        <a:rPr lang="de-DE" sz="1100" u="none" baseline="0" dirty="0" smtClean="0">
-                          <a:latin typeface="Arial" panose="020B0604020202020204" pitchFamily="34" charset="0"/>
-                          <a:cs typeface="Arial" panose="020B0604020202020204" pitchFamily="34" charset="0"/>
-                          <a:sym typeface="Wingdings" panose="05000000000000000000" pitchFamily="2" charset="2"/>
-                        </a:rPr>
-                        <a:t>(PS</a:t>
-                      </a:r>
-                      <a:r>
                         <a:rPr lang="de-DE" sz="1100" u="none" baseline="0" dirty="0">
                           <a:latin typeface="Arial" panose="020B0604020202020204" pitchFamily="34" charset="0"/>
                           <a:cs typeface="Arial" panose="020B0604020202020204" pitchFamily="34" charset="0"/>
                           <a:sym typeface="Wingdings" panose="05000000000000000000" pitchFamily="2" charset="2"/>
                         </a:rPr>
-                        <a:t>) </a:t>
+                        <a:t>(PS) </a:t>
                       </a:r>
                       <a:r>
                         <a:rPr lang="de-DE" sz="600" u="none" kern="1200" baseline="0" dirty="0">
@@ -10565,7 +10573,52 @@
                           <a:cs typeface="Arial" panose="020B0604020202020204" pitchFamily="34" charset="0"/>
                           <a:sym typeface="Wingdings" panose="05000000000000000000" pitchFamily="2" charset="2"/>
                         </a:rPr>
-                        <a:t>, </a:t>
+                        <a:t> + </a:t>
+                      </a:r>
+                      <a:r>
+                        <a:rPr lang="de-DE" sz="600" b="0" u="none" baseline="0" dirty="0">
+                          <a:solidFill>
+                            <a:srgbClr val="C00000"/>
+                          </a:solidFill>
+                          <a:latin typeface="Arial" panose="020B0604020202020204" pitchFamily="34" charset="0"/>
+                          <a:cs typeface="Arial" panose="020B0604020202020204" pitchFamily="34" charset="0"/>
+                          <a:sym typeface="Wingdings" panose="05000000000000000000" pitchFamily="2" charset="2"/>
+                        </a:rPr>
+                        <a:t>auto-</a:t>
+                      </a:r>
+                      <a:r>
+                        <a:rPr lang="de-DE" sz="600" b="0" u="none" baseline="0" dirty="0" err="1">
+                          <a:solidFill>
+                            <a:srgbClr val="C00000"/>
+                          </a:solidFill>
+                          <a:latin typeface="Arial" panose="020B0604020202020204" pitchFamily="34" charset="0"/>
+                          <a:cs typeface="Arial" panose="020B0604020202020204" pitchFamily="34" charset="0"/>
+                          <a:sym typeface="Wingdings" panose="05000000000000000000" pitchFamily="2" charset="2"/>
+                        </a:rPr>
+                        <a:t>increment</a:t>
+                      </a:r>
+                      <a:r>
+                        <a:rPr lang="de-DE" sz="600" b="0" u="none" baseline="0" dirty="0">
+                          <a:solidFill>
+                            <a:srgbClr val="C00000"/>
+                          </a:solidFill>
+                          <a:latin typeface="Arial" panose="020B0604020202020204" pitchFamily="34" charset="0"/>
+                          <a:cs typeface="Arial" panose="020B0604020202020204" pitchFamily="34" charset="0"/>
+                          <a:sym typeface="Wingdings" panose="05000000000000000000" pitchFamily="2" charset="2"/>
+                        </a:rPr>
+                        <a:t>,</a:t>
+                      </a:r>
+                      <a:r>
+                        <a:rPr lang="de-DE" sz="600" u="none" kern="1200" baseline="0" dirty="0">
+                          <a:solidFill>
+                            <a:srgbClr val="C00000"/>
+                          </a:solidFill>
+                          <a:latin typeface="Arial" panose="020B0604020202020204" pitchFamily="34" charset="0"/>
+                          <a:ea typeface="+mn-ea"/>
+                          <a:cs typeface="Arial" panose="020B0604020202020204" pitchFamily="34" charset="0"/>
+                          <a:sym typeface="Wingdings" panose="05000000000000000000" pitchFamily="2" charset="2"/>
+                        </a:rPr>
+                        <a:t> </a:t>
                       </a:r>
                       <a:r>
                         <a:rPr lang="de-DE" sz="600" u="none" baseline="0" dirty="0">
@@ -10607,47 +10660,47 @@
                         <a:defRPr/>
                       </a:pPr>
                       <a:r>
-                        <a:rPr lang="de-DE" sz="1100" i="0" u="none" baseline="0" dirty="0" err="1" smtClean="0">
-                          <a:latin typeface="Arial" panose="020B0604020202020204" pitchFamily="34" charset="0"/>
+                        <a:rPr lang="de-DE" sz="1100" i="0" u="none" baseline="0" dirty="0" err="1">
+                          <a:latin typeface="Arial" panose="020B0604020202020204" pitchFamily="34" charset="0"/>
+                          <a:cs typeface="Arial" panose="020B0604020202020204" pitchFamily="34" charset="0"/>
+                          <a:sym typeface="Wingdings" panose="05000000000000000000" pitchFamily="2" charset="2"/>
+                        </a:rPr>
+                        <a:t>logdate</a:t>
+                      </a:r>
+                      <a:r>
+                        <a:rPr lang="de-DE" sz="1100" u="none" baseline="0" dirty="0">
+                          <a:latin typeface="Arial" panose="020B0604020202020204" pitchFamily="34" charset="0"/>
+                          <a:cs typeface="Arial" panose="020B0604020202020204" pitchFamily="34" charset="0"/>
+                          <a:sym typeface="Wingdings" panose="05000000000000000000" pitchFamily="2" charset="2"/>
+                        </a:rPr>
+                        <a:t>  </a:t>
+                      </a:r>
+                      <a:r>
+                        <a:rPr lang="de-DE" sz="600" u="none" kern="1200" baseline="0" dirty="0">
+                          <a:solidFill>
+                            <a:srgbClr val="C00000"/>
+                          </a:solidFill>
+                          <a:latin typeface="Arial" panose="020B0604020202020204" pitchFamily="34" charset="0"/>
+                          <a:ea typeface="+mn-ea"/>
+                          <a:cs typeface="Arial" panose="020B0604020202020204" pitchFamily="34" charset="0"/>
+                          <a:sym typeface="Wingdings" panose="05000000000000000000" pitchFamily="2" charset="2"/>
+                        </a:rPr>
+                        <a:t>=&gt; </a:t>
+                      </a:r>
+                      <a:r>
+                        <a:rPr lang="de-DE" sz="600" u="none" kern="1200" baseline="0" dirty="0" err="1">
+                          <a:solidFill>
+                            <a:srgbClr val="C00000"/>
+                          </a:solidFill>
+                          <a:latin typeface="Arial" panose="020B0604020202020204" pitchFamily="34" charset="0"/>
+                          <a:ea typeface="+mn-ea"/>
                           <a:cs typeface="Arial" panose="020B0604020202020204" pitchFamily="34" charset="0"/>
                           <a:sym typeface="Wingdings" panose="05000000000000000000" pitchFamily="2" charset="2"/>
                         </a:rPr>
                         <a:t>date</a:t>
                       </a:r>
                       <a:r>
-                        <a:rPr lang="de-DE" sz="1100" u="none" baseline="0" dirty="0" smtClean="0">
-                          <a:latin typeface="Arial" panose="020B0604020202020204" pitchFamily="34" charset="0"/>
-                          <a:cs typeface="Arial" panose="020B0604020202020204" pitchFamily="34" charset="0"/>
-                          <a:sym typeface="Wingdings" panose="05000000000000000000" pitchFamily="2" charset="2"/>
-                        </a:rPr>
-                        <a:t>  </a:t>
-                      </a:r>
-                      <a:r>
-                        <a:rPr lang="de-DE" sz="600" u="none" kern="1200" baseline="0" dirty="0" smtClean="0">
-                          <a:solidFill>
-                            <a:srgbClr val="C00000"/>
-                          </a:solidFill>
-                          <a:latin typeface="Arial" panose="020B0604020202020204" pitchFamily="34" charset="0"/>
-                          <a:ea typeface="+mn-ea"/>
-                          <a:cs typeface="Arial" panose="020B0604020202020204" pitchFamily="34" charset="0"/>
-                          <a:sym typeface="Wingdings" panose="05000000000000000000" pitchFamily="2" charset="2"/>
-                        </a:rPr>
-                        <a:t>=&gt; </a:t>
-                      </a:r>
-                      <a:r>
-                        <a:rPr lang="de-DE" sz="600" u="none" kern="1200" baseline="0" dirty="0" err="1" smtClean="0">
-                          <a:solidFill>
-                            <a:srgbClr val="C00000"/>
-                          </a:solidFill>
-                          <a:latin typeface="Arial" panose="020B0604020202020204" pitchFamily="34" charset="0"/>
-                          <a:ea typeface="+mn-ea"/>
-                          <a:cs typeface="Arial" panose="020B0604020202020204" pitchFamily="34" charset="0"/>
-                          <a:sym typeface="Wingdings" panose="05000000000000000000" pitchFamily="2" charset="2"/>
-                        </a:rPr>
-                        <a:t>date</a:t>
-                      </a:r>
-                      <a:r>
-                        <a:rPr lang="de-DE" sz="600" u="none" kern="1200" baseline="0" dirty="0" smtClean="0">
+                        <a:rPr lang="de-DE" sz="600" u="none" kern="1200" baseline="0" dirty="0">
                           <a:solidFill>
                             <a:srgbClr val="C00000"/>
                           </a:solidFill>
@@ -10659,7 +10712,7 @@
                         <a:t>, </a:t>
                       </a:r>
                       <a:r>
-                        <a:rPr lang="de-DE" sz="600" u="none" baseline="0" dirty="0" smtClean="0">
+                        <a:rPr lang="de-DE" sz="600" u="none" baseline="0" dirty="0">
                           <a:solidFill>
                             <a:srgbClr val="00B0F0"/>
                           </a:solidFill>
@@ -10689,7 +10742,7 @@
                         <a:defRPr/>
                       </a:pPr>
                       <a:r>
-                        <a:rPr lang="de-DE" sz="1100" i="0" u="none" baseline="0" dirty="0" err="1" smtClean="0">
+                        <a:rPr lang="de-DE" sz="1100" i="0" u="none" baseline="0" dirty="0" err="1">
                           <a:latin typeface="Arial" panose="020B0604020202020204" pitchFamily="34" charset="0"/>
                           <a:cs typeface="Arial" panose="020B0604020202020204" pitchFamily="34" charset="0"/>
                           <a:sym typeface="Wingdings" panose="05000000000000000000" pitchFamily="2" charset="2"/>
@@ -10697,7 +10750,7 @@
                         <a:t>username</a:t>
                       </a:r>
                       <a:r>
-                        <a:rPr lang="de-DE" sz="600" u="none" kern="1200" baseline="0" dirty="0" smtClean="0">
+                        <a:rPr lang="de-DE" sz="600" u="none" kern="1200" baseline="0" dirty="0">
                           <a:solidFill>
                             <a:srgbClr val="C00000"/>
                           </a:solidFill>
@@ -10709,7 +10762,7 @@
                         <a:t>=&gt; </a:t>
                       </a:r>
                       <a:r>
-                        <a:rPr lang="de-DE" sz="600" u="none" kern="1200" baseline="0" dirty="0" err="1" smtClean="0">
+                        <a:rPr lang="de-DE" sz="600" u="none" kern="1200" baseline="0" dirty="0" err="1">
                           <a:solidFill>
                             <a:srgbClr val="C00000"/>
                           </a:solidFill>
@@ -10721,7 +10774,7 @@
                         <a:t>varchar</a:t>
                       </a:r>
                       <a:r>
-                        <a:rPr lang="de-DE" sz="600" u="none" kern="1200" baseline="0" dirty="0" smtClean="0">
+                        <a:rPr lang="de-DE" sz="600" u="none" kern="1200" baseline="0" dirty="0">
                           <a:solidFill>
                             <a:srgbClr val="C00000"/>
                           </a:solidFill>
@@ -10733,7 +10786,7 @@
                         <a:t>[255],</a:t>
                       </a:r>
                       <a:r>
-                        <a:rPr lang="de-DE" sz="600" u="none" baseline="0" dirty="0" smtClean="0">
+                        <a:rPr lang="de-DE" sz="600" u="none" baseline="0" dirty="0">
                           <a:solidFill>
                             <a:srgbClr val="00B0F0"/>
                           </a:solidFill>
@@ -10744,7 +10797,7 @@
                         <a:t> </a:t>
                       </a:r>
                       <a:r>
-                        <a:rPr lang="de-DE" sz="600" u="none" kern="1200" baseline="0" dirty="0" smtClean="0">
+                        <a:rPr lang="de-DE" sz="600" u="none" kern="1200" baseline="0" dirty="0">
                           <a:solidFill>
                             <a:srgbClr val="C00000"/>
                           </a:solidFill>
@@ -10756,7 +10809,7 @@
                         <a:t>, </a:t>
                       </a:r>
                       <a:r>
-                        <a:rPr lang="de-DE" sz="600" u="none" baseline="0" dirty="0" smtClean="0">
+                        <a:rPr lang="de-DE" sz="600" u="none" baseline="0" dirty="0">
                           <a:solidFill>
                             <a:srgbClr val="00B0F0"/>
                           </a:solidFill>
@@ -10766,7 +10819,7 @@
                         </a:rPr>
                         <a:t>kein Default-Wert</a:t>
                       </a:r>
-                      <a:endParaRPr lang="de-DE" sz="600" u="none" kern="1200" baseline="0" dirty="0" smtClean="0">
+                      <a:endParaRPr lang="de-DE" sz="600" u="none" kern="1200" baseline="0" dirty="0">
                         <a:solidFill>
                           <a:srgbClr val="C00000"/>
                         </a:solidFill>
@@ -10795,7 +10848,7 @@
                         <a:defRPr/>
                       </a:pPr>
                       <a:r>
-                        <a:rPr lang="de-DE" sz="1100" i="0" u="none" baseline="0" dirty="0" err="1" smtClean="0">
+                        <a:rPr lang="de-DE" sz="1100" i="0" u="none" baseline="0" dirty="0" err="1">
                           <a:latin typeface="Arial" panose="020B0604020202020204" pitchFamily="34" charset="0"/>
                           <a:cs typeface="Arial" panose="020B0604020202020204" pitchFamily="34" charset="0"/>
                           <a:sym typeface="Wingdings" panose="05000000000000000000" pitchFamily="2" charset="2"/>
@@ -10803,7 +10856,7 @@
                         <a:t>rolename</a:t>
                       </a:r>
                       <a:r>
-                        <a:rPr lang="de-DE" sz="600" u="none" kern="1200" baseline="0" dirty="0" smtClean="0">
+                        <a:rPr lang="de-DE" sz="600" u="none" kern="1200" baseline="0" dirty="0">
                           <a:solidFill>
                             <a:srgbClr val="C00000"/>
                           </a:solidFill>
@@ -10815,7 +10868,7 @@
                         <a:t>=&gt; </a:t>
                       </a:r>
                       <a:r>
-                        <a:rPr lang="de-DE" sz="600" u="none" kern="1200" baseline="0" dirty="0" err="1" smtClean="0">
+                        <a:rPr lang="de-DE" sz="600" u="none" kern="1200" baseline="0" dirty="0" err="1">
                           <a:solidFill>
                             <a:srgbClr val="C00000"/>
                           </a:solidFill>
@@ -10827,7 +10880,7 @@
                         <a:t>varchar</a:t>
                       </a:r>
                       <a:r>
-                        <a:rPr lang="de-DE" sz="600" u="none" kern="1200" baseline="0" dirty="0" smtClean="0">
+                        <a:rPr lang="de-DE" sz="600" u="none" kern="1200" baseline="0" dirty="0">
                           <a:solidFill>
                             <a:srgbClr val="C00000"/>
                           </a:solidFill>
@@ -10839,7 +10892,7 @@
                         <a:t>[255],</a:t>
                       </a:r>
                       <a:r>
-                        <a:rPr lang="de-DE" sz="600" u="none" baseline="0" dirty="0" smtClean="0">
+                        <a:rPr lang="de-DE" sz="600" u="none" baseline="0" dirty="0">
                           <a:solidFill>
                             <a:srgbClr val="00B0F0"/>
                           </a:solidFill>
@@ -10850,7 +10903,7 @@
                         <a:t> </a:t>
                       </a:r>
                       <a:r>
-                        <a:rPr lang="de-DE" sz="600" u="none" kern="1200" baseline="0" dirty="0" smtClean="0">
+                        <a:rPr lang="de-DE" sz="600" u="none" kern="1200" baseline="0" dirty="0">
                           <a:solidFill>
                             <a:srgbClr val="C00000"/>
                           </a:solidFill>
@@ -10862,7 +10915,7 @@
                         <a:t>, </a:t>
                       </a:r>
                       <a:r>
-                        <a:rPr lang="de-DE" sz="600" u="none" baseline="0" dirty="0" smtClean="0">
+                        <a:rPr lang="de-DE" sz="600" u="none" baseline="0" dirty="0">
                           <a:solidFill>
                             <a:srgbClr val="00B0F0"/>
                           </a:solidFill>
@@ -10872,7 +10925,7 @@
                         </a:rPr>
                         <a:t>kein Default-Wert</a:t>
                       </a:r>
-                      <a:endParaRPr lang="de-DE" sz="600" u="none" kern="1200" baseline="0" dirty="0" smtClean="0">
+                      <a:endParaRPr lang="de-DE" sz="600" u="none" kern="1200" baseline="0" dirty="0">
                         <a:solidFill>
                           <a:srgbClr val="C00000"/>
                         </a:solidFill>
@@ -10901,7 +10954,7 @@
                         <a:defRPr/>
                       </a:pPr>
                       <a:r>
-                        <a:rPr lang="de-DE" sz="1100" i="0" u="none" baseline="0" dirty="0" err="1" smtClean="0">
+                        <a:rPr lang="de-DE" sz="1100" i="0" u="none" baseline="0" dirty="0" err="1">
                           <a:latin typeface="Arial" panose="020B0604020202020204" pitchFamily="34" charset="0"/>
                           <a:cs typeface="Arial" panose="020B0604020202020204" pitchFamily="34" charset="0"/>
                           <a:sym typeface="Wingdings" panose="05000000000000000000" pitchFamily="2" charset="2"/>
@@ -10909,7 +10962,7 @@
                         <a:t>description</a:t>
                       </a:r>
                       <a:r>
-                        <a:rPr lang="de-DE" sz="1100" u="none" baseline="0" dirty="0" smtClean="0">
+                        <a:rPr lang="de-DE" sz="1100" u="none" baseline="0" dirty="0">
                           <a:latin typeface="Arial" panose="020B0604020202020204" pitchFamily="34" charset="0"/>
                           <a:cs typeface="Arial" panose="020B0604020202020204" pitchFamily="34" charset="0"/>
                           <a:sym typeface="Wingdings" panose="05000000000000000000" pitchFamily="2" charset="2"/>
@@ -10917,7 +10970,7 @@
                         <a:t>  </a:t>
                       </a:r>
                       <a:r>
-                        <a:rPr lang="de-DE" sz="600" u="none" kern="1200" baseline="0" dirty="0" smtClean="0">
+                        <a:rPr lang="de-DE" sz="600" u="none" kern="1200" baseline="0" dirty="0">
                           <a:solidFill>
                             <a:srgbClr val="C00000"/>
                           </a:solidFill>
@@ -10929,7 +10982,7 @@
                         <a:t>=&gt; </a:t>
                       </a:r>
                       <a:r>
-                        <a:rPr lang="de-DE" sz="600" u="none" kern="1200" baseline="0" dirty="0" err="1" smtClean="0">
+                        <a:rPr lang="de-DE" sz="600" u="none" kern="1200" baseline="0" dirty="0" err="1">
                           <a:solidFill>
                             <a:srgbClr val="C00000"/>
                           </a:solidFill>
@@ -10941,7 +10994,7 @@
                         <a:t>text</a:t>
                       </a:r>
                       <a:r>
-                        <a:rPr lang="de-DE" sz="600" u="none" kern="1200" baseline="0" dirty="0" smtClean="0">
+                        <a:rPr lang="de-DE" sz="600" u="none" kern="1200" baseline="0" dirty="0">
                           <a:solidFill>
                             <a:srgbClr val="C00000"/>
                           </a:solidFill>
@@ -10953,7 +11006,7 @@
                         <a:t>, </a:t>
                       </a:r>
                       <a:r>
-                        <a:rPr lang="de-DE" sz="600" u="none" baseline="0" dirty="0" smtClean="0">
+                        <a:rPr lang="de-DE" sz="600" u="none" baseline="0" dirty="0">
                           <a:solidFill>
                             <a:srgbClr val="00B0F0"/>
                           </a:solidFill>
@@ -10963,7 +11016,7 @@
                         </a:rPr>
                         <a:t>kein Default-Wert</a:t>
                       </a:r>
-                      <a:endParaRPr lang="de-DE" sz="600" u="none" kern="1200" baseline="0" dirty="0" smtClean="0">
+                      <a:endParaRPr lang="de-DE" sz="600" u="none" kern="1200" baseline="0" dirty="0">
                         <a:solidFill>
                           <a:srgbClr val="C00000"/>
                         </a:solidFill>
@@ -10991,7 +11044,7 @@
                         <a:tabLst/>
                         <a:defRPr/>
                       </a:pPr>
-                      <a:endParaRPr lang="de-DE" sz="600" u="none" kern="1200" baseline="0" dirty="0" smtClean="0">
+                      <a:endParaRPr lang="de-DE" sz="600" u="none" kern="1200" baseline="0" dirty="0">
                         <a:solidFill>
                           <a:srgbClr val="C00000"/>
                         </a:solidFill>
@@ -11004,6 +11057,11 @@
                   </a:txBody>
                   <a:tcPr/>
                 </a:tc>
+                <a:extLst>
+                  <a:ext uri="{0D108BD9-81ED-4DB2-BD59-A6C34878D82A}">
+                    <a16:rowId xmlns:a16="http://schemas.microsoft.com/office/drawing/2014/main" val="10001"/>
+                  </a:ext>
+                </a:extLst>
               </a:tr>
             </a:tbl>
           </a:graphicData>
@@ -11143,8 +11201,8 @@
         </p:nvCxnSpPr>
         <p:spPr>
           <a:xfrm rot="5400000" flipH="1" flipV="1">
-            <a:off x="3812599" y="-67298"/>
-            <a:ext cx="366675" cy="6624736"/>
+            <a:off x="3835459" y="-44438"/>
+            <a:ext cx="320955" cy="6624736"/>
           </a:xfrm>
           <a:prstGeom prst="bentConnector2">
             <a:avLst/>
@@ -11278,18 +11336,13 @@
           <a:lstStyle/>
           <a:p>
             <a:r>
-              <a:rPr lang="de-DE" sz="800" dirty="0" smtClean="0">
+              <a:rPr lang="de-DE" sz="800" dirty="0">
                 <a:latin typeface="Arial" panose="020B0604020202020204" pitchFamily="34" charset="0"/>
                 <a:cs typeface="Arial" panose="020B0604020202020204" pitchFamily="34" charset="0"/>
                 <a:sym typeface="Wingdings" panose="05000000000000000000" pitchFamily="2" charset="2"/>
               </a:rPr>
-              <a:t>Bekommt Informationen (keine direkte Verknüpfung)</a:t>
+              <a:t>bekommt Informationen (keine direkte Verknüpfung über FS)</a:t>
             </a:r>
-            <a:endParaRPr lang="de-DE" sz="800" dirty="0">
-              <a:latin typeface="Arial" panose="020B0604020202020204" pitchFamily="34" charset="0"/>
-              <a:cs typeface="Arial" panose="020B0604020202020204" pitchFamily="34" charset="0"/>
-              <a:sym typeface="Wingdings" panose="05000000000000000000" pitchFamily="2" charset="2"/>
-            </a:endParaRPr>
           </a:p>
         </p:txBody>
       </p:sp>
@@ -11485,7 +11538,7 @@
                 <a:gridCol w="1414878">
                   <a:extLst>
                     <a:ext uri="{9D8B030D-6E8A-4147-A177-3AD203B41FA5}">
-                      <a16:colId xmlns:a16="http://schemas.microsoft.com/office/drawing/2014/main" xmlns="" val="20000"/>
+                      <a16:colId xmlns:a16="http://schemas.microsoft.com/office/drawing/2014/main" val="20000"/>
                     </a:ext>
                   </a:extLst>
                 </a:gridCol>
@@ -11536,7 +11589,7 @@
                 </a:tc>
                 <a:extLst>
                   <a:ext uri="{0D108BD9-81ED-4DB2-BD59-A6C34878D82A}">
-                    <a16:rowId xmlns:a16="http://schemas.microsoft.com/office/drawing/2014/main" xmlns="" val="10000"/>
+                    <a16:rowId xmlns:a16="http://schemas.microsoft.com/office/drawing/2014/main" val="10000"/>
                   </a:ext>
                 </a:extLst>
               </a:tr>
@@ -11698,7 +11751,7 @@
                 </a:tc>
                 <a:extLst>
                   <a:ext uri="{0D108BD9-81ED-4DB2-BD59-A6C34878D82A}">
-                    <a16:rowId xmlns:a16="http://schemas.microsoft.com/office/drawing/2014/main" xmlns="" val="10001"/>
+                    <a16:rowId xmlns:a16="http://schemas.microsoft.com/office/drawing/2014/main" val="10001"/>
                   </a:ext>
                 </a:extLst>
               </a:tr>
@@ -11734,7 +11787,7 @@
                 <a:gridCol w="1594899">
                   <a:extLst>
                     <a:ext uri="{9D8B030D-6E8A-4147-A177-3AD203B41FA5}">
-                      <a16:colId xmlns:a16="http://schemas.microsoft.com/office/drawing/2014/main" xmlns="" val="20000"/>
+                      <a16:colId xmlns:a16="http://schemas.microsoft.com/office/drawing/2014/main" val="20000"/>
                     </a:ext>
                   </a:extLst>
                 </a:gridCol>
@@ -11778,7 +11831,7 @@
                 </a:tc>
                 <a:extLst>
                   <a:ext uri="{0D108BD9-81ED-4DB2-BD59-A6C34878D82A}">
-                    <a16:rowId xmlns:a16="http://schemas.microsoft.com/office/drawing/2014/main" xmlns="" val="10000"/>
+                    <a16:rowId xmlns:a16="http://schemas.microsoft.com/office/drawing/2014/main" val="10000"/>
                   </a:ext>
                 </a:extLst>
               </a:tr>
@@ -12209,7 +12262,7 @@
                 </a:tc>
                 <a:extLst>
                   <a:ext uri="{0D108BD9-81ED-4DB2-BD59-A6C34878D82A}">
-                    <a16:rowId xmlns:a16="http://schemas.microsoft.com/office/drawing/2014/main" xmlns="" val="10001"/>
+                    <a16:rowId xmlns:a16="http://schemas.microsoft.com/office/drawing/2014/main" val="10001"/>
                   </a:ext>
                 </a:extLst>
               </a:tr>
@@ -12245,7 +12298,7 @@
                 <a:gridCol w="1944216">
                   <a:extLst>
                     <a:ext uri="{9D8B030D-6E8A-4147-A177-3AD203B41FA5}">
-                      <a16:colId xmlns:a16="http://schemas.microsoft.com/office/drawing/2014/main" xmlns="" val="20000"/>
+                      <a16:colId xmlns:a16="http://schemas.microsoft.com/office/drawing/2014/main" val="20000"/>
                     </a:ext>
                   </a:extLst>
                 </a:gridCol>
@@ -12289,7 +12342,7 @@
                 </a:tc>
                 <a:extLst>
                   <a:ext uri="{0D108BD9-81ED-4DB2-BD59-A6C34878D82A}">
-                    <a16:rowId xmlns:a16="http://schemas.microsoft.com/office/drawing/2014/main" xmlns="" val="10000"/>
+                    <a16:rowId xmlns:a16="http://schemas.microsoft.com/office/drawing/2014/main" val="10000"/>
                   </a:ext>
                 </a:extLst>
               </a:tr>
@@ -13132,7 +13185,7 @@
                 </a:tc>
                 <a:extLst>
                   <a:ext uri="{0D108BD9-81ED-4DB2-BD59-A6C34878D82A}">
-                    <a16:rowId xmlns:a16="http://schemas.microsoft.com/office/drawing/2014/main" xmlns="" val="10001"/>
+                    <a16:rowId xmlns:a16="http://schemas.microsoft.com/office/drawing/2014/main" val="10001"/>
                   </a:ext>
                 </a:extLst>
               </a:tr>
@@ -13168,7 +13221,7 @@
                 <a:gridCol w="2339752">
                   <a:extLst>
                     <a:ext uri="{9D8B030D-6E8A-4147-A177-3AD203B41FA5}">
-                      <a16:colId xmlns:a16="http://schemas.microsoft.com/office/drawing/2014/main" xmlns="" val="20000"/>
+                      <a16:colId xmlns:a16="http://schemas.microsoft.com/office/drawing/2014/main" val="20000"/>
                     </a:ext>
                   </a:extLst>
                 </a:gridCol>
@@ -13219,7 +13272,7 @@
                 </a:tc>
                 <a:extLst>
                   <a:ext uri="{0D108BD9-81ED-4DB2-BD59-A6C34878D82A}">
-                    <a16:rowId xmlns:a16="http://schemas.microsoft.com/office/drawing/2014/main" xmlns="" val="10000"/>
+                    <a16:rowId xmlns:a16="http://schemas.microsoft.com/office/drawing/2014/main" val="10000"/>
                   </a:ext>
                 </a:extLst>
               </a:tr>
@@ -13915,7 +13968,7 @@
                 </a:tc>
                 <a:extLst>
                   <a:ext uri="{0D108BD9-81ED-4DB2-BD59-A6C34878D82A}">
-                    <a16:rowId xmlns:a16="http://schemas.microsoft.com/office/drawing/2014/main" xmlns="" val="10001"/>
+                    <a16:rowId xmlns:a16="http://schemas.microsoft.com/office/drawing/2014/main" val="10001"/>
                   </a:ext>
                 </a:extLst>
               </a:tr>
@@ -13951,7 +14004,7 @@
                 <a:gridCol w="1800200">
                   <a:extLst>
                     <a:ext uri="{9D8B030D-6E8A-4147-A177-3AD203B41FA5}">
-                      <a16:colId xmlns:a16="http://schemas.microsoft.com/office/drawing/2014/main" xmlns="" val="20000"/>
+                      <a16:colId xmlns:a16="http://schemas.microsoft.com/office/drawing/2014/main" val="20000"/>
                     </a:ext>
                   </a:extLst>
                 </a:gridCol>
@@ -14002,7 +14055,7 @@
                 </a:tc>
                 <a:extLst>
                   <a:ext uri="{0D108BD9-81ED-4DB2-BD59-A6C34878D82A}">
-                    <a16:rowId xmlns:a16="http://schemas.microsoft.com/office/drawing/2014/main" xmlns="" val="10000"/>
+                    <a16:rowId xmlns:a16="http://schemas.microsoft.com/office/drawing/2014/main" val="10000"/>
                   </a:ext>
                 </a:extLst>
               </a:tr>
@@ -14659,7 +14712,7 @@
                 </a:tc>
                 <a:extLst>
                   <a:ext uri="{0D108BD9-81ED-4DB2-BD59-A6C34878D82A}">
-                    <a16:rowId xmlns:a16="http://schemas.microsoft.com/office/drawing/2014/main" xmlns="" val="10001"/>
+                    <a16:rowId xmlns:a16="http://schemas.microsoft.com/office/drawing/2014/main" val="10001"/>
                   </a:ext>
                 </a:extLst>
               </a:tr>
@@ -14695,7 +14748,7 @@
                 <a:gridCol w="1334243">
                   <a:extLst>
                     <a:ext uri="{9D8B030D-6E8A-4147-A177-3AD203B41FA5}">
-                      <a16:colId xmlns:a16="http://schemas.microsoft.com/office/drawing/2014/main" xmlns="" val="20000"/>
+                      <a16:colId xmlns:a16="http://schemas.microsoft.com/office/drawing/2014/main" val="20000"/>
                     </a:ext>
                   </a:extLst>
                 </a:gridCol>
@@ -14739,7 +14792,7 @@
                 </a:tc>
                 <a:extLst>
                   <a:ext uri="{0D108BD9-81ED-4DB2-BD59-A6C34878D82A}">
-                    <a16:rowId xmlns:a16="http://schemas.microsoft.com/office/drawing/2014/main" xmlns="" val="10000"/>
+                    <a16:rowId xmlns:a16="http://schemas.microsoft.com/office/drawing/2014/main" val="10000"/>
                   </a:ext>
                 </a:extLst>
               </a:tr>
@@ -15009,7 +15062,7 @@
                 </a:tc>
                 <a:extLst>
                   <a:ext uri="{0D108BD9-81ED-4DB2-BD59-A6C34878D82A}">
-                    <a16:rowId xmlns:a16="http://schemas.microsoft.com/office/drawing/2014/main" xmlns="" val="10001"/>
+                    <a16:rowId xmlns:a16="http://schemas.microsoft.com/office/drawing/2014/main" val="10001"/>
                   </a:ext>
                 </a:extLst>
               </a:tr>
@@ -15045,7 +15098,7 @@
                 <a:gridCol w="1296144">
                   <a:extLst>
                     <a:ext uri="{9D8B030D-6E8A-4147-A177-3AD203B41FA5}">
-                      <a16:colId xmlns:a16="http://schemas.microsoft.com/office/drawing/2014/main" xmlns="" val="20000"/>
+                      <a16:colId xmlns:a16="http://schemas.microsoft.com/office/drawing/2014/main" val="20000"/>
                     </a:ext>
                   </a:extLst>
                 </a:gridCol>
@@ -15089,7 +15142,7 @@
                 </a:tc>
                 <a:extLst>
                   <a:ext uri="{0D108BD9-81ED-4DB2-BD59-A6C34878D82A}">
-                    <a16:rowId xmlns:a16="http://schemas.microsoft.com/office/drawing/2014/main" xmlns="" val="10000"/>
+                    <a16:rowId xmlns:a16="http://schemas.microsoft.com/office/drawing/2014/main" val="10000"/>
                   </a:ext>
                 </a:extLst>
               </a:tr>
@@ -15367,7 +15420,7 @@
                 </a:tc>
                 <a:extLst>
                   <a:ext uri="{0D108BD9-81ED-4DB2-BD59-A6C34878D82A}">
-                    <a16:rowId xmlns:a16="http://schemas.microsoft.com/office/drawing/2014/main" xmlns="" val="10001"/>
+                    <a16:rowId xmlns:a16="http://schemas.microsoft.com/office/drawing/2014/main" val="10001"/>
                   </a:ext>
                 </a:extLst>
               </a:tr>
@@ -15403,7 +15456,7 @@
                 <a:gridCol w="2057396">
                   <a:extLst>
                     <a:ext uri="{9D8B030D-6E8A-4147-A177-3AD203B41FA5}">
-                      <a16:colId xmlns:a16="http://schemas.microsoft.com/office/drawing/2014/main" xmlns="" val="20000"/>
+                      <a16:colId xmlns:a16="http://schemas.microsoft.com/office/drawing/2014/main" val="20000"/>
                     </a:ext>
                   </a:extLst>
                 </a:gridCol>
@@ -15454,7 +15507,7 @@
                 </a:tc>
                 <a:extLst>
                   <a:ext uri="{0D108BD9-81ED-4DB2-BD59-A6C34878D82A}">
-                    <a16:rowId xmlns:a16="http://schemas.microsoft.com/office/drawing/2014/main" xmlns="" val="10000"/>
+                    <a16:rowId xmlns:a16="http://schemas.microsoft.com/office/drawing/2014/main" val="10000"/>
                   </a:ext>
                 </a:extLst>
               </a:tr>
@@ -15669,7 +15722,7 @@
                 </a:tc>
                 <a:extLst>
                   <a:ext uri="{0D108BD9-81ED-4DB2-BD59-A6C34878D82A}">
-                    <a16:rowId xmlns:a16="http://schemas.microsoft.com/office/drawing/2014/main" xmlns="" val="10001"/>
+                    <a16:rowId xmlns:a16="http://schemas.microsoft.com/office/drawing/2014/main" val="10001"/>
                   </a:ext>
                 </a:extLst>
               </a:tr>
@@ -15705,7 +15758,7 @@
                 <a:gridCol w="1440160">
                   <a:extLst>
                     <a:ext uri="{9D8B030D-6E8A-4147-A177-3AD203B41FA5}">
-                      <a16:colId xmlns:a16="http://schemas.microsoft.com/office/drawing/2014/main" xmlns="" val="20000"/>
+                      <a16:colId xmlns:a16="http://schemas.microsoft.com/office/drawing/2014/main" val="20000"/>
                     </a:ext>
                   </a:extLst>
                 </a:gridCol>
@@ -15756,7 +15809,7 @@
                 </a:tc>
                 <a:extLst>
                   <a:ext uri="{0D108BD9-81ED-4DB2-BD59-A6C34878D82A}">
-                    <a16:rowId xmlns:a16="http://schemas.microsoft.com/office/drawing/2014/main" xmlns="" val="10000"/>
+                    <a16:rowId xmlns:a16="http://schemas.microsoft.com/office/drawing/2014/main" val="10000"/>
                   </a:ext>
                 </a:extLst>
               </a:tr>
@@ -15971,7 +16024,7 @@
                 </a:tc>
                 <a:extLst>
                   <a:ext uri="{0D108BD9-81ED-4DB2-BD59-A6C34878D82A}">
-                    <a16:rowId xmlns:a16="http://schemas.microsoft.com/office/drawing/2014/main" xmlns="" val="10001"/>
+                    <a16:rowId xmlns:a16="http://schemas.microsoft.com/office/drawing/2014/main" val="10001"/>
                   </a:ext>
                 </a:extLst>
               </a:tr>
@@ -16007,7 +16060,7 @@
                 <a:gridCol w="1793850">
                   <a:extLst>
                     <a:ext uri="{9D8B030D-6E8A-4147-A177-3AD203B41FA5}">
-                      <a16:colId xmlns:a16="http://schemas.microsoft.com/office/drawing/2014/main" xmlns="" val="20000"/>
+                      <a16:colId xmlns:a16="http://schemas.microsoft.com/office/drawing/2014/main" val="20000"/>
                     </a:ext>
                   </a:extLst>
                 </a:gridCol>
@@ -16058,7 +16111,7 @@
                 </a:tc>
                 <a:extLst>
                   <a:ext uri="{0D108BD9-81ED-4DB2-BD59-A6C34878D82A}">
-                    <a16:rowId xmlns:a16="http://schemas.microsoft.com/office/drawing/2014/main" xmlns="" val="10000"/>
+                    <a16:rowId xmlns:a16="http://schemas.microsoft.com/office/drawing/2014/main" val="10000"/>
                   </a:ext>
                 </a:extLst>
               </a:tr>
@@ -16369,7 +16422,7 @@
                 </a:tc>
                 <a:extLst>
                   <a:ext uri="{0D108BD9-81ED-4DB2-BD59-A6C34878D82A}">
-                    <a16:rowId xmlns:a16="http://schemas.microsoft.com/office/drawing/2014/main" xmlns="" val="10001"/>
+                    <a16:rowId xmlns:a16="http://schemas.microsoft.com/office/drawing/2014/main" val="10001"/>
                   </a:ext>
                 </a:extLst>
               </a:tr>
@@ -16992,7 +17045,7 @@
                 <a:gridCol w="1846926">
                   <a:extLst>
                     <a:ext uri="{9D8B030D-6E8A-4147-A177-3AD203B41FA5}">
-                      <a16:colId xmlns:a16="http://schemas.microsoft.com/office/drawing/2014/main" xmlns="" val="20000"/>
+                      <a16:colId xmlns:a16="http://schemas.microsoft.com/office/drawing/2014/main" val="20000"/>
                     </a:ext>
                   </a:extLst>
                 </a:gridCol>
@@ -17043,7 +17096,7 @@
                 </a:tc>
                 <a:extLst>
                   <a:ext uri="{0D108BD9-81ED-4DB2-BD59-A6C34878D82A}">
-                    <a16:rowId xmlns:a16="http://schemas.microsoft.com/office/drawing/2014/main" xmlns="" val="10000"/>
+                    <a16:rowId xmlns:a16="http://schemas.microsoft.com/office/drawing/2014/main" val="10000"/>
                   </a:ext>
                 </a:extLst>
               </a:tr>
@@ -17325,7 +17378,7 @@
                 </a:tc>
                 <a:extLst>
                   <a:ext uri="{0D108BD9-81ED-4DB2-BD59-A6C34878D82A}">
-                    <a16:rowId xmlns:a16="http://schemas.microsoft.com/office/drawing/2014/main" xmlns="" val="10001"/>
+                    <a16:rowId xmlns:a16="http://schemas.microsoft.com/office/drawing/2014/main" val="10001"/>
                   </a:ext>
                 </a:extLst>
               </a:tr>
@@ -17361,7 +17414,7 @@
                 <a:gridCol w="1224136">
                   <a:extLst>
                     <a:ext uri="{9D8B030D-6E8A-4147-A177-3AD203B41FA5}">
-                      <a16:colId xmlns:a16="http://schemas.microsoft.com/office/drawing/2014/main" xmlns="" val="20000"/>
+                      <a16:colId xmlns:a16="http://schemas.microsoft.com/office/drawing/2014/main" val="20000"/>
                     </a:ext>
                   </a:extLst>
                 </a:gridCol>
@@ -17405,7 +17458,7 @@
                 </a:tc>
                 <a:extLst>
                   <a:ext uri="{0D108BD9-81ED-4DB2-BD59-A6C34878D82A}">
-                    <a16:rowId xmlns:a16="http://schemas.microsoft.com/office/drawing/2014/main" xmlns="" val="10000"/>
+                    <a16:rowId xmlns:a16="http://schemas.microsoft.com/office/drawing/2014/main" val="10000"/>
                   </a:ext>
                 </a:extLst>
               </a:tr>
@@ -17638,7 +17691,7 @@
                 </a:tc>
                 <a:extLst>
                   <a:ext uri="{0D108BD9-81ED-4DB2-BD59-A6C34878D82A}">
-                    <a16:rowId xmlns:a16="http://schemas.microsoft.com/office/drawing/2014/main" xmlns="" val="10001"/>
+                    <a16:rowId xmlns:a16="http://schemas.microsoft.com/office/drawing/2014/main" val="10001"/>
                   </a:ext>
                 </a:extLst>
               </a:tr>
@@ -17802,7 +17855,7 @@
                 <a:gridCol w="1080120">
                   <a:extLst>
                     <a:ext uri="{9D8B030D-6E8A-4147-A177-3AD203B41FA5}">
-                      <a16:colId xmlns:a16="http://schemas.microsoft.com/office/drawing/2014/main" xmlns="" val="20000"/>
+                      <a16:colId xmlns:a16="http://schemas.microsoft.com/office/drawing/2014/main" val="20000"/>
                     </a:ext>
                   </a:extLst>
                 </a:gridCol>
@@ -17853,7 +17906,7 @@
                 </a:tc>
                 <a:extLst>
                   <a:ext uri="{0D108BD9-81ED-4DB2-BD59-A6C34878D82A}">
-                    <a16:rowId xmlns:a16="http://schemas.microsoft.com/office/drawing/2014/main" xmlns="" val="10000"/>
+                    <a16:rowId xmlns:a16="http://schemas.microsoft.com/office/drawing/2014/main" val="10000"/>
                   </a:ext>
                 </a:extLst>
               </a:tr>
@@ -17912,7 +17965,7 @@
                 </a:tc>
                 <a:extLst>
                   <a:ext uri="{0D108BD9-81ED-4DB2-BD59-A6C34878D82A}">
-                    <a16:rowId xmlns:a16="http://schemas.microsoft.com/office/drawing/2014/main" xmlns="" val="10001"/>
+                    <a16:rowId xmlns:a16="http://schemas.microsoft.com/office/drawing/2014/main" val="10001"/>
                   </a:ext>
                 </a:extLst>
               </a:tr>
@@ -17948,7 +18001,7 @@
                 <a:gridCol w="876053">
                   <a:extLst>
                     <a:ext uri="{9D8B030D-6E8A-4147-A177-3AD203B41FA5}">
-                      <a16:colId xmlns:a16="http://schemas.microsoft.com/office/drawing/2014/main" xmlns="" val="20000"/>
+                      <a16:colId xmlns:a16="http://schemas.microsoft.com/office/drawing/2014/main" val="20000"/>
                     </a:ext>
                   </a:extLst>
                 </a:gridCol>
@@ -17992,7 +18045,7 @@
                 </a:tc>
                 <a:extLst>
                   <a:ext uri="{0D108BD9-81ED-4DB2-BD59-A6C34878D82A}">
-                    <a16:rowId xmlns:a16="http://schemas.microsoft.com/office/drawing/2014/main" xmlns="" val="10000"/>
+                    <a16:rowId xmlns:a16="http://schemas.microsoft.com/office/drawing/2014/main" val="10000"/>
                   </a:ext>
                 </a:extLst>
               </a:tr>
@@ -18114,7 +18167,7 @@
                 </a:tc>
                 <a:extLst>
                   <a:ext uri="{0D108BD9-81ED-4DB2-BD59-A6C34878D82A}">
-                    <a16:rowId xmlns:a16="http://schemas.microsoft.com/office/drawing/2014/main" xmlns="" val="10001"/>
+                    <a16:rowId xmlns:a16="http://schemas.microsoft.com/office/drawing/2014/main" val="10001"/>
                   </a:ext>
                 </a:extLst>
               </a:tr>
@@ -18146,7 +18199,7 @@
                 <a:gridCol w="576064">
                   <a:extLst>
                     <a:ext uri="{9D8B030D-6E8A-4147-A177-3AD203B41FA5}">
-                      <a16:colId xmlns:a16="http://schemas.microsoft.com/office/drawing/2014/main" xmlns="" val="20000"/>
+                      <a16:colId xmlns:a16="http://schemas.microsoft.com/office/drawing/2014/main" val="20000"/>
                     </a:ext>
                   </a:extLst>
                 </a:gridCol>
@@ -18197,7 +18250,7 @@
                 </a:tc>
                 <a:extLst>
                   <a:ext uri="{0D108BD9-81ED-4DB2-BD59-A6C34878D82A}">
-                    <a16:rowId xmlns:a16="http://schemas.microsoft.com/office/drawing/2014/main" xmlns="" val="10000"/>
+                    <a16:rowId xmlns:a16="http://schemas.microsoft.com/office/drawing/2014/main" val="10000"/>
                   </a:ext>
                 </a:extLst>
               </a:tr>
@@ -18218,7 +18271,7 @@
                 </a:tc>
                 <a:extLst>
                   <a:ext uri="{0D108BD9-81ED-4DB2-BD59-A6C34878D82A}">
-                    <a16:rowId xmlns:a16="http://schemas.microsoft.com/office/drawing/2014/main" xmlns="" val="10001"/>
+                    <a16:rowId xmlns:a16="http://schemas.microsoft.com/office/drawing/2014/main" val="10001"/>
                   </a:ext>
                 </a:extLst>
               </a:tr>
@@ -18250,7 +18303,7 @@
                 <a:gridCol w="576064">
                   <a:extLst>
                     <a:ext uri="{9D8B030D-6E8A-4147-A177-3AD203B41FA5}">
-                      <a16:colId xmlns:a16="http://schemas.microsoft.com/office/drawing/2014/main" xmlns="" val="20000"/>
+                      <a16:colId xmlns:a16="http://schemas.microsoft.com/office/drawing/2014/main" val="20000"/>
                     </a:ext>
                   </a:extLst>
                 </a:gridCol>
@@ -18301,7 +18354,7 @@
                 </a:tc>
                 <a:extLst>
                   <a:ext uri="{0D108BD9-81ED-4DB2-BD59-A6C34878D82A}">
-                    <a16:rowId xmlns:a16="http://schemas.microsoft.com/office/drawing/2014/main" xmlns="" val="10000"/>
+                    <a16:rowId xmlns:a16="http://schemas.microsoft.com/office/drawing/2014/main" val="10000"/>
                   </a:ext>
                 </a:extLst>
               </a:tr>
@@ -18322,7 +18375,7 @@
                 </a:tc>
                 <a:extLst>
                   <a:ext uri="{0D108BD9-81ED-4DB2-BD59-A6C34878D82A}">
-                    <a16:rowId xmlns:a16="http://schemas.microsoft.com/office/drawing/2014/main" xmlns="" val="10001"/>
+                    <a16:rowId xmlns:a16="http://schemas.microsoft.com/office/drawing/2014/main" val="10001"/>
                   </a:ext>
                 </a:extLst>
               </a:tr>
@@ -18434,7 +18487,7 @@
                 <a:gridCol w="1224136">
                   <a:extLst>
                     <a:ext uri="{9D8B030D-6E8A-4147-A177-3AD203B41FA5}">
-                      <a16:colId xmlns:a16="http://schemas.microsoft.com/office/drawing/2014/main" xmlns="" val="20000"/>
+                      <a16:colId xmlns:a16="http://schemas.microsoft.com/office/drawing/2014/main" val="20000"/>
                     </a:ext>
                   </a:extLst>
                 </a:gridCol>
@@ -18478,7 +18531,7 @@
                 </a:tc>
                 <a:extLst>
                   <a:ext uri="{0D108BD9-81ED-4DB2-BD59-A6C34878D82A}">
-                    <a16:rowId xmlns:a16="http://schemas.microsoft.com/office/drawing/2014/main" xmlns="" val="10000"/>
+                    <a16:rowId xmlns:a16="http://schemas.microsoft.com/office/drawing/2014/main" val="10000"/>
                   </a:ext>
                 </a:extLst>
               </a:tr>
@@ -18808,7 +18861,7 @@
                 </a:tc>
                 <a:extLst>
                   <a:ext uri="{0D108BD9-81ED-4DB2-BD59-A6C34878D82A}">
-                    <a16:rowId xmlns:a16="http://schemas.microsoft.com/office/drawing/2014/main" xmlns="" val="10001"/>
+                    <a16:rowId xmlns:a16="http://schemas.microsoft.com/office/drawing/2014/main" val="10001"/>
                   </a:ext>
                 </a:extLst>
               </a:tr>
@@ -18844,7 +18897,7 @@
                 <a:gridCol w="1728192">
                   <a:extLst>
                     <a:ext uri="{9D8B030D-6E8A-4147-A177-3AD203B41FA5}">
-                      <a16:colId xmlns:a16="http://schemas.microsoft.com/office/drawing/2014/main" xmlns="" val="20000"/>
+                      <a16:colId xmlns:a16="http://schemas.microsoft.com/office/drawing/2014/main" val="20000"/>
                     </a:ext>
                   </a:extLst>
                 </a:gridCol>
@@ -18895,7 +18948,7 @@
                 </a:tc>
                 <a:extLst>
                   <a:ext uri="{0D108BD9-81ED-4DB2-BD59-A6C34878D82A}">
-                    <a16:rowId xmlns:a16="http://schemas.microsoft.com/office/drawing/2014/main" xmlns="" val="10000"/>
+                    <a16:rowId xmlns:a16="http://schemas.microsoft.com/office/drawing/2014/main" val="10000"/>
                   </a:ext>
                 </a:extLst>
               </a:tr>
@@ -19133,7 +19186,7 @@
                 </a:tc>
                 <a:extLst>
                   <a:ext uri="{0D108BD9-81ED-4DB2-BD59-A6C34878D82A}">
-                    <a16:rowId xmlns:a16="http://schemas.microsoft.com/office/drawing/2014/main" xmlns="" val="10001"/>
+                    <a16:rowId xmlns:a16="http://schemas.microsoft.com/office/drawing/2014/main" val="10001"/>
                   </a:ext>
                 </a:extLst>
               </a:tr>
@@ -19169,7 +19222,7 @@
                 <a:gridCol w="936104">
                   <a:extLst>
                     <a:ext uri="{9D8B030D-6E8A-4147-A177-3AD203B41FA5}">
-                      <a16:colId xmlns:a16="http://schemas.microsoft.com/office/drawing/2014/main" xmlns="" val="20000"/>
+                      <a16:colId xmlns:a16="http://schemas.microsoft.com/office/drawing/2014/main" val="20000"/>
                     </a:ext>
                   </a:extLst>
                 </a:gridCol>
@@ -19220,7 +19273,7 @@
                 </a:tc>
                 <a:extLst>
                   <a:ext uri="{0D108BD9-81ED-4DB2-BD59-A6C34878D82A}">
-                    <a16:rowId xmlns:a16="http://schemas.microsoft.com/office/drawing/2014/main" xmlns="" val="10000"/>
+                    <a16:rowId xmlns:a16="http://schemas.microsoft.com/office/drawing/2014/main" val="10000"/>
                   </a:ext>
                 </a:extLst>
               </a:tr>
@@ -19405,7 +19458,7 @@
                 </a:tc>
                 <a:extLst>
                   <a:ext uri="{0D108BD9-81ED-4DB2-BD59-A6C34878D82A}">
-                    <a16:rowId xmlns:a16="http://schemas.microsoft.com/office/drawing/2014/main" xmlns="" val="10001"/>
+                    <a16:rowId xmlns:a16="http://schemas.microsoft.com/office/drawing/2014/main" val="10001"/>
                   </a:ext>
                 </a:extLst>
               </a:tr>
@@ -19441,7 +19494,7 @@
                 <a:gridCol w="1334243">
                   <a:extLst>
                     <a:ext uri="{9D8B030D-6E8A-4147-A177-3AD203B41FA5}">
-                      <a16:colId xmlns:a16="http://schemas.microsoft.com/office/drawing/2014/main" xmlns="" val="20000"/>
+                      <a16:colId xmlns:a16="http://schemas.microsoft.com/office/drawing/2014/main" val="20000"/>
                     </a:ext>
                   </a:extLst>
                 </a:gridCol>
@@ -19485,7 +19538,7 @@
                 </a:tc>
                 <a:extLst>
                   <a:ext uri="{0D108BD9-81ED-4DB2-BD59-A6C34878D82A}">
-                    <a16:rowId xmlns:a16="http://schemas.microsoft.com/office/drawing/2014/main" xmlns="" val="10000"/>
+                    <a16:rowId xmlns:a16="http://schemas.microsoft.com/office/drawing/2014/main" val="10000"/>
                   </a:ext>
                 </a:extLst>
               </a:tr>
@@ -19593,7 +19646,7 @@
                 </a:tc>
                 <a:extLst>
                   <a:ext uri="{0D108BD9-81ED-4DB2-BD59-A6C34878D82A}">
-                    <a16:rowId xmlns:a16="http://schemas.microsoft.com/office/drawing/2014/main" xmlns="" val="10001"/>
+                    <a16:rowId xmlns:a16="http://schemas.microsoft.com/office/drawing/2014/main" val="10001"/>
                   </a:ext>
                 </a:extLst>
               </a:tr>
@@ -19629,7 +19682,7 @@
                 <a:gridCol w="1118219">
                   <a:extLst>
                     <a:ext uri="{9D8B030D-6E8A-4147-A177-3AD203B41FA5}">
-                      <a16:colId xmlns:a16="http://schemas.microsoft.com/office/drawing/2014/main" xmlns="" val="20000"/>
+                      <a16:colId xmlns:a16="http://schemas.microsoft.com/office/drawing/2014/main" val="20000"/>
                     </a:ext>
                   </a:extLst>
                 </a:gridCol>
@@ -19673,7 +19726,7 @@
                 </a:tc>
                 <a:extLst>
                   <a:ext uri="{0D108BD9-81ED-4DB2-BD59-A6C34878D82A}">
-                    <a16:rowId xmlns:a16="http://schemas.microsoft.com/office/drawing/2014/main" xmlns="" val="10000"/>
+                    <a16:rowId xmlns:a16="http://schemas.microsoft.com/office/drawing/2014/main" val="10000"/>
                   </a:ext>
                 </a:extLst>
               </a:tr>
@@ -19761,7 +19814,7 @@
                 </a:tc>
                 <a:extLst>
                   <a:ext uri="{0D108BD9-81ED-4DB2-BD59-A6C34878D82A}">
-                    <a16:rowId xmlns:a16="http://schemas.microsoft.com/office/drawing/2014/main" xmlns="" val="10001"/>
+                    <a16:rowId xmlns:a16="http://schemas.microsoft.com/office/drawing/2014/main" val="10001"/>
                   </a:ext>
                 </a:extLst>
               </a:tr>
@@ -19797,7 +19850,7 @@
                 <a:gridCol w="1121292">
                   <a:extLst>
                     <a:ext uri="{9D8B030D-6E8A-4147-A177-3AD203B41FA5}">
-                      <a16:colId xmlns:a16="http://schemas.microsoft.com/office/drawing/2014/main" xmlns="" val="20000"/>
+                      <a16:colId xmlns:a16="http://schemas.microsoft.com/office/drawing/2014/main" val="20000"/>
                     </a:ext>
                   </a:extLst>
                 </a:gridCol>
@@ -19848,7 +19901,7 @@
                 </a:tc>
                 <a:extLst>
                   <a:ext uri="{0D108BD9-81ED-4DB2-BD59-A6C34878D82A}">
-                    <a16:rowId xmlns:a16="http://schemas.microsoft.com/office/drawing/2014/main" xmlns="" val="10000"/>
+                    <a16:rowId xmlns:a16="http://schemas.microsoft.com/office/drawing/2014/main" val="10000"/>
                   </a:ext>
                 </a:extLst>
               </a:tr>
@@ -19972,7 +20025,7 @@
                 </a:tc>
                 <a:extLst>
                   <a:ext uri="{0D108BD9-81ED-4DB2-BD59-A6C34878D82A}">
-                    <a16:rowId xmlns:a16="http://schemas.microsoft.com/office/drawing/2014/main" xmlns="" val="10001"/>
+                    <a16:rowId xmlns:a16="http://schemas.microsoft.com/office/drawing/2014/main" val="10001"/>
                   </a:ext>
                 </a:extLst>
               </a:tr>
@@ -20008,7 +20061,7 @@
                 <a:gridCol w="1253851">
                   <a:extLst>
                     <a:ext uri="{9D8B030D-6E8A-4147-A177-3AD203B41FA5}">
-                      <a16:colId xmlns:a16="http://schemas.microsoft.com/office/drawing/2014/main" xmlns="" val="20000"/>
+                      <a16:colId xmlns:a16="http://schemas.microsoft.com/office/drawing/2014/main" val="20000"/>
                     </a:ext>
                   </a:extLst>
                 </a:gridCol>
@@ -20059,7 +20112,7 @@
                 </a:tc>
                 <a:extLst>
                   <a:ext uri="{0D108BD9-81ED-4DB2-BD59-A6C34878D82A}">
-                    <a16:rowId xmlns:a16="http://schemas.microsoft.com/office/drawing/2014/main" xmlns="" val="10000"/>
+                    <a16:rowId xmlns:a16="http://schemas.microsoft.com/office/drawing/2014/main" val="10000"/>
                   </a:ext>
                 </a:extLst>
               </a:tr>
@@ -20177,7 +20230,7 @@
                 </a:tc>
                 <a:extLst>
                   <a:ext uri="{0D108BD9-81ED-4DB2-BD59-A6C34878D82A}">
-                    <a16:rowId xmlns:a16="http://schemas.microsoft.com/office/drawing/2014/main" xmlns="" val="10001"/>
+                    <a16:rowId xmlns:a16="http://schemas.microsoft.com/office/drawing/2014/main" val="10001"/>
                   </a:ext>
                 </a:extLst>
               </a:tr>
@@ -20213,7 +20266,7 @@
                 <a:gridCol w="785738">
                   <a:extLst>
                     <a:ext uri="{9D8B030D-6E8A-4147-A177-3AD203B41FA5}">
-                      <a16:colId xmlns:a16="http://schemas.microsoft.com/office/drawing/2014/main" xmlns="" val="20000"/>
+                      <a16:colId xmlns:a16="http://schemas.microsoft.com/office/drawing/2014/main" val="20000"/>
                     </a:ext>
                   </a:extLst>
                 </a:gridCol>
@@ -20264,7 +20317,7 @@
                 </a:tc>
                 <a:extLst>
                   <a:ext uri="{0D108BD9-81ED-4DB2-BD59-A6C34878D82A}">
-                    <a16:rowId xmlns:a16="http://schemas.microsoft.com/office/drawing/2014/main" xmlns="" val="10000"/>
+                    <a16:rowId xmlns:a16="http://schemas.microsoft.com/office/drawing/2014/main" val="10000"/>
                   </a:ext>
                 </a:extLst>
               </a:tr>
@@ -20397,7 +20450,7 @@
                 </a:tc>
                 <a:extLst>
                   <a:ext uri="{0D108BD9-81ED-4DB2-BD59-A6C34878D82A}">
-                    <a16:rowId xmlns:a16="http://schemas.microsoft.com/office/drawing/2014/main" xmlns="" val="10001"/>
+                    <a16:rowId xmlns:a16="http://schemas.microsoft.com/office/drawing/2014/main" val="10001"/>
                   </a:ext>
                 </a:extLst>
               </a:tr>
@@ -20948,7 +21001,7 @@
                 <a:gridCol w="1656184">
                   <a:extLst>
                     <a:ext uri="{9D8B030D-6E8A-4147-A177-3AD203B41FA5}">
-                      <a16:colId xmlns:a16="http://schemas.microsoft.com/office/drawing/2014/main" xmlns="" val="20000"/>
+                      <a16:colId xmlns:a16="http://schemas.microsoft.com/office/drawing/2014/main" val="20000"/>
                     </a:ext>
                   </a:extLst>
                 </a:gridCol>
@@ -20999,7 +21052,7 @@
                 </a:tc>
                 <a:extLst>
                   <a:ext uri="{0D108BD9-81ED-4DB2-BD59-A6C34878D82A}">
-                    <a16:rowId xmlns:a16="http://schemas.microsoft.com/office/drawing/2014/main" xmlns="" val="10000"/>
+                    <a16:rowId xmlns:a16="http://schemas.microsoft.com/office/drawing/2014/main" val="10000"/>
                   </a:ext>
                 </a:extLst>
               </a:tr>
@@ -21080,7 +21133,7 @@
                 </a:tc>
                 <a:extLst>
                   <a:ext uri="{0D108BD9-81ED-4DB2-BD59-A6C34878D82A}">
-                    <a16:rowId xmlns:a16="http://schemas.microsoft.com/office/drawing/2014/main" xmlns="" val="10001"/>
+                    <a16:rowId xmlns:a16="http://schemas.microsoft.com/office/drawing/2014/main" val="10001"/>
                   </a:ext>
                 </a:extLst>
               </a:tr>
@@ -21116,7 +21169,7 @@
                 <a:gridCol w="1224136">
                   <a:extLst>
                     <a:ext uri="{9D8B030D-6E8A-4147-A177-3AD203B41FA5}">
-                      <a16:colId xmlns:a16="http://schemas.microsoft.com/office/drawing/2014/main" xmlns="" val="20000"/>
+                      <a16:colId xmlns:a16="http://schemas.microsoft.com/office/drawing/2014/main" val="20000"/>
                     </a:ext>
                   </a:extLst>
                 </a:gridCol>
@@ -21160,7 +21213,7 @@
                 </a:tc>
                 <a:extLst>
                   <a:ext uri="{0D108BD9-81ED-4DB2-BD59-A6C34878D82A}">
-                    <a16:rowId xmlns:a16="http://schemas.microsoft.com/office/drawing/2014/main" xmlns="" val="10000"/>
+                    <a16:rowId xmlns:a16="http://schemas.microsoft.com/office/drawing/2014/main" val="10000"/>
                   </a:ext>
                 </a:extLst>
               </a:tr>
@@ -21249,7 +21302,7 @@
                 </a:tc>
                 <a:extLst>
                   <a:ext uri="{0D108BD9-81ED-4DB2-BD59-A6C34878D82A}">
-                    <a16:rowId xmlns:a16="http://schemas.microsoft.com/office/drawing/2014/main" xmlns="" val="10001"/>
+                    <a16:rowId xmlns:a16="http://schemas.microsoft.com/office/drawing/2014/main" val="10001"/>
                   </a:ext>
                 </a:extLst>
               </a:tr>
@@ -21411,7 +21464,7 @@
                 <a:gridCol w="1414878">
                   <a:extLst>
                     <a:ext uri="{9D8B030D-6E8A-4147-A177-3AD203B41FA5}">
-                      <a16:colId xmlns:a16="http://schemas.microsoft.com/office/drawing/2014/main" xmlns="" val="20000"/>
+                      <a16:colId xmlns:a16="http://schemas.microsoft.com/office/drawing/2014/main" val="20000"/>
                     </a:ext>
                   </a:extLst>
                 </a:gridCol>
@@ -21462,7 +21515,7 @@
                 </a:tc>
                 <a:extLst>
                   <a:ext uri="{0D108BD9-81ED-4DB2-BD59-A6C34878D82A}">
-                    <a16:rowId xmlns:a16="http://schemas.microsoft.com/office/drawing/2014/main" xmlns="" val="10000"/>
+                    <a16:rowId xmlns:a16="http://schemas.microsoft.com/office/drawing/2014/main" val="10000"/>
                   </a:ext>
                 </a:extLst>
               </a:tr>
@@ -21624,7 +21677,7 @@
                 </a:tc>
                 <a:extLst>
                   <a:ext uri="{0D108BD9-81ED-4DB2-BD59-A6C34878D82A}">
-                    <a16:rowId xmlns:a16="http://schemas.microsoft.com/office/drawing/2014/main" xmlns="" val="10001"/>
+                    <a16:rowId xmlns:a16="http://schemas.microsoft.com/office/drawing/2014/main" val="10001"/>
                   </a:ext>
                 </a:extLst>
               </a:tr>
@@ -21656,7 +21709,7 @@
                 <a:gridCol w="1414878">
                   <a:extLst>
                     <a:ext uri="{9D8B030D-6E8A-4147-A177-3AD203B41FA5}">
-                      <a16:colId xmlns:a16="http://schemas.microsoft.com/office/drawing/2014/main" xmlns="" val="20000"/>
+                      <a16:colId xmlns:a16="http://schemas.microsoft.com/office/drawing/2014/main" val="20000"/>
                     </a:ext>
                   </a:extLst>
                 </a:gridCol>
@@ -21700,7 +21753,7 @@
                 </a:tc>
                 <a:extLst>
                   <a:ext uri="{0D108BD9-81ED-4DB2-BD59-A6C34878D82A}">
-                    <a16:rowId xmlns:a16="http://schemas.microsoft.com/office/drawing/2014/main" xmlns="" val="10000"/>
+                    <a16:rowId xmlns:a16="http://schemas.microsoft.com/office/drawing/2014/main" val="10000"/>
                   </a:ext>
                 </a:extLst>
               </a:tr>
@@ -22036,7 +22089,7 @@
                 </a:tc>
                 <a:extLst>
                   <a:ext uri="{0D108BD9-81ED-4DB2-BD59-A6C34878D82A}">
-                    <a16:rowId xmlns:a16="http://schemas.microsoft.com/office/drawing/2014/main" xmlns="" val="10001"/>
+                    <a16:rowId xmlns:a16="http://schemas.microsoft.com/office/drawing/2014/main" val="10001"/>
                   </a:ext>
                 </a:extLst>
               </a:tr>
@@ -22068,7 +22121,7 @@
                 <a:gridCol w="1944216">
                   <a:extLst>
                     <a:ext uri="{9D8B030D-6E8A-4147-A177-3AD203B41FA5}">
-                      <a16:colId xmlns:a16="http://schemas.microsoft.com/office/drawing/2014/main" xmlns="" val="20000"/>
+                      <a16:colId xmlns:a16="http://schemas.microsoft.com/office/drawing/2014/main" val="20000"/>
                     </a:ext>
                   </a:extLst>
                 </a:gridCol>
@@ -22112,7 +22165,7 @@
                 </a:tc>
                 <a:extLst>
                   <a:ext uri="{0D108BD9-81ED-4DB2-BD59-A6C34878D82A}">
-                    <a16:rowId xmlns:a16="http://schemas.microsoft.com/office/drawing/2014/main" xmlns="" val="10000"/>
+                    <a16:rowId xmlns:a16="http://schemas.microsoft.com/office/drawing/2014/main" val="10000"/>
                   </a:ext>
                 </a:extLst>
               </a:tr>
@@ -22950,7 +23003,7 @@
                 </a:tc>
                 <a:extLst>
                   <a:ext uri="{0D108BD9-81ED-4DB2-BD59-A6C34878D82A}">
-                    <a16:rowId xmlns:a16="http://schemas.microsoft.com/office/drawing/2014/main" xmlns="" val="10001"/>
+                    <a16:rowId xmlns:a16="http://schemas.microsoft.com/office/drawing/2014/main" val="10001"/>
                   </a:ext>
                 </a:extLst>
               </a:tr>
@@ -22982,7 +23035,7 @@
                 <a:gridCol w="2339752">
                   <a:extLst>
                     <a:ext uri="{9D8B030D-6E8A-4147-A177-3AD203B41FA5}">
-                      <a16:colId xmlns:a16="http://schemas.microsoft.com/office/drawing/2014/main" xmlns="" val="20000"/>
+                      <a16:colId xmlns:a16="http://schemas.microsoft.com/office/drawing/2014/main" val="20000"/>
                     </a:ext>
                   </a:extLst>
                 </a:gridCol>
@@ -23033,7 +23086,7 @@
                 </a:tc>
                 <a:extLst>
                   <a:ext uri="{0D108BD9-81ED-4DB2-BD59-A6C34878D82A}">
-                    <a16:rowId xmlns:a16="http://schemas.microsoft.com/office/drawing/2014/main" xmlns="" val="10000"/>
+                    <a16:rowId xmlns:a16="http://schemas.microsoft.com/office/drawing/2014/main" val="10000"/>
                   </a:ext>
                 </a:extLst>
               </a:tr>
@@ -23797,7 +23850,7 @@
                 </a:tc>
                 <a:extLst>
                   <a:ext uri="{0D108BD9-81ED-4DB2-BD59-A6C34878D82A}">
-                    <a16:rowId xmlns:a16="http://schemas.microsoft.com/office/drawing/2014/main" xmlns="" val="10001"/>
+                    <a16:rowId xmlns:a16="http://schemas.microsoft.com/office/drawing/2014/main" val="10001"/>
                   </a:ext>
                 </a:extLst>
               </a:tr>
@@ -23829,7 +23882,7 @@
                 <a:gridCol w="1800200">
                   <a:extLst>
                     <a:ext uri="{9D8B030D-6E8A-4147-A177-3AD203B41FA5}">
-                      <a16:colId xmlns:a16="http://schemas.microsoft.com/office/drawing/2014/main" xmlns="" val="20000"/>
+                      <a16:colId xmlns:a16="http://schemas.microsoft.com/office/drawing/2014/main" val="20000"/>
                     </a:ext>
                   </a:extLst>
                 </a:gridCol>
@@ -23880,7 +23933,7 @@
                 </a:tc>
                 <a:extLst>
                   <a:ext uri="{0D108BD9-81ED-4DB2-BD59-A6C34878D82A}">
-                    <a16:rowId xmlns:a16="http://schemas.microsoft.com/office/drawing/2014/main" xmlns="" val="10000"/>
+                    <a16:rowId xmlns:a16="http://schemas.microsoft.com/office/drawing/2014/main" val="10000"/>
                   </a:ext>
                 </a:extLst>
               </a:tr>
@@ -24446,7 +24499,7 @@
                 </a:tc>
                 <a:extLst>
                   <a:ext uri="{0D108BD9-81ED-4DB2-BD59-A6C34878D82A}">
-                    <a16:rowId xmlns:a16="http://schemas.microsoft.com/office/drawing/2014/main" xmlns="" val="10001"/>
+                    <a16:rowId xmlns:a16="http://schemas.microsoft.com/office/drawing/2014/main" val="10001"/>
                   </a:ext>
                 </a:extLst>
               </a:tr>
@@ -24478,7 +24531,7 @@
                 <a:gridCol w="1334243">
                   <a:extLst>
                     <a:ext uri="{9D8B030D-6E8A-4147-A177-3AD203B41FA5}">
-                      <a16:colId xmlns:a16="http://schemas.microsoft.com/office/drawing/2014/main" xmlns="" val="20000"/>
+                      <a16:colId xmlns:a16="http://schemas.microsoft.com/office/drawing/2014/main" val="20000"/>
                     </a:ext>
                   </a:extLst>
                 </a:gridCol>
@@ -24522,7 +24575,7 @@
                 </a:tc>
                 <a:extLst>
                   <a:ext uri="{0D108BD9-81ED-4DB2-BD59-A6C34878D82A}">
-                    <a16:rowId xmlns:a16="http://schemas.microsoft.com/office/drawing/2014/main" xmlns="" val="10000"/>
+                    <a16:rowId xmlns:a16="http://schemas.microsoft.com/office/drawing/2014/main" val="10000"/>
                   </a:ext>
                 </a:extLst>
               </a:tr>
@@ -24792,7 +24845,7 @@
                 </a:tc>
                 <a:extLst>
                   <a:ext uri="{0D108BD9-81ED-4DB2-BD59-A6C34878D82A}">
-                    <a16:rowId xmlns:a16="http://schemas.microsoft.com/office/drawing/2014/main" xmlns="" val="10001"/>
+                    <a16:rowId xmlns:a16="http://schemas.microsoft.com/office/drawing/2014/main" val="10001"/>
                   </a:ext>
                 </a:extLst>
               </a:tr>
@@ -24824,7 +24877,7 @@
                 <a:gridCol w="1296144">
                   <a:extLst>
                     <a:ext uri="{9D8B030D-6E8A-4147-A177-3AD203B41FA5}">
-                      <a16:colId xmlns:a16="http://schemas.microsoft.com/office/drawing/2014/main" xmlns="" val="20000"/>
+                      <a16:colId xmlns:a16="http://schemas.microsoft.com/office/drawing/2014/main" val="20000"/>
                     </a:ext>
                   </a:extLst>
                 </a:gridCol>
@@ -24868,7 +24921,7 @@
                 </a:tc>
                 <a:extLst>
                   <a:ext uri="{0D108BD9-81ED-4DB2-BD59-A6C34878D82A}">
-                    <a16:rowId xmlns:a16="http://schemas.microsoft.com/office/drawing/2014/main" xmlns="" val="10000"/>
+                    <a16:rowId xmlns:a16="http://schemas.microsoft.com/office/drawing/2014/main" val="10000"/>
                   </a:ext>
                 </a:extLst>
               </a:tr>
@@ -25146,7 +25199,7 @@
                 </a:tc>
                 <a:extLst>
                   <a:ext uri="{0D108BD9-81ED-4DB2-BD59-A6C34878D82A}">
-                    <a16:rowId xmlns:a16="http://schemas.microsoft.com/office/drawing/2014/main" xmlns="" val="10001"/>
+                    <a16:rowId xmlns:a16="http://schemas.microsoft.com/office/drawing/2014/main" val="10001"/>
                   </a:ext>
                 </a:extLst>
               </a:tr>
@@ -25178,7 +25231,7 @@
                 <a:gridCol w="2057396">
                   <a:extLst>
                     <a:ext uri="{9D8B030D-6E8A-4147-A177-3AD203B41FA5}">
-                      <a16:colId xmlns:a16="http://schemas.microsoft.com/office/drawing/2014/main" xmlns="" val="20000"/>
+                      <a16:colId xmlns:a16="http://schemas.microsoft.com/office/drawing/2014/main" val="20000"/>
                     </a:ext>
                   </a:extLst>
                 </a:gridCol>
@@ -25229,7 +25282,7 @@
                 </a:tc>
                 <a:extLst>
                   <a:ext uri="{0D108BD9-81ED-4DB2-BD59-A6C34878D82A}">
-                    <a16:rowId xmlns:a16="http://schemas.microsoft.com/office/drawing/2014/main" xmlns="" val="10000"/>
+                    <a16:rowId xmlns:a16="http://schemas.microsoft.com/office/drawing/2014/main" val="10000"/>
                   </a:ext>
                 </a:extLst>
               </a:tr>
@@ -25444,7 +25497,7 @@
                 </a:tc>
                 <a:extLst>
                   <a:ext uri="{0D108BD9-81ED-4DB2-BD59-A6C34878D82A}">
-                    <a16:rowId xmlns:a16="http://schemas.microsoft.com/office/drawing/2014/main" xmlns="" val="10001"/>
+                    <a16:rowId xmlns:a16="http://schemas.microsoft.com/office/drawing/2014/main" val="10001"/>
                   </a:ext>
                 </a:extLst>
               </a:tr>
@@ -25476,7 +25529,7 @@
                 <a:gridCol w="1440160">
                   <a:extLst>
                     <a:ext uri="{9D8B030D-6E8A-4147-A177-3AD203B41FA5}">
-                      <a16:colId xmlns:a16="http://schemas.microsoft.com/office/drawing/2014/main" xmlns="" val="20000"/>
+                      <a16:colId xmlns:a16="http://schemas.microsoft.com/office/drawing/2014/main" val="20000"/>
                     </a:ext>
                   </a:extLst>
                 </a:gridCol>
@@ -25527,7 +25580,7 @@
                 </a:tc>
                 <a:extLst>
                   <a:ext uri="{0D108BD9-81ED-4DB2-BD59-A6C34878D82A}">
-                    <a16:rowId xmlns:a16="http://schemas.microsoft.com/office/drawing/2014/main" xmlns="" val="10000"/>
+                    <a16:rowId xmlns:a16="http://schemas.microsoft.com/office/drawing/2014/main" val="10000"/>
                   </a:ext>
                 </a:extLst>
               </a:tr>
@@ -25742,7 +25795,7 @@
                 </a:tc>
                 <a:extLst>
                   <a:ext uri="{0D108BD9-81ED-4DB2-BD59-A6C34878D82A}">
-                    <a16:rowId xmlns:a16="http://schemas.microsoft.com/office/drawing/2014/main" xmlns="" val="10001"/>
+                    <a16:rowId xmlns:a16="http://schemas.microsoft.com/office/drawing/2014/main" val="10001"/>
                   </a:ext>
                 </a:extLst>
               </a:tr>
@@ -25774,7 +25827,7 @@
                 <a:gridCol w="1793850">
                   <a:extLst>
                     <a:ext uri="{9D8B030D-6E8A-4147-A177-3AD203B41FA5}">
-                      <a16:colId xmlns:a16="http://schemas.microsoft.com/office/drawing/2014/main" xmlns="" val="20000"/>
+                      <a16:colId xmlns:a16="http://schemas.microsoft.com/office/drawing/2014/main" val="20000"/>
                     </a:ext>
                   </a:extLst>
                 </a:gridCol>
@@ -25818,7 +25871,7 @@
                 </a:tc>
                 <a:extLst>
                   <a:ext uri="{0D108BD9-81ED-4DB2-BD59-A6C34878D82A}">
-                    <a16:rowId xmlns:a16="http://schemas.microsoft.com/office/drawing/2014/main" xmlns="" val="10000"/>
+                    <a16:rowId xmlns:a16="http://schemas.microsoft.com/office/drawing/2014/main" val="10000"/>
                   </a:ext>
                 </a:extLst>
               </a:tr>
@@ -26152,7 +26205,7 @@
                 </a:tc>
                 <a:extLst>
                   <a:ext uri="{0D108BD9-81ED-4DB2-BD59-A6C34878D82A}">
-                    <a16:rowId xmlns:a16="http://schemas.microsoft.com/office/drawing/2014/main" xmlns="" val="10001"/>
+                    <a16:rowId xmlns:a16="http://schemas.microsoft.com/office/drawing/2014/main" val="10001"/>
                   </a:ext>
                 </a:extLst>
               </a:tr>
@@ -26907,7 +26960,7 @@
                 <a:gridCol w="1080120">
                   <a:extLst>
                     <a:ext uri="{9D8B030D-6E8A-4147-A177-3AD203B41FA5}">
-                      <a16:colId xmlns:a16="http://schemas.microsoft.com/office/drawing/2014/main" xmlns="" val="20000"/>
+                      <a16:colId xmlns:a16="http://schemas.microsoft.com/office/drawing/2014/main" val="20000"/>
                     </a:ext>
                   </a:extLst>
                 </a:gridCol>
@@ -26958,7 +27011,7 @@
                 </a:tc>
                 <a:extLst>
                   <a:ext uri="{0D108BD9-81ED-4DB2-BD59-A6C34878D82A}">
-                    <a16:rowId xmlns:a16="http://schemas.microsoft.com/office/drawing/2014/main" xmlns="" val="10000"/>
+                    <a16:rowId xmlns:a16="http://schemas.microsoft.com/office/drawing/2014/main" val="10000"/>
                   </a:ext>
                 </a:extLst>
               </a:tr>
@@ -27017,7 +27070,7 @@
                 </a:tc>
                 <a:extLst>
                   <a:ext uri="{0D108BD9-81ED-4DB2-BD59-A6C34878D82A}">
-                    <a16:rowId xmlns:a16="http://schemas.microsoft.com/office/drawing/2014/main" xmlns="" val="10001"/>
+                    <a16:rowId xmlns:a16="http://schemas.microsoft.com/office/drawing/2014/main" val="10001"/>
                   </a:ext>
                 </a:extLst>
               </a:tr>
@@ -27049,7 +27102,7 @@
                 <a:gridCol w="792088">
                   <a:extLst>
                     <a:ext uri="{9D8B030D-6E8A-4147-A177-3AD203B41FA5}">
-                      <a16:colId xmlns:a16="http://schemas.microsoft.com/office/drawing/2014/main" xmlns="" val="20000"/>
+                      <a16:colId xmlns:a16="http://schemas.microsoft.com/office/drawing/2014/main" val="20000"/>
                     </a:ext>
                   </a:extLst>
                 </a:gridCol>
@@ -27093,7 +27146,7 @@
                 </a:tc>
                 <a:extLst>
                   <a:ext uri="{0D108BD9-81ED-4DB2-BD59-A6C34878D82A}">
-                    <a16:rowId xmlns:a16="http://schemas.microsoft.com/office/drawing/2014/main" xmlns="" val="10000"/>
+                    <a16:rowId xmlns:a16="http://schemas.microsoft.com/office/drawing/2014/main" val="10000"/>
                   </a:ext>
                 </a:extLst>
               </a:tr>
@@ -27196,7 +27249,7 @@
                 </a:tc>
                 <a:extLst>
                   <a:ext uri="{0D108BD9-81ED-4DB2-BD59-A6C34878D82A}">
-                    <a16:rowId xmlns:a16="http://schemas.microsoft.com/office/drawing/2014/main" xmlns="" val="10001"/>
+                    <a16:rowId xmlns:a16="http://schemas.microsoft.com/office/drawing/2014/main" val="10001"/>
                   </a:ext>
                 </a:extLst>
               </a:tr>
@@ -27228,7 +27281,7 @@
                 <a:gridCol w="576064">
                   <a:extLst>
                     <a:ext uri="{9D8B030D-6E8A-4147-A177-3AD203B41FA5}">
-                      <a16:colId xmlns:a16="http://schemas.microsoft.com/office/drawing/2014/main" xmlns="" val="20000"/>
+                      <a16:colId xmlns:a16="http://schemas.microsoft.com/office/drawing/2014/main" val="20000"/>
                     </a:ext>
                   </a:extLst>
                 </a:gridCol>
@@ -27279,7 +27332,7 @@
                 </a:tc>
                 <a:extLst>
                   <a:ext uri="{0D108BD9-81ED-4DB2-BD59-A6C34878D82A}">
-                    <a16:rowId xmlns:a16="http://schemas.microsoft.com/office/drawing/2014/main" xmlns="" val="10000"/>
+                    <a16:rowId xmlns:a16="http://schemas.microsoft.com/office/drawing/2014/main" val="10000"/>
                   </a:ext>
                 </a:extLst>
               </a:tr>
@@ -27300,7 +27353,7 @@
                 </a:tc>
                 <a:extLst>
                   <a:ext uri="{0D108BD9-81ED-4DB2-BD59-A6C34878D82A}">
-                    <a16:rowId xmlns:a16="http://schemas.microsoft.com/office/drawing/2014/main" xmlns="" val="10001"/>
+                    <a16:rowId xmlns:a16="http://schemas.microsoft.com/office/drawing/2014/main" val="10001"/>
                   </a:ext>
                 </a:extLst>
               </a:tr>
@@ -27332,7 +27385,7 @@
                 <a:gridCol w="576064">
                   <a:extLst>
                     <a:ext uri="{9D8B030D-6E8A-4147-A177-3AD203B41FA5}">
-                      <a16:colId xmlns:a16="http://schemas.microsoft.com/office/drawing/2014/main" xmlns="" val="20000"/>
+                      <a16:colId xmlns:a16="http://schemas.microsoft.com/office/drawing/2014/main" val="20000"/>
                     </a:ext>
                   </a:extLst>
                 </a:gridCol>
@@ -27383,7 +27436,7 @@
                 </a:tc>
                 <a:extLst>
                   <a:ext uri="{0D108BD9-81ED-4DB2-BD59-A6C34878D82A}">
-                    <a16:rowId xmlns:a16="http://schemas.microsoft.com/office/drawing/2014/main" xmlns="" val="10000"/>
+                    <a16:rowId xmlns:a16="http://schemas.microsoft.com/office/drawing/2014/main" val="10000"/>
                   </a:ext>
                 </a:extLst>
               </a:tr>
@@ -27404,7 +27457,7 @@
                 </a:tc>
                 <a:extLst>
                   <a:ext uri="{0D108BD9-81ED-4DB2-BD59-A6C34878D82A}">
-                    <a16:rowId xmlns:a16="http://schemas.microsoft.com/office/drawing/2014/main" xmlns="" val="10001"/>
+                    <a16:rowId xmlns:a16="http://schemas.microsoft.com/office/drawing/2014/main" val="10001"/>
                   </a:ext>
                 </a:extLst>
               </a:tr>
@@ -27512,7 +27565,7 @@
                 <a:gridCol w="1224136">
                   <a:extLst>
                     <a:ext uri="{9D8B030D-6E8A-4147-A177-3AD203B41FA5}">
-                      <a16:colId xmlns:a16="http://schemas.microsoft.com/office/drawing/2014/main" xmlns="" val="20000"/>
+                      <a16:colId xmlns:a16="http://schemas.microsoft.com/office/drawing/2014/main" val="20000"/>
                     </a:ext>
                   </a:extLst>
                 </a:gridCol>
@@ -27556,7 +27609,7 @@
                 </a:tc>
                 <a:extLst>
                   <a:ext uri="{0D108BD9-81ED-4DB2-BD59-A6C34878D82A}">
-                    <a16:rowId xmlns:a16="http://schemas.microsoft.com/office/drawing/2014/main" xmlns="" val="10000"/>
+                    <a16:rowId xmlns:a16="http://schemas.microsoft.com/office/drawing/2014/main" val="10000"/>
                   </a:ext>
                 </a:extLst>
               </a:tr>
@@ -27877,7 +27930,7 @@
                 </a:tc>
                 <a:extLst>
                   <a:ext uri="{0D108BD9-81ED-4DB2-BD59-A6C34878D82A}">
-                    <a16:rowId xmlns:a16="http://schemas.microsoft.com/office/drawing/2014/main" xmlns="" val="10001"/>
+                    <a16:rowId xmlns:a16="http://schemas.microsoft.com/office/drawing/2014/main" val="10001"/>
                   </a:ext>
                 </a:extLst>
               </a:tr>
@@ -27909,7 +27962,7 @@
                 <a:gridCol w="1728192">
                   <a:extLst>
                     <a:ext uri="{9D8B030D-6E8A-4147-A177-3AD203B41FA5}">
-                      <a16:colId xmlns:a16="http://schemas.microsoft.com/office/drawing/2014/main" xmlns="" val="20000"/>
+                      <a16:colId xmlns:a16="http://schemas.microsoft.com/office/drawing/2014/main" val="20000"/>
                     </a:ext>
                   </a:extLst>
                 </a:gridCol>
@@ -27960,7 +28013,7 @@
                 </a:tc>
                 <a:extLst>
                   <a:ext uri="{0D108BD9-81ED-4DB2-BD59-A6C34878D82A}">
-                    <a16:rowId xmlns:a16="http://schemas.microsoft.com/office/drawing/2014/main" xmlns="" val="10000"/>
+                    <a16:rowId xmlns:a16="http://schemas.microsoft.com/office/drawing/2014/main" val="10000"/>
                   </a:ext>
                 </a:extLst>
               </a:tr>
@@ -28217,7 +28270,7 @@
                 </a:tc>
                 <a:extLst>
                   <a:ext uri="{0D108BD9-81ED-4DB2-BD59-A6C34878D82A}">
-                    <a16:rowId xmlns:a16="http://schemas.microsoft.com/office/drawing/2014/main" xmlns="" val="10001"/>
+                    <a16:rowId xmlns:a16="http://schemas.microsoft.com/office/drawing/2014/main" val="10001"/>
                   </a:ext>
                 </a:extLst>
               </a:tr>
@@ -28249,7 +28302,7 @@
                 <a:gridCol w="936104">
                   <a:extLst>
                     <a:ext uri="{9D8B030D-6E8A-4147-A177-3AD203B41FA5}">
-                      <a16:colId xmlns:a16="http://schemas.microsoft.com/office/drawing/2014/main" xmlns="" val="20000"/>
+                      <a16:colId xmlns:a16="http://schemas.microsoft.com/office/drawing/2014/main" val="20000"/>
                     </a:ext>
                   </a:extLst>
                 </a:gridCol>
@@ -28300,7 +28353,7 @@
                 </a:tc>
                 <a:extLst>
                   <a:ext uri="{0D108BD9-81ED-4DB2-BD59-A6C34878D82A}">
-                    <a16:rowId xmlns:a16="http://schemas.microsoft.com/office/drawing/2014/main" xmlns="" val="10000"/>
+                    <a16:rowId xmlns:a16="http://schemas.microsoft.com/office/drawing/2014/main" val="10000"/>
                   </a:ext>
                 </a:extLst>
               </a:tr>
@@ -28465,7 +28518,7 @@
                 </a:tc>
                 <a:extLst>
                   <a:ext uri="{0D108BD9-81ED-4DB2-BD59-A6C34878D82A}">
-                    <a16:rowId xmlns:a16="http://schemas.microsoft.com/office/drawing/2014/main" xmlns="" val="10001"/>
+                    <a16:rowId xmlns:a16="http://schemas.microsoft.com/office/drawing/2014/main" val="10001"/>
                   </a:ext>
                 </a:extLst>
               </a:tr>
@@ -28497,7 +28550,7 @@
                 <a:gridCol w="1334243">
                   <a:extLst>
                     <a:ext uri="{9D8B030D-6E8A-4147-A177-3AD203B41FA5}">
-                      <a16:colId xmlns:a16="http://schemas.microsoft.com/office/drawing/2014/main" xmlns="" val="20000"/>
+                      <a16:colId xmlns:a16="http://schemas.microsoft.com/office/drawing/2014/main" val="20000"/>
                     </a:ext>
                   </a:extLst>
                 </a:gridCol>
@@ -28541,7 +28594,7 @@
                 </a:tc>
                 <a:extLst>
                   <a:ext uri="{0D108BD9-81ED-4DB2-BD59-A6C34878D82A}">
-                    <a16:rowId xmlns:a16="http://schemas.microsoft.com/office/drawing/2014/main" xmlns="" val="10000"/>
+                    <a16:rowId xmlns:a16="http://schemas.microsoft.com/office/drawing/2014/main" val="10000"/>
                   </a:ext>
                 </a:extLst>
               </a:tr>
@@ -28649,7 +28702,7 @@
                 </a:tc>
                 <a:extLst>
                   <a:ext uri="{0D108BD9-81ED-4DB2-BD59-A6C34878D82A}">
-                    <a16:rowId xmlns:a16="http://schemas.microsoft.com/office/drawing/2014/main" xmlns="" val="10001"/>
+                    <a16:rowId xmlns:a16="http://schemas.microsoft.com/office/drawing/2014/main" val="10001"/>
                   </a:ext>
                 </a:extLst>
               </a:tr>
@@ -28681,7 +28734,7 @@
                 <a:gridCol w="1118219">
                   <a:extLst>
                     <a:ext uri="{9D8B030D-6E8A-4147-A177-3AD203B41FA5}">
-                      <a16:colId xmlns:a16="http://schemas.microsoft.com/office/drawing/2014/main" xmlns="" val="20000"/>
+                      <a16:colId xmlns:a16="http://schemas.microsoft.com/office/drawing/2014/main" val="20000"/>
                     </a:ext>
                   </a:extLst>
                 </a:gridCol>
@@ -28725,7 +28778,7 @@
                 </a:tc>
                 <a:extLst>
                   <a:ext uri="{0D108BD9-81ED-4DB2-BD59-A6C34878D82A}">
-                    <a16:rowId xmlns:a16="http://schemas.microsoft.com/office/drawing/2014/main" xmlns="" val="10000"/>
+                    <a16:rowId xmlns:a16="http://schemas.microsoft.com/office/drawing/2014/main" val="10000"/>
                   </a:ext>
                 </a:extLst>
               </a:tr>
@@ -28813,7 +28866,7 @@
                 </a:tc>
                 <a:extLst>
                   <a:ext uri="{0D108BD9-81ED-4DB2-BD59-A6C34878D82A}">
-                    <a16:rowId xmlns:a16="http://schemas.microsoft.com/office/drawing/2014/main" xmlns="" val="10001"/>
+                    <a16:rowId xmlns:a16="http://schemas.microsoft.com/office/drawing/2014/main" val="10001"/>
                   </a:ext>
                 </a:extLst>
               </a:tr>
@@ -28845,7 +28898,7 @@
                 <a:gridCol w="1121292">
                   <a:extLst>
                     <a:ext uri="{9D8B030D-6E8A-4147-A177-3AD203B41FA5}">
-                      <a16:colId xmlns:a16="http://schemas.microsoft.com/office/drawing/2014/main" xmlns="" val="20000"/>
+                      <a16:colId xmlns:a16="http://schemas.microsoft.com/office/drawing/2014/main" val="20000"/>
                     </a:ext>
                   </a:extLst>
                 </a:gridCol>
@@ -28889,7 +28942,7 @@
                 </a:tc>
                 <a:extLst>
                   <a:ext uri="{0D108BD9-81ED-4DB2-BD59-A6C34878D82A}">
-                    <a16:rowId xmlns:a16="http://schemas.microsoft.com/office/drawing/2014/main" xmlns="" val="10000"/>
+                    <a16:rowId xmlns:a16="http://schemas.microsoft.com/office/drawing/2014/main" val="10000"/>
                   </a:ext>
                 </a:extLst>
               </a:tr>
@@ -29013,7 +29066,7 @@
                 </a:tc>
                 <a:extLst>
                   <a:ext uri="{0D108BD9-81ED-4DB2-BD59-A6C34878D82A}">
-                    <a16:rowId xmlns:a16="http://schemas.microsoft.com/office/drawing/2014/main" xmlns="" val="10001"/>
+                    <a16:rowId xmlns:a16="http://schemas.microsoft.com/office/drawing/2014/main" val="10001"/>
                   </a:ext>
                 </a:extLst>
               </a:tr>
@@ -29045,7 +29098,7 @@
                 <a:gridCol w="1253851">
                   <a:extLst>
                     <a:ext uri="{9D8B030D-6E8A-4147-A177-3AD203B41FA5}">
-                      <a16:colId xmlns:a16="http://schemas.microsoft.com/office/drawing/2014/main" xmlns="" val="20000"/>
+                      <a16:colId xmlns:a16="http://schemas.microsoft.com/office/drawing/2014/main" val="20000"/>
                     </a:ext>
                   </a:extLst>
                 </a:gridCol>
@@ -29089,7 +29142,7 @@
                 </a:tc>
                 <a:extLst>
                   <a:ext uri="{0D108BD9-81ED-4DB2-BD59-A6C34878D82A}">
-                    <a16:rowId xmlns:a16="http://schemas.microsoft.com/office/drawing/2014/main" xmlns="" val="10000"/>
+                    <a16:rowId xmlns:a16="http://schemas.microsoft.com/office/drawing/2014/main" val="10000"/>
                   </a:ext>
                 </a:extLst>
               </a:tr>
@@ -29207,7 +29260,7 @@
                 </a:tc>
                 <a:extLst>
                   <a:ext uri="{0D108BD9-81ED-4DB2-BD59-A6C34878D82A}">
-                    <a16:rowId xmlns:a16="http://schemas.microsoft.com/office/drawing/2014/main" xmlns="" val="10001"/>
+                    <a16:rowId xmlns:a16="http://schemas.microsoft.com/office/drawing/2014/main" val="10001"/>
                   </a:ext>
                 </a:extLst>
               </a:tr>
@@ -29239,7 +29292,7 @@
                 <a:gridCol w="785738">
                   <a:extLst>
                     <a:ext uri="{9D8B030D-6E8A-4147-A177-3AD203B41FA5}">
-                      <a16:colId xmlns:a16="http://schemas.microsoft.com/office/drawing/2014/main" xmlns="" val="20000"/>
+                      <a16:colId xmlns:a16="http://schemas.microsoft.com/office/drawing/2014/main" val="20000"/>
                     </a:ext>
                   </a:extLst>
                 </a:gridCol>
@@ -29283,7 +29336,7 @@
                 </a:tc>
                 <a:extLst>
                   <a:ext uri="{0D108BD9-81ED-4DB2-BD59-A6C34878D82A}">
-                    <a16:rowId xmlns:a16="http://schemas.microsoft.com/office/drawing/2014/main" xmlns="" val="10000"/>
+                    <a16:rowId xmlns:a16="http://schemas.microsoft.com/office/drawing/2014/main" val="10000"/>
                   </a:ext>
                 </a:extLst>
               </a:tr>
@@ -29416,7 +29469,7 @@
                 </a:tc>
                 <a:extLst>
                   <a:ext uri="{0D108BD9-81ED-4DB2-BD59-A6C34878D82A}">
-                    <a16:rowId xmlns:a16="http://schemas.microsoft.com/office/drawing/2014/main" xmlns="" val="10001"/>
+                    <a16:rowId xmlns:a16="http://schemas.microsoft.com/office/drawing/2014/main" val="10001"/>
                   </a:ext>
                 </a:extLst>
               </a:tr>
@@ -30105,7 +30158,7 @@
                 <a:gridCol w="1152128">
                   <a:extLst>
                     <a:ext uri="{9D8B030D-6E8A-4147-A177-3AD203B41FA5}">
-                      <a16:colId xmlns:a16="http://schemas.microsoft.com/office/drawing/2014/main" xmlns="" val="20000"/>
+                      <a16:colId xmlns:a16="http://schemas.microsoft.com/office/drawing/2014/main" val="20000"/>
                     </a:ext>
                   </a:extLst>
                 </a:gridCol>
@@ -30156,7 +30209,7 @@
                 </a:tc>
                 <a:extLst>
                   <a:ext uri="{0D108BD9-81ED-4DB2-BD59-A6C34878D82A}">
-                    <a16:rowId xmlns:a16="http://schemas.microsoft.com/office/drawing/2014/main" xmlns="" val="10000"/>
+                    <a16:rowId xmlns:a16="http://schemas.microsoft.com/office/drawing/2014/main" val="10000"/>
                   </a:ext>
                 </a:extLst>
               </a:tr>
@@ -30217,7 +30270,7 @@
                 </a:tc>
                 <a:extLst>
                   <a:ext uri="{0D108BD9-81ED-4DB2-BD59-A6C34878D82A}">
-                    <a16:rowId xmlns:a16="http://schemas.microsoft.com/office/drawing/2014/main" xmlns="" val="10001"/>
+                    <a16:rowId xmlns:a16="http://schemas.microsoft.com/office/drawing/2014/main" val="10001"/>
                   </a:ext>
                 </a:extLst>
               </a:tr>
@@ -30253,7 +30306,7 @@
                 <a:gridCol w="1126846">
                   <a:extLst>
                     <a:ext uri="{9D8B030D-6E8A-4147-A177-3AD203B41FA5}">
-                      <a16:colId xmlns:a16="http://schemas.microsoft.com/office/drawing/2014/main" xmlns="" val="20000"/>
+                      <a16:colId xmlns:a16="http://schemas.microsoft.com/office/drawing/2014/main" val="20000"/>
                     </a:ext>
                   </a:extLst>
                 </a:gridCol>
@@ -30297,7 +30350,7 @@
                 </a:tc>
                 <a:extLst>
                   <a:ext uri="{0D108BD9-81ED-4DB2-BD59-A6C34878D82A}">
-                    <a16:rowId xmlns:a16="http://schemas.microsoft.com/office/drawing/2014/main" xmlns="" val="10000"/>
+                    <a16:rowId xmlns:a16="http://schemas.microsoft.com/office/drawing/2014/main" val="10000"/>
                   </a:ext>
                 </a:extLst>
               </a:tr>
@@ -30351,7 +30404,7 @@
                 </a:tc>
                 <a:extLst>
                   <a:ext uri="{0D108BD9-81ED-4DB2-BD59-A6C34878D82A}">
-                    <a16:rowId xmlns:a16="http://schemas.microsoft.com/office/drawing/2014/main" xmlns="" val="10001"/>
+                    <a16:rowId xmlns:a16="http://schemas.microsoft.com/office/drawing/2014/main" val="10001"/>
                   </a:ext>
                 </a:extLst>
               </a:tr>
@@ -30387,7 +30440,7 @@
                 <a:gridCol w="1296144">
                   <a:extLst>
                     <a:ext uri="{9D8B030D-6E8A-4147-A177-3AD203B41FA5}">
-                      <a16:colId xmlns:a16="http://schemas.microsoft.com/office/drawing/2014/main" xmlns="" val="20000"/>
+                      <a16:colId xmlns:a16="http://schemas.microsoft.com/office/drawing/2014/main" val="20000"/>
                     </a:ext>
                   </a:extLst>
                 </a:gridCol>
@@ -30431,7 +30484,7 @@
                 </a:tc>
                 <a:extLst>
                   <a:ext uri="{0D108BD9-81ED-4DB2-BD59-A6C34878D82A}">
-                    <a16:rowId xmlns:a16="http://schemas.microsoft.com/office/drawing/2014/main" xmlns="" val="10000"/>
+                    <a16:rowId xmlns:a16="http://schemas.microsoft.com/office/drawing/2014/main" val="10000"/>
                   </a:ext>
                 </a:extLst>
               </a:tr>
@@ -30560,7 +30613,7 @@
                 </a:tc>
                 <a:extLst>
                   <a:ext uri="{0D108BD9-81ED-4DB2-BD59-A6C34878D82A}">
-                    <a16:rowId xmlns:a16="http://schemas.microsoft.com/office/drawing/2014/main" xmlns="" val="10001"/>
+                    <a16:rowId xmlns:a16="http://schemas.microsoft.com/office/drawing/2014/main" val="10001"/>
                   </a:ext>
                 </a:extLst>
               </a:tr>
@@ -30596,7 +30649,7 @@
                 <a:gridCol w="1800200">
                   <a:extLst>
                     <a:ext uri="{9D8B030D-6E8A-4147-A177-3AD203B41FA5}">
-                      <a16:colId xmlns:a16="http://schemas.microsoft.com/office/drawing/2014/main" xmlns="" val="20000"/>
+                      <a16:colId xmlns:a16="http://schemas.microsoft.com/office/drawing/2014/main" val="20000"/>
                     </a:ext>
                   </a:extLst>
                 </a:gridCol>
@@ -30647,7 +30700,7 @@
                 </a:tc>
                 <a:extLst>
                   <a:ext uri="{0D108BD9-81ED-4DB2-BD59-A6C34878D82A}">
-                    <a16:rowId xmlns:a16="http://schemas.microsoft.com/office/drawing/2014/main" xmlns="" val="10000"/>
+                    <a16:rowId xmlns:a16="http://schemas.microsoft.com/office/drawing/2014/main" val="10000"/>
                   </a:ext>
                 </a:extLst>
               </a:tr>
@@ -30778,7 +30831,7 @@
                 </a:tc>
                 <a:extLst>
                   <a:ext uri="{0D108BD9-81ED-4DB2-BD59-A6C34878D82A}">
-                    <a16:rowId xmlns:a16="http://schemas.microsoft.com/office/drawing/2014/main" xmlns="" val="10001"/>
+                    <a16:rowId xmlns:a16="http://schemas.microsoft.com/office/drawing/2014/main" val="10001"/>
                   </a:ext>
                 </a:extLst>
               </a:tr>
@@ -30814,7 +30867,7 @@
                 <a:gridCol w="1152128">
                   <a:extLst>
                     <a:ext uri="{9D8B030D-6E8A-4147-A177-3AD203B41FA5}">
-                      <a16:colId xmlns:a16="http://schemas.microsoft.com/office/drawing/2014/main" xmlns="" val="20000"/>
+                      <a16:colId xmlns:a16="http://schemas.microsoft.com/office/drawing/2014/main" val="20000"/>
                     </a:ext>
                   </a:extLst>
                 </a:gridCol>
@@ -30858,7 +30911,7 @@
                 </a:tc>
                 <a:extLst>
                   <a:ext uri="{0D108BD9-81ED-4DB2-BD59-A6C34878D82A}">
-                    <a16:rowId xmlns:a16="http://schemas.microsoft.com/office/drawing/2014/main" xmlns="" val="10000"/>
+                    <a16:rowId xmlns:a16="http://schemas.microsoft.com/office/drawing/2014/main" val="10000"/>
                   </a:ext>
                 </a:extLst>
               </a:tr>
@@ -30972,7 +31025,7 @@
                 </a:tc>
                 <a:extLst>
                   <a:ext uri="{0D108BD9-81ED-4DB2-BD59-A6C34878D82A}">
-                    <a16:rowId xmlns:a16="http://schemas.microsoft.com/office/drawing/2014/main" xmlns="" val="10001"/>
+                    <a16:rowId xmlns:a16="http://schemas.microsoft.com/office/drawing/2014/main" val="10001"/>
                   </a:ext>
                 </a:extLst>
               </a:tr>
@@ -31008,7 +31061,7 @@
                 <a:gridCol w="1368152">
                   <a:extLst>
                     <a:ext uri="{9D8B030D-6E8A-4147-A177-3AD203B41FA5}">
-                      <a16:colId xmlns:a16="http://schemas.microsoft.com/office/drawing/2014/main" xmlns="" val="20000"/>
+                      <a16:colId xmlns:a16="http://schemas.microsoft.com/office/drawing/2014/main" val="20000"/>
                     </a:ext>
                   </a:extLst>
                 </a:gridCol>
@@ -31052,7 +31105,7 @@
                 </a:tc>
                 <a:extLst>
                   <a:ext uri="{0D108BD9-81ED-4DB2-BD59-A6C34878D82A}">
-                    <a16:rowId xmlns:a16="http://schemas.microsoft.com/office/drawing/2014/main" xmlns="" val="10000"/>
+                    <a16:rowId xmlns:a16="http://schemas.microsoft.com/office/drawing/2014/main" val="10000"/>
                   </a:ext>
                 </a:extLst>
               </a:tr>
@@ -31135,7 +31188,7 @@
                 </a:tc>
                 <a:extLst>
                   <a:ext uri="{0D108BD9-81ED-4DB2-BD59-A6C34878D82A}">
-                    <a16:rowId xmlns:a16="http://schemas.microsoft.com/office/drawing/2014/main" xmlns="" val="10001"/>
+                    <a16:rowId xmlns:a16="http://schemas.microsoft.com/office/drawing/2014/main" val="10001"/>
                   </a:ext>
                 </a:extLst>
               </a:tr>
@@ -31171,7 +31224,7 @@
                 <a:gridCol w="1368152">
                   <a:extLst>
                     <a:ext uri="{9D8B030D-6E8A-4147-A177-3AD203B41FA5}">
-                      <a16:colId xmlns:a16="http://schemas.microsoft.com/office/drawing/2014/main" xmlns="" val="20000"/>
+                      <a16:colId xmlns:a16="http://schemas.microsoft.com/office/drawing/2014/main" val="20000"/>
                     </a:ext>
                   </a:extLst>
                 </a:gridCol>
@@ -31215,7 +31268,7 @@
                 </a:tc>
                 <a:extLst>
                   <a:ext uri="{0D108BD9-81ED-4DB2-BD59-A6C34878D82A}">
-                    <a16:rowId xmlns:a16="http://schemas.microsoft.com/office/drawing/2014/main" xmlns="" val="10000"/>
+                    <a16:rowId xmlns:a16="http://schemas.microsoft.com/office/drawing/2014/main" val="10000"/>
                   </a:ext>
                 </a:extLst>
               </a:tr>
@@ -31276,7 +31329,7 @@
                 </a:tc>
                 <a:extLst>
                   <a:ext uri="{0D108BD9-81ED-4DB2-BD59-A6C34878D82A}">
-                    <a16:rowId xmlns:a16="http://schemas.microsoft.com/office/drawing/2014/main" xmlns="" val="10001"/>
+                    <a16:rowId xmlns:a16="http://schemas.microsoft.com/office/drawing/2014/main" val="10001"/>
                   </a:ext>
                 </a:extLst>
               </a:tr>
@@ -31312,7 +31365,7 @@
                 <a:gridCol w="1152128">
                   <a:extLst>
                     <a:ext uri="{9D8B030D-6E8A-4147-A177-3AD203B41FA5}">
-                      <a16:colId xmlns:a16="http://schemas.microsoft.com/office/drawing/2014/main" xmlns="" val="20000"/>
+                      <a16:colId xmlns:a16="http://schemas.microsoft.com/office/drawing/2014/main" val="20000"/>
                     </a:ext>
                   </a:extLst>
                 </a:gridCol>
@@ -31356,7 +31409,7 @@
                 </a:tc>
                 <a:extLst>
                   <a:ext uri="{0D108BD9-81ED-4DB2-BD59-A6C34878D82A}">
-                    <a16:rowId xmlns:a16="http://schemas.microsoft.com/office/drawing/2014/main" xmlns="" val="10000"/>
+                    <a16:rowId xmlns:a16="http://schemas.microsoft.com/office/drawing/2014/main" val="10000"/>
                   </a:ext>
                 </a:extLst>
               </a:tr>
@@ -31451,7 +31504,7 @@
                 </a:tc>
                 <a:extLst>
                   <a:ext uri="{0D108BD9-81ED-4DB2-BD59-A6C34878D82A}">
-                    <a16:rowId xmlns:a16="http://schemas.microsoft.com/office/drawing/2014/main" xmlns="" val="10001"/>
+                    <a16:rowId xmlns:a16="http://schemas.microsoft.com/office/drawing/2014/main" val="10001"/>
                   </a:ext>
                 </a:extLst>
               </a:tr>
@@ -31487,7 +31540,7 @@
                 <a:gridCol w="1152128">
                   <a:extLst>
                     <a:ext uri="{9D8B030D-6E8A-4147-A177-3AD203B41FA5}">
-                      <a16:colId xmlns:a16="http://schemas.microsoft.com/office/drawing/2014/main" xmlns="" val="20000"/>
+                      <a16:colId xmlns:a16="http://schemas.microsoft.com/office/drawing/2014/main" val="20000"/>
                     </a:ext>
                   </a:extLst>
                 </a:gridCol>
@@ -31531,7 +31584,7 @@
                 </a:tc>
                 <a:extLst>
                   <a:ext uri="{0D108BD9-81ED-4DB2-BD59-A6C34878D82A}">
-                    <a16:rowId xmlns:a16="http://schemas.microsoft.com/office/drawing/2014/main" xmlns="" val="10000"/>
+                    <a16:rowId xmlns:a16="http://schemas.microsoft.com/office/drawing/2014/main" val="10000"/>
                   </a:ext>
                 </a:extLst>
               </a:tr>
@@ -31642,7 +31695,7 @@
                 </a:tc>
                 <a:extLst>
                   <a:ext uri="{0D108BD9-81ED-4DB2-BD59-A6C34878D82A}">
-                    <a16:rowId xmlns:a16="http://schemas.microsoft.com/office/drawing/2014/main" xmlns="" val="10001"/>
+                    <a16:rowId xmlns:a16="http://schemas.microsoft.com/office/drawing/2014/main" val="10001"/>
                   </a:ext>
                 </a:extLst>
               </a:tr>
@@ -31678,7 +31731,7 @@
                 <a:gridCol w="1152128">
                   <a:extLst>
                     <a:ext uri="{9D8B030D-6E8A-4147-A177-3AD203B41FA5}">
-                      <a16:colId xmlns:a16="http://schemas.microsoft.com/office/drawing/2014/main" xmlns="" val="20000"/>
+                      <a16:colId xmlns:a16="http://schemas.microsoft.com/office/drawing/2014/main" val="20000"/>
                     </a:ext>
                   </a:extLst>
                 </a:gridCol>
@@ -31722,7 +31775,7 @@
                 </a:tc>
                 <a:extLst>
                   <a:ext uri="{0D108BD9-81ED-4DB2-BD59-A6C34878D82A}">
-                    <a16:rowId xmlns:a16="http://schemas.microsoft.com/office/drawing/2014/main" xmlns="" val="10000"/>
+                    <a16:rowId xmlns:a16="http://schemas.microsoft.com/office/drawing/2014/main" val="10000"/>
                   </a:ext>
                 </a:extLst>
               </a:tr>
@@ -31788,7 +31841,7 @@
                 </a:tc>
                 <a:extLst>
                   <a:ext uri="{0D108BD9-81ED-4DB2-BD59-A6C34878D82A}">
-                    <a16:rowId xmlns:a16="http://schemas.microsoft.com/office/drawing/2014/main" xmlns="" val="10001"/>
+                    <a16:rowId xmlns:a16="http://schemas.microsoft.com/office/drawing/2014/main" val="10001"/>
                   </a:ext>
                 </a:extLst>
               </a:tr>

--- a/Spezifikationen/CMS_Modell_Spezifikation.pptx
+++ b/Spezifikationen/CMS_Modell_Spezifikation.pptx
@@ -214,7 +214,7 @@
           <a:p>
             <a:fld id="{5FB9DE1E-9C59-4472-9BFE-872FCA557505}" type="datetimeFigureOut">
               <a:rPr lang="de-DE" smtClean="0"/>
-              <a:t>27.12.2016</a:t>
+              <a:t>28.12.2016</a:t>
             </a:fld>
             <a:endParaRPr lang="de-DE"/>
           </a:p>
@@ -1194,7 +1194,7 @@
           <a:p>
             <a:fld id="{A8397244-F09A-480D-A398-F059C842E541}" type="datetime1">
               <a:rPr lang="de-DE" smtClean="0"/>
-              <a:t>27.12.2016</a:t>
+              <a:t>28.12.2016</a:t>
             </a:fld>
             <a:endParaRPr lang="de-DE"/>
           </a:p>
@@ -1365,7 +1365,7 @@
           <a:p>
             <a:fld id="{4A0624FD-1E9C-442B-9A77-F7854ECD5C4B}" type="datetime1">
               <a:rPr lang="de-DE" smtClean="0"/>
-              <a:t>27.12.2016</a:t>
+              <a:t>28.12.2016</a:t>
             </a:fld>
             <a:endParaRPr lang="de-DE"/>
           </a:p>
@@ -1546,7 +1546,7 @@
           <a:p>
             <a:fld id="{0F97B927-A088-4873-98CF-029B6CB6D85E}" type="datetime1">
               <a:rPr lang="de-DE" smtClean="0"/>
-              <a:t>27.12.2016</a:t>
+              <a:t>28.12.2016</a:t>
             </a:fld>
             <a:endParaRPr lang="de-DE"/>
           </a:p>
@@ -1717,7 +1717,7 @@
           <a:p>
             <a:fld id="{D6663774-A100-4623-94BA-F6B6B53CC199}" type="datetime1">
               <a:rPr lang="de-DE" smtClean="0"/>
-              <a:t>27.12.2016</a:t>
+              <a:t>28.12.2016</a:t>
             </a:fld>
             <a:endParaRPr lang="de-DE"/>
           </a:p>
@@ -1965,7 +1965,7 @@
           <a:p>
             <a:fld id="{21A81475-685C-4B07-89AC-60C6EAAB6D4C}" type="datetime1">
               <a:rPr lang="de-DE" smtClean="0"/>
-              <a:t>27.12.2016</a:t>
+              <a:t>28.12.2016</a:t>
             </a:fld>
             <a:endParaRPr lang="de-DE"/>
           </a:p>
@@ -2253,7 +2253,7 @@
           <a:p>
             <a:fld id="{B2F9CB55-05F2-4296-95CC-14386AFD87D6}" type="datetime1">
               <a:rPr lang="de-DE" smtClean="0"/>
-              <a:t>27.12.2016</a:t>
+              <a:t>28.12.2016</a:t>
             </a:fld>
             <a:endParaRPr lang="de-DE"/>
           </a:p>
@@ -2675,7 +2675,7 @@
           <a:p>
             <a:fld id="{8E5BD420-9AB9-458C-81BE-DAFAA9902404}" type="datetime1">
               <a:rPr lang="de-DE" smtClean="0"/>
-              <a:t>27.12.2016</a:t>
+              <a:t>28.12.2016</a:t>
             </a:fld>
             <a:endParaRPr lang="de-DE"/>
           </a:p>
@@ -2795,7 +2795,7 @@
           <a:p>
             <a:fld id="{C644B812-3534-4884-8BE6-32A8F8B770F4}" type="datetime1">
               <a:rPr lang="de-DE" smtClean="0"/>
-              <a:t>27.12.2016</a:t>
+              <a:t>28.12.2016</a:t>
             </a:fld>
             <a:endParaRPr lang="de-DE"/>
           </a:p>
@@ -2893,7 +2893,7 @@
           <a:p>
             <a:fld id="{A8F29B9A-F350-418A-A942-E37D8F967607}" type="datetime1">
               <a:rPr lang="de-DE" smtClean="0"/>
-              <a:t>27.12.2016</a:t>
+              <a:t>28.12.2016</a:t>
             </a:fld>
             <a:endParaRPr lang="de-DE"/>
           </a:p>
@@ -3171,7 +3171,7 @@
           <a:p>
             <a:fld id="{D76FCF4F-E669-4E72-9162-ADDF332D172D}" type="datetime1">
               <a:rPr lang="de-DE" smtClean="0"/>
-              <a:t>27.12.2016</a:t>
+              <a:t>28.12.2016</a:t>
             </a:fld>
             <a:endParaRPr lang="de-DE"/>
           </a:p>
@@ -3426,7 +3426,7 @@
           <a:p>
             <a:fld id="{FCC29BEE-D49A-4984-9A0D-EA18D67C6542}" type="datetime1">
               <a:rPr lang="de-DE" smtClean="0"/>
-              <a:t>27.12.2016</a:t>
+              <a:t>28.12.2016</a:t>
             </a:fld>
             <a:endParaRPr lang="de-DE"/>
           </a:p>
@@ -3640,7 +3640,7 @@
           <a:p>
             <a:fld id="{176F2E55-DA60-42A3-9F60-D110BF06A931}" type="datetime1">
               <a:rPr lang="de-DE" smtClean="0"/>
-              <a:t>27.12.2016</a:t>
+              <a:t>28.12.2016</a:t>
             </a:fld>
             <a:endParaRPr lang="de-DE"/>
           </a:p>
@@ -6617,7 +6617,7 @@
           <p:nvPr>
             <p:extLst>
               <p:ext uri="{D42A27DB-BD31-4B8C-83A1-F6EECF244321}">
-                <p14:modId xmlns:p14="http://schemas.microsoft.com/office/powerpoint/2010/main" val="470598173"/>
+                <p14:modId xmlns:p14="http://schemas.microsoft.com/office/powerpoint/2010/main" val="2175326226"/>
               </p:ext>
             </p:extLst>
           </p:nvPr>
@@ -6921,7 +6921,7 @@
                           <a:cs typeface="Arial" panose="020B0604020202020204" pitchFamily="34" charset="0"/>
                           <a:sym typeface="Wingdings" panose="05000000000000000000" pitchFamily="2" charset="2"/>
                         </a:rPr>
-                        <a:t>date</a:t>
+                        <a:t>publicationdate</a:t>
                       </a:r>
                       <a:r>
                         <a:rPr lang="de-DE" sz="1100" u="none" baseline="0" dirty="0">

--- a/Spezifikationen/CMS_Modell_Spezifikation.pptx
+++ b/Spezifikationen/CMS_Modell_Spezifikation.pptx
@@ -214,7 +214,7 @@
           <a:p>
             <a:fld id="{5FB9DE1E-9C59-4472-9BFE-872FCA557505}" type="datetimeFigureOut">
               <a:rPr lang="de-DE" smtClean="0"/>
-              <a:t>28.12.2016</a:t>
+              <a:t>01.01.2017</a:t>
             </a:fld>
             <a:endParaRPr lang="de-DE"/>
           </a:p>
@@ -1194,7 +1194,7 @@
           <a:p>
             <a:fld id="{A8397244-F09A-480D-A398-F059C842E541}" type="datetime1">
               <a:rPr lang="de-DE" smtClean="0"/>
-              <a:t>28.12.2016</a:t>
+              <a:t>01.01.2017</a:t>
             </a:fld>
             <a:endParaRPr lang="de-DE"/>
           </a:p>
@@ -1365,7 +1365,7 @@
           <a:p>
             <a:fld id="{4A0624FD-1E9C-442B-9A77-F7854ECD5C4B}" type="datetime1">
               <a:rPr lang="de-DE" smtClean="0"/>
-              <a:t>28.12.2016</a:t>
+              <a:t>01.01.2017</a:t>
             </a:fld>
             <a:endParaRPr lang="de-DE"/>
           </a:p>
@@ -1546,7 +1546,7 @@
           <a:p>
             <a:fld id="{0F97B927-A088-4873-98CF-029B6CB6D85E}" type="datetime1">
               <a:rPr lang="de-DE" smtClean="0"/>
-              <a:t>28.12.2016</a:t>
+              <a:t>01.01.2017</a:t>
             </a:fld>
             <a:endParaRPr lang="de-DE"/>
           </a:p>
@@ -1717,7 +1717,7 @@
           <a:p>
             <a:fld id="{D6663774-A100-4623-94BA-F6B6B53CC199}" type="datetime1">
               <a:rPr lang="de-DE" smtClean="0"/>
-              <a:t>28.12.2016</a:t>
+              <a:t>01.01.2017</a:t>
             </a:fld>
             <a:endParaRPr lang="de-DE"/>
           </a:p>
@@ -1965,7 +1965,7 @@
           <a:p>
             <a:fld id="{21A81475-685C-4B07-89AC-60C6EAAB6D4C}" type="datetime1">
               <a:rPr lang="de-DE" smtClean="0"/>
-              <a:t>28.12.2016</a:t>
+              <a:t>01.01.2017</a:t>
             </a:fld>
             <a:endParaRPr lang="de-DE"/>
           </a:p>
@@ -2253,7 +2253,7 @@
           <a:p>
             <a:fld id="{B2F9CB55-05F2-4296-95CC-14386AFD87D6}" type="datetime1">
               <a:rPr lang="de-DE" smtClean="0"/>
-              <a:t>28.12.2016</a:t>
+              <a:t>01.01.2017</a:t>
             </a:fld>
             <a:endParaRPr lang="de-DE"/>
           </a:p>
@@ -2675,7 +2675,7 @@
           <a:p>
             <a:fld id="{8E5BD420-9AB9-458C-81BE-DAFAA9902404}" type="datetime1">
               <a:rPr lang="de-DE" smtClean="0"/>
-              <a:t>28.12.2016</a:t>
+              <a:t>01.01.2017</a:t>
             </a:fld>
             <a:endParaRPr lang="de-DE"/>
           </a:p>
@@ -2795,7 +2795,7 @@
           <a:p>
             <a:fld id="{C644B812-3534-4884-8BE6-32A8F8B770F4}" type="datetime1">
               <a:rPr lang="de-DE" smtClean="0"/>
-              <a:t>28.12.2016</a:t>
+              <a:t>01.01.2017</a:t>
             </a:fld>
             <a:endParaRPr lang="de-DE"/>
           </a:p>
@@ -2893,7 +2893,7 @@
           <a:p>
             <a:fld id="{A8F29B9A-F350-418A-A942-E37D8F967607}" type="datetime1">
               <a:rPr lang="de-DE" smtClean="0"/>
-              <a:t>28.12.2016</a:t>
+              <a:t>01.01.2017</a:t>
             </a:fld>
             <a:endParaRPr lang="de-DE"/>
           </a:p>
@@ -3171,7 +3171,7 @@
           <a:p>
             <a:fld id="{D76FCF4F-E669-4E72-9162-ADDF332D172D}" type="datetime1">
               <a:rPr lang="de-DE" smtClean="0"/>
-              <a:t>28.12.2016</a:t>
+              <a:t>01.01.2017</a:t>
             </a:fld>
             <a:endParaRPr lang="de-DE"/>
           </a:p>
@@ -3426,7 +3426,7 @@
           <a:p>
             <a:fld id="{FCC29BEE-D49A-4984-9A0D-EA18D67C6542}" type="datetime1">
               <a:rPr lang="de-DE" smtClean="0"/>
-              <a:t>28.12.2016</a:t>
+              <a:t>01.01.2017</a:t>
             </a:fld>
             <a:endParaRPr lang="de-DE"/>
           </a:p>
@@ -3640,7 +3640,7 @@
           <a:p>
             <a:fld id="{176F2E55-DA60-42A3-9F60-D110BF06A931}" type="datetime1">
               <a:rPr lang="de-DE" smtClean="0"/>
-              <a:t>28.12.2016</a:t>
+              <a:t>01.01.2017</a:t>
             </a:fld>
             <a:endParaRPr lang="de-DE"/>
           </a:p>
@@ -7359,12 +7359,16 @@
             <a:graphicFrameLocks noGrp="1"/>
           </p:cNvGraphicFramePr>
           <p:nvPr>
-            <p:extLst/>
+            <p:extLst>
+              <p:ext uri="{D42A27DB-BD31-4B8C-83A1-F6EECF244321}">
+                <p14:modId xmlns:p14="http://schemas.microsoft.com/office/powerpoint/2010/main" val="1545564749"/>
+              </p:ext>
+            </p:extLst>
           </p:nvPr>
         </p:nvGraphicFramePr>
         <p:xfrm>
           <a:off x="1619672" y="3428407"/>
-          <a:ext cx="1334243" cy="1143000"/>
+          <a:ext cx="1512168" cy="1402080"/>
         </p:xfrm>
         <a:graphic>
           <a:graphicData uri="http://schemas.openxmlformats.org/drawingml/2006/table">
@@ -7373,7 +7377,7 @@
                 <a:tableStyleId>{F2DE63D5-997A-4646-A377-4702673A728D}</a:tableStyleId>
               </a:tblPr>
               <a:tblGrid>
-                <a:gridCol w="1334243">
+                <a:gridCol w="1512168">
                   <a:extLst>
                     <a:ext uri="{9D8B030D-6E8A-4147-A177-3AD203B41FA5}">
                       <a16:colId xmlns:a16="http://schemas.microsoft.com/office/drawing/2014/main" val="20000"/>
@@ -7621,12 +7625,86 @@
                     </a:p>
                     <a:p>
                       <a:r>
+                        <a:rPr lang="de-DE" sz="1100" u="none" baseline="0" dirty="0" err="1">
+                          <a:latin typeface="Arial" panose="020B0604020202020204" pitchFamily="34" charset="0"/>
+                          <a:cs typeface="Arial" panose="020B0604020202020204" pitchFamily="34" charset="0"/>
+                          <a:sym typeface="Wingdings" panose="05000000000000000000" pitchFamily="2" charset="2"/>
+                        </a:rPr>
+                        <a:t>relativeposition</a:t>
+                      </a:r>
+                      <a:r>
                         <a:rPr lang="de-DE" sz="1100" u="none" baseline="0" dirty="0">
                           <a:latin typeface="Arial" panose="020B0604020202020204" pitchFamily="34" charset="0"/>
                           <a:cs typeface="Arial" panose="020B0604020202020204" pitchFamily="34" charset="0"/>
                           <a:sym typeface="Wingdings" panose="05000000000000000000" pitchFamily="2" charset="2"/>
                         </a:rPr>
-                        <a:t>template_id (FS) </a:t>
+                        <a:t> </a:t>
+                      </a:r>
+                      <a:r>
+                        <a:rPr lang="de-DE" sz="600" u="none" kern="1200" baseline="0" dirty="0">
+                          <a:solidFill>
+                            <a:srgbClr val="C00000"/>
+                          </a:solidFill>
+                          <a:latin typeface="Arial" panose="020B0604020202020204" pitchFamily="34" charset="0"/>
+                          <a:ea typeface="+mn-ea"/>
+                          <a:cs typeface="Arial" panose="020B0604020202020204" pitchFamily="34" charset="0"/>
+                          <a:sym typeface="Wingdings" panose="05000000000000000000" pitchFamily="2" charset="2"/>
+                        </a:rPr>
+                        <a:t>=&gt; </a:t>
+                      </a:r>
+                      <a:r>
+                        <a:rPr lang="de-DE" sz="600" u="none" kern="1200" baseline="0" dirty="0" err="1">
+                          <a:solidFill>
+                            <a:srgbClr val="C00000"/>
+                          </a:solidFill>
+                          <a:latin typeface="Arial" panose="020B0604020202020204" pitchFamily="34" charset="0"/>
+                          <a:ea typeface="+mn-ea"/>
+                          <a:cs typeface="Arial" panose="020B0604020202020204" pitchFamily="34" charset="0"/>
+                          <a:sym typeface="Wingdings" panose="05000000000000000000" pitchFamily="2" charset="2"/>
+                        </a:rPr>
+                        <a:t>int</a:t>
+                      </a:r>
+                      <a:r>
+                        <a:rPr lang="de-DE" sz="600" u="none" kern="1200" baseline="0" dirty="0">
+                          <a:solidFill>
+                            <a:srgbClr val="C00000"/>
+                          </a:solidFill>
+                          <a:latin typeface="Arial" panose="020B0604020202020204" pitchFamily="34" charset="0"/>
+                          <a:ea typeface="+mn-ea"/>
+                          <a:cs typeface="Arial" panose="020B0604020202020204" pitchFamily="34" charset="0"/>
+                          <a:sym typeface="Wingdings" panose="05000000000000000000" pitchFamily="2" charset="2"/>
+                        </a:rPr>
+                        <a:t>, </a:t>
+                      </a:r>
+                      <a:r>
+                        <a:rPr lang="de-DE" sz="600" u="none" kern="1200" baseline="0" dirty="0">
+                          <a:solidFill>
+                            <a:srgbClr val="00B0F0"/>
+                          </a:solidFill>
+                          <a:latin typeface="Arial" panose="020B0604020202020204" pitchFamily="34" charset="0"/>
+                          <a:ea typeface="+mn-ea"/>
+                          <a:cs typeface="Arial" panose="020B0604020202020204" pitchFamily="34" charset="0"/>
+                          <a:sym typeface="Wingdings" panose="05000000000000000000" pitchFamily="2" charset="2"/>
+                        </a:rPr>
+                        <a:t>kein Default-Wert </a:t>
+                      </a:r>
+                    </a:p>
+                    <a:p>
+                      <a:r>
+                        <a:rPr lang="de-DE" sz="1100" u="none" baseline="0" dirty="0" err="1">
+                          <a:latin typeface="Arial" panose="020B0604020202020204" pitchFamily="34" charset="0"/>
+                          <a:cs typeface="Arial" panose="020B0604020202020204" pitchFamily="34" charset="0"/>
+                          <a:sym typeface="Wingdings" panose="05000000000000000000" pitchFamily="2" charset="2"/>
+                        </a:rPr>
+                        <a:t>template_id</a:t>
+                      </a:r>
+                      <a:r>
+                        <a:rPr lang="de-DE" sz="1100" u="none" baseline="0" dirty="0">
+                          <a:latin typeface="Arial" panose="020B0604020202020204" pitchFamily="34" charset="0"/>
+                          <a:cs typeface="Arial" panose="020B0604020202020204" pitchFamily="34" charset="0"/>
+                          <a:sym typeface="Wingdings" panose="05000000000000000000" pitchFamily="2" charset="2"/>
+                        </a:rPr>
+                        <a:t> (FS) </a:t>
                       </a:r>
                       <a:r>
                         <a:rPr lang="de-DE" sz="600" u="none" kern="1200" baseline="0" dirty="0">
@@ -7705,11 +7783,15 @@
             <a:graphicFrameLocks noGrp="1"/>
           </p:cNvGraphicFramePr>
           <p:nvPr>
-            <p:extLst/>
+            <p:extLst>
+              <p:ext uri="{D42A27DB-BD31-4B8C-83A1-F6EECF244321}">
+                <p14:modId xmlns:p14="http://schemas.microsoft.com/office/powerpoint/2010/main" val="2870135081"/>
+              </p:ext>
+            </p:extLst>
           </p:nvPr>
         </p:nvGraphicFramePr>
         <p:xfrm>
-          <a:off x="35496" y="3428407"/>
+          <a:off x="35496" y="3555149"/>
           <a:ext cx="1296144" cy="1143000"/>
         </p:xfrm>
         <a:graphic>
@@ -9329,14 +9411,15 @@
         <p:nvCxnSpPr>
           <p:cNvPr id="104" name="Gerade Verbindung mit Pfeil 103"/>
           <p:cNvCxnSpPr>
+            <a:cxnSpLocks/>
             <a:endCxn id="46" idx="3"/>
           </p:cNvCxnSpPr>
           <p:nvPr/>
         </p:nvCxnSpPr>
         <p:spPr>
           <a:xfrm flipH="1">
-            <a:off x="2953915" y="3999907"/>
-            <a:ext cx="393949" cy="0"/>
+            <a:off x="3131840" y="4126649"/>
+            <a:ext cx="216024" cy="2798"/>
           </a:xfrm>
           <a:prstGeom prst="straightConnector1">
             <a:avLst/>
@@ -9367,15 +9450,16 @@
         <p:nvCxnSpPr>
           <p:cNvPr id="107" name="Gerade Verbindung mit Pfeil 106"/>
           <p:cNvCxnSpPr>
+            <a:cxnSpLocks/>
             <a:stCxn id="46" idx="1"/>
             <a:endCxn id="47" idx="3"/>
           </p:cNvCxnSpPr>
           <p:nvPr/>
         </p:nvCxnSpPr>
         <p:spPr>
-          <a:xfrm flipH="1">
-            <a:off x="1331640" y="3999907"/>
-            <a:ext cx="288032" cy="0"/>
+          <a:xfrm flipH="1" flipV="1">
+            <a:off x="1331640" y="4126649"/>
+            <a:ext cx="288032" cy="2798"/>
           </a:xfrm>
           <a:prstGeom prst="straightConnector1">
             <a:avLst/>
@@ -11201,8 +11285,8 @@
         </p:nvCxnSpPr>
         <p:spPr>
           <a:xfrm rot="5400000" flipH="1" flipV="1">
-            <a:off x="3835459" y="-44438"/>
-            <a:ext cx="320955" cy="6624736"/>
+            <a:off x="3772088" y="18933"/>
+            <a:ext cx="447697" cy="6624736"/>
           </a:xfrm>
           <a:prstGeom prst="bentConnector2">
             <a:avLst/>

--- a/Spezifikationen/CMS_Modell_Spezifikation.pptx
+++ b/Spezifikationen/CMS_Modell_Spezifikation.pptx
@@ -214,7 +214,7 @@
           <a:p>
             <a:fld id="{5FB9DE1E-9C59-4472-9BFE-872FCA557505}" type="datetimeFigureOut">
               <a:rPr lang="de-DE" smtClean="0"/>
-              <a:t>01.01.2017</a:t>
+              <a:t>05.01.2017</a:t>
             </a:fld>
             <a:endParaRPr lang="de-DE"/>
           </a:p>
@@ -1194,7 +1194,7 @@
           <a:p>
             <a:fld id="{A8397244-F09A-480D-A398-F059C842E541}" type="datetime1">
               <a:rPr lang="de-DE" smtClean="0"/>
-              <a:t>01.01.2017</a:t>
+              <a:t>05.01.2017</a:t>
             </a:fld>
             <a:endParaRPr lang="de-DE"/>
           </a:p>
@@ -1365,7 +1365,7 @@
           <a:p>
             <a:fld id="{4A0624FD-1E9C-442B-9A77-F7854ECD5C4B}" type="datetime1">
               <a:rPr lang="de-DE" smtClean="0"/>
-              <a:t>01.01.2017</a:t>
+              <a:t>05.01.2017</a:t>
             </a:fld>
             <a:endParaRPr lang="de-DE"/>
           </a:p>
@@ -1546,7 +1546,7 @@
           <a:p>
             <a:fld id="{0F97B927-A088-4873-98CF-029B6CB6D85E}" type="datetime1">
               <a:rPr lang="de-DE" smtClean="0"/>
-              <a:t>01.01.2017</a:t>
+              <a:t>05.01.2017</a:t>
             </a:fld>
             <a:endParaRPr lang="de-DE"/>
           </a:p>
@@ -1717,7 +1717,7 @@
           <a:p>
             <a:fld id="{D6663774-A100-4623-94BA-F6B6B53CC199}" type="datetime1">
               <a:rPr lang="de-DE" smtClean="0"/>
-              <a:t>01.01.2017</a:t>
+              <a:t>05.01.2017</a:t>
             </a:fld>
             <a:endParaRPr lang="de-DE"/>
           </a:p>
@@ -1965,7 +1965,7 @@
           <a:p>
             <a:fld id="{21A81475-685C-4B07-89AC-60C6EAAB6D4C}" type="datetime1">
               <a:rPr lang="de-DE" smtClean="0"/>
-              <a:t>01.01.2017</a:t>
+              <a:t>05.01.2017</a:t>
             </a:fld>
             <a:endParaRPr lang="de-DE"/>
           </a:p>
@@ -2253,7 +2253,7 @@
           <a:p>
             <a:fld id="{B2F9CB55-05F2-4296-95CC-14386AFD87D6}" type="datetime1">
               <a:rPr lang="de-DE" smtClean="0"/>
-              <a:t>01.01.2017</a:t>
+              <a:t>05.01.2017</a:t>
             </a:fld>
             <a:endParaRPr lang="de-DE"/>
           </a:p>
@@ -2675,7 +2675,7 @@
           <a:p>
             <a:fld id="{8E5BD420-9AB9-458C-81BE-DAFAA9902404}" type="datetime1">
               <a:rPr lang="de-DE" smtClean="0"/>
-              <a:t>01.01.2017</a:t>
+              <a:t>05.01.2017</a:t>
             </a:fld>
             <a:endParaRPr lang="de-DE"/>
           </a:p>
@@ -2795,7 +2795,7 @@
           <a:p>
             <a:fld id="{C644B812-3534-4884-8BE6-32A8F8B770F4}" type="datetime1">
               <a:rPr lang="de-DE" smtClean="0"/>
-              <a:t>01.01.2017</a:t>
+              <a:t>05.01.2017</a:t>
             </a:fld>
             <a:endParaRPr lang="de-DE"/>
           </a:p>
@@ -2893,7 +2893,7 @@
           <a:p>
             <a:fld id="{A8F29B9A-F350-418A-A942-E37D8F967607}" type="datetime1">
               <a:rPr lang="de-DE" smtClean="0"/>
-              <a:t>01.01.2017</a:t>
+              <a:t>05.01.2017</a:t>
             </a:fld>
             <a:endParaRPr lang="de-DE"/>
           </a:p>
@@ -3171,7 +3171,7 @@
           <a:p>
             <a:fld id="{D76FCF4F-E669-4E72-9162-ADDF332D172D}" type="datetime1">
               <a:rPr lang="de-DE" smtClean="0"/>
-              <a:t>01.01.2017</a:t>
+              <a:t>05.01.2017</a:t>
             </a:fld>
             <a:endParaRPr lang="de-DE"/>
           </a:p>
@@ -3426,7 +3426,7 @@
           <a:p>
             <a:fld id="{FCC29BEE-D49A-4984-9A0D-EA18D67C6542}" type="datetime1">
               <a:rPr lang="de-DE" smtClean="0"/>
-              <a:t>01.01.2017</a:t>
+              <a:t>05.01.2017</a:t>
             </a:fld>
             <a:endParaRPr lang="de-DE"/>
           </a:p>
@@ -3640,7 +3640,7 @@
           <a:p>
             <a:fld id="{176F2E55-DA60-42A3-9F60-D110BF06A931}" type="datetime1">
               <a:rPr lang="de-DE" smtClean="0"/>
-              <a:t>01.01.2017</a:t>
+              <a:t>05.01.2017</a:t>
             </a:fld>
             <a:endParaRPr lang="de-DE"/>
           </a:p>
@@ -4911,7 +4911,7 @@
           <p:nvPr>
             <p:extLst>
               <p:ext uri="{D42A27DB-BD31-4B8C-83A1-F6EECF244321}">
-                <p14:modId xmlns:p14="http://schemas.microsoft.com/office/powerpoint/2010/main" val="891237165"/>
+                <p14:modId xmlns:p14="http://schemas.microsoft.com/office/powerpoint/2010/main" val="4285477632"/>
               </p:ext>
             </p:extLst>
           </p:nvPr>
@@ -5605,7 +5605,7 @@
                           <a:cs typeface="Arial" panose="020B0604020202020204" pitchFamily="34" charset="0"/>
                           <a:sym typeface="Wingdings" panose="05000000000000000000" pitchFamily="2" charset="2"/>
                         </a:rPr>
-                        <a:t>[255], </a:t>
+                        <a:t>[512], </a:t>
                       </a:r>
                       <a:r>
                         <a:rPr lang="de-DE" sz="600" u="none" baseline="0" dirty="0">
@@ -5834,14 +5834,14 @@
           <p:nvPr>
             <p:extLst>
               <p:ext uri="{D42A27DB-BD31-4B8C-83A1-F6EECF244321}">
-                <p14:modId xmlns:p14="http://schemas.microsoft.com/office/powerpoint/2010/main" val="1721362567"/>
+                <p14:modId xmlns:p14="http://schemas.microsoft.com/office/powerpoint/2010/main" val="1409906009"/>
               </p:ext>
             </p:extLst>
           </p:nvPr>
         </p:nvGraphicFramePr>
         <p:xfrm>
-          <a:off x="6732240" y="44624"/>
-          <a:ext cx="2304256" cy="1965960"/>
+          <a:off x="6732240" y="44623"/>
+          <a:ext cx="2304256" cy="2246209"/>
         </p:xfrm>
         <a:graphic>
           <a:graphicData uri="http://schemas.openxmlformats.org/drawingml/2006/table">
@@ -5858,7 +5858,7 @@
                   </a:extLst>
                 </a:gridCol>
               </a:tblGrid>
-              <a:tr h="274320">
+              <a:tr h="297163">
                 <a:tc>
                   <a:txBody>
                     <a:bodyPr/>
@@ -5908,7 +5908,7 @@
                   </a:ext>
                 </a:extLst>
               </a:tr>
-              <a:tr h="1691640">
+              <a:tr h="1949046">
                 <a:tc>
                   <a:txBody>
                     <a:bodyPr/>
@@ -6532,6 +6532,172 @@
                           <a:sym typeface="Wingdings" panose="05000000000000000000" pitchFamily="2" charset="2"/>
                         </a:rPr>
                         <a:t>templateconstruction</a:t>
+                      </a:r>
+                      <a:r>
+                        <a:rPr lang="de-DE" sz="1100" u="none" baseline="0" dirty="0">
+                          <a:latin typeface="Arial" panose="020B0604020202020204" pitchFamily="34" charset="0"/>
+                          <a:cs typeface="Arial" panose="020B0604020202020204" pitchFamily="34" charset="0"/>
+                          <a:sym typeface="Wingdings" panose="05000000000000000000" pitchFamily="2" charset="2"/>
+                        </a:rPr>
+                        <a:t> </a:t>
+                      </a:r>
+                      <a:r>
+                        <a:rPr lang="de-DE" sz="600" u="none" kern="1200" baseline="0" dirty="0">
+                          <a:solidFill>
+                            <a:srgbClr val="C00000"/>
+                          </a:solidFill>
+                          <a:latin typeface="Arial" panose="020B0604020202020204" pitchFamily="34" charset="0"/>
+                          <a:ea typeface="+mn-ea"/>
+                          <a:cs typeface="Arial" panose="020B0604020202020204" pitchFamily="34" charset="0"/>
+                          <a:sym typeface="Wingdings" panose="05000000000000000000" pitchFamily="2" charset="2"/>
+                        </a:rPr>
+                        <a:t>=&gt; </a:t>
+                      </a:r>
+                      <a:r>
+                        <a:rPr lang="de-DE" sz="600" u="none" kern="1200" baseline="0" dirty="0" err="1">
+                          <a:solidFill>
+                            <a:srgbClr val="C00000"/>
+                          </a:solidFill>
+                          <a:latin typeface="Arial" panose="020B0604020202020204" pitchFamily="34" charset="0"/>
+                          <a:ea typeface="+mn-ea"/>
+                          <a:cs typeface="Arial" panose="020B0604020202020204" pitchFamily="34" charset="0"/>
+                          <a:sym typeface="Wingdings" panose="05000000000000000000" pitchFamily="2" charset="2"/>
+                        </a:rPr>
+                        <a:t>tinyint</a:t>
+                      </a:r>
+                      <a:r>
+                        <a:rPr lang="de-DE" sz="600" u="none" kern="1200" baseline="0" dirty="0">
+                          <a:solidFill>
+                            <a:srgbClr val="C00000"/>
+                          </a:solidFill>
+                          <a:latin typeface="Arial" panose="020B0604020202020204" pitchFamily="34" charset="0"/>
+                          <a:ea typeface="+mn-ea"/>
+                          <a:cs typeface="Arial" panose="020B0604020202020204" pitchFamily="34" charset="0"/>
+                          <a:sym typeface="Wingdings" panose="05000000000000000000" pitchFamily="2" charset="2"/>
+                        </a:rPr>
+                        <a:t>, </a:t>
+                      </a:r>
+                      <a:r>
+                        <a:rPr lang="de-DE" sz="600" u="none" kern="1200" baseline="0" dirty="0">
+                          <a:solidFill>
+                            <a:srgbClr val="00B0F0"/>
+                          </a:solidFill>
+                          <a:latin typeface="Arial" panose="020B0604020202020204" pitchFamily="34" charset="0"/>
+                          <a:ea typeface="+mn-ea"/>
+                          <a:cs typeface="Arial" panose="020B0604020202020204" pitchFamily="34" charset="0"/>
+                          <a:sym typeface="Wingdings" panose="05000000000000000000" pitchFamily="2" charset="2"/>
+                        </a:rPr>
+                        <a:t>FALSE</a:t>
+                      </a:r>
+                    </a:p>
+                    <a:p>
+                      <a:pPr marL="0" marR="0" lvl="0" indent="0" algn="l" defTabSz="914400" rtl="0" eaLnBrk="1" fontAlgn="auto" latinLnBrk="0" hangingPunct="1">
+                        <a:lnSpc>
+                          <a:spcPct val="100000"/>
+                        </a:lnSpc>
+                        <a:spcBef>
+                          <a:spcPts val="0"/>
+                        </a:spcBef>
+                        <a:spcAft>
+                          <a:spcPts val="0"/>
+                        </a:spcAft>
+                        <a:buClrTx/>
+                        <a:buSzTx/>
+                        <a:buFontTx/>
+                        <a:buNone/>
+                        <a:tabLst/>
+                        <a:defRPr/>
+                      </a:pPr>
+                      <a:r>
+                        <a:rPr lang="de-DE" sz="1100" u="none" baseline="0" dirty="0" err="1">
+                          <a:latin typeface="Arial" panose="020B0604020202020204" pitchFamily="34" charset="0"/>
+                          <a:cs typeface="Arial" panose="020B0604020202020204" pitchFamily="34" charset="0"/>
+                          <a:sym typeface="Wingdings" panose="05000000000000000000" pitchFamily="2" charset="2"/>
+                        </a:rPr>
+                        <a:t>databasemanagement</a:t>
+                      </a:r>
+                      <a:r>
+                        <a:rPr lang="de-DE" sz="1100" u="none" baseline="0" dirty="0">
+                          <a:latin typeface="Arial" panose="020B0604020202020204" pitchFamily="34" charset="0"/>
+                          <a:cs typeface="Arial" panose="020B0604020202020204" pitchFamily="34" charset="0"/>
+                          <a:sym typeface="Wingdings" panose="05000000000000000000" pitchFamily="2" charset="2"/>
+                        </a:rPr>
+                        <a:t> </a:t>
+                      </a:r>
+                      <a:r>
+                        <a:rPr lang="de-DE" sz="600" u="none" kern="1200" baseline="0" dirty="0">
+                          <a:solidFill>
+                            <a:srgbClr val="C00000"/>
+                          </a:solidFill>
+                          <a:latin typeface="Arial" panose="020B0604020202020204" pitchFamily="34" charset="0"/>
+                          <a:ea typeface="+mn-ea"/>
+                          <a:cs typeface="Arial" panose="020B0604020202020204" pitchFamily="34" charset="0"/>
+                          <a:sym typeface="Wingdings" panose="05000000000000000000" pitchFamily="2" charset="2"/>
+                        </a:rPr>
+                        <a:t>=&gt; </a:t>
+                      </a:r>
+                      <a:r>
+                        <a:rPr lang="de-DE" sz="600" u="none" kern="1200" baseline="0" dirty="0" err="1">
+                          <a:solidFill>
+                            <a:srgbClr val="C00000"/>
+                          </a:solidFill>
+                          <a:latin typeface="Arial" panose="020B0604020202020204" pitchFamily="34" charset="0"/>
+                          <a:ea typeface="+mn-ea"/>
+                          <a:cs typeface="Arial" panose="020B0604020202020204" pitchFamily="34" charset="0"/>
+                          <a:sym typeface="Wingdings" panose="05000000000000000000" pitchFamily="2" charset="2"/>
+                        </a:rPr>
+                        <a:t>tinyint</a:t>
+                      </a:r>
+                      <a:r>
+                        <a:rPr lang="de-DE" sz="600" u="none" kern="1200" baseline="0" dirty="0">
+                          <a:solidFill>
+                            <a:srgbClr val="C00000"/>
+                          </a:solidFill>
+                          <a:latin typeface="Arial" panose="020B0604020202020204" pitchFamily="34" charset="0"/>
+                          <a:ea typeface="+mn-ea"/>
+                          <a:cs typeface="Arial" panose="020B0604020202020204" pitchFamily="34" charset="0"/>
+                          <a:sym typeface="Wingdings" panose="05000000000000000000" pitchFamily="2" charset="2"/>
+                        </a:rPr>
+                        <a:t>, </a:t>
+                      </a:r>
+                      <a:r>
+                        <a:rPr lang="de-DE" sz="600" u="none" kern="1200" baseline="0" dirty="0">
+                          <a:solidFill>
+                            <a:srgbClr val="00B0F0"/>
+                          </a:solidFill>
+                          <a:latin typeface="Arial" panose="020B0604020202020204" pitchFamily="34" charset="0"/>
+                          <a:ea typeface="+mn-ea"/>
+                          <a:cs typeface="Arial" panose="020B0604020202020204" pitchFamily="34" charset="0"/>
+                          <a:sym typeface="Wingdings" panose="05000000000000000000" pitchFamily="2" charset="2"/>
+                        </a:rPr>
+                        <a:t>FALSE</a:t>
+                      </a:r>
+                    </a:p>
+                    <a:p>
+                      <a:pPr marL="0" marR="0" lvl="0" indent="0" algn="l" defTabSz="914400" rtl="0" eaLnBrk="1" fontAlgn="auto" latinLnBrk="0" hangingPunct="1">
+                        <a:lnSpc>
+                          <a:spcPct val="100000"/>
+                        </a:lnSpc>
+                        <a:spcBef>
+                          <a:spcPts val="0"/>
+                        </a:spcBef>
+                        <a:spcAft>
+                          <a:spcPts val="0"/>
+                        </a:spcAft>
+                        <a:buClrTx/>
+                        <a:buSzTx/>
+                        <a:buFontTx/>
+                        <a:buNone/>
+                        <a:tabLst/>
+                        <a:defRPr/>
+                      </a:pPr>
+                      <a:r>
+                        <a:rPr lang="de-DE" sz="1100" u="none" baseline="0" dirty="0" err="1">
+                          <a:latin typeface="Arial" panose="020B0604020202020204" pitchFamily="34" charset="0"/>
+                          <a:cs typeface="Arial" panose="020B0604020202020204" pitchFamily="34" charset="0"/>
+                          <a:sym typeface="Wingdings" panose="05000000000000000000" pitchFamily="2" charset="2"/>
+                        </a:rPr>
+                        <a:t>backendlogin</a:t>
                       </a:r>
                       <a:r>
                         <a:rPr lang="de-DE" sz="1100" u="none" baseline="0" dirty="0">
@@ -7361,14 +7527,14 @@
           <p:nvPr>
             <p:extLst>
               <p:ext uri="{D42A27DB-BD31-4B8C-83A1-F6EECF244321}">
-                <p14:modId xmlns:p14="http://schemas.microsoft.com/office/powerpoint/2010/main" val="1545564749"/>
+                <p14:modId xmlns:p14="http://schemas.microsoft.com/office/powerpoint/2010/main" val="425407154"/>
               </p:ext>
             </p:extLst>
           </p:nvPr>
         </p:nvGraphicFramePr>
         <p:xfrm>
-          <a:off x="1619672" y="3428407"/>
-          <a:ext cx="1512168" cy="1402080"/>
+          <a:off x="1619672" y="3311192"/>
+          <a:ext cx="1512168" cy="1701984"/>
         </p:xfrm>
         <a:graphic>
           <a:graphicData uri="http://schemas.openxmlformats.org/drawingml/2006/table">
@@ -7385,7 +7551,7 @@
                   </a:extLst>
                 </a:gridCol>
               </a:tblGrid>
-              <a:tr h="274320">
+              <a:tr h="264927">
                 <a:tc>
                   <a:txBody>
                     <a:bodyPr/>
@@ -7428,7 +7594,7 @@
                   </a:ext>
                 </a:extLst>
               </a:tr>
-              <a:tr h="868680">
+              <a:tr h="1427664">
                 <a:tc>
                   <a:txBody>
                     <a:bodyPr/>
@@ -7697,6 +7863,88 @@
                           <a:sym typeface="Wingdings" panose="05000000000000000000" pitchFamily="2" charset="2"/>
                         </a:rPr>
                         <a:t>template_id</a:t>
+                      </a:r>
+                      <a:r>
+                        <a:rPr lang="de-DE" sz="1100" u="none" baseline="0" dirty="0">
+                          <a:latin typeface="Arial" panose="020B0604020202020204" pitchFamily="34" charset="0"/>
+                          <a:cs typeface="Arial" panose="020B0604020202020204" pitchFamily="34" charset="0"/>
+                          <a:sym typeface="Wingdings" panose="05000000000000000000" pitchFamily="2" charset="2"/>
+                        </a:rPr>
+                        <a:t> (FS) </a:t>
+                      </a:r>
+                      <a:r>
+                        <a:rPr lang="de-DE" sz="600" u="none" kern="1200" baseline="0" dirty="0">
+                          <a:solidFill>
+                            <a:srgbClr val="C00000"/>
+                          </a:solidFill>
+                          <a:latin typeface="Arial" panose="020B0604020202020204" pitchFamily="34" charset="0"/>
+                          <a:ea typeface="+mn-ea"/>
+                          <a:cs typeface="Arial" panose="020B0604020202020204" pitchFamily="34" charset="0"/>
+                          <a:sym typeface="Wingdings" panose="05000000000000000000" pitchFamily="2" charset="2"/>
+                        </a:rPr>
+                        <a:t>=&gt; </a:t>
+                      </a:r>
+                      <a:r>
+                        <a:rPr lang="de-DE" sz="600" u="none" kern="1200" baseline="0" dirty="0" err="1">
+                          <a:solidFill>
+                            <a:srgbClr val="C00000"/>
+                          </a:solidFill>
+                          <a:latin typeface="Arial" panose="020B0604020202020204" pitchFamily="34" charset="0"/>
+                          <a:ea typeface="+mn-ea"/>
+                          <a:cs typeface="Arial" panose="020B0604020202020204" pitchFamily="34" charset="0"/>
+                          <a:sym typeface="Wingdings" panose="05000000000000000000" pitchFamily="2" charset="2"/>
+                        </a:rPr>
+                        <a:t>int</a:t>
+                      </a:r>
+                      <a:r>
+                        <a:rPr lang="de-DE" sz="600" u="none" kern="1200" baseline="0" dirty="0">
+                          <a:solidFill>
+                            <a:srgbClr val="C00000"/>
+                          </a:solidFill>
+                          <a:latin typeface="Arial" panose="020B0604020202020204" pitchFamily="34" charset="0"/>
+                          <a:ea typeface="+mn-ea"/>
+                          <a:cs typeface="Arial" panose="020B0604020202020204" pitchFamily="34" charset="0"/>
+                          <a:sym typeface="Wingdings" panose="05000000000000000000" pitchFamily="2" charset="2"/>
+                        </a:rPr>
+                        <a:t>,</a:t>
+                      </a:r>
+                      <a:r>
+                        <a:rPr lang="de-DE" sz="600" u="none" baseline="0" dirty="0">
+                          <a:solidFill>
+                            <a:srgbClr val="00B0F0"/>
+                          </a:solidFill>
+                          <a:latin typeface="Arial" panose="020B0604020202020204" pitchFamily="34" charset="0"/>
+                          <a:cs typeface="Arial" panose="020B0604020202020204" pitchFamily="34" charset="0"/>
+                          <a:sym typeface="Wingdings" panose="05000000000000000000" pitchFamily="2" charset="2"/>
+                        </a:rPr>
+                        <a:t> kein Default-Wert</a:t>
+                      </a:r>
+                    </a:p>
+                    <a:p>
+                      <a:pPr marL="0" marR="0" lvl="0" indent="0" algn="l" defTabSz="914400" rtl="0" eaLnBrk="1" fontAlgn="auto" latinLnBrk="0" hangingPunct="1">
+                        <a:lnSpc>
+                          <a:spcPct val="100000"/>
+                        </a:lnSpc>
+                        <a:spcBef>
+                          <a:spcPts val="0"/>
+                        </a:spcBef>
+                        <a:spcAft>
+                          <a:spcPts val="0"/>
+                        </a:spcAft>
+                        <a:buClrTx/>
+                        <a:buSzTx/>
+                        <a:buFontTx/>
+                        <a:buNone/>
+                        <a:tabLst/>
+                        <a:defRPr/>
+                      </a:pPr>
+                      <a:r>
+                        <a:rPr lang="de-DE" sz="1100" u="none" baseline="0" dirty="0" err="1">
+                          <a:latin typeface="Arial" panose="020B0604020202020204" pitchFamily="34" charset="0"/>
+                          <a:cs typeface="Arial" panose="020B0604020202020204" pitchFamily="34" charset="0"/>
+                          <a:sym typeface="Wingdings" panose="05000000000000000000" pitchFamily="2" charset="2"/>
+                        </a:rPr>
+                        <a:t>website_id</a:t>
                       </a:r>
                       <a:r>
                         <a:rPr lang="de-DE" sz="1100" u="none" baseline="0" dirty="0">
@@ -9417,9 +9665,9 @@
           <p:nvPr/>
         </p:nvCxnSpPr>
         <p:spPr>
-          <a:xfrm flipH="1">
-            <a:off x="3131840" y="4126649"/>
-            <a:ext cx="216024" cy="2798"/>
+          <a:xfrm flipH="1" flipV="1">
+            <a:off x="3131840" y="4162184"/>
+            <a:ext cx="216024" cy="25308"/>
           </a:xfrm>
           <a:prstGeom prst="straightConnector1">
             <a:avLst/>
@@ -9459,7 +9707,7 @@
         <p:spPr>
           <a:xfrm flipH="1" flipV="1">
             <a:off x="1331640" y="4126649"/>
-            <a:ext cx="288032" cy="2798"/>
+            <a:ext cx="288032" cy="35535"/>
           </a:xfrm>
           <a:prstGeom prst="straightConnector1">
             <a:avLst/>
@@ -9530,8 +9778,8 @@
         </p:nvSpPr>
         <p:spPr>
           <a:xfrm>
-            <a:off x="-25112" y="6306242"/>
-            <a:ext cx="3059470" cy="584775"/>
+            <a:off x="-2742219" y="6200805"/>
+            <a:ext cx="2296536" cy="461665"/>
           </a:xfrm>
           <a:prstGeom prst="rect">
             <a:avLst/>
@@ -9544,7 +9792,7 @@
           <a:lstStyle/>
           <a:p>
             <a:r>
-              <a:rPr lang="de-DE" sz="800" dirty="0">
+              <a:rPr lang="de-DE" sz="600" dirty="0">
                 <a:latin typeface="Arial" panose="020B0604020202020204" pitchFamily="34" charset="0"/>
                 <a:cs typeface="Arial" panose="020B0604020202020204" pitchFamily="34" charset="0"/>
                 <a:sym typeface="Wingdings" panose="05000000000000000000" pitchFamily="2" charset="2"/>
@@ -9554,7 +9802,7 @@
           </a:p>
           <a:p>
             <a:r>
-              <a:rPr lang="de-DE" sz="800" dirty="0">
+              <a:rPr lang="de-DE" sz="600" dirty="0">
                 <a:latin typeface="Arial" panose="020B0604020202020204" pitchFamily="34" charset="0"/>
                 <a:cs typeface="Arial" panose="020B0604020202020204" pitchFamily="34" charset="0"/>
                 <a:sym typeface="Wingdings" panose="05000000000000000000" pitchFamily="2" charset="2"/>
@@ -9564,7 +9812,7 @@
           </a:p>
           <a:p>
             <a:r>
-              <a:rPr lang="de-DE" sz="800" u="sng" dirty="0">
+              <a:rPr lang="de-DE" sz="600" u="sng" dirty="0">
                 <a:latin typeface="Arial" panose="020B0604020202020204" pitchFamily="34" charset="0"/>
                 <a:cs typeface="Arial" panose="020B0604020202020204" pitchFamily="34" charset="0"/>
                 <a:sym typeface="Wingdings" panose="05000000000000000000" pitchFamily="2" charset="2"/>
@@ -9572,7 +9820,7 @@
               <a:t>Unterstrichen:</a:t>
             </a:r>
             <a:r>
-              <a:rPr lang="de-DE" sz="800" dirty="0">
+              <a:rPr lang="de-DE" sz="600" dirty="0">
                 <a:latin typeface="Arial" panose="020B0604020202020204" pitchFamily="34" charset="0"/>
                 <a:cs typeface="Arial" panose="020B0604020202020204" pitchFamily="34" charset="0"/>
                 <a:sym typeface="Wingdings" panose="05000000000000000000" pitchFamily="2" charset="2"/>
@@ -9582,14 +9830,14 @@
           </a:p>
           <a:p>
             <a:r>
-              <a:rPr lang="de-DE" sz="800" dirty="0">
+              <a:rPr lang="de-DE" sz="600" dirty="0">
                 <a:latin typeface="Arial" panose="020B0604020202020204" pitchFamily="34" charset="0"/>
                 <a:cs typeface="Arial" panose="020B0604020202020204" pitchFamily="34" charset="0"/>
                 <a:sym typeface="Wingdings" panose="05000000000000000000" pitchFamily="2" charset="2"/>
               </a:rPr>
               <a:t>NN: not Null</a:t>
             </a:r>
-            <a:endParaRPr lang="de-DE" sz="800" dirty="0"/>
+            <a:endParaRPr lang="de-DE" sz="600" dirty="0"/>
           </a:p>
         </p:txBody>
       </p:sp>
@@ -9601,8 +9849,8 @@
         </p:nvSpPr>
         <p:spPr>
           <a:xfrm>
-            <a:off x="35496" y="5157192"/>
-            <a:ext cx="973343" cy="215444"/>
+            <a:off x="-2742219" y="5393174"/>
+            <a:ext cx="750526" cy="184666"/>
           </a:xfrm>
           <a:prstGeom prst="rect">
             <a:avLst/>
@@ -9615,7 +9863,7 @@
           <a:lstStyle/>
           <a:p>
             <a:r>
-              <a:rPr lang="de-DE" sz="800" dirty="0" err="1">
+              <a:rPr lang="de-DE" sz="600" dirty="0" err="1">
                 <a:solidFill>
                   <a:srgbClr val="C00000"/>
                 </a:solidFill>
@@ -9626,7 +9874,7 @@
               <a:t>tinyint</a:t>
             </a:r>
             <a:r>
-              <a:rPr lang="de-DE" sz="800" dirty="0">
+              <a:rPr lang="de-DE" sz="600" dirty="0">
                 <a:solidFill>
                   <a:srgbClr val="C00000"/>
                 </a:solidFill>
@@ -9637,7 +9885,7 @@
               <a:t> = </a:t>
             </a:r>
             <a:r>
-              <a:rPr lang="de-DE" sz="800" dirty="0" err="1">
+              <a:rPr lang="de-DE" sz="600" dirty="0" err="1">
                 <a:solidFill>
                   <a:srgbClr val="C00000"/>
                 </a:solidFill>
@@ -9647,7 +9895,7 @@
               </a:rPr>
               <a:t>boolean</a:t>
             </a:r>
-            <a:endParaRPr lang="de-DE" dirty="0"/>
+            <a:endParaRPr lang="de-DE" sz="600" dirty="0"/>
           </a:p>
         </p:txBody>
       </p:sp>
@@ -9659,69 +9907,28 @@
         </p:nvSpPr>
         <p:spPr>
           <a:xfrm>
-            <a:off x="10072" y="5805264"/>
-            <a:ext cx="2040943" cy="215444"/>
+            <a:off x="-2740259" y="5711808"/>
+            <a:ext cx="889520" cy="369332"/>
           </a:xfrm>
           <a:prstGeom prst="rect">
             <a:avLst/>
           </a:prstGeom>
         </p:spPr>
         <p:txBody>
-          <a:bodyPr wrap="none">
+          <a:bodyPr wrap="square">
             <a:spAutoFit/>
           </a:bodyPr>
           <a:lstStyle/>
           <a:p>
             <a:r>
-              <a:rPr lang="de-DE" sz="800" dirty="0">
+              <a:rPr lang="de-DE" sz="600" dirty="0">
                 <a:latin typeface="Arial" panose="020B0604020202020204" pitchFamily="34" charset="0"/>
                 <a:cs typeface="Arial" panose="020B0604020202020204" pitchFamily="34" charset="0"/>
                 <a:sym typeface="Wingdings" panose="05000000000000000000" pitchFamily="2" charset="2"/>
               </a:rPr>
               <a:t>type: Gästebucheintrag oder Blogeintrag</a:t>
             </a:r>
-            <a:endParaRPr lang="de-DE" dirty="0"/>
-          </a:p>
-        </p:txBody>
-      </p:sp>
-      <p:sp>
-        <p:nvSpPr>
-          <p:cNvPr id="30" name="Rechteck 29"/>
-          <p:cNvSpPr/>
-          <p:nvPr/>
-        </p:nvSpPr>
-        <p:spPr>
-          <a:xfrm>
-            <a:off x="16419" y="5589820"/>
-            <a:ext cx="2220480" cy="215444"/>
-          </a:xfrm>
-          <a:prstGeom prst="rect">
-            <a:avLst/>
-          </a:prstGeom>
-        </p:spPr>
-        <p:txBody>
-          <a:bodyPr wrap="none">
-            <a:spAutoFit/>
-          </a:bodyPr>
-          <a:lstStyle/>
-          <a:p>
-            <a:r>
-              <a:rPr lang="de-DE" sz="800" dirty="0" err="1">
-                <a:latin typeface="Arial" panose="020B0604020202020204" pitchFamily="34" charset="0"/>
-                <a:cs typeface="Arial" panose="020B0604020202020204" pitchFamily="34" charset="0"/>
-                <a:sym typeface="Wingdings" panose="05000000000000000000" pitchFamily="2" charset="2"/>
-              </a:rPr>
-              <a:t>role</a:t>
-            </a:r>
-            <a:r>
-              <a:rPr lang="de-DE" sz="800" dirty="0">
-                <a:latin typeface="Arial" panose="020B0604020202020204" pitchFamily="34" charset="0"/>
-                <a:cs typeface="Arial" panose="020B0604020202020204" pitchFamily="34" charset="0"/>
-                <a:sym typeface="Wingdings" panose="05000000000000000000" pitchFamily="2" charset="2"/>
-              </a:rPr>
-              <a:t>: z.B.: Admin, Redakteur, Designer, Gast</a:t>
-            </a:r>
-            <a:endParaRPr lang="de-DE" dirty="0"/>
+            <a:endParaRPr lang="de-DE" sz="600" dirty="0"/>
           </a:p>
         </p:txBody>
       </p:sp>
@@ -10499,13 +10706,13 @@
           <p:nvPr>
             <p:extLst>
               <p:ext uri="{D42A27DB-BD31-4B8C-83A1-F6EECF244321}">
-                <p14:modId xmlns:p14="http://schemas.microsoft.com/office/powerpoint/2010/main" val="1079371184"/>
+                <p14:modId xmlns:p14="http://schemas.microsoft.com/office/powerpoint/2010/main" val="214482447"/>
               </p:ext>
             </p:extLst>
           </p:nvPr>
         </p:nvGraphicFramePr>
         <p:xfrm>
-          <a:off x="7308304" y="2276872"/>
+          <a:off x="7308304" y="2415912"/>
           <a:ext cx="1728192" cy="1661160"/>
         </p:xfrm>
         <a:graphic>
@@ -11154,17 +11361,19 @@
       <p:cxnSp>
         <p:nvCxnSpPr>
           <p:cNvPr id="39" name="Gewinkelte Verbindung 38"/>
-          <p:cNvCxnSpPr/>
+          <p:cNvCxnSpPr>
+            <a:cxnSpLocks/>
+          </p:cNvCxnSpPr>
           <p:nvPr/>
         </p:nvCxnSpPr>
         <p:spPr>
           <a:xfrm>
-            <a:off x="6444208" y="2060848"/>
-            <a:ext cx="874183" cy="425182"/>
+            <a:off x="6376972" y="2315016"/>
+            <a:ext cx="931333" cy="382537"/>
           </a:xfrm>
           <a:prstGeom prst="bentConnector3">
             <a:avLst>
-              <a:gd name="adj1" fmla="val 50000"/>
+              <a:gd name="adj1" fmla="val 12597"/>
             </a:avLst>
           </a:prstGeom>
           <a:ln w="15875">
@@ -11285,8 +11494,8 @@
         </p:nvCxnSpPr>
         <p:spPr>
           <a:xfrm rot="5400000" flipH="1" flipV="1">
-            <a:off x="3772088" y="18933"/>
-            <a:ext cx="447697" cy="6624736"/>
+            <a:off x="3841608" y="88453"/>
+            <a:ext cx="308657" cy="6624736"/>
           </a:xfrm>
           <a:prstGeom prst="bentConnector2">
             <a:avLst/>
@@ -11324,7 +11533,7 @@
         </p:nvCxnSpPr>
         <p:spPr>
           <a:xfrm flipV="1">
-            <a:off x="2214325" y="3310065"/>
+            <a:off x="2214321" y="3180378"/>
             <a:ext cx="5093982" cy="120005"/>
           </a:xfrm>
           <a:prstGeom prst="bentConnector3">
@@ -11430,6 +11639,828 @@
           </a:p>
         </p:txBody>
       </p:sp>
+      <p:graphicFrame>
+        <p:nvGraphicFramePr>
+          <p:cNvPr id="41" name="Tabelle 40"/>
+          <p:cNvGraphicFramePr>
+            <a:graphicFrameLocks noGrp="1"/>
+          </p:cNvGraphicFramePr>
+          <p:nvPr>
+            <p:extLst>
+              <p:ext uri="{D42A27DB-BD31-4B8C-83A1-F6EECF244321}">
+                <p14:modId xmlns:p14="http://schemas.microsoft.com/office/powerpoint/2010/main" val="1597742836"/>
+              </p:ext>
+            </p:extLst>
+          </p:nvPr>
+        </p:nvGraphicFramePr>
+        <p:xfrm>
+          <a:off x="161614" y="5288293"/>
+          <a:ext cx="2970226" cy="1585694"/>
+        </p:xfrm>
+        <a:graphic>
+          <a:graphicData uri="http://schemas.openxmlformats.org/drawingml/2006/table">
+            <a:tbl>
+              <a:tblPr firstRow="1" bandRow="1">
+                <a:tableStyleId>{F2DE63D5-997A-4646-A377-4702673A728D}</a:tableStyleId>
+              </a:tblPr>
+              <a:tblGrid>
+                <a:gridCol w="2970226">
+                  <a:extLst>
+                    <a:ext uri="{9D8B030D-6E8A-4147-A177-3AD203B41FA5}">
+                      <a16:colId xmlns:a16="http://schemas.microsoft.com/office/drawing/2014/main" val="20000"/>
+                    </a:ext>
+                  </a:extLst>
+                </a:gridCol>
+              </a:tblGrid>
+              <a:tr h="288252">
+                <a:tc>
+                  <a:txBody>
+                    <a:bodyPr/>
+                    <a:lstStyle/>
+                    <a:p>
+                      <a:pPr marL="0" marR="0" indent="0" algn="l" defTabSz="914400" rtl="0" eaLnBrk="1" fontAlgn="auto" latinLnBrk="0" hangingPunct="1">
+                        <a:lnSpc>
+                          <a:spcPct val="100000"/>
+                        </a:lnSpc>
+                        <a:spcBef>
+                          <a:spcPts val="0"/>
+                        </a:spcBef>
+                        <a:spcAft>
+                          <a:spcPts val="0"/>
+                        </a:spcAft>
+                        <a:buClrTx/>
+                        <a:buSzTx/>
+                        <a:buFontTx/>
+                        <a:buNone/>
+                        <a:tabLst/>
+                        <a:defRPr/>
+                      </a:pPr>
+                      <a:r>
+                        <a:rPr lang="de-DE" sz="1200" b="1" dirty="0">
+                          <a:solidFill>
+                            <a:schemeClr val="tx1"/>
+                          </a:solidFill>
+                          <a:latin typeface="Arial" panose="020B0604020202020204" pitchFamily="34" charset="0"/>
+                          <a:cs typeface="Arial" panose="020B0604020202020204" pitchFamily="34" charset="0"/>
+                        </a:rPr>
+                        <a:t>Website</a:t>
+                      </a:r>
+                    </a:p>
+                  </a:txBody>
+                  <a:tcPr/>
+                </a:tc>
+                <a:extLst>
+                  <a:ext uri="{0D108BD9-81ED-4DB2-BD59-A6C34878D82A}">
+                    <a16:rowId xmlns:a16="http://schemas.microsoft.com/office/drawing/2014/main" val="10000"/>
+                  </a:ext>
+                </a:extLst>
+              </a:tr>
+              <a:tr h="1297442">
+                <a:tc>
+                  <a:txBody>
+                    <a:bodyPr/>
+                    <a:lstStyle/>
+                    <a:p>
+                      <a:pPr marL="0" marR="0" lvl="0" indent="0" algn="l" defTabSz="914400" rtl="0" eaLnBrk="1" fontAlgn="auto" latinLnBrk="0" hangingPunct="1">
+                        <a:lnSpc>
+                          <a:spcPct val="100000"/>
+                        </a:lnSpc>
+                        <a:spcBef>
+                          <a:spcPts val="0"/>
+                        </a:spcBef>
+                        <a:spcAft>
+                          <a:spcPts val="0"/>
+                        </a:spcAft>
+                        <a:buClrTx/>
+                        <a:buSzTx/>
+                        <a:buFontTx/>
+                        <a:buNone/>
+                        <a:tabLst/>
+                        <a:defRPr/>
+                      </a:pPr>
+                      <a:r>
+                        <a:rPr lang="de-DE" sz="1100" u="none" baseline="0" dirty="0">
+                          <a:latin typeface="Arial" panose="020B0604020202020204" pitchFamily="34" charset="0"/>
+                          <a:cs typeface="Arial" panose="020B0604020202020204" pitchFamily="34" charset="0"/>
+                          <a:sym typeface="Wingdings" panose="05000000000000000000" pitchFamily="2" charset="2"/>
+                        </a:rPr>
+                        <a:t>id (PS) </a:t>
+                      </a:r>
+                      <a:r>
+                        <a:rPr lang="de-DE" sz="600" u="none" kern="1200" baseline="0" dirty="0">
+                          <a:solidFill>
+                            <a:srgbClr val="C00000"/>
+                          </a:solidFill>
+                          <a:latin typeface="Arial" panose="020B0604020202020204" pitchFamily="34" charset="0"/>
+                          <a:ea typeface="+mn-ea"/>
+                          <a:cs typeface="Arial" panose="020B0604020202020204" pitchFamily="34" charset="0"/>
+                          <a:sym typeface="Wingdings" panose="05000000000000000000" pitchFamily="2" charset="2"/>
+                        </a:rPr>
+                        <a:t>=&gt; </a:t>
+                      </a:r>
+                      <a:r>
+                        <a:rPr lang="de-DE" sz="600" u="none" kern="1200" baseline="0" dirty="0" err="1">
+                          <a:solidFill>
+                            <a:srgbClr val="C00000"/>
+                          </a:solidFill>
+                          <a:latin typeface="Arial" panose="020B0604020202020204" pitchFamily="34" charset="0"/>
+                          <a:ea typeface="+mn-ea"/>
+                          <a:cs typeface="Arial" panose="020B0604020202020204" pitchFamily="34" charset="0"/>
+                          <a:sym typeface="Wingdings" panose="05000000000000000000" pitchFamily="2" charset="2"/>
+                        </a:rPr>
+                        <a:t>int</a:t>
+                      </a:r>
+                      <a:r>
+                        <a:rPr lang="de-DE" sz="600" u="none" kern="1200" baseline="0" dirty="0">
+                          <a:solidFill>
+                            <a:srgbClr val="C00000"/>
+                          </a:solidFill>
+                          <a:latin typeface="Arial" panose="020B0604020202020204" pitchFamily="34" charset="0"/>
+                          <a:ea typeface="+mn-ea"/>
+                          <a:cs typeface="Arial" panose="020B0604020202020204" pitchFamily="34" charset="0"/>
+                          <a:sym typeface="Wingdings" panose="05000000000000000000" pitchFamily="2" charset="2"/>
+                        </a:rPr>
+                        <a:t> + </a:t>
+                      </a:r>
+                      <a:r>
+                        <a:rPr lang="de-DE" sz="600" u="none" baseline="0" dirty="0">
+                          <a:solidFill>
+                            <a:srgbClr val="C00000"/>
+                          </a:solidFill>
+                          <a:latin typeface="Arial" panose="020B0604020202020204" pitchFamily="34" charset="0"/>
+                          <a:cs typeface="Arial" panose="020B0604020202020204" pitchFamily="34" charset="0"/>
+                          <a:sym typeface="Wingdings" panose="05000000000000000000" pitchFamily="2" charset="2"/>
+                        </a:rPr>
+                        <a:t>auto-</a:t>
+                      </a:r>
+                      <a:r>
+                        <a:rPr lang="de-DE" sz="600" u="none" baseline="0" dirty="0" err="1">
+                          <a:solidFill>
+                            <a:srgbClr val="C00000"/>
+                          </a:solidFill>
+                          <a:latin typeface="Arial" panose="020B0604020202020204" pitchFamily="34" charset="0"/>
+                          <a:cs typeface="Arial" panose="020B0604020202020204" pitchFamily="34" charset="0"/>
+                          <a:sym typeface="Wingdings" panose="05000000000000000000" pitchFamily="2" charset="2"/>
+                        </a:rPr>
+                        <a:t>increment</a:t>
+                      </a:r>
+                      <a:r>
+                        <a:rPr lang="de-DE" sz="600" u="none" baseline="0" dirty="0">
+                          <a:solidFill>
+                            <a:srgbClr val="C00000"/>
+                          </a:solidFill>
+                          <a:latin typeface="Arial" panose="020B0604020202020204" pitchFamily="34" charset="0"/>
+                          <a:cs typeface="Arial" panose="020B0604020202020204" pitchFamily="34" charset="0"/>
+                          <a:sym typeface="Wingdings" panose="05000000000000000000" pitchFamily="2" charset="2"/>
+                        </a:rPr>
+                        <a:t>, </a:t>
+                      </a:r>
+                      <a:r>
+                        <a:rPr lang="de-DE" sz="600" u="none" baseline="0" dirty="0">
+                          <a:solidFill>
+                            <a:srgbClr val="00B0F0"/>
+                          </a:solidFill>
+                          <a:latin typeface="Arial" panose="020B0604020202020204" pitchFamily="34" charset="0"/>
+                          <a:cs typeface="Arial" panose="020B0604020202020204" pitchFamily="34" charset="0"/>
+                          <a:sym typeface="Wingdings" panose="05000000000000000000" pitchFamily="2" charset="2"/>
+                        </a:rPr>
+                        <a:t>kein Default-Wert</a:t>
+                      </a:r>
+                    </a:p>
+                    <a:p>
+                      <a:pPr marL="0" marR="0" lvl="0" indent="0" algn="l" defTabSz="914400" rtl="0" eaLnBrk="1" fontAlgn="auto" latinLnBrk="0" hangingPunct="1">
+                        <a:lnSpc>
+                          <a:spcPct val="100000"/>
+                        </a:lnSpc>
+                        <a:spcBef>
+                          <a:spcPts val="0"/>
+                        </a:spcBef>
+                        <a:spcAft>
+                          <a:spcPts val="0"/>
+                        </a:spcAft>
+                        <a:buClrTx/>
+                        <a:buSzTx/>
+                        <a:buFontTx/>
+                        <a:buNone/>
+                        <a:tabLst/>
+                        <a:defRPr/>
+                      </a:pPr>
+                      <a:r>
+                        <a:rPr lang="de-DE" sz="1100" u="none" baseline="0" dirty="0">
+                          <a:latin typeface="Arial" panose="020B0604020202020204" pitchFamily="34" charset="0"/>
+                          <a:cs typeface="Arial" panose="020B0604020202020204" pitchFamily="34" charset="0"/>
+                          <a:sym typeface="Wingdings" panose="05000000000000000000" pitchFamily="2" charset="2"/>
+                        </a:rPr>
+                        <a:t>headertitle </a:t>
+                      </a:r>
+                      <a:r>
+                        <a:rPr lang="de-DE" sz="600" u="none" baseline="0" dirty="0">
+                          <a:solidFill>
+                            <a:srgbClr val="C00000"/>
+                          </a:solidFill>
+                          <a:latin typeface="Arial" panose="020B0604020202020204" pitchFamily="34" charset="0"/>
+                          <a:cs typeface="Arial" panose="020B0604020202020204" pitchFamily="34" charset="0"/>
+                          <a:sym typeface="Wingdings" panose="05000000000000000000" pitchFamily="2" charset="2"/>
+                        </a:rPr>
+                        <a:t>=&gt; </a:t>
+                      </a:r>
+                      <a:r>
+                        <a:rPr lang="de-DE" sz="600" u="none" baseline="0" dirty="0" err="1">
+                          <a:solidFill>
+                            <a:srgbClr val="C00000"/>
+                          </a:solidFill>
+                          <a:latin typeface="Arial" panose="020B0604020202020204" pitchFamily="34" charset="0"/>
+                          <a:cs typeface="Arial" panose="020B0604020202020204" pitchFamily="34" charset="0"/>
+                          <a:sym typeface="Wingdings" panose="05000000000000000000" pitchFamily="2" charset="2"/>
+                        </a:rPr>
+                        <a:t>varchar</a:t>
+                      </a:r>
+                      <a:r>
+                        <a:rPr lang="de-DE" sz="600" u="none" baseline="0" dirty="0">
+                          <a:solidFill>
+                            <a:srgbClr val="C00000"/>
+                          </a:solidFill>
+                          <a:latin typeface="Arial" panose="020B0604020202020204" pitchFamily="34" charset="0"/>
+                          <a:cs typeface="Arial" panose="020B0604020202020204" pitchFamily="34" charset="0"/>
+                          <a:sym typeface="Wingdings" panose="05000000000000000000" pitchFamily="2" charset="2"/>
+                        </a:rPr>
+                        <a:t>[255], </a:t>
+                      </a:r>
+                      <a:r>
+                        <a:rPr lang="de-DE" sz="600" u="none" baseline="0" dirty="0">
+                          <a:solidFill>
+                            <a:srgbClr val="00B0F0"/>
+                          </a:solidFill>
+                          <a:latin typeface="Arial" panose="020B0604020202020204" pitchFamily="34" charset="0"/>
+                          <a:cs typeface="Arial" panose="020B0604020202020204" pitchFamily="34" charset="0"/>
+                          <a:sym typeface="Wingdings" panose="05000000000000000000" pitchFamily="2" charset="2"/>
+                        </a:rPr>
+                        <a:t>kein Default-Wert, NN</a:t>
+                      </a:r>
+                    </a:p>
+                    <a:p>
+                      <a:pPr marL="0" marR="0" lvl="0" indent="0" algn="l" defTabSz="914400" rtl="0" eaLnBrk="1" fontAlgn="auto" latinLnBrk="0" hangingPunct="1">
+                        <a:lnSpc>
+                          <a:spcPct val="100000"/>
+                        </a:lnSpc>
+                        <a:spcBef>
+                          <a:spcPts val="0"/>
+                        </a:spcBef>
+                        <a:spcAft>
+                          <a:spcPts val="0"/>
+                        </a:spcAft>
+                        <a:buClrTx/>
+                        <a:buSzTx/>
+                        <a:buFontTx/>
+                        <a:buNone/>
+                        <a:tabLst/>
+                        <a:defRPr/>
+                      </a:pPr>
+                      <a:r>
+                        <a:rPr lang="de-DE" sz="1100" u="none" baseline="0" dirty="0" err="1">
+                          <a:latin typeface="Arial" panose="020B0604020202020204" pitchFamily="34" charset="0"/>
+                          <a:cs typeface="Arial" panose="020B0604020202020204" pitchFamily="34" charset="0"/>
+                          <a:sym typeface="Wingdings" panose="05000000000000000000" pitchFamily="2" charset="2"/>
+                        </a:rPr>
+                        <a:t>contact</a:t>
+                      </a:r>
+                      <a:r>
+                        <a:rPr lang="de-DE" sz="1100" u="none" baseline="0" dirty="0">
+                          <a:latin typeface="Arial" panose="020B0604020202020204" pitchFamily="34" charset="0"/>
+                          <a:cs typeface="Arial" panose="020B0604020202020204" pitchFamily="34" charset="0"/>
+                          <a:sym typeface="Wingdings" panose="05000000000000000000" pitchFamily="2" charset="2"/>
+                        </a:rPr>
+                        <a:t> </a:t>
+                      </a:r>
+                      <a:r>
+                        <a:rPr lang="de-DE" sz="600" u="none" baseline="0" dirty="0">
+                          <a:solidFill>
+                            <a:srgbClr val="C00000"/>
+                          </a:solidFill>
+                          <a:latin typeface="Arial" panose="020B0604020202020204" pitchFamily="34" charset="0"/>
+                          <a:cs typeface="Arial" panose="020B0604020202020204" pitchFamily="34" charset="0"/>
+                          <a:sym typeface="Wingdings" panose="05000000000000000000" pitchFamily="2" charset="2"/>
+                        </a:rPr>
+                        <a:t>=&gt; </a:t>
+                      </a:r>
+                      <a:r>
+                        <a:rPr lang="de-DE" sz="600" u="none" baseline="0" dirty="0" err="1">
+                          <a:solidFill>
+                            <a:srgbClr val="C00000"/>
+                          </a:solidFill>
+                          <a:latin typeface="Arial" panose="020B0604020202020204" pitchFamily="34" charset="0"/>
+                          <a:cs typeface="Arial" panose="020B0604020202020204" pitchFamily="34" charset="0"/>
+                          <a:sym typeface="Wingdings" panose="05000000000000000000" pitchFamily="2" charset="2"/>
+                        </a:rPr>
+                        <a:t>varchar</a:t>
+                      </a:r>
+                      <a:r>
+                        <a:rPr lang="de-DE" sz="600" u="none" baseline="0" dirty="0">
+                          <a:solidFill>
+                            <a:srgbClr val="C00000"/>
+                          </a:solidFill>
+                          <a:latin typeface="Arial" panose="020B0604020202020204" pitchFamily="34" charset="0"/>
+                          <a:cs typeface="Arial" panose="020B0604020202020204" pitchFamily="34" charset="0"/>
+                          <a:sym typeface="Wingdings" panose="05000000000000000000" pitchFamily="2" charset="2"/>
+                        </a:rPr>
+                        <a:t>[255], </a:t>
+                      </a:r>
+                      <a:r>
+                        <a:rPr lang="de-DE" sz="600" u="none" baseline="0" dirty="0">
+                          <a:solidFill>
+                            <a:srgbClr val="00B0F0"/>
+                          </a:solidFill>
+                          <a:latin typeface="Arial" panose="020B0604020202020204" pitchFamily="34" charset="0"/>
+                          <a:cs typeface="Arial" panose="020B0604020202020204" pitchFamily="34" charset="0"/>
+                          <a:sym typeface="Wingdings" panose="05000000000000000000" pitchFamily="2" charset="2"/>
+                        </a:rPr>
+                        <a:t>kein Default-Wert, NN</a:t>
+                      </a:r>
+                    </a:p>
+                    <a:p>
+                      <a:pPr marL="0" marR="0" lvl="0" indent="0" algn="l" defTabSz="914400" rtl="0" eaLnBrk="1" fontAlgn="auto" latinLnBrk="0" hangingPunct="1">
+                        <a:lnSpc>
+                          <a:spcPct val="100000"/>
+                        </a:lnSpc>
+                        <a:spcBef>
+                          <a:spcPts val="0"/>
+                        </a:spcBef>
+                        <a:spcAft>
+                          <a:spcPts val="0"/>
+                        </a:spcAft>
+                        <a:buClrTx/>
+                        <a:buSzTx/>
+                        <a:buFontTx/>
+                        <a:buNone/>
+                        <a:tabLst/>
+                        <a:defRPr/>
+                      </a:pPr>
+                      <a:r>
+                        <a:rPr lang="de-DE" sz="1100" u="none" baseline="0" dirty="0" err="1">
+                          <a:latin typeface="Arial" panose="020B0604020202020204" pitchFamily="34" charset="0"/>
+                          <a:cs typeface="Arial" panose="020B0604020202020204" pitchFamily="34" charset="0"/>
+                          <a:sym typeface="Wingdings" panose="05000000000000000000" pitchFamily="2" charset="2"/>
+                        </a:rPr>
+                        <a:t>imprint</a:t>
+                      </a:r>
+                      <a:r>
+                        <a:rPr lang="de-DE" sz="1100" u="none" baseline="0" dirty="0">
+                          <a:latin typeface="Arial" panose="020B0604020202020204" pitchFamily="34" charset="0"/>
+                          <a:cs typeface="Arial" panose="020B0604020202020204" pitchFamily="34" charset="0"/>
+                          <a:sym typeface="Wingdings" panose="05000000000000000000" pitchFamily="2" charset="2"/>
+                        </a:rPr>
+                        <a:t> </a:t>
+                      </a:r>
+                      <a:r>
+                        <a:rPr lang="de-DE" sz="600" u="none" baseline="0" dirty="0">
+                          <a:solidFill>
+                            <a:srgbClr val="C00000"/>
+                          </a:solidFill>
+                          <a:latin typeface="Arial" panose="020B0604020202020204" pitchFamily="34" charset="0"/>
+                          <a:cs typeface="Arial" panose="020B0604020202020204" pitchFamily="34" charset="0"/>
+                          <a:sym typeface="Wingdings" panose="05000000000000000000" pitchFamily="2" charset="2"/>
+                        </a:rPr>
+                        <a:t>=&gt; </a:t>
+                      </a:r>
+                      <a:r>
+                        <a:rPr lang="de-DE" sz="600" u="none" baseline="0" dirty="0" err="1">
+                          <a:solidFill>
+                            <a:srgbClr val="C00000"/>
+                          </a:solidFill>
+                          <a:latin typeface="Arial" panose="020B0604020202020204" pitchFamily="34" charset="0"/>
+                          <a:cs typeface="Arial" panose="020B0604020202020204" pitchFamily="34" charset="0"/>
+                          <a:sym typeface="Wingdings" panose="05000000000000000000" pitchFamily="2" charset="2"/>
+                        </a:rPr>
+                        <a:t>varchar</a:t>
+                      </a:r>
+                      <a:r>
+                        <a:rPr lang="de-DE" sz="600" u="none" baseline="0" dirty="0">
+                          <a:solidFill>
+                            <a:srgbClr val="C00000"/>
+                          </a:solidFill>
+                          <a:latin typeface="Arial" panose="020B0604020202020204" pitchFamily="34" charset="0"/>
+                          <a:cs typeface="Arial" panose="020B0604020202020204" pitchFamily="34" charset="0"/>
+                          <a:sym typeface="Wingdings" panose="05000000000000000000" pitchFamily="2" charset="2"/>
+                        </a:rPr>
+                        <a:t>[255], </a:t>
+                      </a:r>
+                      <a:r>
+                        <a:rPr lang="de-DE" sz="600" u="none" baseline="0" dirty="0">
+                          <a:solidFill>
+                            <a:srgbClr val="00B0F0"/>
+                          </a:solidFill>
+                          <a:latin typeface="Arial" panose="020B0604020202020204" pitchFamily="34" charset="0"/>
+                          <a:cs typeface="Arial" panose="020B0604020202020204" pitchFamily="34" charset="0"/>
+                          <a:sym typeface="Wingdings" panose="05000000000000000000" pitchFamily="2" charset="2"/>
+                        </a:rPr>
+                        <a:t>kein Default-Wert, NN</a:t>
+                      </a:r>
+                    </a:p>
+                    <a:p>
+                      <a:pPr marL="0" marR="0" lvl="0" indent="0" algn="l" defTabSz="914400" rtl="0" eaLnBrk="1" fontAlgn="auto" latinLnBrk="0" hangingPunct="1">
+                        <a:lnSpc>
+                          <a:spcPct val="100000"/>
+                        </a:lnSpc>
+                        <a:spcBef>
+                          <a:spcPts val="0"/>
+                        </a:spcBef>
+                        <a:spcAft>
+                          <a:spcPts val="0"/>
+                        </a:spcAft>
+                        <a:buClrTx/>
+                        <a:buSzTx/>
+                        <a:buFontTx/>
+                        <a:buNone/>
+                        <a:tabLst/>
+                        <a:defRPr/>
+                      </a:pPr>
+                      <a:r>
+                        <a:rPr lang="de-DE" sz="1100" u="none" baseline="0" dirty="0" err="1">
+                          <a:latin typeface="Arial" panose="020B0604020202020204" pitchFamily="34" charset="0"/>
+                          <a:cs typeface="Arial" panose="020B0604020202020204" pitchFamily="34" charset="0"/>
+                          <a:sym typeface="Wingdings" panose="05000000000000000000" pitchFamily="2" charset="2"/>
+                        </a:rPr>
+                        <a:t>privacyinformation</a:t>
+                      </a:r>
+                      <a:r>
+                        <a:rPr lang="de-DE" sz="1100" u="none" baseline="0" dirty="0">
+                          <a:latin typeface="Arial" panose="020B0604020202020204" pitchFamily="34" charset="0"/>
+                          <a:cs typeface="Arial" panose="020B0604020202020204" pitchFamily="34" charset="0"/>
+                          <a:sym typeface="Wingdings" panose="05000000000000000000" pitchFamily="2" charset="2"/>
+                        </a:rPr>
+                        <a:t> </a:t>
+                      </a:r>
+                      <a:r>
+                        <a:rPr lang="de-DE" sz="600" u="none" baseline="0" dirty="0">
+                          <a:solidFill>
+                            <a:srgbClr val="C00000"/>
+                          </a:solidFill>
+                          <a:latin typeface="Arial" panose="020B0604020202020204" pitchFamily="34" charset="0"/>
+                          <a:cs typeface="Arial" panose="020B0604020202020204" pitchFamily="34" charset="0"/>
+                          <a:sym typeface="Wingdings" panose="05000000000000000000" pitchFamily="2" charset="2"/>
+                        </a:rPr>
+                        <a:t>=&gt; </a:t>
+                      </a:r>
+                      <a:r>
+                        <a:rPr lang="de-DE" sz="600" u="none" baseline="0" dirty="0" err="1">
+                          <a:solidFill>
+                            <a:srgbClr val="C00000"/>
+                          </a:solidFill>
+                          <a:latin typeface="Arial" panose="020B0604020202020204" pitchFamily="34" charset="0"/>
+                          <a:cs typeface="Arial" panose="020B0604020202020204" pitchFamily="34" charset="0"/>
+                          <a:sym typeface="Wingdings" panose="05000000000000000000" pitchFamily="2" charset="2"/>
+                        </a:rPr>
+                        <a:t>varchar</a:t>
+                      </a:r>
+                      <a:r>
+                        <a:rPr lang="de-DE" sz="600" u="none" baseline="0" dirty="0">
+                          <a:solidFill>
+                            <a:srgbClr val="C00000"/>
+                          </a:solidFill>
+                          <a:latin typeface="Arial" panose="020B0604020202020204" pitchFamily="34" charset="0"/>
+                          <a:cs typeface="Arial" panose="020B0604020202020204" pitchFamily="34" charset="0"/>
+                          <a:sym typeface="Wingdings" panose="05000000000000000000" pitchFamily="2" charset="2"/>
+                        </a:rPr>
+                        <a:t>[255], </a:t>
+                      </a:r>
+                      <a:r>
+                        <a:rPr lang="de-DE" sz="600" u="none" baseline="0" dirty="0">
+                          <a:solidFill>
+                            <a:srgbClr val="00B0F0"/>
+                          </a:solidFill>
+                          <a:latin typeface="Arial" panose="020B0604020202020204" pitchFamily="34" charset="0"/>
+                          <a:cs typeface="Arial" panose="020B0604020202020204" pitchFamily="34" charset="0"/>
+                          <a:sym typeface="Wingdings" panose="05000000000000000000" pitchFamily="2" charset="2"/>
+                        </a:rPr>
+                        <a:t>kein</a:t>
+                      </a:r>
+                      <a:r>
+                        <a:rPr lang="de-DE" sz="600" u="none" baseline="0" dirty="0">
+                          <a:solidFill>
+                            <a:srgbClr val="00B0F0"/>
+                          </a:solidFill>
+                          <a:latin typeface="Arial" panose="020B0604020202020204" pitchFamily="34" charset="0"/>
+                          <a:cs typeface="Arial" panose="020B0604020202020204" pitchFamily="34" charset="0"/>
+                          <a:sym typeface="Wingdings" panose="05000000000000000000" pitchFamily="2" charset="2"/>
+                        </a:rPr>
+                        <a:t> </a:t>
+                      </a:r>
+                      <a:r>
+                        <a:rPr lang="de-DE" sz="600" u="none" baseline="0" dirty="0">
+                          <a:solidFill>
+                            <a:srgbClr val="00B0F0"/>
+                          </a:solidFill>
+                          <a:latin typeface="Arial" panose="020B0604020202020204" pitchFamily="34" charset="0"/>
+                          <a:cs typeface="Arial" panose="020B0604020202020204" pitchFamily="34" charset="0"/>
+                          <a:sym typeface="Wingdings" panose="05000000000000000000" pitchFamily="2" charset="2"/>
+                        </a:rPr>
+                        <a:t>Default-Wert</a:t>
+                      </a:r>
+                    </a:p>
+                    <a:p>
+                      <a:pPr marL="0" marR="0" lvl="0" indent="0" algn="l" defTabSz="914400" rtl="0" eaLnBrk="1" fontAlgn="auto" latinLnBrk="0" hangingPunct="1">
+                        <a:lnSpc>
+                          <a:spcPct val="100000"/>
+                        </a:lnSpc>
+                        <a:spcBef>
+                          <a:spcPts val="0"/>
+                        </a:spcBef>
+                        <a:spcAft>
+                          <a:spcPts val="0"/>
+                        </a:spcAft>
+                        <a:buClrTx/>
+                        <a:buSzTx/>
+                        <a:buFontTx/>
+                        <a:buNone/>
+                        <a:tabLst/>
+                        <a:defRPr/>
+                      </a:pPr>
+                      <a:r>
+                        <a:rPr lang="de-DE" sz="1100" u="none" baseline="0" dirty="0" err="1">
+                          <a:latin typeface="Arial" panose="020B0604020202020204" pitchFamily="34" charset="0"/>
+                          <a:cs typeface="Arial" panose="020B0604020202020204" pitchFamily="34" charset="0"/>
+                          <a:sym typeface="Wingdings" panose="05000000000000000000" pitchFamily="2" charset="2"/>
+                        </a:rPr>
+                        <a:t>gtc</a:t>
+                      </a:r>
+                      <a:r>
+                        <a:rPr lang="de-DE" sz="1100" u="none" baseline="0" dirty="0">
+                          <a:latin typeface="Arial" panose="020B0604020202020204" pitchFamily="34" charset="0"/>
+                          <a:cs typeface="Arial" panose="020B0604020202020204" pitchFamily="34" charset="0"/>
+                          <a:sym typeface="Wingdings" panose="05000000000000000000" pitchFamily="2" charset="2"/>
+                        </a:rPr>
+                        <a:t> </a:t>
+                      </a:r>
+                      <a:r>
+                        <a:rPr lang="de-DE" sz="600" u="none" baseline="0" dirty="0">
+                          <a:solidFill>
+                            <a:srgbClr val="C00000"/>
+                          </a:solidFill>
+                          <a:latin typeface="Arial" panose="020B0604020202020204" pitchFamily="34" charset="0"/>
+                          <a:cs typeface="Arial" panose="020B0604020202020204" pitchFamily="34" charset="0"/>
+                          <a:sym typeface="Wingdings" panose="05000000000000000000" pitchFamily="2" charset="2"/>
+                        </a:rPr>
+                        <a:t>=&gt; </a:t>
+                      </a:r>
+                      <a:r>
+                        <a:rPr lang="de-DE" sz="600" u="none" baseline="0" dirty="0" err="1">
+                          <a:solidFill>
+                            <a:srgbClr val="C00000"/>
+                          </a:solidFill>
+                          <a:latin typeface="Arial" panose="020B0604020202020204" pitchFamily="34" charset="0"/>
+                          <a:cs typeface="Arial" panose="020B0604020202020204" pitchFamily="34" charset="0"/>
+                          <a:sym typeface="Wingdings" panose="05000000000000000000" pitchFamily="2" charset="2"/>
+                        </a:rPr>
+                        <a:t>varchar</a:t>
+                      </a:r>
+                      <a:r>
+                        <a:rPr lang="de-DE" sz="600" u="none" baseline="0" dirty="0">
+                          <a:solidFill>
+                            <a:srgbClr val="C00000"/>
+                          </a:solidFill>
+                          <a:latin typeface="Arial" panose="020B0604020202020204" pitchFamily="34" charset="0"/>
+                          <a:cs typeface="Arial" panose="020B0604020202020204" pitchFamily="34" charset="0"/>
+                          <a:sym typeface="Wingdings" panose="05000000000000000000" pitchFamily="2" charset="2"/>
+                        </a:rPr>
+                        <a:t>[255], </a:t>
+                      </a:r>
+                      <a:r>
+                        <a:rPr lang="de-DE" sz="600" u="none" baseline="0" dirty="0">
+                          <a:solidFill>
+                            <a:srgbClr val="00B0F0"/>
+                          </a:solidFill>
+                          <a:latin typeface="Arial" panose="020B0604020202020204" pitchFamily="34" charset="0"/>
+                          <a:cs typeface="Arial" panose="020B0604020202020204" pitchFamily="34" charset="0"/>
+                          <a:sym typeface="Wingdings" panose="05000000000000000000" pitchFamily="2" charset="2"/>
+                        </a:rPr>
+                        <a:t>kein Default-Wert, NN</a:t>
+                      </a:r>
+                    </a:p>
+                    <a:p>
+                      <a:pPr marL="0" marR="0" lvl="0" indent="0" algn="l" defTabSz="914400" rtl="0" eaLnBrk="1" fontAlgn="auto" latinLnBrk="0" hangingPunct="1">
+                        <a:lnSpc>
+                          <a:spcPct val="100000"/>
+                        </a:lnSpc>
+                        <a:spcBef>
+                          <a:spcPts val="0"/>
+                        </a:spcBef>
+                        <a:spcAft>
+                          <a:spcPts val="0"/>
+                        </a:spcAft>
+                        <a:buClrTx/>
+                        <a:buSzTx/>
+                        <a:buFontTx/>
+                        <a:buNone/>
+                        <a:tabLst/>
+                        <a:defRPr/>
+                      </a:pPr>
+                      <a:r>
+                        <a:rPr lang="de-DE" sz="1100" u="none" baseline="0" dirty="0" err="1">
+                          <a:latin typeface="Arial" panose="020B0604020202020204" pitchFamily="34" charset="0"/>
+                          <a:cs typeface="Arial" panose="020B0604020202020204" pitchFamily="34" charset="0"/>
+                          <a:sym typeface="Wingdings" panose="05000000000000000000" pitchFamily="2" charset="2"/>
+                        </a:rPr>
+                        <a:t>login</a:t>
+                      </a:r>
+                      <a:r>
+                        <a:rPr lang="de-DE" sz="1100" u="none" baseline="0" dirty="0">
+                          <a:latin typeface="Arial" panose="020B0604020202020204" pitchFamily="34" charset="0"/>
+                          <a:cs typeface="Arial" panose="020B0604020202020204" pitchFamily="34" charset="0"/>
+                          <a:sym typeface="Wingdings" panose="05000000000000000000" pitchFamily="2" charset="2"/>
+                        </a:rPr>
+                        <a:t> </a:t>
+                      </a:r>
+                      <a:r>
+                        <a:rPr lang="de-DE" sz="600" u="none" kern="1200" baseline="0" dirty="0">
+                          <a:solidFill>
+                            <a:srgbClr val="C00000"/>
+                          </a:solidFill>
+                          <a:latin typeface="Arial" panose="020B0604020202020204" pitchFamily="34" charset="0"/>
+                          <a:ea typeface="+mn-ea"/>
+                          <a:cs typeface="Arial" panose="020B0604020202020204" pitchFamily="34" charset="0"/>
+                          <a:sym typeface="Wingdings" panose="05000000000000000000" pitchFamily="2" charset="2"/>
+                        </a:rPr>
+                        <a:t>=&gt; </a:t>
+                      </a:r>
+                      <a:r>
+                        <a:rPr lang="de-DE" sz="600" u="none" kern="1200" baseline="0" dirty="0" err="1">
+                          <a:solidFill>
+                            <a:srgbClr val="C00000"/>
+                          </a:solidFill>
+                          <a:latin typeface="Arial" panose="020B0604020202020204" pitchFamily="34" charset="0"/>
+                          <a:ea typeface="+mn-ea"/>
+                          <a:cs typeface="Arial" panose="020B0604020202020204" pitchFamily="34" charset="0"/>
+                          <a:sym typeface="Wingdings" panose="05000000000000000000" pitchFamily="2" charset="2"/>
+                        </a:rPr>
+                        <a:t>tinyint</a:t>
+                      </a:r>
+                      <a:r>
+                        <a:rPr lang="de-DE" sz="600" u="none" kern="1200" baseline="0" dirty="0">
+                          <a:solidFill>
+                            <a:srgbClr val="C00000"/>
+                          </a:solidFill>
+                          <a:latin typeface="Arial" panose="020B0604020202020204" pitchFamily="34" charset="0"/>
+                          <a:ea typeface="+mn-ea"/>
+                          <a:cs typeface="Arial" panose="020B0604020202020204" pitchFamily="34" charset="0"/>
+                          <a:sym typeface="Wingdings" panose="05000000000000000000" pitchFamily="2" charset="2"/>
+                        </a:rPr>
+                        <a:t>, </a:t>
+                      </a:r>
+                      <a:r>
+                        <a:rPr lang="de-DE" sz="600" u="none" kern="1200" baseline="0" dirty="0">
+                          <a:solidFill>
+                            <a:srgbClr val="00B0F0"/>
+                          </a:solidFill>
+                          <a:latin typeface="Arial" panose="020B0604020202020204" pitchFamily="34" charset="0"/>
+                          <a:ea typeface="+mn-ea"/>
+                          <a:cs typeface="Arial" panose="020B0604020202020204" pitchFamily="34" charset="0"/>
+                          <a:sym typeface="Wingdings" panose="05000000000000000000" pitchFamily="2" charset="2"/>
+                        </a:rPr>
+                        <a:t>FALSE</a:t>
+                      </a:r>
+                      <a:endParaRPr lang="de-DE" sz="600" u="none" kern="1200" baseline="0" dirty="0">
+                        <a:solidFill>
+                          <a:srgbClr val="C00000"/>
+                        </a:solidFill>
+                        <a:latin typeface="Arial" panose="020B0604020202020204" pitchFamily="34" charset="0"/>
+                        <a:ea typeface="+mn-ea"/>
+                        <a:cs typeface="Arial" panose="020B0604020202020204" pitchFamily="34" charset="0"/>
+                        <a:sym typeface="Wingdings" panose="05000000000000000000" pitchFamily="2" charset="2"/>
+                      </a:endParaRPr>
+                    </a:p>
+                  </a:txBody>
+                  <a:tcPr/>
+                </a:tc>
+                <a:extLst>
+                  <a:ext uri="{0D108BD9-81ED-4DB2-BD59-A6C34878D82A}">
+                    <a16:rowId xmlns:a16="http://schemas.microsoft.com/office/drawing/2014/main" val="10001"/>
+                  </a:ext>
+                </a:extLst>
+              </a:tr>
+            </a:tbl>
+          </a:graphicData>
+        </a:graphic>
+      </p:graphicFrame>
+      <p:sp>
+        <p:nvSpPr>
+          <p:cNvPr id="48" name="Rechteck 47"/>
+          <p:cNvSpPr/>
+          <p:nvPr/>
+        </p:nvSpPr>
+        <p:spPr>
+          <a:xfrm>
+            <a:off x="7867891" y="5372917"/>
+            <a:ext cx="889520" cy="369332"/>
+          </a:xfrm>
+          <a:prstGeom prst="rect">
+            <a:avLst/>
+          </a:prstGeom>
+        </p:spPr>
+        <p:txBody>
+          <a:bodyPr wrap="square">
+            <a:spAutoFit/>
+          </a:bodyPr>
+          <a:lstStyle/>
+          <a:p>
+            <a:r>
+              <a:rPr lang="de-DE" sz="600" dirty="0">
+                <a:latin typeface="Arial" panose="020B0604020202020204" pitchFamily="34" charset="0"/>
+                <a:cs typeface="Arial" panose="020B0604020202020204" pitchFamily="34" charset="0"/>
+                <a:sym typeface="Wingdings" panose="05000000000000000000" pitchFamily="2" charset="2"/>
+              </a:rPr>
+              <a:t>GTC: </a:t>
+            </a:r>
+            <a:r>
+              <a:rPr lang="de-DE" sz="600" dirty="0" err="1">
+                <a:latin typeface="Arial" panose="020B0604020202020204" pitchFamily="34" charset="0"/>
+                <a:cs typeface="Arial" panose="020B0604020202020204" pitchFamily="34" charset="0"/>
+                <a:sym typeface="Wingdings" panose="05000000000000000000" pitchFamily="2" charset="2"/>
+              </a:rPr>
+              <a:t>general</a:t>
+            </a:r>
+            <a:r>
+              <a:rPr lang="de-DE" sz="600" dirty="0">
+                <a:latin typeface="Arial" panose="020B0604020202020204" pitchFamily="34" charset="0"/>
+                <a:cs typeface="Arial" panose="020B0604020202020204" pitchFamily="34" charset="0"/>
+                <a:sym typeface="Wingdings" panose="05000000000000000000" pitchFamily="2" charset="2"/>
+              </a:rPr>
+              <a:t> Terms </a:t>
+            </a:r>
+            <a:r>
+              <a:rPr lang="de-DE" sz="600" dirty="0" err="1">
+                <a:latin typeface="Arial" panose="020B0604020202020204" pitchFamily="34" charset="0"/>
+                <a:cs typeface="Arial" panose="020B0604020202020204" pitchFamily="34" charset="0"/>
+                <a:sym typeface="Wingdings" panose="05000000000000000000" pitchFamily="2" charset="2"/>
+              </a:rPr>
+              <a:t>and</a:t>
+            </a:r>
+            <a:r>
+              <a:rPr lang="de-DE" sz="600" dirty="0">
+                <a:latin typeface="Arial" panose="020B0604020202020204" pitchFamily="34" charset="0"/>
+                <a:cs typeface="Arial" panose="020B0604020202020204" pitchFamily="34" charset="0"/>
+                <a:sym typeface="Wingdings" panose="05000000000000000000" pitchFamily="2" charset="2"/>
+              </a:rPr>
+              <a:t> </a:t>
+            </a:r>
+            <a:r>
+              <a:rPr lang="de-DE" sz="600" dirty="0" err="1">
+                <a:latin typeface="Arial" panose="020B0604020202020204" pitchFamily="34" charset="0"/>
+                <a:cs typeface="Arial" panose="020B0604020202020204" pitchFamily="34" charset="0"/>
+                <a:sym typeface="Wingdings" panose="05000000000000000000" pitchFamily="2" charset="2"/>
+              </a:rPr>
+              <a:t>conditions</a:t>
+            </a:r>
+            <a:r>
+              <a:rPr lang="de-DE" sz="600" dirty="0">
+                <a:latin typeface="Arial" panose="020B0604020202020204" pitchFamily="34" charset="0"/>
+                <a:cs typeface="Arial" panose="020B0604020202020204" pitchFamily="34" charset="0"/>
+                <a:sym typeface="Wingdings" panose="05000000000000000000" pitchFamily="2" charset="2"/>
+              </a:rPr>
+              <a:t> (AGB)</a:t>
+            </a:r>
+            <a:endParaRPr lang="de-DE" sz="600" dirty="0"/>
+          </a:p>
+        </p:txBody>
+      </p:sp>
+      <p:cxnSp>
+        <p:nvCxnSpPr>
+          <p:cNvPr id="53" name="Gerade Verbindung mit Pfeil 52"/>
+          <p:cNvCxnSpPr>
+            <a:cxnSpLocks/>
+            <a:stCxn id="46" idx="2"/>
+          </p:cNvCxnSpPr>
+          <p:nvPr/>
+        </p:nvCxnSpPr>
+        <p:spPr>
+          <a:xfrm>
+            <a:off x="2375756" y="5013176"/>
+            <a:ext cx="0" cy="288032"/>
+          </a:xfrm>
+          <a:prstGeom prst="straightConnector1">
+            <a:avLst/>
+          </a:prstGeom>
+          <a:ln w="15875">
+            <a:solidFill>
+              <a:schemeClr val="tx1"/>
+            </a:solidFill>
+            <a:tailEnd type="arrow"/>
+          </a:ln>
+        </p:spPr>
+        <p:style>
+          <a:lnRef idx="1">
+            <a:schemeClr val="accent1"/>
+          </a:lnRef>
+          <a:fillRef idx="0">
+            <a:schemeClr val="accent1"/>
+          </a:fillRef>
+          <a:effectRef idx="0">
+            <a:schemeClr val="accent1"/>
+          </a:effectRef>
+          <a:fontRef idx="minor">
+            <a:schemeClr val="tx1"/>
+          </a:fontRef>
+        </p:style>
+      </p:cxnSp>
     </p:spTree>
     <p:extLst>
       <p:ext uri="{BB962C8B-B14F-4D97-AF65-F5344CB8AC3E}">

--- a/Spezifikationen/CMS_Modell_Spezifikation.pptx
+++ b/Spezifikationen/CMS_Modell_Spezifikation.pptx
@@ -11648,7 +11648,7 @@
           <p:nvPr>
             <p:extLst>
               <p:ext uri="{D42A27DB-BD31-4B8C-83A1-F6EECF244321}">
-                <p14:modId xmlns:p14="http://schemas.microsoft.com/office/powerpoint/2010/main" val="1597742836"/>
+                <p14:modId xmlns:p14="http://schemas.microsoft.com/office/powerpoint/2010/main" val="1714335386"/>
               </p:ext>
             </p:extLst>
           </p:nvPr>
@@ -11846,12 +11846,20 @@
                         <a:defRPr/>
                       </a:pPr>
                       <a:r>
+                        <a:rPr lang="de-DE" sz="1100" u="sng" baseline="0" dirty="0">
+                          <a:latin typeface="Arial" panose="020B0604020202020204" pitchFamily="34" charset="0"/>
+                          <a:cs typeface="Arial" panose="020B0604020202020204" pitchFamily="34" charset="0"/>
+                          <a:sym typeface="Wingdings" panose="05000000000000000000" pitchFamily="2" charset="2"/>
+                        </a:rPr>
+                        <a:t>headertitle</a:t>
+                      </a:r>
+                      <a:r>
                         <a:rPr lang="de-DE" sz="1100" u="none" baseline="0" dirty="0">
                           <a:latin typeface="Arial" panose="020B0604020202020204" pitchFamily="34" charset="0"/>
                           <a:cs typeface="Arial" panose="020B0604020202020204" pitchFamily="34" charset="0"/>
                           <a:sym typeface="Wingdings" panose="05000000000000000000" pitchFamily="2" charset="2"/>
                         </a:rPr>
-                        <a:t>headertitle </a:t>
+                        <a:t> </a:t>
                       </a:r>
                       <a:r>
                         <a:rPr lang="de-DE" sz="600" u="none" baseline="0" dirty="0">
@@ -11895,7 +11903,7 @@
                           <a:cs typeface="Arial" panose="020B0604020202020204" pitchFamily="34" charset="0"/>
                           <a:sym typeface="Wingdings" panose="05000000000000000000" pitchFamily="2" charset="2"/>
                         </a:rPr>
-                        <a:t>kein Default-Wert, NN</a:t>
+                        <a:t>NN</a:t>
                       </a:r>
                     </a:p>
                     <a:p>
@@ -11952,7 +11960,7 @@
                           <a:cs typeface="Arial" panose="020B0604020202020204" pitchFamily="34" charset="0"/>
                           <a:sym typeface="Wingdings" panose="05000000000000000000" pitchFamily="2" charset="2"/>
                         </a:rPr>
-                        <a:t>varchar</a:t>
+                        <a:t>text</a:t>
                       </a:r>
                       <a:r>
                         <a:rPr lang="de-DE" sz="600" u="none" baseline="0" dirty="0">
@@ -11963,7 +11971,7 @@
                           <a:cs typeface="Arial" panose="020B0604020202020204" pitchFamily="34" charset="0"/>
                           <a:sym typeface="Wingdings" panose="05000000000000000000" pitchFamily="2" charset="2"/>
                         </a:rPr>
-                        <a:t>[255], </a:t>
+                        <a:t>, </a:t>
                       </a:r>
                       <a:r>
                         <a:rPr lang="de-DE" sz="600" u="none" baseline="0" dirty="0">
@@ -11974,7 +11982,7 @@
                           <a:cs typeface="Arial" panose="020B0604020202020204" pitchFamily="34" charset="0"/>
                           <a:sym typeface="Wingdings" panose="05000000000000000000" pitchFamily="2" charset="2"/>
                         </a:rPr>
-                        <a:t>kein Default-Wert, NN</a:t>
+                        <a:t>NULL</a:t>
                       </a:r>
                     </a:p>
                     <a:p>
@@ -12020,7 +12028,7 @@
                           <a:cs typeface="Arial" panose="020B0604020202020204" pitchFamily="34" charset="0"/>
                           <a:sym typeface="Wingdings" panose="05000000000000000000" pitchFamily="2" charset="2"/>
                         </a:rPr>
-                        <a:t>=&gt; </a:t>
+                        <a:t>=&gt;</a:t>
                       </a:r>
                       <a:r>
                         <a:rPr lang="de-DE" sz="600" u="none" baseline="0" dirty="0" err="1">
@@ -12031,7 +12039,7 @@
                           <a:cs typeface="Arial" panose="020B0604020202020204" pitchFamily="34" charset="0"/>
                           <a:sym typeface="Wingdings" panose="05000000000000000000" pitchFamily="2" charset="2"/>
                         </a:rPr>
-                        <a:t>varchar</a:t>
+                        <a:t>text</a:t>
                       </a:r>
                       <a:r>
                         <a:rPr lang="de-DE" sz="600" u="none" baseline="0" dirty="0">
@@ -12042,7 +12050,7 @@
                           <a:cs typeface="Arial" panose="020B0604020202020204" pitchFamily="34" charset="0"/>
                           <a:sym typeface="Wingdings" panose="05000000000000000000" pitchFamily="2" charset="2"/>
                         </a:rPr>
-                        <a:t>[255], </a:t>
+                        <a:t>, </a:t>
                       </a:r>
                       <a:r>
                         <a:rPr lang="de-DE" sz="600" u="none" baseline="0" dirty="0">
@@ -12053,7 +12061,7 @@
                           <a:cs typeface="Arial" panose="020B0604020202020204" pitchFamily="34" charset="0"/>
                           <a:sym typeface="Wingdings" panose="05000000000000000000" pitchFamily="2" charset="2"/>
                         </a:rPr>
-                        <a:t>kein Default-Wert, NN</a:t>
+                        <a:t>NULL</a:t>
                       </a:r>
                     </a:p>
                     <a:p>
@@ -12110,7 +12118,7 @@
                           <a:cs typeface="Arial" panose="020B0604020202020204" pitchFamily="34" charset="0"/>
                           <a:sym typeface="Wingdings" panose="05000000000000000000" pitchFamily="2" charset="2"/>
                         </a:rPr>
-                        <a:t>varchar</a:t>
+                        <a:t>text</a:t>
                       </a:r>
                       <a:r>
                         <a:rPr lang="de-DE" sz="600" u="none" baseline="0" dirty="0">
@@ -12121,7 +12129,7 @@
                           <a:cs typeface="Arial" panose="020B0604020202020204" pitchFamily="34" charset="0"/>
                           <a:sym typeface="Wingdings" panose="05000000000000000000" pitchFamily="2" charset="2"/>
                         </a:rPr>
-                        <a:t>[255], </a:t>
+                        <a:t>, </a:t>
                       </a:r>
                       <a:r>
                         <a:rPr lang="de-DE" sz="600" u="none" baseline="0" dirty="0">
@@ -12132,29 +12140,7 @@
                           <a:cs typeface="Arial" panose="020B0604020202020204" pitchFamily="34" charset="0"/>
                           <a:sym typeface="Wingdings" panose="05000000000000000000" pitchFamily="2" charset="2"/>
                         </a:rPr>
-                        <a:t>kein</a:t>
-                      </a:r>
-                      <a:r>
-                        <a:rPr lang="de-DE" sz="600" u="none" baseline="0" dirty="0">
-                          <a:solidFill>
-                            <a:srgbClr val="00B0F0"/>
-                          </a:solidFill>
-                          <a:latin typeface="Arial" panose="020B0604020202020204" pitchFamily="34" charset="0"/>
-                          <a:cs typeface="Arial" panose="020B0604020202020204" pitchFamily="34" charset="0"/>
-                          <a:sym typeface="Wingdings" panose="05000000000000000000" pitchFamily="2" charset="2"/>
-                        </a:rPr>
-                        <a:t> </a:t>
-                      </a:r>
-                      <a:r>
-                        <a:rPr lang="de-DE" sz="600" u="none" baseline="0" dirty="0">
-                          <a:solidFill>
-                            <a:srgbClr val="00B0F0"/>
-                          </a:solidFill>
-                          <a:latin typeface="Arial" panose="020B0604020202020204" pitchFamily="34" charset="0"/>
-                          <a:cs typeface="Arial" panose="020B0604020202020204" pitchFamily="34" charset="0"/>
-                          <a:sym typeface="Wingdings" panose="05000000000000000000" pitchFamily="2" charset="2"/>
-                        </a:rPr>
-                        <a:t>Default-Wert</a:t>
+                        <a:t>NULL</a:t>
                       </a:r>
                     </a:p>
                     <a:p>
@@ -12211,21 +12197,21 @@
                           <a:cs typeface="Arial" panose="020B0604020202020204" pitchFamily="34" charset="0"/>
                           <a:sym typeface="Wingdings" panose="05000000000000000000" pitchFamily="2" charset="2"/>
                         </a:rPr>
-                        <a:t>varchar</a:t>
-                      </a:r>
-                      <a:r>
-                        <a:rPr lang="de-DE" sz="600" u="none" baseline="0" dirty="0">
-                          <a:solidFill>
-                            <a:srgbClr val="C00000"/>
-                          </a:solidFill>
-                          <a:latin typeface="Arial" panose="020B0604020202020204" pitchFamily="34" charset="0"/>
-                          <a:cs typeface="Arial" panose="020B0604020202020204" pitchFamily="34" charset="0"/>
-                          <a:sym typeface="Wingdings" panose="05000000000000000000" pitchFamily="2" charset="2"/>
-                        </a:rPr>
-                        <a:t>[255], </a:t>
-                      </a:r>
-                      <a:r>
-                        <a:rPr lang="de-DE" sz="600" u="none" baseline="0" dirty="0">
+                        <a:t>text</a:t>
+                      </a:r>
+                      <a:r>
+                        <a:rPr lang="de-DE" sz="600" u="none" baseline="0">
+                          <a:solidFill>
+                            <a:srgbClr val="C00000"/>
+                          </a:solidFill>
+                          <a:latin typeface="Arial" panose="020B0604020202020204" pitchFamily="34" charset="0"/>
+                          <a:cs typeface="Arial" panose="020B0604020202020204" pitchFamily="34" charset="0"/>
+                          <a:sym typeface="Wingdings" panose="05000000000000000000" pitchFamily="2" charset="2"/>
+                        </a:rPr>
+                        <a:t>, </a:t>
+                      </a:r>
+                      <a:r>
+                        <a:rPr lang="de-DE" sz="600" u="none" baseline="0">
                           <a:solidFill>
                             <a:srgbClr val="00B0F0"/>
                           </a:solidFill>
@@ -12233,8 +12219,16 @@
                           <a:cs typeface="Arial" panose="020B0604020202020204" pitchFamily="34" charset="0"/>
                           <a:sym typeface="Wingdings" panose="05000000000000000000" pitchFamily="2" charset="2"/>
                         </a:rPr>
-                        <a:t>kein Default-Wert, NN</a:t>
-                      </a:r>
+                        <a:t>NULL</a:t>
+                      </a:r>
+                      <a:endParaRPr lang="de-DE" sz="600" u="none" baseline="0" dirty="0">
+                        <a:solidFill>
+                          <a:srgbClr val="00B0F0"/>
+                        </a:solidFill>
+                        <a:latin typeface="Arial" panose="020B0604020202020204" pitchFamily="34" charset="0"/>
+                        <a:cs typeface="Arial" panose="020B0604020202020204" pitchFamily="34" charset="0"/>
+                        <a:sym typeface="Wingdings" panose="05000000000000000000" pitchFamily="2" charset="2"/>
+                      </a:endParaRPr>
                     </a:p>
                     <a:p>
                       <a:pPr marL="0" marR="0" lvl="0" indent="0" algn="l" defTabSz="914400" rtl="0" eaLnBrk="1" fontAlgn="auto" latinLnBrk="0" hangingPunct="1">

--- a/Spezifikationen/CMS_Modell_Spezifikation.pptx
+++ b/Spezifikationen/CMS_Modell_Spezifikation.pptx
@@ -214,7 +214,7 @@
           <a:p>
             <a:fld id="{5FB9DE1E-9C59-4472-9BFE-872FCA557505}" type="datetimeFigureOut">
               <a:rPr lang="de-DE" smtClean="0"/>
-              <a:t>05.01.2017</a:t>
+              <a:t>11.01.2017</a:t>
             </a:fld>
             <a:endParaRPr lang="de-DE"/>
           </a:p>
@@ -1194,7 +1194,7 @@
           <a:p>
             <a:fld id="{A8397244-F09A-480D-A398-F059C842E541}" type="datetime1">
               <a:rPr lang="de-DE" smtClean="0"/>
-              <a:t>05.01.2017</a:t>
+              <a:t>11.01.2017</a:t>
             </a:fld>
             <a:endParaRPr lang="de-DE"/>
           </a:p>
@@ -1365,7 +1365,7 @@
           <a:p>
             <a:fld id="{4A0624FD-1E9C-442B-9A77-F7854ECD5C4B}" type="datetime1">
               <a:rPr lang="de-DE" smtClean="0"/>
-              <a:t>05.01.2017</a:t>
+              <a:t>11.01.2017</a:t>
             </a:fld>
             <a:endParaRPr lang="de-DE"/>
           </a:p>
@@ -1546,7 +1546,7 @@
           <a:p>
             <a:fld id="{0F97B927-A088-4873-98CF-029B6CB6D85E}" type="datetime1">
               <a:rPr lang="de-DE" smtClean="0"/>
-              <a:t>05.01.2017</a:t>
+              <a:t>11.01.2017</a:t>
             </a:fld>
             <a:endParaRPr lang="de-DE"/>
           </a:p>
@@ -1717,7 +1717,7 @@
           <a:p>
             <a:fld id="{D6663774-A100-4623-94BA-F6B6B53CC199}" type="datetime1">
               <a:rPr lang="de-DE" smtClean="0"/>
-              <a:t>05.01.2017</a:t>
+              <a:t>11.01.2017</a:t>
             </a:fld>
             <a:endParaRPr lang="de-DE"/>
           </a:p>
@@ -1965,7 +1965,7 @@
           <a:p>
             <a:fld id="{21A81475-685C-4B07-89AC-60C6EAAB6D4C}" type="datetime1">
               <a:rPr lang="de-DE" smtClean="0"/>
-              <a:t>05.01.2017</a:t>
+              <a:t>11.01.2017</a:t>
             </a:fld>
             <a:endParaRPr lang="de-DE"/>
           </a:p>
@@ -2253,7 +2253,7 @@
           <a:p>
             <a:fld id="{B2F9CB55-05F2-4296-95CC-14386AFD87D6}" type="datetime1">
               <a:rPr lang="de-DE" smtClean="0"/>
-              <a:t>05.01.2017</a:t>
+              <a:t>11.01.2017</a:t>
             </a:fld>
             <a:endParaRPr lang="de-DE"/>
           </a:p>
@@ -2675,7 +2675,7 @@
           <a:p>
             <a:fld id="{8E5BD420-9AB9-458C-81BE-DAFAA9902404}" type="datetime1">
               <a:rPr lang="de-DE" smtClean="0"/>
-              <a:t>05.01.2017</a:t>
+              <a:t>11.01.2017</a:t>
             </a:fld>
             <a:endParaRPr lang="de-DE"/>
           </a:p>
@@ -2795,7 +2795,7 @@
           <a:p>
             <a:fld id="{C644B812-3534-4884-8BE6-32A8F8B770F4}" type="datetime1">
               <a:rPr lang="de-DE" smtClean="0"/>
-              <a:t>05.01.2017</a:t>
+              <a:t>11.01.2017</a:t>
             </a:fld>
             <a:endParaRPr lang="de-DE"/>
           </a:p>
@@ -2893,7 +2893,7 @@
           <a:p>
             <a:fld id="{A8F29B9A-F350-418A-A942-E37D8F967607}" type="datetime1">
               <a:rPr lang="de-DE" smtClean="0"/>
-              <a:t>05.01.2017</a:t>
+              <a:t>11.01.2017</a:t>
             </a:fld>
             <a:endParaRPr lang="de-DE"/>
           </a:p>
@@ -3171,7 +3171,7 @@
           <a:p>
             <a:fld id="{D76FCF4F-E669-4E72-9162-ADDF332D172D}" type="datetime1">
               <a:rPr lang="de-DE" smtClean="0"/>
-              <a:t>05.01.2017</a:t>
+              <a:t>11.01.2017</a:t>
             </a:fld>
             <a:endParaRPr lang="de-DE"/>
           </a:p>
@@ -3426,7 +3426,7 @@
           <a:p>
             <a:fld id="{FCC29BEE-D49A-4984-9A0D-EA18D67C6542}" type="datetime1">
               <a:rPr lang="de-DE" smtClean="0"/>
-              <a:t>05.01.2017</a:t>
+              <a:t>11.01.2017</a:t>
             </a:fld>
             <a:endParaRPr lang="de-DE"/>
           </a:p>
@@ -3640,7 +3640,7 @@
           <a:p>
             <a:fld id="{176F2E55-DA60-42A3-9F60-D110BF06A931}" type="datetime1">
               <a:rPr lang="de-DE" smtClean="0"/>
-              <a:t>05.01.2017</a:t>
+              <a:t>11.01.2017</a:t>
             </a:fld>
             <a:endParaRPr lang="de-DE"/>
           </a:p>
@@ -8033,13 +8033,13 @@
           <p:nvPr>
             <p:extLst>
               <p:ext uri="{D42A27DB-BD31-4B8C-83A1-F6EECF244321}">
-                <p14:modId xmlns:p14="http://schemas.microsoft.com/office/powerpoint/2010/main" val="2870135081"/>
+                <p14:modId xmlns:p14="http://schemas.microsoft.com/office/powerpoint/2010/main" val="3850579176"/>
               </p:ext>
             </p:extLst>
           </p:nvPr>
         </p:nvGraphicFramePr>
         <p:xfrm>
-          <a:off x="35496" y="3555149"/>
+          <a:off x="98867" y="3591122"/>
           <a:ext cx="1296144" cy="1143000"/>
         </p:xfrm>
         <a:graphic>
@@ -8391,14 +8391,14 @@
           <p:nvPr>
             <p:extLst>
               <p:ext uri="{D42A27DB-BD31-4B8C-83A1-F6EECF244321}">
-                <p14:modId xmlns:p14="http://schemas.microsoft.com/office/powerpoint/2010/main" val="4130387376"/>
+                <p14:modId xmlns:p14="http://schemas.microsoft.com/office/powerpoint/2010/main" val="814227801"/>
               </p:ext>
             </p:extLst>
           </p:nvPr>
         </p:nvGraphicFramePr>
         <p:xfrm>
-          <a:off x="5292080" y="4048815"/>
-          <a:ext cx="2057396" cy="820345"/>
+          <a:off x="5292080" y="4148399"/>
+          <a:ext cx="1872208" cy="792480"/>
         </p:xfrm>
         <a:graphic>
           <a:graphicData uri="http://schemas.openxmlformats.org/drawingml/2006/table">
@@ -8407,7 +8407,7 @@
                 <a:tableStyleId>{F2DE63D5-997A-4646-A377-4702673A728D}</a:tableStyleId>
               </a:tblPr>
               <a:tblGrid>
-                <a:gridCol w="2057396">
+                <a:gridCol w="1872208">
                   <a:extLst>
                     <a:ext uri="{9D8B030D-6E8A-4147-A177-3AD203B41FA5}">
                       <a16:colId xmlns:a16="http://schemas.microsoft.com/office/drawing/2014/main" val="20000"/>
@@ -8415,7 +8415,7 @@
                   </a:extLst>
                 </a:gridCol>
               </a:tblGrid>
-              <a:tr h="274320">
+              <a:tr h="249175">
                 <a:tc>
                   <a:txBody>
                     <a:bodyPr/>
@@ -8446,7 +8446,7 @@
                           <a:latin typeface="Arial" panose="020B0604020202020204" pitchFamily="34" charset="0"/>
                           <a:cs typeface="Arial" panose="020B0604020202020204" pitchFamily="34" charset="0"/>
                         </a:rPr>
-                        <a:t>Lable_User</a:t>
+                        <a:t>Label_User</a:t>
                       </a:r>
                       <a:endParaRPr lang="de-DE" sz="1200" b="1" dirty="0">
                         <a:solidFill>
@@ -8465,7 +8465,7 @@
                   </a:ext>
                 </a:extLst>
               </a:tr>
-              <a:tr h="546025">
+              <a:tr h="495974">
                 <a:tc>
                   <a:txBody>
                     <a:bodyPr/>
@@ -8494,7 +8494,7 @@
                           <a:cs typeface="Arial" panose="020B0604020202020204" pitchFamily="34" charset="0"/>
                           <a:sym typeface="Wingdings" panose="05000000000000000000" pitchFamily="2" charset="2"/>
                         </a:rPr>
-                        <a:t>lable_id</a:t>
+                        <a:t>label_id</a:t>
                       </a:r>
                       <a:r>
                         <a:rPr lang="de-DE" sz="1100" u="sng" baseline="0" dirty="0">
@@ -8693,7 +8693,7 @@
           <p:nvPr>
             <p:extLst>
               <p:ext uri="{D42A27DB-BD31-4B8C-83A1-F6EECF244321}">
-                <p14:modId xmlns:p14="http://schemas.microsoft.com/office/powerpoint/2010/main" val="3840338657"/>
+                <p14:modId xmlns:p14="http://schemas.microsoft.com/office/powerpoint/2010/main" val="3552950103"/>
               </p:ext>
             </p:extLst>
           </p:nvPr>
@@ -8748,7 +8748,7 @@
                           <a:latin typeface="Arial" panose="020B0604020202020204" pitchFamily="34" charset="0"/>
                           <a:cs typeface="Arial" panose="020B0604020202020204" pitchFamily="34" charset="0"/>
                         </a:rPr>
-                        <a:t>Lable_Article</a:t>
+                        <a:t>Label_Article</a:t>
                       </a:r>
                       <a:endParaRPr lang="de-DE" sz="1200" b="1" dirty="0">
                         <a:solidFill>
@@ -8796,7 +8796,7 @@
                           <a:cs typeface="Arial" panose="020B0604020202020204" pitchFamily="34" charset="0"/>
                           <a:sym typeface="Wingdings" panose="05000000000000000000" pitchFamily="2" charset="2"/>
                         </a:rPr>
-                        <a:t>lable_id</a:t>
+                        <a:t>label_id</a:t>
                       </a:r>
                       <a:r>
                         <a:rPr lang="de-DE" sz="1100" u="sng" baseline="0" dirty="0">
@@ -8995,14 +8995,14 @@
           <p:nvPr>
             <p:extLst>
               <p:ext uri="{D42A27DB-BD31-4B8C-83A1-F6EECF244321}">
-                <p14:modId xmlns:p14="http://schemas.microsoft.com/office/powerpoint/2010/main" val="2807678259"/>
+                <p14:modId xmlns:p14="http://schemas.microsoft.com/office/powerpoint/2010/main" val="227358942"/>
               </p:ext>
             </p:extLst>
           </p:nvPr>
         </p:nvGraphicFramePr>
         <p:xfrm>
           <a:off x="5436096" y="5733256"/>
-          <a:ext cx="1793850" cy="1051560"/>
+          <a:ext cx="1584176" cy="1051560"/>
         </p:xfrm>
         <a:graphic>
           <a:graphicData uri="http://schemas.openxmlformats.org/drawingml/2006/table">
@@ -9011,7 +9011,7 @@
                 <a:tableStyleId>{F2DE63D5-997A-4646-A377-4702673A728D}</a:tableStyleId>
               </a:tblPr>
               <a:tblGrid>
-                <a:gridCol w="1793850">
+                <a:gridCol w="1584176">
                   <a:extLst>
                     <a:ext uri="{9D8B030D-6E8A-4147-A177-3AD203B41FA5}">
                       <a16:colId xmlns:a16="http://schemas.microsoft.com/office/drawing/2014/main" val="20000"/>
@@ -9043,22 +9043,15 @@
                         <a:defRPr/>
                       </a:pPr>
                       <a:r>
-                        <a:rPr lang="de-DE" sz="1200" b="1" dirty="0" err="1">
+                        <a:rPr lang="de-DE" sz="1200" b="1" dirty="0">
                           <a:solidFill>
                             <a:schemeClr val="tx1"/>
                           </a:solidFill>
                           <a:latin typeface="Arial" panose="020B0604020202020204" pitchFamily="34" charset="0"/>
                           <a:cs typeface="Arial" panose="020B0604020202020204" pitchFamily="34" charset="0"/>
                         </a:rPr>
-                        <a:t>Lable</a:t>
-                      </a:r>
-                      <a:endParaRPr lang="de-DE" sz="1200" b="1" dirty="0">
-                        <a:solidFill>
-                          <a:schemeClr val="tx1"/>
-                        </a:solidFill>
-                        <a:latin typeface="Arial" panose="020B0604020202020204" pitchFamily="34" charset="0"/>
-                        <a:cs typeface="Arial" panose="020B0604020202020204" pitchFamily="34" charset="0"/>
-                      </a:endParaRPr>
+                        <a:t>Label</a:t>
+                      </a:r>
                     </a:p>
                   </a:txBody>
                   <a:tcPr/>
@@ -9463,14 +9456,15 @@
         <p:nvCxnSpPr>
           <p:cNvPr id="67" name="Gewinkelte Verbindung 66"/>
           <p:cNvCxnSpPr>
+            <a:cxnSpLocks/>
             <a:endCxn id="42" idx="3"/>
           </p:cNvCxnSpPr>
           <p:nvPr/>
         </p:nvCxnSpPr>
         <p:spPr>
           <a:xfrm rot="16200000" flipV="1">
-            <a:off x="5100933" y="2556552"/>
-            <a:ext cx="2778388" cy="206138"/>
+            <a:off x="5049411" y="2608075"/>
+            <a:ext cx="2891319" cy="216024"/>
           </a:xfrm>
           <a:prstGeom prst="bentConnector2">
             <a:avLst/>
@@ -9501,6 +9495,7 @@
         <p:nvCxnSpPr>
           <p:cNvPr id="72" name="Gerade Verbindung mit Pfeil 71"/>
           <p:cNvCxnSpPr>
+            <a:cxnSpLocks/>
             <a:stCxn id="49" idx="2"/>
             <a:endCxn id="59" idx="0"/>
           </p:cNvCxnSpPr>
@@ -9508,8 +9503,8 @@
         </p:nvCxnSpPr>
         <p:spPr>
           <a:xfrm>
-            <a:off x="6320778" y="4869160"/>
-            <a:ext cx="12243" cy="864096"/>
+            <a:off x="6228184" y="4940879"/>
+            <a:ext cx="0" cy="792377"/>
           </a:xfrm>
           <a:prstGeom prst="straightConnector1">
             <a:avLst/>
@@ -9540,6 +9535,7 @@
         <p:nvCxnSpPr>
           <p:cNvPr id="76" name="Gerade Verbindung mit Pfeil 75"/>
           <p:cNvCxnSpPr>
+            <a:cxnSpLocks/>
             <a:stCxn id="51" idx="3"/>
             <a:endCxn id="59" idx="1"/>
           </p:cNvCxnSpPr>
@@ -9657,45 +9653,6 @@
       </p:cxnSp>
       <p:cxnSp>
         <p:nvCxnSpPr>
-          <p:cNvPr id="104" name="Gerade Verbindung mit Pfeil 103"/>
-          <p:cNvCxnSpPr>
-            <a:cxnSpLocks/>
-            <a:endCxn id="46" idx="3"/>
-          </p:cNvCxnSpPr>
-          <p:nvPr/>
-        </p:nvCxnSpPr>
-        <p:spPr>
-          <a:xfrm flipH="1" flipV="1">
-            <a:off x="3131840" y="4162184"/>
-            <a:ext cx="216024" cy="25308"/>
-          </a:xfrm>
-          <a:prstGeom prst="straightConnector1">
-            <a:avLst/>
-          </a:prstGeom>
-          <a:ln w="15875">
-            <a:solidFill>
-              <a:schemeClr val="tx1"/>
-            </a:solidFill>
-            <a:tailEnd type="arrow"/>
-          </a:ln>
-        </p:spPr>
-        <p:style>
-          <a:lnRef idx="1">
-            <a:schemeClr val="accent1"/>
-          </a:lnRef>
-          <a:fillRef idx="0">
-            <a:schemeClr val="accent1"/>
-          </a:fillRef>
-          <a:effectRef idx="0">
-            <a:schemeClr val="accent1"/>
-          </a:effectRef>
-          <a:fontRef idx="minor">
-            <a:schemeClr val="tx1"/>
-          </a:fontRef>
-        </p:style>
-      </p:cxnSp>
-      <p:cxnSp>
-        <p:nvCxnSpPr>
           <p:cNvPr id="107" name="Gerade Verbindung mit Pfeil 106"/>
           <p:cNvCxnSpPr>
             <a:cxnSpLocks/>
@@ -9705,9 +9662,9 @@
           <p:nvPr/>
         </p:nvCxnSpPr>
         <p:spPr>
-          <a:xfrm flipH="1" flipV="1">
-            <a:off x="1331640" y="4126649"/>
-            <a:ext cx="288032" cy="35535"/>
+          <a:xfrm flipH="1">
+            <a:off x="1395011" y="4162184"/>
+            <a:ext cx="224661" cy="438"/>
           </a:xfrm>
           <a:prstGeom prst="straightConnector1">
             <a:avLst/>
@@ -9778,8 +9735,8 @@
         </p:nvSpPr>
         <p:spPr>
           <a:xfrm>
-            <a:off x="-2742219" y="6200805"/>
-            <a:ext cx="2296536" cy="461665"/>
+            <a:off x="7305946" y="5688377"/>
+            <a:ext cx="1486010" cy="553998"/>
           </a:xfrm>
           <a:prstGeom prst="rect">
             <a:avLst/>
@@ -9849,7 +9806,7 @@
         </p:nvSpPr>
         <p:spPr>
           <a:xfrm>
-            <a:off x="-2742219" y="5393174"/>
+            <a:off x="7305946" y="5409887"/>
             <a:ext cx="750526" cy="184666"/>
           </a:xfrm>
           <a:prstGeom prst="rect">
@@ -9864,9 +9821,6 @@
           <a:p>
             <a:r>
               <a:rPr lang="de-DE" sz="600" dirty="0" err="1">
-                <a:solidFill>
-                  <a:srgbClr val="C00000"/>
-                </a:solidFill>
                 <a:latin typeface="Arial" panose="020B0604020202020204" pitchFamily="34" charset="0"/>
                 <a:cs typeface="Arial" panose="020B0604020202020204" pitchFamily="34" charset="0"/>
                 <a:sym typeface="Wingdings" panose="05000000000000000000" pitchFamily="2" charset="2"/>
@@ -9875,9 +9829,6 @@
             </a:r>
             <a:r>
               <a:rPr lang="de-DE" sz="600" dirty="0">
-                <a:solidFill>
-                  <a:srgbClr val="C00000"/>
-                </a:solidFill>
                 <a:latin typeface="Arial" panose="020B0604020202020204" pitchFamily="34" charset="0"/>
                 <a:cs typeface="Arial" panose="020B0604020202020204" pitchFamily="34" charset="0"/>
                 <a:sym typeface="Wingdings" panose="05000000000000000000" pitchFamily="2" charset="2"/>
@@ -9886,9 +9837,6 @@
             </a:r>
             <a:r>
               <a:rPr lang="de-DE" sz="600" dirty="0" err="1">
-                <a:solidFill>
-                  <a:srgbClr val="C00000"/>
-                </a:solidFill>
                 <a:latin typeface="Arial" panose="020B0604020202020204" pitchFamily="34" charset="0"/>
                 <a:cs typeface="Arial" panose="020B0604020202020204" pitchFamily="34" charset="0"/>
                 <a:sym typeface="Wingdings" panose="05000000000000000000" pitchFamily="2" charset="2"/>
@@ -9907,7 +9855,7 @@
         </p:nvSpPr>
         <p:spPr>
           <a:xfrm>
-            <a:off x="-2740259" y="5711808"/>
+            <a:off x="8740" y="6092537"/>
             <a:ext cx="889520" cy="369332"/>
           </a:xfrm>
           <a:prstGeom prst="rect">
@@ -9939,11 +9887,15 @@
             <a:graphicFrameLocks noGrp="1"/>
           </p:cNvGraphicFramePr>
           <p:nvPr>
-            <p:extLst/>
+            <p:extLst>
+              <p:ext uri="{D42A27DB-BD31-4B8C-83A1-F6EECF244321}">
+                <p14:modId xmlns:p14="http://schemas.microsoft.com/office/powerpoint/2010/main" val="1253252457"/>
+              </p:ext>
+            </p:extLst>
           </p:nvPr>
         </p:nvGraphicFramePr>
         <p:xfrm>
-          <a:off x="1547664" y="1986476"/>
+          <a:off x="1547664" y="2058484"/>
           <a:ext cx="1846926" cy="1010476"/>
         </p:xfrm>
         <a:graphic>
@@ -10316,12 +10268,16 @@
             <a:graphicFrameLocks noGrp="1"/>
           </p:cNvGraphicFramePr>
           <p:nvPr>
-            <p:extLst/>
+            <p:extLst>
+              <p:ext uri="{D42A27DB-BD31-4B8C-83A1-F6EECF244321}">
+                <p14:modId xmlns:p14="http://schemas.microsoft.com/office/powerpoint/2010/main" val="3517327505"/>
+              </p:ext>
+            </p:extLst>
           </p:nvPr>
         </p:nvGraphicFramePr>
         <p:xfrm>
-          <a:off x="35496" y="1922150"/>
-          <a:ext cx="1224136" cy="1127760"/>
+          <a:off x="35496" y="2048476"/>
+          <a:ext cx="1224136" cy="1033191"/>
         </p:xfrm>
         <a:graphic>
           <a:graphicData uri="http://schemas.openxmlformats.org/drawingml/2006/table">
@@ -10338,7 +10294,7 @@
                   </a:extLst>
                 </a:gridCol>
               </a:tblGrid>
-              <a:tr h="274320">
+              <a:tr h="243923">
                 <a:tc>
                   <a:txBody>
                     <a:bodyPr/>
@@ -10381,7 +10337,7 @@
                   </a:ext>
                 </a:extLst>
               </a:tr>
-              <a:tr h="853440">
+              <a:tr h="758871">
                 <a:tc>
                   <a:txBody>
                     <a:bodyPr/>
@@ -10622,15 +10578,16 @@
         <p:nvCxnSpPr>
           <p:cNvPr id="7" name="Gerade Verbindung mit Pfeil 6"/>
           <p:cNvCxnSpPr>
+            <a:cxnSpLocks/>
             <a:stCxn id="27" idx="1"/>
             <a:endCxn id="28" idx="3"/>
           </p:cNvCxnSpPr>
           <p:nvPr/>
         </p:nvCxnSpPr>
         <p:spPr>
-          <a:xfrm flipH="1" flipV="1">
-            <a:off x="1259632" y="2486030"/>
-            <a:ext cx="288032" cy="5684"/>
+          <a:xfrm flipH="1">
+            <a:off x="1259632" y="2563722"/>
+            <a:ext cx="288032" cy="1349"/>
           </a:xfrm>
           <a:prstGeom prst="straightConnector1">
             <a:avLst/>
@@ -10667,12 +10624,12 @@
         </p:nvCxnSpPr>
         <p:spPr>
           <a:xfrm flipV="1">
-            <a:off x="3394590" y="1484784"/>
+            <a:off x="3394590" y="1556792"/>
             <a:ext cx="1048252" cy="1006930"/>
           </a:xfrm>
           <a:prstGeom prst="bentConnector3">
             <a:avLst>
-              <a:gd name="adj1" fmla="val 50000"/>
+              <a:gd name="adj1" fmla="val 76774"/>
             </a:avLst>
           </a:prstGeom>
           <a:ln w="15875">
@@ -11494,8 +11451,8 @@
         </p:nvCxnSpPr>
         <p:spPr>
           <a:xfrm rot="5400000" flipH="1" flipV="1">
-            <a:off x="3841608" y="88453"/>
-            <a:ext cx="308657" cy="6624736"/>
+            <a:off x="3855306" y="138125"/>
+            <a:ext cx="344630" cy="6561365"/>
           </a:xfrm>
           <a:prstGeom prst="bentConnector2">
             <a:avLst/>
@@ -11574,7 +11531,7 @@
         </p:nvCxnSpPr>
         <p:spPr>
           <a:xfrm flipV="1">
-            <a:off x="7620000" y="5961712"/>
+            <a:off x="7388586" y="6443279"/>
             <a:ext cx="495782" cy="2983"/>
           </a:xfrm>
           <a:prstGeom prst="bentConnector3">
@@ -11615,7 +11572,7 @@
         </p:nvSpPr>
         <p:spPr>
           <a:xfrm>
-            <a:off x="7524328" y="5989755"/>
+            <a:off x="7305946" y="6446262"/>
             <a:ext cx="1619672" cy="338554"/>
           </a:xfrm>
           <a:prstGeom prst="rect">
@@ -11648,14 +11605,14 @@
           <p:nvPr>
             <p:extLst>
               <p:ext uri="{D42A27DB-BD31-4B8C-83A1-F6EECF244321}">
-                <p14:modId xmlns:p14="http://schemas.microsoft.com/office/powerpoint/2010/main" val="1714335386"/>
+                <p14:modId xmlns:p14="http://schemas.microsoft.com/office/powerpoint/2010/main" val="1558653952"/>
               </p:ext>
             </p:extLst>
           </p:nvPr>
         </p:nvGraphicFramePr>
         <p:xfrm>
-          <a:off x="161614" y="5288293"/>
-          <a:ext cx="2970226" cy="1585694"/>
+          <a:off x="1217430" y="5299690"/>
+          <a:ext cx="2076116" cy="1558310"/>
         </p:xfrm>
         <a:graphic>
           <a:graphicData uri="http://schemas.openxmlformats.org/drawingml/2006/table">
@@ -11664,7 +11621,7 @@
                 <a:tableStyleId>{F2DE63D5-997A-4646-A377-4702673A728D}</a:tableStyleId>
               </a:tblPr>
               <a:tblGrid>
-                <a:gridCol w="2970226">
+                <a:gridCol w="2076116">
                   <a:extLst>
                     <a:ext uri="{9D8B030D-6E8A-4147-A177-3AD203B41FA5}">
                       <a16:colId xmlns:a16="http://schemas.microsoft.com/office/drawing/2014/main" val="20000"/>
@@ -11672,7 +11629,7 @@
                   </a:extLst>
                 </a:gridCol>
               </a:tblGrid>
-              <a:tr h="288252">
+              <a:tr h="283274">
                 <a:tc>
                   <a:txBody>
                     <a:bodyPr/>
@@ -11715,7 +11672,7 @@
                   </a:ext>
                 </a:extLst>
               </a:tr>
-              <a:tr h="1297442">
+              <a:tr h="1275036">
                 <a:tc>
                   <a:txBody>
                     <a:bodyPr/>
@@ -12200,7 +12157,7 @@
                         <a:t>text</a:t>
                       </a:r>
                       <a:r>
-                        <a:rPr lang="de-DE" sz="600" u="none" baseline="0">
+                        <a:rPr lang="de-DE" sz="600" u="none" baseline="0" dirty="0">
                           <a:solidFill>
                             <a:srgbClr val="C00000"/>
                           </a:solidFill>
@@ -12211,7 +12168,7 @@
                         <a:t>, </a:t>
                       </a:r>
                       <a:r>
-                        <a:rPr lang="de-DE" sz="600" u="none" baseline="0">
+                        <a:rPr lang="de-DE" sz="600" u="none" baseline="0" dirty="0">
                           <a:solidFill>
                             <a:srgbClr val="00B0F0"/>
                           </a:solidFill>
@@ -12221,14 +12178,6 @@
                         </a:rPr>
                         <a:t>NULL</a:t>
                       </a:r>
-                      <a:endParaRPr lang="de-DE" sz="600" u="none" baseline="0" dirty="0">
-                        <a:solidFill>
-                          <a:srgbClr val="00B0F0"/>
-                        </a:solidFill>
-                        <a:latin typeface="Arial" panose="020B0604020202020204" pitchFamily="34" charset="0"/>
-                        <a:cs typeface="Arial" panose="020B0604020202020204" pitchFamily="34" charset="0"/>
-                        <a:sym typeface="Wingdings" panose="05000000000000000000" pitchFamily="2" charset="2"/>
-                      </a:endParaRPr>
                     </a:p>
                     <a:p>
                       <a:pPr marL="0" marR="0" lvl="0" indent="0" algn="l" defTabSz="914400" rtl="0" eaLnBrk="1" fontAlgn="auto" latinLnBrk="0" hangingPunct="1">
@@ -12343,7 +12292,7 @@
         </p:nvSpPr>
         <p:spPr>
           <a:xfrm>
-            <a:off x="7867891" y="5372917"/>
+            <a:off x="0" y="6449641"/>
             <a:ext cx="889520" cy="369332"/>
           </a:xfrm>
           <a:prstGeom prst="rect">
@@ -12429,6 +12378,44 @@
           <a:xfrm>
             <a:off x="2375756" y="5013176"/>
             <a:ext cx="0" cy="288032"/>
+          </a:xfrm>
+          <a:prstGeom prst="straightConnector1">
+            <a:avLst/>
+          </a:prstGeom>
+          <a:ln w="15875">
+            <a:solidFill>
+              <a:schemeClr val="tx1"/>
+            </a:solidFill>
+            <a:tailEnd type="arrow"/>
+          </a:ln>
+        </p:spPr>
+        <p:style>
+          <a:lnRef idx="1">
+            <a:schemeClr val="accent1"/>
+          </a:lnRef>
+          <a:fillRef idx="0">
+            <a:schemeClr val="accent1"/>
+          </a:fillRef>
+          <a:effectRef idx="0">
+            <a:schemeClr val="accent1"/>
+          </a:effectRef>
+          <a:fontRef idx="minor">
+            <a:schemeClr val="tx1"/>
+          </a:fontRef>
+        </p:style>
+      </p:cxnSp>
+      <p:cxnSp>
+        <p:nvCxnSpPr>
+          <p:cNvPr id="54" name="Gerade Verbindung mit Pfeil 53"/>
+          <p:cNvCxnSpPr>
+            <a:cxnSpLocks/>
+          </p:cNvCxnSpPr>
+          <p:nvPr/>
+        </p:nvCxnSpPr>
+        <p:spPr>
+          <a:xfrm flipH="1">
+            <a:off x="3123203" y="4161746"/>
+            <a:ext cx="224661" cy="438"/>
           </a:xfrm>
           <a:prstGeom prst="straightConnector1">
             <a:avLst/>
